--- a/Thesis-presentation.pptx
+++ b/Thesis-presentation.pptx
@@ -5,30 +5,31 @@
     <p:sldMasterId id="2147483649" r:id="rId1"/>
   </p:sldMasterIdLst>
   <p:notesMasterIdLst>
-    <p:notesMasterId r:id="rId23"/>
+    <p:notesMasterId r:id="rId24"/>
   </p:notesMasterIdLst>
   <p:sldIdLst>
     <p:sldId id="326" r:id="rId2"/>
     <p:sldId id="447" r:id="rId3"/>
-    <p:sldId id="459" r:id="rId4"/>
-    <p:sldId id="448" r:id="rId5"/>
-    <p:sldId id="449" r:id="rId6"/>
-    <p:sldId id="450" r:id="rId7"/>
-    <p:sldId id="451" r:id="rId8"/>
-    <p:sldId id="452" r:id="rId9"/>
-    <p:sldId id="453" r:id="rId10"/>
-    <p:sldId id="454" r:id="rId11"/>
-    <p:sldId id="455" r:id="rId12"/>
-    <p:sldId id="456" r:id="rId13"/>
-    <p:sldId id="457" r:id="rId14"/>
-    <p:sldId id="440" r:id="rId15"/>
-    <p:sldId id="458" r:id="rId16"/>
-    <p:sldId id="461" r:id="rId17"/>
+    <p:sldId id="467" r:id="rId4"/>
+    <p:sldId id="459" r:id="rId5"/>
+    <p:sldId id="462" r:id="rId6"/>
+    <p:sldId id="448" r:id="rId7"/>
+    <p:sldId id="450" r:id="rId8"/>
+    <p:sldId id="464" r:id="rId9"/>
+    <p:sldId id="452" r:id="rId10"/>
+    <p:sldId id="465" r:id="rId11"/>
+    <p:sldId id="454" r:id="rId12"/>
+    <p:sldId id="455" r:id="rId13"/>
+    <p:sldId id="466" r:id="rId14"/>
+    <p:sldId id="456" r:id="rId15"/>
+    <p:sldId id="457" r:id="rId16"/>
+    <p:sldId id="458" r:id="rId17"/>
     <p:sldId id="441" r:id="rId18"/>
     <p:sldId id="446" r:id="rId19"/>
     <p:sldId id="444" r:id="rId20"/>
     <p:sldId id="442" r:id="rId21"/>
     <p:sldId id="443" r:id="rId22"/>
+    <p:sldId id="468" r:id="rId23"/>
   </p:sldIdLst>
   <p:sldSz cx="9144000" cy="6858000" type="screen4x3"/>
   <p:notesSz cx="6858000" cy="9144000"/>
@@ -226,14 +227,14 @@
           <a:effectLst/>
           <a:extLst>
             <a:ext uri="{909E8E84-426E-40dd-AFC4-6F175D3DCCD1}">
-              <a14:hiddenFill xmlns="" xmlns:a14="http://schemas.microsoft.com/office/drawing/2010/main">
+              <a14:hiddenFill xmlns:a14="http://schemas.microsoft.com/office/drawing/2010/main" xmlns="">
                 <a:solidFill>
                   <a:schemeClr val="accent1"/>
                 </a:solidFill>
               </a14:hiddenFill>
             </a:ext>
             <a:ext uri="{91240B29-F687-4f45-9708-019B960494DF}">
-              <a14:hiddenLine xmlns="" xmlns:a14="http://schemas.microsoft.com/office/drawing/2010/main" w="9525">
+              <a14:hiddenLine xmlns:a14="http://schemas.microsoft.com/office/drawing/2010/main" xmlns="" w="9525">
                 <a:solidFill>
                   <a:schemeClr val="tx1"/>
                 </a:solidFill>
@@ -243,7 +244,7 @@
               </a14:hiddenLine>
             </a:ext>
             <a:ext uri="{AF507438-7753-43e0-B8FC-AC1667EBCBE1}">
-              <a14:hiddenEffects xmlns="" xmlns:a14="http://schemas.microsoft.com/office/drawing/2010/main">
+              <a14:hiddenEffects xmlns:a14="http://schemas.microsoft.com/office/drawing/2010/main" xmlns="">
                 <a:effectLst>
                   <a:outerShdw blurRad="63500" dist="38099" dir="2700000" algn="ctr" rotWithShape="0">
                     <a:schemeClr val="bg2">
@@ -254,7 +255,7 @@
               </a14:hiddenEffects>
             </a:ext>
             <a:ext uri="{FAA26D3D-D897-4be2-8F04-BA451C77F1D7}">
-              <ma14:placeholderFlag xmlns="" xmlns:ma14="http://schemas.microsoft.com/office/mac/drawingml/2011/main" val="1"/>
+              <ma14:placeholderFlag xmlns:ma14="http://schemas.microsoft.com/office/mac/drawingml/2011/main" xmlns="" val="1"/>
             </a:ext>
           </a:extLst>
         </p:spPr>
@@ -299,14 +300,14 @@
           <a:effectLst/>
           <a:extLst>
             <a:ext uri="{909E8E84-426E-40dd-AFC4-6F175D3DCCD1}">
-              <a14:hiddenFill xmlns="" xmlns:a14="http://schemas.microsoft.com/office/drawing/2010/main">
+              <a14:hiddenFill xmlns:a14="http://schemas.microsoft.com/office/drawing/2010/main" xmlns="">
                 <a:solidFill>
                   <a:schemeClr val="accent1"/>
                 </a:solidFill>
               </a14:hiddenFill>
             </a:ext>
             <a:ext uri="{91240B29-F687-4f45-9708-019B960494DF}">
-              <a14:hiddenLine xmlns="" xmlns:a14="http://schemas.microsoft.com/office/drawing/2010/main" w="9525">
+              <a14:hiddenLine xmlns:a14="http://schemas.microsoft.com/office/drawing/2010/main" xmlns="" w="9525">
                 <a:solidFill>
                   <a:schemeClr val="tx1"/>
                 </a:solidFill>
@@ -316,7 +317,7 @@
               </a14:hiddenLine>
             </a:ext>
             <a:ext uri="{AF507438-7753-43e0-B8FC-AC1667EBCBE1}">
-              <a14:hiddenEffects xmlns="" xmlns:a14="http://schemas.microsoft.com/office/drawing/2010/main">
+              <a14:hiddenEffects xmlns:a14="http://schemas.microsoft.com/office/drawing/2010/main" xmlns="">
                 <a:effectLst>
                   <a:outerShdw blurRad="63500" dist="38099" dir="2700000" algn="ctr" rotWithShape="0">
                     <a:schemeClr val="bg2">
@@ -327,7 +328,7 @@
               </a14:hiddenEffects>
             </a:ext>
             <a:ext uri="{FAA26D3D-D897-4be2-8F04-BA451C77F1D7}">
-              <ma14:placeholderFlag xmlns="" xmlns:ma14="http://schemas.microsoft.com/office/mac/drawingml/2011/main" val="1"/>
+              <ma14:placeholderFlag xmlns:ma14="http://schemas.microsoft.com/office/mac/drawingml/2011/main" xmlns="" val="1"/>
             </a:ext>
           </a:extLst>
         </p:spPr>
@@ -377,7 +378,7 @@
           <a:effectLst/>
           <a:extLst>
             <a:ext uri="{AF507438-7753-43e0-B8FC-AC1667EBCBE1}">
-              <a14:hiddenEffects xmlns="" xmlns:a14="http://schemas.microsoft.com/office/drawing/2010/main">
+              <a14:hiddenEffects xmlns:a14="http://schemas.microsoft.com/office/drawing/2010/main" xmlns="">
                 <a:effectLst>
                   <a:outerShdw blurRad="63500" dist="38099" dir="2700000" algn="ctr" rotWithShape="0">
                     <a:srgbClr val="000000">
@@ -388,7 +389,7 @@
               </a14:hiddenEffects>
             </a:ext>
             <a:ext uri="{53640926-AAD7-44d8-BBD7-CCE9431645EC}">
-              <a14:shadowObscured xmlns="" xmlns:a14="http://schemas.microsoft.com/office/drawing/2010/main" val="1"/>
+              <a14:shadowObscured xmlns:a14="http://schemas.microsoft.com/office/drawing/2010/main" xmlns="" val="1"/>
             </a:ext>
           </a:extLst>
         </p:spPr>
@@ -418,14 +419,14 @@
           <a:effectLst/>
           <a:extLst>
             <a:ext uri="{909E8E84-426E-40dd-AFC4-6F175D3DCCD1}">
-              <a14:hiddenFill xmlns="" xmlns:a14="http://schemas.microsoft.com/office/drawing/2010/main">
+              <a14:hiddenFill xmlns:a14="http://schemas.microsoft.com/office/drawing/2010/main" xmlns="">
                 <a:solidFill>
                   <a:schemeClr val="accent1"/>
                 </a:solidFill>
               </a14:hiddenFill>
             </a:ext>
             <a:ext uri="{91240B29-F687-4f45-9708-019B960494DF}">
-              <a14:hiddenLine xmlns="" xmlns:a14="http://schemas.microsoft.com/office/drawing/2010/main" w="9525">
+              <a14:hiddenLine xmlns:a14="http://schemas.microsoft.com/office/drawing/2010/main" xmlns="" w="9525">
                 <a:solidFill>
                   <a:schemeClr val="tx1"/>
                 </a:solidFill>
@@ -435,7 +436,7 @@
               </a14:hiddenLine>
             </a:ext>
             <a:ext uri="{AF507438-7753-43e0-B8FC-AC1667EBCBE1}">
-              <a14:hiddenEffects xmlns="" xmlns:a14="http://schemas.microsoft.com/office/drawing/2010/main">
+              <a14:hiddenEffects xmlns:a14="http://schemas.microsoft.com/office/drawing/2010/main" xmlns="">
                 <a:effectLst>
                   <a:outerShdw blurRad="63500" dist="38099" dir="2700000" algn="ctr" rotWithShape="0">
                     <a:schemeClr val="bg2">
@@ -446,7 +447,7 @@
               </a14:hiddenEffects>
             </a:ext>
             <a:ext uri="{FAA26D3D-D897-4be2-8F04-BA451C77F1D7}">
-              <ma14:placeholderFlag xmlns="" xmlns:ma14="http://schemas.microsoft.com/office/mac/drawingml/2011/main" val="1"/>
+              <ma14:placeholderFlag xmlns:ma14="http://schemas.microsoft.com/office/mac/drawingml/2011/main" xmlns="" val="1"/>
             </a:ext>
           </a:extLst>
         </p:spPr>
@@ -519,14 +520,14 @@
           <a:effectLst/>
           <a:extLst>
             <a:ext uri="{909E8E84-426E-40dd-AFC4-6F175D3DCCD1}">
-              <a14:hiddenFill xmlns="" xmlns:a14="http://schemas.microsoft.com/office/drawing/2010/main">
+              <a14:hiddenFill xmlns:a14="http://schemas.microsoft.com/office/drawing/2010/main" xmlns="">
                 <a:solidFill>
                   <a:schemeClr val="accent1"/>
                 </a:solidFill>
               </a14:hiddenFill>
             </a:ext>
             <a:ext uri="{91240B29-F687-4f45-9708-019B960494DF}">
-              <a14:hiddenLine xmlns="" xmlns:a14="http://schemas.microsoft.com/office/drawing/2010/main" w="9525">
+              <a14:hiddenLine xmlns:a14="http://schemas.microsoft.com/office/drawing/2010/main" xmlns="" w="9525">
                 <a:solidFill>
                   <a:schemeClr val="tx1"/>
                 </a:solidFill>
@@ -536,7 +537,7 @@
               </a14:hiddenLine>
             </a:ext>
             <a:ext uri="{AF507438-7753-43e0-B8FC-AC1667EBCBE1}">
-              <a14:hiddenEffects xmlns="" xmlns:a14="http://schemas.microsoft.com/office/drawing/2010/main">
+              <a14:hiddenEffects xmlns:a14="http://schemas.microsoft.com/office/drawing/2010/main" xmlns="">
                 <a:effectLst>
                   <a:outerShdw blurRad="63500" dist="38099" dir="2700000" algn="ctr" rotWithShape="0">
                     <a:schemeClr val="bg2">
@@ -547,7 +548,7 @@
               </a14:hiddenEffects>
             </a:ext>
             <a:ext uri="{FAA26D3D-D897-4be2-8F04-BA451C77F1D7}">
-              <ma14:placeholderFlag xmlns="" xmlns:ma14="http://schemas.microsoft.com/office/mac/drawingml/2011/main" val="1"/>
+              <ma14:placeholderFlag xmlns:ma14="http://schemas.microsoft.com/office/mac/drawingml/2011/main" xmlns="" val="1"/>
             </a:ext>
           </a:extLst>
         </p:spPr>
@@ -592,14 +593,14 @@
           <a:effectLst/>
           <a:extLst>
             <a:ext uri="{909E8E84-426E-40dd-AFC4-6F175D3DCCD1}">
-              <a14:hiddenFill xmlns="" xmlns:a14="http://schemas.microsoft.com/office/drawing/2010/main">
+              <a14:hiddenFill xmlns:a14="http://schemas.microsoft.com/office/drawing/2010/main" xmlns="">
                 <a:solidFill>
                   <a:schemeClr val="accent1"/>
                 </a:solidFill>
               </a14:hiddenFill>
             </a:ext>
             <a:ext uri="{91240B29-F687-4f45-9708-019B960494DF}">
-              <a14:hiddenLine xmlns="" xmlns:a14="http://schemas.microsoft.com/office/drawing/2010/main" w="9525">
+              <a14:hiddenLine xmlns:a14="http://schemas.microsoft.com/office/drawing/2010/main" xmlns="" w="9525">
                 <a:solidFill>
                   <a:schemeClr val="tx1"/>
                 </a:solidFill>
@@ -609,7 +610,7 @@
               </a14:hiddenLine>
             </a:ext>
             <a:ext uri="{AF507438-7753-43e0-B8FC-AC1667EBCBE1}">
-              <a14:hiddenEffects xmlns="" xmlns:a14="http://schemas.microsoft.com/office/drawing/2010/main">
+              <a14:hiddenEffects xmlns:a14="http://schemas.microsoft.com/office/drawing/2010/main" xmlns="">
                 <a:effectLst>
                   <a:outerShdw blurRad="63500" dist="38099" dir="2700000" algn="ctr" rotWithShape="0">
                     <a:schemeClr val="bg2">
@@ -620,7 +621,7 @@
               </a14:hiddenEffects>
             </a:ext>
             <a:ext uri="{FAA26D3D-D897-4be2-8F04-BA451C77F1D7}">
-              <ma14:placeholderFlag xmlns="" xmlns:ma14="http://schemas.microsoft.com/office/mac/drawingml/2011/main" val="1"/>
+              <ma14:placeholderFlag xmlns:ma14="http://schemas.microsoft.com/office/mac/drawingml/2011/main" xmlns="" val="1"/>
             </a:ext>
           </a:extLst>
         </p:spPr>
@@ -835,7 +836,7 @@
           <a:ln/>
           <a:extLst>
             <a:ext uri="{FAA26D3D-D897-4be2-8F04-BA451C77F1D7}">
-              <ma14:placeholderFlag xmlns="" xmlns:ma14="http://schemas.microsoft.com/office/mac/drawingml/2011/main" val="1"/>
+              <ma14:placeholderFlag xmlns:ma14="http://schemas.microsoft.com/office/mac/drawingml/2011/main" xmlns="" val="1"/>
             </a:ext>
           </a:extLst>
         </p:spPr>
@@ -2579,14 +2580,14 @@
           <a:effectLst/>
           <a:extLst>
             <a:ext uri="{909E8E84-426E-40dd-AFC4-6F175D3DCCD1}">
-              <a14:hiddenFill xmlns="" xmlns:a14="http://schemas.microsoft.com/office/drawing/2010/main">
+              <a14:hiddenFill xmlns:a14="http://schemas.microsoft.com/office/drawing/2010/main" xmlns="">
                 <a:solidFill>
                   <a:schemeClr val="accent1"/>
                 </a:solidFill>
               </a14:hiddenFill>
             </a:ext>
             <a:ext uri="{91240B29-F687-4f45-9708-019B960494DF}">
-              <a14:hiddenLine xmlns="" xmlns:a14="http://schemas.microsoft.com/office/drawing/2010/main" w="9525">
+              <a14:hiddenLine xmlns:a14="http://schemas.microsoft.com/office/drawing/2010/main" xmlns="" w="9525">
                 <a:solidFill>
                   <a:schemeClr val="tx1"/>
                 </a:solidFill>
@@ -2596,7 +2597,7 @@
               </a14:hiddenLine>
             </a:ext>
             <a:ext uri="{AF507438-7753-43e0-B8FC-AC1667EBCBE1}">
-              <a14:hiddenEffects xmlns="" xmlns:a14="http://schemas.microsoft.com/office/drawing/2010/main">
+              <a14:hiddenEffects xmlns:a14="http://schemas.microsoft.com/office/drawing/2010/main" xmlns="">
                 <a:effectLst>
                   <a:outerShdw blurRad="63500" dist="38099" dir="2700000" algn="ctr" rotWithShape="0">
                     <a:schemeClr val="bg2">
@@ -2607,7 +2608,7 @@
               </a14:hiddenEffects>
             </a:ext>
             <a:ext uri="{FAA26D3D-D897-4be2-8F04-BA451C77F1D7}">
-              <ma14:placeholderFlag xmlns="" xmlns:ma14="http://schemas.microsoft.com/office/mac/drawingml/2011/main" val="1"/>
+              <ma14:placeholderFlag xmlns:ma14="http://schemas.microsoft.com/office/mac/drawingml/2011/main" xmlns="" val="1"/>
             </a:ext>
           </a:extLst>
         </p:spPr>
@@ -2652,14 +2653,14 @@
           <a:effectLst/>
           <a:extLst>
             <a:ext uri="{909E8E84-426E-40dd-AFC4-6F175D3DCCD1}">
-              <a14:hiddenFill xmlns="" xmlns:a14="http://schemas.microsoft.com/office/drawing/2010/main">
+              <a14:hiddenFill xmlns:a14="http://schemas.microsoft.com/office/drawing/2010/main" xmlns="">
                 <a:solidFill>
                   <a:schemeClr val="accent1"/>
                 </a:solidFill>
               </a14:hiddenFill>
             </a:ext>
             <a:ext uri="{91240B29-F687-4f45-9708-019B960494DF}">
-              <a14:hiddenLine xmlns="" xmlns:a14="http://schemas.microsoft.com/office/drawing/2010/main" w="9525">
+              <a14:hiddenLine xmlns:a14="http://schemas.microsoft.com/office/drawing/2010/main" xmlns="" w="9525">
                 <a:solidFill>
                   <a:schemeClr val="tx1"/>
                 </a:solidFill>
@@ -2669,7 +2670,7 @@
               </a14:hiddenLine>
             </a:ext>
             <a:ext uri="{AF507438-7753-43e0-B8FC-AC1667EBCBE1}">
-              <a14:hiddenEffects xmlns="" xmlns:a14="http://schemas.microsoft.com/office/drawing/2010/main">
+              <a14:hiddenEffects xmlns:a14="http://schemas.microsoft.com/office/drawing/2010/main" xmlns="">
                 <a:effectLst>
                   <a:outerShdw blurRad="63500" dist="38099" dir="2700000" algn="ctr" rotWithShape="0">
                     <a:schemeClr val="bg2">
@@ -2680,7 +2681,7 @@
               </a14:hiddenEffects>
             </a:ext>
             <a:ext uri="{FAA26D3D-D897-4be2-8F04-BA451C77F1D7}">
-              <ma14:placeholderFlag xmlns="" xmlns:ma14="http://schemas.microsoft.com/office/mac/drawingml/2011/main" val="1"/>
+              <ma14:placeholderFlag xmlns:ma14="http://schemas.microsoft.com/office/mac/drawingml/2011/main" xmlns="" val="1"/>
             </a:ext>
           </a:extLst>
         </p:spPr>
@@ -2760,7 +2761,7 @@
           <a:noFill/>
           <a:extLst>
             <a:ext uri="{909E8E84-426E-40dd-AFC4-6F175D3DCCD1}">
-              <a14:hiddenFill xmlns="" xmlns:a14="http://schemas.microsoft.com/office/drawing/2010/main">
+              <a14:hiddenFill xmlns:a14="http://schemas.microsoft.com/office/drawing/2010/main" xmlns="">
                 <a:solidFill>
                   <a:srgbClr val="FFFFFF"/>
                 </a:solidFill>
@@ -2792,14 +2793,14 @@
           <a:effectLst/>
           <a:extLst>
             <a:ext uri="{909E8E84-426E-40dd-AFC4-6F175D3DCCD1}">
-              <a14:hiddenFill xmlns="" xmlns:a14="http://schemas.microsoft.com/office/drawing/2010/main">
+              <a14:hiddenFill xmlns:a14="http://schemas.microsoft.com/office/drawing/2010/main" xmlns="">
                 <a:solidFill>
                   <a:schemeClr val="accent1"/>
                 </a:solidFill>
               </a14:hiddenFill>
             </a:ext>
             <a:ext uri="{91240B29-F687-4f45-9708-019B960494DF}">
-              <a14:hiddenLine xmlns="" xmlns:a14="http://schemas.microsoft.com/office/drawing/2010/main" w="9525">
+              <a14:hiddenLine xmlns:a14="http://schemas.microsoft.com/office/drawing/2010/main" xmlns="" w="9525">
                 <a:solidFill>
                   <a:schemeClr val="tx1"/>
                 </a:solidFill>
@@ -2809,7 +2810,7 @@
               </a14:hiddenLine>
             </a:ext>
             <a:ext uri="{AF507438-7753-43e0-B8FC-AC1667EBCBE1}">
-              <a14:hiddenEffects xmlns="" xmlns:a14="http://schemas.microsoft.com/office/drawing/2010/main">
+              <a14:hiddenEffects xmlns:a14="http://schemas.microsoft.com/office/drawing/2010/main" xmlns="">
                 <a:effectLst>
                   <a:outerShdw blurRad="63500" dist="38099" dir="2700000" algn="ctr" rotWithShape="0">
                     <a:schemeClr val="bg2">
@@ -2878,7 +2879,7 @@
           <a:noFill/>
           <a:extLst>
             <a:ext uri="{909E8E84-426E-40dd-AFC4-6F175D3DCCD1}">
-              <a14:hiddenFill xmlns="" xmlns:a14="http://schemas.microsoft.com/office/drawing/2010/main">
+              <a14:hiddenFill xmlns:a14="http://schemas.microsoft.com/office/drawing/2010/main" xmlns="">
                 <a:solidFill>
                   <a:srgbClr val="FFFFFF"/>
                 </a:solidFill>
@@ -2915,12 +2916,12 @@
           <a:effectLst/>
           <a:extLst>
             <a:ext uri="{909E8E84-426E-40dd-AFC4-6F175D3DCCD1}">
-              <a14:hiddenFill xmlns="" xmlns:a14="http://schemas.microsoft.com/office/drawing/2010/main">
+              <a14:hiddenFill xmlns:a14="http://schemas.microsoft.com/office/drawing/2010/main" xmlns="">
                 <a:noFill/>
               </a14:hiddenFill>
             </a:ext>
             <a:ext uri="{AF507438-7753-43e0-B8FC-AC1667EBCBE1}">
-              <a14:hiddenEffects xmlns="" xmlns:a14="http://schemas.microsoft.com/office/drawing/2010/main">
+              <a14:hiddenEffects xmlns:a14="http://schemas.microsoft.com/office/drawing/2010/main" xmlns="">
                 <a:effectLst>
                   <a:outerShdw blurRad="63500" dist="38099" dir="2700000" algn="ctr" rotWithShape="0">
                     <a:schemeClr val="bg2">
@@ -2963,14 +2964,14 @@
           <a:effectLst/>
           <a:extLst>
             <a:ext uri="{909E8E84-426E-40dd-AFC4-6F175D3DCCD1}">
-              <a14:hiddenFill xmlns="" xmlns:a14="http://schemas.microsoft.com/office/drawing/2010/main">
+              <a14:hiddenFill xmlns:a14="http://schemas.microsoft.com/office/drawing/2010/main" xmlns="">
                 <a:solidFill>
                   <a:schemeClr val="accent1"/>
                 </a:solidFill>
               </a14:hiddenFill>
             </a:ext>
             <a:ext uri="{91240B29-F687-4f45-9708-019B960494DF}">
-              <a14:hiddenLine xmlns="" xmlns:a14="http://schemas.microsoft.com/office/drawing/2010/main" w="9525">
+              <a14:hiddenLine xmlns:a14="http://schemas.microsoft.com/office/drawing/2010/main" xmlns="" w="9525">
                 <a:solidFill>
                   <a:schemeClr val="tx1"/>
                 </a:solidFill>
@@ -2980,7 +2981,7 @@
               </a14:hiddenLine>
             </a:ext>
             <a:ext uri="{AF507438-7753-43e0-B8FC-AC1667EBCBE1}">
-              <a14:hiddenEffects xmlns="" xmlns:a14="http://schemas.microsoft.com/office/drawing/2010/main">
+              <a14:hiddenEffects xmlns:a14="http://schemas.microsoft.com/office/drawing/2010/main" xmlns="">
                 <a:effectLst>
                   <a:outerShdw blurRad="63500" dist="38099" dir="2700000" algn="ctr" rotWithShape="0">
                     <a:schemeClr val="bg2">
@@ -3047,14 +3048,14 @@
           <a:effectLst/>
           <a:extLst>
             <a:ext uri="{909E8E84-426E-40dd-AFC4-6F175D3DCCD1}">
-              <a14:hiddenFill xmlns="" xmlns:a14="http://schemas.microsoft.com/office/drawing/2010/main">
+              <a14:hiddenFill xmlns:a14="http://schemas.microsoft.com/office/drawing/2010/main" xmlns="">
                 <a:solidFill>
                   <a:schemeClr val="accent1"/>
                 </a:solidFill>
               </a14:hiddenFill>
             </a:ext>
             <a:ext uri="{91240B29-F687-4f45-9708-019B960494DF}">
-              <a14:hiddenLine xmlns="" xmlns:a14="http://schemas.microsoft.com/office/drawing/2010/main" w="9525">
+              <a14:hiddenLine xmlns:a14="http://schemas.microsoft.com/office/drawing/2010/main" xmlns="" w="9525">
                 <a:solidFill>
                   <a:schemeClr val="tx1"/>
                 </a:solidFill>
@@ -3064,7 +3065,7 @@
               </a14:hiddenLine>
             </a:ext>
             <a:ext uri="{AF507438-7753-43e0-B8FC-AC1667EBCBE1}">
-              <a14:hiddenEffects xmlns="" xmlns:a14="http://schemas.microsoft.com/office/drawing/2010/main">
+              <a14:hiddenEffects xmlns:a14="http://schemas.microsoft.com/office/drawing/2010/main" xmlns="">
                 <a:effectLst>
                   <a:outerShdw blurRad="63500" dist="38099" dir="2700000" algn="ctr" rotWithShape="0">
                     <a:schemeClr val="bg2">
@@ -3606,7 +3607,7 @@
           <a:noFill/>
           <a:extLst>
             <a:ext uri="{909E8E84-426E-40dd-AFC4-6F175D3DCCD1}">
-              <a14:hiddenFill xmlns="" xmlns:a14="http://schemas.microsoft.com/office/drawing/2010/main">
+              <a14:hiddenFill xmlns:a14="http://schemas.microsoft.com/office/drawing/2010/main" xmlns="">
                 <a:solidFill>
                   <a:srgbClr val="FFFFFF"/>
                 </a:solidFill>
@@ -3668,7 +3669,11 @@
             </a:pPr>
             <a:r>
               <a:rPr lang="en-US" sz="1600" dirty="0" smtClean="0"/>
-              <a:t>March, 9 2015</a:t>
+              <a:t>March, </a:t>
+            </a:r>
+            <a:r>
+              <a:rPr lang="en-US" sz="1600" dirty="0" smtClean="0"/>
+              <a:t>26 2015</a:t>
             </a:r>
             <a:endParaRPr lang="en-US" sz="1600" dirty="0"/>
           </a:p>
@@ -3697,14 +3702,14 @@
           <a:effectLst/>
           <a:extLst>
             <a:ext uri="{909E8E84-426E-40dd-AFC4-6F175D3DCCD1}">
-              <a14:hiddenFill xmlns="" xmlns:a14="http://schemas.microsoft.com/office/drawing/2010/main">
+              <a14:hiddenFill xmlns:a14="http://schemas.microsoft.com/office/drawing/2010/main" xmlns="">
                 <a:solidFill>
                   <a:schemeClr val="accent1"/>
                 </a:solidFill>
               </a14:hiddenFill>
             </a:ext>
             <a:ext uri="{91240B29-F687-4f45-9708-019B960494DF}">
-              <a14:hiddenLine xmlns="" xmlns:a14="http://schemas.microsoft.com/office/drawing/2010/main" w="9525">
+              <a14:hiddenLine xmlns:a14="http://schemas.microsoft.com/office/drawing/2010/main" xmlns="" w="9525">
                 <a:solidFill>
                   <a:schemeClr val="tx1"/>
                 </a:solidFill>
@@ -3714,7 +3719,7 @@
               </a14:hiddenLine>
             </a:ext>
             <a:ext uri="{AF507438-7753-43e0-B8FC-AC1667EBCBE1}">
-              <a14:hiddenEffects xmlns="" xmlns:a14="http://schemas.microsoft.com/office/drawing/2010/main">
+              <a14:hiddenEffects xmlns:a14="http://schemas.microsoft.com/office/drawing/2010/main" xmlns="">
                 <a:effectLst>
                   <a:outerShdw blurRad="63500" dist="38099" dir="2700000" algn="ctr" rotWithShape="0">
                     <a:schemeClr val="bg2">
@@ -3769,7 +3774,7 @@
           <a:effectLst/>
           <a:extLst>
             <a:ext uri="{AF507438-7753-43e0-B8FC-AC1667EBCBE1}">
-              <a14:hiddenEffects xmlns="" xmlns:a14="http://schemas.microsoft.com/office/drawing/2010/main">
+              <a14:hiddenEffects xmlns:a14="http://schemas.microsoft.com/office/drawing/2010/main" xmlns="">
                 <a:effectLst>
                   <a:outerShdw blurRad="63500" dist="38099" dir="2700000" algn="ctr" rotWithShape="0">
                     <a:schemeClr val="bg2">
@@ -3819,7 +3824,7 @@
           <a:effectLst/>
           <a:extLst>
             <a:ext uri="{AF507438-7753-43e0-B8FC-AC1667EBCBE1}">
-              <a14:hiddenEffects xmlns="" xmlns:a14="http://schemas.microsoft.com/office/drawing/2010/main">
+              <a14:hiddenEffects xmlns:a14="http://schemas.microsoft.com/office/drawing/2010/main" xmlns="">
                 <a:effectLst>
                   <a:outerShdw blurRad="63500" dist="38099" dir="2700000" algn="ctr" rotWithShape="0">
                     <a:schemeClr val="bg2">
@@ -3862,14 +3867,14 @@
           <a:effectLst/>
           <a:extLst>
             <a:ext uri="{909E8E84-426E-40dd-AFC4-6F175D3DCCD1}">
-              <a14:hiddenFill xmlns="" xmlns:a14="http://schemas.microsoft.com/office/drawing/2010/main">
+              <a14:hiddenFill xmlns:a14="http://schemas.microsoft.com/office/drawing/2010/main" xmlns="">
                 <a:solidFill>
                   <a:schemeClr val="accent1"/>
                 </a:solidFill>
               </a14:hiddenFill>
             </a:ext>
             <a:ext uri="{91240B29-F687-4f45-9708-019B960494DF}">
-              <a14:hiddenLine xmlns="" xmlns:a14="http://schemas.microsoft.com/office/drawing/2010/main" w="9525">
+              <a14:hiddenLine xmlns:a14="http://schemas.microsoft.com/office/drawing/2010/main" xmlns="" w="9525">
                 <a:solidFill>
                   <a:schemeClr val="tx1"/>
                 </a:solidFill>
@@ -3879,7 +3884,7 @@
               </a14:hiddenLine>
             </a:ext>
             <a:ext uri="{AF507438-7753-43e0-B8FC-AC1667EBCBE1}">
-              <a14:hiddenEffects xmlns="" xmlns:a14="http://schemas.microsoft.com/office/drawing/2010/main">
+              <a14:hiddenEffects xmlns:a14="http://schemas.microsoft.com/office/drawing/2010/main" xmlns="">
                 <a:effectLst>
                   <a:outerShdw blurRad="63500" dist="38099" dir="2700000" algn="ctr" rotWithShape="0">
                     <a:schemeClr val="bg2">
@@ -4035,493 +4040,6 @@
           <a:p>
             <a:r>
               <a:rPr lang="en-US" dirty="0" smtClean="0"/>
-              <a:t>Preprocessing I</a:t>
-            </a:r>
-            <a:endParaRPr lang="en-US" dirty="0"/>
-          </a:p>
-        </p:txBody>
-      </p:sp>
-      <p:pic>
-        <p:nvPicPr>
-          <p:cNvPr id="4" name="Content Placeholder 3" descr="each_dir_output1.png"/>
-          <p:cNvPicPr>
-            <a:picLocks noGrp="1" noChangeAspect="1"/>
-          </p:cNvPicPr>
-          <p:nvPr>
-            <p:ph idx="1"/>
-          </p:nvPr>
-        </p:nvPicPr>
-        <p:blipFill>
-          <a:blip r:embed="rId2">
-            <a:extLst>
-              <a:ext uri="{28A0092B-C50C-407E-A947-70E740481C1C}">
-                <a14:useLocalDpi xmlns:a14="http://schemas.microsoft.com/office/drawing/2010/main" val="0"/>
-              </a:ext>
-            </a:extLst>
-          </a:blip>
-          <a:stretch>
-            <a:fillRect/>
-          </a:stretch>
-        </p:blipFill>
-        <p:spPr>
-          <a:xfrm>
-            <a:off x="2071687" y="2682081"/>
-            <a:ext cx="5000625" cy="2362200"/>
-          </a:xfrm>
-        </p:spPr>
-      </p:pic>
-    </p:spTree>
-    <p:extLst>
-      <p:ext uri="{BB962C8B-B14F-4D97-AF65-F5344CB8AC3E}">
-        <p14:creationId xmlns:p14="http://schemas.microsoft.com/office/powerpoint/2010/main" val="4080516304"/>
-      </p:ext>
-    </p:extLst>
-  </p:cSld>
-  <p:clrMapOvr>
-    <a:masterClrMapping/>
-  </p:clrMapOvr>
-  <p:transition/>
-  <p:timing>
-    <p:tnLst>
-      <p:par>
-        <p:cTn id="1" dur="indefinite" restart="never" nodeType="tmRoot"/>
-      </p:par>
-    </p:tnLst>
-  </p:timing>
-</p:sld>
-</file>
-
-<file path=ppt/slides/slide11.xml><?xml version="1.0" encoding="utf-8"?>
-<p:sld xmlns:a="http://schemas.openxmlformats.org/drawingml/2006/main" xmlns:r="http://schemas.openxmlformats.org/officeDocument/2006/relationships" xmlns:p="http://schemas.openxmlformats.org/presentationml/2006/main">
-  <p:cSld>
-    <p:spTree>
-      <p:nvGrpSpPr>
-        <p:cNvPr id="1" name=""/>
-        <p:cNvGrpSpPr/>
-        <p:nvPr/>
-      </p:nvGrpSpPr>
-      <p:grpSpPr>
-        <a:xfrm>
-          <a:off x="0" y="0"/>
-          <a:ext cx="0" cy="0"/>
-          <a:chOff x="0" y="0"/>
-          <a:chExt cx="0" cy="0"/>
-        </a:xfrm>
-      </p:grpSpPr>
-      <p:sp>
-        <p:nvSpPr>
-          <p:cNvPr id="2" name="Title 1"/>
-          <p:cNvSpPr>
-            <a:spLocks noGrp="1"/>
-          </p:cNvSpPr>
-          <p:nvPr>
-            <p:ph type="title"/>
-          </p:nvPr>
-        </p:nvSpPr>
-        <p:spPr/>
-        <p:txBody>
-          <a:bodyPr/>
-          <a:lstStyle/>
-          <a:p>
-            <a:r>
-              <a:rPr lang="en-US" dirty="0" smtClean="0"/>
-              <a:t>Preprocessing I </a:t>
-            </a:r>
-            <a:r>
-              <a:rPr lang="en-US" dirty="0" err="1" smtClean="0"/>
-              <a:t>cont</a:t>
-            </a:r>
-            <a:r>
-              <a:rPr lang="en-US" dirty="0" smtClean="0"/>
-              <a:t>…</a:t>
-            </a:r>
-            <a:endParaRPr lang="en-US" dirty="0"/>
-          </a:p>
-        </p:txBody>
-      </p:sp>
-      <p:pic>
-        <p:nvPicPr>
-          <p:cNvPr id="5" name="Picture 4" descr="location.png"/>
-          <p:cNvPicPr>
-            <a:picLocks noChangeAspect="1"/>
-          </p:cNvPicPr>
-          <p:nvPr/>
-        </p:nvPicPr>
-        <p:blipFill>
-          <a:blip r:embed="rId2">
-            <a:extLst>
-              <a:ext uri="{28A0092B-C50C-407E-A947-70E740481C1C}">
-                <a14:useLocalDpi xmlns:a14="http://schemas.microsoft.com/office/drawing/2010/main" val="0"/>
-              </a:ext>
-            </a:extLst>
-          </a:blip>
-          <a:stretch>
-            <a:fillRect/>
-          </a:stretch>
-        </p:blipFill>
-        <p:spPr>
-          <a:xfrm>
-            <a:off x="304800" y="1600200"/>
-            <a:ext cx="5187710" cy="4284113"/>
-          </a:xfrm>
-          <a:prstGeom prst="rect">
-            <a:avLst/>
-          </a:prstGeom>
-        </p:spPr>
-      </p:pic>
-      <p:pic>
-        <p:nvPicPr>
-          <p:cNvPr id="6" name="Picture 5" descr="application.png"/>
-          <p:cNvPicPr>
-            <a:picLocks noChangeAspect="1"/>
-          </p:cNvPicPr>
-          <p:nvPr/>
-        </p:nvPicPr>
-        <p:blipFill>
-          <a:blip r:embed="rId3">
-            <a:extLst>
-              <a:ext uri="{28A0092B-C50C-407E-A947-70E740481C1C}">
-                <a14:useLocalDpi xmlns:a14="http://schemas.microsoft.com/office/drawing/2010/main" val="0"/>
-              </a:ext>
-            </a:extLst>
-          </a:blip>
-          <a:stretch>
-            <a:fillRect/>
-          </a:stretch>
-        </p:blipFill>
-        <p:spPr>
-          <a:xfrm>
-            <a:off x="4444495" y="1981200"/>
-            <a:ext cx="4699505" cy="3660565"/>
-          </a:xfrm>
-          <a:prstGeom prst="rect">
-            <a:avLst/>
-          </a:prstGeom>
-        </p:spPr>
-      </p:pic>
-    </p:spTree>
-    <p:extLst>
-      <p:ext uri="{BB962C8B-B14F-4D97-AF65-F5344CB8AC3E}">
-        <p14:creationId xmlns:p14="http://schemas.microsoft.com/office/powerpoint/2010/main" val="3966787567"/>
-      </p:ext>
-    </p:extLst>
-  </p:cSld>
-  <p:clrMapOvr>
-    <a:masterClrMapping/>
-  </p:clrMapOvr>
-  <p:transition/>
-  <p:timing>
-    <p:tnLst>
-      <p:par>
-        <p:cTn id="1" dur="indefinite" restart="never" nodeType="tmRoot"/>
-      </p:par>
-    </p:tnLst>
-  </p:timing>
-</p:sld>
-</file>
-
-<file path=ppt/slides/slide12.xml><?xml version="1.0" encoding="utf-8"?>
-<p:sld xmlns:a="http://schemas.openxmlformats.org/drawingml/2006/main" xmlns:r="http://schemas.openxmlformats.org/officeDocument/2006/relationships" xmlns:p="http://schemas.openxmlformats.org/presentationml/2006/main">
-  <p:cSld>
-    <p:spTree>
-      <p:nvGrpSpPr>
-        <p:cNvPr id="1" name=""/>
-        <p:cNvGrpSpPr/>
-        <p:nvPr/>
-      </p:nvGrpSpPr>
-      <p:grpSpPr>
-        <a:xfrm>
-          <a:off x="0" y="0"/>
-          <a:ext cx="0" cy="0"/>
-          <a:chOff x="0" y="0"/>
-          <a:chExt cx="0" cy="0"/>
-        </a:xfrm>
-      </p:grpSpPr>
-      <p:sp>
-        <p:nvSpPr>
-          <p:cNvPr id="2" name="Title 1"/>
-          <p:cNvSpPr>
-            <a:spLocks noGrp="1"/>
-          </p:cNvSpPr>
-          <p:nvPr>
-            <p:ph type="title"/>
-          </p:nvPr>
-        </p:nvSpPr>
-        <p:spPr>
-          <a:xfrm>
-            <a:off x="457200" y="228600"/>
-            <a:ext cx="8229600" cy="762000"/>
-          </a:xfrm>
-        </p:spPr>
-        <p:txBody>
-          <a:bodyPr/>
-          <a:lstStyle/>
-          <a:p>
-            <a:r>
-              <a:rPr lang="en-US" dirty="0" smtClean="0"/>
-              <a:t>Output Preprocessing I</a:t>
-            </a:r>
-            <a:endParaRPr lang="en-US" dirty="0"/>
-          </a:p>
-        </p:txBody>
-      </p:sp>
-      <p:pic>
-        <p:nvPicPr>
-          <p:cNvPr id="5" name="Picture 4" descr="output2.png"/>
-          <p:cNvPicPr>
-            <a:picLocks noChangeAspect="1"/>
-          </p:cNvPicPr>
-          <p:nvPr/>
-        </p:nvPicPr>
-        <p:blipFill>
-          <a:blip r:embed="rId2">
-            <a:extLst>
-              <a:ext uri="{28A0092B-C50C-407E-A947-70E740481C1C}">
-                <a14:useLocalDpi xmlns:a14="http://schemas.microsoft.com/office/drawing/2010/main" val="0"/>
-              </a:ext>
-            </a:extLst>
-          </a:blip>
-          <a:stretch>
-            <a:fillRect/>
-          </a:stretch>
-        </p:blipFill>
-        <p:spPr>
-          <a:xfrm>
-            <a:off x="914400" y="1066800"/>
-            <a:ext cx="6781800" cy="5104821"/>
-          </a:xfrm>
-          <a:prstGeom prst="rect">
-            <a:avLst/>
-          </a:prstGeom>
-        </p:spPr>
-      </p:pic>
-    </p:spTree>
-    <p:extLst>
-      <p:ext uri="{BB962C8B-B14F-4D97-AF65-F5344CB8AC3E}">
-        <p14:creationId xmlns:p14="http://schemas.microsoft.com/office/powerpoint/2010/main" val="2640852224"/>
-      </p:ext>
-    </p:extLst>
-  </p:cSld>
-  <p:clrMapOvr>
-    <a:masterClrMapping/>
-  </p:clrMapOvr>
-  <p:transition/>
-  <p:timing>
-    <p:tnLst>
-      <p:par>
-        <p:cTn id="1" dur="indefinite" restart="never" nodeType="tmRoot"/>
-      </p:par>
-    </p:tnLst>
-  </p:timing>
-</p:sld>
-</file>
-
-<file path=ppt/slides/slide13.xml><?xml version="1.0" encoding="utf-8"?>
-<p:sld xmlns:a="http://schemas.openxmlformats.org/drawingml/2006/main" xmlns:r="http://schemas.openxmlformats.org/officeDocument/2006/relationships" xmlns:p="http://schemas.openxmlformats.org/presentationml/2006/main">
-  <p:cSld>
-    <p:spTree>
-      <p:nvGrpSpPr>
-        <p:cNvPr id="1" name=""/>
-        <p:cNvGrpSpPr/>
-        <p:nvPr/>
-      </p:nvGrpSpPr>
-      <p:grpSpPr>
-        <a:xfrm>
-          <a:off x="0" y="0"/>
-          <a:ext cx="0" cy="0"/>
-          <a:chOff x="0" y="0"/>
-          <a:chExt cx="0" cy="0"/>
-        </a:xfrm>
-      </p:grpSpPr>
-      <p:sp>
-        <p:nvSpPr>
-          <p:cNvPr id="2" name="Title 1"/>
-          <p:cNvSpPr>
-            <a:spLocks noGrp="1"/>
-          </p:cNvSpPr>
-          <p:nvPr>
-            <p:ph type="title"/>
-          </p:nvPr>
-        </p:nvSpPr>
-        <p:spPr/>
-        <p:txBody>
-          <a:bodyPr/>
-          <a:lstStyle/>
-          <a:p>
-            <a:r>
-              <a:rPr lang="en-US" dirty="0" smtClean="0"/>
-              <a:t>Preprocessing </a:t>
-            </a:r>
-            <a:r>
-              <a:rPr lang="en-US" dirty="0" smtClean="0"/>
-              <a:t>III</a:t>
-            </a:r>
-            <a:endParaRPr lang="en-US" dirty="0"/>
-          </a:p>
-        </p:txBody>
-      </p:sp>
-      <p:sp>
-        <p:nvSpPr>
-          <p:cNvPr id="3" name="Content Placeholder 2"/>
-          <p:cNvSpPr>
-            <a:spLocks noGrp="1"/>
-          </p:cNvSpPr>
-          <p:nvPr>
-            <p:ph idx="1"/>
-          </p:nvPr>
-        </p:nvSpPr>
-        <p:spPr/>
-        <p:txBody>
-          <a:bodyPr/>
-          <a:lstStyle/>
-          <a:p>
-            <a:r>
-              <a:rPr lang="en-US" dirty="0" smtClean="0"/>
-              <a:t>Temporal Granularity (round time value)</a:t>
-            </a:r>
-          </a:p>
-          <a:p>
-            <a:pPr lvl="1"/>
-            <a:r>
-              <a:rPr lang="en-US" dirty="0" smtClean="0"/>
-              <a:t>&lt; :30 -&gt; round down</a:t>
-            </a:r>
-          </a:p>
-          <a:p>
-            <a:pPr lvl="1"/>
-            <a:r>
-              <a:rPr lang="en-US" dirty="0" smtClean="0"/>
-              <a:t>&gt; :30 -&gt; round up </a:t>
-            </a:r>
-          </a:p>
-          <a:p>
-            <a:r>
-              <a:rPr lang="en-US" dirty="0"/>
-              <a:t> </a:t>
-            </a:r>
-            <a:r>
-              <a:rPr lang="en-US" dirty="0" smtClean="0"/>
-              <a:t>Changing Location value to (“</a:t>
-            </a:r>
-            <a:r>
-              <a:rPr lang="en-US" dirty="0" err="1" smtClean="0"/>
-              <a:t>same”,”little”,”long</a:t>
-            </a:r>
-            <a:r>
-              <a:rPr lang="en-US" dirty="0" smtClean="0"/>
-              <a:t>”)</a:t>
-            </a:r>
-          </a:p>
-          <a:p>
-            <a:pPr lvl="1"/>
-            <a:r>
-              <a:rPr lang="en-US" dirty="0"/>
-              <a:t>0.0001 degree = 11.1132 m (“little”: “between 0.0001 ~ 0.0005”</a:t>
-            </a:r>
-            <a:r>
-              <a:rPr lang="en-US" dirty="0" smtClean="0"/>
-              <a:t>)</a:t>
-            </a:r>
-          </a:p>
-          <a:p>
-            <a:r>
-              <a:rPr lang="en-US" dirty="0" smtClean="0"/>
-              <a:t> Battery : shows != discharging</a:t>
-            </a:r>
-          </a:p>
-          <a:p>
-            <a:r>
-              <a:rPr lang="en-US" dirty="0"/>
-              <a:t> </a:t>
-            </a:r>
-            <a:r>
-              <a:rPr lang="en-US" dirty="0" smtClean="0"/>
-              <a:t>Screen Status : shows screen OFF only</a:t>
-            </a:r>
-          </a:p>
-          <a:p>
-            <a:r>
-              <a:rPr lang="en-US" dirty="0"/>
-              <a:t> </a:t>
-            </a:r>
-            <a:r>
-              <a:rPr lang="en-US" dirty="0" smtClean="0"/>
-              <a:t>Activity : shows low and high</a:t>
-            </a:r>
-          </a:p>
-          <a:p>
-            <a:r>
-              <a:rPr lang="en-US" dirty="0"/>
-              <a:t> </a:t>
-            </a:r>
-            <a:r>
-              <a:rPr lang="en-US" dirty="0" smtClean="0"/>
-              <a:t>Aggregate values of Wi-Fi and Bluetooth</a:t>
-            </a:r>
-          </a:p>
-          <a:p>
-            <a:pPr marL="457200" lvl="1" indent="0">
-              <a:buNone/>
-            </a:pPr>
-            <a:endParaRPr lang="en-US" dirty="0"/>
-          </a:p>
-        </p:txBody>
-      </p:sp>
-    </p:spTree>
-    <p:extLst>
-      <p:ext uri="{BB962C8B-B14F-4D97-AF65-F5344CB8AC3E}">
-        <p14:creationId xmlns:p14="http://schemas.microsoft.com/office/powerpoint/2010/main" val="3241631708"/>
-      </p:ext>
-    </p:extLst>
-  </p:cSld>
-  <p:clrMapOvr>
-    <a:masterClrMapping/>
-  </p:clrMapOvr>
-  <p:transition/>
-  <p:timing>
-    <p:tnLst>
-      <p:par>
-        <p:cTn id="1" dur="indefinite" restart="never" nodeType="tmRoot"/>
-      </p:par>
-    </p:tnLst>
-  </p:timing>
-</p:sld>
-</file>
-
-<file path=ppt/slides/slide14.xml><?xml version="1.0" encoding="utf-8"?>
-<p:sld xmlns:a="http://schemas.openxmlformats.org/drawingml/2006/main" xmlns:r="http://schemas.openxmlformats.org/officeDocument/2006/relationships" xmlns:p="http://schemas.openxmlformats.org/presentationml/2006/main">
-  <p:cSld>
-    <p:spTree>
-      <p:nvGrpSpPr>
-        <p:cNvPr id="1" name=""/>
-        <p:cNvGrpSpPr/>
-        <p:nvPr/>
-      </p:nvGrpSpPr>
-      <p:grpSpPr>
-        <a:xfrm>
-          <a:off x="0" y="0"/>
-          <a:ext cx="0" cy="0"/>
-          <a:chOff x="0" y="0"/>
-          <a:chExt cx="0" cy="0"/>
-        </a:xfrm>
-      </p:grpSpPr>
-      <p:sp>
-        <p:nvSpPr>
-          <p:cNvPr id="2" name="Title 1"/>
-          <p:cNvSpPr>
-            <a:spLocks noGrp="1"/>
-          </p:cNvSpPr>
-          <p:nvPr>
-            <p:ph type="title"/>
-          </p:nvPr>
-        </p:nvSpPr>
-        <p:spPr/>
-        <p:txBody>
-          <a:bodyPr/>
-          <a:lstStyle/>
-          <a:p>
-            <a:r>
-              <a:rPr lang="en-US" dirty="0" smtClean="0"/>
               <a:t>Pre-Processing Summarization</a:t>
             </a:r>
             <a:endParaRPr lang="en-US" dirty="0"/>
@@ -4540,8 +4058,8 @@
         </p:nvSpPr>
         <p:spPr>
           <a:xfrm>
-            <a:off x="457200" y="3581401"/>
-            <a:ext cx="4724400" cy="1981200"/>
+            <a:off x="457200" y="3581400"/>
+            <a:ext cx="4724400" cy="2514599"/>
           </a:xfrm>
         </p:spPr>
         <p:txBody>
@@ -4568,8 +4086,20 @@
             </a:r>
             <a:r>
               <a:rPr lang="en-US" dirty="0" smtClean="0"/>
-              <a:t>emoving duplication and noisy data</a:t>
-            </a:r>
+              <a:t>emoving duplication and noisy </a:t>
+            </a:r>
+            <a:r>
+              <a:rPr lang="en-US" dirty="0" smtClean="0"/>
+              <a:t>data</a:t>
+            </a:r>
+          </a:p>
+          <a:p>
+            <a:pPr lvl="1"/>
+            <a:r>
+              <a:rPr lang="en-US" dirty="0" smtClean="0"/>
+              <a:t>Select the most important data</a:t>
+            </a:r>
+            <a:endParaRPr lang="en-US" dirty="0" smtClean="0"/>
           </a:p>
           <a:p>
             <a:r>
@@ -4586,8 +4116,13 @@
             <a:pPr lvl="1"/>
             <a:r>
               <a:rPr lang="en-US" dirty="0" smtClean="0"/>
-              <a:t>Features Extraction</a:t>
-            </a:r>
+              <a:t>Features </a:t>
+            </a:r>
+            <a:r>
+              <a:rPr lang="en-US" dirty="0" smtClean="0"/>
+              <a:t>Extraction applied in here</a:t>
+            </a:r>
+            <a:endParaRPr lang="en-US" dirty="0" smtClean="0"/>
           </a:p>
           <a:p>
             <a:pPr lvl="1"/>
@@ -4641,8 +4176,8 @@
         </p:nvSpPr>
         <p:spPr bwMode="auto">
           <a:xfrm>
-            <a:off x="5486400" y="3581400"/>
-            <a:ext cx="3505200" cy="1981200"/>
+            <a:off x="5181600" y="3581400"/>
+            <a:ext cx="3810000" cy="2362200"/>
           </a:xfrm>
           <a:prstGeom prst="rect">
             <a:avLst/>
@@ -4654,14 +4189,14 @@
           <a:effectLst/>
           <a:extLst>
             <a:ext uri="{909E8E84-426E-40dd-AFC4-6F175D3DCCD1}">
-              <a14:hiddenFill xmlns="" xmlns:a14="http://schemas.microsoft.com/office/drawing/2010/main">
+              <a14:hiddenFill xmlns:a14="http://schemas.microsoft.com/office/drawing/2010/main" xmlns="">
                 <a:solidFill>
                   <a:schemeClr val="accent1"/>
                 </a:solidFill>
               </a14:hiddenFill>
             </a:ext>
             <a:ext uri="{91240B29-F687-4f45-9708-019B960494DF}">
-              <a14:hiddenLine xmlns="" xmlns:a14="http://schemas.microsoft.com/office/drawing/2010/main" w="9525">
+              <a14:hiddenLine xmlns:a14="http://schemas.microsoft.com/office/drawing/2010/main" xmlns="" w="9525">
                 <a:solidFill>
                   <a:schemeClr val="tx1"/>
                 </a:solidFill>
@@ -4671,7 +4206,7 @@
               </a14:hiddenLine>
             </a:ext>
             <a:ext uri="{AF507438-7753-43e0-B8FC-AC1667EBCBE1}">
-              <a14:hiddenEffects xmlns="" xmlns:a14="http://schemas.microsoft.com/office/drawing/2010/main">
+              <a14:hiddenEffects xmlns:a14="http://schemas.microsoft.com/office/drawing/2010/main" xmlns="">
                 <a:effectLst>
                   <a:outerShdw blurRad="63500" dist="38099" dir="2700000" algn="ctr" rotWithShape="0">
                     <a:schemeClr val="bg2">
@@ -4682,7 +4217,7 @@
               </a14:hiddenEffects>
             </a:ext>
             <a:ext uri="{FAA26D3D-D897-4be2-8F04-BA451C77F1D7}">
-              <ma14:placeholderFlag xmlns="" xmlns:ma14="http://schemas.microsoft.com/office/mac/drawingml/2011/main" val="1"/>
+              <ma14:placeholderFlag xmlns:ma14="http://schemas.microsoft.com/office/mac/drawingml/2011/main" xmlns="" val="1"/>
             </a:ext>
           </a:extLst>
         </p:spPr>
@@ -4877,8 +4412,32 @@
                   <a:srgbClr val="000000"/>
                 </a:solidFill>
               </a:rPr>
-              <a:t>Adding new values based on features</a:t>
-            </a:r>
+              <a:t>Adding new values based on </a:t>
+            </a:r>
+            <a:r>
+              <a:rPr lang="en-US" sz="1800" b="0" kern="0" dirty="0" smtClean="0">
+                <a:solidFill>
+                  <a:srgbClr val="000000"/>
+                </a:solidFill>
+              </a:rPr>
+              <a:t>features</a:t>
+            </a:r>
+          </a:p>
+          <a:p>
+            <a:pPr lvl="1"/>
+            <a:r>
+              <a:rPr lang="en-US" sz="1800" b="0" kern="0" dirty="0" smtClean="0">
+                <a:solidFill>
+                  <a:srgbClr val="000000"/>
+                </a:solidFill>
+              </a:rPr>
+              <a:t>Fitting the dataset before modeling behavior applied</a:t>
+            </a:r>
+            <a:endParaRPr lang="en-US" sz="1800" b="0" kern="0" dirty="0" smtClean="0">
+              <a:solidFill>
+                <a:srgbClr val="000000"/>
+              </a:solidFill>
+            </a:endParaRPr>
           </a:p>
           <a:p>
             <a:pPr lvl="1"/>
@@ -4903,7 +4462,714 @@
     </p:spTree>
     <p:extLst>
       <p:ext uri="{BB962C8B-B14F-4D97-AF65-F5344CB8AC3E}">
-        <p14:creationId xmlns:p14="http://schemas.microsoft.com/office/powerpoint/2010/main" val="1976347913"/>
+        <p14:creationId xmlns:p14="http://schemas.microsoft.com/office/powerpoint/2010/main" val="3017453592"/>
+      </p:ext>
+    </p:extLst>
+  </p:cSld>
+  <p:clrMapOvr>
+    <a:masterClrMapping/>
+  </p:clrMapOvr>
+  <p:transition/>
+  <p:timing>
+    <p:tnLst>
+      <p:par>
+        <p:cTn id="1" dur="indefinite" restart="never" nodeType="tmRoot"/>
+      </p:par>
+    </p:tnLst>
+  </p:timing>
+</p:sld>
+</file>
+
+<file path=ppt/slides/slide11.xml><?xml version="1.0" encoding="utf-8"?>
+<p:sld xmlns:a="http://schemas.openxmlformats.org/drawingml/2006/main" xmlns:r="http://schemas.openxmlformats.org/officeDocument/2006/relationships" xmlns:p="http://schemas.openxmlformats.org/presentationml/2006/main">
+  <p:cSld>
+    <p:spTree>
+      <p:nvGrpSpPr>
+        <p:cNvPr id="1" name=""/>
+        <p:cNvGrpSpPr/>
+        <p:nvPr/>
+      </p:nvGrpSpPr>
+      <p:grpSpPr>
+        <a:xfrm>
+          <a:off x="0" y="0"/>
+          <a:ext cx="0" cy="0"/>
+          <a:chOff x="0" y="0"/>
+          <a:chExt cx="0" cy="0"/>
+        </a:xfrm>
+      </p:grpSpPr>
+      <p:sp>
+        <p:nvSpPr>
+          <p:cNvPr id="2" name="Title 1"/>
+          <p:cNvSpPr>
+            <a:spLocks noGrp="1"/>
+          </p:cNvSpPr>
+          <p:nvPr>
+            <p:ph type="title"/>
+          </p:nvPr>
+        </p:nvSpPr>
+        <p:spPr/>
+        <p:txBody>
+          <a:bodyPr/>
+          <a:lstStyle/>
+          <a:p>
+            <a:r>
+              <a:rPr lang="en-US" dirty="0" smtClean="0"/>
+              <a:t>Preprocessing I</a:t>
+            </a:r>
+            <a:endParaRPr lang="en-US" dirty="0"/>
+          </a:p>
+        </p:txBody>
+      </p:sp>
+      <p:pic>
+        <p:nvPicPr>
+          <p:cNvPr id="4" name="Content Placeholder 3" descr="each_dir_output1.png"/>
+          <p:cNvPicPr>
+            <a:picLocks noGrp="1" noChangeAspect="1"/>
+          </p:cNvPicPr>
+          <p:nvPr>
+            <p:ph idx="1"/>
+          </p:nvPr>
+        </p:nvPicPr>
+        <p:blipFill>
+          <a:blip r:embed="rId2">
+            <a:extLst>
+              <a:ext uri="{28A0092B-C50C-407E-A947-70E740481C1C}">
+                <a14:useLocalDpi xmlns:a14="http://schemas.microsoft.com/office/drawing/2010/main" val="0"/>
+              </a:ext>
+            </a:extLst>
+          </a:blip>
+          <a:stretch>
+            <a:fillRect/>
+          </a:stretch>
+        </p:blipFill>
+        <p:spPr>
+          <a:xfrm>
+            <a:off x="459971" y="1524000"/>
+            <a:ext cx="4645429" cy="2194412"/>
+          </a:xfrm>
+        </p:spPr>
+      </p:pic>
+      <p:sp>
+        <p:nvSpPr>
+          <p:cNvPr id="5" name="Content Placeholder 2"/>
+          <p:cNvSpPr txBox="1">
+            <a:spLocks/>
+          </p:cNvSpPr>
+          <p:nvPr/>
+        </p:nvSpPr>
+        <p:spPr bwMode="auto">
+          <a:xfrm>
+            <a:off x="5105400" y="1447800"/>
+            <a:ext cx="3835458" cy="4525963"/>
+          </a:xfrm>
+          <a:prstGeom prst="rect">
+            <a:avLst/>
+          </a:prstGeom>
+          <a:noFill/>
+          <a:ln>
+            <a:noFill/>
+          </a:ln>
+          <a:effectLst/>
+          <a:extLst>
+            <a:ext uri="{909E8E84-426E-40dd-AFC4-6F175D3DCCD1}">
+              <a14:hiddenFill xmlns:a14="http://schemas.microsoft.com/office/drawing/2010/main" xmlns="">
+                <a:solidFill>
+                  <a:schemeClr val="accent1"/>
+                </a:solidFill>
+              </a14:hiddenFill>
+            </a:ext>
+            <a:ext uri="{91240B29-F687-4f45-9708-019B960494DF}">
+              <a14:hiddenLine xmlns:a14="http://schemas.microsoft.com/office/drawing/2010/main" xmlns="" w="9525">
+                <a:solidFill>
+                  <a:schemeClr val="tx1"/>
+                </a:solidFill>
+                <a:miter lim="800000"/>
+                <a:headEnd/>
+                <a:tailEnd/>
+              </a14:hiddenLine>
+            </a:ext>
+            <a:ext uri="{AF507438-7753-43e0-B8FC-AC1667EBCBE1}">
+              <a14:hiddenEffects xmlns:a14="http://schemas.microsoft.com/office/drawing/2010/main" xmlns="">
+                <a:effectLst>
+                  <a:outerShdw blurRad="63500" dist="38099" dir="2700000" algn="ctr" rotWithShape="0">
+                    <a:schemeClr val="bg2">
+                      <a:alpha val="74998"/>
+                    </a:schemeClr>
+                  </a:outerShdw>
+                </a:effectLst>
+              </a14:hiddenEffects>
+            </a:ext>
+            <a:ext uri="{FAA26D3D-D897-4be2-8F04-BA451C77F1D7}">
+              <ma14:placeholderFlag xmlns:ma14="http://schemas.microsoft.com/office/mac/drawingml/2011/main" xmlns="" val="1"/>
+            </a:ext>
+          </a:extLst>
+        </p:spPr>
+        <p:txBody>
+          <a:bodyPr vert="horz" wrap="square" lIns="91440" tIns="45720" rIns="91440" bIns="45720" numCol="1" anchor="t" anchorCtr="0" compatLnSpc="1">
+            <a:prstTxWarp prst="textNoShape">
+              <a:avLst/>
+            </a:prstTxWarp>
+          </a:bodyPr>
+          <a:lstStyle>
+            <a:lvl1pPr marL="342900" indent="-342900" algn="l" rtl="0" fontAlgn="base">
+              <a:spcBef>
+                <a:spcPct val="20000"/>
+              </a:spcBef>
+              <a:spcAft>
+                <a:spcPct val="0"/>
+              </a:spcAft>
+              <a:buChar char="•"/>
+              <a:defRPr sz="2000">
+                <a:solidFill>
+                  <a:schemeClr val="tx1"/>
+                </a:solidFill>
+                <a:latin typeface="+mn-lt"/>
+                <a:ea typeface="+mn-ea"/>
+                <a:cs typeface="+mn-cs"/>
+              </a:defRPr>
+            </a:lvl1pPr>
+            <a:lvl2pPr marL="742950" indent="-285750" algn="l" rtl="0" fontAlgn="base">
+              <a:spcBef>
+                <a:spcPct val="20000"/>
+              </a:spcBef>
+              <a:spcAft>
+                <a:spcPct val="0"/>
+              </a:spcAft>
+              <a:buChar char="–"/>
+              <a:defRPr>
+                <a:solidFill>
+                  <a:schemeClr val="tx1"/>
+                </a:solidFill>
+                <a:latin typeface="+mn-lt"/>
+                <a:ea typeface="+mn-ea"/>
+              </a:defRPr>
+            </a:lvl2pPr>
+            <a:lvl3pPr marL="1143000" indent="-228600" algn="l" rtl="0" fontAlgn="base">
+              <a:spcBef>
+                <a:spcPct val="20000"/>
+              </a:spcBef>
+              <a:spcAft>
+                <a:spcPct val="0"/>
+              </a:spcAft>
+              <a:buChar char="•"/>
+              <a:defRPr sz="1600">
+                <a:solidFill>
+                  <a:schemeClr val="tx1"/>
+                </a:solidFill>
+                <a:latin typeface="+mn-lt"/>
+                <a:ea typeface="+mn-ea"/>
+              </a:defRPr>
+            </a:lvl3pPr>
+            <a:lvl4pPr marL="1600200" indent="-228600" algn="l" rtl="0" fontAlgn="base">
+              <a:spcBef>
+                <a:spcPct val="20000"/>
+              </a:spcBef>
+              <a:spcAft>
+                <a:spcPct val="0"/>
+              </a:spcAft>
+              <a:buChar char="–"/>
+              <a:defRPr sz="1400">
+                <a:solidFill>
+                  <a:schemeClr val="tx1"/>
+                </a:solidFill>
+                <a:latin typeface="+mn-lt"/>
+                <a:ea typeface="+mn-ea"/>
+              </a:defRPr>
+            </a:lvl4pPr>
+            <a:lvl5pPr marL="2057400" indent="-228600" algn="l" rtl="0" fontAlgn="base">
+              <a:spcBef>
+                <a:spcPct val="20000"/>
+              </a:spcBef>
+              <a:spcAft>
+                <a:spcPct val="0"/>
+              </a:spcAft>
+              <a:buChar char="»"/>
+              <a:defRPr sz="1400">
+                <a:solidFill>
+                  <a:schemeClr val="tx1"/>
+                </a:solidFill>
+                <a:latin typeface="+mn-lt"/>
+                <a:ea typeface="+mn-ea"/>
+              </a:defRPr>
+            </a:lvl5pPr>
+            <a:lvl6pPr marL="2514600" indent="-228600" algn="l" rtl="0" fontAlgn="base">
+              <a:spcBef>
+                <a:spcPct val="20000"/>
+              </a:spcBef>
+              <a:spcAft>
+                <a:spcPct val="0"/>
+              </a:spcAft>
+              <a:buChar char="»"/>
+              <a:defRPr sz="1400">
+                <a:solidFill>
+                  <a:schemeClr val="tx1"/>
+                </a:solidFill>
+                <a:latin typeface="+mn-lt"/>
+                <a:ea typeface="+mn-ea"/>
+              </a:defRPr>
+            </a:lvl6pPr>
+            <a:lvl7pPr marL="2971800" indent="-228600" algn="l" rtl="0" fontAlgn="base">
+              <a:spcBef>
+                <a:spcPct val="20000"/>
+              </a:spcBef>
+              <a:spcAft>
+                <a:spcPct val="0"/>
+              </a:spcAft>
+              <a:buChar char="»"/>
+              <a:defRPr sz="1400">
+                <a:solidFill>
+                  <a:schemeClr val="tx1"/>
+                </a:solidFill>
+                <a:latin typeface="+mn-lt"/>
+                <a:ea typeface="+mn-ea"/>
+              </a:defRPr>
+            </a:lvl7pPr>
+            <a:lvl8pPr marL="3429000" indent="-228600" algn="l" rtl="0" fontAlgn="base">
+              <a:spcBef>
+                <a:spcPct val="20000"/>
+              </a:spcBef>
+              <a:spcAft>
+                <a:spcPct val="0"/>
+              </a:spcAft>
+              <a:buChar char="»"/>
+              <a:defRPr sz="1400">
+                <a:solidFill>
+                  <a:schemeClr val="tx1"/>
+                </a:solidFill>
+                <a:latin typeface="+mn-lt"/>
+                <a:ea typeface="+mn-ea"/>
+              </a:defRPr>
+            </a:lvl8pPr>
+            <a:lvl9pPr marL="3886200" indent="-228600" algn="l" rtl="0" fontAlgn="base">
+              <a:spcBef>
+                <a:spcPct val="20000"/>
+              </a:spcBef>
+              <a:spcAft>
+                <a:spcPct val="0"/>
+              </a:spcAft>
+              <a:buChar char="»"/>
+              <a:defRPr sz="1400">
+                <a:solidFill>
+                  <a:schemeClr val="tx1"/>
+                </a:solidFill>
+                <a:latin typeface="+mn-lt"/>
+                <a:ea typeface="+mn-ea"/>
+              </a:defRPr>
+            </a:lvl9pPr>
+          </a:lstStyle>
+          <a:p>
+            <a:pPr algn="just">
+              <a:spcBef>
+                <a:spcPts val="600"/>
+              </a:spcBef>
+              <a:buFont typeface="+mj-lt"/>
+              <a:buAutoNum type="arabicPeriod"/>
+            </a:pPr>
+            <a:r>
+              <a:rPr lang="en-US" sz="1600" b="0" dirty="0" err="1" smtClean="0"/>
+              <a:t>Funf</a:t>
+            </a:r>
+            <a:r>
+              <a:rPr lang="en-US" sz="1600" b="0" dirty="0" smtClean="0"/>
+              <a:t> lib has problem in historical data such as SMS and call log. </a:t>
+            </a:r>
+          </a:p>
+          <a:p>
+            <a:pPr algn="just">
+              <a:spcBef>
+                <a:spcPts val="600"/>
+              </a:spcBef>
+              <a:buFont typeface="+mj-lt"/>
+              <a:buAutoNum type="arabicPeriod"/>
+            </a:pPr>
+            <a:r>
+              <a:rPr lang="en-US" sz="1600" b="0" dirty="0"/>
+              <a:t>We use 86400 second interval, means the application copy those data from android database system to our application database once every </a:t>
+            </a:r>
+            <a:r>
+              <a:rPr lang="en-US" sz="1600" b="0" dirty="0" smtClean="0"/>
+              <a:t>day.</a:t>
+            </a:r>
+          </a:p>
+          <a:p>
+            <a:pPr algn="just">
+              <a:spcBef>
+                <a:spcPts val="600"/>
+              </a:spcBef>
+              <a:buFont typeface="+mj-lt"/>
+              <a:buAutoNum type="arabicPeriod"/>
+            </a:pPr>
+            <a:r>
+              <a:rPr lang="en-US" sz="1600" b="0" kern="0" dirty="0" smtClean="0"/>
+              <a:t>It makes duplication in our database.</a:t>
+            </a:r>
+          </a:p>
+          <a:p>
+            <a:pPr algn="just">
+              <a:spcBef>
+                <a:spcPts val="600"/>
+              </a:spcBef>
+              <a:buFont typeface="+mj-lt"/>
+              <a:buAutoNum type="arabicPeriod"/>
+            </a:pPr>
+            <a:r>
+              <a:rPr lang="en-US" sz="1600" b="0" kern="0" dirty="0" smtClean="0"/>
+              <a:t>The function of this module are:</a:t>
+            </a:r>
+          </a:p>
+          <a:p>
+            <a:pPr lvl="1" algn="just">
+              <a:spcBef>
+                <a:spcPts val="600"/>
+              </a:spcBef>
+              <a:buFont typeface="+mj-lt"/>
+              <a:buAutoNum type="arabicPeriod"/>
+            </a:pPr>
+            <a:r>
+              <a:rPr lang="en-US" sz="1600" b="0" kern="0" dirty="0" smtClean="0"/>
+              <a:t>Removing duplication</a:t>
+            </a:r>
+          </a:p>
+          <a:p>
+            <a:pPr lvl="1" algn="just">
+              <a:spcBef>
+                <a:spcPts val="600"/>
+              </a:spcBef>
+              <a:buFont typeface="+mj-lt"/>
+              <a:buAutoNum type="arabicPeriod"/>
+            </a:pPr>
+            <a:r>
+              <a:rPr lang="en-US" sz="1600" b="0" kern="0" dirty="0" smtClean="0"/>
+              <a:t>Data cleansing</a:t>
+            </a:r>
+          </a:p>
+          <a:p>
+            <a:pPr lvl="1" algn="just">
+              <a:spcBef>
+                <a:spcPts val="600"/>
+              </a:spcBef>
+              <a:buFont typeface="+mj-lt"/>
+              <a:buAutoNum type="arabicPeriod"/>
+            </a:pPr>
+            <a:r>
+              <a:rPr lang="en-US" sz="1600" b="0" kern="0" dirty="0" smtClean="0"/>
+              <a:t>Features separation</a:t>
+            </a:r>
+          </a:p>
+        </p:txBody>
+      </p:sp>
+    </p:spTree>
+    <p:extLst>
+      <p:ext uri="{BB962C8B-B14F-4D97-AF65-F5344CB8AC3E}">
+        <p14:creationId xmlns:p14="http://schemas.microsoft.com/office/powerpoint/2010/main" val="4080516304"/>
+      </p:ext>
+    </p:extLst>
+  </p:cSld>
+  <p:clrMapOvr>
+    <a:masterClrMapping/>
+  </p:clrMapOvr>
+  <p:transition/>
+  <p:timing>
+    <p:tnLst>
+      <p:par>
+        <p:cTn id="1" dur="indefinite" restart="never" nodeType="tmRoot"/>
+      </p:par>
+    </p:tnLst>
+  </p:timing>
+</p:sld>
+</file>
+
+<file path=ppt/slides/slide12.xml><?xml version="1.0" encoding="utf-8"?>
+<p:sld xmlns:a="http://schemas.openxmlformats.org/drawingml/2006/main" xmlns:r="http://schemas.openxmlformats.org/officeDocument/2006/relationships" xmlns:p="http://schemas.openxmlformats.org/presentationml/2006/main">
+  <p:cSld>
+    <p:spTree>
+      <p:nvGrpSpPr>
+        <p:cNvPr id="1" name=""/>
+        <p:cNvGrpSpPr/>
+        <p:nvPr/>
+      </p:nvGrpSpPr>
+      <p:grpSpPr>
+        <a:xfrm>
+          <a:off x="0" y="0"/>
+          <a:ext cx="0" cy="0"/>
+          <a:chOff x="0" y="0"/>
+          <a:chExt cx="0" cy="0"/>
+        </a:xfrm>
+      </p:grpSpPr>
+      <p:sp>
+        <p:nvSpPr>
+          <p:cNvPr id="2" name="Title 1"/>
+          <p:cNvSpPr>
+            <a:spLocks noGrp="1"/>
+          </p:cNvSpPr>
+          <p:nvPr>
+            <p:ph type="title"/>
+          </p:nvPr>
+        </p:nvSpPr>
+        <p:spPr/>
+        <p:txBody>
+          <a:bodyPr/>
+          <a:lstStyle/>
+          <a:p>
+            <a:r>
+              <a:rPr lang="en-US" dirty="0"/>
+              <a:t>Preprocessing </a:t>
+            </a:r>
+            <a:r>
+              <a:rPr lang="en-US" dirty="0" smtClean="0"/>
+              <a:t>I output </a:t>
+            </a:r>
+            <a:r>
+              <a:rPr lang="en-US" dirty="0"/>
+              <a:t>data looks like</a:t>
+            </a:r>
+            <a:endParaRPr lang="en-US" dirty="0"/>
+          </a:p>
+        </p:txBody>
+      </p:sp>
+      <p:pic>
+        <p:nvPicPr>
+          <p:cNvPr id="5" name="Picture 4" descr="location.png"/>
+          <p:cNvPicPr>
+            <a:picLocks noChangeAspect="1"/>
+          </p:cNvPicPr>
+          <p:nvPr/>
+        </p:nvPicPr>
+        <p:blipFill>
+          <a:blip r:embed="rId2">
+            <a:extLst>
+              <a:ext uri="{28A0092B-C50C-407E-A947-70E740481C1C}">
+                <a14:useLocalDpi xmlns:a14="http://schemas.microsoft.com/office/drawing/2010/main" val="0"/>
+              </a:ext>
+            </a:extLst>
+          </a:blip>
+          <a:stretch>
+            <a:fillRect/>
+          </a:stretch>
+        </p:blipFill>
+        <p:spPr>
+          <a:xfrm>
+            <a:off x="304800" y="1600200"/>
+            <a:ext cx="5187710" cy="4284113"/>
+          </a:xfrm>
+          <a:prstGeom prst="rect">
+            <a:avLst/>
+          </a:prstGeom>
+        </p:spPr>
+      </p:pic>
+      <p:pic>
+        <p:nvPicPr>
+          <p:cNvPr id="6" name="Picture 5" descr="application.png"/>
+          <p:cNvPicPr>
+            <a:picLocks noChangeAspect="1"/>
+          </p:cNvPicPr>
+          <p:nvPr/>
+        </p:nvPicPr>
+        <p:blipFill>
+          <a:blip r:embed="rId3">
+            <a:extLst>
+              <a:ext uri="{28A0092B-C50C-407E-A947-70E740481C1C}">
+                <a14:useLocalDpi xmlns:a14="http://schemas.microsoft.com/office/drawing/2010/main" val="0"/>
+              </a:ext>
+            </a:extLst>
+          </a:blip>
+          <a:stretch>
+            <a:fillRect/>
+          </a:stretch>
+        </p:blipFill>
+        <p:spPr>
+          <a:xfrm>
+            <a:off x="4444495" y="1981200"/>
+            <a:ext cx="4699505" cy="3660565"/>
+          </a:xfrm>
+          <a:prstGeom prst="rect">
+            <a:avLst/>
+          </a:prstGeom>
+        </p:spPr>
+      </p:pic>
+    </p:spTree>
+    <p:extLst>
+      <p:ext uri="{BB962C8B-B14F-4D97-AF65-F5344CB8AC3E}">
+        <p14:creationId xmlns:p14="http://schemas.microsoft.com/office/powerpoint/2010/main" val="3966787567"/>
+      </p:ext>
+    </p:extLst>
+  </p:cSld>
+  <p:clrMapOvr>
+    <a:masterClrMapping/>
+  </p:clrMapOvr>
+  <p:transition/>
+  <p:timing>
+    <p:tnLst>
+      <p:par>
+        <p:cTn id="1" dur="indefinite" restart="never" nodeType="tmRoot"/>
+      </p:par>
+    </p:tnLst>
+  </p:timing>
+</p:sld>
+</file>
+
+<file path=ppt/slides/slide13.xml><?xml version="1.0" encoding="utf-8"?>
+<p:sld xmlns:a="http://schemas.openxmlformats.org/drawingml/2006/main" xmlns:r="http://schemas.openxmlformats.org/officeDocument/2006/relationships" xmlns:p="http://schemas.openxmlformats.org/presentationml/2006/main">
+  <p:cSld>
+    <p:spTree>
+      <p:nvGrpSpPr>
+        <p:cNvPr id="1" name=""/>
+        <p:cNvGrpSpPr/>
+        <p:nvPr/>
+      </p:nvGrpSpPr>
+      <p:grpSpPr>
+        <a:xfrm>
+          <a:off x="0" y="0"/>
+          <a:ext cx="0" cy="0"/>
+          <a:chOff x="0" y="0"/>
+          <a:chExt cx="0" cy="0"/>
+        </a:xfrm>
+      </p:grpSpPr>
+      <p:sp>
+        <p:nvSpPr>
+          <p:cNvPr id="2" name="Title 1"/>
+          <p:cNvSpPr>
+            <a:spLocks noGrp="1"/>
+          </p:cNvSpPr>
+          <p:nvPr>
+            <p:ph type="title"/>
+          </p:nvPr>
+        </p:nvSpPr>
+        <p:spPr/>
+        <p:txBody>
+          <a:bodyPr/>
+          <a:lstStyle/>
+          <a:p>
+            <a:r>
+              <a:rPr lang="en-US" dirty="0" smtClean="0"/>
+              <a:t>Pre-processing II (Features Extraction)</a:t>
+            </a:r>
+            <a:endParaRPr lang="en-US" dirty="0"/>
+          </a:p>
+        </p:txBody>
+      </p:sp>
+      <p:pic>
+        <p:nvPicPr>
+          <p:cNvPr id="4" name="Content Placeholder 3"/>
+          <p:cNvPicPr>
+            <a:picLocks noGrp="1" noChangeAspect="1"/>
+          </p:cNvPicPr>
+          <p:nvPr>
+            <p:ph idx="1"/>
+          </p:nvPr>
+        </p:nvPicPr>
+        <p:blipFill>
+          <a:blip r:embed="rId2">
+            <a:extLst>
+              <a:ext uri="{28A0092B-C50C-407E-A947-70E740481C1C}">
+                <a14:useLocalDpi xmlns:a14="http://schemas.microsoft.com/office/drawing/2010/main" val="0"/>
+              </a:ext>
+            </a:extLst>
+          </a:blip>
+          <a:stretch>
+            <a:fillRect/>
+          </a:stretch>
+        </p:blipFill>
+        <p:spPr>
+          <a:xfrm>
+            <a:off x="919081" y="1600200"/>
+            <a:ext cx="7305837" cy="4525963"/>
+          </a:xfrm>
+        </p:spPr>
+      </p:pic>
+    </p:spTree>
+    <p:extLst>
+      <p:ext uri="{BB962C8B-B14F-4D97-AF65-F5344CB8AC3E}">
+        <p14:creationId xmlns:p14="http://schemas.microsoft.com/office/powerpoint/2010/main" val="123118363"/>
+      </p:ext>
+    </p:extLst>
+  </p:cSld>
+  <p:clrMapOvr>
+    <a:masterClrMapping/>
+  </p:clrMapOvr>
+  <p:transition/>
+</p:sld>
+</file>
+
+<file path=ppt/slides/slide14.xml><?xml version="1.0" encoding="utf-8"?>
+<p:sld xmlns:a="http://schemas.openxmlformats.org/drawingml/2006/main" xmlns:r="http://schemas.openxmlformats.org/officeDocument/2006/relationships" xmlns:p="http://schemas.openxmlformats.org/presentationml/2006/main">
+  <p:cSld>
+    <p:spTree>
+      <p:nvGrpSpPr>
+        <p:cNvPr id="1" name=""/>
+        <p:cNvGrpSpPr/>
+        <p:nvPr/>
+      </p:nvGrpSpPr>
+      <p:grpSpPr>
+        <a:xfrm>
+          <a:off x="0" y="0"/>
+          <a:ext cx="0" cy="0"/>
+          <a:chOff x="0" y="0"/>
+          <a:chExt cx="0" cy="0"/>
+        </a:xfrm>
+      </p:grpSpPr>
+      <p:sp>
+        <p:nvSpPr>
+          <p:cNvPr id="2" name="Title 1"/>
+          <p:cNvSpPr>
+            <a:spLocks noGrp="1"/>
+          </p:cNvSpPr>
+          <p:nvPr>
+            <p:ph type="title"/>
+          </p:nvPr>
+        </p:nvSpPr>
+        <p:spPr>
+          <a:xfrm>
+            <a:off x="457200" y="228600"/>
+            <a:ext cx="8229600" cy="762000"/>
+          </a:xfrm>
+        </p:spPr>
+        <p:txBody>
+          <a:bodyPr/>
+          <a:lstStyle/>
+          <a:p>
+            <a:r>
+              <a:rPr lang="en-US" dirty="0"/>
+              <a:t>Preprocessing II output data looks like</a:t>
+            </a:r>
+            <a:endParaRPr lang="en-US" dirty="0"/>
+          </a:p>
+        </p:txBody>
+      </p:sp>
+      <p:pic>
+        <p:nvPicPr>
+          <p:cNvPr id="5" name="Picture 4" descr="output2.png"/>
+          <p:cNvPicPr>
+            <a:picLocks noChangeAspect="1"/>
+          </p:cNvPicPr>
+          <p:nvPr/>
+        </p:nvPicPr>
+        <p:blipFill>
+          <a:blip r:embed="rId2">
+            <a:extLst>
+              <a:ext uri="{28A0092B-C50C-407E-A947-70E740481C1C}">
+                <a14:useLocalDpi xmlns:a14="http://schemas.microsoft.com/office/drawing/2010/main" val="0"/>
+              </a:ext>
+            </a:extLst>
+          </a:blip>
+          <a:stretch>
+            <a:fillRect/>
+          </a:stretch>
+        </p:blipFill>
+        <p:spPr>
+          <a:xfrm>
+            <a:off x="1219200" y="1295399"/>
+            <a:ext cx="6172200" cy="4645961"/>
+          </a:xfrm>
+          <a:prstGeom prst="rect">
+            <a:avLst/>
+          </a:prstGeom>
+        </p:spPr>
+      </p:pic>
+    </p:spTree>
+    <p:extLst>
+      <p:ext uri="{BB962C8B-B14F-4D97-AF65-F5344CB8AC3E}">
+        <p14:creationId xmlns:p14="http://schemas.microsoft.com/office/powerpoint/2010/main" val="2640852224"/>
       </p:ext>
     </p:extLst>
   </p:cSld>
@@ -4948,62 +5214,147 @@
             <p:ph type="title"/>
           </p:nvPr>
         </p:nvSpPr>
-        <p:spPr>
-          <a:xfrm>
-            <a:off x="457200" y="304800"/>
-            <a:ext cx="8229600" cy="762000"/>
-          </a:xfrm>
-        </p:spPr>
+        <p:spPr/>
         <p:txBody>
           <a:bodyPr/>
           <a:lstStyle/>
           <a:p>
             <a:r>
               <a:rPr lang="en-US" dirty="0" smtClean="0"/>
-              <a:t>Output of Preprocessing </a:t>
-            </a:r>
-            <a:r>
-              <a:rPr lang="en-US" dirty="0" smtClean="0"/>
-              <a:t>III</a:t>
+              <a:t>Preprocessing III</a:t>
             </a:r>
             <a:endParaRPr lang="en-US" dirty="0"/>
           </a:p>
         </p:txBody>
       </p:sp>
-      <p:pic>
-        <p:nvPicPr>
-          <p:cNvPr id="4" name="Picture 3" descr="output3.png"/>
-          <p:cNvPicPr>
-            <a:picLocks noChangeAspect="1"/>
-          </p:cNvPicPr>
-          <p:nvPr/>
-        </p:nvPicPr>
-        <p:blipFill>
-          <a:blip r:embed="rId2">
-            <a:extLst>
-              <a:ext uri="{28A0092B-C50C-407E-A947-70E740481C1C}">
-                <a14:useLocalDpi xmlns:a14="http://schemas.microsoft.com/office/drawing/2010/main" val="0"/>
-              </a:ext>
-            </a:extLst>
-          </a:blip>
-          <a:stretch>
-            <a:fillRect/>
-          </a:stretch>
-        </p:blipFill>
-        <p:spPr>
-          <a:xfrm>
-            <a:off x="609600" y="1066801"/>
-            <a:ext cx="5334000" cy="5334000"/>
-          </a:xfrm>
-          <a:prstGeom prst="rect">
-            <a:avLst/>
-          </a:prstGeom>
-        </p:spPr>
-      </p:pic>
+      <p:sp>
+        <p:nvSpPr>
+          <p:cNvPr id="3" name="Content Placeholder 2"/>
+          <p:cNvSpPr>
+            <a:spLocks noGrp="1"/>
+          </p:cNvSpPr>
+          <p:nvPr>
+            <p:ph idx="1"/>
+          </p:nvPr>
+        </p:nvSpPr>
+        <p:spPr/>
+        <p:txBody>
+          <a:bodyPr/>
+          <a:lstStyle/>
+          <a:p>
+            <a:r>
+              <a:rPr lang="en-US" dirty="0" smtClean="0"/>
+              <a:t>Temporal Granularity (round time value)</a:t>
+            </a:r>
+          </a:p>
+          <a:p>
+            <a:pPr lvl="1"/>
+            <a:r>
+              <a:rPr lang="en-US" dirty="0" smtClean="0"/>
+              <a:t>&lt; :30 -&gt; round down</a:t>
+            </a:r>
+          </a:p>
+          <a:p>
+            <a:pPr lvl="1"/>
+            <a:r>
+              <a:rPr lang="en-US" dirty="0" smtClean="0"/>
+              <a:t>&gt; :30 -&gt; round up </a:t>
+            </a:r>
+          </a:p>
+          <a:p>
+            <a:r>
+              <a:rPr lang="en-US" dirty="0"/>
+              <a:t> </a:t>
+            </a:r>
+            <a:r>
+              <a:rPr lang="en-US" dirty="0" smtClean="0"/>
+              <a:t>Changing Location value to </a:t>
+            </a:r>
+            <a:r>
+              <a:rPr lang="en-US" i="1" dirty="0" smtClean="0"/>
+              <a:t>(“</a:t>
+            </a:r>
+            <a:r>
+              <a:rPr lang="en-US" i="1" dirty="0" err="1" smtClean="0"/>
+              <a:t>same”,”little”,”long</a:t>
+            </a:r>
+            <a:r>
+              <a:rPr lang="en-US" i="1" dirty="0" smtClean="0"/>
+              <a:t>”)</a:t>
+            </a:r>
+          </a:p>
+          <a:p>
+            <a:pPr lvl="1"/>
+            <a:r>
+              <a:rPr lang="en-US" dirty="0"/>
+              <a:t>0.0001 degree = 11.1132 m (“little”: “between 0.0001 ~ 0.0005”</a:t>
+            </a:r>
+            <a:r>
+              <a:rPr lang="en-US" dirty="0" smtClean="0"/>
+              <a:t>)</a:t>
+            </a:r>
+          </a:p>
+          <a:p>
+            <a:r>
+              <a:rPr lang="en-US" dirty="0" smtClean="0"/>
+              <a:t> Battery : shows != discharging</a:t>
+            </a:r>
+          </a:p>
+          <a:p>
+            <a:r>
+              <a:rPr lang="en-US" dirty="0"/>
+              <a:t> </a:t>
+            </a:r>
+            <a:r>
+              <a:rPr lang="en-US" dirty="0" smtClean="0"/>
+              <a:t>Screen Status : </a:t>
+            </a:r>
+            <a:r>
+              <a:rPr lang="en-US" dirty="0" smtClean="0"/>
+              <a:t>screen </a:t>
+            </a:r>
+            <a:r>
+              <a:rPr lang="en-US" dirty="0" smtClean="0"/>
+              <a:t>OFF only</a:t>
+            </a:r>
+          </a:p>
+          <a:p>
+            <a:r>
+              <a:rPr lang="en-US" dirty="0" smtClean="0"/>
+              <a:t>Aggregate </a:t>
+            </a:r>
+            <a:r>
+              <a:rPr lang="en-US" dirty="0" smtClean="0"/>
+              <a:t>values of Wi-Fi and </a:t>
+            </a:r>
+            <a:r>
+              <a:rPr lang="en-US" dirty="0" smtClean="0"/>
+              <a:t>Bluetooth</a:t>
+            </a:r>
+          </a:p>
+          <a:p>
+            <a:r>
+              <a:rPr lang="en-US" dirty="0"/>
+              <a:t>Removing values such as text length and duration from SMS log and call log, duration from running application probe, MAC and signal strength from nearby Wi-Fi </a:t>
+            </a:r>
+            <a:r>
+              <a:rPr lang="en-US" dirty="0" smtClean="0"/>
+              <a:t>probe.</a:t>
+            </a:r>
+            <a:endParaRPr lang="en-US" dirty="0" smtClean="0"/>
+          </a:p>
+          <a:p>
+            <a:pPr marL="457200" lvl="1" indent="0">
+              <a:buNone/>
+            </a:pPr>
+            <a:endParaRPr lang="en-US" dirty="0"/>
+          </a:p>
+        </p:txBody>
+      </p:sp>
     </p:spTree>
     <p:extLst>
       <p:ext uri="{BB962C8B-B14F-4D97-AF65-F5344CB8AC3E}">
-        <p14:creationId xmlns:p14="http://schemas.microsoft.com/office/powerpoint/2010/main" val="995258278"/>
+        <p14:creationId xmlns:p14="http://schemas.microsoft.com/office/powerpoint/2010/main" val="3241631708"/>
       </p:ext>
     </p:extLst>
   </p:cSld>
@@ -5048,92 +5399,58 @@
             <p:ph type="title"/>
           </p:nvPr>
         </p:nvSpPr>
-        <p:spPr/>
+        <p:spPr>
+          <a:xfrm>
+            <a:off x="457200" y="304800"/>
+            <a:ext cx="8229600" cy="762000"/>
+          </a:xfrm>
+        </p:spPr>
         <p:txBody>
           <a:bodyPr/>
           <a:lstStyle/>
           <a:p>
             <a:r>
               <a:rPr lang="en-US" dirty="0" smtClean="0"/>
-              <a:t>Grouping and Creating Behavior Model</a:t>
+              <a:t>Output of Preprocessing III</a:t>
             </a:r>
             <a:endParaRPr lang="en-US" dirty="0"/>
           </a:p>
         </p:txBody>
       </p:sp>
-      <p:sp>
-        <p:nvSpPr>
-          <p:cNvPr id="3" name="Content Placeholder 2"/>
-          <p:cNvSpPr>
-            <a:spLocks noGrp="1"/>
-          </p:cNvSpPr>
-          <p:nvPr>
-            <p:ph idx="1"/>
-          </p:nvPr>
-        </p:nvSpPr>
-        <p:spPr/>
-        <p:txBody>
-          <a:bodyPr/>
-          <a:lstStyle/>
-          <a:p>
-            <a:r>
-              <a:rPr lang="en-US" dirty="0" smtClean="0"/>
-              <a:t>Creating Human Behavior Model does not cares about what kind of activities, when, and where but we care about pattern and motif identification.</a:t>
-            </a:r>
-          </a:p>
-          <a:p>
-            <a:pPr lvl="1"/>
-            <a:r>
-              <a:rPr lang="en-US" dirty="0" smtClean="0"/>
-              <a:t>Window Size : 2 </a:t>
-            </a:r>
-          </a:p>
-          <a:p>
-            <a:pPr lvl="1"/>
-            <a:r>
-              <a:rPr lang="en-US" dirty="0"/>
-              <a:t>Number of </a:t>
-            </a:r>
-            <a:r>
-              <a:rPr lang="en-US" dirty="0" smtClean="0"/>
-              <a:t>days : 30 days (5 weeks)</a:t>
-            </a:r>
-          </a:p>
-          <a:p>
-            <a:pPr lvl="1"/>
-            <a:r>
-              <a:rPr lang="en-US" dirty="0" smtClean="0"/>
-              <a:t>Window Number : 15 window number</a:t>
-            </a:r>
-          </a:p>
-          <a:p>
-            <a:pPr lvl="1"/>
-            <a:r>
-              <a:rPr lang="en-US" dirty="0" smtClean="0"/>
-              <a:t>Group -&gt; set of similar activities</a:t>
-            </a:r>
-          </a:p>
-          <a:p>
-            <a:pPr lvl="1"/>
-            <a:r>
-              <a:rPr lang="en-US" dirty="0" smtClean="0"/>
-              <a:t>B -&gt; Behavior -&gt; Set of Groups</a:t>
-            </a:r>
-          </a:p>
-          <a:p>
-            <a:pPr lvl="1"/>
-            <a:r>
-              <a:rPr lang="en-US" dirty="0" smtClean="0"/>
-              <a:t>Profiling -&gt; Intersection Group between windows</a:t>
-            </a:r>
-            <a:endParaRPr lang="en-US" dirty="0"/>
-          </a:p>
-        </p:txBody>
-      </p:sp>
+      <p:pic>
+        <p:nvPicPr>
+          <p:cNvPr id="4" name="Picture 3" descr="output3.png"/>
+          <p:cNvPicPr>
+            <a:picLocks noChangeAspect="1"/>
+          </p:cNvPicPr>
+          <p:nvPr/>
+        </p:nvPicPr>
+        <p:blipFill>
+          <a:blip r:embed="rId2">
+            <a:extLst>
+              <a:ext uri="{28A0092B-C50C-407E-A947-70E740481C1C}">
+                <a14:useLocalDpi xmlns:a14="http://schemas.microsoft.com/office/drawing/2010/main" val="0"/>
+              </a:ext>
+            </a:extLst>
+          </a:blip>
+          <a:stretch>
+            <a:fillRect/>
+          </a:stretch>
+        </p:blipFill>
+        <p:spPr>
+          <a:xfrm>
+            <a:off x="609600" y="1066801"/>
+            <a:ext cx="4876800" cy="4876800"/>
+          </a:xfrm>
+          <a:prstGeom prst="rect">
+            <a:avLst/>
+          </a:prstGeom>
+        </p:spPr>
+      </p:pic>
     </p:spTree>
     <p:extLst>
       <p:ext uri="{BB962C8B-B14F-4D97-AF65-F5344CB8AC3E}">
-        <p14:creationId xmlns:p14="http://schemas.microsoft.com/office/powerpoint/2010/main" val="3428863753"/>
+        <p14:creationId xmlns:p14="http://schemas.microsoft.com/office/powerpoint/2010/main" val="995258278"/>
       </p:ext>
     </p:extLst>
   </p:cSld>
@@ -5185,7 +5502,7 @@
           <a:p>
             <a:r>
               <a:rPr lang="en-US" dirty="0" smtClean="0"/>
-              <a:t>Our Approach</a:t>
+              <a:t>Discovering Human Behaviors</a:t>
             </a:r>
             <a:endParaRPr lang="en-US" dirty="0"/>
           </a:p>
@@ -5245,7 +5562,15 @@
             </a:pPr>
             <a:r>
               <a:rPr lang="en-US" dirty="0" smtClean="0"/>
-              <a:t>Behavior means set of group activities which has (* similar time, similar location, similar activity).  </a:t>
+              <a:t>Behavior means set of group activities which has (* similar </a:t>
+            </a:r>
+            <a:r>
+              <a:rPr lang="en-US" dirty="0" smtClean="0"/>
+              <a:t>time and similar </a:t>
+            </a:r>
+            <a:r>
+              <a:rPr lang="en-US" dirty="0" smtClean="0"/>
+              <a:t>activity).  </a:t>
             </a:r>
           </a:p>
         </p:txBody>
@@ -5279,7 +5604,7 @@
           <a:effectLst/>
           <a:extLst>
             <a:ext uri="{AF507438-7753-43e0-B8FC-AC1667EBCBE1}">
-              <a14:hiddenEffects xmlns="" xmlns:a14="http://schemas.microsoft.com/office/drawing/2010/main">
+              <a14:hiddenEffects xmlns:a14="http://schemas.microsoft.com/office/drawing/2010/main" xmlns="">
                 <a:effectLst>
                   <a:outerShdw blurRad="63500" dist="35921" dir="2700000" algn="ctr" rotWithShape="0">
                     <a:schemeClr val="bg2"/>
@@ -5325,15 +5650,6 @@
               </a:rPr>
               <a:t>Day1</a:t>
             </a:r>
-            <a:endParaRPr kumimoji="0" lang="en-US" sz="1800" b="1" i="0" u="none" strike="noStrike" cap="none" normalizeH="0" baseline="0" dirty="0" smtClean="0">
-              <a:ln>
-                <a:noFill/>
-              </a:ln>
-              <a:solidFill>
-                <a:schemeClr val="tx1"/>
-              </a:solidFill>
-              <a:effectLst/>
-            </a:endParaRPr>
           </a:p>
           <a:p>
             <a:pPr marL="0" marR="0" indent="0" algn="ctr" defTabSz="914400" rtl="0" eaLnBrk="1" fontAlgn="base" latinLnBrk="0" hangingPunct="1">
@@ -5356,7 +5672,6 @@
               <a:rPr lang="en-US" sz="1800" dirty="0" smtClean="0"/>
               <a:t>Week1</a:t>
             </a:r>
-            <a:endParaRPr lang="en-US" sz="1800" dirty="0" smtClean="0"/>
           </a:p>
         </p:txBody>
       </p:sp>
@@ -5389,7 +5704,7 @@
           <a:effectLst/>
           <a:extLst>
             <a:ext uri="{AF507438-7753-43e0-B8FC-AC1667EBCBE1}">
-              <a14:hiddenEffects xmlns="" xmlns:a14="http://schemas.microsoft.com/office/drawing/2010/main">
+              <a14:hiddenEffects xmlns:a14="http://schemas.microsoft.com/office/drawing/2010/main" xmlns="">
                 <a:effectLst>
                   <a:outerShdw blurRad="63500" dist="35921" dir="2700000" algn="ctr" rotWithShape="0">
                     <a:schemeClr val="bg2"/>
@@ -5467,7 +5782,7 @@
           <a:effectLst/>
           <a:extLst>
             <a:ext uri="{AF507438-7753-43e0-B8FC-AC1667EBCBE1}">
-              <a14:hiddenEffects xmlns="" xmlns:a14="http://schemas.microsoft.com/office/drawing/2010/main">
+              <a14:hiddenEffects xmlns:a14="http://schemas.microsoft.com/office/drawing/2010/main" xmlns="">
                 <a:effectLst>
                   <a:outerShdw blurRad="63500" dist="35921" dir="2700000" algn="ctr" rotWithShape="0">
                     <a:schemeClr val="bg2"/>
@@ -5545,7 +5860,7 @@
           <a:effectLst/>
           <a:extLst>
             <a:ext uri="{AF507438-7753-43e0-B8FC-AC1667EBCBE1}">
-              <a14:hiddenEffects xmlns="" xmlns:a14="http://schemas.microsoft.com/office/drawing/2010/main">
+              <a14:hiddenEffects xmlns:a14="http://schemas.microsoft.com/office/drawing/2010/main" xmlns="">
                 <a:effectLst>
                   <a:outerShdw blurRad="63500" dist="35921" dir="2700000" algn="ctr" rotWithShape="0">
                     <a:schemeClr val="bg2"/>
@@ -5623,7 +5938,7 @@
           <a:effectLst/>
           <a:extLst>
             <a:ext uri="{AF507438-7753-43e0-B8FC-AC1667EBCBE1}">
-              <a14:hiddenEffects xmlns="" xmlns:a14="http://schemas.microsoft.com/office/drawing/2010/main">
+              <a14:hiddenEffects xmlns:a14="http://schemas.microsoft.com/office/drawing/2010/main" xmlns="">
                 <a:effectLst>
                   <a:outerShdw blurRad="63500" dist="35921" dir="2700000" algn="ctr" rotWithShape="0">
                     <a:schemeClr val="bg2"/>
@@ -5701,7 +6016,7 @@
           <a:effectLst/>
           <a:extLst>
             <a:ext uri="{AF507438-7753-43e0-B8FC-AC1667EBCBE1}">
-              <a14:hiddenEffects xmlns="" xmlns:a14="http://schemas.microsoft.com/office/drawing/2010/main">
+              <a14:hiddenEffects xmlns:a14="http://schemas.microsoft.com/office/drawing/2010/main" xmlns="">
                 <a:effectLst>
                   <a:outerShdw blurRad="63500" dist="35921" dir="2700000" algn="ctr" rotWithShape="0">
                     <a:schemeClr val="bg2"/>
@@ -5779,7 +6094,7 @@
           <a:effectLst/>
           <a:extLst>
             <a:ext uri="{AF507438-7753-43e0-B8FC-AC1667EBCBE1}">
-              <a14:hiddenEffects xmlns="" xmlns:a14="http://schemas.microsoft.com/office/drawing/2010/main">
+              <a14:hiddenEffects xmlns:a14="http://schemas.microsoft.com/office/drawing/2010/main" xmlns="">
                 <a:effectLst>
                   <a:outerShdw blurRad="63500" dist="35921" dir="2700000" algn="ctr" rotWithShape="0">
                     <a:schemeClr val="bg2"/>
@@ -5816,7 +6131,6 @@
               <a:rPr lang="en-US" sz="1800" dirty="0" smtClean="0"/>
               <a:t>Week2</a:t>
             </a:r>
-            <a:endParaRPr lang="en-US" sz="1800" dirty="0" smtClean="0"/>
           </a:p>
         </p:txBody>
       </p:sp>
@@ -5849,7 +6163,7 @@
           <a:effectLst/>
           <a:extLst>
             <a:ext uri="{AF507438-7753-43e0-B8FC-AC1667EBCBE1}">
-              <a14:hiddenEffects xmlns="" xmlns:a14="http://schemas.microsoft.com/office/drawing/2010/main">
+              <a14:hiddenEffects xmlns:a14="http://schemas.microsoft.com/office/drawing/2010/main" xmlns="">
                 <a:effectLst>
                   <a:outerShdw blurRad="63500" dist="35921" dir="2700000" algn="ctr" rotWithShape="0">
                     <a:schemeClr val="bg2"/>
@@ -7558,14 +7872,14 @@
           <a:effectLst/>
           <a:extLst>
             <a:ext uri="{909E8E84-426E-40dd-AFC4-6F175D3DCCD1}">
-              <a14:hiddenFill xmlns="" xmlns:a14="http://schemas.microsoft.com/office/drawing/2010/main">
+              <a14:hiddenFill xmlns:a14="http://schemas.microsoft.com/office/drawing/2010/main" xmlns="">
                 <a:solidFill>
                   <a:schemeClr val="accent1"/>
                 </a:solidFill>
               </a14:hiddenFill>
             </a:ext>
             <a:ext uri="{91240B29-F687-4f45-9708-019B960494DF}">
-              <a14:hiddenLine xmlns="" xmlns:a14="http://schemas.microsoft.com/office/drawing/2010/main" w="9525">
+              <a14:hiddenLine xmlns:a14="http://schemas.microsoft.com/office/drawing/2010/main" xmlns="" w="9525">
                 <a:solidFill>
                   <a:schemeClr val="tx1"/>
                 </a:solidFill>
@@ -7575,7 +7889,7 @@
               </a14:hiddenLine>
             </a:ext>
             <a:ext uri="{AF507438-7753-43e0-B8FC-AC1667EBCBE1}">
-              <a14:hiddenEffects xmlns="" xmlns:a14="http://schemas.microsoft.com/office/drawing/2010/main">
+              <a14:hiddenEffects xmlns:a14="http://schemas.microsoft.com/office/drawing/2010/main" xmlns="">
                 <a:effectLst>
                   <a:outerShdw blurRad="63500" dist="38099" dir="2700000" algn="ctr" rotWithShape="0">
                     <a:schemeClr val="bg2">
@@ -7586,7 +7900,7 @@
               </a14:hiddenEffects>
             </a:ext>
             <a:ext uri="{FAA26D3D-D897-4be2-8F04-BA451C77F1D7}">
-              <ma14:placeholderFlag xmlns="" xmlns:ma14="http://schemas.microsoft.com/office/mac/drawingml/2011/main" val="1"/>
+              <ma14:placeholderFlag xmlns:ma14="http://schemas.microsoft.com/office/mac/drawingml/2011/main" xmlns="" val="1"/>
             </a:ext>
           </a:extLst>
         </p:spPr>
@@ -7987,14 +8301,7 @@
                 <a:latin typeface="Courier"/>
                 <a:cs typeface="Courier"/>
               </a:rPr>
-              <a:t>&lt;- </a:t>
-            </a:r>
-            <a:r>
-              <a:rPr lang="en-US" sz="1600" dirty="0" smtClean="0">
-                <a:latin typeface="Courier"/>
-                <a:cs typeface="Courier"/>
-              </a:rPr>
-              <a:t>NULL</a:t>
+              <a:t>&lt;- NULL</a:t>
             </a:r>
           </a:p>
           <a:p>
@@ -8139,14 +8446,7 @@
                 <a:latin typeface="Courier"/>
                 <a:cs typeface="Courier"/>
               </a:rPr>
-              <a:t> </a:t>
-            </a:r>
-            <a:r>
-              <a:rPr lang="en-US" sz="1400" dirty="0" smtClean="0">
-                <a:latin typeface="Courier"/>
-                <a:cs typeface="Courier"/>
-              </a:rPr>
-              <a:t>&lt;- </a:t>
+              <a:t> &lt;- </a:t>
             </a:r>
             <a:r>
               <a:rPr lang="en-US" sz="1400" i="1" dirty="0" err="1" smtClean="0">
@@ -8260,10 +8560,6 @@
               </a:rPr>
               <a:t>then</a:t>
             </a:r>
-            <a:endParaRPr lang="en-US" sz="1400" dirty="0" smtClean="0">
-              <a:latin typeface="Courier"/>
-              <a:cs typeface="Courier"/>
-            </a:endParaRPr>
           </a:p>
           <a:p>
             <a:pPr marL="400050" lvl="1" indent="0">
@@ -8332,10 +8628,6 @@
               </a:rPr>
               <a:t>)</a:t>
             </a:r>
-            <a:endParaRPr lang="en-US" sz="1400" dirty="0" smtClean="0">
-              <a:latin typeface="Courier"/>
-              <a:cs typeface="Courier"/>
-            </a:endParaRPr>
           </a:p>
           <a:p>
             <a:pPr marL="400050" lvl="1" indent="0">
@@ -8449,10 +8741,6 @@
               </a:rPr>
               <a:t>) </a:t>
             </a:r>
-            <a:endParaRPr lang="en-US" sz="1400" dirty="0" smtClean="0">
-              <a:latin typeface="Courier"/>
-              <a:cs typeface="Courier"/>
-            </a:endParaRPr>
           </a:p>
         </p:txBody>
       </p:sp>
@@ -8651,9 +8939,53 @@
             </a:pPr>
             <a:r>
               <a:rPr lang="en-US" dirty="0" smtClean="0"/>
-              <a:t>Background and Problem Statements</a:t>
-            </a:r>
-            <a:endParaRPr lang="en-US" dirty="0" smtClean="0"/>
+              <a:t>Purposes</a:t>
+            </a:r>
+          </a:p>
+          <a:p>
+            <a:pPr lvl="2">
+              <a:spcBef>
+                <a:spcPts val="600"/>
+              </a:spcBef>
+            </a:pPr>
+            <a:r>
+              <a:rPr lang="en-US" dirty="0"/>
+              <a:t>Modeling and discovering user behavior based on their smartphone </a:t>
+            </a:r>
+            <a:r>
+              <a:rPr lang="en-US" dirty="0" smtClean="0"/>
+              <a:t>life-log </a:t>
+            </a:r>
+          </a:p>
+          <a:p>
+            <a:pPr lvl="2">
+              <a:spcBef>
+                <a:spcPts val="600"/>
+              </a:spcBef>
+            </a:pPr>
+            <a:r>
+              <a:rPr lang="en-US" dirty="0" smtClean="0"/>
+              <a:t>Modeling </a:t>
+            </a:r>
+            <a:r>
+              <a:rPr lang="en-US" dirty="0" smtClean="0"/>
+              <a:t>human behavior for user identification</a:t>
+            </a:r>
+          </a:p>
+          <a:p>
+            <a:pPr lvl="1">
+              <a:spcBef>
+                <a:spcPts val="600"/>
+              </a:spcBef>
+            </a:pPr>
+            <a:r>
+              <a:rPr lang="en-US" dirty="0" smtClean="0"/>
+              <a:t>Background </a:t>
+            </a:r>
+            <a:r>
+              <a:rPr lang="en-US" dirty="0" smtClean="0"/>
+              <a:t>and Problem Statements</a:t>
+            </a:r>
           </a:p>
           <a:p>
             <a:pPr>
@@ -8665,7 +8997,6 @@
               <a:rPr lang="en-US" b="1" dirty="0" smtClean="0"/>
               <a:t>Methods</a:t>
             </a:r>
-            <a:endParaRPr lang="en-US" b="1" dirty="0" smtClean="0"/>
           </a:p>
           <a:p>
             <a:pPr lvl="1">
@@ -8709,7 +9040,11 @@
             </a:pPr>
             <a:r>
               <a:rPr lang="en-US" dirty="0" smtClean="0"/>
-              <a:t>Building Human Behavior model which can describe about theirs daily activities. It’s can be used for behavior Identification</a:t>
+              <a:t>Building Human Behavior model which can describe about theirs daily activities. It’s can be used for </a:t>
+            </a:r>
+            <a:r>
+              <a:rPr lang="en-US" dirty="0" smtClean="0"/>
+              <a:t>user Identification</a:t>
             </a:r>
             <a:endParaRPr lang="en-US" dirty="0"/>
           </a:p>
@@ -8771,7 +9106,7 @@
         </p:nvSpPr>
         <p:spPr>
           <a:xfrm>
-            <a:off x="304800" y="381000"/>
+            <a:off x="304800" y="533400"/>
             <a:ext cx="8229600" cy="609600"/>
           </a:xfrm>
         </p:spPr>
@@ -8809,8 +9144,8 @@
         </p:blipFill>
         <p:spPr>
           <a:xfrm>
-            <a:off x="0" y="990600"/>
-            <a:ext cx="9144000" cy="5078675"/>
+            <a:off x="152400" y="1295400"/>
+            <a:ext cx="8991600" cy="4800599"/>
           </a:xfrm>
           <a:prstGeom prst="rect">
             <a:avLst/>
@@ -8895,21 +9230,44 @@
           <a:p>
             <a:r>
               <a:rPr lang="en-US" dirty="0" smtClean="0"/>
-              <a:t>Divide all of dataset to two parts (around 8 weeks)</a:t>
-            </a:r>
+              <a:t>Total of dataset around 1 month 20 days</a:t>
+            </a:r>
+          </a:p>
+          <a:p>
+            <a:r>
+              <a:rPr lang="en-US" dirty="0" smtClean="0"/>
+              <a:t>We </a:t>
+            </a:r>
+            <a:r>
+              <a:rPr lang="en-US" dirty="0" smtClean="0"/>
+              <a:t>Divide </a:t>
+            </a:r>
+            <a:r>
+              <a:rPr lang="en-US" dirty="0" smtClean="0"/>
+              <a:t>all of dataset to two parts </a:t>
+            </a:r>
+            <a:endParaRPr lang="en-US" dirty="0" smtClean="0"/>
           </a:p>
           <a:p>
             <a:pPr lvl="1"/>
             <a:r>
               <a:rPr lang="en-US" dirty="0" smtClean="0"/>
-              <a:t>50% for creating model (first dataset)</a:t>
+              <a:t>First month </a:t>
+            </a:r>
+            <a:r>
+              <a:rPr lang="en-US" dirty="0" smtClean="0"/>
+              <a:t>for creating model (first dataset)</a:t>
             </a:r>
           </a:p>
           <a:p>
             <a:pPr lvl="1"/>
             <a:r>
               <a:rPr lang="en-US" dirty="0" smtClean="0"/>
-              <a:t>50% for testing performance (second dataset)</a:t>
+              <a:t>Remaining dataset </a:t>
+            </a:r>
+            <a:r>
+              <a:rPr lang="en-US" dirty="0" smtClean="0"/>
+              <a:t>for testing performance (second dataset)</a:t>
             </a:r>
           </a:p>
           <a:p>
@@ -8921,8 +9279,16 @@
           <a:p>
             <a:pPr lvl="1"/>
             <a:r>
+              <a:rPr lang="en-US" dirty="0"/>
+              <a:t>B</a:t>
+            </a:r>
+            <a:r>
               <a:rPr lang="en-US" dirty="0" smtClean="0"/>
-              <a:t>Output1: Behavior model/profile.</a:t>
+              <a:t>1</a:t>
+            </a:r>
+            <a:r>
+              <a:rPr lang="en-US" dirty="0" smtClean="0"/>
+              <a:t>: Behavior model/profile.</a:t>
             </a:r>
           </a:p>
           <a:p>
@@ -8934,36 +9300,58 @@
           <a:p>
             <a:r>
               <a:rPr lang="en-US" dirty="0" smtClean="0"/>
-              <a:t>Apply similarity detection to second dataset. </a:t>
-            </a:r>
+              <a:t>Apply similarity detection to second </a:t>
+            </a:r>
+            <a:r>
+              <a:rPr lang="en-US" dirty="0" smtClean="0"/>
+              <a:t>dataset with same setting. </a:t>
+            </a:r>
+            <a:endParaRPr lang="en-US" dirty="0" smtClean="0"/>
           </a:p>
           <a:p>
             <a:pPr lvl="1"/>
             <a:r>
               <a:rPr lang="en-US" dirty="0" smtClean="0"/>
-              <a:t>Output2: Group result from second dataset.</a:t>
-            </a:r>
-          </a:p>
-          <a:p>
+              <a:t>B2: </a:t>
+            </a:r>
             <a:r>
               <a:rPr lang="en-US" dirty="0" smtClean="0"/>
-              <a:t>Compare the Output2 to the Behavior model/profile.</a:t>
-            </a:r>
-          </a:p>
-          <a:p>
+              <a:t>Set of behavior g</a:t>
+            </a:r>
             <a:r>
               <a:rPr lang="en-US" dirty="0" smtClean="0"/>
-              <a:t>Calculate group detection, how many groups identified as behavior model, how many groups identified as new behavior. </a:t>
-            </a:r>
-          </a:p>
-          <a:p>
+              <a:t>roup </a:t>
+            </a:r>
             <a:r>
               <a:rPr lang="en-US" dirty="0" smtClean="0"/>
-              <a:t>Implement this approach </a:t>
-            </a:r>
-            <a:r>
-              <a:rPr lang="en-US" smtClean="0"/>
-              <a:t>for Identification</a:t>
+              <a:t>result from second dataset.</a:t>
+            </a:r>
+          </a:p>
+          <a:p>
+            <a:r>
+              <a:rPr lang="en-US" dirty="0" smtClean="0"/>
+              <a:t>Is the all of B2 identified by Behavior model/profile (B1).</a:t>
+            </a:r>
+            <a:endParaRPr lang="en-US" dirty="0" smtClean="0"/>
+          </a:p>
+          <a:p>
+            <a:r>
+              <a:rPr lang="en-US" dirty="0" smtClean="0"/>
+              <a:t>Calculate group detection, </a:t>
+            </a:r>
+            <a:r>
+              <a:rPr lang="en-US" dirty="0" smtClean="0"/>
+              <a:t>The percentage of data identified.</a:t>
+            </a:r>
+          </a:p>
+          <a:p>
+            <a:r>
+              <a:rPr lang="en-US" dirty="0" smtClean="0"/>
+              <a:t>Implement </a:t>
+            </a:r>
+            <a:r>
+              <a:rPr lang="en-US" dirty="0" smtClean="0"/>
+              <a:t>this approach for Identification</a:t>
             </a:r>
             <a:endParaRPr lang="en-US" dirty="0"/>
           </a:p>
@@ -8993,6 +9381,79 @@
       </p:par>
     </p:tnLst>
   </p:timing>
+</p:sld>
+</file>
+
+<file path=ppt/slides/slide22.xml><?xml version="1.0" encoding="utf-8"?>
+<p:sld xmlns:a="http://schemas.openxmlformats.org/drawingml/2006/main" xmlns:r="http://schemas.openxmlformats.org/officeDocument/2006/relationships" xmlns:p="http://schemas.openxmlformats.org/presentationml/2006/main">
+  <p:cSld>
+    <p:spTree>
+      <p:nvGrpSpPr>
+        <p:cNvPr id="1" name=""/>
+        <p:cNvGrpSpPr/>
+        <p:nvPr/>
+      </p:nvGrpSpPr>
+      <p:grpSpPr>
+        <a:xfrm>
+          <a:off x="0" y="0"/>
+          <a:ext cx="0" cy="0"/>
+          <a:chOff x="0" y="0"/>
+          <a:chExt cx="0" cy="0"/>
+        </a:xfrm>
+      </p:grpSpPr>
+      <p:sp>
+        <p:nvSpPr>
+          <p:cNvPr id="2" name="Title 1"/>
+          <p:cNvSpPr>
+            <a:spLocks noGrp="1"/>
+          </p:cNvSpPr>
+          <p:nvPr>
+            <p:ph type="title"/>
+          </p:nvPr>
+        </p:nvSpPr>
+        <p:spPr/>
+        <p:txBody>
+          <a:bodyPr/>
+          <a:lstStyle/>
+          <a:p>
+            <a:r>
+              <a:rPr lang="en-US" dirty="0" smtClean="0"/>
+              <a:t>Confusion matrix (Only 5 students)</a:t>
+            </a:r>
+            <a:endParaRPr lang="en-US" dirty="0"/>
+          </a:p>
+        </p:txBody>
+      </p:sp>
+      <p:sp>
+        <p:nvSpPr>
+          <p:cNvPr id="3" name="Content Placeholder 2"/>
+          <p:cNvSpPr>
+            <a:spLocks noGrp="1"/>
+          </p:cNvSpPr>
+          <p:nvPr>
+            <p:ph idx="1"/>
+          </p:nvPr>
+        </p:nvSpPr>
+        <p:spPr/>
+        <p:txBody>
+          <a:bodyPr/>
+          <a:lstStyle/>
+          <a:p>
+            <a:endParaRPr lang="en-US"/>
+          </a:p>
+        </p:txBody>
+      </p:sp>
+    </p:spTree>
+    <p:extLst>
+      <p:ext uri="{BB962C8B-B14F-4D97-AF65-F5344CB8AC3E}">
+        <p14:creationId xmlns:p14="http://schemas.microsoft.com/office/powerpoint/2010/main" val="1020809851"/>
+      </p:ext>
+    </p:extLst>
+  </p:cSld>
+  <p:clrMapOvr>
+    <a:masterClrMapping/>
+  </p:clrMapOvr>
+  <p:transition/>
 </p:sld>
 </file>
 
@@ -9030,7 +9491,7 @@
           <a:p>
             <a:r>
               <a:rPr lang="en-US" dirty="0" smtClean="0"/>
-              <a:t>Thesis Background and Problem Statement</a:t>
+              <a:t>Human Behavior</a:t>
             </a:r>
             <a:endParaRPr lang="en-US" dirty="0"/>
           </a:p>
@@ -9051,93 +9512,68 @@
           <a:bodyPr/>
           <a:lstStyle/>
           <a:p>
-            <a:pPr lvl="0"/>
-            <a:r>
-              <a:rPr lang="en-US" sz="1700" dirty="0"/>
-              <a:t>Common approach which is using one feature is good to know that </a:t>
-            </a:r>
-            <a:r>
-              <a:rPr lang="en-US" sz="1700" dirty="0" smtClean="0"/>
-              <a:t>feature is reliable </a:t>
-            </a:r>
-            <a:r>
-              <a:rPr lang="en-US" sz="1700" dirty="0"/>
-              <a:t>or not. The problem when we use only one feature is the lack of sensor </a:t>
-            </a:r>
-            <a:r>
-              <a:rPr lang="en-US" sz="1700" dirty="0" smtClean="0"/>
-              <a:t>accuracy, data loss, and we have to think about realistic data. </a:t>
-            </a:r>
-            <a:endParaRPr lang="en-US" sz="1700" dirty="0"/>
-          </a:p>
-          <a:p>
-            <a:pPr lvl="0"/>
-            <a:r>
-              <a:rPr lang="en-US" sz="1700" dirty="0"/>
-              <a:t>In realistic environment, user has different type and brand of smartphone and each smartphone has different type of sensors and hardware specification and capabilities. </a:t>
-            </a:r>
-          </a:p>
-          <a:p>
-            <a:pPr lvl="0"/>
-            <a:r>
-              <a:rPr lang="en-US" sz="1700" dirty="0"/>
-              <a:t>We could not expect the human actions and their activities, they will </a:t>
-            </a:r>
-            <a:r>
-              <a:rPr lang="en-US" sz="1700" dirty="0" smtClean="0"/>
-              <a:t>do </a:t>
-            </a:r>
-            <a:r>
-              <a:rPr lang="en-US" sz="1700" dirty="0"/>
-              <a:t>actions and activities as they want. </a:t>
-            </a:r>
-          </a:p>
-          <a:p>
-            <a:pPr lvl="0"/>
-            <a:r>
-              <a:rPr lang="en-US" sz="1700" dirty="0"/>
-              <a:t>There is no ideal data collection that can record user personal data for every day 24 hour non-stop, it will drain the battery and spend smartphone resource. </a:t>
-            </a:r>
-          </a:p>
-          <a:p>
-            <a:pPr lvl="0"/>
-            <a:r>
-              <a:rPr lang="en-US" sz="1700" dirty="0"/>
-              <a:t>There is no ideal data collection that can record all of data without any data loss.</a:t>
-            </a:r>
-          </a:p>
-          <a:p>
-            <a:pPr lvl="0"/>
-            <a:r>
-              <a:rPr lang="en-US" sz="1700" dirty="0" smtClean="0"/>
-              <a:t>We decide </a:t>
-            </a:r>
-            <a:r>
-              <a:rPr lang="en-US" sz="1700" dirty="0"/>
-              <a:t>to use many of sensors rather than focus only one sensor, we have to realize that the data from smartphone are heterogeneous data because the data came from multiple sensors and multiple source information</a:t>
-            </a:r>
-            <a:r>
-              <a:rPr lang="en-US" sz="1700" dirty="0" smtClean="0"/>
-              <a:t>. And based on those heterogeneous data, we want to know whether those features </a:t>
-            </a:r>
-            <a:r>
-              <a:rPr lang="en-US" sz="1700" smtClean="0"/>
-              <a:t>are reliable or not. </a:t>
-            </a:r>
-            <a:endParaRPr lang="en-US" sz="1700" dirty="0"/>
-          </a:p>
-          <a:p>
-            <a:pPr marL="0" lvl="0" indent="0">
+            <a:r>
+              <a:rPr lang="en-US" dirty="0"/>
+              <a:t>Alice is research student in one of university in Korea. </a:t>
+            </a:r>
+            <a:endParaRPr lang="en-US" dirty="0" smtClean="0"/>
+          </a:p>
+          <a:p>
+            <a:r>
+              <a:rPr lang="en-US" dirty="0" smtClean="0"/>
+              <a:t>Every </a:t>
+            </a:r>
+            <a:r>
+              <a:rPr lang="en-US" dirty="0"/>
+              <a:t>working day, he wakes up, takes a shower, breakfast, and goes to his campus at 8:40 AM. </a:t>
+            </a:r>
+            <a:endParaRPr lang="en-US" dirty="0" smtClean="0"/>
+          </a:p>
+          <a:p>
+            <a:r>
+              <a:rPr lang="en-US" dirty="0" smtClean="0"/>
+              <a:t>He </a:t>
+            </a:r>
+            <a:r>
+              <a:rPr lang="en-US" dirty="0"/>
+              <a:t>is living in dormitory, he walks from dormitory to his lab (campus) takes 10 minutes. </a:t>
+            </a:r>
+            <a:endParaRPr lang="en-US" dirty="0" smtClean="0"/>
+          </a:p>
+          <a:p>
+            <a:r>
+              <a:rPr lang="en-US" dirty="0" smtClean="0"/>
+              <a:t>Usually</a:t>
+            </a:r>
+            <a:r>
+              <a:rPr lang="en-US" dirty="0"/>
+              <a:t>, he arrives in his lab at 9 AM and then sits on his chair and starts working. </a:t>
+            </a:r>
+            <a:endParaRPr lang="en-US" dirty="0" smtClean="0"/>
+          </a:p>
+          <a:p>
+            <a:endParaRPr lang="en-US" dirty="0"/>
+          </a:p>
+          <a:p>
+            <a:pPr marL="0" indent="0">
               <a:buNone/>
             </a:pPr>
-            <a:endParaRPr lang="en-US" sz="1700" dirty="0" smtClean="0"/>
+            <a:r>
+              <a:rPr lang="en-US" dirty="0" smtClean="0"/>
+              <a:t>This example is </a:t>
+            </a:r>
+            <a:r>
+              <a:rPr lang="en-US" dirty="0"/>
+              <a:t>one of the human daily routine in working day. Based on this story, we can used Alice’s smartphone sensor data to define and build Alice’s behavior model. </a:t>
+            </a:r>
+            <a:endParaRPr lang="en-US" dirty="0"/>
           </a:p>
         </p:txBody>
       </p:sp>
     </p:spTree>
     <p:extLst>
       <p:ext uri="{BB962C8B-B14F-4D97-AF65-F5344CB8AC3E}">
-        <p14:creationId xmlns:p14="http://schemas.microsoft.com/office/powerpoint/2010/main" val="2706443036"/>
+        <p14:creationId xmlns:p14="http://schemas.microsoft.com/office/powerpoint/2010/main" val="1071681571"/>
       </p:ext>
     </p:extLst>
   </p:cSld>
@@ -9182,7 +9618,7 @@
           <a:p>
             <a:r>
               <a:rPr lang="en-US" dirty="0" smtClean="0"/>
-              <a:t>In terms of human behavior</a:t>
+              <a:t>Thesis Background and Problem Statement</a:t>
             </a:r>
             <a:endParaRPr lang="en-US" dirty="0"/>
           </a:p>
@@ -9203,103 +9639,113 @@
           <a:bodyPr/>
           <a:lstStyle/>
           <a:p>
-            <a:r>
-              <a:rPr lang="en-US" dirty="0" smtClean="0"/>
-              <a:t>What is the human behavior in case of smartphone sensing?.</a:t>
-            </a:r>
-          </a:p>
-          <a:p>
-            <a:pPr lvl="1"/>
-            <a:r>
-              <a:rPr lang="en-US" dirty="0" smtClean="0"/>
-              <a:t> Human daily activities which carried out continuously</a:t>
-            </a:r>
-          </a:p>
-          <a:p>
-            <a:r>
-              <a:rPr lang="en-US" dirty="0" smtClean="0"/>
-              <a:t>In terms of human daily activities, we have to consider about four things:</a:t>
-            </a:r>
-          </a:p>
-          <a:p>
-            <a:pPr lvl="1"/>
-            <a:r>
-              <a:rPr lang="en-US" dirty="0" smtClean="0"/>
-              <a:t>What kind of activity (</a:t>
-            </a:r>
-            <a:r>
-              <a:rPr lang="en-US" dirty="0" err="1" smtClean="0"/>
-              <a:t>e.g</a:t>
-            </a:r>
-            <a:r>
-              <a:rPr lang="en-US" dirty="0" smtClean="0"/>
-              <a:t> meeting, study, exercise)</a:t>
-            </a:r>
-          </a:p>
-          <a:p>
-            <a:pPr lvl="1"/>
-            <a:r>
-              <a:rPr lang="en-US" dirty="0" smtClean="0"/>
-              <a:t>When	(</a:t>
-            </a:r>
-            <a:r>
-              <a:rPr lang="en-US" dirty="0" err="1" smtClean="0"/>
-              <a:t>e.g</a:t>
-            </a:r>
-            <a:r>
-              <a:rPr lang="en-US" dirty="0" smtClean="0"/>
-              <a:t> around 9 AM)</a:t>
-            </a:r>
-          </a:p>
-          <a:p>
-            <a:pPr lvl="1"/>
-            <a:r>
-              <a:rPr lang="en-US" dirty="0" smtClean="0"/>
-              <a:t>Location (</a:t>
-            </a:r>
-            <a:r>
-              <a:rPr lang="en-US" dirty="0" err="1" smtClean="0"/>
-              <a:t>e.g</a:t>
-            </a:r>
-            <a:r>
-              <a:rPr lang="en-US" dirty="0" smtClean="0"/>
-              <a:t> Lab)</a:t>
-            </a:r>
-          </a:p>
-          <a:p>
-            <a:pPr lvl="1"/>
-            <a:r>
-              <a:rPr lang="en-US" dirty="0" smtClean="0"/>
-              <a:t>With Whom (</a:t>
-            </a:r>
-            <a:r>
-              <a:rPr lang="en-US" dirty="0" err="1" smtClean="0"/>
-              <a:t>e.g</a:t>
-            </a:r>
-            <a:r>
-              <a:rPr lang="en-US" dirty="0" smtClean="0"/>
-              <a:t> all lab’s members)</a:t>
-            </a:r>
-          </a:p>
-          <a:p>
-            <a:r>
-              <a:rPr lang="en-US" dirty="0" smtClean="0"/>
-              <a:t>Possibilities : same activity in different time and location, different activity in same time and location, etc. </a:t>
-            </a:r>
-          </a:p>
-          <a:p>
-            <a:pPr lvl="1"/>
-            <a:endParaRPr lang="en-US" dirty="0" smtClean="0"/>
-          </a:p>
-          <a:p>
-            <a:endParaRPr lang="en-US" dirty="0"/>
+            <a:pPr lvl="0" algn="just"/>
+            <a:r>
+              <a:rPr lang="en-US" sz="1700" dirty="0"/>
+              <a:t>Common approach which is using one feature is good to know that </a:t>
+            </a:r>
+            <a:r>
+              <a:rPr lang="en-US" sz="1700" dirty="0" smtClean="0"/>
+              <a:t>feature is reliable </a:t>
+            </a:r>
+            <a:r>
+              <a:rPr lang="en-US" sz="1700" dirty="0"/>
+              <a:t>or not. The problem when we use only one feature is the lack of sensor </a:t>
+            </a:r>
+            <a:r>
+              <a:rPr lang="en-US" sz="1700" dirty="0" smtClean="0"/>
+              <a:t>accuracy, data loss, and we have to think about realistic data. </a:t>
+            </a:r>
+            <a:endParaRPr lang="en-US" sz="1700" dirty="0"/>
+          </a:p>
+          <a:p>
+            <a:pPr lvl="0" algn="just"/>
+            <a:r>
+              <a:rPr lang="en-US" sz="1700" dirty="0"/>
+              <a:t>In realistic environment, user has different </a:t>
+            </a:r>
+            <a:r>
+              <a:rPr lang="en-US" sz="1700" dirty="0" smtClean="0"/>
+              <a:t>types </a:t>
+            </a:r>
+            <a:r>
+              <a:rPr lang="en-US" sz="1700" dirty="0"/>
+              <a:t>and brand of smartphone and each smartphone has different </a:t>
+            </a:r>
+            <a:r>
+              <a:rPr lang="en-US" sz="1700" dirty="0" smtClean="0"/>
+              <a:t>types </a:t>
+            </a:r>
+            <a:r>
+              <a:rPr lang="en-US" sz="1700" dirty="0"/>
+              <a:t>of sensors and hardware specification and capabilities. </a:t>
+            </a:r>
+          </a:p>
+          <a:p>
+            <a:pPr lvl="0" algn="just"/>
+            <a:r>
+              <a:rPr lang="en-US" sz="1700" dirty="0"/>
+              <a:t>We could not expect the human actions and their activities, they will </a:t>
+            </a:r>
+            <a:r>
+              <a:rPr lang="en-US" sz="1700" dirty="0" smtClean="0"/>
+              <a:t>do </a:t>
+            </a:r>
+            <a:r>
+              <a:rPr lang="en-US" sz="1700" dirty="0"/>
+              <a:t>actions and activities as they want. </a:t>
+            </a:r>
+          </a:p>
+          <a:p>
+            <a:pPr lvl="0" algn="just"/>
+            <a:r>
+              <a:rPr lang="en-US" sz="1700" dirty="0"/>
+              <a:t>There is no ideal data collection that can record user personal data for every day 24 hour non-stop, it will drain the battery and spend smartphone resource. </a:t>
+            </a:r>
+          </a:p>
+          <a:p>
+            <a:pPr lvl="0" algn="just"/>
+            <a:r>
+              <a:rPr lang="en-US" sz="1700" dirty="0"/>
+              <a:t>There is no ideal data collection that can record all of data without any data loss.</a:t>
+            </a:r>
+          </a:p>
+          <a:p>
+            <a:pPr lvl="0" algn="just"/>
+            <a:r>
+              <a:rPr lang="en-US" sz="1700" dirty="0" smtClean="0"/>
+              <a:t>We decide </a:t>
+            </a:r>
+            <a:r>
+              <a:rPr lang="en-US" sz="1700" dirty="0"/>
+              <a:t>to use many of sensors rather than focus only one sensor, we have to realize that the data from smartphone are heterogeneous data because the data came from multiple sensors and multiple source information</a:t>
+            </a:r>
+            <a:r>
+              <a:rPr lang="en-US" sz="1700" dirty="0" smtClean="0"/>
+              <a:t>. </a:t>
+            </a:r>
+            <a:endParaRPr lang="en-US" sz="1700" dirty="0" smtClean="0"/>
+          </a:p>
+          <a:p>
+            <a:pPr lvl="0" algn="just"/>
+            <a:r>
+              <a:rPr lang="en-US" sz="1700" dirty="0" smtClean="0"/>
+              <a:t>Our proposed method tried to deal with those situation.</a:t>
+            </a:r>
+            <a:endParaRPr lang="en-US" sz="1700" dirty="0"/>
+          </a:p>
+          <a:p>
+            <a:pPr marL="0" lvl="0" indent="0">
+              <a:buNone/>
+            </a:pPr>
+            <a:endParaRPr lang="en-US" sz="1700" dirty="0" smtClean="0"/>
           </a:p>
         </p:txBody>
       </p:sp>
     </p:spTree>
     <p:extLst>
       <p:ext uri="{BB962C8B-B14F-4D97-AF65-F5344CB8AC3E}">
-        <p14:creationId xmlns:p14="http://schemas.microsoft.com/office/powerpoint/2010/main" val="3103307297"/>
+        <p14:creationId xmlns:p14="http://schemas.microsoft.com/office/powerpoint/2010/main" val="2706443036"/>
       </p:ext>
     </p:extLst>
   </p:cSld>
@@ -9307,13 +9753,6 @@
     <a:masterClrMapping/>
   </p:clrMapOvr>
   <p:transition/>
-  <p:timing>
-    <p:tnLst>
-      <p:par>
-        <p:cTn id="1" dur="indefinite" restart="never" nodeType="tmRoot"/>
-      </p:par>
-    </p:tnLst>
-  </p:timing>
 </p:sld>
 </file>
 
@@ -9336,9 +9775,9 @@
       </p:grpSpPr>
       <p:sp>
         <p:nvSpPr>
-          <p:cNvPr id="131074" name="Rectangle 2"/>
+          <p:cNvPr id="2" name="Title 1"/>
           <p:cNvSpPr>
-            <a:spLocks noGrp="1" noChangeArrowheads="1"/>
+            <a:spLocks noGrp="1"/>
           </p:cNvSpPr>
           <p:nvPr>
             <p:ph type="title"/>
@@ -9351,7 +9790,7 @@
           <a:p>
             <a:r>
               <a:rPr lang="en-US" dirty="0" smtClean="0"/>
-              <a:t>Data</a:t>
+              <a:t>Raw Data looks like</a:t>
             </a:r>
             <a:endParaRPr lang="en-US" dirty="0"/>
           </a:p>
@@ -9359,7 +9798,7 @@
       </p:sp>
       <p:pic>
         <p:nvPicPr>
-          <p:cNvPr id="14" name="Picture 13"/>
+          <p:cNvPr id="4" name="Picture 3" descr="dataviewinsmartphone.png"/>
           <p:cNvPicPr>
             <a:picLocks noChangeAspect="1"/>
           </p:cNvPicPr>
@@ -9379,229 +9818,78 @@
         </p:blipFill>
         <p:spPr>
           <a:xfrm>
-            <a:off x="381000" y="1447800"/>
-            <a:ext cx="4279709" cy="4279709"/>
+            <a:off x="609600" y="1828800"/>
+            <a:ext cx="2538412" cy="4512733"/>
           </a:xfrm>
           <a:prstGeom prst="rect">
             <a:avLst/>
           </a:prstGeom>
         </p:spPr>
       </p:pic>
-      <p:sp>
-        <p:nvSpPr>
-          <p:cNvPr id="15" name="Content Placeholder 1"/>
-          <p:cNvSpPr txBox="1">
-            <a:spLocks/>
-          </p:cNvSpPr>
+      <p:pic>
+        <p:nvPicPr>
+          <p:cNvPr id="6" name="Picture 5" descr="list_of_dir.png"/>
+          <p:cNvPicPr>
+            <a:picLocks noChangeAspect="1"/>
+          </p:cNvPicPr>
           <p:nvPr/>
-        </p:nvSpPr>
+        </p:nvPicPr>
+        <p:blipFill>
+          <a:blip r:embed="rId3">
+            <a:extLst>
+              <a:ext uri="{28A0092B-C50C-407E-A947-70E740481C1C}">
+                <a14:useLocalDpi xmlns:a14="http://schemas.microsoft.com/office/drawing/2010/main" val="0"/>
+              </a:ext>
+            </a:extLst>
+          </a:blip>
+          <a:stretch>
+            <a:fillRect/>
+          </a:stretch>
+        </p:blipFill>
         <p:spPr>
           <a:xfrm>
-            <a:off x="5194109" y="1511491"/>
-            <a:ext cx="3733800" cy="4525963"/>
+            <a:off x="3276600" y="1524000"/>
+            <a:ext cx="5638800" cy="1387389"/>
           </a:xfrm>
           <a:prstGeom prst="rect">
             <a:avLst/>
           </a:prstGeom>
         </p:spPr>
-        <p:txBody>
-          <a:bodyPr vert="horz">
-            <a:normAutofit/>
-          </a:bodyPr>
-          <a:lstStyle>
-            <a:lvl1pPr marL="365760" indent="-256032" algn="l" rtl="0" eaLnBrk="1" latinLnBrk="0" hangingPunct="1">
-              <a:spcBef>
-                <a:spcPts val="400"/>
-              </a:spcBef>
-              <a:spcAft>
-                <a:spcPts val="0"/>
-              </a:spcAft>
-              <a:buClr>
-                <a:schemeClr val="accent1"/>
-              </a:buClr>
-              <a:buSzPct val="68000"/>
-              <a:buFont typeface="Wingdings 3"/>
-              <a:buChar char=""/>
-              <a:defRPr kumimoji="0" sz="2700" kern="1200">
-                <a:solidFill>
-                  <a:schemeClr val="tx1"/>
-                </a:solidFill>
-                <a:latin typeface="+mn-lt"/>
-                <a:ea typeface="+mn-ea"/>
-                <a:cs typeface="+mn-cs"/>
-              </a:defRPr>
-            </a:lvl1pPr>
-            <a:lvl2pPr marL="621792" indent="-228600" algn="l" rtl="0" eaLnBrk="1" latinLnBrk="0" hangingPunct="1">
-              <a:spcBef>
-                <a:spcPts val="324"/>
-              </a:spcBef>
-              <a:buClr>
-                <a:schemeClr val="accent1"/>
-              </a:buClr>
-              <a:buFont typeface="Verdana"/>
-              <a:buChar char="◦"/>
-              <a:defRPr kumimoji="0" sz="2300" kern="1200">
-                <a:solidFill>
-                  <a:schemeClr val="tx1"/>
-                </a:solidFill>
-                <a:latin typeface="+mn-lt"/>
-                <a:ea typeface="+mn-ea"/>
-                <a:cs typeface="+mn-cs"/>
-              </a:defRPr>
-            </a:lvl2pPr>
-            <a:lvl3pPr marL="859536" indent="-228600" algn="l" rtl="0" eaLnBrk="1" latinLnBrk="0" hangingPunct="1">
-              <a:spcBef>
-                <a:spcPts val="350"/>
-              </a:spcBef>
-              <a:buClr>
-                <a:schemeClr val="accent2"/>
-              </a:buClr>
-              <a:buSzPct val="100000"/>
-              <a:buFont typeface="Wingdings 2"/>
-              <a:buChar char=""/>
-              <a:defRPr kumimoji="0" sz="2100" kern="1200">
-                <a:solidFill>
-                  <a:schemeClr val="tx1"/>
-                </a:solidFill>
-                <a:latin typeface="+mn-lt"/>
-                <a:ea typeface="+mn-ea"/>
-                <a:cs typeface="+mn-cs"/>
-              </a:defRPr>
-            </a:lvl3pPr>
-            <a:lvl4pPr marL="1143000" indent="-228600" algn="l" rtl="0" eaLnBrk="1" latinLnBrk="0" hangingPunct="1">
-              <a:spcBef>
-                <a:spcPts val="350"/>
-              </a:spcBef>
-              <a:buClr>
-                <a:schemeClr val="accent2"/>
-              </a:buClr>
-              <a:buFont typeface="Wingdings 2"/>
-              <a:buChar char=""/>
-              <a:defRPr kumimoji="0" sz="1900" kern="1200">
-                <a:solidFill>
-                  <a:schemeClr val="tx1"/>
-                </a:solidFill>
-                <a:latin typeface="+mn-lt"/>
-                <a:ea typeface="+mn-ea"/>
-                <a:cs typeface="+mn-cs"/>
-              </a:defRPr>
-            </a:lvl4pPr>
-            <a:lvl5pPr marL="1371600" indent="-228600" algn="l" rtl="0" eaLnBrk="1" latinLnBrk="0" hangingPunct="1">
-              <a:spcBef>
-                <a:spcPts val="350"/>
-              </a:spcBef>
-              <a:buClr>
-                <a:schemeClr val="accent2"/>
-              </a:buClr>
-              <a:buFont typeface="Wingdings 2"/>
-              <a:buChar char=""/>
-              <a:defRPr kumimoji="0" sz="1800" kern="1200">
-                <a:solidFill>
-                  <a:schemeClr val="tx1"/>
-                </a:solidFill>
-                <a:latin typeface="+mn-lt"/>
-                <a:ea typeface="+mn-ea"/>
-                <a:cs typeface="+mn-cs"/>
-              </a:defRPr>
-            </a:lvl5pPr>
-            <a:lvl6pPr marL="1600200" indent="-228600" algn="l" rtl="0" eaLnBrk="1" latinLnBrk="0" hangingPunct="1">
-              <a:spcBef>
-                <a:spcPts val="350"/>
-              </a:spcBef>
-              <a:buClr>
-                <a:schemeClr val="accent3"/>
-              </a:buClr>
-              <a:buFont typeface="Wingdings 2"/>
-              <a:buChar char=""/>
-              <a:defRPr kumimoji="0" sz="1800" kern="1200">
-                <a:solidFill>
-                  <a:schemeClr val="tx1"/>
-                </a:solidFill>
-                <a:latin typeface="+mn-lt"/>
-                <a:ea typeface="+mn-ea"/>
-                <a:cs typeface="+mn-cs"/>
-              </a:defRPr>
-            </a:lvl6pPr>
-            <a:lvl7pPr marL="1828800" indent="-228600" algn="l" rtl="0" eaLnBrk="1" latinLnBrk="0" hangingPunct="1">
-              <a:spcBef>
-                <a:spcPts val="350"/>
-              </a:spcBef>
-              <a:buClr>
-                <a:schemeClr val="accent3"/>
-              </a:buClr>
-              <a:buFont typeface="Wingdings 2"/>
-              <a:buChar char=""/>
-              <a:defRPr kumimoji="0" sz="1600" kern="1200">
-                <a:solidFill>
-                  <a:schemeClr val="tx1"/>
-                </a:solidFill>
-                <a:latin typeface="+mn-lt"/>
-                <a:ea typeface="+mn-ea"/>
-                <a:cs typeface="+mn-cs"/>
-              </a:defRPr>
-            </a:lvl7pPr>
-            <a:lvl8pPr marL="2057400" indent="-228600" algn="l" rtl="0" eaLnBrk="1" latinLnBrk="0" hangingPunct="1">
-              <a:spcBef>
-                <a:spcPts val="350"/>
-              </a:spcBef>
-              <a:buClr>
-                <a:schemeClr val="accent3"/>
-              </a:buClr>
-              <a:buFont typeface="Wingdings 2"/>
-              <a:buChar char=""/>
-              <a:defRPr kumimoji="0" sz="1600" kern="1200">
-                <a:solidFill>
-                  <a:schemeClr val="tx1"/>
-                </a:solidFill>
-                <a:latin typeface="+mn-lt"/>
-                <a:ea typeface="+mn-ea"/>
-                <a:cs typeface="+mn-cs"/>
-              </a:defRPr>
-            </a:lvl8pPr>
-            <a:lvl9pPr marL="2286000" indent="-228600" algn="l" rtl="0" eaLnBrk="1" latinLnBrk="0" hangingPunct="1">
-              <a:spcBef>
-                <a:spcPts val="350"/>
-              </a:spcBef>
-              <a:buClr>
-                <a:schemeClr val="accent3"/>
-              </a:buClr>
-              <a:buFont typeface="Wingdings 2"/>
-              <a:buChar char=""/>
-              <a:defRPr kumimoji="0" sz="1600" kern="1200" baseline="0">
-                <a:solidFill>
-                  <a:schemeClr val="tx1"/>
-                </a:solidFill>
-                <a:latin typeface="+mn-lt"/>
-                <a:ea typeface="+mn-ea"/>
-                <a:cs typeface="+mn-cs"/>
-              </a:defRPr>
-            </a:lvl9pPr>
-            <a:extLst/>
-          </a:lstStyle>
-          <a:p>
-            <a:pPr lvl="1"/>
-            <a:r>
-              <a:rPr lang="en-US" sz="1800" dirty="0" smtClean="0"/>
-              <a:t>Available data : 39 students</a:t>
-            </a:r>
-          </a:p>
-          <a:p>
-            <a:pPr lvl="1"/>
-            <a:r>
-              <a:rPr lang="en-US" sz="1800" dirty="0" smtClean="0"/>
-              <a:t>Less than two months</a:t>
-            </a:r>
-          </a:p>
-          <a:p>
-            <a:pPr lvl="1"/>
-            <a:endParaRPr lang="en-US" sz="1800" dirty="0" smtClean="0"/>
-          </a:p>
-        </p:txBody>
-      </p:sp>
+      </p:pic>
+      <p:pic>
+        <p:nvPicPr>
+          <p:cNvPr id="8" name="Picture 7"/>
+          <p:cNvPicPr>
+            <a:picLocks noChangeAspect="1"/>
+          </p:cNvPicPr>
+          <p:nvPr/>
+        </p:nvPicPr>
+        <p:blipFill>
+          <a:blip r:embed="rId4">
+            <a:extLst>
+              <a:ext uri="{28A0092B-C50C-407E-A947-70E740481C1C}">
+                <a14:useLocalDpi xmlns:a14="http://schemas.microsoft.com/office/drawing/2010/main" val="0"/>
+              </a:ext>
+            </a:extLst>
+          </a:blip>
+          <a:stretch>
+            <a:fillRect/>
+          </a:stretch>
+        </p:blipFill>
+        <p:spPr>
+          <a:xfrm>
+            <a:off x="3581400" y="2802146"/>
+            <a:ext cx="5029200" cy="3607206"/>
+          </a:xfrm>
+          <a:prstGeom prst="rect">
+            <a:avLst/>
+          </a:prstGeom>
+        </p:spPr>
+      </p:pic>
     </p:spTree>
     <p:extLst>
       <p:ext uri="{BB962C8B-B14F-4D97-AF65-F5344CB8AC3E}">
-        <p14:creationId xmlns:p14="http://schemas.microsoft.com/office/powerpoint/2010/main" val="996027407"/>
+        <p14:creationId xmlns:p14="http://schemas.microsoft.com/office/powerpoint/2010/main" val="589789640"/>
       </p:ext>
     </p:extLst>
   </p:cSld>
@@ -9653,7 +9941,7 @@
           <a:p>
             <a:r>
               <a:rPr lang="en-US" dirty="0" smtClean="0"/>
-              <a:t>Features</a:t>
+              <a:t>In terms of human behavior</a:t>
             </a:r>
             <a:endParaRPr lang="en-US" dirty="0"/>
           </a:p>
@@ -9669,128 +9957,101 @@
             <p:ph idx="1"/>
           </p:nvPr>
         </p:nvSpPr>
-        <p:spPr>
-          <a:xfrm>
-            <a:off x="457200" y="1600200"/>
-            <a:ext cx="8229600" cy="4800600"/>
-          </a:xfrm>
-        </p:spPr>
+        <p:spPr/>
         <p:txBody>
           <a:bodyPr/>
           <a:lstStyle/>
           <a:p>
-            <a:pPr marL="0" indent="0">
-              <a:buNone/>
-            </a:pPr>
             <a:r>
               <a:rPr lang="en-US" dirty="0" smtClean="0"/>
-              <a:t>Proposed Features </a:t>
-            </a:r>
-            <a:r>
-              <a:rPr lang="en-US" sz="2200" i="1" dirty="0" smtClean="0"/>
-              <a:t>(every single data has timestamp)</a:t>
+              <a:t>What is the human behavior in case of smartphone sensing?.</a:t>
             </a:r>
           </a:p>
           <a:p>
             <a:pPr lvl="1"/>
             <a:r>
               <a:rPr lang="en-US" dirty="0" smtClean="0"/>
-              <a:t>What kind of Human Activity</a:t>
-            </a:r>
-          </a:p>
-          <a:p>
-            <a:pPr lvl="2"/>
+              <a:t> Human daily activities which carried out continuously</a:t>
+            </a:r>
+          </a:p>
+          <a:p>
             <a:r>
               <a:rPr lang="en-US" dirty="0" smtClean="0"/>
-              <a:t>Activity [none, low, high]</a:t>
+              <a:t>In terms of human daily activities, we have to consider about four things:</a:t>
             </a:r>
           </a:p>
           <a:p>
             <a:pPr lvl="1"/>
             <a:r>
               <a:rPr lang="en-US" dirty="0" smtClean="0"/>
-              <a:t>Human Location</a:t>
-            </a:r>
-          </a:p>
-          <a:p>
-            <a:pPr lvl="2"/>
+              <a:t>What kind of activity (</a:t>
+            </a:r>
+            <a:r>
+              <a:rPr lang="en-US" dirty="0" err="1" smtClean="0"/>
+              <a:t>e.g</a:t>
+            </a:r>
             <a:r>
               <a:rPr lang="en-US" dirty="0" smtClean="0"/>
-              <a:t>GPS [longitude, latitude]</a:t>
-            </a:r>
-          </a:p>
-          <a:p>
-            <a:pPr lvl="2"/>
+              <a:t> meeting, study, exercise)</a:t>
+            </a:r>
+          </a:p>
+          <a:p>
+            <a:pPr lvl="1"/>
             <a:r>
               <a:rPr lang="en-US" dirty="0" smtClean="0"/>
-              <a:t>Bluetooth [list of nearby Bluetooth]</a:t>
-            </a:r>
-          </a:p>
-          <a:p>
-            <a:pPr lvl="2"/>
+              <a:t>When	(</a:t>
+            </a:r>
+            <a:r>
+              <a:rPr lang="en-US" dirty="0" err="1" smtClean="0"/>
+              <a:t>e.g</a:t>
+            </a:r>
             <a:r>
               <a:rPr lang="en-US" dirty="0" smtClean="0"/>
-              <a:t>Wi-Fi [lists of nearby AP]</a:t>
+              <a:t> around 9 AM)</a:t>
             </a:r>
           </a:p>
           <a:p>
             <a:pPr lvl="1"/>
             <a:r>
               <a:rPr lang="en-US" dirty="0" smtClean="0"/>
-              <a:t>With Whom (Human-&gt;Human Interaction) </a:t>
-            </a:r>
-          </a:p>
-          <a:p>
-            <a:pPr lvl="2"/>
+              <a:t>Location (</a:t>
+            </a:r>
+            <a:r>
+              <a:rPr lang="en-US" dirty="0" err="1" smtClean="0"/>
+              <a:t>e.g</a:t>
+            </a:r>
             <a:r>
               <a:rPr lang="en-US" dirty="0" smtClean="0"/>
-              <a:t>Call [incoming, outgoing, missed]</a:t>
-            </a:r>
-          </a:p>
-          <a:p>
-            <a:pPr lvl="2"/>
+              <a:t> Lab)</a:t>
+            </a:r>
+          </a:p>
+          <a:p>
+            <a:pPr lvl="1"/>
             <a:r>
               <a:rPr lang="en-US" dirty="0" smtClean="0"/>
-              <a:t>SMS [sent, received]</a:t>
-            </a:r>
-          </a:p>
-          <a:p>
-            <a:pPr lvl="2"/>
+              <a:t>Human Interaction (</a:t>
+            </a:r>
+            <a:r>
+              <a:rPr lang="en-US" dirty="0" err="1" smtClean="0"/>
+              <a:t>e.g</a:t>
+            </a:r>
             <a:r>
               <a:rPr lang="en-US" dirty="0" smtClean="0"/>
-              <a:t>Run apps [social network apps]</a:t>
+              <a:t> </a:t>
+            </a:r>
+            <a:r>
+              <a:rPr lang="en-US" dirty="0" smtClean="0"/>
+              <a:t>all lab’s members)</a:t>
+            </a:r>
+          </a:p>
+          <a:p>
+            <a:r>
+              <a:rPr lang="en-US" dirty="0" smtClean="0"/>
+              <a:t>Possibilities : same activity in different time and location, different activity in same time and location, etc. </a:t>
             </a:r>
           </a:p>
           <a:p>
             <a:pPr lvl="1"/>
-            <a:r>
-              <a:rPr lang="en-US" dirty="0" smtClean="0"/>
-              <a:t>With Whom (Human -&gt; Smartphone interaction)</a:t>
-            </a:r>
-          </a:p>
-          <a:p>
-            <a:pPr lvl="2"/>
-            <a:r>
-              <a:rPr lang="en-US" dirty="0" smtClean="0"/>
-              <a:t>Battery [time charging]</a:t>
-            </a:r>
-          </a:p>
-          <a:p>
-            <a:pPr lvl="2"/>
-            <a:r>
-              <a:rPr lang="en-US" dirty="0" smtClean="0"/>
-              <a:t>Run apps [name of apps]</a:t>
-            </a:r>
-          </a:p>
-          <a:p>
-            <a:pPr lvl="2"/>
-            <a:r>
-              <a:rPr lang="en-US" dirty="0" smtClean="0"/>
-              <a:t>Screen [screen ON, screen OFF]</a:t>
-            </a:r>
-          </a:p>
-          <a:p>
-            <a:pPr lvl="2"/>
             <a:endParaRPr lang="en-US" dirty="0" smtClean="0"/>
           </a:p>
           <a:p>
@@ -9801,7 +10062,7 @@
     </p:spTree>
     <p:extLst>
       <p:ext uri="{BB962C8B-B14F-4D97-AF65-F5344CB8AC3E}">
-        <p14:creationId xmlns:p14="http://schemas.microsoft.com/office/powerpoint/2010/main" val="2851987838"/>
+        <p14:creationId xmlns:p14="http://schemas.microsoft.com/office/powerpoint/2010/main" val="3103307297"/>
       </p:ext>
     </p:extLst>
   </p:cSld>
@@ -9853,7 +10114,7 @@
           <a:p>
             <a:r>
               <a:rPr lang="en-US" dirty="0" smtClean="0"/>
-              <a:t>Methods</a:t>
+              <a:t>Features</a:t>
             </a:r>
             <a:endParaRPr lang="en-US" dirty="0"/>
           </a:p>
@@ -9869,46 +10130,138 @@
             <p:ph idx="1"/>
           </p:nvPr>
         </p:nvSpPr>
-        <p:spPr/>
+        <p:spPr>
+          <a:xfrm>
+            <a:off x="457200" y="1600200"/>
+            <a:ext cx="8229600" cy="4800600"/>
+          </a:xfrm>
+        </p:spPr>
         <p:txBody>
           <a:bodyPr/>
           <a:lstStyle/>
           <a:p>
+            <a:pPr marL="0" indent="0">
+              <a:buNone/>
+            </a:pPr>
             <a:r>
               <a:rPr lang="en-US" dirty="0" smtClean="0"/>
-              <a:t>Proposed Techniques</a:t>
+              <a:t>Proposed Features </a:t>
+            </a:r>
+            <a:r>
+              <a:rPr lang="en-US" sz="2200" i="1" dirty="0" smtClean="0"/>
+              <a:t>(every single data has timestamp)</a:t>
             </a:r>
           </a:p>
           <a:p>
             <a:pPr lvl="1"/>
             <a:r>
               <a:rPr lang="en-US" dirty="0" smtClean="0"/>
-              <a:t>Extracting Features from raw data</a:t>
+              <a:t>What kind of Human Activity</a:t>
+            </a:r>
+          </a:p>
+          <a:p>
+            <a:pPr lvl="2"/>
+            <a:r>
+              <a:rPr lang="en-US" dirty="0" smtClean="0"/>
+              <a:t>Activity [none, low, high]</a:t>
             </a:r>
           </a:p>
           <a:p>
             <a:pPr lvl="1"/>
             <a:r>
               <a:rPr lang="en-US" dirty="0" smtClean="0"/>
-              <a:t>Considering about Temporal Granularity. </a:t>
+              <a:t>Human Location</a:t>
+            </a:r>
+          </a:p>
+          <a:p>
+            <a:pPr lvl="2"/>
+            <a:r>
+              <a:rPr lang="en-US" dirty="0" smtClean="0"/>
+              <a:t>GPS [longitude, latitude]</a:t>
+            </a:r>
+          </a:p>
+          <a:p>
+            <a:pPr lvl="2"/>
+            <a:r>
+              <a:rPr lang="en-US" dirty="0" smtClean="0"/>
+              <a:t>Bluetooth [list of nearby Bluetooth]</a:t>
+            </a:r>
+          </a:p>
+          <a:p>
+            <a:pPr lvl="2"/>
+            <a:r>
+              <a:rPr lang="en-US" dirty="0" smtClean="0"/>
+              <a:t>Wi-Fi [lists of nearby AP]</a:t>
             </a:r>
           </a:p>
           <a:p>
             <a:pPr lvl="1"/>
             <a:r>
               <a:rPr lang="en-US" dirty="0" smtClean="0"/>
-              <a:t>Discovering Frequent (continues) patterns (sequence mining)</a:t>
+              <a:t>Human Interaction (Human-&gt;Human) </a:t>
+            </a:r>
+            <a:endParaRPr lang="en-US" dirty="0" smtClean="0"/>
+          </a:p>
+          <a:p>
+            <a:pPr lvl="2"/>
+            <a:r>
+              <a:rPr lang="en-US" dirty="0" smtClean="0"/>
+              <a:t>Call [incoming, outgoing, missed]</a:t>
+            </a:r>
+          </a:p>
+          <a:p>
+            <a:pPr lvl="2"/>
+            <a:r>
+              <a:rPr lang="en-US" dirty="0" smtClean="0"/>
+              <a:t>SMS [sent, received]</a:t>
+            </a:r>
+          </a:p>
+          <a:p>
+            <a:pPr lvl="2"/>
+            <a:r>
+              <a:rPr lang="en-US" dirty="0" smtClean="0"/>
+              <a:t>Run apps [social network apps]</a:t>
             </a:r>
           </a:p>
           <a:p>
             <a:pPr lvl="1"/>
             <a:r>
               <a:rPr lang="en-US" dirty="0" smtClean="0"/>
-              <a:t>Similarity Pattern Detection</a:t>
-            </a:r>
-          </a:p>
-          <a:p>
-            <a:pPr lvl="1"/>
+              <a:t>Human Interaction (Human </a:t>
+            </a:r>
+            <a:r>
+              <a:rPr lang="en-US" dirty="0" smtClean="0"/>
+              <a:t>-&gt; </a:t>
+            </a:r>
+            <a:r>
+              <a:rPr lang="en-US" dirty="0" smtClean="0"/>
+              <a:t>Smartphone)</a:t>
+            </a:r>
+            <a:endParaRPr lang="en-US" dirty="0" smtClean="0"/>
+          </a:p>
+          <a:p>
+            <a:pPr lvl="2"/>
+            <a:r>
+              <a:rPr lang="en-US" dirty="0" smtClean="0"/>
+              <a:t>Battery [time charging]</a:t>
+            </a:r>
+          </a:p>
+          <a:p>
+            <a:pPr lvl="2"/>
+            <a:r>
+              <a:rPr lang="en-US" dirty="0" smtClean="0"/>
+              <a:t>Run apps [name of apps]</a:t>
+            </a:r>
+          </a:p>
+          <a:p>
+            <a:pPr lvl="2"/>
+            <a:r>
+              <a:rPr lang="en-US" dirty="0" smtClean="0"/>
+              <a:t>Screen [screen ON, screen OFF]</a:t>
+            </a:r>
+          </a:p>
+          <a:p>
+            <a:pPr lvl="2"/>
             <a:endParaRPr lang="en-US" dirty="0" smtClean="0"/>
           </a:p>
           <a:p>
@@ -9919,7 +10272,7 @@
     </p:spTree>
     <p:extLst>
       <p:ext uri="{BB962C8B-B14F-4D97-AF65-F5344CB8AC3E}">
-        <p14:creationId xmlns:p14="http://schemas.microsoft.com/office/powerpoint/2010/main" val="2827523687"/>
+        <p14:creationId xmlns:p14="http://schemas.microsoft.com/office/powerpoint/2010/main" val="2851987838"/>
       </p:ext>
     </p:extLst>
   </p:cSld>
@@ -9964,29 +10317,310 @@
             <p:ph type="title"/>
           </p:nvPr>
         </p:nvSpPr>
-        <p:spPr>
-          <a:xfrm>
-            <a:off x="609600" y="3352800"/>
-            <a:ext cx="8229600" cy="762000"/>
-          </a:xfrm>
-        </p:spPr>
+        <p:spPr/>
         <p:txBody>
           <a:bodyPr/>
           <a:lstStyle/>
           <a:p>
-            <a:pPr algn="ctr"/>
             <a:r>
               <a:rPr lang="en-US" dirty="0" smtClean="0"/>
-              <a:t>Technical Explanation</a:t>
+              <a:t>Dataset Description</a:t>
             </a:r>
             <a:endParaRPr lang="en-US" dirty="0"/>
+          </a:p>
+        </p:txBody>
+      </p:sp>
+      <p:pic>
+        <p:nvPicPr>
+          <p:cNvPr id="4" name="Content Placeholder 3"/>
+          <p:cNvPicPr>
+            <a:picLocks noGrp="1" noChangeAspect="1"/>
+          </p:cNvPicPr>
+          <p:nvPr>
+            <p:ph idx="1"/>
+          </p:nvPr>
+        </p:nvPicPr>
+        <p:blipFill>
+          <a:blip r:embed="rId2">
+            <a:extLst>
+              <a:ext uri="{28A0092B-C50C-407E-A947-70E740481C1C}">
+                <a14:useLocalDpi xmlns:a14="http://schemas.microsoft.com/office/drawing/2010/main" val="0"/>
+              </a:ext>
+            </a:extLst>
+          </a:blip>
+          <a:stretch>
+            <a:fillRect/>
+          </a:stretch>
+        </p:blipFill>
+        <p:spPr>
+          <a:xfrm>
+            <a:off x="3962400" y="381000"/>
+            <a:ext cx="5129767" cy="5788173"/>
+          </a:xfrm>
+        </p:spPr>
+      </p:pic>
+      <p:sp>
+        <p:nvSpPr>
+          <p:cNvPr id="5" name="Content Placeholder 2"/>
+          <p:cNvSpPr txBox="1">
+            <a:spLocks/>
+          </p:cNvSpPr>
+          <p:nvPr/>
+        </p:nvSpPr>
+        <p:spPr bwMode="auto">
+          <a:xfrm>
+            <a:off x="457200" y="1600200"/>
+            <a:ext cx="3505200" cy="4525963"/>
+          </a:xfrm>
+          <a:prstGeom prst="rect">
+            <a:avLst/>
+          </a:prstGeom>
+          <a:noFill/>
+          <a:ln>
+            <a:noFill/>
+          </a:ln>
+          <a:effectLst/>
+          <a:extLst>
+            <a:ext uri="{909E8E84-426E-40dd-AFC4-6F175D3DCCD1}">
+              <a14:hiddenFill xmlns:a14="http://schemas.microsoft.com/office/drawing/2010/main" xmlns="">
+                <a:solidFill>
+                  <a:schemeClr val="accent1"/>
+                </a:solidFill>
+              </a14:hiddenFill>
+            </a:ext>
+            <a:ext uri="{91240B29-F687-4f45-9708-019B960494DF}">
+              <a14:hiddenLine xmlns:a14="http://schemas.microsoft.com/office/drawing/2010/main" xmlns="" w="9525">
+                <a:solidFill>
+                  <a:schemeClr val="tx1"/>
+                </a:solidFill>
+                <a:miter lim="800000"/>
+                <a:headEnd/>
+                <a:tailEnd/>
+              </a14:hiddenLine>
+            </a:ext>
+            <a:ext uri="{AF507438-7753-43e0-B8FC-AC1667EBCBE1}">
+              <a14:hiddenEffects xmlns:a14="http://schemas.microsoft.com/office/drawing/2010/main" xmlns="">
+                <a:effectLst>
+                  <a:outerShdw blurRad="63500" dist="38099" dir="2700000" algn="ctr" rotWithShape="0">
+                    <a:schemeClr val="bg2">
+                      <a:alpha val="74998"/>
+                    </a:schemeClr>
+                  </a:outerShdw>
+                </a:effectLst>
+              </a14:hiddenEffects>
+            </a:ext>
+            <a:ext uri="{FAA26D3D-D897-4be2-8F04-BA451C77F1D7}">
+              <ma14:placeholderFlag xmlns:ma14="http://schemas.microsoft.com/office/mac/drawingml/2011/main" xmlns="" val="1"/>
+            </a:ext>
+          </a:extLst>
+        </p:spPr>
+        <p:txBody>
+          <a:bodyPr vert="horz" wrap="square" lIns="91440" tIns="45720" rIns="91440" bIns="45720" numCol="1" anchor="t" anchorCtr="0" compatLnSpc="1">
+            <a:prstTxWarp prst="textNoShape">
+              <a:avLst/>
+            </a:prstTxWarp>
+          </a:bodyPr>
+          <a:lstStyle>
+            <a:lvl1pPr marL="342900" indent="-342900" algn="l" rtl="0" fontAlgn="base">
+              <a:spcBef>
+                <a:spcPct val="20000"/>
+              </a:spcBef>
+              <a:spcAft>
+                <a:spcPct val="0"/>
+              </a:spcAft>
+              <a:buChar char="•"/>
+              <a:defRPr sz="2000">
+                <a:solidFill>
+                  <a:schemeClr val="tx1"/>
+                </a:solidFill>
+                <a:latin typeface="+mn-lt"/>
+                <a:ea typeface="+mn-ea"/>
+                <a:cs typeface="+mn-cs"/>
+              </a:defRPr>
+            </a:lvl1pPr>
+            <a:lvl2pPr marL="742950" indent="-285750" algn="l" rtl="0" fontAlgn="base">
+              <a:spcBef>
+                <a:spcPct val="20000"/>
+              </a:spcBef>
+              <a:spcAft>
+                <a:spcPct val="0"/>
+              </a:spcAft>
+              <a:buChar char="–"/>
+              <a:defRPr>
+                <a:solidFill>
+                  <a:schemeClr val="tx1"/>
+                </a:solidFill>
+                <a:latin typeface="+mn-lt"/>
+                <a:ea typeface="+mn-ea"/>
+              </a:defRPr>
+            </a:lvl2pPr>
+            <a:lvl3pPr marL="1143000" indent="-228600" algn="l" rtl="0" fontAlgn="base">
+              <a:spcBef>
+                <a:spcPct val="20000"/>
+              </a:spcBef>
+              <a:spcAft>
+                <a:spcPct val="0"/>
+              </a:spcAft>
+              <a:buChar char="•"/>
+              <a:defRPr sz="1600">
+                <a:solidFill>
+                  <a:schemeClr val="tx1"/>
+                </a:solidFill>
+                <a:latin typeface="+mn-lt"/>
+                <a:ea typeface="+mn-ea"/>
+              </a:defRPr>
+            </a:lvl3pPr>
+            <a:lvl4pPr marL="1600200" indent="-228600" algn="l" rtl="0" fontAlgn="base">
+              <a:spcBef>
+                <a:spcPct val="20000"/>
+              </a:spcBef>
+              <a:spcAft>
+                <a:spcPct val="0"/>
+              </a:spcAft>
+              <a:buChar char="–"/>
+              <a:defRPr sz="1400">
+                <a:solidFill>
+                  <a:schemeClr val="tx1"/>
+                </a:solidFill>
+                <a:latin typeface="+mn-lt"/>
+                <a:ea typeface="+mn-ea"/>
+              </a:defRPr>
+            </a:lvl4pPr>
+            <a:lvl5pPr marL="2057400" indent="-228600" algn="l" rtl="0" fontAlgn="base">
+              <a:spcBef>
+                <a:spcPct val="20000"/>
+              </a:spcBef>
+              <a:spcAft>
+                <a:spcPct val="0"/>
+              </a:spcAft>
+              <a:buChar char="»"/>
+              <a:defRPr sz="1400">
+                <a:solidFill>
+                  <a:schemeClr val="tx1"/>
+                </a:solidFill>
+                <a:latin typeface="+mn-lt"/>
+                <a:ea typeface="+mn-ea"/>
+              </a:defRPr>
+            </a:lvl5pPr>
+            <a:lvl6pPr marL="2514600" indent="-228600" algn="l" rtl="0" fontAlgn="base">
+              <a:spcBef>
+                <a:spcPct val="20000"/>
+              </a:spcBef>
+              <a:spcAft>
+                <a:spcPct val="0"/>
+              </a:spcAft>
+              <a:buChar char="»"/>
+              <a:defRPr sz="1400">
+                <a:solidFill>
+                  <a:schemeClr val="tx1"/>
+                </a:solidFill>
+                <a:latin typeface="+mn-lt"/>
+                <a:ea typeface="+mn-ea"/>
+              </a:defRPr>
+            </a:lvl6pPr>
+            <a:lvl7pPr marL="2971800" indent="-228600" algn="l" rtl="0" fontAlgn="base">
+              <a:spcBef>
+                <a:spcPct val="20000"/>
+              </a:spcBef>
+              <a:spcAft>
+                <a:spcPct val="0"/>
+              </a:spcAft>
+              <a:buChar char="»"/>
+              <a:defRPr sz="1400">
+                <a:solidFill>
+                  <a:schemeClr val="tx1"/>
+                </a:solidFill>
+                <a:latin typeface="+mn-lt"/>
+                <a:ea typeface="+mn-ea"/>
+              </a:defRPr>
+            </a:lvl7pPr>
+            <a:lvl8pPr marL="3429000" indent="-228600" algn="l" rtl="0" fontAlgn="base">
+              <a:spcBef>
+                <a:spcPct val="20000"/>
+              </a:spcBef>
+              <a:spcAft>
+                <a:spcPct val="0"/>
+              </a:spcAft>
+              <a:buChar char="»"/>
+              <a:defRPr sz="1400">
+                <a:solidFill>
+                  <a:schemeClr val="tx1"/>
+                </a:solidFill>
+                <a:latin typeface="+mn-lt"/>
+                <a:ea typeface="+mn-ea"/>
+              </a:defRPr>
+            </a:lvl8pPr>
+            <a:lvl9pPr marL="3886200" indent="-228600" algn="l" rtl="0" fontAlgn="base">
+              <a:spcBef>
+                <a:spcPct val="20000"/>
+              </a:spcBef>
+              <a:spcAft>
+                <a:spcPct val="0"/>
+              </a:spcAft>
+              <a:buChar char="»"/>
+              <a:defRPr sz="1400">
+                <a:solidFill>
+                  <a:schemeClr val="tx1"/>
+                </a:solidFill>
+                <a:latin typeface="+mn-lt"/>
+                <a:ea typeface="+mn-ea"/>
+              </a:defRPr>
+            </a:lvl9pPr>
+          </a:lstStyle>
+          <a:p>
+            <a:pPr>
+              <a:spcBef>
+                <a:spcPts val="600"/>
+              </a:spcBef>
+              <a:buFont typeface="+mj-lt"/>
+              <a:buAutoNum type="arabicPeriod"/>
+            </a:pPr>
+            <a:r>
+              <a:rPr lang="en-US" sz="1800" b="0" dirty="0"/>
+              <a:t>We store the data from all of students in archive file. </a:t>
+            </a:r>
+            <a:endParaRPr lang="en-US" sz="1800" b="0" dirty="0" smtClean="0"/>
+          </a:p>
+          <a:p>
+            <a:pPr>
+              <a:spcBef>
+                <a:spcPts val="600"/>
+              </a:spcBef>
+              <a:buFont typeface="+mj-lt"/>
+              <a:buAutoNum type="arabicPeriod"/>
+            </a:pPr>
+            <a:r>
+              <a:rPr lang="en-US" sz="1800" b="0" dirty="0" smtClean="0"/>
+              <a:t>The </a:t>
+            </a:r>
+            <a:r>
+              <a:rPr lang="en-US" sz="1800" b="0" dirty="0"/>
+              <a:t>size of all of data after extracted is around 28.7 GB. Extracted data contain 47 directories in different name for each student’s data</a:t>
+            </a:r>
+            <a:r>
+              <a:rPr lang="en-US" sz="1800" b="0" dirty="0" smtClean="0"/>
+              <a:t>.</a:t>
+            </a:r>
+          </a:p>
+          <a:p>
+            <a:pPr>
+              <a:spcBef>
+                <a:spcPts val="600"/>
+              </a:spcBef>
+              <a:buFont typeface="+mj-lt"/>
+              <a:buAutoNum type="arabicPeriod"/>
+            </a:pPr>
+            <a:r>
+              <a:rPr lang="en-US" sz="1800" b="0" kern="0" dirty="0" smtClean="0"/>
+              <a:t>We used 37 students data.</a:t>
+            </a:r>
           </a:p>
         </p:txBody>
       </p:sp>
     </p:spTree>
     <p:extLst>
       <p:ext uri="{BB962C8B-B14F-4D97-AF65-F5344CB8AC3E}">
-        <p14:creationId xmlns:p14="http://schemas.microsoft.com/office/powerpoint/2010/main" val="385392177"/>
+        <p14:creationId xmlns:p14="http://schemas.microsoft.com/office/powerpoint/2010/main" val="4085938839"/>
       </p:ext>
     </p:extLst>
   </p:cSld>
@@ -9994,13 +10628,6 @@
     <a:masterClrMapping/>
   </p:clrMapOvr>
   <p:transition/>
-  <p:timing>
-    <p:tnLst>
-      <p:par>
-        <p:cTn id="1" dur="indefinite" restart="never" nodeType="tmRoot"/>
-      </p:par>
-    </p:tnLst>
-  </p:timing>
 </p:sld>
 </file>
 
@@ -10031,144 +10658,29 @@
             <p:ph type="title"/>
           </p:nvPr>
         </p:nvSpPr>
-        <p:spPr/>
-        <p:txBody>
-          <a:bodyPr/>
-          <a:lstStyle/>
-          <a:p>
-            <a:r>
-              <a:rPr lang="en-US" dirty="0" smtClean="0"/>
-              <a:t>Data Preprocessing</a:t>
-            </a:r>
-            <a:endParaRPr lang="en-US" dirty="0"/>
-          </a:p>
-        </p:txBody>
-      </p:sp>
-      <p:sp>
-        <p:nvSpPr>
-          <p:cNvPr id="3" name="Content Placeholder 2"/>
-          <p:cNvSpPr>
-            <a:spLocks noGrp="1"/>
-          </p:cNvSpPr>
-          <p:nvPr>
-            <p:ph idx="1"/>
-          </p:nvPr>
-        </p:nvSpPr>
         <p:spPr>
           <a:xfrm>
-            <a:off x="457200" y="1295400"/>
-            <a:ext cx="8229600" cy="381000"/>
+            <a:off x="609600" y="3352800"/>
+            <a:ext cx="8229600" cy="762000"/>
           </a:xfrm>
         </p:spPr>
         <p:txBody>
           <a:bodyPr/>
           <a:lstStyle/>
           <a:p>
-            <a:pPr marL="0" indent="0">
-              <a:buNone/>
-            </a:pPr>
+            <a:pPr algn="ctr"/>
             <a:r>
               <a:rPr lang="en-US" dirty="0" smtClean="0"/>
-              <a:t>Raw Data</a:t>
+              <a:t>Technical Explanation</a:t>
             </a:r>
             <a:endParaRPr lang="en-US" dirty="0"/>
           </a:p>
         </p:txBody>
       </p:sp>
-      <p:pic>
-        <p:nvPicPr>
-          <p:cNvPr id="4" name="Picture 3" descr="dataviewinsmartphone.png"/>
-          <p:cNvPicPr>
-            <a:picLocks noChangeAspect="1"/>
-          </p:cNvPicPr>
-          <p:nvPr/>
-        </p:nvPicPr>
-        <p:blipFill>
-          <a:blip r:embed="rId2">
-            <a:extLst>
-              <a:ext uri="{28A0092B-C50C-407E-A947-70E740481C1C}">
-                <a14:useLocalDpi xmlns:a14="http://schemas.microsoft.com/office/drawing/2010/main" val="0"/>
-              </a:ext>
-            </a:extLst>
-          </a:blip>
-          <a:stretch>
-            <a:fillRect/>
-          </a:stretch>
-        </p:blipFill>
-        <p:spPr>
-          <a:xfrm>
-            <a:off x="609600" y="1828800"/>
-            <a:ext cx="2538412" cy="4512733"/>
-          </a:xfrm>
-          <a:prstGeom prst="rect">
-            <a:avLst/>
-          </a:prstGeom>
-        </p:spPr>
-      </p:pic>
-      <p:pic>
-        <p:nvPicPr>
-          <p:cNvPr id="5" name="Picture 4" descr="rawdata_sqlite.png"/>
-          <p:cNvPicPr>
-            <a:picLocks noChangeAspect="1"/>
-          </p:cNvPicPr>
-          <p:nvPr/>
-        </p:nvPicPr>
-        <p:blipFill>
-          <a:blip r:embed="rId3">
-            <a:extLst>
-              <a:ext uri="{28A0092B-C50C-407E-A947-70E740481C1C}">
-                <a14:useLocalDpi xmlns:a14="http://schemas.microsoft.com/office/drawing/2010/main" val="0"/>
-              </a:ext>
-            </a:extLst>
-          </a:blip>
-          <a:stretch>
-            <a:fillRect/>
-          </a:stretch>
-        </p:blipFill>
-        <p:spPr>
-          <a:xfrm>
-            <a:off x="3200400" y="3048000"/>
-            <a:ext cx="5791200" cy="3320014"/>
-          </a:xfrm>
-          <a:prstGeom prst="rect">
-            <a:avLst/>
-          </a:prstGeom>
-        </p:spPr>
-      </p:pic>
-      <p:pic>
-        <p:nvPicPr>
-          <p:cNvPr id="6" name="Picture 5" descr="list_of_dir.png"/>
-          <p:cNvPicPr>
-            <a:picLocks noChangeAspect="1"/>
-          </p:cNvPicPr>
-          <p:nvPr/>
-        </p:nvPicPr>
-        <p:blipFill>
-          <a:blip r:embed="rId4">
-            <a:extLst>
-              <a:ext uri="{28A0092B-C50C-407E-A947-70E740481C1C}">
-                <a14:useLocalDpi xmlns:a14="http://schemas.microsoft.com/office/drawing/2010/main" val="0"/>
-              </a:ext>
-            </a:extLst>
-          </a:blip>
-          <a:stretch>
-            <a:fillRect/>
-          </a:stretch>
-        </p:blipFill>
-        <p:spPr>
-          <a:xfrm>
-            <a:off x="3276600" y="1524000"/>
-            <a:ext cx="5638800" cy="1387389"/>
-          </a:xfrm>
-          <a:prstGeom prst="rect">
-            <a:avLst/>
-          </a:prstGeom>
-        </p:spPr>
-      </p:pic>
     </p:spTree>
     <p:extLst>
       <p:ext uri="{BB962C8B-B14F-4D97-AF65-F5344CB8AC3E}">
-        <p14:creationId xmlns:p14="http://schemas.microsoft.com/office/powerpoint/2010/main" val="881297626"/>
+        <p14:creationId xmlns:p14="http://schemas.microsoft.com/office/powerpoint/2010/main" val="385392177"/>
       </p:ext>
     </p:extLst>
   </p:cSld>
@@ -10432,7 +10944,7 @@
         <a:effectLst/>
         <a:extLst>
           <a:ext uri="{AF507438-7753-43e0-B8FC-AC1667EBCBE1}">
-            <a14:hiddenEffects xmlns="" xmlns:a14="http://schemas.microsoft.com/office/drawing/2010/main">
+            <a14:hiddenEffects xmlns:a14="http://schemas.microsoft.com/office/drawing/2010/main" xmlns="">
               <a:effectLst>
                 <a:outerShdw blurRad="63500" dist="35921" dir="2700000" algn="ctr" rotWithShape="0">
                   <a:schemeClr val="bg2"/>
@@ -10506,7 +11018,7 @@
         <a:effectLst/>
         <a:extLst>
           <a:ext uri="{AF507438-7753-43e0-B8FC-AC1667EBCBE1}">
-            <a14:hiddenEffects xmlns="" xmlns:a14="http://schemas.microsoft.com/office/drawing/2010/main">
+            <a14:hiddenEffects xmlns:a14="http://schemas.microsoft.com/office/drawing/2010/main" xmlns="">
               <a:effectLst>
                 <a:outerShdw blurRad="63500" dist="35921" dir="2700000" algn="ctr" rotWithShape="0">
                   <a:schemeClr val="bg2"/>

--- a/Thesis-presentation.pptx
+++ b/Thesis-presentation.pptx
@@ -5,7 +5,7 @@
     <p:sldMasterId id="2147483649" r:id="rId1"/>
   </p:sldMasterIdLst>
   <p:notesMasterIdLst>
-    <p:notesMasterId r:id="rId24"/>
+    <p:notesMasterId r:id="rId25"/>
   </p:notesMasterIdLst>
   <p:sldIdLst>
     <p:sldId id="326" r:id="rId2"/>
@@ -17,19 +17,20 @@
     <p:sldId id="450" r:id="rId8"/>
     <p:sldId id="464" r:id="rId9"/>
     <p:sldId id="452" r:id="rId10"/>
-    <p:sldId id="465" r:id="rId11"/>
-    <p:sldId id="454" r:id="rId12"/>
-    <p:sldId id="455" r:id="rId13"/>
-    <p:sldId id="466" r:id="rId14"/>
-    <p:sldId id="456" r:id="rId15"/>
-    <p:sldId id="457" r:id="rId16"/>
-    <p:sldId id="458" r:id="rId17"/>
-    <p:sldId id="441" r:id="rId18"/>
-    <p:sldId id="446" r:id="rId19"/>
-    <p:sldId id="444" r:id="rId20"/>
-    <p:sldId id="442" r:id="rId21"/>
-    <p:sldId id="443" r:id="rId22"/>
-    <p:sldId id="468" r:id="rId23"/>
+    <p:sldId id="469" r:id="rId11"/>
+    <p:sldId id="465" r:id="rId12"/>
+    <p:sldId id="454" r:id="rId13"/>
+    <p:sldId id="455" r:id="rId14"/>
+    <p:sldId id="466" r:id="rId15"/>
+    <p:sldId id="456" r:id="rId16"/>
+    <p:sldId id="457" r:id="rId17"/>
+    <p:sldId id="458" r:id="rId18"/>
+    <p:sldId id="441" r:id="rId19"/>
+    <p:sldId id="446" r:id="rId20"/>
+    <p:sldId id="444" r:id="rId21"/>
+    <p:sldId id="442" r:id="rId22"/>
+    <p:sldId id="443" r:id="rId23"/>
+    <p:sldId id="468" r:id="rId24"/>
   </p:sldIdLst>
   <p:sldSz cx="9144000" cy="6858000" type="screen4x3"/>
   <p:notesSz cx="6858000" cy="9144000"/>
@@ -4023,6 +4024,125 @@
           <a:chExt cx="0" cy="0"/>
         </a:xfrm>
       </p:grpSpPr>
+      <p:pic>
+        <p:nvPicPr>
+          <p:cNvPr id="5" name="Picture 4"/>
+          <p:cNvPicPr>
+            <a:picLocks noChangeAspect="1"/>
+          </p:cNvPicPr>
+          <p:nvPr/>
+        </p:nvPicPr>
+        <p:blipFill>
+          <a:blip r:embed="rId2">
+            <a:extLst>
+              <a:ext uri="{28A0092B-C50C-407E-A947-70E740481C1C}">
+                <a14:useLocalDpi xmlns:a14="http://schemas.microsoft.com/office/drawing/2010/main" val="0"/>
+              </a:ext>
+            </a:extLst>
+          </a:blip>
+          <a:stretch>
+            <a:fillRect/>
+          </a:stretch>
+        </p:blipFill>
+        <p:spPr>
+          <a:xfrm>
+            <a:off x="-76200" y="990600"/>
+            <a:ext cx="7010400" cy="2818431"/>
+          </a:xfrm>
+          <a:prstGeom prst="rect">
+            <a:avLst/>
+          </a:prstGeom>
+        </p:spPr>
+      </p:pic>
+      <p:pic>
+        <p:nvPicPr>
+          <p:cNvPr id="6" name="Picture 5"/>
+          <p:cNvPicPr>
+            <a:picLocks noChangeAspect="1"/>
+          </p:cNvPicPr>
+          <p:nvPr/>
+        </p:nvPicPr>
+        <p:blipFill>
+          <a:blip r:embed="rId3">
+            <a:extLst>
+              <a:ext uri="{28A0092B-C50C-407E-A947-70E740481C1C}">
+                <a14:useLocalDpi xmlns:a14="http://schemas.microsoft.com/office/drawing/2010/main" val="0"/>
+              </a:ext>
+            </a:extLst>
+          </a:blip>
+          <a:stretch>
+            <a:fillRect/>
+          </a:stretch>
+        </p:blipFill>
+        <p:spPr>
+          <a:xfrm>
+            <a:off x="2133600" y="3839511"/>
+            <a:ext cx="6858000" cy="2631301"/>
+          </a:xfrm>
+          <a:prstGeom prst="rect">
+            <a:avLst/>
+          </a:prstGeom>
+        </p:spPr>
+      </p:pic>
+      <p:sp>
+        <p:nvSpPr>
+          <p:cNvPr id="11" name="Title 1"/>
+          <p:cNvSpPr>
+            <a:spLocks noGrp="1"/>
+          </p:cNvSpPr>
+          <p:nvPr>
+            <p:ph type="title"/>
+          </p:nvPr>
+        </p:nvSpPr>
+        <p:spPr>
+          <a:xfrm>
+            <a:off x="304800" y="304800"/>
+            <a:ext cx="8229600" cy="762000"/>
+          </a:xfrm>
+        </p:spPr>
+        <p:txBody>
+          <a:bodyPr/>
+          <a:lstStyle/>
+          <a:p>
+            <a:r>
+              <a:rPr lang="en-US" dirty="0" smtClean="0"/>
+              <a:t>Example data plot from two of students</a:t>
+            </a:r>
+            <a:endParaRPr lang="en-US" dirty="0"/>
+          </a:p>
+        </p:txBody>
+      </p:sp>
+    </p:spTree>
+    <p:extLst>
+      <p:ext uri="{BB962C8B-B14F-4D97-AF65-F5344CB8AC3E}">
+        <p14:creationId xmlns:p14="http://schemas.microsoft.com/office/powerpoint/2010/main" val="701702489"/>
+      </p:ext>
+    </p:extLst>
+  </p:cSld>
+  <p:clrMapOvr>
+    <a:masterClrMapping/>
+  </p:clrMapOvr>
+  <p:transition/>
+</p:sld>
+</file>
+
+<file path=ppt/slides/slide11.xml><?xml version="1.0" encoding="utf-8"?>
+<p:sld xmlns:a="http://schemas.openxmlformats.org/drawingml/2006/main" xmlns:r="http://schemas.openxmlformats.org/officeDocument/2006/relationships" xmlns:p="http://schemas.openxmlformats.org/presentationml/2006/main">
+  <p:cSld>
+    <p:spTree>
+      <p:nvGrpSpPr>
+        <p:cNvPr id="1" name=""/>
+        <p:cNvGrpSpPr/>
+        <p:nvPr/>
+      </p:nvGrpSpPr>
+      <p:grpSpPr>
+        <a:xfrm>
+          <a:off x="0" y="0"/>
+          <a:ext cx="0" cy="0"/>
+          <a:chOff x="0" y="0"/>
+          <a:chExt cx="0" cy="0"/>
+        </a:xfrm>
+      </p:grpSpPr>
       <p:sp>
         <p:nvSpPr>
           <p:cNvPr id="2" name="Title 1"/>
@@ -4480,7 +4600,7 @@
 </p:sld>
 </file>
 
-<file path=ppt/slides/slide11.xml><?xml version="1.0" encoding="utf-8"?>
+<file path=ppt/slides/slide12.xml><?xml version="1.0" encoding="utf-8"?>
 <p:sld xmlns:a="http://schemas.openxmlformats.org/drawingml/2006/main" xmlns:r="http://schemas.openxmlformats.org/officeDocument/2006/relationships" xmlns:p="http://schemas.openxmlformats.org/presentationml/2006/main">
   <p:cSld>
     <p:spTree>
@@ -4879,7 +4999,7 @@
 </p:sld>
 </file>
 
-<file path=ppt/slides/slide12.xml><?xml version="1.0" encoding="utf-8"?>
+<file path=ppt/slides/slide13.xml><?xml version="1.0" encoding="utf-8"?>
 <p:sld xmlns:a="http://schemas.openxmlformats.org/drawingml/2006/main" xmlns:r="http://schemas.openxmlformats.org/officeDocument/2006/relationships" xmlns:p="http://schemas.openxmlformats.org/presentationml/2006/main">
   <p:cSld>
     <p:spTree>
@@ -5008,7 +5128,7 @@
 </p:sld>
 </file>
 
-<file path=ppt/slides/slide13.xml><?xml version="1.0" encoding="utf-8"?>
+<file path=ppt/slides/slide14.xml><?xml version="1.0" encoding="utf-8"?>
 <p:sld xmlns:a="http://schemas.openxmlformats.org/drawingml/2006/main" xmlns:r="http://schemas.openxmlformats.org/officeDocument/2006/relationships" xmlns:p="http://schemas.openxmlformats.org/presentationml/2006/main">
   <p:cSld>
     <p:spTree>
@@ -5091,7 +5211,7 @@
 </p:sld>
 </file>
 
-<file path=ppt/slides/slide14.xml><?xml version="1.0" encoding="utf-8"?>
+<file path=ppt/slides/slide15.xml><?xml version="1.0" encoding="utf-8"?>
 <p:sld xmlns:a="http://schemas.openxmlformats.org/drawingml/2006/main" xmlns:r="http://schemas.openxmlformats.org/officeDocument/2006/relationships" xmlns:p="http://schemas.openxmlformats.org/presentationml/2006/main">
   <p:cSld>
     <p:spTree>
@@ -5187,7 +5307,7 @@
 </p:sld>
 </file>
 
-<file path=ppt/slides/slide15.xml><?xml version="1.0" encoding="utf-8"?>
+<file path=ppt/slides/slide16.xml><?xml version="1.0" encoding="utf-8"?>
 <p:sld xmlns:a="http://schemas.openxmlformats.org/drawingml/2006/main" xmlns:r="http://schemas.openxmlformats.org/officeDocument/2006/relationships" xmlns:p="http://schemas.openxmlformats.org/presentationml/2006/main">
   <p:cSld>
     <p:spTree>
@@ -5372,7 +5492,7 @@
 </p:sld>
 </file>
 
-<file path=ppt/slides/slide16.xml><?xml version="1.0" encoding="utf-8"?>
+<file path=ppt/slides/slide17.xml><?xml version="1.0" encoding="utf-8"?>
 <p:sld xmlns:a="http://schemas.openxmlformats.org/drawingml/2006/main" xmlns:r="http://schemas.openxmlformats.org/officeDocument/2006/relationships" xmlns:p="http://schemas.openxmlformats.org/presentationml/2006/main">
   <p:cSld>
     <p:spTree>
@@ -5468,7 +5588,7 @@
 </p:sld>
 </file>
 
-<file path=ppt/slides/slide17.xml><?xml version="1.0" encoding="utf-8"?>
+<file path=ppt/slides/slide18.xml><?xml version="1.0" encoding="utf-8"?>
 <p:sld xmlns:a="http://schemas.openxmlformats.org/drawingml/2006/main" xmlns:r="http://schemas.openxmlformats.org/officeDocument/2006/relationships" xmlns:p="http://schemas.openxmlformats.org/presentationml/2006/main">
   <p:cSld>
     <p:spTree>
@@ -6461,7 +6581,7 @@
 </p:sld>
 </file>
 
-<file path=ppt/slides/slide18.xml><?xml version="1.0" encoding="utf-8"?>
+<file path=ppt/slides/slide19.xml><?xml version="1.0" encoding="utf-8"?>
 <p:sld xmlns:a="http://schemas.openxmlformats.org/drawingml/2006/main" xmlns:r="http://schemas.openxmlformats.org/officeDocument/2006/relationships" xmlns:p="http://schemas.openxmlformats.org/presentationml/2006/main">
   <p:cSld>
     <p:spTree>
@@ -8160,712 +8280,6 @@
 </p:sld>
 </file>
 
-<file path=ppt/slides/slide19.xml><?xml version="1.0" encoding="utf-8"?>
-<p:sld xmlns:a="http://schemas.openxmlformats.org/drawingml/2006/main" xmlns:r="http://schemas.openxmlformats.org/officeDocument/2006/relationships" xmlns:p="http://schemas.openxmlformats.org/presentationml/2006/main">
-  <p:cSld>
-    <p:spTree>
-      <p:nvGrpSpPr>
-        <p:cNvPr id="1" name=""/>
-        <p:cNvGrpSpPr/>
-        <p:nvPr/>
-      </p:nvGrpSpPr>
-      <p:grpSpPr>
-        <a:xfrm>
-          <a:off x="0" y="0"/>
-          <a:ext cx="0" cy="0"/>
-          <a:chOff x="0" y="0"/>
-          <a:chExt cx="0" cy="0"/>
-        </a:xfrm>
-      </p:grpSpPr>
-      <p:sp>
-        <p:nvSpPr>
-          <p:cNvPr id="2" name="Title 1"/>
-          <p:cNvSpPr>
-            <a:spLocks noGrp="1"/>
-          </p:cNvSpPr>
-          <p:nvPr>
-            <p:ph type="title"/>
-          </p:nvPr>
-        </p:nvSpPr>
-        <p:spPr/>
-        <p:txBody>
-          <a:bodyPr/>
-          <a:lstStyle/>
-          <a:p>
-            <a:r>
-              <a:rPr lang="en-US" dirty="0" smtClean="0"/>
-              <a:t>Algorithm (Similarity Detection)</a:t>
-            </a:r>
-            <a:endParaRPr lang="en-US" dirty="0"/>
-          </a:p>
-        </p:txBody>
-      </p:sp>
-      <p:sp>
-        <p:nvSpPr>
-          <p:cNvPr id="3" name="Content Placeholder 2"/>
-          <p:cNvSpPr>
-            <a:spLocks noGrp="1"/>
-          </p:cNvSpPr>
-          <p:nvPr>
-            <p:ph idx="1"/>
-          </p:nvPr>
-        </p:nvSpPr>
-        <p:spPr>
-          <a:xfrm>
-            <a:off x="457200" y="1371600"/>
-            <a:ext cx="8229600" cy="4525963"/>
-          </a:xfrm>
-        </p:spPr>
-        <p:txBody>
-          <a:bodyPr/>
-          <a:lstStyle/>
-          <a:p>
-            <a:pPr marL="0" indent="0">
-              <a:buNone/>
-            </a:pPr>
-            <a:r>
-              <a:rPr lang="en-US" sz="1600" b="1" dirty="0" smtClean="0">
-                <a:latin typeface="Courier"/>
-                <a:cs typeface="Courier"/>
-              </a:rPr>
-              <a:t>Data</a:t>
-            </a:r>
-            <a:r>
-              <a:rPr lang="en-US" sz="1600" dirty="0" smtClean="0">
-                <a:latin typeface="Courier"/>
-                <a:cs typeface="Courier"/>
-              </a:rPr>
-              <a:t> : D, w</a:t>
-            </a:r>
-          </a:p>
-          <a:p>
-            <a:pPr marL="0" indent="0">
-              <a:buNone/>
-            </a:pPr>
-            <a:r>
-              <a:rPr lang="en-US" sz="1600" b="1" dirty="0" smtClean="0">
-                <a:latin typeface="Courier"/>
-                <a:cs typeface="Courier"/>
-              </a:rPr>
-              <a:t>Result</a:t>
-            </a:r>
-            <a:r>
-              <a:rPr lang="en-US" sz="1600" dirty="0" smtClean="0">
-                <a:latin typeface="Courier"/>
-                <a:cs typeface="Courier"/>
-              </a:rPr>
-              <a:t> : All Detected Group in a Window</a:t>
-            </a:r>
-          </a:p>
-          <a:p>
-            <a:pPr marL="0" indent="0">
-              <a:buNone/>
-            </a:pPr>
-            <a:r>
-              <a:rPr lang="en-US" sz="1600" dirty="0" err="1" smtClean="0">
-                <a:latin typeface="Courier"/>
-                <a:cs typeface="Courier"/>
-              </a:rPr>
-              <a:t>grpAll</a:t>
-            </a:r>
-            <a:r>
-              <a:rPr lang="en-US" sz="1600" dirty="0" smtClean="0">
-                <a:latin typeface="Courier"/>
-                <a:cs typeface="Courier"/>
-              </a:rPr>
-              <a:t>, </a:t>
-            </a:r>
-            <a:r>
-              <a:rPr lang="en-US" sz="1600" dirty="0" err="1" smtClean="0">
-                <a:latin typeface="Courier"/>
-                <a:cs typeface="Courier"/>
-              </a:rPr>
-              <a:t>grpTemp</a:t>
-            </a:r>
-            <a:r>
-              <a:rPr lang="en-US" sz="1600" dirty="0" smtClean="0">
-                <a:latin typeface="Courier"/>
-                <a:cs typeface="Courier"/>
-              </a:rPr>
-              <a:t>, </a:t>
-            </a:r>
-            <a:r>
-              <a:rPr lang="en-US" sz="1600" dirty="0" err="1" smtClean="0">
-                <a:latin typeface="Courier"/>
-                <a:cs typeface="Courier"/>
-              </a:rPr>
-              <a:t>grpPrevious</a:t>
-            </a:r>
-            <a:r>
-              <a:rPr lang="en-US" sz="1600" dirty="0" smtClean="0">
-                <a:latin typeface="Courier"/>
-                <a:cs typeface="Courier"/>
-              </a:rPr>
-              <a:t>&lt;- NULL</a:t>
-            </a:r>
-          </a:p>
-          <a:p>
-            <a:pPr marL="0" indent="0">
-              <a:buNone/>
-            </a:pPr>
-            <a:r>
-              <a:rPr lang="en-US" sz="1600" dirty="0" err="1" smtClean="0">
-                <a:latin typeface="Courier"/>
-                <a:cs typeface="Courier"/>
-              </a:rPr>
-              <a:t>dataValue</a:t>
-            </a:r>
-            <a:r>
-              <a:rPr lang="en-US" sz="1600" dirty="0" smtClean="0">
-                <a:latin typeface="Courier"/>
-                <a:cs typeface="Courier"/>
-              </a:rPr>
-              <a:t>, </a:t>
-            </a:r>
-            <a:r>
-              <a:rPr lang="en-US" sz="1600" dirty="0" err="1" smtClean="0">
-                <a:latin typeface="Courier"/>
-                <a:cs typeface="Courier"/>
-              </a:rPr>
-              <a:t>dataValueNext</a:t>
-            </a:r>
-            <a:r>
-              <a:rPr lang="en-US" sz="1600" dirty="0" smtClean="0">
-                <a:latin typeface="Courier"/>
-                <a:cs typeface="Courier"/>
-              </a:rPr>
-              <a:t> &lt;- NULL</a:t>
-            </a:r>
-          </a:p>
-          <a:p>
-            <a:pPr marL="0" indent="0">
-              <a:buNone/>
-            </a:pPr>
-            <a:r>
-              <a:rPr lang="en-US" sz="1600" b="1" dirty="0">
-                <a:latin typeface="Courier"/>
-                <a:cs typeface="Courier"/>
-              </a:rPr>
-              <a:t>w</a:t>
-            </a:r>
-            <a:r>
-              <a:rPr lang="en-US" sz="1600" b="1" dirty="0" smtClean="0">
-                <a:latin typeface="Courier"/>
-                <a:cs typeface="Courier"/>
-              </a:rPr>
-              <a:t>hile</a:t>
-            </a:r>
-            <a:r>
-              <a:rPr lang="en-US" sz="1600" dirty="0" smtClean="0">
-                <a:latin typeface="Courier"/>
-                <a:cs typeface="Courier"/>
-              </a:rPr>
-              <a:t> (D in w) for all of D </a:t>
-            </a:r>
-            <a:r>
-              <a:rPr lang="en-US" sz="1600" b="1" dirty="0" smtClean="0">
-                <a:latin typeface="Courier"/>
-                <a:cs typeface="Courier"/>
-              </a:rPr>
-              <a:t>do</a:t>
-            </a:r>
-          </a:p>
-          <a:p>
-            <a:pPr marL="400050" lvl="1" indent="0">
-              <a:buNone/>
-            </a:pPr>
-            <a:r>
-              <a:rPr lang="en-US" sz="1400" dirty="0" err="1" smtClean="0">
-                <a:latin typeface="Courier"/>
-                <a:cs typeface="Courier"/>
-              </a:rPr>
-              <a:t>dataValue</a:t>
-            </a:r>
-            <a:r>
-              <a:rPr lang="en-US" sz="1400" dirty="0" smtClean="0">
-                <a:latin typeface="Courier"/>
-                <a:cs typeface="Courier"/>
-              </a:rPr>
-              <a:t> &lt;- </a:t>
-            </a:r>
-            <a:r>
-              <a:rPr lang="en-US" sz="1400" dirty="0" err="1" smtClean="0">
-                <a:latin typeface="Courier"/>
-                <a:cs typeface="Courier"/>
-              </a:rPr>
-              <a:t>D.current.day</a:t>
-            </a:r>
-            <a:endParaRPr lang="en-US" sz="1400" dirty="0" smtClean="0">
-              <a:latin typeface="Courier"/>
-              <a:cs typeface="Courier"/>
-            </a:endParaRPr>
-          </a:p>
-          <a:p>
-            <a:pPr marL="400050" lvl="1" indent="0">
-              <a:buNone/>
-            </a:pPr>
-            <a:r>
-              <a:rPr lang="en-US" sz="1400" dirty="0" err="1" smtClean="0">
-                <a:latin typeface="Courier"/>
-                <a:cs typeface="Courier"/>
-              </a:rPr>
-              <a:t>dataValueNext</a:t>
-            </a:r>
-            <a:r>
-              <a:rPr lang="en-US" sz="1400" dirty="0" smtClean="0">
-                <a:latin typeface="Courier"/>
-                <a:cs typeface="Courier"/>
-              </a:rPr>
-              <a:t> &lt;- </a:t>
-            </a:r>
-            <a:r>
-              <a:rPr lang="en-US" sz="1400" dirty="0" err="1" smtClean="0">
-                <a:latin typeface="Courier"/>
-                <a:cs typeface="Courier"/>
-              </a:rPr>
-              <a:t>D.next.day</a:t>
-            </a:r>
-            <a:endParaRPr lang="en-US" sz="1400" dirty="0" smtClean="0">
-              <a:latin typeface="Courier"/>
-              <a:cs typeface="Courier"/>
-            </a:endParaRPr>
-          </a:p>
-          <a:p>
-            <a:pPr marL="400050" lvl="1" indent="0">
-              <a:buNone/>
-            </a:pPr>
-            <a:r>
-              <a:rPr lang="en-US" sz="1400" dirty="0" err="1" smtClean="0">
-                <a:latin typeface="Courier"/>
-                <a:cs typeface="Courier"/>
-              </a:rPr>
-              <a:t>grpTemp</a:t>
-            </a:r>
-            <a:r>
-              <a:rPr lang="en-US" sz="1400" dirty="0" smtClean="0">
-                <a:latin typeface="Courier"/>
-                <a:cs typeface="Courier"/>
-              </a:rPr>
-              <a:t> &lt;- </a:t>
-            </a:r>
-            <a:r>
-              <a:rPr lang="en-US" sz="1400" i="1" dirty="0" err="1" smtClean="0">
-                <a:latin typeface="Courier"/>
-                <a:cs typeface="Courier"/>
-              </a:rPr>
-              <a:t>findingSimilarPatterns</a:t>
-            </a:r>
-            <a:r>
-              <a:rPr lang="en-US" sz="1400" dirty="0" smtClean="0">
-                <a:latin typeface="Courier"/>
-                <a:cs typeface="Courier"/>
-              </a:rPr>
-              <a:t>(</a:t>
-            </a:r>
-            <a:r>
-              <a:rPr lang="en-US" sz="1400" dirty="0" err="1" smtClean="0">
-                <a:latin typeface="Courier"/>
-                <a:cs typeface="Courier"/>
-              </a:rPr>
-              <a:t>dataValue</a:t>
-            </a:r>
-            <a:r>
-              <a:rPr lang="en-US" sz="1400" dirty="0" smtClean="0">
-                <a:latin typeface="Courier"/>
-                <a:cs typeface="Courier"/>
-              </a:rPr>
-              <a:t>, </a:t>
-            </a:r>
-            <a:r>
-              <a:rPr lang="en-US" sz="1400" dirty="0" err="1" smtClean="0">
-                <a:latin typeface="Courier"/>
-                <a:cs typeface="Courier"/>
-              </a:rPr>
-              <a:t>dataValueNext</a:t>
-            </a:r>
-            <a:r>
-              <a:rPr lang="en-US" sz="1400" dirty="0" smtClean="0">
-                <a:latin typeface="Courier"/>
-                <a:cs typeface="Courier"/>
-              </a:rPr>
-              <a:t>)</a:t>
-            </a:r>
-          </a:p>
-          <a:p>
-            <a:pPr marL="400050" lvl="1" indent="0">
-              <a:buNone/>
-            </a:pPr>
-            <a:endParaRPr lang="en-US" sz="1400" dirty="0" smtClean="0">
-              <a:latin typeface="Courier"/>
-              <a:cs typeface="Courier"/>
-            </a:endParaRPr>
-          </a:p>
-          <a:p>
-            <a:pPr marL="400050" lvl="1" indent="0">
-              <a:buNone/>
-            </a:pPr>
-            <a:r>
-              <a:rPr lang="en-US" sz="1400" dirty="0">
-                <a:latin typeface="Courier"/>
-                <a:cs typeface="Courier"/>
-              </a:rPr>
-              <a:t>i</a:t>
-            </a:r>
-            <a:r>
-              <a:rPr lang="en-US" sz="1400" dirty="0" smtClean="0">
-                <a:latin typeface="Courier"/>
-                <a:cs typeface="Courier"/>
-              </a:rPr>
-              <a:t>f </a:t>
-            </a:r>
-            <a:r>
-              <a:rPr lang="en-US" sz="1400" i="1" dirty="0" smtClean="0">
-                <a:latin typeface="Courier"/>
-                <a:cs typeface="Courier"/>
-              </a:rPr>
-              <a:t>(</a:t>
-            </a:r>
-            <a:r>
-              <a:rPr lang="en-US" sz="1400" dirty="0" err="1" smtClean="0">
-                <a:latin typeface="Courier"/>
-                <a:cs typeface="Courier"/>
-              </a:rPr>
-              <a:t>grpTemp</a:t>
-            </a:r>
-            <a:r>
-              <a:rPr lang="en-US" sz="1400" i="1" dirty="0" smtClean="0">
-                <a:latin typeface="Courier"/>
-                <a:cs typeface="Courier"/>
-              </a:rPr>
-              <a:t> in </a:t>
-            </a:r>
-            <a:r>
-              <a:rPr lang="en-US" sz="1400" dirty="0" err="1" smtClean="0">
-                <a:latin typeface="Courier"/>
-                <a:cs typeface="Courier"/>
-              </a:rPr>
-              <a:t>grpPrevious</a:t>
-            </a:r>
-            <a:r>
-              <a:rPr lang="en-US" sz="1400" i="1" dirty="0" smtClean="0">
-                <a:latin typeface="Courier"/>
-                <a:cs typeface="Courier"/>
-              </a:rPr>
-              <a:t>)</a:t>
-            </a:r>
-            <a:r>
-              <a:rPr lang="en-US" sz="1400" dirty="0" smtClean="0">
-                <a:latin typeface="Courier"/>
-                <a:cs typeface="Courier"/>
-              </a:rPr>
-              <a:t>then</a:t>
-            </a:r>
-          </a:p>
-          <a:p>
-            <a:pPr marL="400050" lvl="1" indent="0">
-              <a:buNone/>
-            </a:pPr>
-            <a:r>
-              <a:rPr lang="en-US" sz="1400" dirty="0" smtClean="0">
-                <a:latin typeface="Courier"/>
-                <a:cs typeface="Courier"/>
-              </a:rPr>
-              <a:t>	</a:t>
-            </a:r>
-            <a:r>
-              <a:rPr lang="en-US" sz="1400" dirty="0" err="1" smtClean="0">
-                <a:latin typeface="Courier"/>
-                <a:cs typeface="Courier"/>
-              </a:rPr>
-              <a:t>grpNew</a:t>
-            </a:r>
-            <a:r>
-              <a:rPr lang="en-US" sz="1400" dirty="0" smtClean="0">
-                <a:latin typeface="Courier"/>
-                <a:cs typeface="Courier"/>
-              </a:rPr>
-              <a:t> &lt;- </a:t>
-            </a:r>
-            <a:r>
-              <a:rPr lang="en-US" sz="1400" i="1" dirty="0" smtClean="0">
-                <a:latin typeface="Courier"/>
-                <a:cs typeface="Courier"/>
-              </a:rPr>
-              <a:t>merge</a:t>
-            </a:r>
-            <a:r>
-              <a:rPr lang="en-US" sz="1400" dirty="0" smtClean="0">
-                <a:latin typeface="Courier"/>
-                <a:cs typeface="Courier"/>
-              </a:rPr>
-              <a:t>(</a:t>
-            </a:r>
-            <a:r>
-              <a:rPr lang="en-US" sz="1400" dirty="0" err="1">
-                <a:latin typeface="Courier"/>
-                <a:cs typeface="Courier"/>
-              </a:rPr>
-              <a:t>grpPrevious</a:t>
-            </a:r>
-            <a:r>
-              <a:rPr lang="en-US" sz="1400" dirty="0" smtClean="0">
-                <a:latin typeface="Courier"/>
-                <a:cs typeface="Courier"/>
-              </a:rPr>
-              <a:t>, </a:t>
-            </a:r>
-            <a:r>
-              <a:rPr lang="en-US" sz="1400" dirty="0" err="1">
-                <a:latin typeface="Courier"/>
-                <a:cs typeface="Courier"/>
-              </a:rPr>
-              <a:t>grpTemp</a:t>
-            </a:r>
-            <a:r>
-              <a:rPr lang="en-US" sz="1400" dirty="0" smtClean="0">
-                <a:latin typeface="Courier"/>
-                <a:cs typeface="Courier"/>
-              </a:rPr>
-              <a:t>)</a:t>
-            </a:r>
-          </a:p>
-          <a:p>
-            <a:pPr marL="400050" lvl="1" indent="0">
-              <a:buNone/>
-            </a:pPr>
-            <a:r>
-              <a:rPr lang="en-US" sz="1400" dirty="0" smtClean="0">
-                <a:latin typeface="Courier"/>
-                <a:cs typeface="Courier"/>
-              </a:rPr>
-              <a:t>	</a:t>
-            </a:r>
-            <a:r>
-              <a:rPr lang="en-US" sz="1400" dirty="0" err="1" smtClean="0">
-                <a:latin typeface="Courier"/>
-                <a:cs typeface="Courier"/>
-              </a:rPr>
-              <a:t>grpAll</a:t>
-            </a:r>
-            <a:r>
-              <a:rPr lang="en-US" sz="1400" i="1" dirty="0" smtClean="0">
-                <a:latin typeface="Courier"/>
-                <a:cs typeface="Courier"/>
-              </a:rPr>
-              <a:t> &lt;- add</a:t>
-            </a:r>
-            <a:r>
-              <a:rPr lang="en-US" sz="1400" dirty="0" smtClean="0">
-                <a:latin typeface="Courier"/>
-                <a:cs typeface="Courier"/>
-              </a:rPr>
-              <a:t>(</a:t>
-            </a:r>
-            <a:r>
-              <a:rPr lang="en-US" sz="1400" dirty="0" err="1" smtClean="0">
-                <a:latin typeface="Courier"/>
-                <a:cs typeface="Courier"/>
-              </a:rPr>
-              <a:t>grpNew</a:t>
-            </a:r>
-            <a:r>
-              <a:rPr lang="en-US" sz="1400" dirty="0" smtClean="0">
-                <a:latin typeface="Courier"/>
-                <a:cs typeface="Courier"/>
-              </a:rPr>
-              <a:t>)</a:t>
-            </a:r>
-          </a:p>
-          <a:p>
-            <a:pPr marL="400050" lvl="1" indent="0">
-              <a:buNone/>
-            </a:pPr>
-            <a:r>
-              <a:rPr lang="en-US" sz="1400" dirty="0">
-                <a:latin typeface="Courier"/>
-                <a:cs typeface="Courier"/>
-              </a:rPr>
-              <a:t>e</a:t>
-            </a:r>
-            <a:r>
-              <a:rPr lang="en-US" sz="1400" dirty="0" smtClean="0">
-                <a:latin typeface="Courier"/>
-                <a:cs typeface="Courier"/>
-              </a:rPr>
-              <a:t>lse</a:t>
-            </a:r>
-          </a:p>
-          <a:p>
-            <a:pPr marL="400050" lvl="1" indent="0">
-              <a:buNone/>
-            </a:pPr>
-            <a:r>
-              <a:rPr lang="en-US" sz="1400" dirty="0" smtClean="0">
-                <a:latin typeface="Courier"/>
-                <a:cs typeface="Courier"/>
-              </a:rPr>
-              <a:t>	</a:t>
-            </a:r>
-            <a:r>
-              <a:rPr lang="en-US" sz="1400" dirty="0" err="1" smtClean="0">
-                <a:latin typeface="Courier"/>
-                <a:cs typeface="Courier"/>
-              </a:rPr>
-              <a:t>grpAll</a:t>
-            </a:r>
-            <a:r>
-              <a:rPr lang="en-US" sz="1400" i="1" dirty="0" smtClean="0">
-                <a:latin typeface="Courier"/>
-                <a:cs typeface="Courier"/>
-              </a:rPr>
-              <a:t> &lt;- add</a:t>
-            </a:r>
-            <a:r>
-              <a:rPr lang="en-US" sz="1400" dirty="0" smtClean="0">
-                <a:latin typeface="Courier"/>
-                <a:cs typeface="Courier"/>
-              </a:rPr>
-              <a:t>(</a:t>
-            </a:r>
-            <a:r>
-              <a:rPr lang="en-US" sz="1400" dirty="0" err="1" smtClean="0">
-                <a:latin typeface="Courier"/>
-                <a:cs typeface="Courier"/>
-              </a:rPr>
-              <a:t>grpTemp</a:t>
-            </a:r>
-            <a:r>
-              <a:rPr lang="en-US" sz="1400" dirty="0" smtClean="0">
-                <a:latin typeface="Courier"/>
-                <a:cs typeface="Courier"/>
-              </a:rPr>
-              <a:t>) </a:t>
-            </a:r>
-          </a:p>
-        </p:txBody>
-      </p:sp>
-      <p:sp>
-        <p:nvSpPr>
-          <p:cNvPr id="4" name="Rectangle 3"/>
-          <p:cNvSpPr/>
-          <p:nvPr/>
-        </p:nvSpPr>
-        <p:spPr>
-          <a:xfrm>
-            <a:off x="228600" y="5334000"/>
-            <a:ext cx="8915400" cy="1077218"/>
-          </a:xfrm>
-          <a:prstGeom prst="rect">
-            <a:avLst/>
-          </a:prstGeom>
-        </p:spPr>
-        <p:txBody>
-          <a:bodyPr wrap="square">
-            <a:spAutoFit/>
-          </a:bodyPr>
-          <a:lstStyle/>
-          <a:p>
-            <a:pPr lvl="0" algn="l">
-              <a:spcBef>
-                <a:spcPct val="20000"/>
-              </a:spcBef>
-            </a:pPr>
-            <a:r>
-              <a:rPr lang="en-US" dirty="0"/>
-              <a:t>Behavior Profiling/</a:t>
-            </a:r>
-            <a:r>
-              <a:rPr lang="en-US" dirty="0" smtClean="0"/>
-              <a:t>Modeling</a:t>
-            </a:r>
-          </a:p>
-          <a:p>
-            <a:pPr lvl="0" algn="l">
-              <a:spcBef>
-                <a:spcPct val="20000"/>
-              </a:spcBef>
-            </a:pPr>
-            <a:r>
-              <a:rPr lang="en-US" b="0" kern="0" dirty="0" smtClean="0">
-                <a:solidFill>
-                  <a:srgbClr val="000000"/>
-                </a:solidFill>
-                <a:latin typeface="Arial"/>
-                <a:ea typeface="ＭＳ Ｐゴシック"/>
-              </a:rPr>
-              <a:t>We </a:t>
-            </a:r>
-            <a:r>
-              <a:rPr lang="en-US" b="0" kern="0" dirty="0">
-                <a:solidFill>
-                  <a:srgbClr val="000000"/>
-                </a:solidFill>
-                <a:latin typeface="Arial"/>
-                <a:ea typeface="ＭＳ Ｐゴシック"/>
-              </a:rPr>
-              <a:t>collect all of intersection data between </a:t>
-            </a:r>
-            <a:r>
-              <a:rPr lang="en-US" b="0" kern="0" dirty="0" smtClean="0">
-                <a:solidFill>
-                  <a:srgbClr val="000000"/>
-                </a:solidFill>
-                <a:latin typeface="Arial"/>
-                <a:ea typeface="ＭＳ Ｐゴシック"/>
-              </a:rPr>
-              <a:t>Groups, </a:t>
-            </a:r>
-            <a:r>
-              <a:rPr lang="en-US" b="0" kern="0" dirty="0">
-                <a:solidFill>
-                  <a:srgbClr val="000000"/>
-                </a:solidFill>
-                <a:latin typeface="Arial"/>
-                <a:ea typeface="ＭＳ Ｐゴシック"/>
-              </a:rPr>
-              <a:t>and mark those data as the user </a:t>
-            </a:r>
-            <a:r>
-              <a:rPr lang="en-US" b="0" kern="0" dirty="0" smtClean="0">
-                <a:solidFill>
-                  <a:srgbClr val="000000"/>
-                </a:solidFill>
-                <a:latin typeface="Arial"/>
-                <a:ea typeface="ＭＳ Ｐゴシック"/>
-              </a:rPr>
-              <a:t>behaviors.</a:t>
-            </a:r>
-            <a:endParaRPr lang="en-US" b="0" kern="0" dirty="0">
-              <a:solidFill>
-                <a:srgbClr val="000000"/>
-              </a:solidFill>
-              <a:latin typeface="Arial"/>
-              <a:ea typeface="ＭＳ Ｐゴシック"/>
-            </a:endParaRPr>
-          </a:p>
-        </p:txBody>
-      </p:sp>
-    </p:spTree>
-    <p:extLst>
-      <p:ext uri="{BB962C8B-B14F-4D97-AF65-F5344CB8AC3E}">
-        <p14:creationId xmlns:p14="http://schemas.microsoft.com/office/powerpoint/2010/main" val="212423858"/>
-      </p:ext>
-    </p:extLst>
-  </p:cSld>
-  <p:clrMapOvr>
-    <a:masterClrMapping/>
-  </p:clrMapOvr>
-  <p:transition/>
-  <p:timing>
-    <p:tnLst>
-      <p:par>
-        <p:cTn id="1" dur="indefinite" restart="never" nodeType="tmRoot"/>
-      </p:par>
-    </p:tnLst>
-  </p:timing>
-</p:sld>
-</file>
-
 <file path=ppt/slides/slide2.xml><?xml version="1.0" encoding="utf-8"?>
 <p:sld xmlns:a="http://schemas.openxmlformats.org/drawingml/2006/main" xmlns:r="http://schemas.openxmlformats.org/officeDocument/2006/relationships" xmlns:p="http://schemas.openxmlformats.org/presentationml/2006/main">
   <p:cSld>
@@ -8916,7 +8330,12 @@
             <p:ph idx="1"/>
           </p:nvPr>
         </p:nvSpPr>
-        <p:spPr/>
+        <p:spPr>
+          <a:xfrm>
+            <a:off x="457200" y="1905000"/>
+            <a:ext cx="8229600" cy="2895600"/>
+          </a:xfrm>
+        </p:spPr>
         <p:txBody>
           <a:bodyPr/>
           <a:lstStyle/>
@@ -8927,7 +8346,7 @@
               </a:spcBef>
             </a:pPr>
             <a:r>
-              <a:rPr lang="en-US" b="1" dirty="0" smtClean="0"/>
+              <a:rPr lang="en-US" sz="1600" b="1" dirty="0" smtClean="0"/>
               <a:t>Introduction</a:t>
             </a:r>
           </a:p>
@@ -8938,38 +8357,23 @@
               </a:spcBef>
             </a:pPr>
             <a:r>
-              <a:rPr lang="en-US" dirty="0" smtClean="0"/>
-              <a:t>Purposes</a:t>
-            </a:r>
-          </a:p>
-          <a:p>
-            <a:pPr lvl="2">
+              <a:rPr lang="en-US" sz="1600" dirty="0" smtClean="0"/>
+              <a:t>Background </a:t>
+            </a:r>
+            <a:r>
+              <a:rPr lang="en-US" sz="1600" dirty="0" smtClean="0"/>
+              <a:t>and Problem Statements</a:t>
+            </a:r>
+          </a:p>
+          <a:p>
+            <a:pPr>
               <a:spcBef>
                 <a:spcPts val="600"/>
               </a:spcBef>
             </a:pPr>
             <a:r>
-              <a:rPr lang="en-US" dirty="0"/>
-              <a:t>Modeling and discovering user behavior based on their smartphone </a:t>
-            </a:r>
-            <a:r>
-              <a:rPr lang="en-US" dirty="0" smtClean="0"/>
-              <a:t>life-log </a:t>
-            </a:r>
-          </a:p>
-          <a:p>
-            <a:pPr lvl="2">
-              <a:spcBef>
-                <a:spcPts val="600"/>
-              </a:spcBef>
-            </a:pPr>
-            <a:r>
-              <a:rPr lang="en-US" dirty="0" smtClean="0"/>
-              <a:t>Modeling </a:t>
-            </a:r>
-            <a:r>
-              <a:rPr lang="en-US" dirty="0" smtClean="0"/>
-              <a:t>human behavior for user identification</a:t>
+              <a:rPr lang="en-US" sz="1600" b="1" dirty="0" smtClean="0"/>
+              <a:t>Methods</a:t>
             </a:r>
           </a:p>
           <a:p>
@@ -8979,13 +8383,33 @@
               </a:spcBef>
             </a:pPr>
             <a:r>
-              <a:rPr lang="en-US" dirty="0" smtClean="0"/>
-              <a:t>Background </a:t>
-            </a:r>
-            <a:r>
-              <a:rPr lang="en-US" dirty="0" smtClean="0"/>
-              <a:t>and Problem Statements</a:t>
-            </a:r>
+              <a:rPr lang="en-US" sz="1600" dirty="0" smtClean="0"/>
+              <a:t>Data Preprocessing </a:t>
+            </a:r>
+            <a:r>
+              <a:rPr lang="en-US" sz="1600" smtClean="0"/>
+              <a:t>and </a:t>
+            </a:r>
+            <a:r>
+              <a:rPr lang="en-US" sz="1600" smtClean="0"/>
+              <a:t>Features </a:t>
+            </a:r>
+            <a:r>
+              <a:rPr lang="en-US" sz="1600" dirty="0" smtClean="0"/>
+              <a:t>Extraction</a:t>
+            </a:r>
+          </a:p>
+          <a:p>
+            <a:pPr lvl="1">
+              <a:spcBef>
+                <a:spcPts val="600"/>
+              </a:spcBef>
+            </a:pPr>
+            <a:r>
+              <a:rPr lang="en-US" sz="1600" dirty="0" smtClean="0"/>
+              <a:t>Our approach</a:t>
+            </a:r>
+            <a:endParaRPr lang="en-US" sz="1600" dirty="0" smtClean="0"/>
           </a:p>
           <a:p>
             <a:pPr>
@@ -8994,9 +8418,10 @@
               </a:spcBef>
             </a:pPr>
             <a:r>
-              <a:rPr lang="en-US" b="1" dirty="0" smtClean="0"/>
-              <a:t>Methods</a:t>
-            </a:r>
+              <a:rPr lang="en-US" sz="1600" b="1" dirty="0" smtClean="0"/>
+              <a:t>Goal</a:t>
+            </a:r>
+            <a:endParaRPr lang="en-US" sz="1600" b="1" dirty="0"/>
           </a:p>
           <a:p>
             <a:pPr lvl="1">
@@ -9005,9 +8430,18 @@
               </a:spcBef>
             </a:pPr>
             <a:r>
-              <a:rPr lang="en-US" dirty="0" smtClean="0"/>
-              <a:t>Data Preprocessing and Feature Extraction</a:t>
-            </a:r>
+              <a:rPr lang="en-US" sz="1600" dirty="0" smtClean="0"/>
+              <a:t>Modeling </a:t>
+            </a:r>
+            <a:r>
+              <a:rPr lang="en-US" sz="1600" dirty="0"/>
+              <a:t>and discovering user behavior based on their smartphone </a:t>
+            </a:r>
+            <a:r>
+              <a:rPr lang="en-US" sz="1600" dirty="0" smtClean="0"/>
+              <a:t>life-log </a:t>
+            </a:r>
+            <a:endParaRPr lang="en-US" sz="1600" dirty="0"/>
           </a:p>
           <a:p>
             <a:pPr lvl="1">
@@ -9016,37 +8450,9 @@
               </a:spcBef>
             </a:pPr>
             <a:r>
-              <a:rPr lang="en-US" dirty="0" smtClean="0"/>
-              <a:t>Techniques</a:t>
-            </a:r>
-          </a:p>
-          <a:p>
-            <a:pPr>
-              <a:spcBef>
-                <a:spcPts val="600"/>
-              </a:spcBef>
-            </a:pPr>
-            <a:r>
-              <a:rPr lang="en-US" b="1" dirty="0" smtClean="0"/>
-              <a:t>Goal</a:t>
-            </a:r>
-            <a:endParaRPr lang="en-US" b="1" dirty="0"/>
-          </a:p>
-          <a:p>
-            <a:pPr lvl="1">
-              <a:spcBef>
-                <a:spcPts val="600"/>
-              </a:spcBef>
-            </a:pPr>
-            <a:r>
-              <a:rPr lang="en-US" dirty="0" smtClean="0"/>
-              <a:t>Building Human Behavior model which can describe about theirs daily activities. It’s can be used for </a:t>
-            </a:r>
-            <a:r>
-              <a:rPr lang="en-US" dirty="0" smtClean="0"/>
-              <a:t>user Identification</a:t>
-            </a:r>
-            <a:endParaRPr lang="en-US" dirty="0"/>
+              <a:rPr lang="en-US" sz="1600" dirty="0"/>
+              <a:t>Modeling human behavior for user identification</a:t>
+            </a:r>
           </a:p>
           <a:p>
             <a:pPr marL="0" indent="0">
@@ -9078,6 +8484,712 @@
 </file>
 
 <file path=ppt/slides/slide20.xml><?xml version="1.0" encoding="utf-8"?>
+<p:sld xmlns:a="http://schemas.openxmlformats.org/drawingml/2006/main" xmlns:r="http://schemas.openxmlformats.org/officeDocument/2006/relationships" xmlns:p="http://schemas.openxmlformats.org/presentationml/2006/main">
+  <p:cSld>
+    <p:spTree>
+      <p:nvGrpSpPr>
+        <p:cNvPr id="1" name=""/>
+        <p:cNvGrpSpPr/>
+        <p:nvPr/>
+      </p:nvGrpSpPr>
+      <p:grpSpPr>
+        <a:xfrm>
+          <a:off x="0" y="0"/>
+          <a:ext cx="0" cy="0"/>
+          <a:chOff x="0" y="0"/>
+          <a:chExt cx="0" cy="0"/>
+        </a:xfrm>
+      </p:grpSpPr>
+      <p:sp>
+        <p:nvSpPr>
+          <p:cNvPr id="2" name="Title 1"/>
+          <p:cNvSpPr>
+            <a:spLocks noGrp="1"/>
+          </p:cNvSpPr>
+          <p:nvPr>
+            <p:ph type="title"/>
+          </p:nvPr>
+        </p:nvSpPr>
+        <p:spPr/>
+        <p:txBody>
+          <a:bodyPr/>
+          <a:lstStyle/>
+          <a:p>
+            <a:r>
+              <a:rPr lang="en-US" dirty="0" smtClean="0"/>
+              <a:t>Algorithm (Similarity Detection)</a:t>
+            </a:r>
+            <a:endParaRPr lang="en-US" dirty="0"/>
+          </a:p>
+        </p:txBody>
+      </p:sp>
+      <p:sp>
+        <p:nvSpPr>
+          <p:cNvPr id="3" name="Content Placeholder 2"/>
+          <p:cNvSpPr>
+            <a:spLocks noGrp="1"/>
+          </p:cNvSpPr>
+          <p:nvPr>
+            <p:ph idx="1"/>
+          </p:nvPr>
+        </p:nvSpPr>
+        <p:spPr>
+          <a:xfrm>
+            <a:off x="457200" y="1371600"/>
+            <a:ext cx="8229600" cy="4525963"/>
+          </a:xfrm>
+        </p:spPr>
+        <p:txBody>
+          <a:bodyPr/>
+          <a:lstStyle/>
+          <a:p>
+            <a:pPr marL="0" indent="0">
+              <a:buNone/>
+            </a:pPr>
+            <a:r>
+              <a:rPr lang="en-US" sz="1600" b="1" dirty="0" smtClean="0">
+                <a:latin typeface="Courier"/>
+                <a:cs typeface="Courier"/>
+              </a:rPr>
+              <a:t>Data</a:t>
+            </a:r>
+            <a:r>
+              <a:rPr lang="en-US" sz="1600" dirty="0" smtClean="0">
+                <a:latin typeface="Courier"/>
+                <a:cs typeface="Courier"/>
+              </a:rPr>
+              <a:t> : D, w</a:t>
+            </a:r>
+          </a:p>
+          <a:p>
+            <a:pPr marL="0" indent="0">
+              <a:buNone/>
+            </a:pPr>
+            <a:r>
+              <a:rPr lang="en-US" sz="1600" b="1" dirty="0" smtClean="0">
+                <a:latin typeface="Courier"/>
+                <a:cs typeface="Courier"/>
+              </a:rPr>
+              <a:t>Result</a:t>
+            </a:r>
+            <a:r>
+              <a:rPr lang="en-US" sz="1600" dirty="0" smtClean="0">
+                <a:latin typeface="Courier"/>
+                <a:cs typeface="Courier"/>
+              </a:rPr>
+              <a:t> : All Detected Group in a Window</a:t>
+            </a:r>
+          </a:p>
+          <a:p>
+            <a:pPr marL="0" indent="0">
+              <a:buNone/>
+            </a:pPr>
+            <a:r>
+              <a:rPr lang="en-US" sz="1600" dirty="0" err="1" smtClean="0">
+                <a:latin typeface="Courier"/>
+                <a:cs typeface="Courier"/>
+              </a:rPr>
+              <a:t>grpAll</a:t>
+            </a:r>
+            <a:r>
+              <a:rPr lang="en-US" sz="1600" dirty="0" smtClean="0">
+                <a:latin typeface="Courier"/>
+                <a:cs typeface="Courier"/>
+              </a:rPr>
+              <a:t>, </a:t>
+            </a:r>
+            <a:r>
+              <a:rPr lang="en-US" sz="1600" dirty="0" err="1" smtClean="0">
+                <a:latin typeface="Courier"/>
+                <a:cs typeface="Courier"/>
+              </a:rPr>
+              <a:t>grpTemp</a:t>
+            </a:r>
+            <a:r>
+              <a:rPr lang="en-US" sz="1600" dirty="0" smtClean="0">
+                <a:latin typeface="Courier"/>
+                <a:cs typeface="Courier"/>
+              </a:rPr>
+              <a:t>, </a:t>
+            </a:r>
+            <a:r>
+              <a:rPr lang="en-US" sz="1600" dirty="0" err="1" smtClean="0">
+                <a:latin typeface="Courier"/>
+                <a:cs typeface="Courier"/>
+              </a:rPr>
+              <a:t>grpPrevious</a:t>
+            </a:r>
+            <a:r>
+              <a:rPr lang="en-US" sz="1600" dirty="0" smtClean="0">
+                <a:latin typeface="Courier"/>
+                <a:cs typeface="Courier"/>
+              </a:rPr>
+              <a:t>&lt;- NULL</a:t>
+            </a:r>
+          </a:p>
+          <a:p>
+            <a:pPr marL="0" indent="0">
+              <a:buNone/>
+            </a:pPr>
+            <a:r>
+              <a:rPr lang="en-US" sz="1600" dirty="0" err="1" smtClean="0">
+                <a:latin typeface="Courier"/>
+                <a:cs typeface="Courier"/>
+              </a:rPr>
+              <a:t>dataValue</a:t>
+            </a:r>
+            <a:r>
+              <a:rPr lang="en-US" sz="1600" dirty="0" smtClean="0">
+                <a:latin typeface="Courier"/>
+                <a:cs typeface="Courier"/>
+              </a:rPr>
+              <a:t>, </a:t>
+            </a:r>
+            <a:r>
+              <a:rPr lang="en-US" sz="1600" dirty="0" err="1" smtClean="0">
+                <a:latin typeface="Courier"/>
+                <a:cs typeface="Courier"/>
+              </a:rPr>
+              <a:t>dataValueNext</a:t>
+            </a:r>
+            <a:r>
+              <a:rPr lang="en-US" sz="1600" dirty="0" smtClean="0">
+                <a:latin typeface="Courier"/>
+                <a:cs typeface="Courier"/>
+              </a:rPr>
+              <a:t> &lt;- NULL</a:t>
+            </a:r>
+          </a:p>
+          <a:p>
+            <a:pPr marL="0" indent="0">
+              <a:buNone/>
+            </a:pPr>
+            <a:r>
+              <a:rPr lang="en-US" sz="1600" b="1" dirty="0">
+                <a:latin typeface="Courier"/>
+                <a:cs typeface="Courier"/>
+              </a:rPr>
+              <a:t>w</a:t>
+            </a:r>
+            <a:r>
+              <a:rPr lang="en-US" sz="1600" b="1" dirty="0" smtClean="0">
+                <a:latin typeface="Courier"/>
+                <a:cs typeface="Courier"/>
+              </a:rPr>
+              <a:t>hile</a:t>
+            </a:r>
+            <a:r>
+              <a:rPr lang="en-US" sz="1600" dirty="0" smtClean="0">
+                <a:latin typeface="Courier"/>
+                <a:cs typeface="Courier"/>
+              </a:rPr>
+              <a:t> (D in w) for all of D </a:t>
+            </a:r>
+            <a:r>
+              <a:rPr lang="en-US" sz="1600" b="1" dirty="0" smtClean="0">
+                <a:latin typeface="Courier"/>
+                <a:cs typeface="Courier"/>
+              </a:rPr>
+              <a:t>do</a:t>
+            </a:r>
+          </a:p>
+          <a:p>
+            <a:pPr marL="400050" lvl="1" indent="0">
+              <a:buNone/>
+            </a:pPr>
+            <a:r>
+              <a:rPr lang="en-US" sz="1400" dirty="0" err="1" smtClean="0">
+                <a:latin typeface="Courier"/>
+                <a:cs typeface="Courier"/>
+              </a:rPr>
+              <a:t>dataValue</a:t>
+            </a:r>
+            <a:r>
+              <a:rPr lang="en-US" sz="1400" dirty="0" smtClean="0">
+                <a:latin typeface="Courier"/>
+                <a:cs typeface="Courier"/>
+              </a:rPr>
+              <a:t> &lt;- </a:t>
+            </a:r>
+            <a:r>
+              <a:rPr lang="en-US" sz="1400" dirty="0" err="1" smtClean="0">
+                <a:latin typeface="Courier"/>
+                <a:cs typeface="Courier"/>
+              </a:rPr>
+              <a:t>D.current.day</a:t>
+            </a:r>
+            <a:endParaRPr lang="en-US" sz="1400" dirty="0" smtClean="0">
+              <a:latin typeface="Courier"/>
+              <a:cs typeface="Courier"/>
+            </a:endParaRPr>
+          </a:p>
+          <a:p>
+            <a:pPr marL="400050" lvl="1" indent="0">
+              <a:buNone/>
+            </a:pPr>
+            <a:r>
+              <a:rPr lang="en-US" sz="1400" dirty="0" err="1" smtClean="0">
+                <a:latin typeface="Courier"/>
+                <a:cs typeface="Courier"/>
+              </a:rPr>
+              <a:t>dataValueNext</a:t>
+            </a:r>
+            <a:r>
+              <a:rPr lang="en-US" sz="1400" dirty="0" smtClean="0">
+                <a:latin typeface="Courier"/>
+                <a:cs typeface="Courier"/>
+              </a:rPr>
+              <a:t> &lt;- </a:t>
+            </a:r>
+            <a:r>
+              <a:rPr lang="en-US" sz="1400" dirty="0" err="1" smtClean="0">
+                <a:latin typeface="Courier"/>
+                <a:cs typeface="Courier"/>
+              </a:rPr>
+              <a:t>D.next.day</a:t>
+            </a:r>
+            <a:endParaRPr lang="en-US" sz="1400" dirty="0" smtClean="0">
+              <a:latin typeface="Courier"/>
+              <a:cs typeface="Courier"/>
+            </a:endParaRPr>
+          </a:p>
+          <a:p>
+            <a:pPr marL="400050" lvl="1" indent="0">
+              <a:buNone/>
+            </a:pPr>
+            <a:r>
+              <a:rPr lang="en-US" sz="1400" dirty="0" err="1" smtClean="0">
+                <a:latin typeface="Courier"/>
+                <a:cs typeface="Courier"/>
+              </a:rPr>
+              <a:t>grpTemp</a:t>
+            </a:r>
+            <a:r>
+              <a:rPr lang="en-US" sz="1400" dirty="0" smtClean="0">
+                <a:latin typeface="Courier"/>
+                <a:cs typeface="Courier"/>
+              </a:rPr>
+              <a:t> &lt;- </a:t>
+            </a:r>
+            <a:r>
+              <a:rPr lang="en-US" sz="1400" i="1" dirty="0" err="1" smtClean="0">
+                <a:latin typeface="Courier"/>
+                <a:cs typeface="Courier"/>
+              </a:rPr>
+              <a:t>findingSimilarPatterns</a:t>
+            </a:r>
+            <a:r>
+              <a:rPr lang="en-US" sz="1400" dirty="0" smtClean="0">
+                <a:latin typeface="Courier"/>
+                <a:cs typeface="Courier"/>
+              </a:rPr>
+              <a:t>(</a:t>
+            </a:r>
+            <a:r>
+              <a:rPr lang="en-US" sz="1400" dirty="0" err="1" smtClean="0">
+                <a:latin typeface="Courier"/>
+                <a:cs typeface="Courier"/>
+              </a:rPr>
+              <a:t>dataValue</a:t>
+            </a:r>
+            <a:r>
+              <a:rPr lang="en-US" sz="1400" dirty="0" smtClean="0">
+                <a:latin typeface="Courier"/>
+                <a:cs typeface="Courier"/>
+              </a:rPr>
+              <a:t>, </a:t>
+            </a:r>
+            <a:r>
+              <a:rPr lang="en-US" sz="1400" dirty="0" err="1" smtClean="0">
+                <a:latin typeface="Courier"/>
+                <a:cs typeface="Courier"/>
+              </a:rPr>
+              <a:t>dataValueNext</a:t>
+            </a:r>
+            <a:r>
+              <a:rPr lang="en-US" sz="1400" dirty="0" smtClean="0">
+                <a:latin typeface="Courier"/>
+                <a:cs typeface="Courier"/>
+              </a:rPr>
+              <a:t>)</a:t>
+            </a:r>
+          </a:p>
+          <a:p>
+            <a:pPr marL="400050" lvl="1" indent="0">
+              <a:buNone/>
+            </a:pPr>
+            <a:endParaRPr lang="en-US" sz="1400" dirty="0" smtClean="0">
+              <a:latin typeface="Courier"/>
+              <a:cs typeface="Courier"/>
+            </a:endParaRPr>
+          </a:p>
+          <a:p>
+            <a:pPr marL="400050" lvl="1" indent="0">
+              <a:buNone/>
+            </a:pPr>
+            <a:r>
+              <a:rPr lang="en-US" sz="1400" dirty="0">
+                <a:latin typeface="Courier"/>
+                <a:cs typeface="Courier"/>
+              </a:rPr>
+              <a:t>i</a:t>
+            </a:r>
+            <a:r>
+              <a:rPr lang="en-US" sz="1400" dirty="0" smtClean="0">
+                <a:latin typeface="Courier"/>
+                <a:cs typeface="Courier"/>
+              </a:rPr>
+              <a:t>f </a:t>
+            </a:r>
+            <a:r>
+              <a:rPr lang="en-US" sz="1400" i="1" dirty="0" smtClean="0">
+                <a:latin typeface="Courier"/>
+                <a:cs typeface="Courier"/>
+              </a:rPr>
+              <a:t>(</a:t>
+            </a:r>
+            <a:r>
+              <a:rPr lang="en-US" sz="1400" dirty="0" err="1" smtClean="0">
+                <a:latin typeface="Courier"/>
+                <a:cs typeface="Courier"/>
+              </a:rPr>
+              <a:t>grpTemp</a:t>
+            </a:r>
+            <a:r>
+              <a:rPr lang="en-US" sz="1400" i="1" dirty="0" smtClean="0">
+                <a:latin typeface="Courier"/>
+                <a:cs typeface="Courier"/>
+              </a:rPr>
+              <a:t> in </a:t>
+            </a:r>
+            <a:r>
+              <a:rPr lang="en-US" sz="1400" dirty="0" err="1" smtClean="0">
+                <a:latin typeface="Courier"/>
+                <a:cs typeface="Courier"/>
+              </a:rPr>
+              <a:t>grpPrevious</a:t>
+            </a:r>
+            <a:r>
+              <a:rPr lang="en-US" sz="1400" i="1" dirty="0" smtClean="0">
+                <a:latin typeface="Courier"/>
+                <a:cs typeface="Courier"/>
+              </a:rPr>
+              <a:t>)</a:t>
+            </a:r>
+            <a:r>
+              <a:rPr lang="en-US" sz="1400" dirty="0" smtClean="0">
+                <a:latin typeface="Courier"/>
+                <a:cs typeface="Courier"/>
+              </a:rPr>
+              <a:t>then</a:t>
+            </a:r>
+          </a:p>
+          <a:p>
+            <a:pPr marL="400050" lvl="1" indent="0">
+              <a:buNone/>
+            </a:pPr>
+            <a:r>
+              <a:rPr lang="en-US" sz="1400" dirty="0" smtClean="0">
+                <a:latin typeface="Courier"/>
+                <a:cs typeface="Courier"/>
+              </a:rPr>
+              <a:t>	</a:t>
+            </a:r>
+            <a:r>
+              <a:rPr lang="en-US" sz="1400" dirty="0" err="1" smtClean="0">
+                <a:latin typeface="Courier"/>
+                <a:cs typeface="Courier"/>
+              </a:rPr>
+              <a:t>grpNew</a:t>
+            </a:r>
+            <a:r>
+              <a:rPr lang="en-US" sz="1400" dirty="0" smtClean="0">
+                <a:latin typeface="Courier"/>
+                <a:cs typeface="Courier"/>
+              </a:rPr>
+              <a:t> &lt;- </a:t>
+            </a:r>
+            <a:r>
+              <a:rPr lang="en-US" sz="1400" i="1" dirty="0" smtClean="0">
+                <a:latin typeface="Courier"/>
+                <a:cs typeface="Courier"/>
+              </a:rPr>
+              <a:t>merge</a:t>
+            </a:r>
+            <a:r>
+              <a:rPr lang="en-US" sz="1400" dirty="0" smtClean="0">
+                <a:latin typeface="Courier"/>
+                <a:cs typeface="Courier"/>
+              </a:rPr>
+              <a:t>(</a:t>
+            </a:r>
+            <a:r>
+              <a:rPr lang="en-US" sz="1400" dirty="0" err="1">
+                <a:latin typeface="Courier"/>
+                <a:cs typeface="Courier"/>
+              </a:rPr>
+              <a:t>grpPrevious</a:t>
+            </a:r>
+            <a:r>
+              <a:rPr lang="en-US" sz="1400" dirty="0" smtClean="0">
+                <a:latin typeface="Courier"/>
+                <a:cs typeface="Courier"/>
+              </a:rPr>
+              <a:t>, </a:t>
+            </a:r>
+            <a:r>
+              <a:rPr lang="en-US" sz="1400" dirty="0" err="1">
+                <a:latin typeface="Courier"/>
+                <a:cs typeface="Courier"/>
+              </a:rPr>
+              <a:t>grpTemp</a:t>
+            </a:r>
+            <a:r>
+              <a:rPr lang="en-US" sz="1400" dirty="0" smtClean="0">
+                <a:latin typeface="Courier"/>
+                <a:cs typeface="Courier"/>
+              </a:rPr>
+              <a:t>)</a:t>
+            </a:r>
+          </a:p>
+          <a:p>
+            <a:pPr marL="400050" lvl="1" indent="0">
+              <a:buNone/>
+            </a:pPr>
+            <a:r>
+              <a:rPr lang="en-US" sz="1400" dirty="0" smtClean="0">
+                <a:latin typeface="Courier"/>
+                <a:cs typeface="Courier"/>
+              </a:rPr>
+              <a:t>	</a:t>
+            </a:r>
+            <a:r>
+              <a:rPr lang="en-US" sz="1400" dirty="0" err="1" smtClean="0">
+                <a:latin typeface="Courier"/>
+                <a:cs typeface="Courier"/>
+              </a:rPr>
+              <a:t>grpAll</a:t>
+            </a:r>
+            <a:r>
+              <a:rPr lang="en-US" sz="1400" i="1" dirty="0" smtClean="0">
+                <a:latin typeface="Courier"/>
+                <a:cs typeface="Courier"/>
+              </a:rPr>
+              <a:t> &lt;- add</a:t>
+            </a:r>
+            <a:r>
+              <a:rPr lang="en-US" sz="1400" dirty="0" smtClean="0">
+                <a:latin typeface="Courier"/>
+                <a:cs typeface="Courier"/>
+              </a:rPr>
+              <a:t>(</a:t>
+            </a:r>
+            <a:r>
+              <a:rPr lang="en-US" sz="1400" dirty="0" err="1" smtClean="0">
+                <a:latin typeface="Courier"/>
+                <a:cs typeface="Courier"/>
+              </a:rPr>
+              <a:t>grpNew</a:t>
+            </a:r>
+            <a:r>
+              <a:rPr lang="en-US" sz="1400" dirty="0" smtClean="0">
+                <a:latin typeface="Courier"/>
+                <a:cs typeface="Courier"/>
+              </a:rPr>
+              <a:t>)</a:t>
+            </a:r>
+          </a:p>
+          <a:p>
+            <a:pPr marL="400050" lvl="1" indent="0">
+              <a:buNone/>
+            </a:pPr>
+            <a:r>
+              <a:rPr lang="en-US" sz="1400" dirty="0">
+                <a:latin typeface="Courier"/>
+                <a:cs typeface="Courier"/>
+              </a:rPr>
+              <a:t>e</a:t>
+            </a:r>
+            <a:r>
+              <a:rPr lang="en-US" sz="1400" dirty="0" smtClean="0">
+                <a:latin typeface="Courier"/>
+                <a:cs typeface="Courier"/>
+              </a:rPr>
+              <a:t>lse</a:t>
+            </a:r>
+          </a:p>
+          <a:p>
+            <a:pPr marL="400050" lvl="1" indent="0">
+              <a:buNone/>
+            </a:pPr>
+            <a:r>
+              <a:rPr lang="en-US" sz="1400" dirty="0" smtClean="0">
+                <a:latin typeface="Courier"/>
+                <a:cs typeface="Courier"/>
+              </a:rPr>
+              <a:t>	</a:t>
+            </a:r>
+            <a:r>
+              <a:rPr lang="en-US" sz="1400" dirty="0" err="1" smtClean="0">
+                <a:latin typeface="Courier"/>
+                <a:cs typeface="Courier"/>
+              </a:rPr>
+              <a:t>grpAll</a:t>
+            </a:r>
+            <a:r>
+              <a:rPr lang="en-US" sz="1400" i="1" dirty="0" smtClean="0">
+                <a:latin typeface="Courier"/>
+                <a:cs typeface="Courier"/>
+              </a:rPr>
+              <a:t> &lt;- add</a:t>
+            </a:r>
+            <a:r>
+              <a:rPr lang="en-US" sz="1400" dirty="0" smtClean="0">
+                <a:latin typeface="Courier"/>
+                <a:cs typeface="Courier"/>
+              </a:rPr>
+              <a:t>(</a:t>
+            </a:r>
+            <a:r>
+              <a:rPr lang="en-US" sz="1400" dirty="0" err="1" smtClean="0">
+                <a:latin typeface="Courier"/>
+                <a:cs typeface="Courier"/>
+              </a:rPr>
+              <a:t>grpTemp</a:t>
+            </a:r>
+            <a:r>
+              <a:rPr lang="en-US" sz="1400" dirty="0" smtClean="0">
+                <a:latin typeface="Courier"/>
+                <a:cs typeface="Courier"/>
+              </a:rPr>
+              <a:t>) </a:t>
+            </a:r>
+          </a:p>
+        </p:txBody>
+      </p:sp>
+      <p:sp>
+        <p:nvSpPr>
+          <p:cNvPr id="4" name="Rectangle 3"/>
+          <p:cNvSpPr/>
+          <p:nvPr/>
+        </p:nvSpPr>
+        <p:spPr>
+          <a:xfrm>
+            <a:off x="228600" y="5334000"/>
+            <a:ext cx="8915400" cy="1077218"/>
+          </a:xfrm>
+          <a:prstGeom prst="rect">
+            <a:avLst/>
+          </a:prstGeom>
+        </p:spPr>
+        <p:txBody>
+          <a:bodyPr wrap="square">
+            <a:spAutoFit/>
+          </a:bodyPr>
+          <a:lstStyle/>
+          <a:p>
+            <a:pPr lvl="0" algn="l">
+              <a:spcBef>
+                <a:spcPct val="20000"/>
+              </a:spcBef>
+            </a:pPr>
+            <a:r>
+              <a:rPr lang="en-US" dirty="0"/>
+              <a:t>Behavior Profiling/</a:t>
+            </a:r>
+            <a:r>
+              <a:rPr lang="en-US" dirty="0" smtClean="0"/>
+              <a:t>Modeling</a:t>
+            </a:r>
+          </a:p>
+          <a:p>
+            <a:pPr lvl="0" algn="l">
+              <a:spcBef>
+                <a:spcPct val="20000"/>
+              </a:spcBef>
+            </a:pPr>
+            <a:r>
+              <a:rPr lang="en-US" b="0" kern="0" dirty="0" smtClean="0">
+                <a:solidFill>
+                  <a:srgbClr val="000000"/>
+                </a:solidFill>
+                <a:latin typeface="Arial"/>
+                <a:ea typeface="ＭＳ Ｐゴシック"/>
+              </a:rPr>
+              <a:t>We </a:t>
+            </a:r>
+            <a:r>
+              <a:rPr lang="en-US" b="0" kern="0" dirty="0">
+                <a:solidFill>
+                  <a:srgbClr val="000000"/>
+                </a:solidFill>
+                <a:latin typeface="Arial"/>
+                <a:ea typeface="ＭＳ Ｐゴシック"/>
+              </a:rPr>
+              <a:t>collect all of intersection data between </a:t>
+            </a:r>
+            <a:r>
+              <a:rPr lang="en-US" b="0" kern="0" dirty="0" smtClean="0">
+                <a:solidFill>
+                  <a:srgbClr val="000000"/>
+                </a:solidFill>
+                <a:latin typeface="Arial"/>
+                <a:ea typeface="ＭＳ Ｐゴシック"/>
+              </a:rPr>
+              <a:t>Groups, </a:t>
+            </a:r>
+            <a:r>
+              <a:rPr lang="en-US" b="0" kern="0" dirty="0">
+                <a:solidFill>
+                  <a:srgbClr val="000000"/>
+                </a:solidFill>
+                <a:latin typeface="Arial"/>
+                <a:ea typeface="ＭＳ Ｐゴシック"/>
+              </a:rPr>
+              <a:t>and mark those data as the user </a:t>
+            </a:r>
+            <a:r>
+              <a:rPr lang="en-US" b="0" kern="0" dirty="0" smtClean="0">
+                <a:solidFill>
+                  <a:srgbClr val="000000"/>
+                </a:solidFill>
+                <a:latin typeface="Arial"/>
+                <a:ea typeface="ＭＳ Ｐゴシック"/>
+              </a:rPr>
+              <a:t>behaviors.</a:t>
+            </a:r>
+            <a:endParaRPr lang="en-US" b="0" kern="0" dirty="0">
+              <a:solidFill>
+                <a:srgbClr val="000000"/>
+              </a:solidFill>
+              <a:latin typeface="Arial"/>
+              <a:ea typeface="ＭＳ Ｐゴシック"/>
+            </a:endParaRPr>
+          </a:p>
+        </p:txBody>
+      </p:sp>
+    </p:spTree>
+    <p:extLst>
+      <p:ext uri="{BB962C8B-B14F-4D97-AF65-F5344CB8AC3E}">
+        <p14:creationId xmlns:p14="http://schemas.microsoft.com/office/powerpoint/2010/main" val="212423858"/>
+      </p:ext>
+    </p:extLst>
+  </p:cSld>
+  <p:clrMapOvr>
+    <a:masterClrMapping/>
+  </p:clrMapOvr>
+  <p:transition/>
+  <p:timing>
+    <p:tnLst>
+      <p:par>
+        <p:cTn id="1" dur="indefinite" restart="never" nodeType="tmRoot"/>
+      </p:par>
+    </p:tnLst>
+  </p:timing>
+</p:sld>
+</file>
+
+<file path=ppt/slides/slide21.xml><?xml version="1.0" encoding="utf-8"?>
 <p:sld xmlns:a="http://schemas.openxmlformats.org/drawingml/2006/main" xmlns:r="http://schemas.openxmlformats.org/officeDocument/2006/relationships" xmlns:p="http://schemas.openxmlformats.org/presentationml/2006/main">
   <p:cSld>
     <p:spTree>
@@ -9173,217 +9285,6 @@
 </p:sld>
 </file>
 
-<file path=ppt/slides/slide21.xml><?xml version="1.0" encoding="utf-8"?>
-<p:sld xmlns:a="http://schemas.openxmlformats.org/drawingml/2006/main" xmlns:r="http://schemas.openxmlformats.org/officeDocument/2006/relationships" xmlns:p="http://schemas.openxmlformats.org/presentationml/2006/main">
-  <p:cSld>
-    <p:spTree>
-      <p:nvGrpSpPr>
-        <p:cNvPr id="1" name=""/>
-        <p:cNvGrpSpPr/>
-        <p:nvPr/>
-      </p:nvGrpSpPr>
-      <p:grpSpPr>
-        <a:xfrm>
-          <a:off x="0" y="0"/>
-          <a:ext cx="0" cy="0"/>
-          <a:chOff x="0" y="0"/>
-          <a:chExt cx="0" cy="0"/>
-        </a:xfrm>
-      </p:grpSpPr>
-      <p:sp>
-        <p:nvSpPr>
-          <p:cNvPr id="2" name="Title 1"/>
-          <p:cNvSpPr>
-            <a:spLocks noGrp="1"/>
-          </p:cNvSpPr>
-          <p:nvPr>
-            <p:ph type="title"/>
-          </p:nvPr>
-        </p:nvSpPr>
-        <p:spPr/>
-        <p:txBody>
-          <a:bodyPr/>
-          <a:lstStyle/>
-          <a:p>
-            <a:r>
-              <a:rPr lang="en-US" dirty="0" smtClean="0"/>
-              <a:t>Performance Evaluation</a:t>
-            </a:r>
-            <a:endParaRPr lang="en-US" dirty="0"/>
-          </a:p>
-        </p:txBody>
-      </p:sp>
-      <p:sp>
-        <p:nvSpPr>
-          <p:cNvPr id="3" name="Content Placeholder 2"/>
-          <p:cNvSpPr>
-            <a:spLocks noGrp="1"/>
-          </p:cNvSpPr>
-          <p:nvPr>
-            <p:ph idx="1"/>
-          </p:nvPr>
-        </p:nvSpPr>
-        <p:spPr/>
-        <p:txBody>
-          <a:bodyPr/>
-          <a:lstStyle/>
-          <a:p>
-            <a:r>
-              <a:rPr lang="en-US" dirty="0" smtClean="0"/>
-              <a:t>Total of dataset around 1 month 20 days</a:t>
-            </a:r>
-          </a:p>
-          <a:p>
-            <a:r>
-              <a:rPr lang="en-US" dirty="0" smtClean="0"/>
-              <a:t>We </a:t>
-            </a:r>
-            <a:r>
-              <a:rPr lang="en-US" dirty="0" smtClean="0"/>
-              <a:t>Divide </a:t>
-            </a:r>
-            <a:r>
-              <a:rPr lang="en-US" dirty="0" smtClean="0"/>
-              <a:t>all of dataset to two parts </a:t>
-            </a:r>
-            <a:endParaRPr lang="en-US" dirty="0" smtClean="0"/>
-          </a:p>
-          <a:p>
-            <a:pPr lvl="1"/>
-            <a:r>
-              <a:rPr lang="en-US" dirty="0" smtClean="0"/>
-              <a:t>First month </a:t>
-            </a:r>
-            <a:r>
-              <a:rPr lang="en-US" dirty="0" smtClean="0"/>
-              <a:t>for creating model (first dataset)</a:t>
-            </a:r>
-          </a:p>
-          <a:p>
-            <a:pPr lvl="1"/>
-            <a:r>
-              <a:rPr lang="en-US" dirty="0" smtClean="0"/>
-              <a:t>Remaining dataset </a:t>
-            </a:r>
-            <a:r>
-              <a:rPr lang="en-US" dirty="0" smtClean="0"/>
-              <a:t>for testing performance (second dataset)</a:t>
-            </a:r>
-          </a:p>
-          <a:p>
-            <a:r>
-              <a:rPr lang="en-US" dirty="0" smtClean="0"/>
-              <a:t>Modeling user behavior based on first data, </a:t>
-            </a:r>
-          </a:p>
-          <a:p>
-            <a:pPr lvl="1"/>
-            <a:r>
-              <a:rPr lang="en-US" dirty="0"/>
-              <a:t>B</a:t>
-            </a:r>
-            <a:r>
-              <a:rPr lang="en-US" dirty="0" smtClean="0"/>
-              <a:t>1</a:t>
-            </a:r>
-            <a:r>
-              <a:rPr lang="en-US" dirty="0" smtClean="0"/>
-              <a:t>: Behavior model/profile.</a:t>
-            </a:r>
-          </a:p>
-          <a:p>
-            <a:r>
-              <a:rPr lang="en-US" dirty="0" smtClean="0"/>
-              <a:t>Extract and Process the second dataset.</a:t>
-            </a:r>
-          </a:p>
-          <a:p>
-            <a:r>
-              <a:rPr lang="en-US" dirty="0" smtClean="0"/>
-              <a:t>Apply similarity detection to second </a:t>
-            </a:r>
-            <a:r>
-              <a:rPr lang="en-US" dirty="0" smtClean="0"/>
-              <a:t>dataset with same setting. </a:t>
-            </a:r>
-            <a:endParaRPr lang="en-US" dirty="0" smtClean="0"/>
-          </a:p>
-          <a:p>
-            <a:pPr lvl="1"/>
-            <a:r>
-              <a:rPr lang="en-US" dirty="0" smtClean="0"/>
-              <a:t>B2: </a:t>
-            </a:r>
-            <a:r>
-              <a:rPr lang="en-US" dirty="0" smtClean="0"/>
-              <a:t>Set of behavior g</a:t>
-            </a:r>
-            <a:r>
-              <a:rPr lang="en-US" dirty="0" smtClean="0"/>
-              <a:t>roup </a:t>
-            </a:r>
-            <a:r>
-              <a:rPr lang="en-US" dirty="0" smtClean="0"/>
-              <a:t>result from second dataset.</a:t>
-            </a:r>
-          </a:p>
-          <a:p>
-            <a:r>
-              <a:rPr lang="en-US" dirty="0" smtClean="0"/>
-              <a:t>Is the all of B2 identified by Behavior model/profile (B1).</a:t>
-            </a:r>
-            <a:endParaRPr lang="en-US" dirty="0" smtClean="0"/>
-          </a:p>
-          <a:p>
-            <a:r>
-              <a:rPr lang="en-US" dirty="0" smtClean="0"/>
-              <a:t>Calculate group detection, </a:t>
-            </a:r>
-            <a:r>
-              <a:rPr lang="en-US" dirty="0" smtClean="0"/>
-              <a:t>The percentage of data identified.</a:t>
-            </a:r>
-          </a:p>
-          <a:p>
-            <a:r>
-              <a:rPr lang="en-US" dirty="0" smtClean="0"/>
-              <a:t>Implement </a:t>
-            </a:r>
-            <a:r>
-              <a:rPr lang="en-US" dirty="0" smtClean="0"/>
-              <a:t>this approach for Identification</a:t>
-            </a:r>
-            <a:endParaRPr lang="en-US" dirty="0"/>
-          </a:p>
-          <a:p>
-            <a:pPr marL="457200" lvl="1" indent="0">
-              <a:buNone/>
-            </a:pPr>
-            <a:endParaRPr lang="en-US" dirty="0"/>
-          </a:p>
-        </p:txBody>
-      </p:sp>
-    </p:spTree>
-    <p:extLst>
-      <p:ext uri="{BB962C8B-B14F-4D97-AF65-F5344CB8AC3E}">
-        <p14:creationId xmlns:p14="http://schemas.microsoft.com/office/powerpoint/2010/main" val="952036327"/>
-      </p:ext>
-    </p:extLst>
-  </p:cSld>
-  <p:clrMapOvr>
-    <a:masterClrMapping/>
-  </p:clrMapOvr>
-  <p:transition/>
-  <p:timing>
-    <p:tnLst>
-      <p:par>
-        <p:cTn id="1" dur="indefinite" restart="never" nodeType="tmRoot"/>
-      </p:par>
-    </p:tnLst>
-  </p:timing>
-</p:sld>
-</file>
-
 <file path=ppt/slides/slide22.xml><?xml version="1.0" encoding="utf-8"?>
 <p:sld xmlns:a="http://schemas.openxmlformats.org/drawingml/2006/main" xmlns:r="http://schemas.openxmlformats.org/officeDocument/2006/relationships" xmlns:p="http://schemas.openxmlformats.org/presentationml/2006/main">
   <p:cSld>
@@ -9418,7 +9319,7 @@
           <a:p>
             <a:r>
               <a:rPr lang="en-US" dirty="0" smtClean="0"/>
-              <a:t>Confusion matrix (Only 5 students)</a:t>
+              <a:t>Performance Evaluation</a:t>
             </a:r>
             <a:endParaRPr lang="en-US" dirty="0"/>
           </a:p>
@@ -9439,10 +9340,231 @@
           <a:bodyPr/>
           <a:lstStyle/>
           <a:p>
-            <a:endParaRPr lang="en-US"/>
+            <a:r>
+              <a:rPr lang="en-US" dirty="0" smtClean="0"/>
+              <a:t>Total of dataset around 1 month 20 days</a:t>
+            </a:r>
+          </a:p>
+          <a:p>
+            <a:r>
+              <a:rPr lang="en-US" dirty="0" smtClean="0"/>
+              <a:t>We </a:t>
+            </a:r>
+            <a:r>
+              <a:rPr lang="en-US" dirty="0" smtClean="0"/>
+              <a:t>Divide </a:t>
+            </a:r>
+            <a:r>
+              <a:rPr lang="en-US" dirty="0" smtClean="0"/>
+              <a:t>all of dataset to two parts </a:t>
+            </a:r>
+            <a:endParaRPr lang="en-US" dirty="0" smtClean="0"/>
+          </a:p>
+          <a:p>
+            <a:pPr lvl="1"/>
+            <a:r>
+              <a:rPr lang="en-US" dirty="0" smtClean="0"/>
+              <a:t>First month </a:t>
+            </a:r>
+            <a:r>
+              <a:rPr lang="en-US" dirty="0" smtClean="0"/>
+              <a:t>for creating model (first dataset)</a:t>
+            </a:r>
+          </a:p>
+          <a:p>
+            <a:pPr lvl="1"/>
+            <a:r>
+              <a:rPr lang="en-US" dirty="0" smtClean="0"/>
+              <a:t>Remaining dataset </a:t>
+            </a:r>
+            <a:r>
+              <a:rPr lang="en-US" dirty="0" smtClean="0"/>
+              <a:t>for testing performance (second dataset)</a:t>
+            </a:r>
+          </a:p>
+          <a:p>
+            <a:r>
+              <a:rPr lang="en-US" dirty="0" smtClean="0"/>
+              <a:t>Modeling user behavior based on first data, </a:t>
+            </a:r>
+          </a:p>
+          <a:p>
+            <a:pPr lvl="1"/>
+            <a:r>
+              <a:rPr lang="en-US" dirty="0"/>
+              <a:t>B</a:t>
+            </a:r>
+            <a:r>
+              <a:rPr lang="en-US" dirty="0" smtClean="0"/>
+              <a:t>1</a:t>
+            </a:r>
+            <a:r>
+              <a:rPr lang="en-US" dirty="0" smtClean="0"/>
+              <a:t>: Behavior model/profile.</a:t>
+            </a:r>
+          </a:p>
+          <a:p>
+            <a:r>
+              <a:rPr lang="en-US" dirty="0" smtClean="0"/>
+              <a:t>Extract and Process the second dataset.</a:t>
+            </a:r>
+          </a:p>
+          <a:p>
+            <a:r>
+              <a:rPr lang="en-US" dirty="0" smtClean="0"/>
+              <a:t>Apply similarity detection to second </a:t>
+            </a:r>
+            <a:r>
+              <a:rPr lang="en-US" dirty="0" smtClean="0"/>
+              <a:t>dataset with same setting. </a:t>
+            </a:r>
+            <a:endParaRPr lang="en-US" dirty="0" smtClean="0"/>
+          </a:p>
+          <a:p>
+            <a:pPr lvl="1"/>
+            <a:r>
+              <a:rPr lang="en-US" dirty="0" smtClean="0"/>
+              <a:t>B2: </a:t>
+            </a:r>
+            <a:r>
+              <a:rPr lang="en-US" dirty="0" smtClean="0"/>
+              <a:t>Set of behavior g</a:t>
+            </a:r>
+            <a:r>
+              <a:rPr lang="en-US" dirty="0" smtClean="0"/>
+              <a:t>roup </a:t>
+            </a:r>
+            <a:r>
+              <a:rPr lang="en-US" dirty="0" smtClean="0"/>
+              <a:t>result from second dataset.</a:t>
+            </a:r>
+          </a:p>
+          <a:p>
+            <a:r>
+              <a:rPr lang="en-US" dirty="0" smtClean="0"/>
+              <a:t>Is the all of B2 identified by Behavior model/profile (B1).</a:t>
+            </a:r>
+            <a:endParaRPr lang="en-US" dirty="0" smtClean="0"/>
+          </a:p>
+          <a:p>
+            <a:r>
+              <a:rPr lang="en-US" dirty="0" smtClean="0"/>
+              <a:t>Calculate group detection, </a:t>
+            </a:r>
+            <a:r>
+              <a:rPr lang="en-US" dirty="0" smtClean="0"/>
+              <a:t>The percentage of data identified.</a:t>
+            </a:r>
+          </a:p>
+          <a:p>
+            <a:r>
+              <a:rPr lang="en-US" dirty="0" smtClean="0"/>
+              <a:t>Implement </a:t>
+            </a:r>
+            <a:r>
+              <a:rPr lang="en-US" dirty="0" smtClean="0"/>
+              <a:t>this approach for Identification</a:t>
+            </a:r>
+            <a:endParaRPr lang="en-US" dirty="0"/>
+          </a:p>
+          <a:p>
+            <a:pPr marL="457200" lvl="1" indent="0">
+              <a:buNone/>
+            </a:pPr>
+            <a:endParaRPr lang="en-US" dirty="0"/>
           </a:p>
         </p:txBody>
       </p:sp>
+    </p:spTree>
+    <p:extLst>
+      <p:ext uri="{BB962C8B-B14F-4D97-AF65-F5344CB8AC3E}">
+        <p14:creationId xmlns:p14="http://schemas.microsoft.com/office/powerpoint/2010/main" val="952036327"/>
+      </p:ext>
+    </p:extLst>
+  </p:cSld>
+  <p:clrMapOvr>
+    <a:masterClrMapping/>
+  </p:clrMapOvr>
+  <p:transition/>
+  <p:timing>
+    <p:tnLst>
+      <p:par>
+        <p:cTn id="1" dur="indefinite" restart="never" nodeType="tmRoot"/>
+      </p:par>
+    </p:tnLst>
+  </p:timing>
+</p:sld>
+</file>
+
+<file path=ppt/slides/slide23.xml><?xml version="1.0" encoding="utf-8"?>
+<p:sld xmlns:a="http://schemas.openxmlformats.org/drawingml/2006/main" xmlns:r="http://schemas.openxmlformats.org/officeDocument/2006/relationships" xmlns:p="http://schemas.openxmlformats.org/presentationml/2006/main">
+  <p:cSld>
+    <p:spTree>
+      <p:nvGrpSpPr>
+        <p:cNvPr id="1" name=""/>
+        <p:cNvGrpSpPr/>
+        <p:nvPr/>
+      </p:nvGrpSpPr>
+      <p:grpSpPr>
+        <a:xfrm>
+          <a:off x="0" y="0"/>
+          <a:ext cx="0" cy="0"/>
+          <a:chOff x="0" y="0"/>
+          <a:chExt cx="0" cy="0"/>
+        </a:xfrm>
+      </p:grpSpPr>
+      <p:sp>
+        <p:nvSpPr>
+          <p:cNvPr id="2" name="Title 1"/>
+          <p:cNvSpPr>
+            <a:spLocks noGrp="1"/>
+          </p:cNvSpPr>
+          <p:nvPr>
+            <p:ph type="title"/>
+          </p:nvPr>
+        </p:nvSpPr>
+        <p:spPr/>
+        <p:txBody>
+          <a:bodyPr/>
+          <a:lstStyle/>
+          <a:p>
+            <a:r>
+              <a:rPr lang="en-US" dirty="0" smtClean="0"/>
+              <a:t>Confusion matrix (Only 10 students)</a:t>
+            </a:r>
+            <a:endParaRPr lang="en-US" dirty="0"/>
+          </a:p>
+        </p:txBody>
+      </p:sp>
+      <p:pic>
+        <p:nvPicPr>
+          <p:cNvPr id="4" name="Content Placeholder 3"/>
+          <p:cNvPicPr>
+            <a:picLocks noGrp="1" noChangeAspect="1"/>
+          </p:cNvPicPr>
+          <p:nvPr>
+            <p:ph idx="1"/>
+          </p:nvPr>
+        </p:nvPicPr>
+        <p:blipFill>
+          <a:blip r:embed="rId2">
+            <a:extLst>
+              <a:ext uri="{28A0092B-C50C-407E-A947-70E740481C1C}">
+                <a14:useLocalDpi xmlns:a14="http://schemas.microsoft.com/office/drawing/2010/main" val="0"/>
+              </a:ext>
+            </a:extLst>
+          </a:blip>
+          <a:stretch>
+            <a:fillRect/>
+          </a:stretch>
+        </p:blipFill>
+        <p:spPr>
+          <a:xfrm>
+            <a:off x="457200" y="1676400"/>
+            <a:ext cx="8229600" cy="2307042"/>
+          </a:xfrm>
+        </p:spPr>
+      </p:pic>
     </p:spTree>
     <p:extLst>
       <p:ext uri="{BB962C8B-B14F-4D97-AF65-F5344CB8AC3E}">
@@ -9454,6 +9576,13 @@
     <a:masterClrMapping/>
   </p:clrMapOvr>
   <p:transition/>
+  <p:timing>
+    <p:tnLst>
+      <p:par>
+        <p:cTn id="1" dur="indefinite" restart="never" nodeType="tmRoot"/>
+      </p:par>
+    </p:tnLst>
+  </p:timing>
 </p:sld>
 </file>
 
@@ -9514,18 +9643,26 @@
           <a:p>
             <a:r>
               <a:rPr lang="en-US" dirty="0"/>
-              <a:t>Alice is research student in one of university in Korea. </a:t>
+              <a:t>Alice is </a:t>
+            </a:r>
+            <a:r>
+              <a:rPr lang="en-US" dirty="0" smtClean="0"/>
+              <a:t>research’s </a:t>
+            </a:r>
+            <a:r>
+              <a:rPr lang="en-US" dirty="0"/>
+              <a:t>student in one of university in Korea. </a:t>
             </a:r>
             <a:endParaRPr lang="en-US" dirty="0" smtClean="0"/>
           </a:p>
           <a:p>
             <a:r>
               <a:rPr lang="en-US" dirty="0" smtClean="0"/>
-              <a:t>Every </a:t>
+              <a:t>Almost every day</a:t>
             </a:r>
             <a:r>
               <a:rPr lang="en-US" dirty="0"/>
-              <a:t>working day, he wakes up, takes a shower, breakfast, and goes to his campus at 8:40 AM. </a:t>
+              <a:t>, he wakes up, takes a shower, breakfast, and goes to his campus at 8:40 AM. </a:t>
             </a:r>
             <a:endParaRPr lang="en-US" dirty="0" smtClean="0"/>
           </a:p>
@@ -9552,6 +9689,9 @@
             <a:endParaRPr lang="en-US" dirty="0" smtClean="0"/>
           </a:p>
           <a:p>
+            <a:pPr marL="0" indent="0">
+              <a:buNone/>
+            </a:pPr>
             <a:endParaRPr lang="en-US" dirty="0"/>
           </a:p>
           <a:p>
@@ -9618,7 +9758,11 @@
           <a:p>
             <a:r>
               <a:rPr lang="en-US" dirty="0" smtClean="0"/>
-              <a:t>Thesis Background and Problem Statement</a:t>
+              <a:t>Thesis Background and Problem </a:t>
+            </a:r>
+            <a:r>
+              <a:rPr lang="en-US" dirty="0" smtClean="0"/>
+              <a:t>Statements</a:t>
             </a:r>
             <a:endParaRPr lang="en-US" dirty="0"/>
           </a:p>
@@ -9661,8 +9805,12 @@
           <a:p>
             <a:pPr lvl="0" algn="just"/>
             <a:r>
+              <a:rPr lang="en-US" sz="1700" dirty="0" smtClean="0"/>
+              <a:t>User </a:t>
+            </a:r>
+            <a:r>
               <a:rPr lang="en-US" sz="1700" dirty="0"/>
-              <a:t>In realistic environment, user has different </a:t>
+              <a:t>has different </a:t>
             </a:r>
             <a:r>
               <a:rPr lang="en-US" sz="1700" dirty="0" smtClean="0"/>
@@ -9730,7 +9878,7 @@
             <a:pPr lvl="0" algn="just"/>
             <a:r>
               <a:rPr lang="en-US" sz="1700" dirty="0" smtClean="0"/>
-              <a:t>Our proposed method tried to deal with those situation.</a:t>
+              <a:t>Our proposed method tried to deal with those situations.</a:t>
             </a:r>
             <a:endParaRPr lang="en-US" sz="1700" dirty="0"/>
           </a:p>
@@ -9999,7 +10147,7 @@
             <a:pPr lvl="1"/>
             <a:r>
               <a:rPr lang="en-US" dirty="0" smtClean="0"/>
-              <a:t>When	(</a:t>
+              <a:t>When (</a:t>
             </a:r>
             <a:r>
               <a:rPr lang="en-US" dirty="0" err="1" smtClean="0"/>
@@ -10007,7 +10155,11 @@
             </a:r>
             <a:r>
               <a:rPr lang="en-US" dirty="0" smtClean="0"/>
-              <a:t> around 9 AM)</a:t>
+              <a:t> </a:t>
+            </a:r>
+            <a:r>
+              <a:rPr lang="en-US" dirty="0" smtClean="0"/>
+              <a:t>around 9 AM)</a:t>
             </a:r>
           </a:p>
           <a:p>

--- a/Thesis-presentation.pptx
+++ b/Thesis-presentation.pptx
@@ -5,32 +5,31 @@
     <p:sldMasterId id="2147483649" r:id="rId1"/>
   </p:sldMasterIdLst>
   <p:notesMasterIdLst>
-    <p:notesMasterId r:id="rId25"/>
+    <p:notesMasterId r:id="rId24"/>
   </p:notesMasterIdLst>
   <p:sldIdLst>
     <p:sldId id="326" r:id="rId2"/>
     <p:sldId id="447" r:id="rId3"/>
-    <p:sldId id="467" r:id="rId4"/>
-    <p:sldId id="459" r:id="rId5"/>
-    <p:sldId id="462" r:id="rId6"/>
+    <p:sldId id="459" r:id="rId4"/>
+    <p:sldId id="462" r:id="rId5"/>
+    <p:sldId id="470" r:id="rId6"/>
     <p:sldId id="448" r:id="rId7"/>
-    <p:sldId id="450" r:id="rId8"/>
-    <p:sldId id="464" r:id="rId9"/>
-    <p:sldId id="452" r:id="rId10"/>
-    <p:sldId id="469" r:id="rId11"/>
-    <p:sldId id="465" r:id="rId12"/>
-    <p:sldId id="454" r:id="rId13"/>
-    <p:sldId id="455" r:id="rId14"/>
-    <p:sldId id="466" r:id="rId15"/>
-    <p:sldId id="456" r:id="rId16"/>
-    <p:sldId id="457" r:id="rId17"/>
-    <p:sldId id="458" r:id="rId18"/>
-    <p:sldId id="441" r:id="rId19"/>
-    <p:sldId id="446" r:id="rId20"/>
-    <p:sldId id="444" r:id="rId21"/>
-    <p:sldId id="442" r:id="rId22"/>
-    <p:sldId id="443" r:id="rId23"/>
-    <p:sldId id="468" r:id="rId24"/>
+    <p:sldId id="464" r:id="rId8"/>
+    <p:sldId id="452" r:id="rId9"/>
+    <p:sldId id="469" r:id="rId10"/>
+    <p:sldId id="465" r:id="rId11"/>
+    <p:sldId id="454" r:id="rId12"/>
+    <p:sldId id="455" r:id="rId13"/>
+    <p:sldId id="466" r:id="rId14"/>
+    <p:sldId id="456" r:id="rId15"/>
+    <p:sldId id="457" r:id="rId16"/>
+    <p:sldId id="458" r:id="rId17"/>
+    <p:sldId id="441" r:id="rId18"/>
+    <p:sldId id="446" r:id="rId19"/>
+    <p:sldId id="444" r:id="rId20"/>
+    <p:sldId id="442" r:id="rId21"/>
+    <p:sldId id="443" r:id="rId22"/>
+    <p:sldId id="468" r:id="rId23"/>
   </p:sldIdLst>
   <p:sldSz cx="9144000" cy="6858000" type="screen4x3"/>
   <p:notesSz cx="6858000" cy="9144000"/>
@@ -3670,11 +3669,7 @@
             </a:pPr>
             <a:r>
               <a:rPr lang="en-US" sz="1600" dirty="0" smtClean="0"/>
-              <a:t>March, </a:t>
-            </a:r>
-            <a:r>
-              <a:rPr lang="en-US" sz="1600" dirty="0" smtClean="0"/>
-              <a:t>26 2015</a:t>
+              <a:t>March, 26 2015</a:t>
             </a:r>
             <a:endParaRPr lang="en-US" sz="1600" dirty="0"/>
           </a:p>
@@ -4024,125 +4019,6 @@
           <a:chExt cx="0" cy="0"/>
         </a:xfrm>
       </p:grpSpPr>
-      <p:pic>
-        <p:nvPicPr>
-          <p:cNvPr id="5" name="Picture 4"/>
-          <p:cNvPicPr>
-            <a:picLocks noChangeAspect="1"/>
-          </p:cNvPicPr>
-          <p:nvPr/>
-        </p:nvPicPr>
-        <p:blipFill>
-          <a:blip r:embed="rId2">
-            <a:extLst>
-              <a:ext uri="{28A0092B-C50C-407E-A947-70E740481C1C}">
-                <a14:useLocalDpi xmlns:a14="http://schemas.microsoft.com/office/drawing/2010/main" val="0"/>
-              </a:ext>
-            </a:extLst>
-          </a:blip>
-          <a:stretch>
-            <a:fillRect/>
-          </a:stretch>
-        </p:blipFill>
-        <p:spPr>
-          <a:xfrm>
-            <a:off x="-76200" y="990600"/>
-            <a:ext cx="7010400" cy="2818431"/>
-          </a:xfrm>
-          <a:prstGeom prst="rect">
-            <a:avLst/>
-          </a:prstGeom>
-        </p:spPr>
-      </p:pic>
-      <p:pic>
-        <p:nvPicPr>
-          <p:cNvPr id="6" name="Picture 5"/>
-          <p:cNvPicPr>
-            <a:picLocks noChangeAspect="1"/>
-          </p:cNvPicPr>
-          <p:nvPr/>
-        </p:nvPicPr>
-        <p:blipFill>
-          <a:blip r:embed="rId3">
-            <a:extLst>
-              <a:ext uri="{28A0092B-C50C-407E-A947-70E740481C1C}">
-                <a14:useLocalDpi xmlns:a14="http://schemas.microsoft.com/office/drawing/2010/main" val="0"/>
-              </a:ext>
-            </a:extLst>
-          </a:blip>
-          <a:stretch>
-            <a:fillRect/>
-          </a:stretch>
-        </p:blipFill>
-        <p:spPr>
-          <a:xfrm>
-            <a:off x="2133600" y="3839511"/>
-            <a:ext cx="6858000" cy="2631301"/>
-          </a:xfrm>
-          <a:prstGeom prst="rect">
-            <a:avLst/>
-          </a:prstGeom>
-        </p:spPr>
-      </p:pic>
-      <p:sp>
-        <p:nvSpPr>
-          <p:cNvPr id="11" name="Title 1"/>
-          <p:cNvSpPr>
-            <a:spLocks noGrp="1"/>
-          </p:cNvSpPr>
-          <p:nvPr>
-            <p:ph type="title"/>
-          </p:nvPr>
-        </p:nvSpPr>
-        <p:spPr>
-          <a:xfrm>
-            <a:off x="304800" y="304800"/>
-            <a:ext cx="8229600" cy="762000"/>
-          </a:xfrm>
-        </p:spPr>
-        <p:txBody>
-          <a:bodyPr/>
-          <a:lstStyle/>
-          <a:p>
-            <a:r>
-              <a:rPr lang="en-US" dirty="0" smtClean="0"/>
-              <a:t>Example data plot from two of students</a:t>
-            </a:r>
-            <a:endParaRPr lang="en-US" dirty="0"/>
-          </a:p>
-        </p:txBody>
-      </p:sp>
-    </p:spTree>
-    <p:extLst>
-      <p:ext uri="{BB962C8B-B14F-4D97-AF65-F5344CB8AC3E}">
-        <p14:creationId xmlns:p14="http://schemas.microsoft.com/office/powerpoint/2010/main" val="701702489"/>
-      </p:ext>
-    </p:extLst>
-  </p:cSld>
-  <p:clrMapOvr>
-    <a:masterClrMapping/>
-  </p:clrMapOvr>
-  <p:transition/>
-</p:sld>
-</file>
-
-<file path=ppt/slides/slide11.xml><?xml version="1.0" encoding="utf-8"?>
-<p:sld xmlns:a="http://schemas.openxmlformats.org/drawingml/2006/main" xmlns:r="http://schemas.openxmlformats.org/officeDocument/2006/relationships" xmlns:p="http://schemas.openxmlformats.org/presentationml/2006/main">
-  <p:cSld>
-    <p:spTree>
-      <p:nvGrpSpPr>
-        <p:cNvPr id="1" name=""/>
-        <p:cNvGrpSpPr/>
-        <p:nvPr/>
-      </p:nvGrpSpPr>
-      <p:grpSpPr>
-        <a:xfrm>
-          <a:off x="0" y="0"/>
-          <a:ext cx="0" cy="0"/>
-          <a:chOff x="0" y="0"/>
-          <a:chExt cx="0" cy="0"/>
-        </a:xfrm>
-      </p:grpSpPr>
       <p:sp>
         <p:nvSpPr>
           <p:cNvPr id="2" name="Title 1"/>
@@ -4206,11 +4082,7 @@
             </a:r>
             <a:r>
               <a:rPr lang="en-US" dirty="0" smtClean="0"/>
-              <a:t>emoving duplication and noisy </a:t>
-            </a:r>
-            <a:r>
-              <a:rPr lang="en-US" dirty="0" smtClean="0"/>
-              <a:t>data</a:t>
+              <a:t>emoving duplication and noisy data</a:t>
             </a:r>
           </a:p>
           <a:p>
@@ -4219,7 +4091,6 @@
               <a:rPr lang="en-US" dirty="0" smtClean="0"/>
               <a:t>Select the most important data</a:t>
             </a:r>
-            <a:endParaRPr lang="en-US" dirty="0" smtClean="0"/>
           </a:p>
           <a:p>
             <a:r>
@@ -4236,13 +4107,8 @@
             <a:pPr lvl="1"/>
             <a:r>
               <a:rPr lang="en-US" dirty="0" smtClean="0"/>
-              <a:t>Features </a:t>
-            </a:r>
-            <a:r>
-              <a:rPr lang="en-US" dirty="0" smtClean="0"/>
-              <a:t>Extraction applied in here</a:t>
-            </a:r>
-            <a:endParaRPr lang="en-US" dirty="0" smtClean="0"/>
+              <a:t>Features Extraction applied in here</a:t>
+            </a:r>
           </a:p>
           <a:p>
             <a:pPr lvl="1"/>
@@ -4532,15 +4398,7 @@
                   <a:srgbClr val="000000"/>
                 </a:solidFill>
               </a:rPr>
-              <a:t>Adding new values based on </a:t>
-            </a:r>
-            <a:r>
-              <a:rPr lang="en-US" sz="1800" b="0" kern="0" dirty="0" smtClean="0">
-                <a:solidFill>
-                  <a:srgbClr val="000000"/>
-                </a:solidFill>
-              </a:rPr>
-              <a:t>features</a:t>
+              <a:t>Adding new values based on features</a:t>
             </a:r>
           </a:p>
           <a:p>
@@ -4553,11 +4411,6 @@
               </a:rPr>
               <a:t>Fitting the dataset before modeling behavior applied</a:t>
             </a:r>
-            <a:endParaRPr lang="en-US" sz="1800" b="0" kern="0" dirty="0" smtClean="0">
-              <a:solidFill>
-                <a:srgbClr val="000000"/>
-              </a:solidFill>
-            </a:endParaRPr>
           </a:p>
           <a:p>
             <a:pPr lvl="1"/>
@@ -4600,7 +4453,7 @@
 </p:sld>
 </file>
 
-<file path=ppt/slides/slide12.xml><?xml version="1.0" encoding="utf-8"?>
+<file path=ppt/slides/slide11.xml><?xml version="1.0" encoding="utf-8"?>
 <p:sld xmlns:a="http://schemas.openxmlformats.org/drawingml/2006/main" xmlns:r="http://schemas.openxmlformats.org/officeDocument/2006/relationships" xmlns:p="http://schemas.openxmlformats.org/presentationml/2006/main">
   <p:cSld>
     <p:spTree>
@@ -4664,7 +4517,7 @@
         </p:blipFill>
         <p:spPr>
           <a:xfrm>
-            <a:off x="459971" y="1524000"/>
+            <a:off x="447502" y="1905000"/>
             <a:ext cx="4645429" cy="2194412"/>
           </a:xfrm>
         </p:spPr>
@@ -4679,8 +4532,8 @@
         </p:nvSpPr>
         <p:spPr bwMode="auto">
           <a:xfrm>
-            <a:off x="5105400" y="1447800"/>
-            <a:ext cx="3835458" cy="4525963"/>
+            <a:off x="5105400" y="1752600"/>
+            <a:ext cx="3835458" cy="4221163"/>
           </a:xfrm>
           <a:prstGeom prst="rect">
             <a:avLst/>
@@ -4886,11 +4739,11 @@
               <a:buAutoNum type="arabicPeriod"/>
             </a:pPr>
             <a:r>
-              <a:rPr lang="en-US" sz="1600" b="0" dirty="0" err="1" smtClean="0"/>
+              <a:rPr lang="en-US" sz="1400" b="0" dirty="0" err="1" smtClean="0"/>
               <a:t>Funf</a:t>
             </a:r>
             <a:r>
-              <a:rPr lang="en-US" sz="1600" b="0" dirty="0" smtClean="0"/>
+              <a:rPr lang="en-US" sz="1400" b="0" dirty="0" smtClean="0"/>
               <a:t> lib has problem in historical data such as SMS and call log. </a:t>
             </a:r>
           </a:p>
@@ -4903,11 +4756,11 @@
               <a:buAutoNum type="arabicPeriod"/>
             </a:pPr>
             <a:r>
-              <a:rPr lang="en-US" sz="1600" b="0" dirty="0"/>
+              <a:rPr lang="en-US" sz="1400" b="0" dirty="0"/>
               <a:t>We use 86400 second interval, means the application copy those data from android database system to our application database once every </a:t>
             </a:r>
             <a:r>
-              <a:rPr lang="en-US" sz="1600" b="0" dirty="0" smtClean="0"/>
+              <a:rPr lang="en-US" sz="1400" b="0" dirty="0" smtClean="0"/>
               <a:t>day.</a:t>
             </a:r>
           </a:p>
@@ -4920,7 +4773,7 @@
               <a:buAutoNum type="arabicPeriod"/>
             </a:pPr>
             <a:r>
-              <a:rPr lang="en-US" sz="1600" b="0" kern="0" dirty="0" smtClean="0"/>
+              <a:rPr lang="en-US" sz="1400" b="0" kern="0" dirty="0" smtClean="0"/>
               <a:t>It makes duplication in our database.</a:t>
             </a:r>
           </a:p>
@@ -4933,7 +4786,7 @@
               <a:buAutoNum type="arabicPeriod"/>
             </a:pPr>
             <a:r>
-              <a:rPr lang="en-US" sz="1600" b="0" kern="0" dirty="0" smtClean="0"/>
+              <a:rPr lang="en-US" sz="1400" b="0" kern="0" dirty="0" smtClean="0"/>
               <a:t>The function of this module are:</a:t>
             </a:r>
           </a:p>
@@ -4942,11 +4795,9 @@
               <a:spcBef>
                 <a:spcPts val="600"/>
               </a:spcBef>
-              <a:buFont typeface="+mj-lt"/>
-              <a:buAutoNum type="arabicPeriod"/>
             </a:pPr>
             <a:r>
-              <a:rPr lang="en-US" sz="1600" b="0" kern="0" dirty="0" smtClean="0"/>
+              <a:rPr lang="en-US" sz="1400" b="0" kern="0" dirty="0" smtClean="0"/>
               <a:t>Removing duplication</a:t>
             </a:r>
           </a:p>
@@ -4955,11 +4806,9 @@
               <a:spcBef>
                 <a:spcPts val="600"/>
               </a:spcBef>
-              <a:buFont typeface="+mj-lt"/>
-              <a:buAutoNum type="arabicPeriod"/>
             </a:pPr>
             <a:r>
-              <a:rPr lang="en-US" sz="1600" b="0" kern="0" dirty="0" smtClean="0"/>
+              <a:rPr lang="en-US" sz="1400" b="0" kern="0" dirty="0" smtClean="0"/>
               <a:t>Data cleansing</a:t>
             </a:r>
           </a:p>
@@ -4968,11 +4817,9 @@
               <a:spcBef>
                 <a:spcPts val="600"/>
               </a:spcBef>
-              <a:buFont typeface="+mj-lt"/>
-              <a:buAutoNum type="arabicPeriod"/>
             </a:pPr>
             <a:r>
-              <a:rPr lang="en-US" sz="1600" b="0" kern="0" dirty="0" smtClean="0"/>
+              <a:rPr lang="en-US" sz="1400" b="0" kern="0" dirty="0" smtClean="0"/>
               <a:t>Features separation</a:t>
             </a:r>
           </a:p>
@@ -4999,7 +4846,7 @@
 </p:sld>
 </file>
 
-<file path=ppt/slides/slide13.xml><?xml version="1.0" encoding="utf-8"?>
+<file path=ppt/slides/slide12.xml><?xml version="1.0" encoding="utf-8"?>
 <p:sld xmlns:a="http://schemas.openxmlformats.org/drawingml/2006/main" xmlns:r="http://schemas.openxmlformats.org/officeDocument/2006/relationships" xmlns:p="http://schemas.openxmlformats.org/presentationml/2006/main">
   <p:cSld>
     <p:spTree>
@@ -5043,7 +4890,6 @@
               <a:rPr lang="en-US" dirty="0"/>
               <a:t>data looks like</a:t>
             </a:r>
-            <a:endParaRPr lang="en-US" dirty="0"/>
           </a:p>
         </p:txBody>
       </p:sp>
@@ -5128,7 +4974,7 @@
 </p:sld>
 </file>
 
-<file path=ppt/slides/slide14.xml><?xml version="1.0" encoding="utf-8"?>
+<file path=ppt/slides/slide13.xml><?xml version="1.0" encoding="utf-8"?>
 <p:sld xmlns:a="http://schemas.openxmlformats.org/drawingml/2006/main" xmlns:r="http://schemas.openxmlformats.org/officeDocument/2006/relationships" xmlns:p="http://schemas.openxmlformats.org/presentationml/2006/main">
   <p:cSld>
     <p:spTree>
@@ -5211,7 +5057,7 @@
 </p:sld>
 </file>
 
-<file path=ppt/slides/slide15.xml><?xml version="1.0" encoding="utf-8"?>
+<file path=ppt/slides/slide14.xml><?xml version="1.0" encoding="utf-8"?>
 <p:sld xmlns:a="http://schemas.openxmlformats.org/drawingml/2006/main" xmlns:r="http://schemas.openxmlformats.org/officeDocument/2006/relationships" xmlns:p="http://schemas.openxmlformats.org/presentationml/2006/main">
   <p:cSld>
     <p:spTree>
@@ -5252,7 +5098,6 @@
               <a:rPr lang="en-US" dirty="0"/>
               <a:t>Preprocessing II output data looks like</a:t>
             </a:r>
-            <a:endParaRPr lang="en-US" dirty="0"/>
           </a:p>
         </p:txBody>
       </p:sp>
@@ -5307,7 +5152,7 @@
 </p:sld>
 </file>
 
-<file path=ppt/slides/slide16.xml><?xml version="1.0" encoding="utf-8"?>
+<file path=ppt/slides/slide15.xml><?xml version="1.0" encoding="utf-8"?>
 <p:sld xmlns:a="http://schemas.openxmlformats.org/drawingml/2006/main" xmlns:r="http://schemas.openxmlformats.org/officeDocument/2006/relationships" xmlns:p="http://schemas.openxmlformats.org/presentationml/2006/main">
   <p:cSld>
     <p:spTree>
@@ -5407,7 +5252,23 @@
             <a:pPr lvl="1"/>
             <a:r>
               <a:rPr lang="en-US" dirty="0"/>
-              <a:t>0.0001 degree = 11.1132 m (“little”: “between 0.0001 ~ 0.0005”</a:t>
+              <a:t>0.0001 degree = 11.1132 m (“little”: “between </a:t>
+            </a:r>
+            <a:r>
+              <a:rPr lang="en-US" dirty="0" smtClean="0"/>
+              <a:t>0.001 </a:t>
+            </a:r>
+            <a:r>
+              <a:rPr lang="en-US" dirty="0"/>
+              <a:t>~ </a:t>
+            </a:r>
+            <a:r>
+              <a:rPr lang="en-US" dirty="0" smtClean="0"/>
+              <a:t>0.005</a:t>
+            </a:r>
+            <a:r>
+              <a:rPr lang="en-US" dirty="0"/>
+              <a:t>”</a:t>
             </a:r>
             <a:r>
               <a:rPr lang="en-US" dirty="0" smtClean="0"/>
@@ -5417,39 +5278,11 @@
           <a:p>
             <a:r>
               <a:rPr lang="en-US" dirty="0" smtClean="0"/>
-              <a:t> Battery : shows != discharging</a:t>
-            </a:r>
-          </a:p>
-          <a:p>
-            <a:r>
-              <a:rPr lang="en-US" dirty="0"/>
-              <a:t> </a:t>
+              <a:t>Aggregate </a:t>
             </a:r>
             <a:r>
               <a:rPr lang="en-US" dirty="0" smtClean="0"/>
-              <a:t>Screen Status : </a:t>
-            </a:r>
-            <a:r>
-              <a:rPr lang="en-US" dirty="0" smtClean="0"/>
-              <a:t>screen </a:t>
-            </a:r>
-            <a:r>
-              <a:rPr lang="en-US" dirty="0" smtClean="0"/>
-              <a:t>OFF only</a:t>
-            </a:r>
-          </a:p>
-          <a:p>
-            <a:r>
-              <a:rPr lang="en-US" dirty="0" smtClean="0"/>
-              <a:t>Aggregate </a:t>
-            </a:r>
-            <a:r>
-              <a:rPr lang="en-US" dirty="0" smtClean="0"/>
-              <a:t>values of Wi-Fi and </a:t>
-            </a:r>
-            <a:r>
-              <a:rPr lang="en-US" dirty="0" smtClean="0"/>
-              <a:t>Bluetooth</a:t>
+              <a:t>values of Wi-Fi and Bluetooth</a:t>
             </a:r>
           </a:p>
           <a:p>
@@ -5461,7 +5294,6 @@
               <a:rPr lang="en-US" dirty="0" smtClean="0"/>
               <a:t>probe.</a:t>
             </a:r>
-            <a:endParaRPr lang="en-US" dirty="0" smtClean="0"/>
           </a:p>
           <a:p>
             <a:pPr marL="457200" lvl="1" indent="0">
@@ -5492,7 +5324,7 @@
 </p:sld>
 </file>
 
-<file path=ppt/slides/slide17.xml><?xml version="1.0" encoding="utf-8"?>
+<file path=ppt/slides/slide16.xml><?xml version="1.0" encoding="utf-8"?>
 <p:sld xmlns:a="http://schemas.openxmlformats.org/drawingml/2006/main" xmlns:r="http://schemas.openxmlformats.org/officeDocument/2006/relationships" xmlns:p="http://schemas.openxmlformats.org/presentationml/2006/main">
   <p:cSld>
     <p:spTree>
@@ -5588,7 +5420,7 @@
 </p:sld>
 </file>
 
-<file path=ppt/slides/slide18.xml><?xml version="1.0" encoding="utf-8"?>
+<file path=ppt/slides/slide17.xml><?xml version="1.0" encoding="utf-8"?>
 <p:sld xmlns:a="http://schemas.openxmlformats.org/drawingml/2006/main" xmlns:r="http://schemas.openxmlformats.org/officeDocument/2006/relationships" xmlns:p="http://schemas.openxmlformats.org/presentationml/2006/main">
   <p:cSld>
     <p:spTree>
@@ -5682,15 +5514,7 @@
             </a:pPr>
             <a:r>
               <a:rPr lang="en-US" dirty="0" smtClean="0"/>
-              <a:t>Behavior means set of group activities which has (* similar </a:t>
-            </a:r>
-            <a:r>
-              <a:rPr lang="en-US" dirty="0" smtClean="0"/>
-              <a:t>time and similar </a:t>
-            </a:r>
-            <a:r>
-              <a:rPr lang="en-US" dirty="0" smtClean="0"/>
-              <a:t>activity).  </a:t>
+              <a:t>Behavior means set of group activities which has (* similar time and similar activity).  </a:t>
             </a:r>
           </a:p>
         </p:txBody>
@@ -6581,7 +6405,7 @@
 </p:sld>
 </file>
 
-<file path=ppt/slides/slide19.xml><?xml version="1.0" encoding="utf-8"?>
+<file path=ppt/slides/slide18.xml><?xml version="1.0" encoding="utf-8"?>
 <p:sld xmlns:a="http://schemas.openxmlformats.org/drawingml/2006/main" xmlns:r="http://schemas.openxmlformats.org/officeDocument/2006/relationships" xmlns:p="http://schemas.openxmlformats.org/presentationml/2006/main">
   <p:cSld>
     <p:spTree>
@@ -8280,6 +8104,712 @@
 </p:sld>
 </file>
 
+<file path=ppt/slides/slide19.xml><?xml version="1.0" encoding="utf-8"?>
+<p:sld xmlns:a="http://schemas.openxmlformats.org/drawingml/2006/main" xmlns:r="http://schemas.openxmlformats.org/officeDocument/2006/relationships" xmlns:p="http://schemas.openxmlformats.org/presentationml/2006/main">
+  <p:cSld>
+    <p:spTree>
+      <p:nvGrpSpPr>
+        <p:cNvPr id="1" name=""/>
+        <p:cNvGrpSpPr/>
+        <p:nvPr/>
+      </p:nvGrpSpPr>
+      <p:grpSpPr>
+        <a:xfrm>
+          <a:off x="0" y="0"/>
+          <a:ext cx="0" cy="0"/>
+          <a:chOff x="0" y="0"/>
+          <a:chExt cx="0" cy="0"/>
+        </a:xfrm>
+      </p:grpSpPr>
+      <p:sp>
+        <p:nvSpPr>
+          <p:cNvPr id="2" name="Title 1"/>
+          <p:cNvSpPr>
+            <a:spLocks noGrp="1"/>
+          </p:cNvSpPr>
+          <p:nvPr>
+            <p:ph type="title"/>
+          </p:nvPr>
+        </p:nvSpPr>
+        <p:spPr/>
+        <p:txBody>
+          <a:bodyPr/>
+          <a:lstStyle/>
+          <a:p>
+            <a:r>
+              <a:rPr lang="en-US" dirty="0" smtClean="0"/>
+              <a:t>Algorithm (Similarity Detection)</a:t>
+            </a:r>
+            <a:endParaRPr lang="en-US" dirty="0"/>
+          </a:p>
+        </p:txBody>
+      </p:sp>
+      <p:sp>
+        <p:nvSpPr>
+          <p:cNvPr id="3" name="Content Placeholder 2"/>
+          <p:cNvSpPr>
+            <a:spLocks noGrp="1"/>
+          </p:cNvSpPr>
+          <p:nvPr>
+            <p:ph idx="1"/>
+          </p:nvPr>
+        </p:nvSpPr>
+        <p:spPr>
+          <a:xfrm>
+            <a:off x="457200" y="1371600"/>
+            <a:ext cx="8229600" cy="4525963"/>
+          </a:xfrm>
+        </p:spPr>
+        <p:txBody>
+          <a:bodyPr/>
+          <a:lstStyle/>
+          <a:p>
+            <a:pPr marL="0" indent="0">
+              <a:buNone/>
+            </a:pPr>
+            <a:r>
+              <a:rPr lang="en-US" sz="1600" b="1" dirty="0" smtClean="0">
+                <a:latin typeface="Courier"/>
+                <a:cs typeface="Courier"/>
+              </a:rPr>
+              <a:t>Data</a:t>
+            </a:r>
+            <a:r>
+              <a:rPr lang="en-US" sz="1600" dirty="0" smtClean="0">
+                <a:latin typeface="Courier"/>
+                <a:cs typeface="Courier"/>
+              </a:rPr>
+              <a:t> : D, w</a:t>
+            </a:r>
+          </a:p>
+          <a:p>
+            <a:pPr marL="0" indent="0">
+              <a:buNone/>
+            </a:pPr>
+            <a:r>
+              <a:rPr lang="en-US" sz="1600" b="1" dirty="0" smtClean="0">
+                <a:latin typeface="Courier"/>
+                <a:cs typeface="Courier"/>
+              </a:rPr>
+              <a:t>Result</a:t>
+            </a:r>
+            <a:r>
+              <a:rPr lang="en-US" sz="1600" dirty="0" smtClean="0">
+                <a:latin typeface="Courier"/>
+                <a:cs typeface="Courier"/>
+              </a:rPr>
+              <a:t> : All Detected Group in a Window</a:t>
+            </a:r>
+          </a:p>
+          <a:p>
+            <a:pPr marL="0" indent="0">
+              <a:buNone/>
+            </a:pPr>
+            <a:r>
+              <a:rPr lang="en-US" sz="1600" dirty="0" err="1" smtClean="0">
+                <a:latin typeface="Courier"/>
+                <a:cs typeface="Courier"/>
+              </a:rPr>
+              <a:t>grpAll</a:t>
+            </a:r>
+            <a:r>
+              <a:rPr lang="en-US" sz="1600" dirty="0" smtClean="0">
+                <a:latin typeface="Courier"/>
+                <a:cs typeface="Courier"/>
+              </a:rPr>
+              <a:t>, </a:t>
+            </a:r>
+            <a:r>
+              <a:rPr lang="en-US" sz="1600" dirty="0" err="1" smtClean="0">
+                <a:latin typeface="Courier"/>
+                <a:cs typeface="Courier"/>
+              </a:rPr>
+              <a:t>grpTemp</a:t>
+            </a:r>
+            <a:r>
+              <a:rPr lang="en-US" sz="1600" dirty="0" smtClean="0">
+                <a:latin typeface="Courier"/>
+                <a:cs typeface="Courier"/>
+              </a:rPr>
+              <a:t>, </a:t>
+            </a:r>
+            <a:r>
+              <a:rPr lang="en-US" sz="1600" dirty="0" err="1" smtClean="0">
+                <a:latin typeface="Courier"/>
+                <a:cs typeface="Courier"/>
+              </a:rPr>
+              <a:t>grpPrevious</a:t>
+            </a:r>
+            <a:r>
+              <a:rPr lang="en-US" sz="1600" dirty="0" smtClean="0">
+                <a:latin typeface="Courier"/>
+                <a:cs typeface="Courier"/>
+              </a:rPr>
+              <a:t>&lt;- NULL</a:t>
+            </a:r>
+          </a:p>
+          <a:p>
+            <a:pPr marL="0" indent="0">
+              <a:buNone/>
+            </a:pPr>
+            <a:r>
+              <a:rPr lang="en-US" sz="1600" dirty="0" err="1" smtClean="0">
+                <a:latin typeface="Courier"/>
+                <a:cs typeface="Courier"/>
+              </a:rPr>
+              <a:t>dataValue</a:t>
+            </a:r>
+            <a:r>
+              <a:rPr lang="en-US" sz="1600" dirty="0" smtClean="0">
+                <a:latin typeface="Courier"/>
+                <a:cs typeface="Courier"/>
+              </a:rPr>
+              <a:t>, </a:t>
+            </a:r>
+            <a:r>
+              <a:rPr lang="en-US" sz="1600" dirty="0" err="1" smtClean="0">
+                <a:latin typeface="Courier"/>
+                <a:cs typeface="Courier"/>
+              </a:rPr>
+              <a:t>dataValueNext</a:t>
+            </a:r>
+            <a:r>
+              <a:rPr lang="en-US" sz="1600" dirty="0" smtClean="0">
+                <a:latin typeface="Courier"/>
+                <a:cs typeface="Courier"/>
+              </a:rPr>
+              <a:t> &lt;- NULL</a:t>
+            </a:r>
+          </a:p>
+          <a:p>
+            <a:pPr marL="0" indent="0">
+              <a:buNone/>
+            </a:pPr>
+            <a:r>
+              <a:rPr lang="en-US" sz="1600" b="1" dirty="0">
+                <a:latin typeface="Courier"/>
+                <a:cs typeface="Courier"/>
+              </a:rPr>
+              <a:t>w</a:t>
+            </a:r>
+            <a:r>
+              <a:rPr lang="en-US" sz="1600" b="1" dirty="0" smtClean="0">
+                <a:latin typeface="Courier"/>
+                <a:cs typeface="Courier"/>
+              </a:rPr>
+              <a:t>hile</a:t>
+            </a:r>
+            <a:r>
+              <a:rPr lang="en-US" sz="1600" dirty="0" smtClean="0">
+                <a:latin typeface="Courier"/>
+                <a:cs typeface="Courier"/>
+              </a:rPr>
+              <a:t> (D in w) for all of D </a:t>
+            </a:r>
+            <a:r>
+              <a:rPr lang="en-US" sz="1600" b="1" dirty="0" smtClean="0">
+                <a:latin typeface="Courier"/>
+                <a:cs typeface="Courier"/>
+              </a:rPr>
+              <a:t>do</a:t>
+            </a:r>
+          </a:p>
+          <a:p>
+            <a:pPr marL="400050" lvl="1" indent="0">
+              <a:buNone/>
+            </a:pPr>
+            <a:r>
+              <a:rPr lang="en-US" sz="1400" dirty="0" err="1" smtClean="0">
+                <a:latin typeface="Courier"/>
+                <a:cs typeface="Courier"/>
+              </a:rPr>
+              <a:t>dataValue</a:t>
+            </a:r>
+            <a:r>
+              <a:rPr lang="en-US" sz="1400" dirty="0" smtClean="0">
+                <a:latin typeface="Courier"/>
+                <a:cs typeface="Courier"/>
+              </a:rPr>
+              <a:t> &lt;- </a:t>
+            </a:r>
+            <a:r>
+              <a:rPr lang="en-US" sz="1400" dirty="0" err="1" smtClean="0">
+                <a:latin typeface="Courier"/>
+                <a:cs typeface="Courier"/>
+              </a:rPr>
+              <a:t>D.current.day</a:t>
+            </a:r>
+            <a:endParaRPr lang="en-US" sz="1400" dirty="0" smtClean="0">
+              <a:latin typeface="Courier"/>
+              <a:cs typeface="Courier"/>
+            </a:endParaRPr>
+          </a:p>
+          <a:p>
+            <a:pPr marL="400050" lvl="1" indent="0">
+              <a:buNone/>
+            </a:pPr>
+            <a:r>
+              <a:rPr lang="en-US" sz="1400" dirty="0" err="1" smtClean="0">
+                <a:latin typeface="Courier"/>
+                <a:cs typeface="Courier"/>
+              </a:rPr>
+              <a:t>dataValueNext</a:t>
+            </a:r>
+            <a:r>
+              <a:rPr lang="en-US" sz="1400" dirty="0" smtClean="0">
+                <a:latin typeface="Courier"/>
+                <a:cs typeface="Courier"/>
+              </a:rPr>
+              <a:t> &lt;- </a:t>
+            </a:r>
+            <a:r>
+              <a:rPr lang="en-US" sz="1400" dirty="0" err="1" smtClean="0">
+                <a:latin typeface="Courier"/>
+                <a:cs typeface="Courier"/>
+              </a:rPr>
+              <a:t>D.next.day</a:t>
+            </a:r>
+            <a:endParaRPr lang="en-US" sz="1400" dirty="0" smtClean="0">
+              <a:latin typeface="Courier"/>
+              <a:cs typeface="Courier"/>
+            </a:endParaRPr>
+          </a:p>
+          <a:p>
+            <a:pPr marL="400050" lvl="1" indent="0">
+              <a:buNone/>
+            </a:pPr>
+            <a:r>
+              <a:rPr lang="en-US" sz="1400" dirty="0" err="1" smtClean="0">
+                <a:latin typeface="Courier"/>
+                <a:cs typeface="Courier"/>
+              </a:rPr>
+              <a:t>grpTemp</a:t>
+            </a:r>
+            <a:r>
+              <a:rPr lang="en-US" sz="1400" dirty="0" smtClean="0">
+                <a:latin typeface="Courier"/>
+                <a:cs typeface="Courier"/>
+              </a:rPr>
+              <a:t> &lt;- </a:t>
+            </a:r>
+            <a:r>
+              <a:rPr lang="en-US" sz="1400" i="1" dirty="0" err="1" smtClean="0">
+                <a:latin typeface="Courier"/>
+                <a:cs typeface="Courier"/>
+              </a:rPr>
+              <a:t>findingSimilarPatterns</a:t>
+            </a:r>
+            <a:r>
+              <a:rPr lang="en-US" sz="1400" dirty="0" smtClean="0">
+                <a:latin typeface="Courier"/>
+                <a:cs typeface="Courier"/>
+              </a:rPr>
+              <a:t>(</a:t>
+            </a:r>
+            <a:r>
+              <a:rPr lang="en-US" sz="1400" dirty="0" err="1" smtClean="0">
+                <a:latin typeface="Courier"/>
+                <a:cs typeface="Courier"/>
+              </a:rPr>
+              <a:t>dataValue</a:t>
+            </a:r>
+            <a:r>
+              <a:rPr lang="en-US" sz="1400" dirty="0" smtClean="0">
+                <a:latin typeface="Courier"/>
+                <a:cs typeface="Courier"/>
+              </a:rPr>
+              <a:t>, </a:t>
+            </a:r>
+            <a:r>
+              <a:rPr lang="en-US" sz="1400" dirty="0" err="1" smtClean="0">
+                <a:latin typeface="Courier"/>
+                <a:cs typeface="Courier"/>
+              </a:rPr>
+              <a:t>dataValueNext</a:t>
+            </a:r>
+            <a:r>
+              <a:rPr lang="en-US" sz="1400" dirty="0" smtClean="0">
+                <a:latin typeface="Courier"/>
+                <a:cs typeface="Courier"/>
+              </a:rPr>
+              <a:t>)</a:t>
+            </a:r>
+          </a:p>
+          <a:p>
+            <a:pPr marL="400050" lvl="1" indent="0">
+              <a:buNone/>
+            </a:pPr>
+            <a:endParaRPr lang="en-US" sz="1400" dirty="0" smtClean="0">
+              <a:latin typeface="Courier"/>
+              <a:cs typeface="Courier"/>
+            </a:endParaRPr>
+          </a:p>
+          <a:p>
+            <a:pPr marL="400050" lvl="1" indent="0">
+              <a:buNone/>
+            </a:pPr>
+            <a:r>
+              <a:rPr lang="en-US" sz="1400" dirty="0">
+                <a:latin typeface="Courier"/>
+                <a:cs typeface="Courier"/>
+              </a:rPr>
+              <a:t>i</a:t>
+            </a:r>
+            <a:r>
+              <a:rPr lang="en-US" sz="1400" dirty="0" smtClean="0">
+                <a:latin typeface="Courier"/>
+                <a:cs typeface="Courier"/>
+              </a:rPr>
+              <a:t>f </a:t>
+            </a:r>
+            <a:r>
+              <a:rPr lang="en-US" sz="1400" i="1" dirty="0" smtClean="0">
+                <a:latin typeface="Courier"/>
+                <a:cs typeface="Courier"/>
+              </a:rPr>
+              <a:t>(</a:t>
+            </a:r>
+            <a:r>
+              <a:rPr lang="en-US" sz="1400" dirty="0" err="1" smtClean="0">
+                <a:latin typeface="Courier"/>
+                <a:cs typeface="Courier"/>
+              </a:rPr>
+              <a:t>grpTemp</a:t>
+            </a:r>
+            <a:r>
+              <a:rPr lang="en-US" sz="1400" i="1" dirty="0" smtClean="0">
+                <a:latin typeface="Courier"/>
+                <a:cs typeface="Courier"/>
+              </a:rPr>
+              <a:t> in </a:t>
+            </a:r>
+            <a:r>
+              <a:rPr lang="en-US" sz="1400" dirty="0" err="1" smtClean="0">
+                <a:latin typeface="Courier"/>
+                <a:cs typeface="Courier"/>
+              </a:rPr>
+              <a:t>grpPrevious</a:t>
+            </a:r>
+            <a:r>
+              <a:rPr lang="en-US" sz="1400" i="1" dirty="0" smtClean="0">
+                <a:latin typeface="Courier"/>
+                <a:cs typeface="Courier"/>
+              </a:rPr>
+              <a:t>)</a:t>
+            </a:r>
+            <a:r>
+              <a:rPr lang="en-US" sz="1400" dirty="0" smtClean="0">
+                <a:latin typeface="Courier"/>
+                <a:cs typeface="Courier"/>
+              </a:rPr>
+              <a:t>then</a:t>
+            </a:r>
+          </a:p>
+          <a:p>
+            <a:pPr marL="400050" lvl="1" indent="0">
+              <a:buNone/>
+            </a:pPr>
+            <a:r>
+              <a:rPr lang="en-US" sz="1400" dirty="0" smtClean="0">
+                <a:latin typeface="Courier"/>
+                <a:cs typeface="Courier"/>
+              </a:rPr>
+              <a:t>	</a:t>
+            </a:r>
+            <a:r>
+              <a:rPr lang="en-US" sz="1400" dirty="0" err="1" smtClean="0">
+                <a:latin typeface="Courier"/>
+                <a:cs typeface="Courier"/>
+              </a:rPr>
+              <a:t>grpNew</a:t>
+            </a:r>
+            <a:r>
+              <a:rPr lang="en-US" sz="1400" dirty="0" smtClean="0">
+                <a:latin typeface="Courier"/>
+                <a:cs typeface="Courier"/>
+              </a:rPr>
+              <a:t> &lt;- </a:t>
+            </a:r>
+            <a:r>
+              <a:rPr lang="en-US" sz="1400" i="1" dirty="0" smtClean="0">
+                <a:latin typeface="Courier"/>
+                <a:cs typeface="Courier"/>
+              </a:rPr>
+              <a:t>merge</a:t>
+            </a:r>
+            <a:r>
+              <a:rPr lang="en-US" sz="1400" dirty="0" smtClean="0">
+                <a:latin typeface="Courier"/>
+                <a:cs typeface="Courier"/>
+              </a:rPr>
+              <a:t>(</a:t>
+            </a:r>
+            <a:r>
+              <a:rPr lang="en-US" sz="1400" dirty="0" err="1">
+                <a:latin typeface="Courier"/>
+                <a:cs typeface="Courier"/>
+              </a:rPr>
+              <a:t>grpPrevious</a:t>
+            </a:r>
+            <a:r>
+              <a:rPr lang="en-US" sz="1400" dirty="0" smtClean="0">
+                <a:latin typeface="Courier"/>
+                <a:cs typeface="Courier"/>
+              </a:rPr>
+              <a:t>, </a:t>
+            </a:r>
+            <a:r>
+              <a:rPr lang="en-US" sz="1400" dirty="0" err="1">
+                <a:latin typeface="Courier"/>
+                <a:cs typeface="Courier"/>
+              </a:rPr>
+              <a:t>grpTemp</a:t>
+            </a:r>
+            <a:r>
+              <a:rPr lang="en-US" sz="1400" dirty="0" smtClean="0">
+                <a:latin typeface="Courier"/>
+                <a:cs typeface="Courier"/>
+              </a:rPr>
+              <a:t>)</a:t>
+            </a:r>
+          </a:p>
+          <a:p>
+            <a:pPr marL="400050" lvl="1" indent="0">
+              <a:buNone/>
+            </a:pPr>
+            <a:r>
+              <a:rPr lang="en-US" sz="1400" dirty="0" smtClean="0">
+                <a:latin typeface="Courier"/>
+                <a:cs typeface="Courier"/>
+              </a:rPr>
+              <a:t>	</a:t>
+            </a:r>
+            <a:r>
+              <a:rPr lang="en-US" sz="1400" dirty="0" err="1" smtClean="0">
+                <a:latin typeface="Courier"/>
+                <a:cs typeface="Courier"/>
+              </a:rPr>
+              <a:t>grpAll</a:t>
+            </a:r>
+            <a:r>
+              <a:rPr lang="en-US" sz="1400" i="1" dirty="0" smtClean="0">
+                <a:latin typeface="Courier"/>
+                <a:cs typeface="Courier"/>
+              </a:rPr>
+              <a:t> &lt;- add</a:t>
+            </a:r>
+            <a:r>
+              <a:rPr lang="en-US" sz="1400" dirty="0" smtClean="0">
+                <a:latin typeface="Courier"/>
+                <a:cs typeface="Courier"/>
+              </a:rPr>
+              <a:t>(</a:t>
+            </a:r>
+            <a:r>
+              <a:rPr lang="en-US" sz="1400" dirty="0" err="1" smtClean="0">
+                <a:latin typeface="Courier"/>
+                <a:cs typeface="Courier"/>
+              </a:rPr>
+              <a:t>grpNew</a:t>
+            </a:r>
+            <a:r>
+              <a:rPr lang="en-US" sz="1400" dirty="0" smtClean="0">
+                <a:latin typeface="Courier"/>
+                <a:cs typeface="Courier"/>
+              </a:rPr>
+              <a:t>)</a:t>
+            </a:r>
+          </a:p>
+          <a:p>
+            <a:pPr marL="400050" lvl="1" indent="0">
+              <a:buNone/>
+            </a:pPr>
+            <a:r>
+              <a:rPr lang="en-US" sz="1400" dirty="0">
+                <a:latin typeface="Courier"/>
+                <a:cs typeface="Courier"/>
+              </a:rPr>
+              <a:t>e</a:t>
+            </a:r>
+            <a:r>
+              <a:rPr lang="en-US" sz="1400" dirty="0" smtClean="0">
+                <a:latin typeface="Courier"/>
+                <a:cs typeface="Courier"/>
+              </a:rPr>
+              <a:t>lse</a:t>
+            </a:r>
+          </a:p>
+          <a:p>
+            <a:pPr marL="400050" lvl="1" indent="0">
+              <a:buNone/>
+            </a:pPr>
+            <a:r>
+              <a:rPr lang="en-US" sz="1400" dirty="0" smtClean="0">
+                <a:latin typeface="Courier"/>
+                <a:cs typeface="Courier"/>
+              </a:rPr>
+              <a:t>	</a:t>
+            </a:r>
+            <a:r>
+              <a:rPr lang="en-US" sz="1400" dirty="0" err="1" smtClean="0">
+                <a:latin typeface="Courier"/>
+                <a:cs typeface="Courier"/>
+              </a:rPr>
+              <a:t>grpAll</a:t>
+            </a:r>
+            <a:r>
+              <a:rPr lang="en-US" sz="1400" i="1" dirty="0" smtClean="0">
+                <a:latin typeface="Courier"/>
+                <a:cs typeface="Courier"/>
+              </a:rPr>
+              <a:t> &lt;- add</a:t>
+            </a:r>
+            <a:r>
+              <a:rPr lang="en-US" sz="1400" dirty="0" smtClean="0">
+                <a:latin typeface="Courier"/>
+                <a:cs typeface="Courier"/>
+              </a:rPr>
+              <a:t>(</a:t>
+            </a:r>
+            <a:r>
+              <a:rPr lang="en-US" sz="1400" dirty="0" err="1" smtClean="0">
+                <a:latin typeface="Courier"/>
+                <a:cs typeface="Courier"/>
+              </a:rPr>
+              <a:t>grpTemp</a:t>
+            </a:r>
+            <a:r>
+              <a:rPr lang="en-US" sz="1400" dirty="0" smtClean="0">
+                <a:latin typeface="Courier"/>
+                <a:cs typeface="Courier"/>
+              </a:rPr>
+              <a:t>) </a:t>
+            </a:r>
+          </a:p>
+        </p:txBody>
+      </p:sp>
+      <p:sp>
+        <p:nvSpPr>
+          <p:cNvPr id="4" name="Rectangle 3"/>
+          <p:cNvSpPr/>
+          <p:nvPr/>
+        </p:nvSpPr>
+        <p:spPr>
+          <a:xfrm>
+            <a:off x="228600" y="5334000"/>
+            <a:ext cx="8915400" cy="1077218"/>
+          </a:xfrm>
+          <a:prstGeom prst="rect">
+            <a:avLst/>
+          </a:prstGeom>
+        </p:spPr>
+        <p:txBody>
+          <a:bodyPr wrap="square">
+            <a:spAutoFit/>
+          </a:bodyPr>
+          <a:lstStyle/>
+          <a:p>
+            <a:pPr lvl="0" algn="l">
+              <a:spcBef>
+                <a:spcPct val="20000"/>
+              </a:spcBef>
+            </a:pPr>
+            <a:r>
+              <a:rPr lang="en-US" dirty="0"/>
+              <a:t>Behavior Profiling/</a:t>
+            </a:r>
+            <a:r>
+              <a:rPr lang="en-US" dirty="0" smtClean="0"/>
+              <a:t>Modeling</a:t>
+            </a:r>
+          </a:p>
+          <a:p>
+            <a:pPr lvl="0" algn="l">
+              <a:spcBef>
+                <a:spcPct val="20000"/>
+              </a:spcBef>
+            </a:pPr>
+            <a:r>
+              <a:rPr lang="en-US" b="0" kern="0" dirty="0" smtClean="0">
+                <a:solidFill>
+                  <a:srgbClr val="000000"/>
+                </a:solidFill>
+                <a:latin typeface="Arial"/>
+                <a:ea typeface="ＭＳ Ｐゴシック"/>
+              </a:rPr>
+              <a:t>We </a:t>
+            </a:r>
+            <a:r>
+              <a:rPr lang="en-US" b="0" kern="0" dirty="0">
+                <a:solidFill>
+                  <a:srgbClr val="000000"/>
+                </a:solidFill>
+                <a:latin typeface="Arial"/>
+                <a:ea typeface="ＭＳ Ｐゴシック"/>
+              </a:rPr>
+              <a:t>collect all of intersection data between </a:t>
+            </a:r>
+            <a:r>
+              <a:rPr lang="en-US" b="0" kern="0" dirty="0" smtClean="0">
+                <a:solidFill>
+                  <a:srgbClr val="000000"/>
+                </a:solidFill>
+                <a:latin typeface="Arial"/>
+                <a:ea typeface="ＭＳ Ｐゴシック"/>
+              </a:rPr>
+              <a:t>Groups, </a:t>
+            </a:r>
+            <a:r>
+              <a:rPr lang="en-US" b="0" kern="0" dirty="0">
+                <a:solidFill>
+                  <a:srgbClr val="000000"/>
+                </a:solidFill>
+                <a:latin typeface="Arial"/>
+                <a:ea typeface="ＭＳ Ｐゴシック"/>
+              </a:rPr>
+              <a:t>and mark those data as the user </a:t>
+            </a:r>
+            <a:r>
+              <a:rPr lang="en-US" b="0" kern="0" dirty="0" smtClean="0">
+                <a:solidFill>
+                  <a:srgbClr val="000000"/>
+                </a:solidFill>
+                <a:latin typeface="Arial"/>
+                <a:ea typeface="ＭＳ Ｐゴシック"/>
+              </a:rPr>
+              <a:t>behaviors.</a:t>
+            </a:r>
+            <a:endParaRPr lang="en-US" b="0" kern="0" dirty="0">
+              <a:solidFill>
+                <a:srgbClr val="000000"/>
+              </a:solidFill>
+              <a:latin typeface="Arial"/>
+              <a:ea typeface="ＭＳ Ｐゴシック"/>
+            </a:endParaRPr>
+          </a:p>
+        </p:txBody>
+      </p:sp>
+    </p:spTree>
+    <p:extLst>
+      <p:ext uri="{BB962C8B-B14F-4D97-AF65-F5344CB8AC3E}">
+        <p14:creationId xmlns:p14="http://schemas.microsoft.com/office/powerpoint/2010/main" val="212423858"/>
+      </p:ext>
+    </p:extLst>
+  </p:cSld>
+  <p:clrMapOvr>
+    <a:masterClrMapping/>
+  </p:clrMapOvr>
+  <p:transition/>
+  <p:timing>
+    <p:tnLst>
+      <p:par>
+        <p:cTn id="1" dur="indefinite" restart="never" nodeType="tmRoot"/>
+      </p:par>
+    </p:tnLst>
+  </p:timing>
+</p:sld>
+</file>
+
 <file path=ppt/slides/slide2.xml><?xml version="1.0" encoding="utf-8"?>
 <p:sld xmlns:a="http://schemas.openxmlformats.org/drawingml/2006/main" xmlns:r="http://schemas.openxmlformats.org/officeDocument/2006/relationships" xmlns:p="http://schemas.openxmlformats.org/presentationml/2006/main">
   <p:cSld>
@@ -8358,11 +8888,7 @@
             </a:pPr>
             <a:r>
               <a:rPr lang="en-US" sz="1600" dirty="0" smtClean="0"/>
-              <a:t>Background </a:t>
-            </a:r>
-            <a:r>
-              <a:rPr lang="en-US" sz="1600" dirty="0" smtClean="0"/>
-              <a:t>and Problem Statements</a:t>
+              <a:t>Background and Problem Statements</a:t>
             </a:r>
           </a:p>
           <a:p>
@@ -8384,19 +8910,7 @@
             </a:pPr>
             <a:r>
               <a:rPr lang="en-US" sz="1600" dirty="0" smtClean="0"/>
-              <a:t>Data Preprocessing </a:t>
-            </a:r>
-            <a:r>
-              <a:rPr lang="en-US" sz="1600" smtClean="0"/>
-              <a:t>and </a:t>
-            </a:r>
-            <a:r>
-              <a:rPr lang="en-US" sz="1600" smtClean="0"/>
-              <a:t>Features </a:t>
-            </a:r>
-            <a:r>
-              <a:rPr lang="en-US" sz="1600" dirty="0" smtClean="0"/>
-              <a:t>Extraction</a:t>
+              <a:t>Data Preprocessing and Features Extraction</a:t>
             </a:r>
           </a:p>
           <a:p>
@@ -8409,7 +8923,6 @@
               <a:rPr lang="en-US" sz="1600" dirty="0" smtClean="0"/>
               <a:t>Our approach</a:t>
             </a:r>
-            <a:endParaRPr lang="en-US" sz="1600" dirty="0" smtClean="0"/>
           </a:p>
           <a:p>
             <a:pPr>
@@ -8435,7 +8948,15 @@
             </a:r>
             <a:r>
               <a:rPr lang="en-US" sz="1600" dirty="0"/>
-              <a:t>and discovering user behavior based on their smartphone </a:t>
+              <a:t>and discovering user behavior based </a:t>
+            </a:r>
+            <a:r>
+              <a:rPr lang="en-US" sz="1600"/>
+              <a:t>on </a:t>
+            </a:r>
+            <a:r>
+              <a:rPr lang="en-US" sz="1600" smtClean="0"/>
+              <a:t>user’s smartphone </a:t>
             </a:r>
             <a:r>
               <a:rPr lang="en-US" sz="1600" dirty="0" smtClean="0"/>
@@ -8484,712 +9005,6 @@
 </file>
 
 <file path=ppt/slides/slide20.xml><?xml version="1.0" encoding="utf-8"?>
-<p:sld xmlns:a="http://schemas.openxmlformats.org/drawingml/2006/main" xmlns:r="http://schemas.openxmlformats.org/officeDocument/2006/relationships" xmlns:p="http://schemas.openxmlformats.org/presentationml/2006/main">
-  <p:cSld>
-    <p:spTree>
-      <p:nvGrpSpPr>
-        <p:cNvPr id="1" name=""/>
-        <p:cNvGrpSpPr/>
-        <p:nvPr/>
-      </p:nvGrpSpPr>
-      <p:grpSpPr>
-        <a:xfrm>
-          <a:off x="0" y="0"/>
-          <a:ext cx="0" cy="0"/>
-          <a:chOff x="0" y="0"/>
-          <a:chExt cx="0" cy="0"/>
-        </a:xfrm>
-      </p:grpSpPr>
-      <p:sp>
-        <p:nvSpPr>
-          <p:cNvPr id="2" name="Title 1"/>
-          <p:cNvSpPr>
-            <a:spLocks noGrp="1"/>
-          </p:cNvSpPr>
-          <p:nvPr>
-            <p:ph type="title"/>
-          </p:nvPr>
-        </p:nvSpPr>
-        <p:spPr/>
-        <p:txBody>
-          <a:bodyPr/>
-          <a:lstStyle/>
-          <a:p>
-            <a:r>
-              <a:rPr lang="en-US" dirty="0" smtClean="0"/>
-              <a:t>Algorithm (Similarity Detection)</a:t>
-            </a:r>
-            <a:endParaRPr lang="en-US" dirty="0"/>
-          </a:p>
-        </p:txBody>
-      </p:sp>
-      <p:sp>
-        <p:nvSpPr>
-          <p:cNvPr id="3" name="Content Placeholder 2"/>
-          <p:cNvSpPr>
-            <a:spLocks noGrp="1"/>
-          </p:cNvSpPr>
-          <p:nvPr>
-            <p:ph idx="1"/>
-          </p:nvPr>
-        </p:nvSpPr>
-        <p:spPr>
-          <a:xfrm>
-            <a:off x="457200" y="1371600"/>
-            <a:ext cx="8229600" cy="4525963"/>
-          </a:xfrm>
-        </p:spPr>
-        <p:txBody>
-          <a:bodyPr/>
-          <a:lstStyle/>
-          <a:p>
-            <a:pPr marL="0" indent="0">
-              <a:buNone/>
-            </a:pPr>
-            <a:r>
-              <a:rPr lang="en-US" sz="1600" b="1" dirty="0" smtClean="0">
-                <a:latin typeface="Courier"/>
-                <a:cs typeface="Courier"/>
-              </a:rPr>
-              <a:t>Data</a:t>
-            </a:r>
-            <a:r>
-              <a:rPr lang="en-US" sz="1600" dirty="0" smtClean="0">
-                <a:latin typeface="Courier"/>
-                <a:cs typeface="Courier"/>
-              </a:rPr>
-              <a:t> : D, w</a:t>
-            </a:r>
-          </a:p>
-          <a:p>
-            <a:pPr marL="0" indent="0">
-              <a:buNone/>
-            </a:pPr>
-            <a:r>
-              <a:rPr lang="en-US" sz="1600" b="1" dirty="0" smtClean="0">
-                <a:latin typeface="Courier"/>
-                <a:cs typeface="Courier"/>
-              </a:rPr>
-              <a:t>Result</a:t>
-            </a:r>
-            <a:r>
-              <a:rPr lang="en-US" sz="1600" dirty="0" smtClean="0">
-                <a:latin typeface="Courier"/>
-                <a:cs typeface="Courier"/>
-              </a:rPr>
-              <a:t> : All Detected Group in a Window</a:t>
-            </a:r>
-          </a:p>
-          <a:p>
-            <a:pPr marL="0" indent="0">
-              <a:buNone/>
-            </a:pPr>
-            <a:r>
-              <a:rPr lang="en-US" sz="1600" dirty="0" err="1" smtClean="0">
-                <a:latin typeface="Courier"/>
-                <a:cs typeface="Courier"/>
-              </a:rPr>
-              <a:t>grpAll</a:t>
-            </a:r>
-            <a:r>
-              <a:rPr lang="en-US" sz="1600" dirty="0" smtClean="0">
-                <a:latin typeface="Courier"/>
-                <a:cs typeface="Courier"/>
-              </a:rPr>
-              <a:t>, </a:t>
-            </a:r>
-            <a:r>
-              <a:rPr lang="en-US" sz="1600" dirty="0" err="1" smtClean="0">
-                <a:latin typeface="Courier"/>
-                <a:cs typeface="Courier"/>
-              </a:rPr>
-              <a:t>grpTemp</a:t>
-            </a:r>
-            <a:r>
-              <a:rPr lang="en-US" sz="1600" dirty="0" smtClean="0">
-                <a:latin typeface="Courier"/>
-                <a:cs typeface="Courier"/>
-              </a:rPr>
-              <a:t>, </a:t>
-            </a:r>
-            <a:r>
-              <a:rPr lang="en-US" sz="1600" dirty="0" err="1" smtClean="0">
-                <a:latin typeface="Courier"/>
-                <a:cs typeface="Courier"/>
-              </a:rPr>
-              <a:t>grpPrevious</a:t>
-            </a:r>
-            <a:r>
-              <a:rPr lang="en-US" sz="1600" dirty="0" smtClean="0">
-                <a:latin typeface="Courier"/>
-                <a:cs typeface="Courier"/>
-              </a:rPr>
-              <a:t>&lt;- NULL</a:t>
-            </a:r>
-          </a:p>
-          <a:p>
-            <a:pPr marL="0" indent="0">
-              <a:buNone/>
-            </a:pPr>
-            <a:r>
-              <a:rPr lang="en-US" sz="1600" dirty="0" err="1" smtClean="0">
-                <a:latin typeface="Courier"/>
-                <a:cs typeface="Courier"/>
-              </a:rPr>
-              <a:t>dataValue</a:t>
-            </a:r>
-            <a:r>
-              <a:rPr lang="en-US" sz="1600" dirty="0" smtClean="0">
-                <a:latin typeface="Courier"/>
-                <a:cs typeface="Courier"/>
-              </a:rPr>
-              <a:t>, </a:t>
-            </a:r>
-            <a:r>
-              <a:rPr lang="en-US" sz="1600" dirty="0" err="1" smtClean="0">
-                <a:latin typeface="Courier"/>
-                <a:cs typeface="Courier"/>
-              </a:rPr>
-              <a:t>dataValueNext</a:t>
-            </a:r>
-            <a:r>
-              <a:rPr lang="en-US" sz="1600" dirty="0" smtClean="0">
-                <a:latin typeface="Courier"/>
-                <a:cs typeface="Courier"/>
-              </a:rPr>
-              <a:t> &lt;- NULL</a:t>
-            </a:r>
-          </a:p>
-          <a:p>
-            <a:pPr marL="0" indent="0">
-              <a:buNone/>
-            </a:pPr>
-            <a:r>
-              <a:rPr lang="en-US" sz="1600" b="1" dirty="0">
-                <a:latin typeface="Courier"/>
-                <a:cs typeface="Courier"/>
-              </a:rPr>
-              <a:t>w</a:t>
-            </a:r>
-            <a:r>
-              <a:rPr lang="en-US" sz="1600" b="1" dirty="0" smtClean="0">
-                <a:latin typeface="Courier"/>
-                <a:cs typeface="Courier"/>
-              </a:rPr>
-              <a:t>hile</a:t>
-            </a:r>
-            <a:r>
-              <a:rPr lang="en-US" sz="1600" dirty="0" smtClean="0">
-                <a:latin typeface="Courier"/>
-                <a:cs typeface="Courier"/>
-              </a:rPr>
-              <a:t> (D in w) for all of D </a:t>
-            </a:r>
-            <a:r>
-              <a:rPr lang="en-US" sz="1600" b="1" dirty="0" smtClean="0">
-                <a:latin typeface="Courier"/>
-                <a:cs typeface="Courier"/>
-              </a:rPr>
-              <a:t>do</a:t>
-            </a:r>
-          </a:p>
-          <a:p>
-            <a:pPr marL="400050" lvl="1" indent="0">
-              <a:buNone/>
-            </a:pPr>
-            <a:r>
-              <a:rPr lang="en-US" sz="1400" dirty="0" err="1" smtClean="0">
-                <a:latin typeface="Courier"/>
-                <a:cs typeface="Courier"/>
-              </a:rPr>
-              <a:t>dataValue</a:t>
-            </a:r>
-            <a:r>
-              <a:rPr lang="en-US" sz="1400" dirty="0" smtClean="0">
-                <a:latin typeface="Courier"/>
-                <a:cs typeface="Courier"/>
-              </a:rPr>
-              <a:t> &lt;- </a:t>
-            </a:r>
-            <a:r>
-              <a:rPr lang="en-US" sz="1400" dirty="0" err="1" smtClean="0">
-                <a:latin typeface="Courier"/>
-                <a:cs typeface="Courier"/>
-              </a:rPr>
-              <a:t>D.current.day</a:t>
-            </a:r>
-            <a:endParaRPr lang="en-US" sz="1400" dirty="0" smtClean="0">
-              <a:latin typeface="Courier"/>
-              <a:cs typeface="Courier"/>
-            </a:endParaRPr>
-          </a:p>
-          <a:p>
-            <a:pPr marL="400050" lvl="1" indent="0">
-              <a:buNone/>
-            </a:pPr>
-            <a:r>
-              <a:rPr lang="en-US" sz="1400" dirty="0" err="1" smtClean="0">
-                <a:latin typeface="Courier"/>
-                <a:cs typeface="Courier"/>
-              </a:rPr>
-              <a:t>dataValueNext</a:t>
-            </a:r>
-            <a:r>
-              <a:rPr lang="en-US" sz="1400" dirty="0" smtClean="0">
-                <a:latin typeface="Courier"/>
-                <a:cs typeface="Courier"/>
-              </a:rPr>
-              <a:t> &lt;- </a:t>
-            </a:r>
-            <a:r>
-              <a:rPr lang="en-US" sz="1400" dirty="0" err="1" smtClean="0">
-                <a:latin typeface="Courier"/>
-                <a:cs typeface="Courier"/>
-              </a:rPr>
-              <a:t>D.next.day</a:t>
-            </a:r>
-            <a:endParaRPr lang="en-US" sz="1400" dirty="0" smtClean="0">
-              <a:latin typeface="Courier"/>
-              <a:cs typeface="Courier"/>
-            </a:endParaRPr>
-          </a:p>
-          <a:p>
-            <a:pPr marL="400050" lvl="1" indent="0">
-              <a:buNone/>
-            </a:pPr>
-            <a:r>
-              <a:rPr lang="en-US" sz="1400" dirty="0" err="1" smtClean="0">
-                <a:latin typeface="Courier"/>
-                <a:cs typeface="Courier"/>
-              </a:rPr>
-              <a:t>grpTemp</a:t>
-            </a:r>
-            <a:r>
-              <a:rPr lang="en-US" sz="1400" dirty="0" smtClean="0">
-                <a:latin typeface="Courier"/>
-                <a:cs typeface="Courier"/>
-              </a:rPr>
-              <a:t> &lt;- </a:t>
-            </a:r>
-            <a:r>
-              <a:rPr lang="en-US" sz="1400" i="1" dirty="0" err="1" smtClean="0">
-                <a:latin typeface="Courier"/>
-                <a:cs typeface="Courier"/>
-              </a:rPr>
-              <a:t>findingSimilarPatterns</a:t>
-            </a:r>
-            <a:r>
-              <a:rPr lang="en-US" sz="1400" dirty="0" smtClean="0">
-                <a:latin typeface="Courier"/>
-                <a:cs typeface="Courier"/>
-              </a:rPr>
-              <a:t>(</a:t>
-            </a:r>
-            <a:r>
-              <a:rPr lang="en-US" sz="1400" dirty="0" err="1" smtClean="0">
-                <a:latin typeface="Courier"/>
-                <a:cs typeface="Courier"/>
-              </a:rPr>
-              <a:t>dataValue</a:t>
-            </a:r>
-            <a:r>
-              <a:rPr lang="en-US" sz="1400" dirty="0" smtClean="0">
-                <a:latin typeface="Courier"/>
-                <a:cs typeface="Courier"/>
-              </a:rPr>
-              <a:t>, </a:t>
-            </a:r>
-            <a:r>
-              <a:rPr lang="en-US" sz="1400" dirty="0" err="1" smtClean="0">
-                <a:latin typeface="Courier"/>
-                <a:cs typeface="Courier"/>
-              </a:rPr>
-              <a:t>dataValueNext</a:t>
-            </a:r>
-            <a:r>
-              <a:rPr lang="en-US" sz="1400" dirty="0" smtClean="0">
-                <a:latin typeface="Courier"/>
-                <a:cs typeface="Courier"/>
-              </a:rPr>
-              <a:t>)</a:t>
-            </a:r>
-          </a:p>
-          <a:p>
-            <a:pPr marL="400050" lvl="1" indent="0">
-              <a:buNone/>
-            </a:pPr>
-            <a:endParaRPr lang="en-US" sz="1400" dirty="0" smtClean="0">
-              <a:latin typeface="Courier"/>
-              <a:cs typeface="Courier"/>
-            </a:endParaRPr>
-          </a:p>
-          <a:p>
-            <a:pPr marL="400050" lvl="1" indent="0">
-              <a:buNone/>
-            </a:pPr>
-            <a:r>
-              <a:rPr lang="en-US" sz="1400" dirty="0">
-                <a:latin typeface="Courier"/>
-                <a:cs typeface="Courier"/>
-              </a:rPr>
-              <a:t>i</a:t>
-            </a:r>
-            <a:r>
-              <a:rPr lang="en-US" sz="1400" dirty="0" smtClean="0">
-                <a:latin typeface="Courier"/>
-                <a:cs typeface="Courier"/>
-              </a:rPr>
-              <a:t>f </a:t>
-            </a:r>
-            <a:r>
-              <a:rPr lang="en-US" sz="1400" i="1" dirty="0" smtClean="0">
-                <a:latin typeface="Courier"/>
-                <a:cs typeface="Courier"/>
-              </a:rPr>
-              <a:t>(</a:t>
-            </a:r>
-            <a:r>
-              <a:rPr lang="en-US" sz="1400" dirty="0" err="1" smtClean="0">
-                <a:latin typeface="Courier"/>
-                <a:cs typeface="Courier"/>
-              </a:rPr>
-              <a:t>grpTemp</a:t>
-            </a:r>
-            <a:r>
-              <a:rPr lang="en-US" sz="1400" i="1" dirty="0" smtClean="0">
-                <a:latin typeface="Courier"/>
-                <a:cs typeface="Courier"/>
-              </a:rPr>
-              <a:t> in </a:t>
-            </a:r>
-            <a:r>
-              <a:rPr lang="en-US" sz="1400" dirty="0" err="1" smtClean="0">
-                <a:latin typeface="Courier"/>
-                <a:cs typeface="Courier"/>
-              </a:rPr>
-              <a:t>grpPrevious</a:t>
-            </a:r>
-            <a:r>
-              <a:rPr lang="en-US" sz="1400" i="1" dirty="0" smtClean="0">
-                <a:latin typeface="Courier"/>
-                <a:cs typeface="Courier"/>
-              </a:rPr>
-              <a:t>)</a:t>
-            </a:r>
-            <a:r>
-              <a:rPr lang="en-US" sz="1400" dirty="0" smtClean="0">
-                <a:latin typeface="Courier"/>
-                <a:cs typeface="Courier"/>
-              </a:rPr>
-              <a:t>then</a:t>
-            </a:r>
-          </a:p>
-          <a:p>
-            <a:pPr marL="400050" lvl="1" indent="0">
-              <a:buNone/>
-            </a:pPr>
-            <a:r>
-              <a:rPr lang="en-US" sz="1400" dirty="0" smtClean="0">
-                <a:latin typeface="Courier"/>
-                <a:cs typeface="Courier"/>
-              </a:rPr>
-              <a:t>	</a:t>
-            </a:r>
-            <a:r>
-              <a:rPr lang="en-US" sz="1400" dirty="0" err="1" smtClean="0">
-                <a:latin typeface="Courier"/>
-                <a:cs typeface="Courier"/>
-              </a:rPr>
-              <a:t>grpNew</a:t>
-            </a:r>
-            <a:r>
-              <a:rPr lang="en-US" sz="1400" dirty="0" smtClean="0">
-                <a:latin typeface="Courier"/>
-                <a:cs typeface="Courier"/>
-              </a:rPr>
-              <a:t> &lt;- </a:t>
-            </a:r>
-            <a:r>
-              <a:rPr lang="en-US" sz="1400" i="1" dirty="0" smtClean="0">
-                <a:latin typeface="Courier"/>
-                <a:cs typeface="Courier"/>
-              </a:rPr>
-              <a:t>merge</a:t>
-            </a:r>
-            <a:r>
-              <a:rPr lang="en-US" sz="1400" dirty="0" smtClean="0">
-                <a:latin typeface="Courier"/>
-                <a:cs typeface="Courier"/>
-              </a:rPr>
-              <a:t>(</a:t>
-            </a:r>
-            <a:r>
-              <a:rPr lang="en-US" sz="1400" dirty="0" err="1">
-                <a:latin typeface="Courier"/>
-                <a:cs typeface="Courier"/>
-              </a:rPr>
-              <a:t>grpPrevious</a:t>
-            </a:r>
-            <a:r>
-              <a:rPr lang="en-US" sz="1400" dirty="0" smtClean="0">
-                <a:latin typeface="Courier"/>
-                <a:cs typeface="Courier"/>
-              </a:rPr>
-              <a:t>, </a:t>
-            </a:r>
-            <a:r>
-              <a:rPr lang="en-US" sz="1400" dirty="0" err="1">
-                <a:latin typeface="Courier"/>
-                <a:cs typeface="Courier"/>
-              </a:rPr>
-              <a:t>grpTemp</a:t>
-            </a:r>
-            <a:r>
-              <a:rPr lang="en-US" sz="1400" dirty="0" smtClean="0">
-                <a:latin typeface="Courier"/>
-                <a:cs typeface="Courier"/>
-              </a:rPr>
-              <a:t>)</a:t>
-            </a:r>
-          </a:p>
-          <a:p>
-            <a:pPr marL="400050" lvl="1" indent="0">
-              <a:buNone/>
-            </a:pPr>
-            <a:r>
-              <a:rPr lang="en-US" sz="1400" dirty="0" smtClean="0">
-                <a:latin typeface="Courier"/>
-                <a:cs typeface="Courier"/>
-              </a:rPr>
-              <a:t>	</a:t>
-            </a:r>
-            <a:r>
-              <a:rPr lang="en-US" sz="1400" dirty="0" err="1" smtClean="0">
-                <a:latin typeface="Courier"/>
-                <a:cs typeface="Courier"/>
-              </a:rPr>
-              <a:t>grpAll</a:t>
-            </a:r>
-            <a:r>
-              <a:rPr lang="en-US" sz="1400" i="1" dirty="0" smtClean="0">
-                <a:latin typeface="Courier"/>
-                <a:cs typeface="Courier"/>
-              </a:rPr>
-              <a:t> &lt;- add</a:t>
-            </a:r>
-            <a:r>
-              <a:rPr lang="en-US" sz="1400" dirty="0" smtClean="0">
-                <a:latin typeface="Courier"/>
-                <a:cs typeface="Courier"/>
-              </a:rPr>
-              <a:t>(</a:t>
-            </a:r>
-            <a:r>
-              <a:rPr lang="en-US" sz="1400" dirty="0" err="1" smtClean="0">
-                <a:latin typeface="Courier"/>
-                <a:cs typeface="Courier"/>
-              </a:rPr>
-              <a:t>grpNew</a:t>
-            </a:r>
-            <a:r>
-              <a:rPr lang="en-US" sz="1400" dirty="0" smtClean="0">
-                <a:latin typeface="Courier"/>
-                <a:cs typeface="Courier"/>
-              </a:rPr>
-              <a:t>)</a:t>
-            </a:r>
-          </a:p>
-          <a:p>
-            <a:pPr marL="400050" lvl="1" indent="0">
-              <a:buNone/>
-            </a:pPr>
-            <a:r>
-              <a:rPr lang="en-US" sz="1400" dirty="0">
-                <a:latin typeface="Courier"/>
-                <a:cs typeface="Courier"/>
-              </a:rPr>
-              <a:t>e</a:t>
-            </a:r>
-            <a:r>
-              <a:rPr lang="en-US" sz="1400" dirty="0" smtClean="0">
-                <a:latin typeface="Courier"/>
-                <a:cs typeface="Courier"/>
-              </a:rPr>
-              <a:t>lse</a:t>
-            </a:r>
-          </a:p>
-          <a:p>
-            <a:pPr marL="400050" lvl="1" indent="0">
-              <a:buNone/>
-            </a:pPr>
-            <a:r>
-              <a:rPr lang="en-US" sz="1400" dirty="0" smtClean="0">
-                <a:latin typeface="Courier"/>
-                <a:cs typeface="Courier"/>
-              </a:rPr>
-              <a:t>	</a:t>
-            </a:r>
-            <a:r>
-              <a:rPr lang="en-US" sz="1400" dirty="0" err="1" smtClean="0">
-                <a:latin typeface="Courier"/>
-                <a:cs typeface="Courier"/>
-              </a:rPr>
-              <a:t>grpAll</a:t>
-            </a:r>
-            <a:r>
-              <a:rPr lang="en-US" sz="1400" i="1" dirty="0" smtClean="0">
-                <a:latin typeface="Courier"/>
-                <a:cs typeface="Courier"/>
-              </a:rPr>
-              <a:t> &lt;- add</a:t>
-            </a:r>
-            <a:r>
-              <a:rPr lang="en-US" sz="1400" dirty="0" smtClean="0">
-                <a:latin typeface="Courier"/>
-                <a:cs typeface="Courier"/>
-              </a:rPr>
-              <a:t>(</a:t>
-            </a:r>
-            <a:r>
-              <a:rPr lang="en-US" sz="1400" dirty="0" err="1" smtClean="0">
-                <a:latin typeface="Courier"/>
-                <a:cs typeface="Courier"/>
-              </a:rPr>
-              <a:t>grpTemp</a:t>
-            </a:r>
-            <a:r>
-              <a:rPr lang="en-US" sz="1400" dirty="0" smtClean="0">
-                <a:latin typeface="Courier"/>
-                <a:cs typeface="Courier"/>
-              </a:rPr>
-              <a:t>) </a:t>
-            </a:r>
-          </a:p>
-        </p:txBody>
-      </p:sp>
-      <p:sp>
-        <p:nvSpPr>
-          <p:cNvPr id="4" name="Rectangle 3"/>
-          <p:cNvSpPr/>
-          <p:nvPr/>
-        </p:nvSpPr>
-        <p:spPr>
-          <a:xfrm>
-            <a:off x="228600" y="5334000"/>
-            <a:ext cx="8915400" cy="1077218"/>
-          </a:xfrm>
-          <a:prstGeom prst="rect">
-            <a:avLst/>
-          </a:prstGeom>
-        </p:spPr>
-        <p:txBody>
-          <a:bodyPr wrap="square">
-            <a:spAutoFit/>
-          </a:bodyPr>
-          <a:lstStyle/>
-          <a:p>
-            <a:pPr lvl="0" algn="l">
-              <a:spcBef>
-                <a:spcPct val="20000"/>
-              </a:spcBef>
-            </a:pPr>
-            <a:r>
-              <a:rPr lang="en-US" dirty="0"/>
-              <a:t>Behavior Profiling/</a:t>
-            </a:r>
-            <a:r>
-              <a:rPr lang="en-US" dirty="0" smtClean="0"/>
-              <a:t>Modeling</a:t>
-            </a:r>
-          </a:p>
-          <a:p>
-            <a:pPr lvl="0" algn="l">
-              <a:spcBef>
-                <a:spcPct val="20000"/>
-              </a:spcBef>
-            </a:pPr>
-            <a:r>
-              <a:rPr lang="en-US" b="0" kern="0" dirty="0" smtClean="0">
-                <a:solidFill>
-                  <a:srgbClr val="000000"/>
-                </a:solidFill>
-                <a:latin typeface="Arial"/>
-                <a:ea typeface="ＭＳ Ｐゴシック"/>
-              </a:rPr>
-              <a:t>We </a:t>
-            </a:r>
-            <a:r>
-              <a:rPr lang="en-US" b="0" kern="0" dirty="0">
-                <a:solidFill>
-                  <a:srgbClr val="000000"/>
-                </a:solidFill>
-                <a:latin typeface="Arial"/>
-                <a:ea typeface="ＭＳ Ｐゴシック"/>
-              </a:rPr>
-              <a:t>collect all of intersection data between </a:t>
-            </a:r>
-            <a:r>
-              <a:rPr lang="en-US" b="0" kern="0" dirty="0" smtClean="0">
-                <a:solidFill>
-                  <a:srgbClr val="000000"/>
-                </a:solidFill>
-                <a:latin typeface="Arial"/>
-                <a:ea typeface="ＭＳ Ｐゴシック"/>
-              </a:rPr>
-              <a:t>Groups, </a:t>
-            </a:r>
-            <a:r>
-              <a:rPr lang="en-US" b="0" kern="0" dirty="0">
-                <a:solidFill>
-                  <a:srgbClr val="000000"/>
-                </a:solidFill>
-                <a:latin typeface="Arial"/>
-                <a:ea typeface="ＭＳ Ｐゴシック"/>
-              </a:rPr>
-              <a:t>and mark those data as the user </a:t>
-            </a:r>
-            <a:r>
-              <a:rPr lang="en-US" b="0" kern="0" dirty="0" smtClean="0">
-                <a:solidFill>
-                  <a:srgbClr val="000000"/>
-                </a:solidFill>
-                <a:latin typeface="Arial"/>
-                <a:ea typeface="ＭＳ Ｐゴシック"/>
-              </a:rPr>
-              <a:t>behaviors.</a:t>
-            </a:r>
-            <a:endParaRPr lang="en-US" b="0" kern="0" dirty="0">
-              <a:solidFill>
-                <a:srgbClr val="000000"/>
-              </a:solidFill>
-              <a:latin typeface="Arial"/>
-              <a:ea typeface="ＭＳ Ｐゴシック"/>
-            </a:endParaRPr>
-          </a:p>
-        </p:txBody>
-      </p:sp>
-    </p:spTree>
-    <p:extLst>
-      <p:ext uri="{BB962C8B-B14F-4D97-AF65-F5344CB8AC3E}">
-        <p14:creationId xmlns:p14="http://schemas.microsoft.com/office/powerpoint/2010/main" val="212423858"/>
-      </p:ext>
-    </p:extLst>
-  </p:cSld>
-  <p:clrMapOvr>
-    <a:masterClrMapping/>
-  </p:clrMapOvr>
-  <p:transition/>
-  <p:timing>
-    <p:tnLst>
-      <p:par>
-        <p:cTn id="1" dur="indefinite" restart="never" nodeType="tmRoot"/>
-      </p:par>
-    </p:tnLst>
-  </p:timing>
-</p:sld>
-</file>
-
-<file path=ppt/slides/slide21.xml><?xml version="1.0" encoding="utf-8"?>
 <p:sld xmlns:a="http://schemas.openxmlformats.org/drawingml/2006/main" xmlns:r="http://schemas.openxmlformats.org/officeDocument/2006/relationships" xmlns:p="http://schemas.openxmlformats.org/presentationml/2006/main">
   <p:cSld>
     <p:spTree>
@@ -9285,7 +9100,7 @@
 </p:sld>
 </file>
 
-<file path=ppt/slides/slide22.xml><?xml version="1.0" encoding="utf-8"?>
+<file path=ppt/slides/slide21.xml><?xml version="1.0" encoding="utf-8"?>
 <p:sld xmlns:a="http://schemas.openxmlformats.org/drawingml/2006/main" xmlns:r="http://schemas.openxmlformats.org/officeDocument/2006/relationships" xmlns:p="http://schemas.openxmlformats.org/presentationml/2006/main">
   <p:cSld>
     <p:spTree>
@@ -9348,38 +9163,21 @@
           <a:p>
             <a:r>
               <a:rPr lang="en-US" dirty="0" smtClean="0"/>
-              <a:t>We </a:t>
-            </a:r>
+              <a:t>We Divide all of dataset to two parts </a:t>
+            </a:r>
+          </a:p>
+          <a:p>
+            <a:pPr lvl="1"/>
             <a:r>
               <a:rPr lang="en-US" dirty="0" smtClean="0"/>
-              <a:t>Divide </a:t>
-            </a:r>
+              <a:t>First month for creating model (first dataset)</a:t>
+            </a:r>
+          </a:p>
+          <a:p>
+            <a:pPr lvl="1"/>
             <a:r>
               <a:rPr lang="en-US" dirty="0" smtClean="0"/>
-              <a:t>all of dataset to two parts </a:t>
-            </a:r>
-            <a:endParaRPr lang="en-US" dirty="0" smtClean="0"/>
-          </a:p>
-          <a:p>
-            <a:pPr lvl="1"/>
-            <a:r>
-              <a:rPr lang="en-US" dirty="0" smtClean="0"/>
-              <a:t>First month </a:t>
-            </a:r>
-            <a:r>
-              <a:rPr lang="en-US" dirty="0" smtClean="0"/>
-              <a:t>for creating model (first dataset)</a:t>
-            </a:r>
-          </a:p>
-          <a:p>
-            <a:pPr lvl="1"/>
-            <a:r>
-              <a:rPr lang="en-US" dirty="0" smtClean="0"/>
-              <a:t>Remaining dataset </a:t>
-            </a:r>
-            <a:r>
-              <a:rPr lang="en-US" dirty="0" smtClean="0"/>
-              <a:t>for testing performance (second dataset)</a:t>
+              <a:t>Remaining dataset for testing performance (second dataset)</a:t>
             </a:r>
           </a:p>
           <a:p>
@@ -9396,11 +9194,7 @@
             </a:r>
             <a:r>
               <a:rPr lang="en-US" dirty="0" smtClean="0"/>
-              <a:t>1</a:t>
-            </a:r>
-            <a:r>
-              <a:rPr lang="en-US" dirty="0" smtClean="0"/>
-              <a:t>: Behavior model/profile.</a:t>
+              <a:t>1: Behavior model/profile.</a:t>
             </a:r>
           </a:p>
           <a:p>
@@ -9412,44 +9206,31 @@
           <a:p>
             <a:r>
               <a:rPr lang="en-US" dirty="0" smtClean="0"/>
-              <a:t>Apply similarity detection to second </a:t>
-            </a:r>
+              <a:t>Apply similarity detection to second dataset with same setting. </a:t>
+            </a:r>
+          </a:p>
+          <a:p>
+            <a:pPr lvl="1"/>
             <a:r>
               <a:rPr lang="en-US" dirty="0" smtClean="0"/>
-              <a:t>dataset with same setting. </a:t>
+              <a:t>B2: Set of behavior group result from second dataset.</a:t>
+            </a:r>
+          </a:p>
+          <a:p>
+            <a:r>
+              <a:rPr lang="en-US" dirty="0" smtClean="0"/>
+              <a:t>Is the all of B2 identified by Behavior model/profile (B1</a:t>
+            </a:r>
+            <a:r>
+              <a:rPr lang="en-US" dirty="0" smtClean="0"/>
+              <a:t>)?.</a:t>
             </a:r>
             <a:endParaRPr lang="en-US" dirty="0" smtClean="0"/>
           </a:p>
           <a:p>
-            <a:pPr lvl="1"/>
             <a:r>
               <a:rPr lang="en-US" dirty="0" smtClean="0"/>
-              <a:t>B2: </a:t>
-            </a:r>
-            <a:r>
-              <a:rPr lang="en-US" dirty="0" smtClean="0"/>
-              <a:t>Set of behavior g</a:t>
-            </a:r>
-            <a:r>
-              <a:rPr lang="en-US" dirty="0" smtClean="0"/>
-              <a:t>roup </a:t>
-            </a:r>
-            <a:r>
-              <a:rPr lang="en-US" dirty="0" smtClean="0"/>
-              <a:t>result from second dataset.</a:t>
-            </a:r>
-          </a:p>
-          <a:p>
-            <a:r>
-              <a:rPr lang="en-US" dirty="0" smtClean="0"/>
-              <a:t>Is the all of B2 identified by Behavior model/profile (B1).</a:t>
-            </a:r>
-            <a:endParaRPr lang="en-US" dirty="0" smtClean="0"/>
-          </a:p>
-          <a:p>
-            <a:r>
-              <a:rPr lang="en-US" dirty="0" smtClean="0"/>
-              <a:t>Calculate group detection, </a:t>
+              <a:t>How many groups of activities (B2) which identified by behavior model(B1), </a:t>
             </a:r>
             <a:r>
               <a:rPr lang="en-US" dirty="0" smtClean="0"/>
@@ -9459,11 +9240,7 @@
           <a:p>
             <a:r>
               <a:rPr lang="en-US" dirty="0" smtClean="0"/>
-              <a:t>Implement </a:t>
-            </a:r>
-            <a:r>
-              <a:rPr lang="en-US" dirty="0" smtClean="0"/>
-              <a:t>this approach for Identification</a:t>
+              <a:t>Implement this approach for Identification</a:t>
             </a:r>
             <a:endParaRPr lang="en-US" dirty="0"/>
           </a:p>
@@ -9496,7 +9273,7 @@
 </p:sld>
 </file>
 
-<file path=ppt/slides/slide23.xml><?xml version="1.0" encoding="utf-8"?>
+<file path=ppt/slides/slide22.xml><?xml version="1.0" encoding="utf-8"?>
 <p:sld xmlns:a="http://schemas.openxmlformats.org/drawingml/2006/main" xmlns:r="http://schemas.openxmlformats.org/officeDocument/2006/relationships" xmlns:p="http://schemas.openxmlformats.org/presentationml/2006/main">
   <p:cSld>
     <p:spTree>
@@ -9620,7 +9397,7 @@
           <a:p>
             <a:r>
               <a:rPr lang="en-US" dirty="0" smtClean="0"/>
-              <a:t>Human Behavior</a:t>
+              <a:t>Thesis Background and Problem Statements</a:t>
             </a:r>
             <a:endParaRPr lang="en-US" dirty="0"/>
           </a:p>
@@ -9641,148 +9418,6 @@
           <a:bodyPr/>
           <a:lstStyle/>
           <a:p>
-            <a:r>
-              <a:rPr lang="en-US" dirty="0"/>
-              <a:t>Alice is </a:t>
-            </a:r>
-            <a:r>
-              <a:rPr lang="en-US" dirty="0" smtClean="0"/>
-              <a:t>research’s </a:t>
-            </a:r>
-            <a:r>
-              <a:rPr lang="en-US" dirty="0"/>
-              <a:t>student in one of university in Korea. </a:t>
-            </a:r>
-            <a:endParaRPr lang="en-US" dirty="0" smtClean="0"/>
-          </a:p>
-          <a:p>
-            <a:r>
-              <a:rPr lang="en-US" dirty="0" smtClean="0"/>
-              <a:t>Almost every day</a:t>
-            </a:r>
-            <a:r>
-              <a:rPr lang="en-US" dirty="0"/>
-              <a:t>, he wakes up, takes a shower, breakfast, and goes to his campus at 8:40 AM. </a:t>
-            </a:r>
-            <a:endParaRPr lang="en-US" dirty="0" smtClean="0"/>
-          </a:p>
-          <a:p>
-            <a:r>
-              <a:rPr lang="en-US" dirty="0" smtClean="0"/>
-              <a:t>He </a:t>
-            </a:r>
-            <a:r>
-              <a:rPr lang="en-US" dirty="0"/>
-              <a:t>is living in dormitory, he walks from dormitory to his lab (campus) takes 10 minutes. </a:t>
-            </a:r>
-            <a:endParaRPr lang="en-US" dirty="0" smtClean="0"/>
-          </a:p>
-          <a:p>
-            <a:r>
-              <a:rPr lang="en-US" dirty="0" smtClean="0"/>
-              <a:t>Usually</a:t>
-            </a:r>
-            <a:r>
-              <a:rPr lang="en-US" dirty="0"/>
-              <a:t>, he arrives in his lab at 9 AM and then sits on his chair and starts working. </a:t>
-            </a:r>
-            <a:endParaRPr lang="en-US" dirty="0" smtClean="0"/>
-          </a:p>
-          <a:p>
-            <a:pPr marL="0" indent="0">
-              <a:buNone/>
-            </a:pPr>
-            <a:endParaRPr lang="en-US" dirty="0"/>
-          </a:p>
-          <a:p>
-            <a:pPr marL="0" indent="0">
-              <a:buNone/>
-            </a:pPr>
-            <a:r>
-              <a:rPr lang="en-US" dirty="0" smtClean="0"/>
-              <a:t>This example is </a:t>
-            </a:r>
-            <a:r>
-              <a:rPr lang="en-US" dirty="0"/>
-              <a:t>one of the human daily routine in working day. Based on this story, we can used Alice’s smartphone sensor data to define and build Alice’s behavior model. </a:t>
-            </a:r>
-            <a:endParaRPr lang="en-US" dirty="0"/>
-          </a:p>
-        </p:txBody>
-      </p:sp>
-    </p:spTree>
-    <p:extLst>
-      <p:ext uri="{BB962C8B-B14F-4D97-AF65-F5344CB8AC3E}">
-        <p14:creationId xmlns:p14="http://schemas.microsoft.com/office/powerpoint/2010/main" val="1071681571"/>
-      </p:ext>
-    </p:extLst>
-  </p:cSld>
-  <p:clrMapOvr>
-    <a:masterClrMapping/>
-  </p:clrMapOvr>
-  <p:transition/>
-</p:sld>
-</file>
-
-<file path=ppt/slides/slide4.xml><?xml version="1.0" encoding="utf-8"?>
-<p:sld xmlns:a="http://schemas.openxmlformats.org/drawingml/2006/main" xmlns:r="http://schemas.openxmlformats.org/officeDocument/2006/relationships" xmlns:p="http://schemas.openxmlformats.org/presentationml/2006/main">
-  <p:cSld>
-    <p:spTree>
-      <p:nvGrpSpPr>
-        <p:cNvPr id="1" name=""/>
-        <p:cNvGrpSpPr/>
-        <p:nvPr/>
-      </p:nvGrpSpPr>
-      <p:grpSpPr>
-        <a:xfrm>
-          <a:off x="0" y="0"/>
-          <a:ext cx="0" cy="0"/>
-          <a:chOff x="0" y="0"/>
-          <a:chExt cx="0" cy="0"/>
-        </a:xfrm>
-      </p:grpSpPr>
-      <p:sp>
-        <p:nvSpPr>
-          <p:cNvPr id="2" name="Title 1"/>
-          <p:cNvSpPr>
-            <a:spLocks noGrp="1"/>
-          </p:cNvSpPr>
-          <p:nvPr>
-            <p:ph type="title"/>
-          </p:nvPr>
-        </p:nvSpPr>
-        <p:spPr/>
-        <p:txBody>
-          <a:bodyPr/>
-          <a:lstStyle/>
-          <a:p>
-            <a:r>
-              <a:rPr lang="en-US" dirty="0" smtClean="0"/>
-              <a:t>Thesis Background and Problem </a:t>
-            </a:r>
-            <a:r>
-              <a:rPr lang="en-US" dirty="0" smtClean="0"/>
-              <a:t>Statements</a:t>
-            </a:r>
-            <a:endParaRPr lang="en-US" dirty="0"/>
-          </a:p>
-        </p:txBody>
-      </p:sp>
-      <p:sp>
-        <p:nvSpPr>
-          <p:cNvPr id="3" name="Content Placeholder 2"/>
-          <p:cNvSpPr>
-            <a:spLocks noGrp="1"/>
-          </p:cNvSpPr>
-          <p:nvPr>
-            <p:ph idx="1"/>
-          </p:nvPr>
-        </p:nvSpPr>
-        <p:spPr/>
-        <p:txBody>
-          <a:bodyPr/>
-          <a:lstStyle/>
-          <a:p>
             <a:pPr lvl="0" algn="just"/>
             <a:r>
               <a:rPr lang="en-US" sz="1700" dirty="0"/>
@@ -9872,7 +9507,6 @@
               <a:rPr lang="en-US" sz="1700" dirty="0" smtClean="0"/>
               <a:t>. </a:t>
             </a:r>
-            <a:endParaRPr lang="en-US" sz="1700" dirty="0" smtClean="0"/>
           </a:p>
           <a:p>
             <a:pPr lvl="0" algn="just"/>
@@ -9904,7 +9538,7 @@
 </p:sld>
 </file>
 
-<file path=ppt/slides/slide5.xml><?xml version="1.0" encoding="utf-8"?>
+<file path=ppt/slides/slide4.xml><?xml version="1.0" encoding="utf-8"?>
 <p:sld xmlns:a="http://schemas.openxmlformats.org/drawingml/2006/main" xmlns:r="http://schemas.openxmlformats.org/officeDocument/2006/relationships" xmlns:p="http://schemas.openxmlformats.org/presentationml/2006/main">
   <p:cSld>
     <p:spTree>
@@ -10055,6 +9689,143 @@
 </p:sld>
 </file>
 
+<file path=ppt/slides/slide5.xml><?xml version="1.0" encoding="utf-8"?>
+<p:sld xmlns:a="http://schemas.openxmlformats.org/drawingml/2006/main" xmlns:r="http://schemas.openxmlformats.org/officeDocument/2006/relationships" xmlns:p="http://schemas.openxmlformats.org/presentationml/2006/main">
+  <p:cSld>
+    <p:spTree>
+      <p:nvGrpSpPr>
+        <p:cNvPr id="1" name=""/>
+        <p:cNvGrpSpPr/>
+        <p:nvPr/>
+      </p:nvGrpSpPr>
+      <p:grpSpPr>
+        <a:xfrm>
+          <a:off x="0" y="0"/>
+          <a:ext cx="0" cy="0"/>
+          <a:chOff x="0" y="0"/>
+          <a:chExt cx="0" cy="0"/>
+        </a:xfrm>
+      </p:grpSpPr>
+      <p:sp>
+        <p:nvSpPr>
+          <p:cNvPr id="2" name="Title 1"/>
+          <p:cNvSpPr>
+            <a:spLocks noGrp="1"/>
+          </p:cNvSpPr>
+          <p:nvPr>
+            <p:ph type="title"/>
+          </p:nvPr>
+        </p:nvSpPr>
+        <p:spPr/>
+        <p:txBody>
+          <a:bodyPr/>
+          <a:lstStyle/>
+          <a:p>
+            <a:r>
+              <a:rPr lang="en-US" dirty="0" smtClean="0"/>
+              <a:t>Human Behavior</a:t>
+            </a:r>
+            <a:endParaRPr lang="en-US" dirty="0"/>
+          </a:p>
+        </p:txBody>
+      </p:sp>
+      <p:sp>
+        <p:nvSpPr>
+          <p:cNvPr id="3" name="Content Placeholder 2"/>
+          <p:cNvSpPr>
+            <a:spLocks noGrp="1"/>
+          </p:cNvSpPr>
+          <p:nvPr>
+            <p:ph idx="1"/>
+          </p:nvPr>
+        </p:nvSpPr>
+        <p:spPr/>
+        <p:txBody>
+          <a:bodyPr/>
+          <a:lstStyle/>
+          <a:p>
+            <a:r>
+              <a:rPr lang="en-US" dirty="0"/>
+              <a:t>Alice is </a:t>
+            </a:r>
+            <a:r>
+              <a:rPr lang="en-US" dirty="0" smtClean="0"/>
+              <a:t>research’s </a:t>
+            </a:r>
+            <a:r>
+              <a:rPr lang="en-US" dirty="0"/>
+              <a:t>student in one of university in Korea. </a:t>
+            </a:r>
+            <a:endParaRPr lang="en-US" dirty="0" smtClean="0"/>
+          </a:p>
+          <a:p>
+            <a:r>
+              <a:rPr lang="en-US" dirty="0" smtClean="0"/>
+              <a:t>Almost every day</a:t>
+            </a:r>
+            <a:r>
+              <a:rPr lang="en-US" dirty="0"/>
+              <a:t>, he wakes up, takes a shower, breakfast, and goes to his campus at 8:40 AM. </a:t>
+            </a:r>
+            <a:endParaRPr lang="en-US" dirty="0" smtClean="0"/>
+          </a:p>
+          <a:p>
+            <a:r>
+              <a:rPr lang="en-US" dirty="0" smtClean="0"/>
+              <a:t>He </a:t>
+            </a:r>
+            <a:r>
+              <a:rPr lang="en-US" dirty="0"/>
+              <a:t>is living in dormitory, he walks from dormitory to his lab (campus) takes 10 minutes. </a:t>
+            </a:r>
+            <a:endParaRPr lang="en-US" dirty="0" smtClean="0"/>
+          </a:p>
+          <a:p>
+            <a:r>
+              <a:rPr lang="en-US" dirty="0" smtClean="0"/>
+              <a:t>Usually</a:t>
+            </a:r>
+            <a:r>
+              <a:rPr lang="en-US" dirty="0"/>
+              <a:t>, he arrives in his lab at 9 AM and then sits on his chair and starts working. </a:t>
+            </a:r>
+            <a:endParaRPr lang="en-US" dirty="0" smtClean="0"/>
+          </a:p>
+          <a:p>
+            <a:pPr marL="0" indent="0">
+              <a:buNone/>
+            </a:pPr>
+            <a:endParaRPr lang="en-US" dirty="0"/>
+          </a:p>
+          <a:p>
+            <a:pPr marL="0" indent="0">
+              <a:buNone/>
+            </a:pPr>
+            <a:r>
+              <a:rPr lang="en-US" dirty="0" smtClean="0"/>
+              <a:t>This example is </a:t>
+            </a:r>
+            <a:r>
+              <a:rPr lang="en-US" dirty="0"/>
+              <a:t>one of the human daily routine in working day. Based on this story, we can used Alice’s smartphone sensor data to define and build Alice’s behavior model. </a:t>
+            </a:r>
+          </a:p>
+        </p:txBody>
+      </p:sp>
+    </p:spTree>
+    <p:extLst>
+      <p:ext uri="{BB962C8B-B14F-4D97-AF65-F5344CB8AC3E}">
+        <p14:creationId xmlns:p14="http://schemas.microsoft.com/office/powerpoint/2010/main" val="454463081"/>
+      </p:ext>
+    </p:extLst>
+  </p:cSld>
+  <p:clrMapOvr>
+    <a:masterClrMapping/>
+  </p:clrMapOvr>
+  <p:transition/>
+</p:sld>
+</file>
+
 <file path=ppt/slides/slide6.xml><?xml version="1.0" encoding="utf-8"?>
 <p:sld xmlns:a="http://schemas.openxmlformats.org/drawingml/2006/main" xmlns:r="http://schemas.openxmlformats.org/officeDocument/2006/relationships" xmlns:p="http://schemas.openxmlformats.org/presentationml/2006/main">
   <p:cSld>
@@ -10155,11 +9926,7 @@
             </a:r>
             <a:r>
               <a:rPr lang="en-US" dirty="0" smtClean="0"/>
-              <a:t> </a:t>
-            </a:r>
-            <a:r>
-              <a:rPr lang="en-US" dirty="0" smtClean="0"/>
-              <a:t>around 9 AM)</a:t>
+              <a:t> around 9 AM)</a:t>
             </a:r>
           </a:p>
           <a:p>
@@ -10189,11 +9956,7 @@
             </a:r>
             <a:r>
               <a:rPr lang="en-US" dirty="0" smtClean="0"/>
-              <a:t> </a:t>
-            </a:r>
-            <a:r>
-              <a:rPr lang="en-US" dirty="0" smtClean="0"/>
-              <a:t>all lab’s members)</a:t>
+              <a:t> all lab’s members)</a:t>
             </a:r>
           </a:p>
           <a:p>
@@ -10259,224 +10022,26 @@
             <p:ph type="title"/>
           </p:nvPr>
         </p:nvSpPr>
-        <p:spPr/>
-        <p:txBody>
-          <a:bodyPr/>
-          <a:lstStyle/>
-          <a:p>
-            <a:r>
-              <a:rPr lang="en-US" dirty="0" smtClean="0"/>
-              <a:t>Features</a:t>
-            </a:r>
-            <a:endParaRPr lang="en-US" dirty="0"/>
-          </a:p>
-        </p:txBody>
-      </p:sp>
-      <p:sp>
-        <p:nvSpPr>
-          <p:cNvPr id="3" name="Content Placeholder 2"/>
-          <p:cNvSpPr>
-            <a:spLocks noGrp="1"/>
-          </p:cNvSpPr>
-          <p:nvPr>
-            <p:ph idx="1"/>
-          </p:nvPr>
-        </p:nvSpPr>
         <p:spPr>
           <a:xfrm>
-            <a:off x="457200" y="1600200"/>
-            <a:ext cx="8229600" cy="4800600"/>
+            <a:off x="76200" y="685800"/>
+            <a:ext cx="3886200" cy="762000"/>
           </a:xfrm>
         </p:spPr>
         <p:txBody>
           <a:bodyPr/>
           <a:lstStyle/>
           <a:p>
-            <a:pPr marL="0" indent="0">
-              <a:buNone/>
-            </a:pPr>
             <a:r>
               <a:rPr lang="en-US" dirty="0" smtClean="0"/>
-              <a:t>Proposed Features </a:t>
-            </a:r>
-            <a:r>
-              <a:rPr lang="en-US" sz="2200" i="1" dirty="0" smtClean="0"/>
-              <a:t>(every single data has timestamp)</a:t>
-            </a:r>
-          </a:p>
-          <a:p>
-            <a:pPr lvl="1"/>
-            <a:r>
+              <a:t>Dataset</a:t>
+            </a:r>
+            <a:br>
               <a:rPr lang="en-US" dirty="0" smtClean="0"/>
-              <a:t>What kind of Human Activity</a:t>
-            </a:r>
-          </a:p>
-          <a:p>
-            <a:pPr lvl="2"/>
+            </a:br>
             <a:r>
               <a:rPr lang="en-US" dirty="0" smtClean="0"/>
-              <a:t>Activity [none, low, high]</a:t>
-            </a:r>
-          </a:p>
-          <a:p>
-            <a:pPr lvl="1"/>
-            <a:r>
-              <a:rPr lang="en-US" dirty="0" smtClean="0"/>
-              <a:t>Human Location</a:t>
-            </a:r>
-          </a:p>
-          <a:p>
-            <a:pPr lvl="2"/>
-            <a:r>
-              <a:rPr lang="en-US" dirty="0" smtClean="0"/>
-              <a:t>GPS [longitude, latitude]</a:t>
-            </a:r>
-          </a:p>
-          <a:p>
-            <a:pPr lvl="2"/>
-            <a:r>
-              <a:rPr lang="en-US" dirty="0" smtClean="0"/>
-              <a:t>Bluetooth [list of nearby Bluetooth]</a:t>
-            </a:r>
-          </a:p>
-          <a:p>
-            <a:pPr lvl="2"/>
-            <a:r>
-              <a:rPr lang="en-US" dirty="0" smtClean="0"/>
-              <a:t>Wi-Fi [lists of nearby AP]</a:t>
-            </a:r>
-          </a:p>
-          <a:p>
-            <a:pPr lvl="1"/>
-            <a:r>
-              <a:rPr lang="en-US" dirty="0" smtClean="0"/>
-              <a:t>Human Interaction (Human-&gt;Human) </a:t>
-            </a:r>
-            <a:endParaRPr lang="en-US" dirty="0" smtClean="0"/>
-          </a:p>
-          <a:p>
-            <a:pPr lvl="2"/>
-            <a:r>
-              <a:rPr lang="en-US" dirty="0" smtClean="0"/>
-              <a:t>Call [incoming, outgoing, missed]</a:t>
-            </a:r>
-          </a:p>
-          <a:p>
-            <a:pPr lvl="2"/>
-            <a:r>
-              <a:rPr lang="en-US" dirty="0" smtClean="0"/>
-              <a:t>SMS [sent, received]</a:t>
-            </a:r>
-          </a:p>
-          <a:p>
-            <a:pPr lvl="2"/>
-            <a:r>
-              <a:rPr lang="en-US" dirty="0" smtClean="0"/>
-              <a:t>Run apps [social network apps]</a:t>
-            </a:r>
-          </a:p>
-          <a:p>
-            <a:pPr lvl="1"/>
-            <a:r>
-              <a:rPr lang="en-US" dirty="0" smtClean="0"/>
-              <a:t>Human Interaction (Human </a:t>
-            </a:r>
-            <a:r>
-              <a:rPr lang="en-US" dirty="0" smtClean="0"/>
-              <a:t>-&gt; </a:t>
-            </a:r>
-            <a:r>
-              <a:rPr lang="en-US" dirty="0" smtClean="0"/>
-              <a:t>Smartphone)</a:t>
-            </a:r>
-            <a:endParaRPr lang="en-US" dirty="0" smtClean="0"/>
-          </a:p>
-          <a:p>
-            <a:pPr lvl="2"/>
-            <a:r>
-              <a:rPr lang="en-US" dirty="0" smtClean="0"/>
-              <a:t>Battery [time charging]</a:t>
-            </a:r>
-          </a:p>
-          <a:p>
-            <a:pPr lvl="2"/>
-            <a:r>
-              <a:rPr lang="en-US" dirty="0" smtClean="0"/>
-              <a:t>Run apps [name of apps]</a:t>
-            </a:r>
-          </a:p>
-          <a:p>
-            <a:pPr lvl="2"/>
-            <a:r>
-              <a:rPr lang="en-US" dirty="0" smtClean="0"/>
-              <a:t>Screen [screen ON, screen OFF]</a:t>
-            </a:r>
-          </a:p>
-          <a:p>
-            <a:pPr lvl="2"/>
-            <a:endParaRPr lang="en-US" dirty="0" smtClean="0"/>
-          </a:p>
-          <a:p>
-            <a:endParaRPr lang="en-US" dirty="0"/>
-          </a:p>
-        </p:txBody>
-      </p:sp>
-    </p:spTree>
-    <p:extLst>
-      <p:ext uri="{BB962C8B-B14F-4D97-AF65-F5344CB8AC3E}">
-        <p14:creationId xmlns:p14="http://schemas.microsoft.com/office/powerpoint/2010/main" val="2851987838"/>
-      </p:ext>
-    </p:extLst>
-  </p:cSld>
-  <p:clrMapOvr>
-    <a:masterClrMapping/>
-  </p:clrMapOvr>
-  <p:transition/>
-  <p:timing>
-    <p:tnLst>
-      <p:par>
-        <p:cTn id="1" dur="indefinite" restart="never" nodeType="tmRoot"/>
-      </p:par>
-    </p:tnLst>
-  </p:timing>
-</p:sld>
-</file>
-
-<file path=ppt/slides/slide8.xml><?xml version="1.0" encoding="utf-8"?>
-<p:sld xmlns:a="http://schemas.openxmlformats.org/drawingml/2006/main" xmlns:r="http://schemas.openxmlformats.org/officeDocument/2006/relationships" xmlns:p="http://schemas.openxmlformats.org/presentationml/2006/main">
-  <p:cSld>
-    <p:spTree>
-      <p:nvGrpSpPr>
-        <p:cNvPr id="1" name=""/>
-        <p:cNvGrpSpPr/>
-        <p:nvPr/>
-      </p:nvGrpSpPr>
-      <p:grpSpPr>
-        <a:xfrm>
-          <a:off x="0" y="0"/>
-          <a:ext cx="0" cy="0"/>
-          <a:chOff x="0" y="0"/>
-          <a:chExt cx="0" cy="0"/>
-        </a:xfrm>
-      </p:grpSpPr>
-      <p:sp>
-        <p:nvSpPr>
-          <p:cNvPr id="2" name="Title 1"/>
-          <p:cNvSpPr>
-            <a:spLocks noGrp="1"/>
-          </p:cNvSpPr>
-          <p:nvPr>
-            <p:ph type="title"/>
-          </p:nvPr>
-        </p:nvSpPr>
-        <p:spPr/>
-        <p:txBody>
-          <a:bodyPr/>
-          <a:lstStyle/>
-          <a:p>
-            <a:r>
-              <a:rPr lang="en-US" dirty="0" smtClean="0"/>
-              <a:t>Dataset Description</a:t>
+              <a:t>&amp; Features Description</a:t>
             </a:r>
             <a:endParaRPr lang="en-US" dirty="0"/>
           </a:p>
@@ -10513,7 +10078,7 @@
       </p:pic>
       <p:sp>
         <p:nvSpPr>
-          <p:cNvPr id="5" name="Content Placeholder 2"/>
+          <p:cNvPr id="6" name="Content Placeholder 2"/>
           <p:cNvSpPr txBox="1">
             <a:spLocks/>
           </p:cNvSpPr>
@@ -10521,8 +10086,8 @@
         </p:nvSpPr>
         <p:spPr bwMode="auto">
           <a:xfrm>
-            <a:off x="457200" y="1600200"/>
-            <a:ext cx="3505200" cy="4525963"/>
+            <a:off x="228600" y="1600200"/>
+            <a:ext cx="3962400" cy="3962400"/>
           </a:xfrm>
           <a:prstGeom prst="rect">
             <a:avLst/>
@@ -10720,52 +10285,119 @@
             </a:lvl9pPr>
           </a:lstStyle>
           <a:p>
-            <a:pPr>
-              <a:spcBef>
-                <a:spcPts val="600"/>
-              </a:spcBef>
-              <a:buFont typeface="+mj-lt"/>
-              <a:buAutoNum type="arabicPeriod"/>
+            <a:pPr marL="0" indent="0">
+              <a:buFontTx/>
+              <a:buNone/>
             </a:pPr>
             <a:r>
-              <a:rPr lang="en-US" sz="1800" b="0" dirty="0"/>
-              <a:t>We store the data from all of students in archive file. </a:t>
-            </a:r>
-            <a:endParaRPr lang="en-US" sz="1800" b="0" dirty="0" smtClean="0"/>
-          </a:p>
-          <a:p>
-            <a:pPr>
-              <a:spcBef>
-                <a:spcPts val="600"/>
-              </a:spcBef>
-              <a:buFont typeface="+mj-lt"/>
-              <a:buAutoNum type="arabicPeriod"/>
-            </a:pPr>
-            <a:r>
-              <a:rPr lang="en-US" sz="1800" b="0" dirty="0" smtClean="0"/>
-              <a:t>The </a:t>
-            </a:r>
-            <a:r>
-              <a:rPr lang="en-US" sz="1800" b="0" dirty="0"/>
-              <a:t>size of all of data after extracted is around 28.7 GB. Extracted data contain 47 directories in different name for each student’s data</a:t>
-            </a:r>
-            <a:r>
-              <a:rPr lang="en-US" sz="1800" b="0" dirty="0" smtClean="0"/>
-              <a:t>.</a:t>
-            </a:r>
-          </a:p>
-          <a:p>
-            <a:pPr>
-              <a:spcBef>
-                <a:spcPts val="600"/>
-              </a:spcBef>
-              <a:buFont typeface="+mj-lt"/>
-              <a:buAutoNum type="arabicPeriod"/>
-            </a:pPr>
-            <a:r>
-              <a:rPr lang="en-US" sz="1800" b="0" kern="0" dirty="0" smtClean="0"/>
-              <a:t>We used 37 students data.</a:t>
-            </a:r>
+              <a:rPr lang="en-US" sz="1200" b="0" kern="0" smtClean="0"/>
+              <a:t>Proposed Features </a:t>
+            </a:r>
+            <a:r>
+              <a:rPr lang="en-US" sz="1200" b="0" i="1" kern="0" smtClean="0"/>
+              <a:t>(every single data has timestamp)</a:t>
+            </a:r>
+          </a:p>
+          <a:p>
+            <a:r>
+              <a:rPr lang="en-US" sz="1200" b="0" kern="0" smtClean="0"/>
+              <a:t>What kind of Human Activity</a:t>
+            </a:r>
+          </a:p>
+          <a:p>
+            <a:pPr lvl="1"/>
+            <a:r>
+              <a:rPr lang="en-US" sz="1200" b="0" kern="0" smtClean="0"/>
+              <a:t>Activity [none, low, high]</a:t>
+            </a:r>
+          </a:p>
+          <a:p>
+            <a:r>
+              <a:rPr lang="en-US" sz="1200" b="0" kern="0" smtClean="0"/>
+              <a:t>Human Location</a:t>
+            </a:r>
+          </a:p>
+          <a:p>
+            <a:pPr lvl="1"/>
+            <a:r>
+              <a:rPr lang="en-US" sz="1200" b="0" kern="0" smtClean="0"/>
+              <a:t>GPS [longitude, latitude]</a:t>
+            </a:r>
+          </a:p>
+          <a:p>
+            <a:pPr lvl="1"/>
+            <a:r>
+              <a:rPr lang="en-US" sz="1200" b="0" kern="0" smtClean="0"/>
+              <a:t>Bluetooth [list of nearby Bluetooth]</a:t>
+            </a:r>
+          </a:p>
+          <a:p>
+            <a:pPr lvl="1"/>
+            <a:r>
+              <a:rPr lang="en-US" sz="1200" b="0" kern="0" smtClean="0"/>
+              <a:t>Wi-Fi [lists of nearby AP]</a:t>
+            </a:r>
+          </a:p>
+          <a:p>
+            <a:r>
+              <a:rPr lang="en-US" sz="1200" b="0" kern="0" smtClean="0"/>
+              <a:t>Human Interaction (Human-&gt;Human) </a:t>
+            </a:r>
+          </a:p>
+          <a:p>
+            <a:pPr lvl="1"/>
+            <a:r>
+              <a:rPr lang="en-US" sz="1200" b="0" kern="0" smtClean="0"/>
+              <a:t>Call [incoming, outgoing, missed]</a:t>
+            </a:r>
+          </a:p>
+          <a:p>
+            <a:pPr lvl="1"/>
+            <a:r>
+              <a:rPr lang="en-US" sz="1200" b="0" kern="0" smtClean="0"/>
+              <a:t>SMS [sent, received]</a:t>
+            </a:r>
+          </a:p>
+          <a:p>
+            <a:pPr lvl="1"/>
+            <a:r>
+              <a:rPr lang="en-US" sz="1200" b="0" kern="0" smtClean="0"/>
+              <a:t>Run apps [social network apps]</a:t>
+            </a:r>
+          </a:p>
+          <a:p>
+            <a:r>
+              <a:rPr lang="en-US" sz="1200" b="0" kern="0" smtClean="0"/>
+              <a:t>Human Interaction (Human -&gt; Smartphone)</a:t>
+            </a:r>
+          </a:p>
+          <a:p>
+            <a:pPr lvl="1"/>
+            <a:r>
+              <a:rPr lang="en-US" sz="1200" b="0" kern="0" smtClean="0"/>
+              <a:t>Battery [time charging]</a:t>
+            </a:r>
+          </a:p>
+          <a:p>
+            <a:pPr lvl="1"/>
+            <a:r>
+              <a:rPr lang="en-US" sz="1200" b="0" kern="0" smtClean="0"/>
+              <a:t>Run apps [name of apps]</a:t>
+            </a:r>
+          </a:p>
+          <a:p>
+            <a:pPr lvl="1"/>
+            <a:r>
+              <a:rPr lang="en-US" sz="1200" b="0" kern="0" smtClean="0"/>
+              <a:t>Screen [screen ON, screen OFF]</a:t>
+            </a:r>
+          </a:p>
+          <a:p>
+            <a:pPr lvl="2"/>
+            <a:endParaRPr lang="en-US" sz="1200" b="0" kern="0" smtClean="0"/>
+          </a:p>
+          <a:p>
+            <a:endParaRPr lang="en-US" sz="1200" b="0" kern="0" dirty="0"/>
           </a:p>
         </p:txBody>
       </p:sp>
@@ -10783,7 +10415,7 @@
 </p:sld>
 </file>
 
-<file path=ppt/slides/slide9.xml><?xml version="1.0" encoding="utf-8"?>
+<file path=ppt/slides/slide8.xml><?xml version="1.0" encoding="utf-8"?>
 <p:sld xmlns:a="http://schemas.openxmlformats.org/drawingml/2006/main" xmlns:r="http://schemas.openxmlformats.org/officeDocument/2006/relationships" xmlns:p="http://schemas.openxmlformats.org/presentationml/2006/main">
   <p:cSld>
     <p:spTree>
@@ -10847,6 +10479,383 @@
       </p:par>
     </p:tnLst>
   </p:timing>
+</p:sld>
+</file>
+
+<file path=ppt/slides/slide9.xml><?xml version="1.0" encoding="utf-8"?>
+<p:sld xmlns:a="http://schemas.openxmlformats.org/drawingml/2006/main" xmlns:r="http://schemas.openxmlformats.org/officeDocument/2006/relationships" xmlns:p="http://schemas.openxmlformats.org/presentationml/2006/main">
+  <p:cSld>
+    <p:spTree>
+      <p:nvGrpSpPr>
+        <p:cNvPr id="1" name=""/>
+        <p:cNvGrpSpPr/>
+        <p:nvPr/>
+      </p:nvGrpSpPr>
+      <p:grpSpPr>
+        <a:xfrm>
+          <a:off x="0" y="0"/>
+          <a:ext cx="0" cy="0"/>
+          <a:chOff x="0" y="0"/>
+          <a:chExt cx="0" cy="0"/>
+        </a:xfrm>
+      </p:grpSpPr>
+      <p:pic>
+        <p:nvPicPr>
+          <p:cNvPr id="5" name="Picture 4"/>
+          <p:cNvPicPr>
+            <a:picLocks noChangeAspect="1"/>
+          </p:cNvPicPr>
+          <p:nvPr/>
+        </p:nvPicPr>
+        <p:blipFill>
+          <a:blip r:embed="rId2">
+            <a:extLst>
+              <a:ext uri="{28A0092B-C50C-407E-A947-70E740481C1C}">
+                <a14:useLocalDpi xmlns:a14="http://schemas.microsoft.com/office/drawing/2010/main" val="0"/>
+              </a:ext>
+            </a:extLst>
+          </a:blip>
+          <a:stretch>
+            <a:fillRect/>
+          </a:stretch>
+        </p:blipFill>
+        <p:spPr>
+          <a:xfrm>
+            <a:off x="-76200" y="990600"/>
+            <a:ext cx="7010400" cy="2818431"/>
+          </a:xfrm>
+          <a:prstGeom prst="rect">
+            <a:avLst/>
+          </a:prstGeom>
+        </p:spPr>
+      </p:pic>
+      <p:pic>
+        <p:nvPicPr>
+          <p:cNvPr id="6" name="Picture 5"/>
+          <p:cNvPicPr>
+            <a:picLocks noChangeAspect="1"/>
+          </p:cNvPicPr>
+          <p:nvPr/>
+        </p:nvPicPr>
+        <p:blipFill>
+          <a:blip r:embed="rId3">
+            <a:extLst>
+              <a:ext uri="{28A0092B-C50C-407E-A947-70E740481C1C}">
+                <a14:useLocalDpi xmlns:a14="http://schemas.microsoft.com/office/drawing/2010/main" val="0"/>
+              </a:ext>
+            </a:extLst>
+          </a:blip>
+          <a:stretch>
+            <a:fillRect/>
+          </a:stretch>
+        </p:blipFill>
+        <p:spPr>
+          <a:xfrm>
+            <a:off x="2362199" y="3814250"/>
+            <a:ext cx="6779029" cy="2631301"/>
+          </a:xfrm>
+          <a:prstGeom prst="rect">
+            <a:avLst/>
+          </a:prstGeom>
+        </p:spPr>
+      </p:pic>
+      <p:sp>
+        <p:nvSpPr>
+          <p:cNvPr id="11" name="Title 1"/>
+          <p:cNvSpPr>
+            <a:spLocks noGrp="1"/>
+          </p:cNvSpPr>
+          <p:nvPr>
+            <p:ph type="title"/>
+          </p:nvPr>
+        </p:nvSpPr>
+        <p:spPr>
+          <a:xfrm>
+            <a:off x="304800" y="304800"/>
+            <a:ext cx="8229600" cy="762000"/>
+          </a:xfrm>
+        </p:spPr>
+        <p:txBody>
+          <a:bodyPr/>
+          <a:lstStyle/>
+          <a:p>
+            <a:r>
+              <a:rPr lang="en-US" dirty="0" smtClean="0"/>
+              <a:t>Example data plot from two of students</a:t>
+            </a:r>
+            <a:endParaRPr lang="en-US" dirty="0"/>
+          </a:p>
+        </p:txBody>
+      </p:sp>
+      <p:sp>
+        <p:nvSpPr>
+          <p:cNvPr id="7" name="Content Placeholder 2"/>
+          <p:cNvSpPr txBox="1">
+            <a:spLocks/>
+          </p:cNvSpPr>
+          <p:nvPr/>
+        </p:nvSpPr>
+        <p:spPr bwMode="auto">
+          <a:xfrm>
+            <a:off x="0" y="3657600"/>
+            <a:ext cx="2514600" cy="2743200"/>
+          </a:xfrm>
+          <a:prstGeom prst="rect">
+            <a:avLst/>
+          </a:prstGeom>
+          <a:noFill/>
+          <a:ln>
+            <a:noFill/>
+          </a:ln>
+          <a:effectLst/>
+          <a:extLst>
+            <a:ext uri="{909E8E84-426E-40dd-AFC4-6F175D3DCCD1}">
+              <a14:hiddenFill xmlns:a14="http://schemas.microsoft.com/office/drawing/2010/main" xmlns="">
+                <a:solidFill>
+                  <a:schemeClr val="accent1"/>
+                </a:solidFill>
+              </a14:hiddenFill>
+            </a:ext>
+            <a:ext uri="{91240B29-F687-4f45-9708-019B960494DF}">
+              <a14:hiddenLine xmlns:a14="http://schemas.microsoft.com/office/drawing/2010/main" xmlns="" w="9525">
+                <a:solidFill>
+                  <a:schemeClr val="tx1"/>
+                </a:solidFill>
+                <a:miter lim="800000"/>
+                <a:headEnd/>
+                <a:tailEnd/>
+              </a14:hiddenLine>
+            </a:ext>
+            <a:ext uri="{AF507438-7753-43e0-B8FC-AC1667EBCBE1}">
+              <a14:hiddenEffects xmlns:a14="http://schemas.microsoft.com/office/drawing/2010/main" xmlns="">
+                <a:effectLst>
+                  <a:outerShdw blurRad="63500" dist="38099" dir="2700000" algn="ctr" rotWithShape="0">
+                    <a:schemeClr val="bg2">
+                      <a:alpha val="74998"/>
+                    </a:schemeClr>
+                  </a:outerShdw>
+                </a:effectLst>
+              </a14:hiddenEffects>
+            </a:ext>
+            <a:ext uri="{FAA26D3D-D897-4be2-8F04-BA451C77F1D7}">
+              <ma14:placeholderFlag xmlns:ma14="http://schemas.microsoft.com/office/mac/drawingml/2011/main" xmlns="" val="1"/>
+            </a:ext>
+          </a:extLst>
+        </p:spPr>
+        <p:txBody>
+          <a:bodyPr vert="horz" wrap="square" lIns="91440" tIns="45720" rIns="91440" bIns="45720" numCol="1" anchor="t" anchorCtr="0" compatLnSpc="1">
+            <a:prstTxWarp prst="textNoShape">
+              <a:avLst/>
+            </a:prstTxWarp>
+          </a:bodyPr>
+          <a:lstStyle>
+            <a:lvl1pPr marL="342900" indent="-342900" algn="l" rtl="0" fontAlgn="base">
+              <a:spcBef>
+                <a:spcPct val="20000"/>
+              </a:spcBef>
+              <a:spcAft>
+                <a:spcPct val="0"/>
+              </a:spcAft>
+              <a:buChar char="•"/>
+              <a:defRPr sz="2000">
+                <a:solidFill>
+                  <a:schemeClr val="tx1"/>
+                </a:solidFill>
+                <a:latin typeface="+mn-lt"/>
+                <a:ea typeface="+mn-ea"/>
+                <a:cs typeface="+mn-cs"/>
+              </a:defRPr>
+            </a:lvl1pPr>
+            <a:lvl2pPr marL="742950" indent="-285750" algn="l" rtl="0" fontAlgn="base">
+              <a:spcBef>
+                <a:spcPct val="20000"/>
+              </a:spcBef>
+              <a:spcAft>
+                <a:spcPct val="0"/>
+              </a:spcAft>
+              <a:buChar char="–"/>
+              <a:defRPr>
+                <a:solidFill>
+                  <a:schemeClr val="tx1"/>
+                </a:solidFill>
+                <a:latin typeface="+mn-lt"/>
+                <a:ea typeface="+mn-ea"/>
+              </a:defRPr>
+            </a:lvl2pPr>
+            <a:lvl3pPr marL="1143000" indent="-228600" algn="l" rtl="0" fontAlgn="base">
+              <a:spcBef>
+                <a:spcPct val="20000"/>
+              </a:spcBef>
+              <a:spcAft>
+                <a:spcPct val="0"/>
+              </a:spcAft>
+              <a:buChar char="•"/>
+              <a:defRPr sz="1600">
+                <a:solidFill>
+                  <a:schemeClr val="tx1"/>
+                </a:solidFill>
+                <a:latin typeface="+mn-lt"/>
+                <a:ea typeface="+mn-ea"/>
+              </a:defRPr>
+            </a:lvl3pPr>
+            <a:lvl4pPr marL="1600200" indent="-228600" algn="l" rtl="0" fontAlgn="base">
+              <a:spcBef>
+                <a:spcPct val="20000"/>
+              </a:spcBef>
+              <a:spcAft>
+                <a:spcPct val="0"/>
+              </a:spcAft>
+              <a:buChar char="–"/>
+              <a:defRPr sz="1400">
+                <a:solidFill>
+                  <a:schemeClr val="tx1"/>
+                </a:solidFill>
+                <a:latin typeface="+mn-lt"/>
+                <a:ea typeface="+mn-ea"/>
+              </a:defRPr>
+            </a:lvl4pPr>
+            <a:lvl5pPr marL="2057400" indent="-228600" algn="l" rtl="0" fontAlgn="base">
+              <a:spcBef>
+                <a:spcPct val="20000"/>
+              </a:spcBef>
+              <a:spcAft>
+                <a:spcPct val="0"/>
+              </a:spcAft>
+              <a:buChar char="»"/>
+              <a:defRPr sz="1400">
+                <a:solidFill>
+                  <a:schemeClr val="tx1"/>
+                </a:solidFill>
+                <a:latin typeface="+mn-lt"/>
+                <a:ea typeface="+mn-ea"/>
+              </a:defRPr>
+            </a:lvl5pPr>
+            <a:lvl6pPr marL="2514600" indent="-228600" algn="l" rtl="0" fontAlgn="base">
+              <a:spcBef>
+                <a:spcPct val="20000"/>
+              </a:spcBef>
+              <a:spcAft>
+                <a:spcPct val="0"/>
+              </a:spcAft>
+              <a:buChar char="»"/>
+              <a:defRPr sz="1400">
+                <a:solidFill>
+                  <a:schemeClr val="tx1"/>
+                </a:solidFill>
+                <a:latin typeface="+mn-lt"/>
+                <a:ea typeface="+mn-ea"/>
+              </a:defRPr>
+            </a:lvl6pPr>
+            <a:lvl7pPr marL="2971800" indent="-228600" algn="l" rtl="0" fontAlgn="base">
+              <a:spcBef>
+                <a:spcPct val="20000"/>
+              </a:spcBef>
+              <a:spcAft>
+                <a:spcPct val="0"/>
+              </a:spcAft>
+              <a:buChar char="»"/>
+              <a:defRPr sz="1400">
+                <a:solidFill>
+                  <a:schemeClr val="tx1"/>
+                </a:solidFill>
+                <a:latin typeface="+mn-lt"/>
+                <a:ea typeface="+mn-ea"/>
+              </a:defRPr>
+            </a:lvl7pPr>
+            <a:lvl8pPr marL="3429000" indent="-228600" algn="l" rtl="0" fontAlgn="base">
+              <a:spcBef>
+                <a:spcPct val="20000"/>
+              </a:spcBef>
+              <a:spcAft>
+                <a:spcPct val="0"/>
+              </a:spcAft>
+              <a:buChar char="»"/>
+              <a:defRPr sz="1400">
+                <a:solidFill>
+                  <a:schemeClr val="tx1"/>
+                </a:solidFill>
+                <a:latin typeface="+mn-lt"/>
+                <a:ea typeface="+mn-ea"/>
+              </a:defRPr>
+            </a:lvl8pPr>
+            <a:lvl9pPr marL="3886200" indent="-228600" algn="l" rtl="0" fontAlgn="base">
+              <a:spcBef>
+                <a:spcPct val="20000"/>
+              </a:spcBef>
+              <a:spcAft>
+                <a:spcPct val="0"/>
+              </a:spcAft>
+              <a:buChar char="»"/>
+              <a:defRPr sz="1400">
+                <a:solidFill>
+                  <a:schemeClr val="tx1"/>
+                </a:solidFill>
+                <a:latin typeface="+mn-lt"/>
+                <a:ea typeface="+mn-ea"/>
+              </a:defRPr>
+            </a:lvl9pPr>
+          </a:lstStyle>
+          <a:p>
+            <a:pPr>
+              <a:spcBef>
+                <a:spcPts val="600"/>
+              </a:spcBef>
+              <a:buFont typeface="+mj-lt"/>
+              <a:buAutoNum type="arabicPeriod"/>
+            </a:pPr>
+            <a:r>
+              <a:rPr lang="en-US" sz="1400" b="0" dirty="0"/>
+              <a:t>We store the data from all of students in archive file. </a:t>
+            </a:r>
+            <a:endParaRPr lang="en-US" sz="1400" b="0" dirty="0" smtClean="0"/>
+          </a:p>
+          <a:p>
+            <a:pPr>
+              <a:spcBef>
+                <a:spcPts val="600"/>
+              </a:spcBef>
+              <a:buFont typeface="+mj-lt"/>
+              <a:buAutoNum type="arabicPeriod"/>
+            </a:pPr>
+            <a:r>
+              <a:rPr lang="en-US" sz="1400" b="0" dirty="0" smtClean="0"/>
+              <a:t>The </a:t>
+            </a:r>
+            <a:r>
+              <a:rPr lang="en-US" sz="1400" b="0" dirty="0"/>
+              <a:t>size of all of data after extracted is around 28.7 GB. Extracted data contain 47 directories in different name for each student’s data</a:t>
+            </a:r>
+            <a:r>
+              <a:rPr lang="en-US" sz="1400" b="0" dirty="0" smtClean="0"/>
+              <a:t>.</a:t>
+            </a:r>
+          </a:p>
+          <a:p>
+            <a:pPr>
+              <a:spcBef>
+                <a:spcPts val="600"/>
+              </a:spcBef>
+              <a:buFont typeface="+mj-lt"/>
+              <a:buAutoNum type="arabicPeriod"/>
+            </a:pPr>
+            <a:r>
+              <a:rPr lang="en-US" sz="1400" b="0" kern="0" dirty="0" smtClean="0"/>
+              <a:t>We used 37 students data.</a:t>
+            </a:r>
+          </a:p>
+        </p:txBody>
+      </p:sp>
+    </p:spTree>
+    <p:extLst>
+      <p:ext uri="{BB962C8B-B14F-4D97-AF65-F5344CB8AC3E}">
+        <p14:creationId xmlns:p14="http://schemas.microsoft.com/office/powerpoint/2010/main" val="701702489"/>
+      </p:ext>
+    </p:extLst>
+  </p:cSld>
+  <p:clrMapOvr>
+    <a:masterClrMapping/>
+  </p:clrMapOvr>
+  <p:transition/>
 </p:sld>
 </file>
 

--- a/Thesis-presentation.pptx
+++ b/Thesis-presentation.pptx
@@ -227,14 +227,14 @@
           <a:effectLst/>
           <a:extLst>
             <a:ext uri="{909E8E84-426E-40dd-AFC4-6F175D3DCCD1}">
-              <a14:hiddenFill xmlns:a14="http://schemas.microsoft.com/office/drawing/2010/main" xmlns="">
+              <a14:hiddenFill xmlns="" xmlns:a14="http://schemas.microsoft.com/office/drawing/2010/main">
                 <a:solidFill>
                   <a:schemeClr val="accent1"/>
                 </a:solidFill>
               </a14:hiddenFill>
             </a:ext>
             <a:ext uri="{91240B29-F687-4f45-9708-019B960494DF}">
-              <a14:hiddenLine xmlns:a14="http://schemas.microsoft.com/office/drawing/2010/main" xmlns="" w="9525">
+              <a14:hiddenLine xmlns="" xmlns:a14="http://schemas.microsoft.com/office/drawing/2010/main" w="9525">
                 <a:solidFill>
                   <a:schemeClr val="tx1"/>
                 </a:solidFill>
@@ -244,7 +244,7 @@
               </a14:hiddenLine>
             </a:ext>
             <a:ext uri="{AF507438-7753-43e0-B8FC-AC1667EBCBE1}">
-              <a14:hiddenEffects xmlns:a14="http://schemas.microsoft.com/office/drawing/2010/main" xmlns="">
+              <a14:hiddenEffects xmlns="" xmlns:a14="http://schemas.microsoft.com/office/drawing/2010/main">
                 <a:effectLst>
                   <a:outerShdw blurRad="63500" dist="38099" dir="2700000" algn="ctr" rotWithShape="0">
                     <a:schemeClr val="bg2">
@@ -255,7 +255,7 @@
               </a14:hiddenEffects>
             </a:ext>
             <a:ext uri="{FAA26D3D-D897-4be2-8F04-BA451C77F1D7}">
-              <ma14:placeholderFlag xmlns:ma14="http://schemas.microsoft.com/office/mac/drawingml/2011/main" xmlns="" val="1"/>
+              <ma14:placeholderFlag xmlns="" xmlns:ma14="http://schemas.microsoft.com/office/mac/drawingml/2011/main" val="1"/>
             </a:ext>
           </a:extLst>
         </p:spPr>
@@ -300,14 +300,14 @@
           <a:effectLst/>
           <a:extLst>
             <a:ext uri="{909E8E84-426E-40dd-AFC4-6F175D3DCCD1}">
-              <a14:hiddenFill xmlns:a14="http://schemas.microsoft.com/office/drawing/2010/main" xmlns="">
+              <a14:hiddenFill xmlns="" xmlns:a14="http://schemas.microsoft.com/office/drawing/2010/main">
                 <a:solidFill>
                   <a:schemeClr val="accent1"/>
                 </a:solidFill>
               </a14:hiddenFill>
             </a:ext>
             <a:ext uri="{91240B29-F687-4f45-9708-019B960494DF}">
-              <a14:hiddenLine xmlns:a14="http://schemas.microsoft.com/office/drawing/2010/main" xmlns="" w="9525">
+              <a14:hiddenLine xmlns="" xmlns:a14="http://schemas.microsoft.com/office/drawing/2010/main" w="9525">
                 <a:solidFill>
                   <a:schemeClr val="tx1"/>
                 </a:solidFill>
@@ -317,7 +317,7 @@
               </a14:hiddenLine>
             </a:ext>
             <a:ext uri="{AF507438-7753-43e0-B8FC-AC1667EBCBE1}">
-              <a14:hiddenEffects xmlns:a14="http://schemas.microsoft.com/office/drawing/2010/main" xmlns="">
+              <a14:hiddenEffects xmlns="" xmlns:a14="http://schemas.microsoft.com/office/drawing/2010/main">
                 <a:effectLst>
                   <a:outerShdw blurRad="63500" dist="38099" dir="2700000" algn="ctr" rotWithShape="0">
                     <a:schemeClr val="bg2">
@@ -328,7 +328,7 @@
               </a14:hiddenEffects>
             </a:ext>
             <a:ext uri="{FAA26D3D-D897-4be2-8F04-BA451C77F1D7}">
-              <ma14:placeholderFlag xmlns:ma14="http://schemas.microsoft.com/office/mac/drawingml/2011/main" xmlns="" val="1"/>
+              <ma14:placeholderFlag xmlns="" xmlns:ma14="http://schemas.microsoft.com/office/mac/drawingml/2011/main" val="1"/>
             </a:ext>
           </a:extLst>
         </p:spPr>
@@ -378,7 +378,7 @@
           <a:effectLst/>
           <a:extLst>
             <a:ext uri="{AF507438-7753-43e0-B8FC-AC1667EBCBE1}">
-              <a14:hiddenEffects xmlns:a14="http://schemas.microsoft.com/office/drawing/2010/main" xmlns="">
+              <a14:hiddenEffects xmlns="" xmlns:a14="http://schemas.microsoft.com/office/drawing/2010/main">
                 <a:effectLst>
                   <a:outerShdw blurRad="63500" dist="38099" dir="2700000" algn="ctr" rotWithShape="0">
                     <a:srgbClr val="000000">
@@ -389,7 +389,7 @@
               </a14:hiddenEffects>
             </a:ext>
             <a:ext uri="{53640926-AAD7-44d8-BBD7-CCE9431645EC}">
-              <a14:shadowObscured xmlns:a14="http://schemas.microsoft.com/office/drawing/2010/main" xmlns="" val="1"/>
+              <a14:shadowObscured xmlns="" xmlns:a14="http://schemas.microsoft.com/office/drawing/2010/main" val="1"/>
             </a:ext>
           </a:extLst>
         </p:spPr>
@@ -419,14 +419,14 @@
           <a:effectLst/>
           <a:extLst>
             <a:ext uri="{909E8E84-426E-40dd-AFC4-6F175D3DCCD1}">
-              <a14:hiddenFill xmlns:a14="http://schemas.microsoft.com/office/drawing/2010/main" xmlns="">
+              <a14:hiddenFill xmlns="" xmlns:a14="http://schemas.microsoft.com/office/drawing/2010/main">
                 <a:solidFill>
                   <a:schemeClr val="accent1"/>
                 </a:solidFill>
               </a14:hiddenFill>
             </a:ext>
             <a:ext uri="{91240B29-F687-4f45-9708-019B960494DF}">
-              <a14:hiddenLine xmlns:a14="http://schemas.microsoft.com/office/drawing/2010/main" xmlns="" w="9525">
+              <a14:hiddenLine xmlns="" xmlns:a14="http://schemas.microsoft.com/office/drawing/2010/main" w="9525">
                 <a:solidFill>
                   <a:schemeClr val="tx1"/>
                 </a:solidFill>
@@ -436,7 +436,7 @@
               </a14:hiddenLine>
             </a:ext>
             <a:ext uri="{AF507438-7753-43e0-B8FC-AC1667EBCBE1}">
-              <a14:hiddenEffects xmlns:a14="http://schemas.microsoft.com/office/drawing/2010/main" xmlns="">
+              <a14:hiddenEffects xmlns="" xmlns:a14="http://schemas.microsoft.com/office/drawing/2010/main">
                 <a:effectLst>
                   <a:outerShdw blurRad="63500" dist="38099" dir="2700000" algn="ctr" rotWithShape="0">
                     <a:schemeClr val="bg2">
@@ -447,7 +447,7 @@
               </a14:hiddenEffects>
             </a:ext>
             <a:ext uri="{FAA26D3D-D897-4be2-8F04-BA451C77F1D7}">
-              <ma14:placeholderFlag xmlns:ma14="http://schemas.microsoft.com/office/mac/drawingml/2011/main" xmlns="" val="1"/>
+              <ma14:placeholderFlag xmlns="" xmlns:ma14="http://schemas.microsoft.com/office/mac/drawingml/2011/main" val="1"/>
             </a:ext>
           </a:extLst>
         </p:spPr>
@@ -520,14 +520,14 @@
           <a:effectLst/>
           <a:extLst>
             <a:ext uri="{909E8E84-426E-40dd-AFC4-6F175D3DCCD1}">
-              <a14:hiddenFill xmlns:a14="http://schemas.microsoft.com/office/drawing/2010/main" xmlns="">
+              <a14:hiddenFill xmlns="" xmlns:a14="http://schemas.microsoft.com/office/drawing/2010/main">
                 <a:solidFill>
                   <a:schemeClr val="accent1"/>
                 </a:solidFill>
               </a14:hiddenFill>
             </a:ext>
             <a:ext uri="{91240B29-F687-4f45-9708-019B960494DF}">
-              <a14:hiddenLine xmlns:a14="http://schemas.microsoft.com/office/drawing/2010/main" xmlns="" w="9525">
+              <a14:hiddenLine xmlns="" xmlns:a14="http://schemas.microsoft.com/office/drawing/2010/main" w="9525">
                 <a:solidFill>
                   <a:schemeClr val="tx1"/>
                 </a:solidFill>
@@ -537,7 +537,7 @@
               </a14:hiddenLine>
             </a:ext>
             <a:ext uri="{AF507438-7753-43e0-B8FC-AC1667EBCBE1}">
-              <a14:hiddenEffects xmlns:a14="http://schemas.microsoft.com/office/drawing/2010/main" xmlns="">
+              <a14:hiddenEffects xmlns="" xmlns:a14="http://schemas.microsoft.com/office/drawing/2010/main">
                 <a:effectLst>
                   <a:outerShdw blurRad="63500" dist="38099" dir="2700000" algn="ctr" rotWithShape="0">
                     <a:schemeClr val="bg2">
@@ -548,7 +548,7 @@
               </a14:hiddenEffects>
             </a:ext>
             <a:ext uri="{FAA26D3D-D897-4be2-8F04-BA451C77F1D7}">
-              <ma14:placeholderFlag xmlns:ma14="http://schemas.microsoft.com/office/mac/drawingml/2011/main" xmlns="" val="1"/>
+              <ma14:placeholderFlag xmlns="" xmlns:ma14="http://schemas.microsoft.com/office/mac/drawingml/2011/main" val="1"/>
             </a:ext>
           </a:extLst>
         </p:spPr>
@@ -593,14 +593,14 @@
           <a:effectLst/>
           <a:extLst>
             <a:ext uri="{909E8E84-426E-40dd-AFC4-6F175D3DCCD1}">
-              <a14:hiddenFill xmlns:a14="http://schemas.microsoft.com/office/drawing/2010/main" xmlns="">
+              <a14:hiddenFill xmlns="" xmlns:a14="http://schemas.microsoft.com/office/drawing/2010/main">
                 <a:solidFill>
                   <a:schemeClr val="accent1"/>
                 </a:solidFill>
               </a14:hiddenFill>
             </a:ext>
             <a:ext uri="{91240B29-F687-4f45-9708-019B960494DF}">
-              <a14:hiddenLine xmlns:a14="http://schemas.microsoft.com/office/drawing/2010/main" xmlns="" w="9525">
+              <a14:hiddenLine xmlns="" xmlns:a14="http://schemas.microsoft.com/office/drawing/2010/main" w="9525">
                 <a:solidFill>
                   <a:schemeClr val="tx1"/>
                 </a:solidFill>
@@ -610,7 +610,7 @@
               </a14:hiddenLine>
             </a:ext>
             <a:ext uri="{AF507438-7753-43e0-B8FC-AC1667EBCBE1}">
-              <a14:hiddenEffects xmlns:a14="http://schemas.microsoft.com/office/drawing/2010/main" xmlns="">
+              <a14:hiddenEffects xmlns="" xmlns:a14="http://schemas.microsoft.com/office/drawing/2010/main">
                 <a:effectLst>
                   <a:outerShdw blurRad="63500" dist="38099" dir="2700000" algn="ctr" rotWithShape="0">
                     <a:schemeClr val="bg2">
@@ -621,7 +621,7 @@
               </a14:hiddenEffects>
             </a:ext>
             <a:ext uri="{FAA26D3D-D897-4be2-8F04-BA451C77F1D7}">
-              <ma14:placeholderFlag xmlns:ma14="http://schemas.microsoft.com/office/mac/drawingml/2011/main" xmlns="" val="1"/>
+              <ma14:placeholderFlag xmlns="" xmlns:ma14="http://schemas.microsoft.com/office/mac/drawingml/2011/main" val="1"/>
             </a:ext>
           </a:extLst>
         </p:spPr>
@@ -836,7 +836,7 @@
           <a:ln/>
           <a:extLst>
             <a:ext uri="{FAA26D3D-D897-4be2-8F04-BA451C77F1D7}">
-              <ma14:placeholderFlag xmlns:ma14="http://schemas.microsoft.com/office/mac/drawingml/2011/main" xmlns="" val="1"/>
+              <ma14:placeholderFlag xmlns="" xmlns:ma14="http://schemas.microsoft.com/office/mac/drawingml/2011/main" val="1"/>
             </a:ext>
           </a:extLst>
         </p:spPr>
@@ -2580,14 +2580,14 @@
           <a:effectLst/>
           <a:extLst>
             <a:ext uri="{909E8E84-426E-40dd-AFC4-6F175D3DCCD1}">
-              <a14:hiddenFill xmlns:a14="http://schemas.microsoft.com/office/drawing/2010/main" xmlns="">
+              <a14:hiddenFill xmlns="" xmlns:a14="http://schemas.microsoft.com/office/drawing/2010/main">
                 <a:solidFill>
                   <a:schemeClr val="accent1"/>
                 </a:solidFill>
               </a14:hiddenFill>
             </a:ext>
             <a:ext uri="{91240B29-F687-4f45-9708-019B960494DF}">
-              <a14:hiddenLine xmlns:a14="http://schemas.microsoft.com/office/drawing/2010/main" xmlns="" w="9525">
+              <a14:hiddenLine xmlns="" xmlns:a14="http://schemas.microsoft.com/office/drawing/2010/main" w="9525">
                 <a:solidFill>
                   <a:schemeClr val="tx1"/>
                 </a:solidFill>
@@ -2597,7 +2597,7 @@
               </a14:hiddenLine>
             </a:ext>
             <a:ext uri="{AF507438-7753-43e0-B8FC-AC1667EBCBE1}">
-              <a14:hiddenEffects xmlns:a14="http://schemas.microsoft.com/office/drawing/2010/main" xmlns="">
+              <a14:hiddenEffects xmlns="" xmlns:a14="http://schemas.microsoft.com/office/drawing/2010/main">
                 <a:effectLst>
                   <a:outerShdw blurRad="63500" dist="38099" dir="2700000" algn="ctr" rotWithShape="0">
                     <a:schemeClr val="bg2">
@@ -2608,7 +2608,7 @@
               </a14:hiddenEffects>
             </a:ext>
             <a:ext uri="{FAA26D3D-D897-4be2-8F04-BA451C77F1D7}">
-              <ma14:placeholderFlag xmlns:ma14="http://schemas.microsoft.com/office/mac/drawingml/2011/main" xmlns="" val="1"/>
+              <ma14:placeholderFlag xmlns="" xmlns:ma14="http://schemas.microsoft.com/office/mac/drawingml/2011/main" val="1"/>
             </a:ext>
           </a:extLst>
         </p:spPr>
@@ -2653,14 +2653,14 @@
           <a:effectLst/>
           <a:extLst>
             <a:ext uri="{909E8E84-426E-40dd-AFC4-6F175D3DCCD1}">
-              <a14:hiddenFill xmlns:a14="http://schemas.microsoft.com/office/drawing/2010/main" xmlns="">
+              <a14:hiddenFill xmlns="" xmlns:a14="http://schemas.microsoft.com/office/drawing/2010/main">
                 <a:solidFill>
                   <a:schemeClr val="accent1"/>
                 </a:solidFill>
               </a14:hiddenFill>
             </a:ext>
             <a:ext uri="{91240B29-F687-4f45-9708-019B960494DF}">
-              <a14:hiddenLine xmlns:a14="http://schemas.microsoft.com/office/drawing/2010/main" xmlns="" w="9525">
+              <a14:hiddenLine xmlns="" xmlns:a14="http://schemas.microsoft.com/office/drawing/2010/main" w="9525">
                 <a:solidFill>
                   <a:schemeClr val="tx1"/>
                 </a:solidFill>
@@ -2670,7 +2670,7 @@
               </a14:hiddenLine>
             </a:ext>
             <a:ext uri="{AF507438-7753-43e0-B8FC-AC1667EBCBE1}">
-              <a14:hiddenEffects xmlns:a14="http://schemas.microsoft.com/office/drawing/2010/main" xmlns="">
+              <a14:hiddenEffects xmlns="" xmlns:a14="http://schemas.microsoft.com/office/drawing/2010/main">
                 <a:effectLst>
                   <a:outerShdw blurRad="63500" dist="38099" dir="2700000" algn="ctr" rotWithShape="0">
                     <a:schemeClr val="bg2">
@@ -2681,7 +2681,7 @@
               </a14:hiddenEffects>
             </a:ext>
             <a:ext uri="{FAA26D3D-D897-4be2-8F04-BA451C77F1D7}">
-              <ma14:placeholderFlag xmlns:ma14="http://schemas.microsoft.com/office/mac/drawingml/2011/main" xmlns="" val="1"/>
+              <ma14:placeholderFlag xmlns="" xmlns:ma14="http://schemas.microsoft.com/office/mac/drawingml/2011/main" val="1"/>
             </a:ext>
           </a:extLst>
         </p:spPr>
@@ -2761,7 +2761,7 @@
           <a:noFill/>
           <a:extLst>
             <a:ext uri="{909E8E84-426E-40dd-AFC4-6F175D3DCCD1}">
-              <a14:hiddenFill xmlns:a14="http://schemas.microsoft.com/office/drawing/2010/main" xmlns="">
+              <a14:hiddenFill xmlns="" xmlns:a14="http://schemas.microsoft.com/office/drawing/2010/main">
                 <a:solidFill>
                   <a:srgbClr val="FFFFFF"/>
                 </a:solidFill>
@@ -2793,14 +2793,14 @@
           <a:effectLst/>
           <a:extLst>
             <a:ext uri="{909E8E84-426E-40dd-AFC4-6F175D3DCCD1}">
-              <a14:hiddenFill xmlns:a14="http://schemas.microsoft.com/office/drawing/2010/main" xmlns="">
+              <a14:hiddenFill xmlns="" xmlns:a14="http://schemas.microsoft.com/office/drawing/2010/main">
                 <a:solidFill>
                   <a:schemeClr val="accent1"/>
                 </a:solidFill>
               </a14:hiddenFill>
             </a:ext>
             <a:ext uri="{91240B29-F687-4f45-9708-019B960494DF}">
-              <a14:hiddenLine xmlns:a14="http://schemas.microsoft.com/office/drawing/2010/main" xmlns="" w="9525">
+              <a14:hiddenLine xmlns="" xmlns:a14="http://schemas.microsoft.com/office/drawing/2010/main" w="9525">
                 <a:solidFill>
                   <a:schemeClr val="tx1"/>
                 </a:solidFill>
@@ -2810,7 +2810,7 @@
               </a14:hiddenLine>
             </a:ext>
             <a:ext uri="{AF507438-7753-43e0-B8FC-AC1667EBCBE1}">
-              <a14:hiddenEffects xmlns:a14="http://schemas.microsoft.com/office/drawing/2010/main" xmlns="">
+              <a14:hiddenEffects xmlns="" xmlns:a14="http://schemas.microsoft.com/office/drawing/2010/main">
                 <a:effectLst>
                   <a:outerShdw blurRad="63500" dist="38099" dir="2700000" algn="ctr" rotWithShape="0">
                     <a:schemeClr val="bg2">
@@ -2879,7 +2879,7 @@
           <a:noFill/>
           <a:extLst>
             <a:ext uri="{909E8E84-426E-40dd-AFC4-6F175D3DCCD1}">
-              <a14:hiddenFill xmlns:a14="http://schemas.microsoft.com/office/drawing/2010/main" xmlns="">
+              <a14:hiddenFill xmlns="" xmlns:a14="http://schemas.microsoft.com/office/drawing/2010/main">
                 <a:solidFill>
                   <a:srgbClr val="FFFFFF"/>
                 </a:solidFill>
@@ -2916,12 +2916,12 @@
           <a:effectLst/>
           <a:extLst>
             <a:ext uri="{909E8E84-426E-40dd-AFC4-6F175D3DCCD1}">
-              <a14:hiddenFill xmlns:a14="http://schemas.microsoft.com/office/drawing/2010/main" xmlns="">
+              <a14:hiddenFill xmlns="" xmlns:a14="http://schemas.microsoft.com/office/drawing/2010/main">
                 <a:noFill/>
               </a14:hiddenFill>
             </a:ext>
             <a:ext uri="{AF507438-7753-43e0-B8FC-AC1667EBCBE1}">
-              <a14:hiddenEffects xmlns:a14="http://schemas.microsoft.com/office/drawing/2010/main" xmlns="">
+              <a14:hiddenEffects xmlns="" xmlns:a14="http://schemas.microsoft.com/office/drawing/2010/main">
                 <a:effectLst>
                   <a:outerShdw blurRad="63500" dist="38099" dir="2700000" algn="ctr" rotWithShape="0">
                     <a:schemeClr val="bg2">
@@ -2964,14 +2964,14 @@
           <a:effectLst/>
           <a:extLst>
             <a:ext uri="{909E8E84-426E-40dd-AFC4-6F175D3DCCD1}">
-              <a14:hiddenFill xmlns:a14="http://schemas.microsoft.com/office/drawing/2010/main" xmlns="">
+              <a14:hiddenFill xmlns="" xmlns:a14="http://schemas.microsoft.com/office/drawing/2010/main">
                 <a:solidFill>
                   <a:schemeClr val="accent1"/>
                 </a:solidFill>
               </a14:hiddenFill>
             </a:ext>
             <a:ext uri="{91240B29-F687-4f45-9708-019B960494DF}">
-              <a14:hiddenLine xmlns:a14="http://schemas.microsoft.com/office/drawing/2010/main" xmlns="" w="9525">
+              <a14:hiddenLine xmlns="" xmlns:a14="http://schemas.microsoft.com/office/drawing/2010/main" w="9525">
                 <a:solidFill>
                   <a:schemeClr val="tx1"/>
                 </a:solidFill>
@@ -2981,7 +2981,7 @@
               </a14:hiddenLine>
             </a:ext>
             <a:ext uri="{AF507438-7753-43e0-B8FC-AC1667EBCBE1}">
-              <a14:hiddenEffects xmlns:a14="http://schemas.microsoft.com/office/drawing/2010/main" xmlns="">
+              <a14:hiddenEffects xmlns="" xmlns:a14="http://schemas.microsoft.com/office/drawing/2010/main">
                 <a:effectLst>
                   <a:outerShdw blurRad="63500" dist="38099" dir="2700000" algn="ctr" rotWithShape="0">
                     <a:schemeClr val="bg2">
@@ -3048,14 +3048,14 @@
           <a:effectLst/>
           <a:extLst>
             <a:ext uri="{909E8E84-426E-40dd-AFC4-6F175D3DCCD1}">
-              <a14:hiddenFill xmlns:a14="http://schemas.microsoft.com/office/drawing/2010/main" xmlns="">
+              <a14:hiddenFill xmlns="" xmlns:a14="http://schemas.microsoft.com/office/drawing/2010/main">
                 <a:solidFill>
                   <a:schemeClr val="accent1"/>
                 </a:solidFill>
               </a14:hiddenFill>
             </a:ext>
             <a:ext uri="{91240B29-F687-4f45-9708-019B960494DF}">
-              <a14:hiddenLine xmlns:a14="http://schemas.microsoft.com/office/drawing/2010/main" xmlns="" w="9525">
+              <a14:hiddenLine xmlns="" xmlns:a14="http://schemas.microsoft.com/office/drawing/2010/main" w="9525">
                 <a:solidFill>
                   <a:schemeClr val="tx1"/>
                 </a:solidFill>
@@ -3065,7 +3065,7 @@
               </a14:hiddenLine>
             </a:ext>
             <a:ext uri="{AF507438-7753-43e0-B8FC-AC1667EBCBE1}">
-              <a14:hiddenEffects xmlns:a14="http://schemas.microsoft.com/office/drawing/2010/main" xmlns="">
+              <a14:hiddenEffects xmlns="" xmlns:a14="http://schemas.microsoft.com/office/drawing/2010/main">
                 <a:effectLst>
                   <a:outerShdw blurRad="63500" dist="38099" dir="2700000" algn="ctr" rotWithShape="0">
                     <a:schemeClr val="bg2">
@@ -3607,7 +3607,7 @@
           <a:noFill/>
           <a:extLst>
             <a:ext uri="{909E8E84-426E-40dd-AFC4-6F175D3DCCD1}">
-              <a14:hiddenFill xmlns:a14="http://schemas.microsoft.com/office/drawing/2010/main" xmlns="">
+              <a14:hiddenFill xmlns="" xmlns:a14="http://schemas.microsoft.com/office/drawing/2010/main">
                 <a:solidFill>
                   <a:srgbClr val="FFFFFF"/>
                 </a:solidFill>
@@ -3698,14 +3698,14 @@
           <a:effectLst/>
           <a:extLst>
             <a:ext uri="{909E8E84-426E-40dd-AFC4-6F175D3DCCD1}">
-              <a14:hiddenFill xmlns:a14="http://schemas.microsoft.com/office/drawing/2010/main" xmlns="">
+              <a14:hiddenFill xmlns="" xmlns:a14="http://schemas.microsoft.com/office/drawing/2010/main">
                 <a:solidFill>
                   <a:schemeClr val="accent1"/>
                 </a:solidFill>
               </a14:hiddenFill>
             </a:ext>
             <a:ext uri="{91240B29-F687-4f45-9708-019B960494DF}">
-              <a14:hiddenLine xmlns:a14="http://schemas.microsoft.com/office/drawing/2010/main" xmlns="" w="9525">
+              <a14:hiddenLine xmlns="" xmlns:a14="http://schemas.microsoft.com/office/drawing/2010/main" w="9525">
                 <a:solidFill>
                   <a:schemeClr val="tx1"/>
                 </a:solidFill>
@@ -3715,7 +3715,7 @@
               </a14:hiddenLine>
             </a:ext>
             <a:ext uri="{AF507438-7753-43e0-B8FC-AC1667EBCBE1}">
-              <a14:hiddenEffects xmlns:a14="http://schemas.microsoft.com/office/drawing/2010/main" xmlns="">
+              <a14:hiddenEffects xmlns="" xmlns:a14="http://schemas.microsoft.com/office/drawing/2010/main">
                 <a:effectLst>
                   <a:outerShdw blurRad="63500" dist="38099" dir="2700000" algn="ctr" rotWithShape="0">
                     <a:schemeClr val="bg2">
@@ -3770,7 +3770,7 @@
           <a:effectLst/>
           <a:extLst>
             <a:ext uri="{AF507438-7753-43e0-B8FC-AC1667EBCBE1}">
-              <a14:hiddenEffects xmlns:a14="http://schemas.microsoft.com/office/drawing/2010/main" xmlns="">
+              <a14:hiddenEffects xmlns="" xmlns:a14="http://schemas.microsoft.com/office/drawing/2010/main">
                 <a:effectLst>
                   <a:outerShdw blurRad="63500" dist="38099" dir="2700000" algn="ctr" rotWithShape="0">
                     <a:schemeClr val="bg2">
@@ -3820,7 +3820,7 @@
           <a:effectLst/>
           <a:extLst>
             <a:ext uri="{AF507438-7753-43e0-B8FC-AC1667EBCBE1}">
-              <a14:hiddenEffects xmlns:a14="http://schemas.microsoft.com/office/drawing/2010/main" xmlns="">
+              <a14:hiddenEffects xmlns="" xmlns:a14="http://schemas.microsoft.com/office/drawing/2010/main">
                 <a:effectLst>
                   <a:outerShdw blurRad="63500" dist="38099" dir="2700000" algn="ctr" rotWithShape="0">
                     <a:schemeClr val="bg2">
@@ -3863,14 +3863,14 @@
           <a:effectLst/>
           <a:extLst>
             <a:ext uri="{909E8E84-426E-40dd-AFC4-6F175D3DCCD1}">
-              <a14:hiddenFill xmlns:a14="http://schemas.microsoft.com/office/drawing/2010/main" xmlns="">
+              <a14:hiddenFill xmlns="" xmlns:a14="http://schemas.microsoft.com/office/drawing/2010/main">
                 <a:solidFill>
                   <a:schemeClr val="accent1"/>
                 </a:solidFill>
               </a14:hiddenFill>
             </a:ext>
             <a:ext uri="{91240B29-F687-4f45-9708-019B960494DF}">
-              <a14:hiddenLine xmlns:a14="http://schemas.microsoft.com/office/drawing/2010/main" xmlns="" w="9525">
+              <a14:hiddenLine xmlns="" xmlns:a14="http://schemas.microsoft.com/office/drawing/2010/main" w="9525">
                 <a:solidFill>
                   <a:schemeClr val="tx1"/>
                 </a:solidFill>
@@ -3880,7 +3880,7 @@
               </a14:hiddenLine>
             </a:ext>
             <a:ext uri="{AF507438-7753-43e0-B8FC-AC1667EBCBE1}">
-              <a14:hiddenEffects xmlns:a14="http://schemas.microsoft.com/office/drawing/2010/main" xmlns="">
+              <a14:hiddenEffects xmlns="" xmlns:a14="http://schemas.microsoft.com/office/drawing/2010/main">
                 <a:effectLst>
                   <a:outerShdw blurRad="63500" dist="38099" dir="2700000" algn="ctr" rotWithShape="0">
                     <a:schemeClr val="bg2">
@@ -4175,14 +4175,14 @@
           <a:effectLst/>
           <a:extLst>
             <a:ext uri="{909E8E84-426E-40dd-AFC4-6F175D3DCCD1}">
-              <a14:hiddenFill xmlns:a14="http://schemas.microsoft.com/office/drawing/2010/main" xmlns="">
+              <a14:hiddenFill xmlns="" xmlns:a14="http://schemas.microsoft.com/office/drawing/2010/main">
                 <a:solidFill>
                   <a:schemeClr val="accent1"/>
                 </a:solidFill>
               </a14:hiddenFill>
             </a:ext>
             <a:ext uri="{91240B29-F687-4f45-9708-019B960494DF}">
-              <a14:hiddenLine xmlns:a14="http://schemas.microsoft.com/office/drawing/2010/main" xmlns="" w="9525">
+              <a14:hiddenLine xmlns="" xmlns:a14="http://schemas.microsoft.com/office/drawing/2010/main" w="9525">
                 <a:solidFill>
                   <a:schemeClr val="tx1"/>
                 </a:solidFill>
@@ -4192,7 +4192,7 @@
               </a14:hiddenLine>
             </a:ext>
             <a:ext uri="{AF507438-7753-43e0-B8FC-AC1667EBCBE1}">
-              <a14:hiddenEffects xmlns:a14="http://schemas.microsoft.com/office/drawing/2010/main" xmlns="">
+              <a14:hiddenEffects xmlns="" xmlns:a14="http://schemas.microsoft.com/office/drawing/2010/main">
                 <a:effectLst>
                   <a:outerShdw blurRad="63500" dist="38099" dir="2700000" algn="ctr" rotWithShape="0">
                     <a:schemeClr val="bg2">
@@ -4203,7 +4203,7 @@
               </a14:hiddenEffects>
             </a:ext>
             <a:ext uri="{FAA26D3D-D897-4be2-8F04-BA451C77F1D7}">
-              <ma14:placeholderFlag xmlns:ma14="http://schemas.microsoft.com/office/mac/drawingml/2011/main" xmlns="" val="1"/>
+              <ma14:placeholderFlag xmlns="" xmlns:ma14="http://schemas.microsoft.com/office/mac/drawingml/2011/main" val="1"/>
             </a:ext>
           </a:extLst>
         </p:spPr>
@@ -4545,14 +4545,14 @@
           <a:effectLst/>
           <a:extLst>
             <a:ext uri="{909E8E84-426E-40dd-AFC4-6F175D3DCCD1}">
-              <a14:hiddenFill xmlns:a14="http://schemas.microsoft.com/office/drawing/2010/main" xmlns="">
+              <a14:hiddenFill xmlns="" xmlns:a14="http://schemas.microsoft.com/office/drawing/2010/main">
                 <a:solidFill>
                   <a:schemeClr val="accent1"/>
                 </a:solidFill>
               </a14:hiddenFill>
             </a:ext>
             <a:ext uri="{91240B29-F687-4f45-9708-019B960494DF}">
-              <a14:hiddenLine xmlns:a14="http://schemas.microsoft.com/office/drawing/2010/main" xmlns="" w="9525">
+              <a14:hiddenLine xmlns="" xmlns:a14="http://schemas.microsoft.com/office/drawing/2010/main" w="9525">
                 <a:solidFill>
                   <a:schemeClr val="tx1"/>
                 </a:solidFill>
@@ -4562,7 +4562,7 @@
               </a14:hiddenLine>
             </a:ext>
             <a:ext uri="{AF507438-7753-43e0-B8FC-AC1667EBCBE1}">
-              <a14:hiddenEffects xmlns:a14="http://schemas.microsoft.com/office/drawing/2010/main" xmlns="">
+              <a14:hiddenEffects xmlns="" xmlns:a14="http://schemas.microsoft.com/office/drawing/2010/main">
                 <a:effectLst>
                   <a:outerShdw blurRad="63500" dist="38099" dir="2700000" algn="ctr" rotWithShape="0">
                     <a:schemeClr val="bg2">
@@ -4573,7 +4573,7 @@
               </a14:hiddenEffects>
             </a:ext>
             <a:ext uri="{FAA26D3D-D897-4be2-8F04-BA451C77F1D7}">
-              <ma14:placeholderFlag xmlns:ma14="http://schemas.microsoft.com/office/mac/drawingml/2011/main" xmlns="" val="1"/>
+              <ma14:placeholderFlag xmlns="" xmlns:ma14="http://schemas.microsoft.com/office/mac/drawingml/2011/main" val="1"/>
             </a:ext>
           </a:extLst>
         </p:spPr>
@@ -5278,11 +5278,7 @@
           <a:p>
             <a:r>
               <a:rPr lang="en-US" dirty="0" smtClean="0"/>
-              <a:t>Aggregate </a:t>
-            </a:r>
-            <a:r>
-              <a:rPr lang="en-US" dirty="0" smtClean="0"/>
-              <a:t>values of Wi-Fi and Bluetooth</a:t>
+              <a:t>Aggregate values of Wi-Fi and Bluetooth</a:t>
             </a:r>
           </a:p>
           <a:p>
@@ -5548,7 +5544,7 @@
           <a:effectLst/>
           <a:extLst>
             <a:ext uri="{AF507438-7753-43e0-B8FC-AC1667EBCBE1}">
-              <a14:hiddenEffects xmlns:a14="http://schemas.microsoft.com/office/drawing/2010/main" xmlns="">
+              <a14:hiddenEffects xmlns="" xmlns:a14="http://schemas.microsoft.com/office/drawing/2010/main">
                 <a:effectLst>
                   <a:outerShdw blurRad="63500" dist="35921" dir="2700000" algn="ctr" rotWithShape="0">
                     <a:schemeClr val="bg2"/>
@@ -5648,7 +5644,7 @@
           <a:effectLst/>
           <a:extLst>
             <a:ext uri="{AF507438-7753-43e0-B8FC-AC1667EBCBE1}">
-              <a14:hiddenEffects xmlns:a14="http://schemas.microsoft.com/office/drawing/2010/main" xmlns="">
+              <a14:hiddenEffects xmlns="" xmlns:a14="http://schemas.microsoft.com/office/drawing/2010/main">
                 <a:effectLst>
                   <a:outerShdw blurRad="63500" dist="35921" dir="2700000" algn="ctr" rotWithShape="0">
                     <a:schemeClr val="bg2"/>
@@ -5726,7 +5722,7 @@
           <a:effectLst/>
           <a:extLst>
             <a:ext uri="{AF507438-7753-43e0-B8FC-AC1667EBCBE1}">
-              <a14:hiddenEffects xmlns:a14="http://schemas.microsoft.com/office/drawing/2010/main" xmlns="">
+              <a14:hiddenEffects xmlns="" xmlns:a14="http://schemas.microsoft.com/office/drawing/2010/main">
                 <a:effectLst>
                   <a:outerShdw blurRad="63500" dist="35921" dir="2700000" algn="ctr" rotWithShape="0">
                     <a:schemeClr val="bg2"/>
@@ -5804,7 +5800,7 @@
           <a:effectLst/>
           <a:extLst>
             <a:ext uri="{AF507438-7753-43e0-B8FC-AC1667EBCBE1}">
-              <a14:hiddenEffects xmlns:a14="http://schemas.microsoft.com/office/drawing/2010/main" xmlns="">
+              <a14:hiddenEffects xmlns="" xmlns:a14="http://schemas.microsoft.com/office/drawing/2010/main">
                 <a:effectLst>
                   <a:outerShdw blurRad="63500" dist="35921" dir="2700000" algn="ctr" rotWithShape="0">
                     <a:schemeClr val="bg2"/>
@@ -5882,7 +5878,7 @@
           <a:effectLst/>
           <a:extLst>
             <a:ext uri="{AF507438-7753-43e0-B8FC-AC1667EBCBE1}">
-              <a14:hiddenEffects xmlns:a14="http://schemas.microsoft.com/office/drawing/2010/main" xmlns="">
+              <a14:hiddenEffects xmlns="" xmlns:a14="http://schemas.microsoft.com/office/drawing/2010/main">
                 <a:effectLst>
                   <a:outerShdw blurRad="63500" dist="35921" dir="2700000" algn="ctr" rotWithShape="0">
                     <a:schemeClr val="bg2"/>
@@ -5960,7 +5956,7 @@
           <a:effectLst/>
           <a:extLst>
             <a:ext uri="{AF507438-7753-43e0-B8FC-AC1667EBCBE1}">
-              <a14:hiddenEffects xmlns:a14="http://schemas.microsoft.com/office/drawing/2010/main" xmlns="">
+              <a14:hiddenEffects xmlns="" xmlns:a14="http://schemas.microsoft.com/office/drawing/2010/main">
                 <a:effectLst>
                   <a:outerShdw blurRad="63500" dist="35921" dir="2700000" algn="ctr" rotWithShape="0">
                     <a:schemeClr val="bg2"/>
@@ -6038,7 +6034,7 @@
           <a:effectLst/>
           <a:extLst>
             <a:ext uri="{AF507438-7753-43e0-B8FC-AC1667EBCBE1}">
-              <a14:hiddenEffects xmlns:a14="http://schemas.microsoft.com/office/drawing/2010/main" xmlns="">
+              <a14:hiddenEffects xmlns="" xmlns:a14="http://schemas.microsoft.com/office/drawing/2010/main">
                 <a:effectLst>
                   <a:outerShdw blurRad="63500" dist="35921" dir="2700000" algn="ctr" rotWithShape="0">
                     <a:schemeClr val="bg2"/>
@@ -6107,7 +6103,7 @@
           <a:effectLst/>
           <a:extLst>
             <a:ext uri="{AF507438-7753-43e0-B8FC-AC1667EBCBE1}">
-              <a14:hiddenEffects xmlns:a14="http://schemas.microsoft.com/office/drawing/2010/main" xmlns="">
+              <a14:hiddenEffects xmlns="" xmlns:a14="http://schemas.microsoft.com/office/drawing/2010/main">
                 <a:effectLst>
                   <a:outerShdw blurRad="63500" dist="35921" dir="2700000" algn="ctr" rotWithShape="0">
                     <a:schemeClr val="bg2"/>
@@ -7816,14 +7812,14 @@
           <a:effectLst/>
           <a:extLst>
             <a:ext uri="{909E8E84-426E-40dd-AFC4-6F175D3DCCD1}">
-              <a14:hiddenFill xmlns:a14="http://schemas.microsoft.com/office/drawing/2010/main" xmlns="">
+              <a14:hiddenFill xmlns="" xmlns:a14="http://schemas.microsoft.com/office/drawing/2010/main">
                 <a:solidFill>
                   <a:schemeClr val="accent1"/>
                 </a:solidFill>
               </a14:hiddenFill>
             </a:ext>
             <a:ext uri="{91240B29-F687-4f45-9708-019B960494DF}">
-              <a14:hiddenLine xmlns:a14="http://schemas.microsoft.com/office/drawing/2010/main" xmlns="" w="9525">
+              <a14:hiddenLine xmlns="" xmlns:a14="http://schemas.microsoft.com/office/drawing/2010/main" w="9525">
                 <a:solidFill>
                   <a:schemeClr val="tx1"/>
                 </a:solidFill>
@@ -7833,7 +7829,7 @@
               </a14:hiddenLine>
             </a:ext>
             <a:ext uri="{AF507438-7753-43e0-B8FC-AC1667EBCBE1}">
-              <a14:hiddenEffects xmlns:a14="http://schemas.microsoft.com/office/drawing/2010/main" xmlns="">
+              <a14:hiddenEffects xmlns="" xmlns:a14="http://schemas.microsoft.com/office/drawing/2010/main">
                 <a:effectLst>
                   <a:outerShdw blurRad="63500" dist="38099" dir="2700000" algn="ctr" rotWithShape="0">
                     <a:schemeClr val="bg2">
@@ -7844,7 +7840,7 @@
               </a14:hiddenEffects>
             </a:ext>
             <a:ext uri="{FAA26D3D-D897-4be2-8F04-BA451C77F1D7}">
-              <ma14:placeholderFlag xmlns:ma14="http://schemas.microsoft.com/office/mac/drawingml/2011/main" xmlns="" val="1"/>
+              <ma14:placeholderFlag xmlns="" xmlns:ma14="http://schemas.microsoft.com/office/mac/drawingml/2011/main" val="1"/>
             </a:ext>
           </a:extLst>
         </p:spPr>
@@ -9150,105 +9146,101 @@
             <p:ph idx="1"/>
           </p:nvPr>
         </p:nvSpPr>
-        <p:spPr/>
+        <p:spPr>
+          <a:xfrm>
+            <a:off x="457200" y="1600201"/>
+            <a:ext cx="8229600" cy="3962400"/>
+          </a:xfrm>
+        </p:spPr>
         <p:txBody>
           <a:bodyPr/>
           <a:lstStyle/>
           <a:p>
             <a:r>
-              <a:rPr lang="en-US" dirty="0" smtClean="0"/>
+              <a:rPr lang="en-US" sz="1600" dirty="0" smtClean="0"/>
               <a:t>Total of dataset around 1 month 20 days</a:t>
             </a:r>
           </a:p>
           <a:p>
             <a:r>
-              <a:rPr lang="en-US" dirty="0" smtClean="0"/>
+              <a:rPr lang="en-US" sz="1600" dirty="0" smtClean="0"/>
               <a:t>We Divide all of dataset to two parts </a:t>
             </a:r>
           </a:p>
           <a:p>
             <a:pPr lvl="1"/>
             <a:r>
-              <a:rPr lang="en-US" dirty="0" smtClean="0"/>
+              <a:rPr lang="en-US" sz="1600" dirty="0" smtClean="0"/>
               <a:t>First month for creating model (first dataset)</a:t>
             </a:r>
           </a:p>
           <a:p>
             <a:pPr lvl="1"/>
             <a:r>
-              <a:rPr lang="en-US" dirty="0" smtClean="0"/>
+              <a:rPr lang="en-US" sz="1600" dirty="0" smtClean="0"/>
               <a:t>Remaining dataset for testing performance (second dataset)</a:t>
             </a:r>
           </a:p>
           <a:p>
             <a:r>
-              <a:rPr lang="en-US" dirty="0" smtClean="0"/>
+              <a:rPr lang="en-US" sz="1600" dirty="0" smtClean="0"/>
               <a:t>Modeling user behavior based on first data, </a:t>
             </a:r>
           </a:p>
           <a:p>
             <a:pPr lvl="1"/>
             <a:r>
-              <a:rPr lang="en-US" dirty="0"/>
+              <a:rPr lang="en-US" sz="1600" dirty="0"/>
               <a:t>B</a:t>
             </a:r>
             <a:r>
-              <a:rPr lang="en-US" dirty="0" smtClean="0"/>
+              <a:rPr lang="en-US" sz="1600" dirty="0" smtClean="0"/>
               <a:t>1: Behavior model/profile.</a:t>
             </a:r>
           </a:p>
           <a:p>
             <a:r>
-              <a:rPr lang="en-US" dirty="0" smtClean="0"/>
+              <a:rPr lang="en-US" sz="1600" dirty="0" smtClean="0"/>
               <a:t>Extract and Process the second dataset.</a:t>
             </a:r>
           </a:p>
           <a:p>
             <a:r>
-              <a:rPr lang="en-US" dirty="0" smtClean="0"/>
+              <a:rPr lang="en-US" sz="1600" dirty="0" smtClean="0"/>
               <a:t>Apply similarity detection to second dataset with same setting. </a:t>
             </a:r>
           </a:p>
           <a:p>
             <a:pPr lvl="1"/>
             <a:r>
-              <a:rPr lang="en-US" dirty="0" smtClean="0"/>
+              <a:rPr lang="en-US" sz="1600" dirty="0" smtClean="0"/>
               <a:t>B2: Set of behavior group result from second dataset.</a:t>
             </a:r>
           </a:p>
           <a:p>
             <a:r>
-              <a:rPr lang="en-US" dirty="0" smtClean="0"/>
-              <a:t>Is the all of B2 identified by Behavior model/profile (B1</a:t>
-            </a:r>
-            <a:r>
-              <a:rPr lang="en-US" dirty="0" smtClean="0"/>
-              <a:t>)?.</a:t>
-            </a:r>
-            <a:endParaRPr lang="en-US" dirty="0" smtClean="0"/>
-          </a:p>
-          <a:p>
-            <a:r>
-              <a:rPr lang="en-US" dirty="0" smtClean="0"/>
-              <a:t>How many groups of activities (B2) which identified by behavior model(B1), </a:t>
-            </a:r>
-            <a:r>
-              <a:rPr lang="en-US" dirty="0" smtClean="0"/>
-              <a:t>The percentage of data identified.</a:t>
-            </a:r>
-          </a:p>
-          <a:p>
-            <a:r>
-              <a:rPr lang="en-US" dirty="0" smtClean="0"/>
+              <a:rPr lang="en-US" sz="1600" dirty="0" smtClean="0"/>
+              <a:t>Is the all of B2 identified by Behavior model/profile (B1)?.</a:t>
+            </a:r>
+          </a:p>
+          <a:p>
+            <a:r>
+              <a:rPr lang="en-US" sz="1600" dirty="0" smtClean="0"/>
+              <a:t>How many groups of activities (B2) which identified by behavior model(B1), The percentage of data identified.</a:t>
+            </a:r>
+          </a:p>
+          <a:p>
+            <a:r>
+              <a:rPr lang="en-US" sz="1600" dirty="0" smtClean="0"/>
               <a:t>Implement this approach for Identification</a:t>
             </a:r>
-            <a:endParaRPr lang="en-US" dirty="0"/>
+            <a:endParaRPr lang="en-US" sz="1600" dirty="0"/>
           </a:p>
           <a:p>
             <a:pPr marL="457200" lvl="1" indent="0">
               <a:buNone/>
             </a:pPr>
-            <a:endParaRPr lang="en-US" dirty="0"/>
+            <a:endParaRPr lang="en-US" sz="1600" dirty="0"/>
           </a:p>
         </p:txBody>
       </p:sp>
@@ -9420,101 +9412,321 @@
           <a:p>
             <a:pPr lvl="0" algn="just"/>
             <a:r>
-              <a:rPr lang="en-US" sz="1700" dirty="0"/>
-              <a:t>Common approach which is using one feature is good to know that </a:t>
-            </a:r>
-            <a:r>
-              <a:rPr lang="en-US" sz="1700" dirty="0" smtClean="0"/>
+              <a:rPr lang="en-US" sz="1600" dirty="0">
+                <a:latin typeface="+mj-lt"/>
+              </a:rPr>
+              <a:t>Common approach which is using </a:t>
+            </a:r>
+            <a:r>
+              <a:rPr lang="en-US" sz="1600" dirty="0">
+                <a:solidFill>
+                  <a:srgbClr val="FF0000"/>
+                </a:solidFill>
+                <a:latin typeface="+mj-lt"/>
+              </a:rPr>
+              <a:t>one feature </a:t>
+            </a:r>
+            <a:r>
+              <a:rPr lang="en-US" sz="1600" dirty="0">
+                <a:latin typeface="+mj-lt"/>
+              </a:rPr>
+              <a:t>is good to know that </a:t>
+            </a:r>
+            <a:r>
+              <a:rPr lang="en-US" sz="1600" dirty="0" smtClean="0">
+                <a:latin typeface="+mj-lt"/>
+              </a:rPr>
               <a:t>feature is reliable </a:t>
             </a:r>
             <a:r>
-              <a:rPr lang="en-US" sz="1700" dirty="0"/>
-              <a:t>or not. The problem when we use only one feature is the lack of sensor </a:t>
-            </a:r>
-            <a:r>
-              <a:rPr lang="en-US" sz="1700" dirty="0" smtClean="0"/>
-              <a:t>accuracy, data loss, and we have to think about realistic data. </a:t>
-            </a:r>
-            <a:endParaRPr lang="en-US" sz="1700" dirty="0"/>
+              <a:rPr lang="en-US" sz="1600" dirty="0">
+                <a:latin typeface="+mj-lt"/>
+              </a:rPr>
+              <a:t>or not. The problem when we use only one feature is </a:t>
+            </a:r>
+            <a:r>
+              <a:rPr lang="en-US" sz="1600" dirty="0">
+                <a:solidFill>
+                  <a:srgbClr val="FF0000"/>
+                </a:solidFill>
+                <a:latin typeface="+mj-lt"/>
+              </a:rPr>
+              <a:t>the lack of sensor </a:t>
+            </a:r>
+            <a:r>
+              <a:rPr lang="en-US" sz="1600" dirty="0" smtClean="0">
+                <a:solidFill>
+                  <a:srgbClr val="FF0000"/>
+                </a:solidFill>
+                <a:latin typeface="+mj-lt"/>
+              </a:rPr>
+              <a:t>accuracy</a:t>
+            </a:r>
+            <a:r>
+              <a:rPr lang="en-US" sz="1600" dirty="0" smtClean="0">
+                <a:latin typeface="+mj-lt"/>
+              </a:rPr>
+              <a:t>, data loss, and we have to think about realistic data. </a:t>
+            </a:r>
+            <a:endParaRPr lang="en-US" sz="1600" dirty="0">
+              <a:latin typeface="+mj-lt"/>
+            </a:endParaRPr>
           </a:p>
           <a:p>
             <a:pPr lvl="0" algn="just"/>
             <a:r>
-              <a:rPr lang="en-US" sz="1700" dirty="0" smtClean="0"/>
+              <a:rPr lang="en-US" sz="1600" dirty="0" smtClean="0">
+                <a:latin typeface="+mj-lt"/>
+              </a:rPr>
               <a:t>User </a:t>
             </a:r>
             <a:r>
-              <a:rPr lang="en-US" sz="1700" dirty="0"/>
-              <a:t>has different </a:t>
-            </a:r>
-            <a:r>
-              <a:rPr lang="en-US" sz="1700" dirty="0" smtClean="0"/>
+              <a:rPr lang="en-US" sz="1600" dirty="0">
+                <a:latin typeface="+mj-lt"/>
+              </a:rPr>
+              <a:t>has </a:t>
+            </a:r>
+            <a:r>
+              <a:rPr lang="en-US" sz="1600" dirty="0">
+                <a:solidFill>
+                  <a:srgbClr val="00B050"/>
+                </a:solidFill>
+                <a:latin typeface="+mj-lt"/>
+              </a:rPr>
+              <a:t>different </a:t>
+            </a:r>
+            <a:r>
+              <a:rPr lang="en-US" sz="1600" dirty="0" smtClean="0">
+                <a:solidFill>
+                  <a:srgbClr val="00B050"/>
+                </a:solidFill>
+                <a:latin typeface="+mj-lt"/>
+              </a:rPr>
               <a:t>types </a:t>
             </a:r>
             <a:r>
-              <a:rPr lang="en-US" sz="1700" dirty="0"/>
-              <a:t>and brand of smartphone and each smartphone has different </a:t>
-            </a:r>
-            <a:r>
-              <a:rPr lang="en-US" sz="1700" dirty="0" smtClean="0"/>
+              <a:rPr lang="en-US" sz="1600" dirty="0">
+                <a:solidFill>
+                  <a:srgbClr val="00B050"/>
+                </a:solidFill>
+                <a:latin typeface="+mj-lt"/>
+              </a:rPr>
+              <a:t>and brand of smartphone </a:t>
+            </a:r>
+            <a:r>
+              <a:rPr lang="en-US" sz="1600" dirty="0">
+                <a:latin typeface="+mj-lt"/>
+              </a:rPr>
+              <a:t>and each smartphone has different </a:t>
+            </a:r>
+            <a:r>
+              <a:rPr lang="en-US" sz="1600" dirty="0" smtClean="0">
+                <a:latin typeface="+mj-lt"/>
+              </a:rPr>
               <a:t>types </a:t>
             </a:r>
             <a:r>
-              <a:rPr lang="en-US" sz="1700" dirty="0"/>
+              <a:rPr lang="en-US" sz="1600" dirty="0">
+                <a:latin typeface="+mj-lt"/>
+              </a:rPr>
               <a:t>of sensors and hardware specification and capabilities. </a:t>
             </a:r>
           </a:p>
           <a:p>
             <a:pPr lvl="0" algn="just"/>
             <a:r>
-              <a:rPr lang="en-US" sz="1700" dirty="0"/>
-              <a:t>We could not expect the human actions and their activities, they will </a:t>
-            </a:r>
-            <a:r>
-              <a:rPr lang="en-US" sz="1700" dirty="0" smtClean="0"/>
+              <a:rPr lang="en-US" sz="1600" dirty="0">
+                <a:latin typeface="+mj-lt"/>
+              </a:rPr>
+              <a:t>We </a:t>
+            </a:r>
+            <a:r>
+              <a:rPr lang="en-US" sz="1600" dirty="0">
+                <a:solidFill>
+                  <a:srgbClr val="7030A0"/>
+                </a:solidFill>
+                <a:latin typeface="+mj-lt"/>
+              </a:rPr>
+              <a:t>could not expect the human actions </a:t>
+            </a:r>
+            <a:r>
+              <a:rPr lang="en-US" sz="1600" dirty="0">
+                <a:latin typeface="+mj-lt"/>
+              </a:rPr>
+              <a:t>and their activities, they will </a:t>
+            </a:r>
+            <a:r>
+              <a:rPr lang="en-US" sz="1600" dirty="0" smtClean="0">
+                <a:latin typeface="+mj-lt"/>
+              </a:rPr>
               <a:t>do </a:t>
             </a:r>
             <a:r>
-              <a:rPr lang="en-US" sz="1700" dirty="0"/>
+              <a:rPr lang="en-US" sz="1600" dirty="0">
+                <a:latin typeface="+mj-lt"/>
+              </a:rPr>
               <a:t>actions and activities as they want. </a:t>
             </a:r>
           </a:p>
           <a:p>
             <a:pPr lvl="0" algn="just"/>
             <a:r>
-              <a:rPr lang="en-US" sz="1700" dirty="0"/>
-              <a:t>There is no ideal data collection that can record user personal data for every day 24 hour non-stop, it will drain the battery and spend smartphone resource. </a:t>
+              <a:rPr lang="en-US" sz="1600" dirty="0">
+                <a:latin typeface="+mj-lt"/>
+              </a:rPr>
+              <a:t>There is </a:t>
+            </a:r>
+            <a:r>
+              <a:rPr lang="en-US" sz="1600" dirty="0">
+                <a:solidFill>
+                  <a:srgbClr val="0070C0"/>
+                </a:solidFill>
+                <a:latin typeface="+mj-lt"/>
+              </a:rPr>
+              <a:t>no ideal data collection </a:t>
+            </a:r>
+            <a:r>
+              <a:rPr lang="en-US" sz="1600" dirty="0">
+                <a:latin typeface="+mj-lt"/>
+              </a:rPr>
+              <a:t>that can record user personal data </a:t>
+            </a:r>
+            <a:r>
+              <a:rPr lang="en-US" sz="1600" dirty="0">
+                <a:solidFill>
+                  <a:srgbClr val="0070C0"/>
+                </a:solidFill>
+                <a:latin typeface="+mj-lt"/>
+              </a:rPr>
+              <a:t>for every day 24 hour </a:t>
+            </a:r>
+            <a:r>
+              <a:rPr lang="en-US" sz="1600" dirty="0">
+                <a:latin typeface="+mj-lt"/>
+              </a:rPr>
+              <a:t>non-stop, it will drain the battery and spend smartphone resource. </a:t>
             </a:r>
           </a:p>
           <a:p>
             <a:pPr lvl="0" algn="just"/>
             <a:r>
-              <a:rPr lang="en-US" sz="1700" dirty="0"/>
-              <a:t>There is no ideal data collection that can record all of data without any data loss.</a:t>
+              <a:rPr lang="en-US" sz="1600" dirty="0">
+                <a:latin typeface="+mj-lt"/>
+              </a:rPr>
+              <a:t>There is </a:t>
+            </a:r>
+            <a:r>
+              <a:rPr lang="en-US" sz="1600" dirty="0">
+                <a:solidFill>
+                  <a:schemeClr val="accent5">
+                    <a:lumMod val="50000"/>
+                  </a:schemeClr>
+                </a:solidFill>
+                <a:latin typeface="+mj-lt"/>
+              </a:rPr>
+              <a:t>no ideal data collection </a:t>
+            </a:r>
+            <a:r>
+              <a:rPr lang="en-US" sz="1600" dirty="0">
+                <a:latin typeface="+mj-lt"/>
+              </a:rPr>
+              <a:t>that can record all of data </a:t>
+            </a:r>
+            <a:r>
+              <a:rPr lang="en-US" sz="1600" dirty="0">
+                <a:solidFill>
+                  <a:schemeClr val="accent5">
+                    <a:lumMod val="50000"/>
+                  </a:schemeClr>
+                </a:solidFill>
+                <a:latin typeface="+mj-lt"/>
+              </a:rPr>
+              <a:t>without any data loss</a:t>
+            </a:r>
+            <a:r>
+              <a:rPr lang="en-US" sz="1600" dirty="0">
+                <a:latin typeface="+mj-lt"/>
+              </a:rPr>
+              <a:t>.</a:t>
             </a:r>
           </a:p>
           <a:p>
             <a:pPr lvl="0" algn="just"/>
             <a:r>
-              <a:rPr lang="en-US" sz="1700" dirty="0" smtClean="0"/>
+              <a:rPr lang="en-US" sz="1600" dirty="0" smtClean="0">
+                <a:latin typeface="+mj-lt"/>
+              </a:rPr>
               <a:t>We decide </a:t>
             </a:r>
             <a:r>
-              <a:rPr lang="en-US" sz="1700" dirty="0"/>
-              <a:t>to use many of sensors rather than focus only one sensor, we have to realize that the data from smartphone are heterogeneous data because the data came from multiple sensors and multiple source information</a:t>
-            </a:r>
-            <a:r>
-              <a:rPr lang="en-US" sz="1700" dirty="0" smtClean="0"/>
+              <a:rPr lang="en-US" sz="1600" dirty="0">
+                <a:latin typeface="+mj-lt"/>
+              </a:rPr>
+              <a:t>to </a:t>
+            </a:r>
+            <a:r>
+              <a:rPr lang="en-US" sz="1600" dirty="0">
+                <a:solidFill>
+                  <a:srgbClr val="00B050"/>
+                </a:solidFill>
+                <a:latin typeface="+mj-lt"/>
+              </a:rPr>
+              <a:t>use many of sensors </a:t>
+            </a:r>
+            <a:r>
+              <a:rPr lang="en-US" sz="1600" dirty="0">
+                <a:latin typeface="+mj-lt"/>
+              </a:rPr>
+              <a:t>rather than focus only one sensor, we have to realize that the data from smartphone are </a:t>
+            </a:r>
+            <a:r>
+              <a:rPr lang="en-US" sz="1600" dirty="0">
+                <a:solidFill>
+                  <a:srgbClr val="00B050"/>
+                </a:solidFill>
+                <a:latin typeface="+mj-lt"/>
+              </a:rPr>
+              <a:t>heterogeneous data </a:t>
+            </a:r>
+            <a:r>
+              <a:rPr lang="en-US" sz="1600" dirty="0">
+                <a:latin typeface="+mj-lt"/>
+              </a:rPr>
+              <a:t>because the data came from multiple sensors and multiple source information</a:t>
+            </a:r>
+            <a:r>
+              <a:rPr lang="en-US" sz="1600" dirty="0" smtClean="0">
+                <a:latin typeface="+mj-lt"/>
+              </a:rPr>
               <a:t>. </a:t>
             </a:r>
           </a:p>
           <a:p>
             <a:pPr lvl="0" algn="just"/>
             <a:r>
-              <a:rPr lang="en-US" sz="1700" dirty="0" smtClean="0"/>
-              <a:t>Our proposed method tried to deal with those situations.</a:t>
-            </a:r>
-            <a:endParaRPr lang="en-US" sz="1700" dirty="0"/>
+              <a:rPr lang="en-US" sz="1600" dirty="0" smtClean="0">
+                <a:latin typeface="+mj-lt"/>
+              </a:rPr>
+              <a:t>Our proposed method </a:t>
+            </a:r>
+            <a:r>
+              <a:rPr lang="en-US" sz="1600" dirty="0" smtClean="0">
+                <a:solidFill>
+                  <a:srgbClr val="FF0000"/>
+                </a:solidFill>
+                <a:latin typeface="+mj-lt"/>
+              </a:rPr>
+              <a:t>tried to deal with those situations</a:t>
+            </a:r>
+            <a:r>
+              <a:rPr lang="en-US" sz="1600" dirty="0" smtClean="0">
+                <a:latin typeface="+mj-lt"/>
+              </a:rPr>
+              <a:t>.</a:t>
+            </a:r>
+            <a:endParaRPr lang="en-US" sz="1600" dirty="0">
+              <a:latin typeface="+mj-lt"/>
+            </a:endParaRPr>
           </a:p>
           <a:p>
             <a:pPr marL="0" lvl="0" indent="0">
@@ -10099,14 +10311,14 @@
           <a:effectLst/>
           <a:extLst>
             <a:ext uri="{909E8E84-426E-40dd-AFC4-6F175D3DCCD1}">
-              <a14:hiddenFill xmlns:a14="http://schemas.microsoft.com/office/drawing/2010/main" xmlns="">
+              <a14:hiddenFill xmlns="" xmlns:a14="http://schemas.microsoft.com/office/drawing/2010/main">
                 <a:solidFill>
                   <a:schemeClr val="accent1"/>
                 </a:solidFill>
               </a14:hiddenFill>
             </a:ext>
             <a:ext uri="{91240B29-F687-4f45-9708-019B960494DF}">
-              <a14:hiddenLine xmlns:a14="http://schemas.microsoft.com/office/drawing/2010/main" xmlns="" w="9525">
+              <a14:hiddenLine xmlns="" xmlns:a14="http://schemas.microsoft.com/office/drawing/2010/main" w="9525">
                 <a:solidFill>
                   <a:schemeClr val="tx1"/>
                 </a:solidFill>
@@ -10116,7 +10328,7 @@
               </a14:hiddenLine>
             </a:ext>
             <a:ext uri="{AF507438-7753-43e0-B8FC-AC1667EBCBE1}">
-              <a14:hiddenEffects xmlns:a14="http://schemas.microsoft.com/office/drawing/2010/main" xmlns="">
+              <a14:hiddenEffects xmlns="" xmlns:a14="http://schemas.microsoft.com/office/drawing/2010/main">
                 <a:effectLst>
                   <a:outerShdw blurRad="63500" dist="38099" dir="2700000" algn="ctr" rotWithShape="0">
                     <a:schemeClr val="bg2">
@@ -10127,7 +10339,7 @@
               </a14:hiddenEffects>
             </a:ext>
             <a:ext uri="{FAA26D3D-D897-4be2-8F04-BA451C77F1D7}">
-              <ma14:placeholderFlag xmlns:ma14="http://schemas.microsoft.com/office/mac/drawingml/2011/main" xmlns="" val="1"/>
+              <ma14:placeholderFlag xmlns="" xmlns:ma14="http://schemas.microsoft.com/office/mac/drawingml/2011/main" val="1"/>
             </a:ext>
           </a:extLst>
         </p:spPr>
@@ -10444,7 +10656,7 @@
         </p:nvSpPr>
         <p:spPr>
           <a:xfrm>
-            <a:off x="609600" y="3352800"/>
+            <a:off x="533400" y="2895600"/>
             <a:ext cx="8229600" cy="762000"/>
           </a:xfrm>
         </p:spPr>
@@ -10551,7 +10763,7 @@
         </p:blipFill>
         <p:spPr>
           <a:xfrm>
-            <a:off x="2362199" y="3814250"/>
+            <a:off x="1731818" y="3809031"/>
             <a:ext cx="6779029" cy="2631301"/>
           </a:xfrm>
           <a:prstGeom prst="rect">
@@ -10597,8 +10809,8 @@
         </p:nvSpPr>
         <p:spPr bwMode="auto">
           <a:xfrm>
-            <a:off x="0" y="3657600"/>
-            <a:ext cx="2514600" cy="2743200"/>
+            <a:off x="6705600" y="985381"/>
+            <a:ext cx="2362199" cy="2362200"/>
           </a:xfrm>
           <a:prstGeom prst="rect">
             <a:avLst/>
@@ -10610,14 +10822,14 @@
           <a:effectLst/>
           <a:extLst>
             <a:ext uri="{909E8E84-426E-40dd-AFC4-6F175D3DCCD1}">
-              <a14:hiddenFill xmlns:a14="http://schemas.microsoft.com/office/drawing/2010/main" xmlns="">
+              <a14:hiddenFill xmlns="" xmlns:a14="http://schemas.microsoft.com/office/drawing/2010/main">
                 <a:solidFill>
                   <a:schemeClr val="accent1"/>
                 </a:solidFill>
               </a14:hiddenFill>
             </a:ext>
             <a:ext uri="{91240B29-F687-4f45-9708-019B960494DF}">
-              <a14:hiddenLine xmlns:a14="http://schemas.microsoft.com/office/drawing/2010/main" xmlns="" w="9525">
+              <a14:hiddenLine xmlns="" xmlns:a14="http://schemas.microsoft.com/office/drawing/2010/main" w="9525">
                 <a:solidFill>
                   <a:schemeClr val="tx1"/>
                 </a:solidFill>
@@ -10627,7 +10839,7 @@
               </a14:hiddenLine>
             </a:ext>
             <a:ext uri="{AF507438-7753-43e0-B8FC-AC1667EBCBE1}">
-              <a14:hiddenEffects xmlns:a14="http://schemas.microsoft.com/office/drawing/2010/main" xmlns="">
+              <a14:hiddenEffects xmlns="" xmlns:a14="http://schemas.microsoft.com/office/drawing/2010/main">
                 <a:effectLst>
                   <a:outerShdw blurRad="63500" dist="38099" dir="2700000" algn="ctr" rotWithShape="0">
                     <a:schemeClr val="bg2">
@@ -10638,7 +10850,7 @@
               </a14:hiddenEffects>
             </a:ext>
             <a:ext uri="{FAA26D3D-D897-4be2-8F04-BA451C77F1D7}">
-              <ma14:placeholderFlag xmlns:ma14="http://schemas.microsoft.com/office/mac/drawingml/2011/main" xmlns="" val="1"/>
+              <ma14:placeholderFlag xmlns="" xmlns:ma14="http://schemas.microsoft.com/office/mac/drawingml/2011/main" val="1"/>
             </a:ext>
           </a:extLst>
         </p:spPr>
@@ -10800,33 +11012,33 @@
               <a:spcBef>
                 <a:spcPts val="600"/>
               </a:spcBef>
-              <a:buFont typeface="+mj-lt"/>
-              <a:buAutoNum type="arabicPeriod"/>
+              <a:buFont typeface="Wingdings" panose="05000000000000000000" pitchFamily="2" charset="2"/>
+              <a:buChar char="Ø"/>
             </a:pPr>
             <a:r>
-              <a:rPr lang="en-US" sz="1400" b="0" dirty="0"/>
+              <a:rPr lang="en-US" sz="1200" b="0" dirty="0"/>
               <a:t>We store the data from all of students in archive file. </a:t>
             </a:r>
-            <a:endParaRPr lang="en-US" sz="1400" b="0" dirty="0" smtClean="0"/>
+            <a:endParaRPr lang="en-US" sz="1200" b="0" dirty="0" smtClean="0"/>
           </a:p>
           <a:p>
             <a:pPr>
               <a:spcBef>
                 <a:spcPts val="600"/>
               </a:spcBef>
-              <a:buFont typeface="+mj-lt"/>
-              <a:buAutoNum type="arabicPeriod"/>
+              <a:buFont typeface="Wingdings" panose="05000000000000000000" pitchFamily="2" charset="2"/>
+              <a:buChar char="Ø"/>
             </a:pPr>
             <a:r>
-              <a:rPr lang="en-US" sz="1400" b="0" dirty="0" smtClean="0"/>
+              <a:rPr lang="en-US" sz="1200" b="0" dirty="0" smtClean="0"/>
               <a:t>The </a:t>
             </a:r>
             <a:r>
-              <a:rPr lang="en-US" sz="1400" b="0" dirty="0"/>
+              <a:rPr lang="en-US" sz="1200" b="0" dirty="0"/>
               <a:t>size of all of data after extracted is around 28.7 GB. Extracted data contain 47 directories in different name for each student’s data</a:t>
             </a:r>
             <a:r>
-              <a:rPr lang="en-US" sz="1400" b="0" dirty="0" smtClean="0"/>
+              <a:rPr lang="en-US" sz="1200" b="0" dirty="0" smtClean="0"/>
               <a:t>.</a:t>
             </a:r>
           </a:p>
@@ -10835,11 +11047,11 @@
               <a:spcBef>
                 <a:spcPts val="600"/>
               </a:spcBef>
-              <a:buFont typeface="+mj-lt"/>
-              <a:buAutoNum type="arabicPeriod"/>
+              <a:buFont typeface="Wingdings" panose="05000000000000000000" pitchFamily="2" charset="2"/>
+              <a:buChar char="Ø"/>
             </a:pPr>
             <a:r>
-              <a:rPr lang="en-US" sz="1400" b="0" kern="0" dirty="0" smtClean="0"/>
+              <a:rPr lang="en-US" sz="1200" b="0" kern="0" dirty="0" smtClean="0"/>
               <a:t>We used 37 students data.</a:t>
             </a:r>
           </a:p>
@@ -11105,7 +11317,7 @@
         <a:effectLst/>
         <a:extLst>
           <a:ext uri="{AF507438-7753-43e0-B8FC-AC1667EBCBE1}">
-            <a14:hiddenEffects xmlns:a14="http://schemas.microsoft.com/office/drawing/2010/main" xmlns="">
+            <a14:hiddenEffects xmlns="" xmlns:a14="http://schemas.microsoft.com/office/drawing/2010/main">
               <a:effectLst>
                 <a:outerShdw blurRad="63500" dist="35921" dir="2700000" algn="ctr" rotWithShape="0">
                   <a:schemeClr val="bg2"/>
@@ -11179,7 +11391,7 @@
         <a:effectLst/>
         <a:extLst>
           <a:ext uri="{AF507438-7753-43e0-B8FC-AC1667EBCBE1}">
-            <a14:hiddenEffects xmlns:a14="http://schemas.microsoft.com/office/drawing/2010/main" xmlns="">
+            <a14:hiddenEffects xmlns="" xmlns:a14="http://schemas.microsoft.com/office/drawing/2010/main">
               <a:effectLst>
                 <a:outerShdw blurRad="63500" dist="35921" dir="2700000" algn="ctr" rotWithShape="0">
                   <a:schemeClr val="bg2"/>

--- a/Thesis-presentation.pptx
+++ b/Thesis-presentation.pptx
@@ -227,14 +227,14 @@
           <a:effectLst/>
           <a:extLst>
             <a:ext uri="{909E8E84-426E-40dd-AFC4-6F175D3DCCD1}">
-              <a14:hiddenFill xmlns="" xmlns:a14="http://schemas.microsoft.com/office/drawing/2010/main">
+              <a14:hiddenFill xmlns:a14="http://schemas.microsoft.com/office/drawing/2010/main" xmlns="">
                 <a:solidFill>
                   <a:schemeClr val="accent1"/>
                 </a:solidFill>
               </a14:hiddenFill>
             </a:ext>
             <a:ext uri="{91240B29-F687-4f45-9708-019B960494DF}">
-              <a14:hiddenLine xmlns="" xmlns:a14="http://schemas.microsoft.com/office/drawing/2010/main" w="9525">
+              <a14:hiddenLine xmlns:a14="http://schemas.microsoft.com/office/drawing/2010/main" xmlns="" w="9525">
                 <a:solidFill>
                   <a:schemeClr val="tx1"/>
                 </a:solidFill>
@@ -244,7 +244,7 @@
               </a14:hiddenLine>
             </a:ext>
             <a:ext uri="{AF507438-7753-43e0-B8FC-AC1667EBCBE1}">
-              <a14:hiddenEffects xmlns="" xmlns:a14="http://schemas.microsoft.com/office/drawing/2010/main">
+              <a14:hiddenEffects xmlns:a14="http://schemas.microsoft.com/office/drawing/2010/main" xmlns="">
                 <a:effectLst>
                   <a:outerShdw blurRad="63500" dist="38099" dir="2700000" algn="ctr" rotWithShape="0">
                     <a:schemeClr val="bg2">
@@ -255,7 +255,7 @@
               </a14:hiddenEffects>
             </a:ext>
             <a:ext uri="{FAA26D3D-D897-4be2-8F04-BA451C77F1D7}">
-              <ma14:placeholderFlag xmlns="" xmlns:ma14="http://schemas.microsoft.com/office/mac/drawingml/2011/main" val="1"/>
+              <ma14:placeholderFlag xmlns:ma14="http://schemas.microsoft.com/office/mac/drawingml/2011/main" xmlns="" val="1"/>
             </a:ext>
           </a:extLst>
         </p:spPr>
@@ -300,14 +300,14 @@
           <a:effectLst/>
           <a:extLst>
             <a:ext uri="{909E8E84-426E-40dd-AFC4-6F175D3DCCD1}">
-              <a14:hiddenFill xmlns="" xmlns:a14="http://schemas.microsoft.com/office/drawing/2010/main">
+              <a14:hiddenFill xmlns:a14="http://schemas.microsoft.com/office/drawing/2010/main" xmlns="">
                 <a:solidFill>
                   <a:schemeClr val="accent1"/>
                 </a:solidFill>
               </a14:hiddenFill>
             </a:ext>
             <a:ext uri="{91240B29-F687-4f45-9708-019B960494DF}">
-              <a14:hiddenLine xmlns="" xmlns:a14="http://schemas.microsoft.com/office/drawing/2010/main" w="9525">
+              <a14:hiddenLine xmlns:a14="http://schemas.microsoft.com/office/drawing/2010/main" xmlns="" w="9525">
                 <a:solidFill>
                   <a:schemeClr val="tx1"/>
                 </a:solidFill>
@@ -317,7 +317,7 @@
               </a14:hiddenLine>
             </a:ext>
             <a:ext uri="{AF507438-7753-43e0-B8FC-AC1667EBCBE1}">
-              <a14:hiddenEffects xmlns="" xmlns:a14="http://schemas.microsoft.com/office/drawing/2010/main">
+              <a14:hiddenEffects xmlns:a14="http://schemas.microsoft.com/office/drawing/2010/main" xmlns="">
                 <a:effectLst>
                   <a:outerShdw blurRad="63500" dist="38099" dir="2700000" algn="ctr" rotWithShape="0">
                     <a:schemeClr val="bg2">
@@ -328,7 +328,7 @@
               </a14:hiddenEffects>
             </a:ext>
             <a:ext uri="{FAA26D3D-D897-4be2-8F04-BA451C77F1D7}">
-              <ma14:placeholderFlag xmlns="" xmlns:ma14="http://schemas.microsoft.com/office/mac/drawingml/2011/main" val="1"/>
+              <ma14:placeholderFlag xmlns:ma14="http://schemas.microsoft.com/office/mac/drawingml/2011/main" xmlns="" val="1"/>
             </a:ext>
           </a:extLst>
         </p:spPr>
@@ -378,7 +378,7 @@
           <a:effectLst/>
           <a:extLst>
             <a:ext uri="{AF507438-7753-43e0-B8FC-AC1667EBCBE1}">
-              <a14:hiddenEffects xmlns="" xmlns:a14="http://schemas.microsoft.com/office/drawing/2010/main">
+              <a14:hiddenEffects xmlns:a14="http://schemas.microsoft.com/office/drawing/2010/main" xmlns="">
                 <a:effectLst>
                   <a:outerShdw blurRad="63500" dist="38099" dir="2700000" algn="ctr" rotWithShape="0">
                     <a:srgbClr val="000000">
@@ -389,7 +389,7 @@
               </a14:hiddenEffects>
             </a:ext>
             <a:ext uri="{53640926-AAD7-44d8-BBD7-CCE9431645EC}">
-              <a14:shadowObscured xmlns="" xmlns:a14="http://schemas.microsoft.com/office/drawing/2010/main" val="1"/>
+              <a14:shadowObscured xmlns:a14="http://schemas.microsoft.com/office/drawing/2010/main" xmlns="" val="1"/>
             </a:ext>
           </a:extLst>
         </p:spPr>
@@ -419,14 +419,14 @@
           <a:effectLst/>
           <a:extLst>
             <a:ext uri="{909E8E84-426E-40dd-AFC4-6F175D3DCCD1}">
-              <a14:hiddenFill xmlns="" xmlns:a14="http://schemas.microsoft.com/office/drawing/2010/main">
+              <a14:hiddenFill xmlns:a14="http://schemas.microsoft.com/office/drawing/2010/main" xmlns="">
                 <a:solidFill>
                   <a:schemeClr val="accent1"/>
                 </a:solidFill>
               </a14:hiddenFill>
             </a:ext>
             <a:ext uri="{91240B29-F687-4f45-9708-019B960494DF}">
-              <a14:hiddenLine xmlns="" xmlns:a14="http://schemas.microsoft.com/office/drawing/2010/main" w="9525">
+              <a14:hiddenLine xmlns:a14="http://schemas.microsoft.com/office/drawing/2010/main" xmlns="" w="9525">
                 <a:solidFill>
                   <a:schemeClr val="tx1"/>
                 </a:solidFill>
@@ -436,7 +436,7 @@
               </a14:hiddenLine>
             </a:ext>
             <a:ext uri="{AF507438-7753-43e0-B8FC-AC1667EBCBE1}">
-              <a14:hiddenEffects xmlns="" xmlns:a14="http://schemas.microsoft.com/office/drawing/2010/main">
+              <a14:hiddenEffects xmlns:a14="http://schemas.microsoft.com/office/drawing/2010/main" xmlns="">
                 <a:effectLst>
                   <a:outerShdw blurRad="63500" dist="38099" dir="2700000" algn="ctr" rotWithShape="0">
                     <a:schemeClr val="bg2">
@@ -447,7 +447,7 @@
               </a14:hiddenEffects>
             </a:ext>
             <a:ext uri="{FAA26D3D-D897-4be2-8F04-BA451C77F1D7}">
-              <ma14:placeholderFlag xmlns="" xmlns:ma14="http://schemas.microsoft.com/office/mac/drawingml/2011/main" val="1"/>
+              <ma14:placeholderFlag xmlns:ma14="http://schemas.microsoft.com/office/mac/drawingml/2011/main" xmlns="" val="1"/>
             </a:ext>
           </a:extLst>
         </p:spPr>
@@ -520,14 +520,14 @@
           <a:effectLst/>
           <a:extLst>
             <a:ext uri="{909E8E84-426E-40dd-AFC4-6F175D3DCCD1}">
-              <a14:hiddenFill xmlns="" xmlns:a14="http://schemas.microsoft.com/office/drawing/2010/main">
+              <a14:hiddenFill xmlns:a14="http://schemas.microsoft.com/office/drawing/2010/main" xmlns="">
                 <a:solidFill>
                   <a:schemeClr val="accent1"/>
                 </a:solidFill>
               </a14:hiddenFill>
             </a:ext>
             <a:ext uri="{91240B29-F687-4f45-9708-019B960494DF}">
-              <a14:hiddenLine xmlns="" xmlns:a14="http://schemas.microsoft.com/office/drawing/2010/main" w="9525">
+              <a14:hiddenLine xmlns:a14="http://schemas.microsoft.com/office/drawing/2010/main" xmlns="" w="9525">
                 <a:solidFill>
                   <a:schemeClr val="tx1"/>
                 </a:solidFill>
@@ -537,7 +537,7 @@
               </a14:hiddenLine>
             </a:ext>
             <a:ext uri="{AF507438-7753-43e0-B8FC-AC1667EBCBE1}">
-              <a14:hiddenEffects xmlns="" xmlns:a14="http://schemas.microsoft.com/office/drawing/2010/main">
+              <a14:hiddenEffects xmlns:a14="http://schemas.microsoft.com/office/drawing/2010/main" xmlns="">
                 <a:effectLst>
                   <a:outerShdw blurRad="63500" dist="38099" dir="2700000" algn="ctr" rotWithShape="0">
                     <a:schemeClr val="bg2">
@@ -548,7 +548,7 @@
               </a14:hiddenEffects>
             </a:ext>
             <a:ext uri="{FAA26D3D-D897-4be2-8F04-BA451C77F1D7}">
-              <ma14:placeholderFlag xmlns="" xmlns:ma14="http://schemas.microsoft.com/office/mac/drawingml/2011/main" val="1"/>
+              <ma14:placeholderFlag xmlns:ma14="http://schemas.microsoft.com/office/mac/drawingml/2011/main" xmlns="" val="1"/>
             </a:ext>
           </a:extLst>
         </p:spPr>
@@ -593,14 +593,14 @@
           <a:effectLst/>
           <a:extLst>
             <a:ext uri="{909E8E84-426E-40dd-AFC4-6F175D3DCCD1}">
-              <a14:hiddenFill xmlns="" xmlns:a14="http://schemas.microsoft.com/office/drawing/2010/main">
+              <a14:hiddenFill xmlns:a14="http://schemas.microsoft.com/office/drawing/2010/main" xmlns="">
                 <a:solidFill>
                   <a:schemeClr val="accent1"/>
                 </a:solidFill>
               </a14:hiddenFill>
             </a:ext>
             <a:ext uri="{91240B29-F687-4f45-9708-019B960494DF}">
-              <a14:hiddenLine xmlns="" xmlns:a14="http://schemas.microsoft.com/office/drawing/2010/main" w="9525">
+              <a14:hiddenLine xmlns:a14="http://schemas.microsoft.com/office/drawing/2010/main" xmlns="" w="9525">
                 <a:solidFill>
                   <a:schemeClr val="tx1"/>
                 </a:solidFill>
@@ -610,7 +610,7 @@
               </a14:hiddenLine>
             </a:ext>
             <a:ext uri="{AF507438-7753-43e0-B8FC-AC1667EBCBE1}">
-              <a14:hiddenEffects xmlns="" xmlns:a14="http://schemas.microsoft.com/office/drawing/2010/main">
+              <a14:hiddenEffects xmlns:a14="http://schemas.microsoft.com/office/drawing/2010/main" xmlns="">
                 <a:effectLst>
                   <a:outerShdw blurRad="63500" dist="38099" dir="2700000" algn="ctr" rotWithShape="0">
                     <a:schemeClr val="bg2">
@@ -621,7 +621,7 @@
               </a14:hiddenEffects>
             </a:ext>
             <a:ext uri="{FAA26D3D-D897-4be2-8F04-BA451C77F1D7}">
-              <ma14:placeholderFlag xmlns="" xmlns:ma14="http://schemas.microsoft.com/office/mac/drawingml/2011/main" val="1"/>
+              <ma14:placeholderFlag xmlns:ma14="http://schemas.microsoft.com/office/mac/drawingml/2011/main" xmlns="" val="1"/>
             </a:ext>
           </a:extLst>
         </p:spPr>
@@ -836,7 +836,7 @@
           <a:ln/>
           <a:extLst>
             <a:ext uri="{FAA26D3D-D897-4be2-8F04-BA451C77F1D7}">
-              <ma14:placeholderFlag xmlns="" xmlns:ma14="http://schemas.microsoft.com/office/mac/drawingml/2011/main" val="1"/>
+              <ma14:placeholderFlag xmlns:ma14="http://schemas.microsoft.com/office/mac/drawingml/2011/main" xmlns="" val="1"/>
             </a:ext>
           </a:extLst>
         </p:spPr>
@@ -2580,14 +2580,14 @@
           <a:effectLst/>
           <a:extLst>
             <a:ext uri="{909E8E84-426E-40dd-AFC4-6F175D3DCCD1}">
-              <a14:hiddenFill xmlns="" xmlns:a14="http://schemas.microsoft.com/office/drawing/2010/main">
+              <a14:hiddenFill xmlns:a14="http://schemas.microsoft.com/office/drawing/2010/main" xmlns="">
                 <a:solidFill>
                   <a:schemeClr val="accent1"/>
                 </a:solidFill>
               </a14:hiddenFill>
             </a:ext>
             <a:ext uri="{91240B29-F687-4f45-9708-019B960494DF}">
-              <a14:hiddenLine xmlns="" xmlns:a14="http://schemas.microsoft.com/office/drawing/2010/main" w="9525">
+              <a14:hiddenLine xmlns:a14="http://schemas.microsoft.com/office/drawing/2010/main" xmlns="" w="9525">
                 <a:solidFill>
                   <a:schemeClr val="tx1"/>
                 </a:solidFill>
@@ -2597,7 +2597,7 @@
               </a14:hiddenLine>
             </a:ext>
             <a:ext uri="{AF507438-7753-43e0-B8FC-AC1667EBCBE1}">
-              <a14:hiddenEffects xmlns="" xmlns:a14="http://schemas.microsoft.com/office/drawing/2010/main">
+              <a14:hiddenEffects xmlns:a14="http://schemas.microsoft.com/office/drawing/2010/main" xmlns="">
                 <a:effectLst>
                   <a:outerShdw blurRad="63500" dist="38099" dir="2700000" algn="ctr" rotWithShape="0">
                     <a:schemeClr val="bg2">
@@ -2608,7 +2608,7 @@
               </a14:hiddenEffects>
             </a:ext>
             <a:ext uri="{FAA26D3D-D897-4be2-8F04-BA451C77F1D7}">
-              <ma14:placeholderFlag xmlns="" xmlns:ma14="http://schemas.microsoft.com/office/mac/drawingml/2011/main" val="1"/>
+              <ma14:placeholderFlag xmlns:ma14="http://schemas.microsoft.com/office/mac/drawingml/2011/main" xmlns="" val="1"/>
             </a:ext>
           </a:extLst>
         </p:spPr>
@@ -2653,14 +2653,14 @@
           <a:effectLst/>
           <a:extLst>
             <a:ext uri="{909E8E84-426E-40dd-AFC4-6F175D3DCCD1}">
-              <a14:hiddenFill xmlns="" xmlns:a14="http://schemas.microsoft.com/office/drawing/2010/main">
+              <a14:hiddenFill xmlns:a14="http://schemas.microsoft.com/office/drawing/2010/main" xmlns="">
                 <a:solidFill>
                   <a:schemeClr val="accent1"/>
                 </a:solidFill>
               </a14:hiddenFill>
             </a:ext>
             <a:ext uri="{91240B29-F687-4f45-9708-019B960494DF}">
-              <a14:hiddenLine xmlns="" xmlns:a14="http://schemas.microsoft.com/office/drawing/2010/main" w="9525">
+              <a14:hiddenLine xmlns:a14="http://schemas.microsoft.com/office/drawing/2010/main" xmlns="" w="9525">
                 <a:solidFill>
                   <a:schemeClr val="tx1"/>
                 </a:solidFill>
@@ -2670,7 +2670,7 @@
               </a14:hiddenLine>
             </a:ext>
             <a:ext uri="{AF507438-7753-43e0-B8FC-AC1667EBCBE1}">
-              <a14:hiddenEffects xmlns="" xmlns:a14="http://schemas.microsoft.com/office/drawing/2010/main">
+              <a14:hiddenEffects xmlns:a14="http://schemas.microsoft.com/office/drawing/2010/main" xmlns="">
                 <a:effectLst>
                   <a:outerShdw blurRad="63500" dist="38099" dir="2700000" algn="ctr" rotWithShape="0">
                     <a:schemeClr val="bg2">
@@ -2681,7 +2681,7 @@
               </a14:hiddenEffects>
             </a:ext>
             <a:ext uri="{FAA26D3D-D897-4be2-8F04-BA451C77F1D7}">
-              <ma14:placeholderFlag xmlns="" xmlns:ma14="http://schemas.microsoft.com/office/mac/drawingml/2011/main" val="1"/>
+              <ma14:placeholderFlag xmlns:ma14="http://schemas.microsoft.com/office/mac/drawingml/2011/main" xmlns="" val="1"/>
             </a:ext>
           </a:extLst>
         </p:spPr>
@@ -2761,7 +2761,7 @@
           <a:noFill/>
           <a:extLst>
             <a:ext uri="{909E8E84-426E-40dd-AFC4-6F175D3DCCD1}">
-              <a14:hiddenFill xmlns="" xmlns:a14="http://schemas.microsoft.com/office/drawing/2010/main">
+              <a14:hiddenFill xmlns:a14="http://schemas.microsoft.com/office/drawing/2010/main" xmlns="">
                 <a:solidFill>
                   <a:srgbClr val="FFFFFF"/>
                 </a:solidFill>
@@ -2793,14 +2793,14 @@
           <a:effectLst/>
           <a:extLst>
             <a:ext uri="{909E8E84-426E-40dd-AFC4-6F175D3DCCD1}">
-              <a14:hiddenFill xmlns="" xmlns:a14="http://schemas.microsoft.com/office/drawing/2010/main">
+              <a14:hiddenFill xmlns:a14="http://schemas.microsoft.com/office/drawing/2010/main" xmlns="">
                 <a:solidFill>
                   <a:schemeClr val="accent1"/>
                 </a:solidFill>
               </a14:hiddenFill>
             </a:ext>
             <a:ext uri="{91240B29-F687-4f45-9708-019B960494DF}">
-              <a14:hiddenLine xmlns="" xmlns:a14="http://schemas.microsoft.com/office/drawing/2010/main" w="9525">
+              <a14:hiddenLine xmlns:a14="http://schemas.microsoft.com/office/drawing/2010/main" xmlns="" w="9525">
                 <a:solidFill>
                   <a:schemeClr val="tx1"/>
                 </a:solidFill>
@@ -2810,7 +2810,7 @@
               </a14:hiddenLine>
             </a:ext>
             <a:ext uri="{AF507438-7753-43e0-B8FC-AC1667EBCBE1}">
-              <a14:hiddenEffects xmlns="" xmlns:a14="http://schemas.microsoft.com/office/drawing/2010/main">
+              <a14:hiddenEffects xmlns:a14="http://schemas.microsoft.com/office/drawing/2010/main" xmlns="">
                 <a:effectLst>
                   <a:outerShdw blurRad="63500" dist="38099" dir="2700000" algn="ctr" rotWithShape="0">
                     <a:schemeClr val="bg2">
@@ -2879,7 +2879,7 @@
           <a:noFill/>
           <a:extLst>
             <a:ext uri="{909E8E84-426E-40dd-AFC4-6F175D3DCCD1}">
-              <a14:hiddenFill xmlns="" xmlns:a14="http://schemas.microsoft.com/office/drawing/2010/main">
+              <a14:hiddenFill xmlns:a14="http://schemas.microsoft.com/office/drawing/2010/main" xmlns="">
                 <a:solidFill>
                   <a:srgbClr val="FFFFFF"/>
                 </a:solidFill>
@@ -2916,12 +2916,12 @@
           <a:effectLst/>
           <a:extLst>
             <a:ext uri="{909E8E84-426E-40dd-AFC4-6F175D3DCCD1}">
-              <a14:hiddenFill xmlns="" xmlns:a14="http://schemas.microsoft.com/office/drawing/2010/main">
+              <a14:hiddenFill xmlns:a14="http://schemas.microsoft.com/office/drawing/2010/main" xmlns="">
                 <a:noFill/>
               </a14:hiddenFill>
             </a:ext>
             <a:ext uri="{AF507438-7753-43e0-B8FC-AC1667EBCBE1}">
-              <a14:hiddenEffects xmlns="" xmlns:a14="http://schemas.microsoft.com/office/drawing/2010/main">
+              <a14:hiddenEffects xmlns:a14="http://schemas.microsoft.com/office/drawing/2010/main" xmlns="">
                 <a:effectLst>
                   <a:outerShdw blurRad="63500" dist="38099" dir="2700000" algn="ctr" rotWithShape="0">
                     <a:schemeClr val="bg2">
@@ -2964,14 +2964,14 @@
           <a:effectLst/>
           <a:extLst>
             <a:ext uri="{909E8E84-426E-40dd-AFC4-6F175D3DCCD1}">
-              <a14:hiddenFill xmlns="" xmlns:a14="http://schemas.microsoft.com/office/drawing/2010/main">
+              <a14:hiddenFill xmlns:a14="http://schemas.microsoft.com/office/drawing/2010/main" xmlns="">
                 <a:solidFill>
                   <a:schemeClr val="accent1"/>
                 </a:solidFill>
               </a14:hiddenFill>
             </a:ext>
             <a:ext uri="{91240B29-F687-4f45-9708-019B960494DF}">
-              <a14:hiddenLine xmlns="" xmlns:a14="http://schemas.microsoft.com/office/drawing/2010/main" w="9525">
+              <a14:hiddenLine xmlns:a14="http://schemas.microsoft.com/office/drawing/2010/main" xmlns="" w="9525">
                 <a:solidFill>
                   <a:schemeClr val="tx1"/>
                 </a:solidFill>
@@ -2981,7 +2981,7 @@
               </a14:hiddenLine>
             </a:ext>
             <a:ext uri="{AF507438-7753-43e0-B8FC-AC1667EBCBE1}">
-              <a14:hiddenEffects xmlns="" xmlns:a14="http://schemas.microsoft.com/office/drawing/2010/main">
+              <a14:hiddenEffects xmlns:a14="http://schemas.microsoft.com/office/drawing/2010/main" xmlns="">
                 <a:effectLst>
                   <a:outerShdw blurRad="63500" dist="38099" dir="2700000" algn="ctr" rotWithShape="0">
                     <a:schemeClr val="bg2">
@@ -3048,14 +3048,14 @@
           <a:effectLst/>
           <a:extLst>
             <a:ext uri="{909E8E84-426E-40dd-AFC4-6F175D3DCCD1}">
-              <a14:hiddenFill xmlns="" xmlns:a14="http://schemas.microsoft.com/office/drawing/2010/main">
+              <a14:hiddenFill xmlns:a14="http://schemas.microsoft.com/office/drawing/2010/main" xmlns="">
                 <a:solidFill>
                   <a:schemeClr val="accent1"/>
                 </a:solidFill>
               </a14:hiddenFill>
             </a:ext>
             <a:ext uri="{91240B29-F687-4f45-9708-019B960494DF}">
-              <a14:hiddenLine xmlns="" xmlns:a14="http://schemas.microsoft.com/office/drawing/2010/main" w="9525">
+              <a14:hiddenLine xmlns:a14="http://schemas.microsoft.com/office/drawing/2010/main" xmlns="" w="9525">
                 <a:solidFill>
                   <a:schemeClr val="tx1"/>
                 </a:solidFill>
@@ -3065,7 +3065,7 @@
               </a14:hiddenLine>
             </a:ext>
             <a:ext uri="{AF507438-7753-43e0-B8FC-AC1667EBCBE1}">
-              <a14:hiddenEffects xmlns="" xmlns:a14="http://schemas.microsoft.com/office/drawing/2010/main">
+              <a14:hiddenEffects xmlns:a14="http://schemas.microsoft.com/office/drawing/2010/main" xmlns="">
                 <a:effectLst>
                   <a:outerShdw blurRad="63500" dist="38099" dir="2700000" algn="ctr" rotWithShape="0">
                     <a:schemeClr val="bg2">
@@ -3607,7 +3607,7 @@
           <a:noFill/>
           <a:extLst>
             <a:ext uri="{909E8E84-426E-40dd-AFC4-6F175D3DCCD1}">
-              <a14:hiddenFill xmlns="" xmlns:a14="http://schemas.microsoft.com/office/drawing/2010/main">
+              <a14:hiddenFill xmlns:a14="http://schemas.microsoft.com/office/drawing/2010/main" xmlns="">
                 <a:solidFill>
                   <a:srgbClr val="FFFFFF"/>
                 </a:solidFill>
@@ -3698,14 +3698,14 @@
           <a:effectLst/>
           <a:extLst>
             <a:ext uri="{909E8E84-426E-40dd-AFC4-6F175D3DCCD1}">
-              <a14:hiddenFill xmlns="" xmlns:a14="http://schemas.microsoft.com/office/drawing/2010/main">
+              <a14:hiddenFill xmlns:a14="http://schemas.microsoft.com/office/drawing/2010/main" xmlns="">
                 <a:solidFill>
                   <a:schemeClr val="accent1"/>
                 </a:solidFill>
               </a14:hiddenFill>
             </a:ext>
             <a:ext uri="{91240B29-F687-4f45-9708-019B960494DF}">
-              <a14:hiddenLine xmlns="" xmlns:a14="http://schemas.microsoft.com/office/drawing/2010/main" w="9525">
+              <a14:hiddenLine xmlns:a14="http://schemas.microsoft.com/office/drawing/2010/main" xmlns="" w="9525">
                 <a:solidFill>
                   <a:schemeClr val="tx1"/>
                 </a:solidFill>
@@ -3715,7 +3715,7 @@
               </a14:hiddenLine>
             </a:ext>
             <a:ext uri="{AF507438-7753-43e0-B8FC-AC1667EBCBE1}">
-              <a14:hiddenEffects xmlns="" xmlns:a14="http://schemas.microsoft.com/office/drawing/2010/main">
+              <a14:hiddenEffects xmlns:a14="http://schemas.microsoft.com/office/drawing/2010/main" xmlns="">
                 <a:effectLst>
                   <a:outerShdw blurRad="63500" dist="38099" dir="2700000" algn="ctr" rotWithShape="0">
                     <a:schemeClr val="bg2">
@@ -3770,7 +3770,7 @@
           <a:effectLst/>
           <a:extLst>
             <a:ext uri="{AF507438-7753-43e0-B8FC-AC1667EBCBE1}">
-              <a14:hiddenEffects xmlns="" xmlns:a14="http://schemas.microsoft.com/office/drawing/2010/main">
+              <a14:hiddenEffects xmlns:a14="http://schemas.microsoft.com/office/drawing/2010/main" xmlns="">
                 <a:effectLst>
                   <a:outerShdw blurRad="63500" dist="38099" dir="2700000" algn="ctr" rotWithShape="0">
                     <a:schemeClr val="bg2">
@@ -3820,7 +3820,7 @@
           <a:effectLst/>
           <a:extLst>
             <a:ext uri="{AF507438-7753-43e0-B8FC-AC1667EBCBE1}">
-              <a14:hiddenEffects xmlns="" xmlns:a14="http://schemas.microsoft.com/office/drawing/2010/main">
+              <a14:hiddenEffects xmlns:a14="http://schemas.microsoft.com/office/drawing/2010/main" xmlns="">
                 <a:effectLst>
                   <a:outerShdw blurRad="63500" dist="38099" dir="2700000" algn="ctr" rotWithShape="0">
                     <a:schemeClr val="bg2">
@@ -3863,14 +3863,14 @@
           <a:effectLst/>
           <a:extLst>
             <a:ext uri="{909E8E84-426E-40dd-AFC4-6F175D3DCCD1}">
-              <a14:hiddenFill xmlns="" xmlns:a14="http://schemas.microsoft.com/office/drawing/2010/main">
+              <a14:hiddenFill xmlns:a14="http://schemas.microsoft.com/office/drawing/2010/main" xmlns="">
                 <a:solidFill>
                   <a:schemeClr val="accent1"/>
                 </a:solidFill>
               </a14:hiddenFill>
             </a:ext>
             <a:ext uri="{91240B29-F687-4f45-9708-019B960494DF}">
-              <a14:hiddenLine xmlns="" xmlns:a14="http://schemas.microsoft.com/office/drawing/2010/main" w="9525">
+              <a14:hiddenLine xmlns:a14="http://schemas.microsoft.com/office/drawing/2010/main" xmlns="" w="9525">
                 <a:solidFill>
                   <a:schemeClr val="tx1"/>
                 </a:solidFill>
@@ -3880,7 +3880,7 @@
               </a14:hiddenLine>
             </a:ext>
             <a:ext uri="{AF507438-7753-43e0-B8FC-AC1667EBCBE1}">
-              <a14:hiddenEffects xmlns="" xmlns:a14="http://schemas.microsoft.com/office/drawing/2010/main">
+              <a14:hiddenEffects xmlns:a14="http://schemas.microsoft.com/office/drawing/2010/main" xmlns="">
                 <a:effectLst>
                   <a:outerShdw blurRad="63500" dist="38099" dir="2700000" algn="ctr" rotWithShape="0">
                     <a:schemeClr val="bg2">
@@ -4175,14 +4175,14 @@
           <a:effectLst/>
           <a:extLst>
             <a:ext uri="{909E8E84-426E-40dd-AFC4-6F175D3DCCD1}">
-              <a14:hiddenFill xmlns="" xmlns:a14="http://schemas.microsoft.com/office/drawing/2010/main">
+              <a14:hiddenFill xmlns:a14="http://schemas.microsoft.com/office/drawing/2010/main" xmlns="">
                 <a:solidFill>
                   <a:schemeClr val="accent1"/>
                 </a:solidFill>
               </a14:hiddenFill>
             </a:ext>
             <a:ext uri="{91240B29-F687-4f45-9708-019B960494DF}">
-              <a14:hiddenLine xmlns="" xmlns:a14="http://schemas.microsoft.com/office/drawing/2010/main" w="9525">
+              <a14:hiddenLine xmlns:a14="http://schemas.microsoft.com/office/drawing/2010/main" xmlns="" w="9525">
                 <a:solidFill>
                   <a:schemeClr val="tx1"/>
                 </a:solidFill>
@@ -4192,7 +4192,7 @@
               </a14:hiddenLine>
             </a:ext>
             <a:ext uri="{AF507438-7753-43e0-B8FC-AC1667EBCBE1}">
-              <a14:hiddenEffects xmlns="" xmlns:a14="http://schemas.microsoft.com/office/drawing/2010/main">
+              <a14:hiddenEffects xmlns:a14="http://schemas.microsoft.com/office/drawing/2010/main" xmlns="">
                 <a:effectLst>
                   <a:outerShdw blurRad="63500" dist="38099" dir="2700000" algn="ctr" rotWithShape="0">
                     <a:schemeClr val="bg2">
@@ -4203,7 +4203,7 @@
               </a14:hiddenEffects>
             </a:ext>
             <a:ext uri="{FAA26D3D-D897-4be2-8F04-BA451C77F1D7}">
-              <ma14:placeholderFlag xmlns="" xmlns:ma14="http://schemas.microsoft.com/office/mac/drawingml/2011/main" val="1"/>
+              <ma14:placeholderFlag xmlns:ma14="http://schemas.microsoft.com/office/mac/drawingml/2011/main" xmlns="" val="1"/>
             </a:ext>
           </a:extLst>
         </p:spPr>
@@ -4545,14 +4545,14 @@
           <a:effectLst/>
           <a:extLst>
             <a:ext uri="{909E8E84-426E-40dd-AFC4-6F175D3DCCD1}">
-              <a14:hiddenFill xmlns="" xmlns:a14="http://schemas.microsoft.com/office/drawing/2010/main">
+              <a14:hiddenFill xmlns:a14="http://schemas.microsoft.com/office/drawing/2010/main" xmlns="">
                 <a:solidFill>
                   <a:schemeClr val="accent1"/>
                 </a:solidFill>
               </a14:hiddenFill>
             </a:ext>
             <a:ext uri="{91240B29-F687-4f45-9708-019B960494DF}">
-              <a14:hiddenLine xmlns="" xmlns:a14="http://schemas.microsoft.com/office/drawing/2010/main" w="9525">
+              <a14:hiddenLine xmlns:a14="http://schemas.microsoft.com/office/drawing/2010/main" xmlns="" w="9525">
                 <a:solidFill>
                   <a:schemeClr val="tx1"/>
                 </a:solidFill>
@@ -4562,7 +4562,7 @@
               </a14:hiddenLine>
             </a:ext>
             <a:ext uri="{AF507438-7753-43e0-B8FC-AC1667EBCBE1}">
-              <a14:hiddenEffects xmlns="" xmlns:a14="http://schemas.microsoft.com/office/drawing/2010/main">
+              <a14:hiddenEffects xmlns:a14="http://schemas.microsoft.com/office/drawing/2010/main" xmlns="">
                 <a:effectLst>
                   <a:outerShdw blurRad="63500" dist="38099" dir="2700000" algn="ctr" rotWithShape="0">
                     <a:schemeClr val="bg2">
@@ -4573,7 +4573,7 @@
               </a14:hiddenEffects>
             </a:ext>
             <a:ext uri="{FAA26D3D-D897-4be2-8F04-BA451C77F1D7}">
-              <ma14:placeholderFlag xmlns="" xmlns:ma14="http://schemas.microsoft.com/office/mac/drawingml/2011/main" val="1"/>
+              <ma14:placeholderFlag xmlns:ma14="http://schemas.microsoft.com/office/mac/drawingml/2011/main" xmlns="" val="1"/>
             </a:ext>
           </a:extLst>
         </p:spPr>
@@ -5544,7 +5544,7 @@
           <a:effectLst/>
           <a:extLst>
             <a:ext uri="{AF507438-7753-43e0-B8FC-AC1667EBCBE1}">
-              <a14:hiddenEffects xmlns="" xmlns:a14="http://schemas.microsoft.com/office/drawing/2010/main">
+              <a14:hiddenEffects xmlns:a14="http://schemas.microsoft.com/office/drawing/2010/main" xmlns="">
                 <a:effectLst>
                   <a:outerShdw blurRad="63500" dist="35921" dir="2700000" algn="ctr" rotWithShape="0">
                     <a:schemeClr val="bg2"/>
@@ -5644,7 +5644,7 @@
           <a:effectLst/>
           <a:extLst>
             <a:ext uri="{AF507438-7753-43e0-B8FC-AC1667EBCBE1}">
-              <a14:hiddenEffects xmlns="" xmlns:a14="http://schemas.microsoft.com/office/drawing/2010/main">
+              <a14:hiddenEffects xmlns:a14="http://schemas.microsoft.com/office/drawing/2010/main" xmlns="">
                 <a:effectLst>
                   <a:outerShdw blurRad="63500" dist="35921" dir="2700000" algn="ctr" rotWithShape="0">
                     <a:schemeClr val="bg2"/>
@@ -5722,7 +5722,7 @@
           <a:effectLst/>
           <a:extLst>
             <a:ext uri="{AF507438-7753-43e0-B8FC-AC1667EBCBE1}">
-              <a14:hiddenEffects xmlns="" xmlns:a14="http://schemas.microsoft.com/office/drawing/2010/main">
+              <a14:hiddenEffects xmlns:a14="http://schemas.microsoft.com/office/drawing/2010/main" xmlns="">
                 <a:effectLst>
                   <a:outerShdw blurRad="63500" dist="35921" dir="2700000" algn="ctr" rotWithShape="0">
                     <a:schemeClr val="bg2"/>
@@ -5800,7 +5800,7 @@
           <a:effectLst/>
           <a:extLst>
             <a:ext uri="{AF507438-7753-43e0-B8FC-AC1667EBCBE1}">
-              <a14:hiddenEffects xmlns="" xmlns:a14="http://schemas.microsoft.com/office/drawing/2010/main">
+              <a14:hiddenEffects xmlns:a14="http://schemas.microsoft.com/office/drawing/2010/main" xmlns="">
                 <a:effectLst>
                   <a:outerShdw blurRad="63500" dist="35921" dir="2700000" algn="ctr" rotWithShape="0">
                     <a:schemeClr val="bg2"/>
@@ -5878,7 +5878,7 @@
           <a:effectLst/>
           <a:extLst>
             <a:ext uri="{AF507438-7753-43e0-B8FC-AC1667EBCBE1}">
-              <a14:hiddenEffects xmlns="" xmlns:a14="http://schemas.microsoft.com/office/drawing/2010/main">
+              <a14:hiddenEffects xmlns:a14="http://schemas.microsoft.com/office/drawing/2010/main" xmlns="">
                 <a:effectLst>
                   <a:outerShdw blurRad="63500" dist="35921" dir="2700000" algn="ctr" rotWithShape="0">
                     <a:schemeClr val="bg2"/>
@@ -5956,7 +5956,7 @@
           <a:effectLst/>
           <a:extLst>
             <a:ext uri="{AF507438-7753-43e0-B8FC-AC1667EBCBE1}">
-              <a14:hiddenEffects xmlns="" xmlns:a14="http://schemas.microsoft.com/office/drawing/2010/main">
+              <a14:hiddenEffects xmlns:a14="http://schemas.microsoft.com/office/drawing/2010/main" xmlns="">
                 <a:effectLst>
                   <a:outerShdw blurRad="63500" dist="35921" dir="2700000" algn="ctr" rotWithShape="0">
                     <a:schemeClr val="bg2"/>
@@ -6034,7 +6034,7 @@
           <a:effectLst/>
           <a:extLst>
             <a:ext uri="{AF507438-7753-43e0-B8FC-AC1667EBCBE1}">
-              <a14:hiddenEffects xmlns="" xmlns:a14="http://schemas.microsoft.com/office/drawing/2010/main">
+              <a14:hiddenEffects xmlns:a14="http://schemas.microsoft.com/office/drawing/2010/main" xmlns="">
                 <a:effectLst>
                   <a:outerShdw blurRad="63500" dist="35921" dir="2700000" algn="ctr" rotWithShape="0">
                     <a:schemeClr val="bg2"/>
@@ -6103,7 +6103,7 @@
           <a:effectLst/>
           <a:extLst>
             <a:ext uri="{AF507438-7753-43e0-B8FC-AC1667EBCBE1}">
-              <a14:hiddenEffects xmlns="" xmlns:a14="http://schemas.microsoft.com/office/drawing/2010/main">
+              <a14:hiddenEffects xmlns:a14="http://schemas.microsoft.com/office/drawing/2010/main" xmlns="">
                 <a:effectLst>
                   <a:outerShdw blurRad="63500" dist="35921" dir="2700000" algn="ctr" rotWithShape="0">
                     <a:schemeClr val="bg2"/>
@@ -6451,7 +6451,7 @@
             <p:ph idx="1"/>
             <p:extLst>
               <p:ext uri="{D42A27DB-BD31-4B8C-83A1-F6EECF244321}">
-                <p14:modId xmlns:p14="http://schemas.microsoft.com/office/powerpoint/2010/main" val="32038058"/>
+                <p14:modId xmlns:p14="http://schemas.microsoft.com/office/powerpoint/2010/main" val="2273483003"/>
               </p:ext>
             </p:extLst>
           </p:nvPr>
@@ -6479,10 +6479,18 @@
                     <a:p>
                       <a:pPr algn="ctr"/>
                       <a:r>
-                        <a:rPr lang="en-US" dirty="0" smtClean="0"/>
+                        <a:rPr lang="en-US" dirty="0" smtClean="0">
+                          <a:solidFill>
+                            <a:schemeClr val="tx1"/>
+                          </a:solidFill>
+                        </a:rPr>
                         <a:t>Time</a:t>
                       </a:r>
-                      <a:endParaRPr lang="en-US" dirty="0"/>
+                      <a:endParaRPr lang="en-US" dirty="0">
+                        <a:solidFill>
+                          <a:schemeClr val="tx1"/>
+                        </a:solidFill>
+                      </a:endParaRPr>
                     </a:p>
                   </a:txBody>
                   <a:tcPr/>
@@ -6494,10 +6502,18 @@
                     <a:p>
                       <a:pPr algn="ctr"/>
                       <a:r>
-                        <a:rPr lang="en-US" dirty="0" smtClean="0"/>
+                        <a:rPr lang="en-US" dirty="0" smtClean="0">
+                          <a:solidFill>
+                            <a:schemeClr val="tx1"/>
+                          </a:solidFill>
+                        </a:rPr>
                         <a:t>Sensor Name</a:t>
                       </a:r>
-                      <a:endParaRPr lang="en-US" dirty="0"/>
+                      <a:endParaRPr lang="en-US" dirty="0">
+                        <a:solidFill>
+                          <a:schemeClr val="tx1"/>
+                        </a:solidFill>
+                      </a:endParaRPr>
                     </a:p>
                   </a:txBody>
                   <a:tcPr/>
@@ -6509,10 +6525,18 @@
                     <a:p>
                       <a:pPr algn="ctr"/>
                       <a:r>
-                        <a:rPr lang="en-US" dirty="0" smtClean="0"/>
+                        <a:rPr lang="en-US" dirty="0" smtClean="0">
+                          <a:solidFill>
+                            <a:schemeClr val="tx1"/>
+                          </a:solidFill>
+                        </a:rPr>
                         <a:t>Sensor Value</a:t>
                       </a:r>
-                      <a:endParaRPr lang="en-US" dirty="0"/>
+                      <a:endParaRPr lang="en-US" dirty="0">
+                        <a:solidFill>
+                          <a:schemeClr val="tx1"/>
+                        </a:solidFill>
+                      </a:endParaRPr>
                     </a:p>
                   </a:txBody>
                   <a:tcPr/>
@@ -7124,7 +7148,7 @@
           <p:nvPr>
             <p:extLst>
               <p:ext uri="{D42A27DB-BD31-4B8C-83A1-F6EECF244321}">
-                <p14:modId xmlns:p14="http://schemas.microsoft.com/office/powerpoint/2010/main" val="272534515"/>
+                <p14:modId xmlns:p14="http://schemas.microsoft.com/office/powerpoint/2010/main" val="3783864220"/>
               </p:ext>
             </p:extLst>
           </p:nvPr>
@@ -7152,10 +7176,18 @@
                     <a:p>
                       <a:pPr algn="ctr"/>
                       <a:r>
-                        <a:rPr lang="en-US" dirty="0" smtClean="0"/>
+                        <a:rPr lang="en-US" dirty="0" smtClean="0">
+                          <a:solidFill>
+                            <a:schemeClr val="tx1"/>
+                          </a:solidFill>
+                        </a:rPr>
                         <a:t>Time</a:t>
                       </a:r>
-                      <a:endParaRPr lang="en-US" dirty="0"/>
+                      <a:endParaRPr lang="en-US" dirty="0">
+                        <a:solidFill>
+                          <a:schemeClr val="tx1"/>
+                        </a:solidFill>
+                      </a:endParaRPr>
                     </a:p>
                   </a:txBody>
                   <a:tcPr/>
@@ -7167,10 +7199,18 @@
                     <a:p>
                       <a:pPr algn="ctr"/>
                       <a:r>
-                        <a:rPr lang="en-US" dirty="0" smtClean="0"/>
+                        <a:rPr lang="en-US" dirty="0" smtClean="0">
+                          <a:solidFill>
+                            <a:schemeClr val="tx1"/>
+                          </a:solidFill>
+                        </a:rPr>
                         <a:t>Sensor Name</a:t>
                       </a:r>
-                      <a:endParaRPr lang="en-US" dirty="0"/>
+                      <a:endParaRPr lang="en-US" dirty="0">
+                        <a:solidFill>
+                          <a:schemeClr val="tx1"/>
+                        </a:solidFill>
+                      </a:endParaRPr>
                     </a:p>
                   </a:txBody>
                   <a:tcPr/>
@@ -7182,10 +7222,18 @@
                     <a:p>
                       <a:pPr algn="ctr"/>
                       <a:r>
-                        <a:rPr lang="en-US" dirty="0" smtClean="0"/>
+                        <a:rPr lang="en-US" dirty="0" smtClean="0">
+                          <a:solidFill>
+                            <a:schemeClr val="tx1"/>
+                          </a:solidFill>
+                        </a:rPr>
                         <a:t>Sensor Value</a:t>
                       </a:r>
-                      <a:endParaRPr lang="en-US" dirty="0"/>
+                      <a:endParaRPr lang="en-US" dirty="0">
+                        <a:solidFill>
+                          <a:schemeClr val="tx1"/>
+                        </a:solidFill>
+                      </a:endParaRPr>
                     </a:p>
                   </a:txBody>
                   <a:tcPr/>
@@ -7812,14 +7860,14 @@
           <a:effectLst/>
           <a:extLst>
             <a:ext uri="{909E8E84-426E-40dd-AFC4-6F175D3DCCD1}">
-              <a14:hiddenFill xmlns="" xmlns:a14="http://schemas.microsoft.com/office/drawing/2010/main">
+              <a14:hiddenFill xmlns:a14="http://schemas.microsoft.com/office/drawing/2010/main" xmlns="">
                 <a:solidFill>
                   <a:schemeClr val="accent1"/>
                 </a:solidFill>
               </a14:hiddenFill>
             </a:ext>
             <a:ext uri="{91240B29-F687-4f45-9708-019B960494DF}">
-              <a14:hiddenLine xmlns="" xmlns:a14="http://schemas.microsoft.com/office/drawing/2010/main" w="9525">
+              <a14:hiddenLine xmlns:a14="http://schemas.microsoft.com/office/drawing/2010/main" xmlns="" w="9525">
                 <a:solidFill>
                   <a:schemeClr val="tx1"/>
                 </a:solidFill>
@@ -7829,7 +7877,7 @@
               </a14:hiddenLine>
             </a:ext>
             <a:ext uri="{AF507438-7753-43e0-B8FC-AC1667EBCBE1}">
-              <a14:hiddenEffects xmlns="" xmlns:a14="http://schemas.microsoft.com/office/drawing/2010/main">
+              <a14:hiddenEffects xmlns:a14="http://schemas.microsoft.com/office/drawing/2010/main" xmlns="">
                 <a:effectLst>
                   <a:outerShdw blurRad="63500" dist="38099" dir="2700000" algn="ctr" rotWithShape="0">
                     <a:schemeClr val="bg2">
@@ -7840,7 +7888,7 @@
               </a14:hiddenEffects>
             </a:ext>
             <a:ext uri="{FAA26D3D-D897-4be2-8F04-BA451C77F1D7}">
-              <ma14:placeholderFlag xmlns="" xmlns:ma14="http://schemas.microsoft.com/office/mac/drawingml/2011/main" val="1"/>
+              <ma14:placeholderFlag xmlns:ma14="http://schemas.microsoft.com/office/mac/drawingml/2011/main" xmlns="" val="1"/>
             </a:ext>
           </a:extLst>
         </p:spPr>
@@ -8142,550 +8190,6 @@
       </p:sp>
       <p:sp>
         <p:nvSpPr>
-          <p:cNvPr id="3" name="Content Placeholder 2"/>
-          <p:cNvSpPr>
-            <a:spLocks noGrp="1"/>
-          </p:cNvSpPr>
-          <p:nvPr>
-            <p:ph idx="1"/>
-          </p:nvPr>
-        </p:nvSpPr>
-        <p:spPr>
-          <a:xfrm>
-            <a:off x="457200" y="1371600"/>
-            <a:ext cx="8229600" cy="4525963"/>
-          </a:xfrm>
-        </p:spPr>
-        <p:txBody>
-          <a:bodyPr/>
-          <a:lstStyle/>
-          <a:p>
-            <a:pPr marL="0" indent="0">
-              <a:buNone/>
-            </a:pPr>
-            <a:r>
-              <a:rPr lang="en-US" sz="1600" b="1" dirty="0" smtClean="0">
-                <a:latin typeface="Courier"/>
-                <a:cs typeface="Courier"/>
-              </a:rPr>
-              <a:t>Data</a:t>
-            </a:r>
-            <a:r>
-              <a:rPr lang="en-US" sz="1600" dirty="0" smtClean="0">
-                <a:latin typeface="Courier"/>
-                <a:cs typeface="Courier"/>
-              </a:rPr>
-              <a:t> : D, w</a:t>
-            </a:r>
-          </a:p>
-          <a:p>
-            <a:pPr marL="0" indent="0">
-              <a:buNone/>
-            </a:pPr>
-            <a:r>
-              <a:rPr lang="en-US" sz="1600" b="1" dirty="0" smtClean="0">
-                <a:latin typeface="Courier"/>
-                <a:cs typeface="Courier"/>
-              </a:rPr>
-              <a:t>Result</a:t>
-            </a:r>
-            <a:r>
-              <a:rPr lang="en-US" sz="1600" dirty="0" smtClean="0">
-                <a:latin typeface="Courier"/>
-                <a:cs typeface="Courier"/>
-              </a:rPr>
-              <a:t> : All Detected Group in a Window</a:t>
-            </a:r>
-          </a:p>
-          <a:p>
-            <a:pPr marL="0" indent="0">
-              <a:buNone/>
-            </a:pPr>
-            <a:r>
-              <a:rPr lang="en-US" sz="1600" dirty="0" err="1" smtClean="0">
-                <a:latin typeface="Courier"/>
-                <a:cs typeface="Courier"/>
-              </a:rPr>
-              <a:t>grpAll</a:t>
-            </a:r>
-            <a:r>
-              <a:rPr lang="en-US" sz="1600" dirty="0" smtClean="0">
-                <a:latin typeface="Courier"/>
-                <a:cs typeface="Courier"/>
-              </a:rPr>
-              <a:t>, </a:t>
-            </a:r>
-            <a:r>
-              <a:rPr lang="en-US" sz="1600" dirty="0" err="1" smtClean="0">
-                <a:latin typeface="Courier"/>
-                <a:cs typeface="Courier"/>
-              </a:rPr>
-              <a:t>grpTemp</a:t>
-            </a:r>
-            <a:r>
-              <a:rPr lang="en-US" sz="1600" dirty="0" smtClean="0">
-                <a:latin typeface="Courier"/>
-                <a:cs typeface="Courier"/>
-              </a:rPr>
-              <a:t>, </a:t>
-            </a:r>
-            <a:r>
-              <a:rPr lang="en-US" sz="1600" dirty="0" err="1" smtClean="0">
-                <a:latin typeface="Courier"/>
-                <a:cs typeface="Courier"/>
-              </a:rPr>
-              <a:t>grpPrevious</a:t>
-            </a:r>
-            <a:r>
-              <a:rPr lang="en-US" sz="1600" dirty="0" smtClean="0">
-                <a:latin typeface="Courier"/>
-                <a:cs typeface="Courier"/>
-              </a:rPr>
-              <a:t>&lt;- NULL</a:t>
-            </a:r>
-          </a:p>
-          <a:p>
-            <a:pPr marL="0" indent="0">
-              <a:buNone/>
-            </a:pPr>
-            <a:r>
-              <a:rPr lang="en-US" sz="1600" dirty="0" err="1" smtClean="0">
-                <a:latin typeface="Courier"/>
-                <a:cs typeface="Courier"/>
-              </a:rPr>
-              <a:t>dataValue</a:t>
-            </a:r>
-            <a:r>
-              <a:rPr lang="en-US" sz="1600" dirty="0" smtClean="0">
-                <a:latin typeface="Courier"/>
-                <a:cs typeface="Courier"/>
-              </a:rPr>
-              <a:t>, </a:t>
-            </a:r>
-            <a:r>
-              <a:rPr lang="en-US" sz="1600" dirty="0" err="1" smtClean="0">
-                <a:latin typeface="Courier"/>
-                <a:cs typeface="Courier"/>
-              </a:rPr>
-              <a:t>dataValueNext</a:t>
-            </a:r>
-            <a:r>
-              <a:rPr lang="en-US" sz="1600" dirty="0" smtClean="0">
-                <a:latin typeface="Courier"/>
-                <a:cs typeface="Courier"/>
-              </a:rPr>
-              <a:t> &lt;- NULL</a:t>
-            </a:r>
-          </a:p>
-          <a:p>
-            <a:pPr marL="0" indent="0">
-              <a:buNone/>
-            </a:pPr>
-            <a:r>
-              <a:rPr lang="en-US" sz="1600" b="1" dirty="0">
-                <a:latin typeface="Courier"/>
-                <a:cs typeface="Courier"/>
-              </a:rPr>
-              <a:t>w</a:t>
-            </a:r>
-            <a:r>
-              <a:rPr lang="en-US" sz="1600" b="1" dirty="0" smtClean="0">
-                <a:latin typeface="Courier"/>
-                <a:cs typeface="Courier"/>
-              </a:rPr>
-              <a:t>hile</a:t>
-            </a:r>
-            <a:r>
-              <a:rPr lang="en-US" sz="1600" dirty="0" smtClean="0">
-                <a:latin typeface="Courier"/>
-                <a:cs typeface="Courier"/>
-              </a:rPr>
-              <a:t> (D in w) for all of D </a:t>
-            </a:r>
-            <a:r>
-              <a:rPr lang="en-US" sz="1600" b="1" dirty="0" smtClean="0">
-                <a:latin typeface="Courier"/>
-                <a:cs typeface="Courier"/>
-              </a:rPr>
-              <a:t>do</a:t>
-            </a:r>
-          </a:p>
-          <a:p>
-            <a:pPr marL="400050" lvl="1" indent="0">
-              <a:buNone/>
-            </a:pPr>
-            <a:r>
-              <a:rPr lang="en-US" sz="1400" dirty="0" err="1" smtClean="0">
-                <a:latin typeface="Courier"/>
-                <a:cs typeface="Courier"/>
-              </a:rPr>
-              <a:t>dataValue</a:t>
-            </a:r>
-            <a:r>
-              <a:rPr lang="en-US" sz="1400" dirty="0" smtClean="0">
-                <a:latin typeface="Courier"/>
-                <a:cs typeface="Courier"/>
-              </a:rPr>
-              <a:t> &lt;- </a:t>
-            </a:r>
-            <a:r>
-              <a:rPr lang="en-US" sz="1400" dirty="0" err="1" smtClean="0">
-                <a:latin typeface="Courier"/>
-                <a:cs typeface="Courier"/>
-              </a:rPr>
-              <a:t>D.current.day</a:t>
-            </a:r>
-            <a:endParaRPr lang="en-US" sz="1400" dirty="0" smtClean="0">
-              <a:latin typeface="Courier"/>
-              <a:cs typeface="Courier"/>
-            </a:endParaRPr>
-          </a:p>
-          <a:p>
-            <a:pPr marL="400050" lvl="1" indent="0">
-              <a:buNone/>
-            </a:pPr>
-            <a:r>
-              <a:rPr lang="en-US" sz="1400" dirty="0" err="1" smtClean="0">
-                <a:latin typeface="Courier"/>
-                <a:cs typeface="Courier"/>
-              </a:rPr>
-              <a:t>dataValueNext</a:t>
-            </a:r>
-            <a:r>
-              <a:rPr lang="en-US" sz="1400" dirty="0" smtClean="0">
-                <a:latin typeface="Courier"/>
-                <a:cs typeface="Courier"/>
-              </a:rPr>
-              <a:t> &lt;- </a:t>
-            </a:r>
-            <a:r>
-              <a:rPr lang="en-US" sz="1400" dirty="0" err="1" smtClean="0">
-                <a:latin typeface="Courier"/>
-                <a:cs typeface="Courier"/>
-              </a:rPr>
-              <a:t>D.next.day</a:t>
-            </a:r>
-            <a:endParaRPr lang="en-US" sz="1400" dirty="0" smtClean="0">
-              <a:latin typeface="Courier"/>
-              <a:cs typeface="Courier"/>
-            </a:endParaRPr>
-          </a:p>
-          <a:p>
-            <a:pPr marL="400050" lvl="1" indent="0">
-              <a:buNone/>
-            </a:pPr>
-            <a:r>
-              <a:rPr lang="en-US" sz="1400" dirty="0" err="1" smtClean="0">
-                <a:latin typeface="Courier"/>
-                <a:cs typeface="Courier"/>
-              </a:rPr>
-              <a:t>grpTemp</a:t>
-            </a:r>
-            <a:r>
-              <a:rPr lang="en-US" sz="1400" dirty="0" smtClean="0">
-                <a:latin typeface="Courier"/>
-                <a:cs typeface="Courier"/>
-              </a:rPr>
-              <a:t> &lt;- </a:t>
-            </a:r>
-            <a:r>
-              <a:rPr lang="en-US" sz="1400" i="1" dirty="0" err="1" smtClean="0">
-                <a:latin typeface="Courier"/>
-                <a:cs typeface="Courier"/>
-              </a:rPr>
-              <a:t>findingSimilarPatterns</a:t>
-            </a:r>
-            <a:r>
-              <a:rPr lang="en-US" sz="1400" dirty="0" smtClean="0">
-                <a:latin typeface="Courier"/>
-                <a:cs typeface="Courier"/>
-              </a:rPr>
-              <a:t>(</a:t>
-            </a:r>
-            <a:r>
-              <a:rPr lang="en-US" sz="1400" dirty="0" err="1" smtClean="0">
-                <a:latin typeface="Courier"/>
-                <a:cs typeface="Courier"/>
-              </a:rPr>
-              <a:t>dataValue</a:t>
-            </a:r>
-            <a:r>
-              <a:rPr lang="en-US" sz="1400" dirty="0" smtClean="0">
-                <a:latin typeface="Courier"/>
-                <a:cs typeface="Courier"/>
-              </a:rPr>
-              <a:t>, </a:t>
-            </a:r>
-            <a:r>
-              <a:rPr lang="en-US" sz="1400" dirty="0" err="1" smtClean="0">
-                <a:latin typeface="Courier"/>
-                <a:cs typeface="Courier"/>
-              </a:rPr>
-              <a:t>dataValueNext</a:t>
-            </a:r>
-            <a:r>
-              <a:rPr lang="en-US" sz="1400" dirty="0" smtClean="0">
-                <a:latin typeface="Courier"/>
-                <a:cs typeface="Courier"/>
-              </a:rPr>
-              <a:t>)</a:t>
-            </a:r>
-          </a:p>
-          <a:p>
-            <a:pPr marL="400050" lvl="1" indent="0">
-              <a:buNone/>
-            </a:pPr>
-            <a:endParaRPr lang="en-US" sz="1400" dirty="0" smtClean="0">
-              <a:latin typeface="Courier"/>
-              <a:cs typeface="Courier"/>
-            </a:endParaRPr>
-          </a:p>
-          <a:p>
-            <a:pPr marL="400050" lvl="1" indent="0">
-              <a:buNone/>
-            </a:pPr>
-            <a:r>
-              <a:rPr lang="en-US" sz="1400" dirty="0">
-                <a:latin typeface="Courier"/>
-                <a:cs typeface="Courier"/>
-              </a:rPr>
-              <a:t>i</a:t>
-            </a:r>
-            <a:r>
-              <a:rPr lang="en-US" sz="1400" dirty="0" smtClean="0">
-                <a:latin typeface="Courier"/>
-                <a:cs typeface="Courier"/>
-              </a:rPr>
-              <a:t>f </a:t>
-            </a:r>
-            <a:r>
-              <a:rPr lang="en-US" sz="1400" i="1" dirty="0" smtClean="0">
-                <a:latin typeface="Courier"/>
-                <a:cs typeface="Courier"/>
-              </a:rPr>
-              <a:t>(</a:t>
-            </a:r>
-            <a:r>
-              <a:rPr lang="en-US" sz="1400" dirty="0" err="1" smtClean="0">
-                <a:latin typeface="Courier"/>
-                <a:cs typeface="Courier"/>
-              </a:rPr>
-              <a:t>grpTemp</a:t>
-            </a:r>
-            <a:r>
-              <a:rPr lang="en-US" sz="1400" i="1" dirty="0" smtClean="0">
-                <a:latin typeface="Courier"/>
-                <a:cs typeface="Courier"/>
-              </a:rPr>
-              <a:t> in </a:t>
-            </a:r>
-            <a:r>
-              <a:rPr lang="en-US" sz="1400" dirty="0" err="1" smtClean="0">
-                <a:latin typeface="Courier"/>
-                <a:cs typeface="Courier"/>
-              </a:rPr>
-              <a:t>grpPrevious</a:t>
-            </a:r>
-            <a:r>
-              <a:rPr lang="en-US" sz="1400" i="1" dirty="0" smtClean="0">
-                <a:latin typeface="Courier"/>
-                <a:cs typeface="Courier"/>
-              </a:rPr>
-              <a:t>)</a:t>
-            </a:r>
-            <a:r>
-              <a:rPr lang="en-US" sz="1400" dirty="0" smtClean="0">
-                <a:latin typeface="Courier"/>
-                <a:cs typeface="Courier"/>
-              </a:rPr>
-              <a:t>then</a:t>
-            </a:r>
-          </a:p>
-          <a:p>
-            <a:pPr marL="400050" lvl="1" indent="0">
-              <a:buNone/>
-            </a:pPr>
-            <a:r>
-              <a:rPr lang="en-US" sz="1400" dirty="0" smtClean="0">
-                <a:latin typeface="Courier"/>
-                <a:cs typeface="Courier"/>
-              </a:rPr>
-              <a:t>	</a:t>
-            </a:r>
-            <a:r>
-              <a:rPr lang="en-US" sz="1400" dirty="0" err="1" smtClean="0">
-                <a:latin typeface="Courier"/>
-                <a:cs typeface="Courier"/>
-              </a:rPr>
-              <a:t>grpNew</a:t>
-            </a:r>
-            <a:r>
-              <a:rPr lang="en-US" sz="1400" dirty="0" smtClean="0">
-                <a:latin typeface="Courier"/>
-                <a:cs typeface="Courier"/>
-              </a:rPr>
-              <a:t> &lt;- </a:t>
-            </a:r>
-            <a:r>
-              <a:rPr lang="en-US" sz="1400" i="1" dirty="0" smtClean="0">
-                <a:latin typeface="Courier"/>
-                <a:cs typeface="Courier"/>
-              </a:rPr>
-              <a:t>merge</a:t>
-            </a:r>
-            <a:r>
-              <a:rPr lang="en-US" sz="1400" dirty="0" smtClean="0">
-                <a:latin typeface="Courier"/>
-                <a:cs typeface="Courier"/>
-              </a:rPr>
-              <a:t>(</a:t>
-            </a:r>
-            <a:r>
-              <a:rPr lang="en-US" sz="1400" dirty="0" err="1">
-                <a:latin typeface="Courier"/>
-                <a:cs typeface="Courier"/>
-              </a:rPr>
-              <a:t>grpPrevious</a:t>
-            </a:r>
-            <a:r>
-              <a:rPr lang="en-US" sz="1400" dirty="0" smtClean="0">
-                <a:latin typeface="Courier"/>
-                <a:cs typeface="Courier"/>
-              </a:rPr>
-              <a:t>, </a:t>
-            </a:r>
-            <a:r>
-              <a:rPr lang="en-US" sz="1400" dirty="0" err="1">
-                <a:latin typeface="Courier"/>
-                <a:cs typeface="Courier"/>
-              </a:rPr>
-              <a:t>grpTemp</a:t>
-            </a:r>
-            <a:r>
-              <a:rPr lang="en-US" sz="1400" dirty="0" smtClean="0">
-                <a:latin typeface="Courier"/>
-                <a:cs typeface="Courier"/>
-              </a:rPr>
-              <a:t>)</a:t>
-            </a:r>
-          </a:p>
-          <a:p>
-            <a:pPr marL="400050" lvl="1" indent="0">
-              <a:buNone/>
-            </a:pPr>
-            <a:r>
-              <a:rPr lang="en-US" sz="1400" dirty="0" smtClean="0">
-                <a:latin typeface="Courier"/>
-                <a:cs typeface="Courier"/>
-              </a:rPr>
-              <a:t>	</a:t>
-            </a:r>
-            <a:r>
-              <a:rPr lang="en-US" sz="1400" dirty="0" err="1" smtClean="0">
-                <a:latin typeface="Courier"/>
-                <a:cs typeface="Courier"/>
-              </a:rPr>
-              <a:t>grpAll</a:t>
-            </a:r>
-            <a:r>
-              <a:rPr lang="en-US" sz="1400" i="1" dirty="0" smtClean="0">
-                <a:latin typeface="Courier"/>
-                <a:cs typeface="Courier"/>
-              </a:rPr>
-              <a:t> &lt;- add</a:t>
-            </a:r>
-            <a:r>
-              <a:rPr lang="en-US" sz="1400" dirty="0" smtClean="0">
-                <a:latin typeface="Courier"/>
-                <a:cs typeface="Courier"/>
-              </a:rPr>
-              <a:t>(</a:t>
-            </a:r>
-            <a:r>
-              <a:rPr lang="en-US" sz="1400" dirty="0" err="1" smtClean="0">
-                <a:latin typeface="Courier"/>
-                <a:cs typeface="Courier"/>
-              </a:rPr>
-              <a:t>grpNew</a:t>
-            </a:r>
-            <a:r>
-              <a:rPr lang="en-US" sz="1400" dirty="0" smtClean="0">
-                <a:latin typeface="Courier"/>
-                <a:cs typeface="Courier"/>
-              </a:rPr>
-              <a:t>)</a:t>
-            </a:r>
-          </a:p>
-          <a:p>
-            <a:pPr marL="400050" lvl="1" indent="0">
-              <a:buNone/>
-            </a:pPr>
-            <a:r>
-              <a:rPr lang="en-US" sz="1400" dirty="0">
-                <a:latin typeface="Courier"/>
-                <a:cs typeface="Courier"/>
-              </a:rPr>
-              <a:t>e</a:t>
-            </a:r>
-            <a:r>
-              <a:rPr lang="en-US" sz="1400" dirty="0" smtClean="0">
-                <a:latin typeface="Courier"/>
-                <a:cs typeface="Courier"/>
-              </a:rPr>
-              <a:t>lse</a:t>
-            </a:r>
-          </a:p>
-          <a:p>
-            <a:pPr marL="400050" lvl="1" indent="0">
-              <a:buNone/>
-            </a:pPr>
-            <a:r>
-              <a:rPr lang="en-US" sz="1400" dirty="0" smtClean="0">
-                <a:latin typeface="Courier"/>
-                <a:cs typeface="Courier"/>
-              </a:rPr>
-              <a:t>	</a:t>
-            </a:r>
-            <a:r>
-              <a:rPr lang="en-US" sz="1400" dirty="0" err="1" smtClean="0">
-                <a:latin typeface="Courier"/>
-                <a:cs typeface="Courier"/>
-              </a:rPr>
-              <a:t>grpAll</a:t>
-            </a:r>
-            <a:r>
-              <a:rPr lang="en-US" sz="1400" i="1" dirty="0" smtClean="0">
-                <a:latin typeface="Courier"/>
-                <a:cs typeface="Courier"/>
-              </a:rPr>
-              <a:t> &lt;- add</a:t>
-            </a:r>
-            <a:r>
-              <a:rPr lang="en-US" sz="1400" dirty="0" smtClean="0">
-                <a:latin typeface="Courier"/>
-                <a:cs typeface="Courier"/>
-              </a:rPr>
-              <a:t>(</a:t>
-            </a:r>
-            <a:r>
-              <a:rPr lang="en-US" sz="1400" dirty="0" err="1" smtClean="0">
-                <a:latin typeface="Courier"/>
-                <a:cs typeface="Courier"/>
-              </a:rPr>
-              <a:t>grpTemp</a:t>
-            </a:r>
-            <a:r>
-              <a:rPr lang="en-US" sz="1400" dirty="0" smtClean="0">
-                <a:latin typeface="Courier"/>
-                <a:cs typeface="Courier"/>
-              </a:rPr>
-              <a:t>) </a:t>
-            </a:r>
-          </a:p>
-        </p:txBody>
-      </p:sp>
-      <p:sp>
-        <p:nvSpPr>
           <p:cNvPr id="4" name="Rectangle 3"/>
           <p:cNvSpPr/>
           <p:nvPr/>
@@ -8785,6 +8289,30 @@
           </a:p>
         </p:txBody>
       </p:sp>
+      <p:pic>
+        <p:nvPicPr>
+          <p:cNvPr id="5" name="Picture 4"/>
+          <p:cNvPicPr>
+            <a:picLocks noChangeAspect="1"/>
+          </p:cNvPicPr>
+          <p:nvPr/>
+        </p:nvPicPr>
+        <p:blipFill>
+          <a:blip r:embed="rId2"/>
+          <a:stretch>
+            <a:fillRect/>
+          </a:stretch>
+        </p:blipFill>
+        <p:spPr>
+          <a:xfrm>
+            <a:off x="609600" y="1447799"/>
+            <a:ext cx="6553200" cy="3731061"/>
+          </a:xfrm>
+          <a:prstGeom prst="rect">
+            <a:avLst/>
+          </a:prstGeom>
+        </p:spPr>
+      </p:pic>
     </p:spTree>
     <p:extLst>
       <p:ext uri="{BB962C8B-B14F-4D97-AF65-F5344CB8AC3E}">
@@ -10311,14 +9839,14 @@
           <a:effectLst/>
           <a:extLst>
             <a:ext uri="{909E8E84-426E-40dd-AFC4-6F175D3DCCD1}">
-              <a14:hiddenFill xmlns="" xmlns:a14="http://schemas.microsoft.com/office/drawing/2010/main">
+              <a14:hiddenFill xmlns:a14="http://schemas.microsoft.com/office/drawing/2010/main" xmlns="">
                 <a:solidFill>
                   <a:schemeClr val="accent1"/>
                 </a:solidFill>
               </a14:hiddenFill>
             </a:ext>
             <a:ext uri="{91240B29-F687-4f45-9708-019B960494DF}">
-              <a14:hiddenLine xmlns="" xmlns:a14="http://schemas.microsoft.com/office/drawing/2010/main" w="9525">
+              <a14:hiddenLine xmlns:a14="http://schemas.microsoft.com/office/drawing/2010/main" xmlns="" w="9525">
                 <a:solidFill>
                   <a:schemeClr val="tx1"/>
                 </a:solidFill>
@@ -10328,7 +9856,7 @@
               </a14:hiddenLine>
             </a:ext>
             <a:ext uri="{AF507438-7753-43e0-B8FC-AC1667EBCBE1}">
-              <a14:hiddenEffects xmlns="" xmlns:a14="http://schemas.microsoft.com/office/drawing/2010/main">
+              <a14:hiddenEffects xmlns:a14="http://schemas.microsoft.com/office/drawing/2010/main" xmlns="">
                 <a:effectLst>
                   <a:outerShdw blurRad="63500" dist="38099" dir="2700000" algn="ctr" rotWithShape="0">
                     <a:schemeClr val="bg2">
@@ -10339,7 +9867,7 @@
               </a14:hiddenEffects>
             </a:ext>
             <a:ext uri="{FAA26D3D-D897-4be2-8F04-BA451C77F1D7}">
-              <ma14:placeholderFlag xmlns="" xmlns:ma14="http://schemas.microsoft.com/office/mac/drawingml/2011/main" val="1"/>
+              <ma14:placeholderFlag xmlns:ma14="http://schemas.microsoft.com/office/mac/drawingml/2011/main" xmlns="" val="1"/>
             </a:ext>
           </a:extLst>
         </p:spPr>
@@ -10822,14 +10350,14 @@
           <a:effectLst/>
           <a:extLst>
             <a:ext uri="{909E8E84-426E-40dd-AFC4-6F175D3DCCD1}">
-              <a14:hiddenFill xmlns="" xmlns:a14="http://schemas.microsoft.com/office/drawing/2010/main">
+              <a14:hiddenFill xmlns:a14="http://schemas.microsoft.com/office/drawing/2010/main" xmlns="">
                 <a:solidFill>
                   <a:schemeClr val="accent1"/>
                 </a:solidFill>
               </a14:hiddenFill>
             </a:ext>
             <a:ext uri="{91240B29-F687-4f45-9708-019B960494DF}">
-              <a14:hiddenLine xmlns="" xmlns:a14="http://schemas.microsoft.com/office/drawing/2010/main" w="9525">
+              <a14:hiddenLine xmlns:a14="http://schemas.microsoft.com/office/drawing/2010/main" xmlns="" w="9525">
                 <a:solidFill>
                   <a:schemeClr val="tx1"/>
                 </a:solidFill>
@@ -10839,7 +10367,7 @@
               </a14:hiddenLine>
             </a:ext>
             <a:ext uri="{AF507438-7753-43e0-B8FC-AC1667EBCBE1}">
-              <a14:hiddenEffects xmlns="" xmlns:a14="http://schemas.microsoft.com/office/drawing/2010/main">
+              <a14:hiddenEffects xmlns:a14="http://schemas.microsoft.com/office/drawing/2010/main" xmlns="">
                 <a:effectLst>
                   <a:outerShdw blurRad="63500" dist="38099" dir="2700000" algn="ctr" rotWithShape="0">
                     <a:schemeClr val="bg2">
@@ -10850,7 +10378,7 @@
               </a14:hiddenEffects>
             </a:ext>
             <a:ext uri="{FAA26D3D-D897-4be2-8F04-BA451C77F1D7}">
-              <ma14:placeholderFlag xmlns="" xmlns:ma14="http://schemas.microsoft.com/office/mac/drawingml/2011/main" val="1"/>
+              <ma14:placeholderFlag xmlns:ma14="http://schemas.microsoft.com/office/mac/drawingml/2011/main" xmlns="" val="1"/>
             </a:ext>
           </a:extLst>
         </p:spPr>
@@ -11317,7 +10845,7 @@
         <a:effectLst/>
         <a:extLst>
           <a:ext uri="{AF507438-7753-43e0-B8FC-AC1667EBCBE1}">
-            <a14:hiddenEffects xmlns="" xmlns:a14="http://schemas.microsoft.com/office/drawing/2010/main">
+            <a14:hiddenEffects xmlns:a14="http://schemas.microsoft.com/office/drawing/2010/main" xmlns="">
               <a:effectLst>
                 <a:outerShdw blurRad="63500" dist="35921" dir="2700000" algn="ctr" rotWithShape="0">
                   <a:schemeClr val="bg2"/>
@@ -11391,7 +10919,7 @@
         <a:effectLst/>
         <a:extLst>
           <a:ext uri="{AF507438-7753-43e0-B8FC-AC1667EBCBE1}">
-            <a14:hiddenEffects xmlns="" xmlns:a14="http://schemas.microsoft.com/office/drawing/2010/main">
+            <a14:hiddenEffects xmlns:a14="http://schemas.microsoft.com/office/drawing/2010/main" xmlns="">
               <a:effectLst>
                 <a:outerShdw blurRad="63500" dist="35921" dir="2700000" algn="ctr" rotWithShape="0">
                   <a:schemeClr val="bg2"/>

--- a/Thesis-presentation.pptx
+++ b/Thesis-presentation.pptx
@@ -11,28 +11,28 @@
     <p:sldId id="326" r:id="rId2"/>
     <p:sldId id="447" r:id="rId3"/>
     <p:sldId id="459" r:id="rId4"/>
-    <p:sldId id="462" r:id="rId5"/>
-    <p:sldId id="470" r:id="rId6"/>
+    <p:sldId id="474" r:id="rId5"/>
+    <p:sldId id="462" r:id="rId6"/>
     <p:sldId id="448" r:id="rId7"/>
     <p:sldId id="464" r:id="rId8"/>
-    <p:sldId id="452" r:id="rId9"/>
-    <p:sldId id="469" r:id="rId10"/>
+    <p:sldId id="469" r:id="rId9"/>
+    <p:sldId id="452" r:id="rId10"/>
     <p:sldId id="465" r:id="rId11"/>
     <p:sldId id="454" r:id="rId12"/>
     <p:sldId id="455" r:id="rId13"/>
     <p:sldId id="466" r:id="rId14"/>
     <p:sldId id="456" r:id="rId15"/>
     <p:sldId id="457" r:id="rId16"/>
-    <p:sldId id="458" r:id="rId17"/>
-    <p:sldId id="441" r:id="rId18"/>
-    <p:sldId id="446" r:id="rId19"/>
-    <p:sldId id="444" r:id="rId20"/>
-    <p:sldId id="442" r:id="rId21"/>
-    <p:sldId id="471" r:id="rId22"/>
-    <p:sldId id="443" r:id="rId23"/>
-    <p:sldId id="468" r:id="rId24"/>
-    <p:sldId id="472" r:id="rId25"/>
-    <p:sldId id="473" r:id="rId26"/>
+    <p:sldId id="446" r:id="rId17"/>
+    <p:sldId id="444" r:id="rId18"/>
+    <p:sldId id="442" r:id="rId19"/>
+    <p:sldId id="471" r:id="rId20"/>
+    <p:sldId id="443" r:id="rId21"/>
+    <p:sldId id="468" r:id="rId22"/>
+    <p:sldId id="472" r:id="rId23"/>
+    <p:sldId id="473" r:id="rId24"/>
+    <p:sldId id="475" r:id="rId25"/>
+    <p:sldId id="476" r:id="rId26"/>
   </p:sldIdLst>
   <p:sldSz cx="9144000" cy="6858000" type="screen4x3"/>
   <p:notesSz cx="6858000" cy="9144000"/>
@@ -230,14 +230,14 @@
           <a:effectLst/>
           <a:extLst>
             <a:ext uri="{909E8E84-426E-40dd-AFC4-6F175D3DCCD1}">
-              <a14:hiddenFill xmlns:a14="http://schemas.microsoft.com/office/drawing/2010/main" xmlns="">
+              <a14:hiddenFill xmlns="" xmlns:a14="http://schemas.microsoft.com/office/drawing/2010/main">
                 <a:solidFill>
                   <a:schemeClr val="accent1"/>
                 </a:solidFill>
               </a14:hiddenFill>
             </a:ext>
             <a:ext uri="{91240B29-F687-4f45-9708-019B960494DF}">
-              <a14:hiddenLine xmlns:a14="http://schemas.microsoft.com/office/drawing/2010/main" xmlns="" w="9525">
+              <a14:hiddenLine xmlns="" xmlns:a14="http://schemas.microsoft.com/office/drawing/2010/main" w="9525">
                 <a:solidFill>
                   <a:schemeClr val="tx1"/>
                 </a:solidFill>
@@ -247,7 +247,7 @@
               </a14:hiddenLine>
             </a:ext>
             <a:ext uri="{AF507438-7753-43e0-B8FC-AC1667EBCBE1}">
-              <a14:hiddenEffects xmlns:a14="http://schemas.microsoft.com/office/drawing/2010/main" xmlns="">
+              <a14:hiddenEffects xmlns="" xmlns:a14="http://schemas.microsoft.com/office/drawing/2010/main">
                 <a:effectLst>
                   <a:outerShdw blurRad="63500" dist="38099" dir="2700000" algn="ctr" rotWithShape="0">
                     <a:schemeClr val="bg2">
@@ -258,7 +258,7 @@
               </a14:hiddenEffects>
             </a:ext>
             <a:ext uri="{FAA26D3D-D897-4be2-8F04-BA451C77F1D7}">
-              <ma14:placeholderFlag xmlns:ma14="http://schemas.microsoft.com/office/mac/drawingml/2011/main" xmlns="" val="1"/>
+              <ma14:placeholderFlag xmlns="" xmlns:ma14="http://schemas.microsoft.com/office/mac/drawingml/2011/main" val="1"/>
             </a:ext>
           </a:extLst>
         </p:spPr>
@@ -303,14 +303,14 @@
           <a:effectLst/>
           <a:extLst>
             <a:ext uri="{909E8E84-426E-40dd-AFC4-6F175D3DCCD1}">
-              <a14:hiddenFill xmlns:a14="http://schemas.microsoft.com/office/drawing/2010/main" xmlns="">
+              <a14:hiddenFill xmlns="" xmlns:a14="http://schemas.microsoft.com/office/drawing/2010/main">
                 <a:solidFill>
                   <a:schemeClr val="accent1"/>
                 </a:solidFill>
               </a14:hiddenFill>
             </a:ext>
             <a:ext uri="{91240B29-F687-4f45-9708-019B960494DF}">
-              <a14:hiddenLine xmlns:a14="http://schemas.microsoft.com/office/drawing/2010/main" xmlns="" w="9525">
+              <a14:hiddenLine xmlns="" xmlns:a14="http://schemas.microsoft.com/office/drawing/2010/main" w="9525">
                 <a:solidFill>
                   <a:schemeClr val="tx1"/>
                 </a:solidFill>
@@ -320,7 +320,7 @@
               </a14:hiddenLine>
             </a:ext>
             <a:ext uri="{AF507438-7753-43e0-B8FC-AC1667EBCBE1}">
-              <a14:hiddenEffects xmlns:a14="http://schemas.microsoft.com/office/drawing/2010/main" xmlns="">
+              <a14:hiddenEffects xmlns="" xmlns:a14="http://schemas.microsoft.com/office/drawing/2010/main">
                 <a:effectLst>
                   <a:outerShdw blurRad="63500" dist="38099" dir="2700000" algn="ctr" rotWithShape="0">
                     <a:schemeClr val="bg2">
@@ -331,7 +331,7 @@
               </a14:hiddenEffects>
             </a:ext>
             <a:ext uri="{FAA26D3D-D897-4be2-8F04-BA451C77F1D7}">
-              <ma14:placeholderFlag xmlns:ma14="http://schemas.microsoft.com/office/mac/drawingml/2011/main" xmlns="" val="1"/>
+              <ma14:placeholderFlag xmlns="" xmlns:ma14="http://schemas.microsoft.com/office/mac/drawingml/2011/main" val="1"/>
             </a:ext>
           </a:extLst>
         </p:spPr>
@@ -381,7 +381,7 @@
           <a:effectLst/>
           <a:extLst>
             <a:ext uri="{AF507438-7753-43e0-B8FC-AC1667EBCBE1}">
-              <a14:hiddenEffects xmlns:a14="http://schemas.microsoft.com/office/drawing/2010/main" xmlns="">
+              <a14:hiddenEffects xmlns="" xmlns:a14="http://schemas.microsoft.com/office/drawing/2010/main">
                 <a:effectLst>
                   <a:outerShdw blurRad="63500" dist="38099" dir="2700000" algn="ctr" rotWithShape="0">
                     <a:srgbClr val="000000">
@@ -392,7 +392,7 @@
               </a14:hiddenEffects>
             </a:ext>
             <a:ext uri="{53640926-AAD7-44d8-BBD7-CCE9431645EC}">
-              <a14:shadowObscured xmlns:a14="http://schemas.microsoft.com/office/drawing/2010/main" xmlns="" val="1"/>
+              <a14:shadowObscured xmlns="" xmlns:a14="http://schemas.microsoft.com/office/drawing/2010/main" val="1"/>
             </a:ext>
           </a:extLst>
         </p:spPr>
@@ -422,14 +422,14 @@
           <a:effectLst/>
           <a:extLst>
             <a:ext uri="{909E8E84-426E-40dd-AFC4-6F175D3DCCD1}">
-              <a14:hiddenFill xmlns:a14="http://schemas.microsoft.com/office/drawing/2010/main" xmlns="">
+              <a14:hiddenFill xmlns="" xmlns:a14="http://schemas.microsoft.com/office/drawing/2010/main">
                 <a:solidFill>
                   <a:schemeClr val="accent1"/>
                 </a:solidFill>
               </a14:hiddenFill>
             </a:ext>
             <a:ext uri="{91240B29-F687-4f45-9708-019B960494DF}">
-              <a14:hiddenLine xmlns:a14="http://schemas.microsoft.com/office/drawing/2010/main" xmlns="" w="9525">
+              <a14:hiddenLine xmlns="" xmlns:a14="http://schemas.microsoft.com/office/drawing/2010/main" w="9525">
                 <a:solidFill>
                   <a:schemeClr val="tx1"/>
                 </a:solidFill>
@@ -439,7 +439,7 @@
               </a14:hiddenLine>
             </a:ext>
             <a:ext uri="{AF507438-7753-43e0-B8FC-AC1667EBCBE1}">
-              <a14:hiddenEffects xmlns:a14="http://schemas.microsoft.com/office/drawing/2010/main" xmlns="">
+              <a14:hiddenEffects xmlns="" xmlns:a14="http://schemas.microsoft.com/office/drawing/2010/main">
                 <a:effectLst>
                   <a:outerShdw blurRad="63500" dist="38099" dir="2700000" algn="ctr" rotWithShape="0">
                     <a:schemeClr val="bg2">
@@ -450,7 +450,7 @@
               </a14:hiddenEffects>
             </a:ext>
             <a:ext uri="{FAA26D3D-D897-4be2-8F04-BA451C77F1D7}">
-              <ma14:placeholderFlag xmlns:ma14="http://schemas.microsoft.com/office/mac/drawingml/2011/main" xmlns="" val="1"/>
+              <ma14:placeholderFlag xmlns="" xmlns:ma14="http://schemas.microsoft.com/office/mac/drawingml/2011/main" val="1"/>
             </a:ext>
           </a:extLst>
         </p:spPr>
@@ -523,14 +523,14 @@
           <a:effectLst/>
           <a:extLst>
             <a:ext uri="{909E8E84-426E-40dd-AFC4-6F175D3DCCD1}">
-              <a14:hiddenFill xmlns:a14="http://schemas.microsoft.com/office/drawing/2010/main" xmlns="">
+              <a14:hiddenFill xmlns="" xmlns:a14="http://schemas.microsoft.com/office/drawing/2010/main">
                 <a:solidFill>
                   <a:schemeClr val="accent1"/>
                 </a:solidFill>
               </a14:hiddenFill>
             </a:ext>
             <a:ext uri="{91240B29-F687-4f45-9708-019B960494DF}">
-              <a14:hiddenLine xmlns:a14="http://schemas.microsoft.com/office/drawing/2010/main" xmlns="" w="9525">
+              <a14:hiddenLine xmlns="" xmlns:a14="http://schemas.microsoft.com/office/drawing/2010/main" w="9525">
                 <a:solidFill>
                   <a:schemeClr val="tx1"/>
                 </a:solidFill>
@@ -540,7 +540,7 @@
               </a14:hiddenLine>
             </a:ext>
             <a:ext uri="{AF507438-7753-43e0-B8FC-AC1667EBCBE1}">
-              <a14:hiddenEffects xmlns:a14="http://schemas.microsoft.com/office/drawing/2010/main" xmlns="">
+              <a14:hiddenEffects xmlns="" xmlns:a14="http://schemas.microsoft.com/office/drawing/2010/main">
                 <a:effectLst>
                   <a:outerShdw blurRad="63500" dist="38099" dir="2700000" algn="ctr" rotWithShape="0">
                     <a:schemeClr val="bg2">
@@ -551,7 +551,7 @@
               </a14:hiddenEffects>
             </a:ext>
             <a:ext uri="{FAA26D3D-D897-4be2-8F04-BA451C77F1D7}">
-              <ma14:placeholderFlag xmlns:ma14="http://schemas.microsoft.com/office/mac/drawingml/2011/main" xmlns="" val="1"/>
+              <ma14:placeholderFlag xmlns="" xmlns:ma14="http://schemas.microsoft.com/office/mac/drawingml/2011/main" val="1"/>
             </a:ext>
           </a:extLst>
         </p:spPr>
@@ -596,14 +596,14 @@
           <a:effectLst/>
           <a:extLst>
             <a:ext uri="{909E8E84-426E-40dd-AFC4-6F175D3DCCD1}">
-              <a14:hiddenFill xmlns:a14="http://schemas.microsoft.com/office/drawing/2010/main" xmlns="">
+              <a14:hiddenFill xmlns="" xmlns:a14="http://schemas.microsoft.com/office/drawing/2010/main">
                 <a:solidFill>
                   <a:schemeClr val="accent1"/>
                 </a:solidFill>
               </a14:hiddenFill>
             </a:ext>
             <a:ext uri="{91240B29-F687-4f45-9708-019B960494DF}">
-              <a14:hiddenLine xmlns:a14="http://schemas.microsoft.com/office/drawing/2010/main" xmlns="" w="9525">
+              <a14:hiddenLine xmlns="" xmlns:a14="http://schemas.microsoft.com/office/drawing/2010/main" w="9525">
                 <a:solidFill>
                   <a:schemeClr val="tx1"/>
                 </a:solidFill>
@@ -613,7 +613,7 @@
               </a14:hiddenLine>
             </a:ext>
             <a:ext uri="{AF507438-7753-43e0-B8FC-AC1667EBCBE1}">
-              <a14:hiddenEffects xmlns:a14="http://schemas.microsoft.com/office/drawing/2010/main" xmlns="">
+              <a14:hiddenEffects xmlns="" xmlns:a14="http://schemas.microsoft.com/office/drawing/2010/main">
                 <a:effectLst>
                   <a:outerShdw blurRad="63500" dist="38099" dir="2700000" algn="ctr" rotWithShape="0">
                     <a:schemeClr val="bg2">
@@ -624,7 +624,7 @@
               </a14:hiddenEffects>
             </a:ext>
             <a:ext uri="{FAA26D3D-D897-4be2-8F04-BA451C77F1D7}">
-              <ma14:placeholderFlag xmlns:ma14="http://schemas.microsoft.com/office/mac/drawingml/2011/main" xmlns="" val="1"/>
+              <ma14:placeholderFlag xmlns="" xmlns:ma14="http://schemas.microsoft.com/office/mac/drawingml/2011/main" val="1"/>
             </a:ext>
           </a:extLst>
         </p:spPr>
@@ -839,7 +839,7 @@
           <a:ln/>
           <a:extLst>
             <a:ext uri="{FAA26D3D-D897-4be2-8F04-BA451C77F1D7}">
-              <ma14:placeholderFlag xmlns:ma14="http://schemas.microsoft.com/office/mac/drawingml/2011/main" xmlns="" val="1"/>
+              <ma14:placeholderFlag xmlns="" xmlns:ma14="http://schemas.microsoft.com/office/mac/drawingml/2011/main" val="1"/>
             </a:ext>
           </a:extLst>
         </p:spPr>
@@ -2583,14 +2583,14 @@
           <a:effectLst/>
           <a:extLst>
             <a:ext uri="{909E8E84-426E-40dd-AFC4-6F175D3DCCD1}">
-              <a14:hiddenFill xmlns:a14="http://schemas.microsoft.com/office/drawing/2010/main" xmlns="">
+              <a14:hiddenFill xmlns="" xmlns:a14="http://schemas.microsoft.com/office/drawing/2010/main">
                 <a:solidFill>
                   <a:schemeClr val="accent1"/>
                 </a:solidFill>
               </a14:hiddenFill>
             </a:ext>
             <a:ext uri="{91240B29-F687-4f45-9708-019B960494DF}">
-              <a14:hiddenLine xmlns:a14="http://schemas.microsoft.com/office/drawing/2010/main" xmlns="" w="9525">
+              <a14:hiddenLine xmlns="" xmlns:a14="http://schemas.microsoft.com/office/drawing/2010/main" w="9525">
                 <a:solidFill>
                   <a:schemeClr val="tx1"/>
                 </a:solidFill>
@@ -2600,7 +2600,7 @@
               </a14:hiddenLine>
             </a:ext>
             <a:ext uri="{AF507438-7753-43e0-B8FC-AC1667EBCBE1}">
-              <a14:hiddenEffects xmlns:a14="http://schemas.microsoft.com/office/drawing/2010/main" xmlns="">
+              <a14:hiddenEffects xmlns="" xmlns:a14="http://schemas.microsoft.com/office/drawing/2010/main">
                 <a:effectLst>
                   <a:outerShdw blurRad="63500" dist="38099" dir="2700000" algn="ctr" rotWithShape="0">
                     <a:schemeClr val="bg2">
@@ -2611,7 +2611,7 @@
               </a14:hiddenEffects>
             </a:ext>
             <a:ext uri="{FAA26D3D-D897-4be2-8F04-BA451C77F1D7}">
-              <ma14:placeholderFlag xmlns:ma14="http://schemas.microsoft.com/office/mac/drawingml/2011/main" xmlns="" val="1"/>
+              <ma14:placeholderFlag xmlns="" xmlns:ma14="http://schemas.microsoft.com/office/mac/drawingml/2011/main" val="1"/>
             </a:ext>
           </a:extLst>
         </p:spPr>
@@ -2656,14 +2656,14 @@
           <a:effectLst/>
           <a:extLst>
             <a:ext uri="{909E8E84-426E-40dd-AFC4-6F175D3DCCD1}">
-              <a14:hiddenFill xmlns:a14="http://schemas.microsoft.com/office/drawing/2010/main" xmlns="">
+              <a14:hiddenFill xmlns="" xmlns:a14="http://schemas.microsoft.com/office/drawing/2010/main">
                 <a:solidFill>
                   <a:schemeClr val="accent1"/>
                 </a:solidFill>
               </a14:hiddenFill>
             </a:ext>
             <a:ext uri="{91240B29-F687-4f45-9708-019B960494DF}">
-              <a14:hiddenLine xmlns:a14="http://schemas.microsoft.com/office/drawing/2010/main" xmlns="" w="9525">
+              <a14:hiddenLine xmlns="" xmlns:a14="http://schemas.microsoft.com/office/drawing/2010/main" w="9525">
                 <a:solidFill>
                   <a:schemeClr val="tx1"/>
                 </a:solidFill>
@@ -2673,7 +2673,7 @@
               </a14:hiddenLine>
             </a:ext>
             <a:ext uri="{AF507438-7753-43e0-B8FC-AC1667EBCBE1}">
-              <a14:hiddenEffects xmlns:a14="http://schemas.microsoft.com/office/drawing/2010/main" xmlns="">
+              <a14:hiddenEffects xmlns="" xmlns:a14="http://schemas.microsoft.com/office/drawing/2010/main">
                 <a:effectLst>
                   <a:outerShdw blurRad="63500" dist="38099" dir="2700000" algn="ctr" rotWithShape="0">
                     <a:schemeClr val="bg2">
@@ -2684,7 +2684,7 @@
               </a14:hiddenEffects>
             </a:ext>
             <a:ext uri="{FAA26D3D-D897-4be2-8F04-BA451C77F1D7}">
-              <ma14:placeholderFlag xmlns:ma14="http://schemas.microsoft.com/office/mac/drawingml/2011/main" xmlns="" val="1"/>
+              <ma14:placeholderFlag xmlns="" xmlns:ma14="http://schemas.microsoft.com/office/mac/drawingml/2011/main" val="1"/>
             </a:ext>
           </a:extLst>
         </p:spPr>
@@ -2764,7 +2764,7 @@
           <a:noFill/>
           <a:extLst>
             <a:ext uri="{909E8E84-426E-40dd-AFC4-6F175D3DCCD1}">
-              <a14:hiddenFill xmlns:a14="http://schemas.microsoft.com/office/drawing/2010/main" xmlns="">
+              <a14:hiddenFill xmlns="" xmlns:a14="http://schemas.microsoft.com/office/drawing/2010/main">
                 <a:solidFill>
                   <a:srgbClr val="FFFFFF"/>
                 </a:solidFill>
@@ -2796,14 +2796,14 @@
           <a:effectLst/>
           <a:extLst>
             <a:ext uri="{909E8E84-426E-40dd-AFC4-6F175D3DCCD1}">
-              <a14:hiddenFill xmlns:a14="http://schemas.microsoft.com/office/drawing/2010/main" xmlns="">
+              <a14:hiddenFill xmlns="" xmlns:a14="http://schemas.microsoft.com/office/drawing/2010/main">
                 <a:solidFill>
                   <a:schemeClr val="accent1"/>
                 </a:solidFill>
               </a14:hiddenFill>
             </a:ext>
             <a:ext uri="{91240B29-F687-4f45-9708-019B960494DF}">
-              <a14:hiddenLine xmlns:a14="http://schemas.microsoft.com/office/drawing/2010/main" xmlns="" w="9525">
+              <a14:hiddenLine xmlns="" xmlns:a14="http://schemas.microsoft.com/office/drawing/2010/main" w="9525">
                 <a:solidFill>
                   <a:schemeClr val="tx1"/>
                 </a:solidFill>
@@ -2813,7 +2813,7 @@
               </a14:hiddenLine>
             </a:ext>
             <a:ext uri="{AF507438-7753-43e0-B8FC-AC1667EBCBE1}">
-              <a14:hiddenEffects xmlns:a14="http://schemas.microsoft.com/office/drawing/2010/main" xmlns="">
+              <a14:hiddenEffects xmlns="" xmlns:a14="http://schemas.microsoft.com/office/drawing/2010/main">
                 <a:effectLst>
                   <a:outerShdw blurRad="63500" dist="38099" dir="2700000" algn="ctr" rotWithShape="0">
                     <a:schemeClr val="bg2">
@@ -2882,7 +2882,7 @@
           <a:noFill/>
           <a:extLst>
             <a:ext uri="{909E8E84-426E-40dd-AFC4-6F175D3DCCD1}">
-              <a14:hiddenFill xmlns:a14="http://schemas.microsoft.com/office/drawing/2010/main" xmlns="">
+              <a14:hiddenFill xmlns="" xmlns:a14="http://schemas.microsoft.com/office/drawing/2010/main">
                 <a:solidFill>
                   <a:srgbClr val="FFFFFF"/>
                 </a:solidFill>
@@ -2919,12 +2919,12 @@
           <a:effectLst/>
           <a:extLst>
             <a:ext uri="{909E8E84-426E-40dd-AFC4-6F175D3DCCD1}">
-              <a14:hiddenFill xmlns:a14="http://schemas.microsoft.com/office/drawing/2010/main" xmlns="">
+              <a14:hiddenFill xmlns="" xmlns:a14="http://schemas.microsoft.com/office/drawing/2010/main">
                 <a:noFill/>
               </a14:hiddenFill>
             </a:ext>
             <a:ext uri="{AF507438-7753-43e0-B8FC-AC1667EBCBE1}">
-              <a14:hiddenEffects xmlns:a14="http://schemas.microsoft.com/office/drawing/2010/main" xmlns="">
+              <a14:hiddenEffects xmlns="" xmlns:a14="http://schemas.microsoft.com/office/drawing/2010/main">
                 <a:effectLst>
                   <a:outerShdw blurRad="63500" dist="38099" dir="2700000" algn="ctr" rotWithShape="0">
                     <a:schemeClr val="bg2">
@@ -2967,14 +2967,14 @@
           <a:effectLst/>
           <a:extLst>
             <a:ext uri="{909E8E84-426E-40dd-AFC4-6F175D3DCCD1}">
-              <a14:hiddenFill xmlns:a14="http://schemas.microsoft.com/office/drawing/2010/main" xmlns="">
+              <a14:hiddenFill xmlns="" xmlns:a14="http://schemas.microsoft.com/office/drawing/2010/main">
                 <a:solidFill>
                   <a:schemeClr val="accent1"/>
                 </a:solidFill>
               </a14:hiddenFill>
             </a:ext>
             <a:ext uri="{91240B29-F687-4f45-9708-019B960494DF}">
-              <a14:hiddenLine xmlns:a14="http://schemas.microsoft.com/office/drawing/2010/main" xmlns="" w="9525">
+              <a14:hiddenLine xmlns="" xmlns:a14="http://schemas.microsoft.com/office/drawing/2010/main" w="9525">
                 <a:solidFill>
                   <a:schemeClr val="tx1"/>
                 </a:solidFill>
@@ -2984,7 +2984,7 @@
               </a14:hiddenLine>
             </a:ext>
             <a:ext uri="{AF507438-7753-43e0-B8FC-AC1667EBCBE1}">
-              <a14:hiddenEffects xmlns:a14="http://schemas.microsoft.com/office/drawing/2010/main" xmlns="">
+              <a14:hiddenEffects xmlns="" xmlns:a14="http://schemas.microsoft.com/office/drawing/2010/main">
                 <a:effectLst>
                   <a:outerShdw blurRad="63500" dist="38099" dir="2700000" algn="ctr" rotWithShape="0">
                     <a:schemeClr val="bg2">
@@ -3051,14 +3051,14 @@
           <a:effectLst/>
           <a:extLst>
             <a:ext uri="{909E8E84-426E-40dd-AFC4-6F175D3DCCD1}">
-              <a14:hiddenFill xmlns:a14="http://schemas.microsoft.com/office/drawing/2010/main" xmlns="">
+              <a14:hiddenFill xmlns="" xmlns:a14="http://schemas.microsoft.com/office/drawing/2010/main">
                 <a:solidFill>
                   <a:schemeClr val="accent1"/>
                 </a:solidFill>
               </a14:hiddenFill>
             </a:ext>
             <a:ext uri="{91240B29-F687-4f45-9708-019B960494DF}">
-              <a14:hiddenLine xmlns:a14="http://schemas.microsoft.com/office/drawing/2010/main" xmlns="" w="9525">
+              <a14:hiddenLine xmlns="" xmlns:a14="http://schemas.microsoft.com/office/drawing/2010/main" w="9525">
                 <a:solidFill>
                   <a:schemeClr val="tx1"/>
                 </a:solidFill>
@@ -3068,7 +3068,7 @@
               </a14:hiddenLine>
             </a:ext>
             <a:ext uri="{AF507438-7753-43e0-B8FC-AC1667EBCBE1}">
-              <a14:hiddenEffects xmlns:a14="http://schemas.microsoft.com/office/drawing/2010/main" xmlns="">
+              <a14:hiddenEffects xmlns="" xmlns:a14="http://schemas.microsoft.com/office/drawing/2010/main">
                 <a:effectLst>
                   <a:outerShdw blurRad="63500" dist="38099" dir="2700000" algn="ctr" rotWithShape="0">
                     <a:schemeClr val="bg2">
@@ -3610,7 +3610,7 @@
           <a:noFill/>
           <a:extLst>
             <a:ext uri="{909E8E84-426E-40dd-AFC4-6F175D3DCCD1}">
-              <a14:hiddenFill xmlns:a14="http://schemas.microsoft.com/office/drawing/2010/main" xmlns="">
+              <a14:hiddenFill xmlns="" xmlns:a14="http://schemas.microsoft.com/office/drawing/2010/main">
                 <a:solidFill>
                   <a:srgbClr val="FFFFFF"/>
                 </a:solidFill>
@@ -3672,7 +3672,29 @@
             </a:pPr>
             <a:r>
               <a:rPr lang="en-US" sz="1600" dirty="0" smtClean="0"/>
-              <a:t>May, 27 2015</a:t>
+              <a:t>June 1, 2015</a:t>
+            </a:r>
+          </a:p>
+          <a:p>
+            <a:pPr algn="l">
+              <a:lnSpc>
+                <a:spcPct val="110000"/>
+              </a:lnSpc>
+              <a:spcBef>
+                <a:spcPct val="10000"/>
+              </a:spcBef>
+            </a:pPr>
+            <a:r>
+              <a:rPr lang="en-US" sz="1600" dirty="0" smtClean="0"/>
+              <a:t>Supervised by Professor </a:t>
+            </a:r>
+            <a:r>
+              <a:rPr lang="en-US" sz="1600" dirty="0" err="1" smtClean="0"/>
+              <a:t>Deokjai</a:t>
+            </a:r>
+            <a:r>
+              <a:rPr lang="en-US" sz="1600" dirty="0" smtClean="0"/>
+              <a:t> Choi </a:t>
             </a:r>
             <a:endParaRPr lang="en-US" sz="1600" dirty="0"/>
           </a:p>
@@ -3701,14 +3723,14 @@
           <a:effectLst/>
           <a:extLst>
             <a:ext uri="{909E8E84-426E-40dd-AFC4-6F175D3DCCD1}">
-              <a14:hiddenFill xmlns:a14="http://schemas.microsoft.com/office/drawing/2010/main" xmlns="">
+              <a14:hiddenFill xmlns="" xmlns:a14="http://schemas.microsoft.com/office/drawing/2010/main">
                 <a:solidFill>
                   <a:schemeClr val="accent1"/>
                 </a:solidFill>
               </a14:hiddenFill>
             </a:ext>
             <a:ext uri="{91240B29-F687-4f45-9708-019B960494DF}">
-              <a14:hiddenLine xmlns:a14="http://schemas.microsoft.com/office/drawing/2010/main" xmlns="" w="9525">
+              <a14:hiddenLine xmlns="" xmlns:a14="http://schemas.microsoft.com/office/drawing/2010/main" w="9525">
                 <a:solidFill>
                   <a:schemeClr val="tx1"/>
                 </a:solidFill>
@@ -3718,7 +3740,7 @@
               </a14:hiddenLine>
             </a:ext>
             <a:ext uri="{AF507438-7753-43e0-B8FC-AC1667EBCBE1}">
-              <a14:hiddenEffects xmlns:a14="http://schemas.microsoft.com/office/drawing/2010/main" xmlns="">
+              <a14:hiddenEffects xmlns="" xmlns:a14="http://schemas.microsoft.com/office/drawing/2010/main">
                 <a:effectLst>
                   <a:outerShdw blurRad="63500" dist="38099" dir="2700000" algn="ctr" rotWithShape="0">
                     <a:schemeClr val="bg2">
@@ -3773,7 +3795,7 @@
           <a:effectLst/>
           <a:extLst>
             <a:ext uri="{AF507438-7753-43e0-B8FC-AC1667EBCBE1}">
-              <a14:hiddenEffects xmlns:a14="http://schemas.microsoft.com/office/drawing/2010/main" xmlns="">
+              <a14:hiddenEffects xmlns="" xmlns:a14="http://schemas.microsoft.com/office/drawing/2010/main">
                 <a:effectLst>
                   <a:outerShdw blurRad="63500" dist="38099" dir="2700000" algn="ctr" rotWithShape="0">
                     <a:schemeClr val="bg2">
@@ -3823,7 +3845,7 @@
           <a:effectLst/>
           <a:extLst>
             <a:ext uri="{AF507438-7753-43e0-B8FC-AC1667EBCBE1}">
-              <a14:hiddenEffects xmlns:a14="http://schemas.microsoft.com/office/drawing/2010/main" xmlns="">
+              <a14:hiddenEffects xmlns="" xmlns:a14="http://schemas.microsoft.com/office/drawing/2010/main">
                 <a:effectLst>
                   <a:outerShdw blurRad="63500" dist="38099" dir="2700000" algn="ctr" rotWithShape="0">
                     <a:schemeClr val="bg2">
@@ -3866,14 +3888,14 @@
           <a:effectLst/>
           <a:extLst>
             <a:ext uri="{909E8E84-426E-40dd-AFC4-6F175D3DCCD1}">
-              <a14:hiddenFill xmlns:a14="http://schemas.microsoft.com/office/drawing/2010/main" xmlns="">
+              <a14:hiddenFill xmlns="" xmlns:a14="http://schemas.microsoft.com/office/drawing/2010/main">
                 <a:solidFill>
                   <a:schemeClr val="accent1"/>
                 </a:solidFill>
               </a14:hiddenFill>
             </a:ext>
             <a:ext uri="{91240B29-F687-4f45-9708-019B960494DF}">
-              <a14:hiddenLine xmlns:a14="http://schemas.microsoft.com/office/drawing/2010/main" xmlns="" w="9525">
+              <a14:hiddenLine xmlns="" xmlns:a14="http://schemas.microsoft.com/office/drawing/2010/main" w="9525">
                 <a:solidFill>
                   <a:schemeClr val="tx1"/>
                 </a:solidFill>
@@ -3883,7 +3905,7 @@
               </a14:hiddenLine>
             </a:ext>
             <a:ext uri="{AF507438-7753-43e0-B8FC-AC1667EBCBE1}">
-              <a14:hiddenEffects xmlns:a14="http://schemas.microsoft.com/office/drawing/2010/main" xmlns="">
+              <a14:hiddenEffects xmlns="" xmlns:a14="http://schemas.microsoft.com/office/drawing/2010/main">
                 <a:effectLst>
                   <a:outerShdw blurRad="63500" dist="38099" dir="2700000" algn="ctr" rotWithShape="0">
                     <a:schemeClr val="bg2">
@@ -4178,14 +4200,14 @@
           <a:effectLst/>
           <a:extLst>
             <a:ext uri="{909E8E84-426E-40dd-AFC4-6F175D3DCCD1}">
-              <a14:hiddenFill xmlns:a14="http://schemas.microsoft.com/office/drawing/2010/main" xmlns="">
+              <a14:hiddenFill xmlns="" xmlns:a14="http://schemas.microsoft.com/office/drawing/2010/main">
                 <a:solidFill>
                   <a:schemeClr val="accent1"/>
                 </a:solidFill>
               </a14:hiddenFill>
             </a:ext>
             <a:ext uri="{91240B29-F687-4f45-9708-019B960494DF}">
-              <a14:hiddenLine xmlns:a14="http://schemas.microsoft.com/office/drawing/2010/main" xmlns="" w="9525">
+              <a14:hiddenLine xmlns="" xmlns:a14="http://schemas.microsoft.com/office/drawing/2010/main" w="9525">
                 <a:solidFill>
                   <a:schemeClr val="tx1"/>
                 </a:solidFill>
@@ -4195,7 +4217,7 @@
               </a14:hiddenLine>
             </a:ext>
             <a:ext uri="{AF507438-7753-43e0-B8FC-AC1667EBCBE1}">
-              <a14:hiddenEffects xmlns:a14="http://schemas.microsoft.com/office/drawing/2010/main" xmlns="">
+              <a14:hiddenEffects xmlns="" xmlns:a14="http://schemas.microsoft.com/office/drawing/2010/main">
                 <a:effectLst>
                   <a:outerShdw blurRad="63500" dist="38099" dir="2700000" algn="ctr" rotWithShape="0">
                     <a:schemeClr val="bg2">
@@ -4206,7 +4228,7 @@
               </a14:hiddenEffects>
             </a:ext>
             <a:ext uri="{FAA26D3D-D897-4be2-8F04-BA451C77F1D7}">
-              <ma14:placeholderFlag xmlns:ma14="http://schemas.microsoft.com/office/mac/drawingml/2011/main" xmlns="" val="1"/>
+              <ma14:placeholderFlag xmlns="" xmlns:ma14="http://schemas.microsoft.com/office/mac/drawingml/2011/main" val="1"/>
             </a:ext>
           </a:extLst>
         </p:spPr>
@@ -4430,6 +4452,242 @@
             <a:endParaRPr lang="en-US" sz="1800" b="0" kern="0" dirty="0">
               <a:solidFill>
                 <a:srgbClr val="000000"/>
+              </a:solidFill>
+            </a:endParaRPr>
+          </a:p>
+        </p:txBody>
+      </p:sp>
+      <p:sp>
+        <p:nvSpPr>
+          <p:cNvPr id="7" name="Content Placeholder 2"/>
+          <p:cNvSpPr txBox="1">
+            <a:spLocks/>
+          </p:cNvSpPr>
+          <p:nvPr/>
+        </p:nvSpPr>
+        <p:spPr bwMode="auto">
+          <a:xfrm>
+            <a:off x="76200" y="5910261"/>
+            <a:ext cx="9067800" cy="371475"/>
+          </a:xfrm>
+          <a:prstGeom prst="rect">
+            <a:avLst/>
+          </a:prstGeom>
+          <a:noFill/>
+          <a:ln>
+            <a:noFill/>
+          </a:ln>
+          <a:effectLst/>
+          <a:extLst>
+            <a:ext uri="{909E8E84-426E-40dd-AFC4-6F175D3DCCD1}">
+              <a14:hiddenFill xmlns="" xmlns:a14="http://schemas.microsoft.com/office/drawing/2010/main">
+                <a:solidFill>
+                  <a:schemeClr val="accent1"/>
+                </a:solidFill>
+              </a14:hiddenFill>
+            </a:ext>
+            <a:ext uri="{91240B29-F687-4f45-9708-019B960494DF}">
+              <a14:hiddenLine xmlns="" xmlns:a14="http://schemas.microsoft.com/office/drawing/2010/main" w="9525">
+                <a:solidFill>
+                  <a:schemeClr val="tx1"/>
+                </a:solidFill>
+                <a:miter lim="800000"/>
+                <a:headEnd/>
+                <a:tailEnd/>
+              </a14:hiddenLine>
+            </a:ext>
+            <a:ext uri="{AF507438-7753-43e0-B8FC-AC1667EBCBE1}">
+              <a14:hiddenEffects xmlns="" xmlns:a14="http://schemas.microsoft.com/office/drawing/2010/main">
+                <a:effectLst>
+                  <a:outerShdw blurRad="63500" dist="38099" dir="2700000" algn="ctr" rotWithShape="0">
+                    <a:schemeClr val="bg2">
+                      <a:alpha val="74998"/>
+                    </a:schemeClr>
+                  </a:outerShdw>
+                </a:effectLst>
+              </a14:hiddenEffects>
+            </a:ext>
+            <a:ext uri="{FAA26D3D-D897-4be2-8F04-BA451C77F1D7}">
+              <ma14:placeholderFlag xmlns="" xmlns:ma14="http://schemas.microsoft.com/office/mac/drawingml/2011/main" val="1"/>
+            </a:ext>
+          </a:extLst>
+        </p:spPr>
+        <p:txBody>
+          <a:bodyPr vert="horz" wrap="square" lIns="91440" tIns="45720" rIns="91440" bIns="45720" numCol="1" anchor="t" anchorCtr="0" compatLnSpc="1">
+            <a:prstTxWarp prst="textNoShape">
+              <a:avLst/>
+            </a:prstTxWarp>
+          </a:bodyPr>
+          <a:lstStyle>
+            <a:lvl1pPr marL="342900" indent="-342900" algn="l" rtl="0" fontAlgn="base">
+              <a:spcBef>
+                <a:spcPct val="20000"/>
+              </a:spcBef>
+              <a:spcAft>
+                <a:spcPct val="0"/>
+              </a:spcAft>
+              <a:buChar char="•"/>
+              <a:defRPr sz="2000">
+                <a:solidFill>
+                  <a:schemeClr val="tx1"/>
+                </a:solidFill>
+                <a:latin typeface="+mn-lt"/>
+                <a:ea typeface="+mn-ea"/>
+                <a:cs typeface="+mn-cs"/>
+              </a:defRPr>
+            </a:lvl1pPr>
+            <a:lvl2pPr marL="742950" indent="-285750" algn="l" rtl="0" fontAlgn="base">
+              <a:spcBef>
+                <a:spcPct val="20000"/>
+              </a:spcBef>
+              <a:spcAft>
+                <a:spcPct val="0"/>
+              </a:spcAft>
+              <a:buChar char="–"/>
+              <a:defRPr>
+                <a:solidFill>
+                  <a:schemeClr val="tx1"/>
+                </a:solidFill>
+                <a:latin typeface="+mn-lt"/>
+                <a:ea typeface="+mn-ea"/>
+              </a:defRPr>
+            </a:lvl2pPr>
+            <a:lvl3pPr marL="1143000" indent="-228600" algn="l" rtl="0" fontAlgn="base">
+              <a:spcBef>
+                <a:spcPct val="20000"/>
+              </a:spcBef>
+              <a:spcAft>
+                <a:spcPct val="0"/>
+              </a:spcAft>
+              <a:buChar char="•"/>
+              <a:defRPr sz="1600">
+                <a:solidFill>
+                  <a:schemeClr val="tx1"/>
+                </a:solidFill>
+                <a:latin typeface="+mn-lt"/>
+                <a:ea typeface="+mn-ea"/>
+              </a:defRPr>
+            </a:lvl3pPr>
+            <a:lvl4pPr marL="1600200" indent="-228600" algn="l" rtl="0" fontAlgn="base">
+              <a:spcBef>
+                <a:spcPct val="20000"/>
+              </a:spcBef>
+              <a:spcAft>
+                <a:spcPct val="0"/>
+              </a:spcAft>
+              <a:buChar char="–"/>
+              <a:defRPr sz="1400">
+                <a:solidFill>
+                  <a:schemeClr val="tx1"/>
+                </a:solidFill>
+                <a:latin typeface="+mn-lt"/>
+                <a:ea typeface="+mn-ea"/>
+              </a:defRPr>
+            </a:lvl4pPr>
+            <a:lvl5pPr marL="2057400" indent="-228600" algn="l" rtl="0" fontAlgn="base">
+              <a:spcBef>
+                <a:spcPct val="20000"/>
+              </a:spcBef>
+              <a:spcAft>
+                <a:spcPct val="0"/>
+              </a:spcAft>
+              <a:buChar char="»"/>
+              <a:defRPr sz="1400">
+                <a:solidFill>
+                  <a:schemeClr val="tx1"/>
+                </a:solidFill>
+                <a:latin typeface="+mn-lt"/>
+                <a:ea typeface="+mn-ea"/>
+              </a:defRPr>
+            </a:lvl5pPr>
+            <a:lvl6pPr marL="2514600" indent="-228600" algn="l" rtl="0" fontAlgn="base">
+              <a:spcBef>
+                <a:spcPct val="20000"/>
+              </a:spcBef>
+              <a:spcAft>
+                <a:spcPct val="0"/>
+              </a:spcAft>
+              <a:buChar char="»"/>
+              <a:defRPr sz="1400">
+                <a:solidFill>
+                  <a:schemeClr val="tx1"/>
+                </a:solidFill>
+                <a:latin typeface="+mn-lt"/>
+                <a:ea typeface="+mn-ea"/>
+              </a:defRPr>
+            </a:lvl6pPr>
+            <a:lvl7pPr marL="2971800" indent="-228600" algn="l" rtl="0" fontAlgn="base">
+              <a:spcBef>
+                <a:spcPct val="20000"/>
+              </a:spcBef>
+              <a:spcAft>
+                <a:spcPct val="0"/>
+              </a:spcAft>
+              <a:buChar char="»"/>
+              <a:defRPr sz="1400">
+                <a:solidFill>
+                  <a:schemeClr val="tx1"/>
+                </a:solidFill>
+                <a:latin typeface="+mn-lt"/>
+                <a:ea typeface="+mn-ea"/>
+              </a:defRPr>
+            </a:lvl7pPr>
+            <a:lvl8pPr marL="3429000" indent="-228600" algn="l" rtl="0" fontAlgn="base">
+              <a:spcBef>
+                <a:spcPct val="20000"/>
+              </a:spcBef>
+              <a:spcAft>
+                <a:spcPct val="0"/>
+              </a:spcAft>
+              <a:buChar char="»"/>
+              <a:defRPr sz="1400">
+                <a:solidFill>
+                  <a:schemeClr val="tx1"/>
+                </a:solidFill>
+                <a:latin typeface="+mn-lt"/>
+                <a:ea typeface="+mn-ea"/>
+              </a:defRPr>
+            </a:lvl8pPr>
+            <a:lvl9pPr marL="3886200" indent="-228600" algn="l" rtl="0" fontAlgn="base">
+              <a:spcBef>
+                <a:spcPct val="20000"/>
+              </a:spcBef>
+              <a:spcAft>
+                <a:spcPct val="0"/>
+              </a:spcAft>
+              <a:buChar char="»"/>
+              <a:defRPr sz="1400">
+                <a:solidFill>
+                  <a:schemeClr val="tx1"/>
+                </a:solidFill>
+                <a:latin typeface="+mn-lt"/>
+                <a:ea typeface="+mn-ea"/>
+              </a:defRPr>
+            </a:lvl9pPr>
+          </a:lstStyle>
+          <a:p>
+            <a:pPr marL="457200" lvl="1" indent="0">
+              <a:buNone/>
+            </a:pPr>
+            <a:r>
+              <a:rPr lang="en-US" sz="1800" b="0" kern="0" dirty="0" smtClean="0">
+                <a:solidFill>
+                  <a:srgbClr val="000000"/>
+                </a:solidFill>
+              </a:rPr>
+              <a:t>Source code can be access on </a:t>
+            </a:r>
+            <a:r>
+              <a:rPr lang="en-US" sz="1800" i="1" kern="0" dirty="0" smtClean="0">
+                <a:solidFill>
+                  <a:srgbClr val="00B0F0"/>
+                </a:solidFill>
+              </a:rPr>
+              <a:t>http://github.com/rischanlab/Rfunf</a:t>
+            </a:r>
+            <a:endParaRPr lang="en-US" sz="1800" i="1" kern="0" dirty="0">
+              <a:solidFill>
+                <a:srgbClr val="00B0F0"/>
               </a:solidFill>
             </a:endParaRPr>
           </a:p>
@@ -4535,8 +4793,8 @@
         </p:nvSpPr>
         <p:spPr bwMode="auto">
           <a:xfrm>
-            <a:off x="5105400" y="1752600"/>
-            <a:ext cx="3835458" cy="4221163"/>
+            <a:off x="5275474" y="1988831"/>
+            <a:ext cx="3835458" cy="1744970"/>
           </a:xfrm>
           <a:prstGeom prst="rect">
             <a:avLst/>
@@ -4548,14 +4806,14 @@
           <a:effectLst/>
           <a:extLst>
             <a:ext uri="{909E8E84-426E-40dd-AFC4-6F175D3DCCD1}">
-              <a14:hiddenFill xmlns:a14="http://schemas.microsoft.com/office/drawing/2010/main" xmlns="">
+              <a14:hiddenFill xmlns="" xmlns:a14="http://schemas.microsoft.com/office/drawing/2010/main">
                 <a:solidFill>
                   <a:schemeClr val="accent1"/>
                 </a:solidFill>
               </a14:hiddenFill>
             </a:ext>
             <a:ext uri="{91240B29-F687-4f45-9708-019B960494DF}">
-              <a14:hiddenLine xmlns:a14="http://schemas.microsoft.com/office/drawing/2010/main" xmlns="" w="9525">
+              <a14:hiddenLine xmlns="" xmlns:a14="http://schemas.microsoft.com/office/drawing/2010/main" w="9525">
                 <a:solidFill>
                   <a:schemeClr val="tx1"/>
                 </a:solidFill>
@@ -4565,7 +4823,7 @@
               </a14:hiddenLine>
             </a:ext>
             <a:ext uri="{AF507438-7753-43e0-B8FC-AC1667EBCBE1}">
-              <a14:hiddenEffects xmlns:a14="http://schemas.microsoft.com/office/drawing/2010/main" xmlns="">
+              <a14:hiddenEffects xmlns="" xmlns:a14="http://schemas.microsoft.com/office/drawing/2010/main">
                 <a:effectLst>
                   <a:outerShdw blurRad="63500" dist="38099" dir="2700000" algn="ctr" rotWithShape="0">
                     <a:schemeClr val="bg2">
@@ -4576,7 +4834,7 @@
               </a14:hiddenEffects>
             </a:ext>
             <a:ext uri="{FAA26D3D-D897-4be2-8F04-BA451C77F1D7}">
-              <ma14:placeholderFlag xmlns:ma14="http://schemas.microsoft.com/office/mac/drawingml/2011/main" xmlns="" val="1"/>
+              <ma14:placeholderFlag xmlns="" xmlns:ma14="http://schemas.microsoft.com/office/mac/drawingml/2011/main" val="1"/>
             </a:ext>
           </a:extLst>
         </p:spPr>
@@ -4734,59 +4992,11 @@
             </a:lvl9pPr>
           </a:lstStyle>
           <a:p>
-            <a:pPr algn="just">
+            <a:pPr marL="0" indent="0" algn="just">
               <a:spcBef>
                 <a:spcPts val="600"/>
               </a:spcBef>
-              <a:buFont typeface="+mj-lt"/>
-              <a:buAutoNum type="arabicPeriod"/>
-            </a:pPr>
-            <a:r>
-              <a:rPr lang="en-US" sz="1400" b="0" i="1" dirty="0" err="1" smtClean="0"/>
-              <a:t>Funf</a:t>
-            </a:r>
-            <a:r>
-              <a:rPr lang="en-US" sz="1400" b="0" dirty="0" smtClean="0"/>
-              <a:t> lib has problem in historical data such as SMS and call log. </a:t>
-            </a:r>
-          </a:p>
-          <a:p>
-            <a:pPr algn="just">
-              <a:spcBef>
-                <a:spcPts val="600"/>
-              </a:spcBef>
-              <a:buFont typeface="+mj-lt"/>
-              <a:buAutoNum type="arabicPeriod"/>
-            </a:pPr>
-            <a:r>
-              <a:rPr lang="en-US" sz="1400" b="0" dirty="0"/>
-              <a:t>We use 86400 second interval, means the application copy those data from android database system to our application database once every </a:t>
-            </a:r>
-            <a:r>
-              <a:rPr lang="en-US" sz="1400" b="0" dirty="0" smtClean="0"/>
-              <a:t>day.</a:t>
-            </a:r>
-          </a:p>
-          <a:p>
-            <a:pPr algn="just">
-              <a:spcBef>
-                <a:spcPts val="600"/>
-              </a:spcBef>
-              <a:buFont typeface="+mj-lt"/>
-              <a:buAutoNum type="arabicPeriod"/>
-            </a:pPr>
-            <a:r>
-              <a:rPr lang="en-US" sz="1400" b="0" kern="0" dirty="0" smtClean="0"/>
-              <a:t>It makes duplication in our database.</a:t>
-            </a:r>
-          </a:p>
-          <a:p>
-            <a:pPr algn="just">
-              <a:spcBef>
-                <a:spcPts val="600"/>
-              </a:spcBef>
-              <a:buFont typeface="+mj-lt"/>
-              <a:buAutoNum type="arabicPeriod"/>
+              <a:buNone/>
             </a:pPr>
             <a:r>
               <a:rPr lang="en-US" sz="1400" b="0" kern="0" dirty="0" smtClean="0"/>
@@ -5027,7 +5237,7 @@
             <p:ph idx="1"/>
           </p:nvPr>
         </p:nvPicPr>
-        <p:blipFill>
+        <p:blipFill rotWithShape="1">
           <a:blip r:embed="rId2">
             <a:extLst>
               <a:ext uri="{28A0092B-C50C-407E-A947-70E740481C1C}">
@@ -5035,17 +5245,237 @@
               </a:ext>
             </a:extLst>
           </a:blip>
-          <a:stretch>
-            <a:fillRect/>
-          </a:stretch>
+          <a:srcRect t="6734"/>
+          <a:stretch/>
         </p:blipFill>
         <p:spPr>
           <a:xfrm>
-            <a:off x="919081" y="1600200"/>
-            <a:ext cx="7305837" cy="4525963"/>
+            <a:off x="838200" y="2044431"/>
+            <a:ext cx="7305837" cy="4221163"/>
           </a:xfrm>
         </p:spPr>
       </p:pic>
+      <p:sp>
+        <p:nvSpPr>
+          <p:cNvPr id="5" name="Content Placeholder 2"/>
+          <p:cNvSpPr txBox="1">
+            <a:spLocks/>
+          </p:cNvSpPr>
+          <p:nvPr/>
+        </p:nvSpPr>
+        <p:spPr bwMode="auto">
+          <a:xfrm>
+            <a:off x="376318" y="1628955"/>
+            <a:ext cx="8229600" cy="411163"/>
+          </a:xfrm>
+          <a:prstGeom prst="rect">
+            <a:avLst/>
+          </a:prstGeom>
+          <a:noFill/>
+          <a:ln>
+            <a:noFill/>
+          </a:ln>
+          <a:effectLst/>
+          <a:extLst>
+            <a:ext uri="{909E8E84-426E-40dd-AFC4-6F175D3DCCD1}">
+              <a14:hiddenFill xmlns="" xmlns:a14="http://schemas.microsoft.com/office/drawing/2010/main">
+                <a:solidFill>
+                  <a:schemeClr val="accent1"/>
+                </a:solidFill>
+              </a14:hiddenFill>
+            </a:ext>
+            <a:ext uri="{91240B29-F687-4f45-9708-019B960494DF}">
+              <a14:hiddenLine xmlns="" xmlns:a14="http://schemas.microsoft.com/office/drawing/2010/main" w="9525">
+                <a:solidFill>
+                  <a:schemeClr val="tx1"/>
+                </a:solidFill>
+                <a:miter lim="800000"/>
+                <a:headEnd/>
+                <a:tailEnd/>
+              </a14:hiddenLine>
+            </a:ext>
+            <a:ext uri="{AF507438-7753-43e0-B8FC-AC1667EBCBE1}">
+              <a14:hiddenEffects xmlns="" xmlns:a14="http://schemas.microsoft.com/office/drawing/2010/main">
+                <a:effectLst>
+                  <a:outerShdw blurRad="63500" dist="38099" dir="2700000" algn="ctr" rotWithShape="0">
+                    <a:schemeClr val="bg2">
+                      <a:alpha val="74998"/>
+                    </a:schemeClr>
+                  </a:outerShdw>
+                </a:effectLst>
+              </a14:hiddenEffects>
+            </a:ext>
+            <a:ext uri="{FAA26D3D-D897-4be2-8F04-BA451C77F1D7}">
+              <ma14:placeholderFlag xmlns="" xmlns:ma14="http://schemas.microsoft.com/office/mac/drawingml/2011/main" val="1"/>
+            </a:ext>
+          </a:extLst>
+        </p:spPr>
+        <p:txBody>
+          <a:bodyPr vert="horz" wrap="square" lIns="91440" tIns="45720" rIns="91440" bIns="45720" numCol="1" anchor="t" anchorCtr="0" compatLnSpc="1">
+            <a:prstTxWarp prst="textNoShape">
+              <a:avLst/>
+            </a:prstTxWarp>
+          </a:bodyPr>
+          <a:lstStyle>
+            <a:lvl1pPr marL="342900" indent="-342900" algn="l" rtl="0" fontAlgn="base">
+              <a:spcBef>
+                <a:spcPct val="20000"/>
+              </a:spcBef>
+              <a:spcAft>
+                <a:spcPct val="0"/>
+              </a:spcAft>
+              <a:buChar char="•"/>
+              <a:defRPr sz="2000">
+                <a:solidFill>
+                  <a:schemeClr val="tx1"/>
+                </a:solidFill>
+                <a:latin typeface="+mn-lt"/>
+                <a:ea typeface="+mn-ea"/>
+                <a:cs typeface="+mn-cs"/>
+              </a:defRPr>
+            </a:lvl1pPr>
+            <a:lvl2pPr marL="742950" indent="-285750" algn="l" rtl="0" fontAlgn="base">
+              <a:spcBef>
+                <a:spcPct val="20000"/>
+              </a:spcBef>
+              <a:spcAft>
+                <a:spcPct val="0"/>
+              </a:spcAft>
+              <a:buChar char="–"/>
+              <a:defRPr>
+                <a:solidFill>
+                  <a:schemeClr val="tx1"/>
+                </a:solidFill>
+                <a:latin typeface="+mn-lt"/>
+                <a:ea typeface="+mn-ea"/>
+              </a:defRPr>
+            </a:lvl2pPr>
+            <a:lvl3pPr marL="1143000" indent="-228600" algn="l" rtl="0" fontAlgn="base">
+              <a:spcBef>
+                <a:spcPct val="20000"/>
+              </a:spcBef>
+              <a:spcAft>
+                <a:spcPct val="0"/>
+              </a:spcAft>
+              <a:buChar char="•"/>
+              <a:defRPr sz="1600">
+                <a:solidFill>
+                  <a:schemeClr val="tx1"/>
+                </a:solidFill>
+                <a:latin typeface="+mn-lt"/>
+                <a:ea typeface="+mn-ea"/>
+              </a:defRPr>
+            </a:lvl3pPr>
+            <a:lvl4pPr marL="1600200" indent="-228600" algn="l" rtl="0" fontAlgn="base">
+              <a:spcBef>
+                <a:spcPct val="20000"/>
+              </a:spcBef>
+              <a:spcAft>
+                <a:spcPct val="0"/>
+              </a:spcAft>
+              <a:buChar char="–"/>
+              <a:defRPr sz="1400">
+                <a:solidFill>
+                  <a:schemeClr val="tx1"/>
+                </a:solidFill>
+                <a:latin typeface="+mn-lt"/>
+                <a:ea typeface="+mn-ea"/>
+              </a:defRPr>
+            </a:lvl4pPr>
+            <a:lvl5pPr marL="2057400" indent="-228600" algn="l" rtl="0" fontAlgn="base">
+              <a:spcBef>
+                <a:spcPct val="20000"/>
+              </a:spcBef>
+              <a:spcAft>
+                <a:spcPct val="0"/>
+              </a:spcAft>
+              <a:buChar char="»"/>
+              <a:defRPr sz="1400">
+                <a:solidFill>
+                  <a:schemeClr val="tx1"/>
+                </a:solidFill>
+                <a:latin typeface="+mn-lt"/>
+                <a:ea typeface="+mn-ea"/>
+              </a:defRPr>
+            </a:lvl5pPr>
+            <a:lvl6pPr marL="2514600" indent="-228600" algn="l" rtl="0" fontAlgn="base">
+              <a:spcBef>
+                <a:spcPct val="20000"/>
+              </a:spcBef>
+              <a:spcAft>
+                <a:spcPct val="0"/>
+              </a:spcAft>
+              <a:buChar char="»"/>
+              <a:defRPr sz="1400">
+                <a:solidFill>
+                  <a:schemeClr val="tx1"/>
+                </a:solidFill>
+                <a:latin typeface="+mn-lt"/>
+                <a:ea typeface="+mn-ea"/>
+              </a:defRPr>
+            </a:lvl6pPr>
+            <a:lvl7pPr marL="2971800" indent="-228600" algn="l" rtl="0" fontAlgn="base">
+              <a:spcBef>
+                <a:spcPct val="20000"/>
+              </a:spcBef>
+              <a:spcAft>
+                <a:spcPct val="0"/>
+              </a:spcAft>
+              <a:buChar char="»"/>
+              <a:defRPr sz="1400">
+                <a:solidFill>
+                  <a:schemeClr val="tx1"/>
+                </a:solidFill>
+                <a:latin typeface="+mn-lt"/>
+                <a:ea typeface="+mn-ea"/>
+              </a:defRPr>
+            </a:lvl7pPr>
+            <a:lvl8pPr marL="3429000" indent="-228600" algn="l" rtl="0" fontAlgn="base">
+              <a:spcBef>
+                <a:spcPct val="20000"/>
+              </a:spcBef>
+              <a:spcAft>
+                <a:spcPct val="0"/>
+              </a:spcAft>
+              <a:buChar char="»"/>
+              <a:defRPr sz="1400">
+                <a:solidFill>
+                  <a:schemeClr val="tx1"/>
+                </a:solidFill>
+                <a:latin typeface="+mn-lt"/>
+                <a:ea typeface="+mn-ea"/>
+              </a:defRPr>
+            </a:lvl8pPr>
+            <a:lvl9pPr marL="3886200" indent="-228600" algn="l" rtl="0" fontAlgn="base">
+              <a:spcBef>
+                <a:spcPct val="20000"/>
+              </a:spcBef>
+              <a:spcAft>
+                <a:spcPct val="0"/>
+              </a:spcAft>
+              <a:buChar char="»"/>
+              <a:defRPr sz="1400">
+                <a:solidFill>
+                  <a:schemeClr val="tx1"/>
+                </a:solidFill>
+                <a:latin typeface="+mn-lt"/>
+                <a:ea typeface="+mn-ea"/>
+              </a:defRPr>
+            </a:lvl9pPr>
+          </a:lstStyle>
+          <a:p>
+            <a:pPr marL="457200" lvl="1" indent="0">
+              <a:buFontTx/>
+              <a:buNone/>
+            </a:pPr>
+            <a:r>
+              <a:rPr lang="en-US" sz="1800" b="0" kern="0" dirty="0" smtClean="0"/>
+              <a:t>List of Sensors Data and Features Values. </a:t>
+            </a:r>
+            <a:endParaRPr lang="en-US" sz="1800" b="0" kern="0" dirty="0"/>
+          </a:p>
+        </p:txBody>
+      </p:sp>
     </p:spTree>
     <p:extLst>
       <p:ext uri="{BB962C8B-B14F-4D97-AF65-F5344CB8AC3E}">
@@ -5057,6 +5487,13 @@
     <a:masterClrMapping/>
   </p:clrMapOvr>
   <p:transition/>
+  <p:timing>
+    <p:tnLst>
+      <p:par>
+        <p:cTn id="1" dur="indefinite" restart="never" nodeType="tmRoot"/>
+      </p:par>
+    </p:tnLst>
+  </p:timing>
 </p:sld>
 </file>
 
@@ -5205,14 +5642,19 @@
             <p:ph idx="1"/>
           </p:nvPr>
         </p:nvSpPr>
-        <p:spPr/>
+        <p:spPr>
+          <a:xfrm>
+            <a:off x="228600" y="1600200"/>
+            <a:ext cx="3962400" cy="4419599"/>
+          </a:xfrm>
+        </p:spPr>
         <p:txBody>
           <a:bodyPr/>
           <a:lstStyle/>
           <a:p>
             <a:r>
               <a:rPr lang="en-US" dirty="0" smtClean="0"/>
-              <a:t>Temporal Granularity (round time value)</a:t>
+              <a:t>Machine Time -&gt; Human Time (round time values)</a:t>
             </a:r>
           </a:p>
           <a:p>
@@ -5236,7 +5678,7 @@
             </a:r>
             <a:r>
               <a:rPr lang="en-US" dirty="0" smtClean="0"/>
-              <a:t>Changing Location value to </a:t>
+              <a:t>Change the Location value to </a:t>
             </a:r>
             <a:r>
               <a:rPr lang="en-US" i="1" dirty="0" smtClean="0"/>
@@ -5279,29 +5721,43 @@
             </a:r>
           </a:p>
           <a:p>
-            <a:r>
-              <a:rPr lang="en-US" dirty="0" smtClean="0"/>
-              <a:t>Aggregate values of Wi-Fi and Bluetooth</a:t>
-            </a:r>
-          </a:p>
-          <a:p>
-            <a:r>
-              <a:rPr lang="en-US" dirty="0"/>
-              <a:t>Removing values such as text length and duration from SMS log and call log, duration from running application probe, MAC and signal strength from nearby Wi-Fi </a:t>
-            </a:r>
-            <a:r>
-              <a:rPr lang="en-US" dirty="0" smtClean="0"/>
-              <a:t>probe.</a:t>
-            </a:r>
-          </a:p>
-          <a:p>
-            <a:pPr marL="457200" lvl="1" indent="0">
+            <a:pPr marL="0" indent="0">
               <a:buNone/>
             </a:pPr>
-            <a:endParaRPr lang="en-US" dirty="0"/>
+            <a:endParaRPr lang="en-US" dirty="0" smtClean="0"/>
           </a:p>
         </p:txBody>
       </p:sp>
+      <p:pic>
+        <p:nvPicPr>
+          <p:cNvPr id="5" name="Picture 4"/>
+          <p:cNvPicPr>
+            <a:picLocks noChangeAspect="1"/>
+          </p:cNvPicPr>
+          <p:nvPr/>
+        </p:nvPicPr>
+        <p:blipFill>
+          <a:blip r:embed="rId2">
+            <a:extLst>
+              <a:ext uri="{28A0092B-C50C-407E-A947-70E740481C1C}">
+                <a14:useLocalDpi xmlns:a14="http://schemas.microsoft.com/office/drawing/2010/main" val="0"/>
+              </a:ext>
+            </a:extLst>
+          </a:blip>
+          <a:stretch>
+            <a:fillRect/>
+          </a:stretch>
+        </p:blipFill>
+        <p:spPr>
+          <a:xfrm>
+            <a:off x="4419600" y="533400"/>
+            <a:ext cx="4333875" cy="5619750"/>
+          </a:xfrm>
+          <a:prstGeom prst="rect">
+            <a:avLst/>
+          </a:prstGeom>
+        </p:spPr>
+      </p:pic>
     </p:spTree>
     <p:extLst>
       <p:ext uri="{BB962C8B-B14F-4D97-AF65-F5344CB8AC3E}">
@@ -5352,7 +5808,7 @@
         </p:nvSpPr>
         <p:spPr>
           <a:xfrm>
-            <a:off x="457200" y="304800"/>
+            <a:off x="389626" y="228600"/>
             <a:ext cx="8229600" cy="762000"/>
           </a:xfrm>
         </p:spPr>
@@ -5362,1085 +5818,13 @@
           <a:p>
             <a:r>
               <a:rPr lang="en-US" dirty="0" smtClean="0"/>
-              <a:t>Output of Preprocessing III</a:t>
-            </a:r>
-            <a:endParaRPr lang="en-US" dirty="0"/>
-          </a:p>
-        </p:txBody>
-      </p:sp>
-      <p:pic>
-        <p:nvPicPr>
-          <p:cNvPr id="4" name="Picture 3" descr="output3.png"/>
-          <p:cNvPicPr>
-            <a:picLocks noChangeAspect="1"/>
-          </p:cNvPicPr>
-          <p:nvPr/>
-        </p:nvPicPr>
-        <p:blipFill>
-          <a:blip r:embed="rId2">
-            <a:extLst>
-              <a:ext uri="{28A0092B-C50C-407E-A947-70E740481C1C}">
-                <a14:useLocalDpi xmlns:a14="http://schemas.microsoft.com/office/drawing/2010/main" val="0"/>
-              </a:ext>
-            </a:extLst>
-          </a:blip>
-          <a:stretch>
-            <a:fillRect/>
-          </a:stretch>
-        </p:blipFill>
-        <p:spPr>
-          <a:xfrm>
-            <a:off x="609600" y="1066801"/>
-            <a:ext cx="4800600" cy="4800600"/>
-          </a:xfrm>
-          <a:prstGeom prst="rect">
-            <a:avLst/>
-          </a:prstGeom>
-        </p:spPr>
-      </p:pic>
-    </p:spTree>
-    <p:extLst>
-      <p:ext uri="{BB962C8B-B14F-4D97-AF65-F5344CB8AC3E}">
-        <p14:creationId xmlns:p14="http://schemas.microsoft.com/office/powerpoint/2010/main" val="995258278"/>
-      </p:ext>
-    </p:extLst>
-  </p:cSld>
-  <p:clrMapOvr>
-    <a:masterClrMapping/>
-  </p:clrMapOvr>
-  <p:transition/>
-  <p:timing>
-    <p:tnLst>
-      <p:par>
-        <p:cTn id="1" dur="indefinite" restart="never" nodeType="tmRoot"/>
-      </p:par>
-    </p:tnLst>
-  </p:timing>
-</p:sld>
-</file>
-
-<file path=ppt/slides/slide17.xml><?xml version="1.0" encoding="utf-8"?>
-<p:sld xmlns:a="http://schemas.openxmlformats.org/drawingml/2006/main" xmlns:r="http://schemas.openxmlformats.org/officeDocument/2006/relationships" xmlns:p="http://schemas.openxmlformats.org/presentationml/2006/main">
-  <p:cSld>
-    <p:spTree>
-      <p:nvGrpSpPr>
-        <p:cNvPr id="1" name=""/>
-        <p:cNvGrpSpPr/>
-        <p:nvPr/>
-      </p:nvGrpSpPr>
-      <p:grpSpPr>
-        <a:xfrm>
-          <a:off x="0" y="0"/>
-          <a:ext cx="0" cy="0"/>
-          <a:chOff x="0" y="0"/>
-          <a:chExt cx="0" cy="0"/>
-        </a:xfrm>
-      </p:grpSpPr>
-      <p:sp>
-        <p:nvSpPr>
-          <p:cNvPr id="2" name="Title 1"/>
-          <p:cNvSpPr>
-            <a:spLocks noGrp="1"/>
-          </p:cNvSpPr>
-          <p:nvPr>
-            <p:ph type="title"/>
-          </p:nvPr>
-        </p:nvSpPr>
-        <p:spPr/>
-        <p:txBody>
-          <a:bodyPr/>
-          <a:lstStyle/>
-          <a:p>
-            <a:r>
-              <a:rPr lang="en-US" dirty="0" smtClean="0"/>
-              <a:t>Discovering Human Behavior</a:t>
-            </a:r>
-            <a:endParaRPr lang="en-US" dirty="0"/>
-          </a:p>
-        </p:txBody>
-      </p:sp>
-      <p:sp>
-        <p:nvSpPr>
-          <p:cNvPr id="3" name="Content Placeholder 2"/>
-          <p:cNvSpPr>
-            <a:spLocks noGrp="1"/>
-          </p:cNvSpPr>
-          <p:nvPr>
-            <p:ph idx="1"/>
-          </p:nvPr>
-        </p:nvSpPr>
-        <p:spPr>
-          <a:xfrm>
-            <a:off x="457200" y="1600201"/>
-            <a:ext cx="8229600" cy="1600200"/>
-          </a:xfrm>
-        </p:spPr>
-        <p:txBody>
-          <a:bodyPr/>
-          <a:lstStyle/>
-          <a:p>
-            <a:pPr marL="457200" indent="-457200">
-              <a:buFont typeface="+mj-lt"/>
-              <a:buAutoNum type="arabicPeriod"/>
-            </a:pPr>
-            <a:r>
-              <a:rPr lang="en-US" dirty="0" smtClean="0"/>
-              <a:t>The data that we have are set of activities.</a:t>
-            </a:r>
-          </a:p>
-          <a:p>
-            <a:pPr marL="457200" indent="-457200">
-              <a:buFont typeface="+mj-lt"/>
-              <a:buAutoNum type="arabicPeriod"/>
-            </a:pPr>
-            <a:r>
-              <a:rPr lang="en-US" dirty="0" smtClean="0"/>
-              <a:t>Behavior means activities which is </a:t>
-            </a:r>
-            <a:r>
-              <a:rPr lang="en-US" dirty="0"/>
-              <a:t>carried out </a:t>
-            </a:r>
-            <a:r>
-              <a:rPr lang="en-US" dirty="0" smtClean="0"/>
-              <a:t>continuously.</a:t>
-            </a:r>
-          </a:p>
-          <a:p>
-            <a:pPr marL="457200" indent="-457200">
-              <a:buFont typeface="+mj-lt"/>
-              <a:buAutoNum type="arabicPeriod"/>
-            </a:pPr>
-            <a:r>
-              <a:rPr lang="en-US" dirty="0" smtClean="0"/>
-              <a:t>Behavior means set of group activities which has (* similar time, location and similar activity in different days).  </a:t>
-            </a:r>
-          </a:p>
-        </p:txBody>
-      </p:sp>
-      <p:sp>
-        <p:nvSpPr>
-          <p:cNvPr id="4" name="Rectangle 3"/>
-          <p:cNvSpPr/>
-          <p:nvPr/>
-        </p:nvSpPr>
-        <p:spPr bwMode="auto">
-          <a:xfrm>
-            <a:off x="457200" y="3581400"/>
-            <a:ext cx="838200" cy="609600"/>
-          </a:xfrm>
-          <a:prstGeom prst="rect">
-            <a:avLst/>
-          </a:prstGeom>
-          <a:solidFill>
-            <a:schemeClr val="accent1"/>
-          </a:solidFill>
-          <a:ln w="9525" cap="flat" cmpd="sng" algn="ctr">
-            <a:solidFill>
-              <a:schemeClr val="tx1"/>
-            </a:solidFill>
-            <a:prstDash val="solid"/>
-            <a:round/>
-            <a:headEnd type="none" w="med" len="med"/>
-            <a:tailEnd type="triangle" w="med" len="med"/>
-          </a:ln>
-          <a:effectLst/>
-          <a:extLst>
-            <a:ext uri="{AF507438-7753-43e0-B8FC-AC1667EBCBE1}">
-              <a14:hiddenEffects xmlns:a14="http://schemas.microsoft.com/office/drawing/2010/main" xmlns="">
-                <a:effectLst>
-                  <a:outerShdw blurRad="63500" dist="35921" dir="2700000" algn="ctr" rotWithShape="0">
-                    <a:schemeClr val="bg2"/>
-                  </a:outerShdw>
-                </a:effectLst>
-              </a14:hiddenEffects>
-            </a:ext>
-          </a:extLst>
-        </p:spPr>
-        <p:txBody>
-          <a:bodyPr vert="horz" wrap="none" lIns="91440" tIns="45720" rIns="91440" bIns="45720" numCol="1" rtlCol="0" anchor="ctr" anchorCtr="0" compatLnSpc="1">
-            <a:prstTxWarp prst="textNoShape">
-              <a:avLst/>
-            </a:prstTxWarp>
-          </a:bodyPr>
-          <a:lstStyle/>
-          <a:p>
-            <a:pPr marL="0" marR="0" indent="0" algn="ctr" defTabSz="914400" rtl="0" eaLnBrk="1" fontAlgn="base" latinLnBrk="0" hangingPunct="1">
-              <a:lnSpc>
-                <a:spcPct val="100000"/>
-              </a:lnSpc>
-              <a:spcBef>
-                <a:spcPct val="0"/>
-              </a:spcBef>
-              <a:spcAft>
-                <a:spcPct val="0"/>
-              </a:spcAft>
-              <a:buClrTx/>
-              <a:buSzTx/>
-              <a:buFontTx/>
-              <a:buNone/>
-              <a:tabLst/>
-            </a:pPr>
-            <a:r>
-              <a:rPr kumimoji="0" lang="en-US" sz="1800" b="1" i="0" u="none" strike="noStrike" cap="none" normalizeH="0" baseline="0" dirty="0" smtClean="0">
-                <a:ln>
-                  <a:noFill/>
-                </a:ln>
-                <a:solidFill>
-                  <a:schemeClr val="tx1"/>
-                </a:solidFill>
-                <a:effectLst/>
-              </a:rPr>
-              <a:t>Day1</a:t>
-            </a:r>
-          </a:p>
-          <a:p>
-            <a:pPr marL="0" marR="0" indent="0" algn="ctr" defTabSz="914400" rtl="0" eaLnBrk="1" fontAlgn="base" latinLnBrk="0" hangingPunct="1">
-              <a:lnSpc>
-                <a:spcPct val="100000"/>
-              </a:lnSpc>
-              <a:spcBef>
-                <a:spcPct val="0"/>
-              </a:spcBef>
-              <a:spcAft>
-                <a:spcPct val="0"/>
-              </a:spcAft>
-              <a:buClrTx/>
-              <a:buSzTx/>
-              <a:buFontTx/>
-              <a:buNone/>
-              <a:tabLst/>
-            </a:pPr>
-            <a:r>
-              <a:rPr lang="en-US" sz="1800" dirty="0" smtClean="0"/>
-              <a:t>Week1</a:t>
-            </a:r>
-          </a:p>
-        </p:txBody>
-      </p:sp>
-      <p:sp>
-        <p:nvSpPr>
-          <p:cNvPr id="5" name="Rectangle 4"/>
-          <p:cNvSpPr/>
-          <p:nvPr/>
-        </p:nvSpPr>
-        <p:spPr bwMode="auto">
-          <a:xfrm>
-            <a:off x="1295400" y="3581400"/>
-            <a:ext cx="838200" cy="609600"/>
-          </a:xfrm>
-          <a:prstGeom prst="rect">
-            <a:avLst/>
-          </a:prstGeom>
-          <a:solidFill>
-            <a:schemeClr val="accent1"/>
-          </a:solidFill>
-          <a:ln w="9525" cap="flat" cmpd="sng" algn="ctr">
-            <a:solidFill>
-              <a:schemeClr val="tx1"/>
-            </a:solidFill>
-            <a:prstDash val="solid"/>
-            <a:round/>
-            <a:headEnd type="none" w="med" len="med"/>
-            <a:tailEnd type="triangle" w="med" len="med"/>
-          </a:ln>
-          <a:effectLst/>
-          <a:extLst>
-            <a:ext uri="{AF507438-7753-43e0-B8FC-AC1667EBCBE1}">
-              <a14:hiddenEffects xmlns:a14="http://schemas.microsoft.com/office/drawing/2010/main" xmlns="">
-                <a:effectLst>
-                  <a:outerShdw blurRad="63500" dist="35921" dir="2700000" algn="ctr" rotWithShape="0">
-                    <a:schemeClr val="bg2"/>
-                  </a:outerShdw>
-                </a:effectLst>
-              </a14:hiddenEffects>
-            </a:ext>
-          </a:extLst>
-        </p:spPr>
-        <p:txBody>
-          <a:bodyPr vert="horz" wrap="none" lIns="91440" tIns="45720" rIns="91440" bIns="45720" numCol="1" rtlCol="0" anchor="ctr" anchorCtr="0" compatLnSpc="1">
-            <a:prstTxWarp prst="textNoShape">
-              <a:avLst/>
-            </a:prstTxWarp>
-          </a:bodyPr>
-          <a:lstStyle/>
-          <a:p>
-            <a:r>
-              <a:rPr lang="en-US" sz="1800" dirty="0"/>
-              <a:t>Day2</a:t>
-            </a:r>
-            <a:endParaRPr kumimoji="0" lang="en-US" sz="1800" b="1" i="0" u="none" strike="noStrike" cap="none" normalizeH="0" baseline="0" dirty="0" smtClean="0">
-              <a:ln>
-                <a:noFill/>
-              </a:ln>
-              <a:solidFill>
-                <a:schemeClr val="tx1"/>
-              </a:solidFill>
-              <a:effectLst/>
-            </a:endParaRPr>
-          </a:p>
-          <a:p>
-            <a:r>
-              <a:rPr lang="en-US" sz="1800" dirty="0"/>
-              <a:t>Week1</a:t>
-            </a:r>
-            <a:endParaRPr kumimoji="0" lang="en-US" sz="1800" b="1" i="0" u="none" strike="noStrike" cap="none" normalizeH="0" baseline="0" dirty="0">
-              <a:ln>
-                <a:noFill/>
-              </a:ln>
-              <a:solidFill>
-                <a:schemeClr val="tx1"/>
-              </a:solidFill>
-              <a:effectLst/>
-            </a:endParaRPr>
-          </a:p>
-        </p:txBody>
-      </p:sp>
-      <p:sp>
-        <p:nvSpPr>
-          <p:cNvPr id="6" name="Rectangle 5"/>
-          <p:cNvSpPr/>
-          <p:nvPr/>
-        </p:nvSpPr>
-        <p:spPr bwMode="auto">
-          <a:xfrm>
-            <a:off x="2133600" y="3581400"/>
-            <a:ext cx="838200" cy="609600"/>
-          </a:xfrm>
-          <a:prstGeom prst="rect">
-            <a:avLst/>
-          </a:prstGeom>
-          <a:solidFill>
-            <a:schemeClr val="accent1"/>
-          </a:solidFill>
-          <a:ln w="9525" cap="flat" cmpd="sng" algn="ctr">
-            <a:solidFill>
-              <a:schemeClr val="tx1"/>
-            </a:solidFill>
-            <a:prstDash val="solid"/>
-            <a:round/>
-            <a:headEnd type="none" w="med" len="med"/>
-            <a:tailEnd type="triangle" w="med" len="med"/>
-          </a:ln>
-          <a:effectLst/>
-          <a:extLst>
-            <a:ext uri="{AF507438-7753-43e0-B8FC-AC1667EBCBE1}">
-              <a14:hiddenEffects xmlns:a14="http://schemas.microsoft.com/office/drawing/2010/main" xmlns="">
-                <a:effectLst>
-                  <a:outerShdw blurRad="63500" dist="35921" dir="2700000" algn="ctr" rotWithShape="0">
-                    <a:schemeClr val="bg2"/>
-                  </a:outerShdw>
-                </a:effectLst>
-              </a14:hiddenEffects>
-            </a:ext>
-          </a:extLst>
-        </p:spPr>
-        <p:txBody>
-          <a:bodyPr vert="horz" wrap="none" lIns="91440" tIns="45720" rIns="91440" bIns="45720" numCol="1" rtlCol="0" anchor="ctr" anchorCtr="0" compatLnSpc="1">
-            <a:prstTxWarp prst="textNoShape">
-              <a:avLst/>
-            </a:prstTxWarp>
-          </a:bodyPr>
-          <a:lstStyle/>
-          <a:p>
-            <a:r>
-              <a:rPr lang="en-US" sz="1800" dirty="0"/>
-              <a:t>Day3</a:t>
-            </a:r>
-            <a:endParaRPr kumimoji="0" lang="en-US" sz="1800" b="1" i="0" u="none" strike="noStrike" cap="none" normalizeH="0" baseline="0" dirty="0" smtClean="0">
-              <a:ln>
-                <a:noFill/>
-              </a:ln>
-              <a:solidFill>
-                <a:schemeClr val="tx1"/>
-              </a:solidFill>
-              <a:effectLst/>
-            </a:endParaRPr>
-          </a:p>
-          <a:p>
-            <a:r>
-              <a:rPr lang="en-US" sz="1800" dirty="0"/>
-              <a:t>Week1</a:t>
-            </a:r>
-            <a:endParaRPr kumimoji="0" lang="en-US" sz="1800" b="1" i="0" u="none" strike="noStrike" cap="none" normalizeH="0" baseline="0" dirty="0">
-              <a:ln>
-                <a:noFill/>
-              </a:ln>
-              <a:solidFill>
-                <a:schemeClr val="tx1"/>
-              </a:solidFill>
-              <a:effectLst/>
-            </a:endParaRPr>
-          </a:p>
-        </p:txBody>
-      </p:sp>
-      <p:sp>
-        <p:nvSpPr>
-          <p:cNvPr id="7" name="Rectangle 6"/>
-          <p:cNvSpPr/>
-          <p:nvPr/>
-        </p:nvSpPr>
-        <p:spPr bwMode="auto">
-          <a:xfrm>
-            <a:off x="2971800" y="3581400"/>
-            <a:ext cx="838200" cy="609600"/>
-          </a:xfrm>
-          <a:prstGeom prst="rect">
-            <a:avLst/>
-          </a:prstGeom>
-          <a:solidFill>
-            <a:schemeClr val="accent1"/>
-          </a:solidFill>
-          <a:ln w="9525" cap="flat" cmpd="sng" algn="ctr">
-            <a:solidFill>
-              <a:schemeClr val="tx1"/>
-            </a:solidFill>
-            <a:prstDash val="solid"/>
-            <a:round/>
-            <a:headEnd type="none" w="med" len="med"/>
-            <a:tailEnd type="triangle" w="med" len="med"/>
-          </a:ln>
-          <a:effectLst/>
-          <a:extLst>
-            <a:ext uri="{AF507438-7753-43e0-B8FC-AC1667EBCBE1}">
-              <a14:hiddenEffects xmlns:a14="http://schemas.microsoft.com/office/drawing/2010/main" xmlns="">
-                <a:effectLst>
-                  <a:outerShdw blurRad="63500" dist="35921" dir="2700000" algn="ctr" rotWithShape="0">
-                    <a:schemeClr val="bg2"/>
-                  </a:outerShdw>
-                </a:effectLst>
-              </a14:hiddenEffects>
-            </a:ext>
-          </a:extLst>
-        </p:spPr>
-        <p:txBody>
-          <a:bodyPr vert="horz" wrap="none" lIns="91440" tIns="45720" rIns="91440" bIns="45720" numCol="1" rtlCol="0" anchor="ctr" anchorCtr="0" compatLnSpc="1">
-            <a:prstTxWarp prst="textNoShape">
-              <a:avLst/>
-            </a:prstTxWarp>
-          </a:bodyPr>
-          <a:lstStyle/>
-          <a:p>
-            <a:r>
-              <a:rPr lang="en-US" sz="1800" dirty="0"/>
-              <a:t>Day4</a:t>
-            </a:r>
-            <a:endParaRPr kumimoji="0" lang="en-US" sz="1800" b="1" i="0" u="none" strike="noStrike" cap="none" normalizeH="0" baseline="0" dirty="0" smtClean="0">
-              <a:ln>
-                <a:noFill/>
-              </a:ln>
-              <a:solidFill>
-                <a:schemeClr val="tx1"/>
-              </a:solidFill>
-              <a:effectLst/>
-            </a:endParaRPr>
-          </a:p>
-          <a:p>
-            <a:r>
-              <a:rPr lang="en-US" sz="1800" dirty="0"/>
-              <a:t>Week1</a:t>
-            </a:r>
-            <a:endParaRPr kumimoji="0" lang="en-US" sz="1800" b="1" i="0" u="none" strike="noStrike" cap="none" normalizeH="0" baseline="0" dirty="0">
-              <a:ln>
-                <a:noFill/>
-              </a:ln>
-              <a:solidFill>
-                <a:schemeClr val="tx1"/>
-              </a:solidFill>
-              <a:effectLst/>
-            </a:endParaRPr>
-          </a:p>
-        </p:txBody>
-      </p:sp>
-      <p:sp>
-        <p:nvSpPr>
-          <p:cNvPr id="8" name="Rectangle 7"/>
-          <p:cNvSpPr/>
-          <p:nvPr/>
-        </p:nvSpPr>
-        <p:spPr bwMode="auto">
-          <a:xfrm>
-            <a:off x="3810000" y="3581400"/>
-            <a:ext cx="838200" cy="609600"/>
-          </a:xfrm>
-          <a:prstGeom prst="rect">
-            <a:avLst/>
-          </a:prstGeom>
-          <a:solidFill>
-            <a:schemeClr val="accent1"/>
-          </a:solidFill>
-          <a:ln w="9525" cap="flat" cmpd="sng" algn="ctr">
-            <a:solidFill>
-              <a:schemeClr val="tx1"/>
-            </a:solidFill>
-            <a:prstDash val="solid"/>
-            <a:round/>
-            <a:headEnd type="none" w="med" len="med"/>
-            <a:tailEnd type="triangle" w="med" len="med"/>
-          </a:ln>
-          <a:effectLst/>
-          <a:extLst>
-            <a:ext uri="{AF507438-7753-43e0-B8FC-AC1667EBCBE1}">
-              <a14:hiddenEffects xmlns:a14="http://schemas.microsoft.com/office/drawing/2010/main" xmlns="">
-                <a:effectLst>
-                  <a:outerShdw blurRad="63500" dist="35921" dir="2700000" algn="ctr" rotWithShape="0">
-                    <a:schemeClr val="bg2"/>
-                  </a:outerShdw>
-                </a:effectLst>
-              </a14:hiddenEffects>
-            </a:ext>
-          </a:extLst>
-        </p:spPr>
-        <p:txBody>
-          <a:bodyPr vert="horz" wrap="none" lIns="91440" tIns="45720" rIns="91440" bIns="45720" numCol="1" rtlCol="0" anchor="ctr" anchorCtr="0" compatLnSpc="1">
-            <a:prstTxWarp prst="textNoShape">
-              <a:avLst/>
-            </a:prstTxWarp>
-          </a:bodyPr>
-          <a:lstStyle/>
-          <a:p>
-            <a:r>
-              <a:rPr lang="en-US" sz="1800" dirty="0"/>
-              <a:t>Day5</a:t>
-            </a:r>
-            <a:endParaRPr kumimoji="0" lang="en-US" sz="1800" b="1" i="0" u="none" strike="noStrike" cap="none" normalizeH="0" baseline="0" dirty="0" smtClean="0">
-              <a:ln>
-                <a:noFill/>
-              </a:ln>
-              <a:solidFill>
-                <a:schemeClr val="tx1"/>
-              </a:solidFill>
-              <a:effectLst/>
-            </a:endParaRPr>
-          </a:p>
-          <a:p>
-            <a:r>
-              <a:rPr lang="en-US" sz="1800" dirty="0"/>
-              <a:t>Week1</a:t>
-            </a:r>
-            <a:endParaRPr kumimoji="0" lang="en-US" sz="1800" b="1" i="0" u="none" strike="noStrike" cap="none" normalizeH="0" baseline="0" dirty="0">
-              <a:ln>
-                <a:noFill/>
-              </a:ln>
-              <a:solidFill>
-                <a:schemeClr val="tx1"/>
-              </a:solidFill>
-              <a:effectLst/>
-            </a:endParaRPr>
-          </a:p>
-        </p:txBody>
-      </p:sp>
-      <p:sp>
-        <p:nvSpPr>
-          <p:cNvPr id="9" name="Rectangle 8"/>
-          <p:cNvSpPr/>
-          <p:nvPr/>
-        </p:nvSpPr>
-        <p:spPr bwMode="auto">
-          <a:xfrm>
-            <a:off x="4648200" y="3581400"/>
-            <a:ext cx="838200" cy="609600"/>
-          </a:xfrm>
-          <a:prstGeom prst="rect">
-            <a:avLst/>
-          </a:prstGeom>
-          <a:solidFill>
-            <a:schemeClr val="accent1"/>
-          </a:solidFill>
-          <a:ln w="9525" cap="flat" cmpd="sng" algn="ctr">
-            <a:solidFill>
-              <a:schemeClr val="tx1"/>
-            </a:solidFill>
-            <a:prstDash val="solid"/>
-            <a:round/>
-            <a:headEnd type="none" w="med" len="med"/>
-            <a:tailEnd type="triangle" w="med" len="med"/>
-          </a:ln>
-          <a:effectLst/>
-          <a:extLst>
-            <a:ext uri="{AF507438-7753-43e0-B8FC-AC1667EBCBE1}">
-              <a14:hiddenEffects xmlns:a14="http://schemas.microsoft.com/office/drawing/2010/main" xmlns="">
-                <a:effectLst>
-                  <a:outerShdw blurRad="63500" dist="35921" dir="2700000" algn="ctr" rotWithShape="0">
-                    <a:schemeClr val="bg2"/>
-                  </a:outerShdw>
-                </a:effectLst>
-              </a14:hiddenEffects>
-            </a:ext>
-          </a:extLst>
-        </p:spPr>
-        <p:txBody>
-          <a:bodyPr vert="horz" wrap="none" lIns="91440" tIns="45720" rIns="91440" bIns="45720" numCol="1" rtlCol="0" anchor="ctr" anchorCtr="0" compatLnSpc="1">
-            <a:prstTxWarp prst="textNoShape">
-              <a:avLst/>
-            </a:prstTxWarp>
-          </a:bodyPr>
-          <a:lstStyle/>
-          <a:p>
-            <a:r>
-              <a:rPr lang="en-US" sz="1800" dirty="0"/>
-              <a:t>Day6</a:t>
-            </a:r>
-            <a:endParaRPr kumimoji="0" lang="en-US" sz="1800" b="1" i="0" u="none" strike="noStrike" cap="none" normalizeH="0" baseline="0" dirty="0" smtClean="0">
-              <a:ln>
-                <a:noFill/>
-              </a:ln>
-              <a:solidFill>
-                <a:schemeClr val="tx1"/>
-              </a:solidFill>
-              <a:effectLst/>
-            </a:endParaRPr>
-          </a:p>
-          <a:p>
-            <a:r>
-              <a:rPr lang="en-US" sz="1800" dirty="0"/>
-              <a:t>Week1</a:t>
-            </a:r>
-            <a:endParaRPr kumimoji="0" lang="en-US" sz="1800" b="1" i="0" u="none" strike="noStrike" cap="none" normalizeH="0" baseline="0" dirty="0">
-              <a:ln>
-                <a:noFill/>
-              </a:ln>
-              <a:solidFill>
-                <a:schemeClr val="tx1"/>
-              </a:solidFill>
-              <a:effectLst/>
-            </a:endParaRPr>
-          </a:p>
-        </p:txBody>
-      </p:sp>
-      <p:sp>
-        <p:nvSpPr>
-          <p:cNvPr id="10" name="Rectangle 9"/>
-          <p:cNvSpPr/>
-          <p:nvPr/>
-        </p:nvSpPr>
-        <p:spPr bwMode="auto">
-          <a:xfrm>
-            <a:off x="6324600" y="3581400"/>
-            <a:ext cx="838200" cy="609600"/>
-          </a:xfrm>
-          <a:prstGeom prst="rect">
-            <a:avLst/>
-          </a:prstGeom>
-          <a:solidFill>
-            <a:schemeClr val="accent1"/>
-          </a:solidFill>
-          <a:ln w="9525" cap="flat" cmpd="sng" algn="ctr">
-            <a:solidFill>
-              <a:schemeClr val="tx1"/>
-            </a:solidFill>
-            <a:prstDash val="solid"/>
-            <a:round/>
-            <a:headEnd type="none" w="med" len="med"/>
-            <a:tailEnd type="triangle" w="med" len="med"/>
-          </a:ln>
-          <a:effectLst/>
-          <a:extLst>
-            <a:ext uri="{AF507438-7753-43e0-B8FC-AC1667EBCBE1}">
-              <a14:hiddenEffects xmlns:a14="http://schemas.microsoft.com/office/drawing/2010/main" xmlns="">
-                <a:effectLst>
-                  <a:outerShdw blurRad="63500" dist="35921" dir="2700000" algn="ctr" rotWithShape="0">
-                    <a:schemeClr val="bg2"/>
-                  </a:outerShdw>
-                </a:effectLst>
-              </a14:hiddenEffects>
-            </a:ext>
-          </a:extLst>
-        </p:spPr>
-        <p:txBody>
-          <a:bodyPr vert="horz" wrap="none" lIns="91440" tIns="45720" rIns="91440" bIns="45720" numCol="1" rtlCol="0" anchor="ctr" anchorCtr="0" compatLnSpc="1">
-            <a:prstTxWarp prst="textNoShape">
-              <a:avLst/>
-            </a:prstTxWarp>
-          </a:bodyPr>
-          <a:lstStyle/>
-          <a:p>
-            <a:r>
-              <a:rPr lang="en-US" sz="1800" dirty="0"/>
-              <a:t>Day1</a:t>
-            </a:r>
-            <a:endParaRPr kumimoji="0" lang="en-US" sz="1800" b="1" i="0" u="none" strike="noStrike" cap="none" normalizeH="0" baseline="0" dirty="0" smtClean="0">
-              <a:ln>
-                <a:noFill/>
-              </a:ln>
-              <a:solidFill>
-                <a:schemeClr val="tx1"/>
-              </a:solidFill>
-              <a:effectLst/>
-            </a:endParaRPr>
-          </a:p>
-          <a:p>
-            <a:r>
-              <a:rPr lang="en-US" sz="1800" dirty="0" smtClean="0"/>
-              <a:t>Week2</a:t>
-            </a:r>
-          </a:p>
-        </p:txBody>
-      </p:sp>
-      <p:sp>
-        <p:nvSpPr>
-          <p:cNvPr id="11" name="Rectangle 10"/>
-          <p:cNvSpPr/>
-          <p:nvPr/>
-        </p:nvSpPr>
-        <p:spPr bwMode="auto">
-          <a:xfrm>
-            <a:off x="5486400" y="3581400"/>
-            <a:ext cx="838200" cy="609600"/>
-          </a:xfrm>
-          <a:prstGeom prst="rect">
-            <a:avLst/>
-          </a:prstGeom>
-          <a:solidFill>
-            <a:schemeClr val="accent1"/>
-          </a:solidFill>
-          <a:ln w="9525" cap="flat" cmpd="sng" algn="ctr">
-            <a:solidFill>
-              <a:schemeClr val="tx1"/>
-            </a:solidFill>
-            <a:prstDash val="solid"/>
-            <a:round/>
-            <a:headEnd type="none" w="med" len="med"/>
-            <a:tailEnd type="triangle" w="med" len="med"/>
-          </a:ln>
-          <a:effectLst/>
-          <a:extLst>
-            <a:ext uri="{AF507438-7753-43e0-B8FC-AC1667EBCBE1}">
-              <a14:hiddenEffects xmlns:a14="http://schemas.microsoft.com/office/drawing/2010/main" xmlns="">
-                <a:effectLst>
-                  <a:outerShdw blurRad="63500" dist="35921" dir="2700000" algn="ctr" rotWithShape="0">
-                    <a:schemeClr val="bg2"/>
-                  </a:outerShdw>
-                </a:effectLst>
-              </a14:hiddenEffects>
-            </a:ext>
-          </a:extLst>
-        </p:spPr>
-        <p:txBody>
-          <a:bodyPr vert="horz" wrap="none" lIns="91440" tIns="45720" rIns="91440" bIns="45720" numCol="1" rtlCol="0" anchor="ctr" anchorCtr="0" compatLnSpc="1">
-            <a:prstTxWarp prst="textNoShape">
-              <a:avLst/>
-            </a:prstTxWarp>
-          </a:bodyPr>
-          <a:lstStyle/>
-          <a:p>
-            <a:r>
-              <a:rPr lang="en-US" sz="1800" dirty="0"/>
-              <a:t>Day7</a:t>
-            </a:r>
-            <a:endParaRPr kumimoji="0" lang="en-US" sz="1800" b="1" i="0" u="none" strike="noStrike" cap="none" normalizeH="0" baseline="0" dirty="0" smtClean="0">
-              <a:ln>
-                <a:noFill/>
-              </a:ln>
-              <a:solidFill>
-                <a:schemeClr val="tx1"/>
-              </a:solidFill>
-              <a:effectLst/>
-            </a:endParaRPr>
-          </a:p>
-          <a:p>
-            <a:r>
-              <a:rPr lang="en-US" sz="1800" dirty="0"/>
-              <a:t>Week1</a:t>
-            </a:r>
-            <a:endParaRPr kumimoji="0" lang="en-US" sz="1800" b="1" i="0" u="none" strike="noStrike" cap="none" normalizeH="0" baseline="0" dirty="0">
-              <a:ln>
-                <a:noFill/>
-              </a:ln>
-              <a:solidFill>
-                <a:schemeClr val="tx1"/>
-              </a:solidFill>
-              <a:effectLst/>
-            </a:endParaRPr>
-          </a:p>
-        </p:txBody>
-      </p:sp>
-      <p:cxnSp>
-        <p:nvCxnSpPr>
-          <p:cNvPr id="17" name="Straight Connector 16"/>
-          <p:cNvCxnSpPr/>
-          <p:nvPr/>
-        </p:nvCxnSpPr>
-        <p:spPr bwMode="auto">
-          <a:xfrm>
-            <a:off x="5486400" y="3581400"/>
-            <a:ext cx="838200" cy="609600"/>
-          </a:xfrm>
-          <a:prstGeom prst="line">
-            <a:avLst/>
-          </a:prstGeom>
-          <a:ln>
-            <a:solidFill>
-              <a:srgbClr val="FF0000"/>
-            </a:solidFill>
-            <a:headEnd type="none" w="med" len="med"/>
-            <a:tailEnd type="none" w="med" len="med"/>
-          </a:ln>
-          <a:extLst/>
-        </p:spPr>
-        <p:style>
-          <a:lnRef idx="3">
-            <a:schemeClr val="accent4"/>
-          </a:lnRef>
-          <a:fillRef idx="0">
-            <a:schemeClr val="accent4"/>
-          </a:fillRef>
-          <a:effectRef idx="2">
-            <a:schemeClr val="accent4"/>
-          </a:effectRef>
-          <a:fontRef idx="minor">
-            <a:schemeClr val="tx1"/>
-          </a:fontRef>
-        </p:style>
-      </p:cxnSp>
-      <p:cxnSp>
-        <p:nvCxnSpPr>
-          <p:cNvPr id="21" name="Straight Connector 20"/>
-          <p:cNvCxnSpPr/>
-          <p:nvPr/>
-        </p:nvCxnSpPr>
-        <p:spPr bwMode="auto">
-          <a:xfrm flipV="1">
-            <a:off x="5486400" y="3581400"/>
-            <a:ext cx="838200" cy="609600"/>
-          </a:xfrm>
-          <a:prstGeom prst="line">
-            <a:avLst/>
-          </a:prstGeom>
-          <a:ln>
-            <a:solidFill>
-              <a:srgbClr val="FF0000"/>
-            </a:solidFill>
-            <a:headEnd type="none" w="med" len="med"/>
-            <a:tailEnd type="none" w="med" len="med"/>
-          </a:ln>
-          <a:extLst/>
-        </p:spPr>
-        <p:style>
-          <a:lnRef idx="3">
-            <a:schemeClr val="accent4"/>
-          </a:lnRef>
-          <a:fillRef idx="0">
-            <a:schemeClr val="accent4"/>
-          </a:fillRef>
-          <a:effectRef idx="2">
-            <a:schemeClr val="accent4"/>
-          </a:effectRef>
-          <a:fontRef idx="minor">
-            <a:schemeClr val="tx1"/>
-          </a:fontRef>
-        </p:style>
-      </p:cxnSp>
-      <p:cxnSp>
-        <p:nvCxnSpPr>
-          <p:cNvPr id="24" name="Straight Connector 23"/>
-          <p:cNvCxnSpPr/>
-          <p:nvPr/>
-        </p:nvCxnSpPr>
-        <p:spPr bwMode="auto">
-          <a:xfrm>
-            <a:off x="457200" y="3352800"/>
-            <a:ext cx="1828800" cy="0"/>
-          </a:xfrm>
-          <a:prstGeom prst="line">
-            <a:avLst/>
-          </a:prstGeom>
-          <a:ln>
-            <a:solidFill>
-              <a:srgbClr val="008000"/>
-            </a:solidFill>
-            <a:headEnd type="none" w="med" len="med"/>
-            <a:tailEnd type="none" w="med" len="med"/>
-          </a:ln>
-          <a:extLst/>
-        </p:spPr>
-        <p:style>
-          <a:lnRef idx="3">
-            <a:schemeClr val="accent4"/>
-          </a:lnRef>
-          <a:fillRef idx="0">
-            <a:schemeClr val="accent4"/>
-          </a:fillRef>
-          <a:effectRef idx="2">
-            <a:schemeClr val="accent4"/>
-          </a:effectRef>
-          <a:fontRef idx="minor">
-            <a:schemeClr val="tx1"/>
-          </a:fontRef>
-        </p:style>
-      </p:cxnSp>
-      <p:cxnSp>
-        <p:nvCxnSpPr>
-          <p:cNvPr id="26" name="Straight Connector 25"/>
-          <p:cNvCxnSpPr/>
-          <p:nvPr/>
-        </p:nvCxnSpPr>
-        <p:spPr bwMode="auto">
-          <a:xfrm>
-            <a:off x="457200" y="3352800"/>
-            <a:ext cx="0" cy="1066800"/>
-          </a:xfrm>
-          <a:prstGeom prst="line">
-            <a:avLst/>
-          </a:prstGeom>
-          <a:ln>
-            <a:solidFill>
-              <a:srgbClr val="008000"/>
-            </a:solidFill>
-            <a:headEnd type="none" w="med" len="med"/>
-            <a:tailEnd type="none" w="med" len="med"/>
-          </a:ln>
-          <a:extLst/>
-        </p:spPr>
-        <p:style>
-          <a:lnRef idx="3">
-            <a:schemeClr val="accent4"/>
-          </a:lnRef>
-          <a:fillRef idx="0">
-            <a:schemeClr val="accent4"/>
-          </a:fillRef>
-          <a:effectRef idx="2">
-            <a:schemeClr val="accent4"/>
-          </a:effectRef>
-          <a:fontRef idx="minor">
-            <a:schemeClr val="tx1"/>
-          </a:fontRef>
-        </p:style>
-      </p:cxnSp>
-      <p:cxnSp>
-        <p:nvCxnSpPr>
-          <p:cNvPr id="32" name="Straight Connector 31"/>
-          <p:cNvCxnSpPr/>
-          <p:nvPr/>
-        </p:nvCxnSpPr>
-        <p:spPr bwMode="auto">
-          <a:xfrm>
-            <a:off x="457200" y="4419600"/>
-            <a:ext cx="1828800" cy="0"/>
-          </a:xfrm>
-          <a:prstGeom prst="line">
-            <a:avLst/>
-          </a:prstGeom>
-          <a:ln>
-            <a:solidFill>
-              <a:srgbClr val="008000"/>
-            </a:solidFill>
-            <a:headEnd type="none" w="med" len="med"/>
-            <a:tailEnd type="none" w="med" len="med"/>
-          </a:ln>
-          <a:extLst/>
-        </p:spPr>
-        <p:style>
-          <a:lnRef idx="3">
-            <a:schemeClr val="accent4"/>
-          </a:lnRef>
-          <a:fillRef idx="0">
-            <a:schemeClr val="accent4"/>
-          </a:fillRef>
-          <a:effectRef idx="2">
-            <a:schemeClr val="accent4"/>
-          </a:effectRef>
-          <a:fontRef idx="minor">
-            <a:schemeClr val="tx1"/>
-          </a:fontRef>
-        </p:style>
-      </p:cxnSp>
-      <p:cxnSp>
-        <p:nvCxnSpPr>
-          <p:cNvPr id="34" name="Straight Connector 33"/>
-          <p:cNvCxnSpPr/>
-          <p:nvPr/>
-        </p:nvCxnSpPr>
-        <p:spPr bwMode="auto">
-          <a:xfrm>
-            <a:off x="2286000" y="3352800"/>
-            <a:ext cx="0" cy="1066800"/>
-          </a:xfrm>
-          <a:prstGeom prst="line">
-            <a:avLst/>
-          </a:prstGeom>
-          <a:ln>
-            <a:solidFill>
-              <a:srgbClr val="008000"/>
-            </a:solidFill>
-            <a:headEnd type="none" w="med" len="med"/>
-            <a:tailEnd type="none" w="med" len="med"/>
-          </a:ln>
-          <a:extLst/>
-        </p:spPr>
-        <p:style>
-          <a:lnRef idx="3">
-            <a:schemeClr val="accent4"/>
-          </a:lnRef>
-          <a:fillRef idx="0">
-            <a:schemeClr val="accent4"/>
-          </a:fillRef>
-          <a:effectRef idx="2">
-            <a:schemeClr val="accent4"/>
-          </a:effectRef>
-          <a:fontRef idx="minor">
-            <a:schemeClr val="tx1"/>
-          </a:fontRef>
-        </p:style>
-      </p:cxnSp>
-    </p:spTree>
-    <p:extLst>
-      <p:ext uri="{BB962C8B-B14F-4D97-AF65-F5344CB8AC3E}">
-        <p14:creationId xmlns:p14="http://schemas.microsoft.com/office/powerpoint/2010/main" val="455951217"/>
-      </p:ext>
-    </p:extLst>
-  </p:cSld>
-  <p:clrMapOvr>
-    <a:masterClrMapping/>
-  </p:clrMapOvr>
-  <p:transition/>
-  <p:timing>
-    <p:tnLst>
-      <p:par>
-        <p:cTn id="1" dur="indefinite" restart="never" nodeType="tmRoot"/>
-      </p:par>
-    </p:tnLst>
-  </p:timing>
-</p:sld>
-</file>
-
-<file path=ppt/slides/slide18.xml><?xml version="1.0" encoding="utf-8"?>
-<p:sld xmlns:a="http://schemas.openxmlformats.org/drawingml/2006/main" xmlns:r="http://schemas.openxmlformats.org/officeDocument/2006/relationships" xmlns:p="http://schemas.openxmlformats.org/presentationml/2006/main">
-  <p:cSld>
-    <p:spTree>
-      <p:nvGrpSpPr>
-        <p:cNvPr id="1" name=""/>
-        <p:cNvGrpSpPr/>
-        <p:nvPr/>
-      </p:nvGrpSpPr>
-      <p:grpSpPr>
-        <a:xfrm>
-          <a:off x="0" y="0"/>
-          <a:ext cx="0" cy="0"/>
-          <a:chOff x="0" y="0"/>
-          <a:chExt cx="0" cy="0"/>
-        </a:xfrm>
-      </p:grpSpPr>
-      <p:sp>
-        <p:nvSpPr>
-          <p:cNvPr id="2" name="Title 1"/>
-          <p:cNvSpPr>
-            <a:spLocks noGrp="1"/>
-          </p:cNvSpPr>
-          <p:nvPr>
-            <p:ph type="title"/>
-          </p:nvPr>
-        </p:nvSpPr>
-        <p:spPr/>
-        <p:txBody>
-          <a:bodyPr/>
-          <a:lstStyle/>
-          <a:p>
-            <a:r>
-              <a:rPr lang="en-US" dirty="0" smtClean="0"/>
-              <a:t>Finding Similar Patterns</a:t>
-            </a:r>
-            <a:endParaRPr lang="en-US" dirty="0"/>
+              <a:t>Discovering Human Behavior </a:t>
+            </a:r>
+            <a:r>
+              <a:rPr lang="en-US" sz="2000" dirty="0" smtClean="0"/>
+              <a:t>(Finding Similar Patterns)</a:t>
+            </a:r>
+            <a:endParaRPr lang="en-US" sz="2000" dirty="0"/>
           </a:p>
         </p:txBody>
       </p:sp>
@@ -6454,13 +5838,13 @@
             <p:ph idx="1"/>
             <p:extLst>
               <p:ext uri="{D42A27DB-BD31-4B8C-83A1-F6EECF244321}">
-                <p14:modId xmlns:p14="http://schemas.microsoft.com/office/powerpoint/2010/main" val="32038058"/>
+                <p14:modId xmlns:p14="http://schemas.microsoft.com/office/powerpoint/2010/main" val="3598583437"/>
               </p:ext>
             </p:extLst>
           </p:nvPr>
         </p:nvGraphicFramePr>
         <p:xfrm>
-          <a:off x="609600" y="1676400"/>
+          <a:off x="838200" y="2209800"/>
           <a:ext cx="3581400" cy="2880360"/>
         </p:xfrm>
         <a:graphic>
@@ -6834,7 +6218,7 @@
         </p:nvCxnSpPr>
         <p:spPr bwMode="auto">
           <a:xfrm>
-            <a:off x="381000" y="2247900"/>
+            <a:off x="609600" y="2781300"/>
             <a:ext cx="3886200" cy="0"/>
           </a:xfrm>
           <a:prstGeom prst="line">
@@ -6872,7 +6256,7 @@
         </p:nvCxnSpPr>
         <p:spPr bwMode="auto">
           <a:xfrm>
-            <a:off x="381000" y="3086100"/>
+            <a:off x="609600" y="3619500"/>
             <a:ext cx="3886200" cy="0"/>
           </a:xfrm>
           <a:prstGeom prst="line">
@@ -6910,7 +6294,7 @@
         </p:nvCxnSpPr>
         <p:spPr bwMode="auto">
           <a:xfrm>
-            <a:off x="685800" y="4648200"/>
+            <a:off x="914400" y="5181600"/>
             <a:ext cx="3657600" cy="0"/>
           </a:xfrm>
           <a:prstGeom prst="line">
@@ -6945,7 +6329,7 @@
         </p:nvCxnSpPr>
         <p:spPr bwMode="auto">
           <a:xfrm>
-            <a:off x="685800" y="3810000"/>
+            <a:off x="914400" y="4343400"/>
             <a:ext cx="3657600" cy="0"/>
           </a:xfrm>
           <a:prstGeom prst="line">
@@ -6980,7 +6364,7 @@
         </p:nvCxnSpPr>
         <p:spPr bwMode="auto">
           <a:xfrm flipH="1" flipV="1">
-            <a:off x="685800" y="3810000"/>
+            <a:off x="914400" y="4343400"/>
             <a:ext cx="4762" cy="838200"/>
           </a:xfrm>
           <a:prstGeom prst="line">
@@ -7015,7 +6399,7 @@
         </p:nvCxnSpPr>
         <p:spPr bwMode="auto">
           <a:xfrm flipH="1" flipV="1">
-            <a:off x="4343400" y="3810000"/>
+            <a:off x="4572000" y="4343400"/>
             <a:ext cx="4762" cy="838200"/>
           </a:xfrm>
           <a:prstGeom prst="line">
@@ -7050,7 +6434,7 @@
         </p:nvCxnSpPr>
         <p:spPr bwMode="auto">
           <a:xfrm flipH="1" flipV="1">
-            <a:off x="4267200" y="2247900"/>
+            <a:off x="4495800" y="2781300"/>
             <a:ext cx="4762" cy="838200"/>
           </a:xfrm>
           <a:prstGeom prst="line">
@@ -7088,7 +6472,7 @@
         </p:nvCxnSpPr>
         <p:spPr bwMode="auto">
           <a:xfrm flipH="1" flipV="1">
-            <a:off x="381000" y="2247900"/>
+            <a:off x="609600" y="2781300"/>
             <a:ext cx="4762" cy="838200"/>
           </a:xfrm>
           <a:prstGeom prst="line">
@@ -7127,13 +6511,13 @@
           <p:nvPr>
             <p:extLst>
               <p:ext uri="{D42A27DB-BD31-4B8C-83A1-F6EECF244321}">
-                <p14:modId xmlns:p14="http://schemas.microsoft.com/office/powerpoint/2010/main" val="272534515"/>
+                <p14:modId xmlns:p14="http://schemas.microsoft.com/office/powerpoint/2010/main" val="1888691089"/>
               </p:ext>
             </p:extLst>
           </p:nvPr>
         </p:nvGraphicFramePr>
         <p:xfrm>
-          <a:off x="4876800" y="1767839"/>
+          <a:off x="5105400" y="2301239"/>
           <a:ext cx="3581400" cy="2880361"/>
         </p:xfrm>
         <a:graphic>
@@ -7508,7 +6892,7 @@
         </p:nvCxnSpPr>
         <p:spPr bwMode="auto">
           <a:xfrm>
-            <a:off x="4876800" y="4777740"/>
+            <a:off x="5105400" y="5311140"/>
             <a:ext cx="3657600" cy="0"/>
           </a:xfrm>
           <a:prstGeom prst="line">
@@ -7543,7 +6927,7 @@
         </p:nvCxnSpPr>
         <p:spPr bwMode="auto">
           <a:xfrm>
-            <a:off x="4876800" y="3939540"/>
+            <a:off x="5105400" y="4472940"/>
             <a:ext cx="3657600" cy="0"/>
           </a:xfrm>
           <a:prstGeom prst="line">
@@ -7578,7 +6962,7 @@
         </p:nvCxnSpPr>
         <p:spPr bwMode="auto">
           <a:xfrm flipH="1" flipV="1">
-            <a:off x="4876800" y="3939540"/>
+            <a:off x="5105400" y="4472940"/>
             <a:ext cx="4762" cy="838200"/>
           </a:xfrm>
           <a:prstGeom prst="line">
@@ -7613,7 +6997,7 @@
         </p:nvCxnSpPr>
         <p:spPr bwMode="auto">
           <a:xfrm flipH="1" flipV="1">
-            <a:off x="8534400" y="3939540"/>
+            <a:off x="8763000" y="4472940"/>
             <a:ext cx="4762" cy="838200"/>
           </a:xfrm>
           <a:prstGeom prst="line">
@@ -7648,7 +7032,7 @@
         </p:nvCxnSpPr>
         <p:spPr bwMode="auto">
           <a:xfrm>
-            <a:off x="4724400" y="3200400"/>
+            <a:off x="4953000" y="3733800"/>
             <a:ext cx="3657600" cy="0"/>
           </a:xfrm>
           <a:prstGeom prst="line">
@@ -7686,7 +7070,7 @@
         </p:nvCxnSpPr>
         <p:spPr bwMode="auto">
           <a:xfrm>
-            <a:off x="4724400" y="2362200"/>
+            <a:off x="4953000" y="2895600"/>
             <a:ext cx="3657600" cy="0"/>
           </a:xfrm>
           <a:prstGeom prst="line">
@@ -7724,7 +7108,7 @@
         </p:nvCxnSpPr>
         <p:spPr bwMode="auto">
           <a:xfrm flipH="1" flipV="1">
-            <a:off x="4724400" y="2362200"/>
+            <a:off x="4953000" y="2895600"/>
             <a:ext cx="4762" cy="838200"/>
           </a:xfrm>
           <a:prstGeom prst="line">
@@ -7762,7 +7146,7 @@
         </p:nvCxnSpPr>
         <p:spPr bwMode="auto">
           <a:xfrm flipH="1" flipV="1">
-            <a:off x="8382000" y="2362200"/>
+            <a:off x="8610600" y="2895600"/>
             <a:ext cx="4762" cy="838200"/>
           </a:xfrm>
           <a:prstGeom prst="line">
@@ -7802,8 +7186,8 @@
         </p:nvSpPr>
         <p:spPr bwMode="auto">
           <a:xfrm>
-            <a:off x="457200" y="4846319"/>
-            <a:ext cx="8229600" cy="1478281"/>
+            <a:off x="381000" y="5202017"/>
+            <a:ext cx="8229600" cy="1219200"/>
           </a:xfrm>
           <a:prstGeom prst="rect">
             <a:avLst/>
@@ -7815,14 +7199,14 @@
           <a:effectLst/>
           <a:extLst>
             <a:ext uri="{909E8E84-426E-40dd-AFC4-6F175D3DCCD1}">
-              <a14:hiddenFill xmlns:a14="http://schemas.microsoft.com/office/drawing/2010/main" xmlns="">
+              <a14:hiddenFill xmlns="" xmlns:a14="http://schemas.microsoft.com/office/drawing/2010/main">
                 <a:solidFill>
                   <a:schemeClr val="accent1"/>
                 </a:solidFill>
               </a14:hiddenFill>
             </a:ext>
             <a:ext uri="{91240B29-F687-4f45-9708-019B960494DF}">
-              <a14:hiddenLine xmlns:a14="http://schemas.microsoft.com/office/drawing/2010/main" xmlns="" w="9525">
+              <a14:hiddenLine xmlns="" xmlns:a14="http://schemas.microsoft.com/office/drawing/2010/main" w="9525">
                 <a:solidFill>
                   <a:schemeClr val="tx1"/>
                 </a:solidFill>
@@ -7832,7 +7216,7 @@
               </a14:hiddenLine>
             </a:ext>
             <a:ext uri="{AF507438-7753-43e0-B8FC-AC1667EBCBE1}">
-              <a14:hiddenEffects xmlns:a14="http://schemas.microsoft.com/office/drawing/2010/main" xmlns="">
+              <a14:hiddenEffects xmlns="" xmlns:a14="http://schemas.microsoft.com/office/drawing/2010/main">
                 <a:effectLst>
                   <a:outerShdw blurRad="63500" dist="38099" dir="2700000" algn="ctr" rotWithShape="0">
                     <a:schemeClr val="bg2">
@@ -7843,7 +7227,7 @@
               </a14:hiddenEffects>
             </a:ext>
             <a:ext uri="{FAA26D3D-D897-4be2-8F04-BA451C77F1D7}">
-              <ma14:placeholderFlag xmlns:ma14="http://schemas.microsoft.com/office/mac/drawingml/2011/main" xmlns="" val="1"/>
+              <ma14:placeholderFlag xmlns="" xmlns:ma14="http://schemas.microsoft.com/office/mac/drawingml/2011/main" val="1"/>
             </a:ext>
           </a:extLst>
         </p:spPr>
@@ -8005,7 +7389,7 @@
               <a:buNone/>
             </a:pPr>
             <a:r>
-              <a:rPr lang="en-US" b="0" kern="0" dirty="0" smtClean="0">
+              <a:rPr lang="en-US" sz="1600" b="0" kern="0" dirty="0" smtClean="0">
                 <a:solidFill>
                   <a:srgbClr val="008000"/>
                 </a:solidFill>
@@ -8019,7 +7403,7 @@
               <a:buNone/>
             </a:pPr>
             <a:r>
-              <a:rPr lang="en-US" b="0" kern="0" dirty="0" smtClean="0">
+              <a:rPr lang="en-US" sz="1600" b="0" kern="0" dirty="0" smtClean="0">
                 <a:solidFill>
                   <a:srgbClr val="008000"/>
                 </a:solidFill>
@@ -8028,7 +7412,7 @@
               <a:t>Group-1 = </a:t>
             </a:r>
             <a:r>
-              <a:rPr lang="en-US" b="0" kern="0" dirty="0">
+              <a:rPr lang="en-US" sz="1600" b="0" kern="0" dirty="0">
                 <a:solidFill>
                   <a:srgbClr val="008000"/>
                 </a:solidFill>
@@ -8037,7 +7421,7 @@
               <a:t>13:00,location,same | </a:t>
             </a:r>
             <a:r>
-              <a:rPr lang="en-US" b="0" kern="0" dirty="0" smtClean="0">
+              <a:rPr lang="en-US" sz="1600" b="0" kern="0" dirty="0" smtClean="0">
                 <a:solidFill>
                   <a:srgbClr val="008000"/>
                 </a:solidFill>
@@ -8051,7 +7435,7 @@
               <a:buNone/>
             </a:pPr>
             <a:r>
-              <a:rPr lang="en-US" b="0" kern="0" dirty="0" smtClean="0">
+              <a:rPr lang="en-US" sz="1600" b="0" kern="0" dirty="0" smtClean="0">
                 <a:solidFill>
                   <a:srgbClr val="333399"/>
                 </a:solidFill>
@@ -8065,7 +7449,7 @@
               <a:buNone/>
             </a:pPr>
             <a:r>
-              <a:rPr lang="en-US" b="0" kern="0" dirty="0">
+              <a:rPr lang="en-US" sz="1600" b="0" kern="0" dirty="0">
                 <a:solidFill>
                   <a:srgbClr val="333399"/>
                 </a:solidFill>
@@ -8073,7 +7457,7 @@
               </a:rPr>
               <a:t>Group-2 = 15:00,runapps,kakao | 15:00, location, little</a:t>
             </a:r>
-            <a:endParaRPr lang="en-US" b="0" kern="0" dirty="0" smtClean="0">
+            <a:endParaRPr lang="en-US" sz="1600" b="0" kern="0" dirty="0" smtClean="0">
               <a:solidFill>
                 <a:srgbClr val="333399"/>
               </a:solidFill>
@@ -8082,6 +7466,871 @@
           </a:p>
         </p:txBody>
       </p:sp>
+      <p:sp>
+        <p:nvSpPr>
+          <p:cNvPr id="45" name="Rectangle 44"/>
+          <p:cNvSpPr/>
+          <p:nvPr/>
+        </p:nvSpPr>
+        <p:spPr bwMode="auto">
+          <a:xfrm>
+            <a:off x="1143000" y="1173911"/>
+            <a:ext cx="838200" cy="609600"/>
+          </a:xfrm>
+          <a:prstGeom prst="rect">
+            <a:avLst/>
+          </a:prstGeom>
+          <a:solidFill>
+            <a:schemeClr val="accent1"/>
+          </a:solidFill>
+          <a:ln w="9525" cap="flat" cmpd="sng" algn="ctr">
+            <a:solidFill>
+              <a:schemeClr val="tx1"/>
+            </a:solidFill>
+            <a:prstDash val="solid"/>
+            <a:round/>
+            <a:headEnd type="none" w="med" len="med"/>
+            <a:tailEnd type="triangle" w="med" len="med"/>
+          </a:ln>
+          <a:effectLst/>
+          <a:extLst>
+            <a:ext uri="{AF507438-7753-43e0-B8FC-AC1667EBCBE1}">
+              <a14:hiddenEffects xmlns="" xmlns:a14="http://schemas.microsoft.com/office/drawing/2010/main">
+                <a:effectLst>
+                  <a:outerShdw blurRad="63500" dist="35921" dir="2700000" algn="ctr" rotWithShape="0">
+                    <a:schemeClr val="bg2"/>
+                  </a:outerShdw>
+                </a:effectLst>
+              </a14:hiddenEffects>
+            </a:ext>
+          </a:extLst>
+        </p:spPr>
+        <p:txBody>
+          <a:bodyPr vert="horz" wrap="none" lIns="91440" tIns="45720" rIns="91440" bIns="45720" numCol="1" rtlCol="0" anchor="ctr" anchorCtr="0" compatLnSpc="1">
+            <a:prstTxWarp prst="textNoShape">
+              <a:avLst/>
+            </a:prstTxWarp>
+          </a:bodyPr>
+          <a:lstStyle/>
+          <a:p>
+            <a:pPr marL="0" marR="0" indent="0" algn="ctr" defTabSz="914400" rtl="0" eaLnBrk="1" fontAlgn="base" latinLnBrk="0" hangingPunct="1">
+              <a:lnSpc>
+                <a:spcPct val="100000"/>
+              </a:lnSpc>
+              <a:spcBef>
+                <a:spcPct val="0"/>
+              </a:spcBef>
+              <a:spcAft>
+                <a:spcPct val="0"/>
+              </a:spcAft>
+              <a:buClrTx/>
+              <a:buSzTx/>
+              <a:buFontTx/>
+              <a:buNone/>
+              <a:tabLst/>
+            </a:pPr>
+            <a:r>
+              <a:rPr kumimoji="0" lang="en-US" sz="1800" b="1" i="0" u="none" strike="noStrike" cap="none" normalizeH="0" baseline="0" dirty="0" smtClean="0">
+                <a:ln>
+                  <a:noFill/>
+                </a:ln>
+                <a:solidFill>
+                  <a:schemeClr val="tx1"/>
+                </a:solidFill>
+                <a:effectLst/>
+              </a:rPr>
+              <a:t>Day1</a:t>
+            </a:r>
+          </a:p>
+          <a:p>
+            <a:pPr marL="0" marR="0" indent="0" algn="ctr" defTabSz="914400" rtl="0" eaLnBrk="1" fontAlgn="base" latinLnBrk="0" hangingPunct="1">
+              <a:lnSpc>
+                <a:spcPct val="100000"/>
+              </a:lnSpc>
+              <a:spcBef>
+                <a:spcPct val="0"/>
+              </a:spcBef>
+              <a:spcAft>
+                <a:spcPct val="0"/>
+              </a:spcAft>
+              <a:buClrTx/>
+              <a:buSzTx/>
+              <a:buFontTx/>
+              <a:buNone/>
+              <a:tabLst/>
+            </a:pPr>
+            <a:r>
+              <a:rPr lang="en-US" sz="1800" dirty="0" smtClean="0"/>
+              <a:t>Week1</a:t>
+            </a:r>
+          </a:p>
+        </p:txBody>
+      </p:sp>
+      <p:sp>
+        <p:nvSpPr>
+          <p:cNvPr id="46" name="Rectangle 45"/>
+          <p:cNvSpPr/>
+          <p:nvPr/>
+        </p:nvSpPr>
+        <p:spPr bwMode="auto">
+          <a:xfrm>
+            <a:off x="1981200" y="1173911"/>
+            <a:ext cx="838200" cy="609600"/>
+          </a:xfrm>
+          <a:prstGeom prst="rect">
+            <a:avLst/>
+          </a:prstGeom>
+          <a:solidFill>
+            <a:schemeClr val="accent1"/>
+          </a:solidFill>
+          <a:ln w="9525" cap="flat" cmpd="sng" algn="ctr">
+            <a:solidFill>
+              <a:schemeClr val="tx1"/>
+            </a:solidFill>
+            <a:prstDash val="solid"/>
+            <a:round/>
+            <a:headEnd type="none" w="med" len="med"/>
+            <a:tailEnd type="triangle" w="med" len="med"/>
+          </a:ln>
+          <a:effectLst/>
+          <a:extLst>
+            <a:ext uri="{AF507438-7753-43e0-B8FC-AC1667EBCBE1}">
+              <a14:hiddenEffects xmlns="" xmlns:a14="http://schemas.microsoft.com/office/drawing/2010/main">
+                <a:effectLst>
+                  <a:outerShdw blurRad="63500" dist="35921" dir="2700000" algn="ctr" rotWithShape="0">
+                    <a:schemeClr val="bg2"/>
+                  </a:outerShdw>
+                </a:effectLst>
+              </a14:hiddenEffects>
+            </a:ext>
+          </a:extLst>
+        </p:spPr>
+        <p:txBody>
+          <a:bodyPr vert="horz" wrap="none" lIns="91440" tIns="45720" rIns="91440" bIns="45720" numCol="1" rtlCol="0" anchor="ctr" anchorCtr="0" compatLnSpc="1">
+            <a:prstTxWarp prst="textNoShape">
+              <a:avLst/>
+            </a:prstTxWarp>
+          </a:bodyPr>
+          <a:lstStyle/>
+          <a:p>
+            <a:r>
+              <a:rPr lang="en-US" sz="1800" dirty="0"/>
+              <a:t>Day2</a:t>
+            </a:r>
+            <a:endParaRPr kumimoji="0" lang="en-US" sz="1800" b="1" i="0" u="none" strike="noStrike" cap="none" normalizeH="0" baseline="0" dirty="0" smtClean="0">
+              <a:ln>
+                <a:noFill/>
+              </a:ln>
+              <a:solidFill>
+                <a:schemeClr val="tx1"/>
+              </a:solidFill>
+              <a:effectLst/>
+            </a:endParaRPr>
+          </a:p>
+          <a:p>
+            <a:r>
+              <a:rPr lang="en-US" sz="1800" dirty="0"/>
+              <a:t>Week1</a:t>
+            </a:r>
+            <a:endParaRPr kumimoji="0" lang="en-US" sz="1800" b="1" i="0" u="none" strike="noStrike" cap="none" normalizeH="0" baseline="0" dirty="0">
+              <a:ln>
+                <a:noFill/>
+              </a:ln>
+              <a:solidFill>
+                <a:schemeClr val="tx1"/>
+              </a:solidFill>
+              <a:effectLst/>
+            </a:endParaRPr>
+          </a:p>
+        </p:txBody>
+      </p:sp>
+      <p:sp>
+        <p:nvSpPr>
+          <p:cNvPr id="47" name="Rectangle 46"/>
+          <p:cNvSpPr/>
+          <p:nvPr/>
+        </p:nvSpPr>
+        <p:spPr bwMode="auto">
+          <a:xfrm>
+            <a:off x="2819400" y="1173911"/>
+            <a:ext cx="838200" cy="609600"/>
+          </a:xfrm>
+          <a:prstGeom prst="rect">
+            <a:avLst/>
+          </a:prstGeom>
+          <a:solidFill>
+            <a:schemeClr val="accent1"/>
+          </a:solidFill>
+          <a:ln w="9525" cap="flat" cmpd="sng" algn="ctr">
+            <a:solidFill>
+              <a:schemeClr val="tx1"/>
+            </a:solidFill>
+            <a:prstDash val="solid"/>
+            <a:round/>
+            <a:headEnd type="none" w="med" len="med"/>
+            <a:tailEnd type="triangle" w="med" len="med"/>
+          </a:ln>
+          <a:effectLst/>
+          <a:extLst>
+            <a:ext uri="{AF507438-7753-43e0-B8FC-AC1667EBCBE1}">
+              <a14:hiddenEffects xmlns="" xmlns:a14="http://schemas.microsoft.com/office/drawing/2010/main">
+                <a:effectLst>
+                  <a:outerShdw blurRad="63500" dist="35921" dir="2700000" algn="ctr" rotWithShape="0">
+                    <a:schemeClr val="bg2"/>
+                  </a:outerShdw>
+                </a:effectLst>
+              </a14:hiddenEffects>
+            </a:ext>
+          </a:extLst>
+        </p:spPr>
+        <p:txBody>
+          <a:bodyPr vert="horz" wrap="none" lIns="91440" tIns="45720" rIns="91440" bIns="45720" numCol="1" rtlCol="0" anchor="ctr" anchorCtr="0" compatLnSpc="1">
+            <a:prstTxWarp prst="textNoShape">
+              <a:avLst/>
+            </a:prstTxWarp>
+          </a:bodyPr>
+          <a:lstStyle/>
+          <a:p>
+            <a:r>
+              <a:rPr lang="en-US" sz="1800" dirty="0"/>
+              <a:t>Day3</a:t>
+            </a:r>
+            <a:endParaRPr kumimoji="0" lang="en-US" sz="1800" b="1" i="0" u="none" strike="noStrike" cap="none" normalizeH="0" baseline="0" dirty="0" smtClean="0">
+              <a:ln>
+                <a:noFill/>
+              </a:ln>
+              <a:solidFill>
+                <a:schemeClr val="tx1"/>
+              </a:solidFill>
+              <a:effectLst/>
+            </a:endParaRPr>
+          </a:p>
+          <a:p>
+            <a:r>
+              <a:rPr lang="en-US" sz="1800" dirty="0"/>
+              <a:t>Week1</a:t>
+            </a:r>
+            <a:endParaRPr kumimoji="0" lang="en-US" sz="1800" b="1" i="0" u="none" strike="noStrike" cap="none" normalizeH="0" baseline="0" dirty="0">
+              <a:ln>
+                <a:noFill/>
+              </a:ln>
+              <a:solidFill>
+                <a:schemeClr val="tx1"/>
+              </a:solidFill>
+              <a:effectLst/>
+            </a:endParaRPr>
+          </a:p>
+        </p:txBody>
+      </p:sp>
+      <p:sp>
+        <p:nvSpPr>
+          <p:cNvPr id="48" name="Rectangle 47"/>
+          <p:cNvSpPr/>
+          <p:nvPr/>
+        </p:nvSpPr>
+        <p:spPr bwMode="auto">
+          <a:xfrm>
+            <a:off x="3657600" y="1173911"/>
+            <a:ext cx="838200" cy="609600"/>
+          </a:xfrm>
+          <a:prstGeom prst="rect">
+            <a:avLst/>
+          </a:prstGeom>
+          <a:solidFill>
+            <a:schemeClr val="accent1"/>
+          </a:solidFill>
+          <a:ln w="9525" cap="flat" cmpd="sng" algn="ctr">
+            <a:solidFill>
+              <a:schemeClr val="tx1"/>
+            </a:solidFill>
+            <a:prstDash val="solid"/>
+            <a:round/>
+            <a:headEnd type="none" w="med" len="med"/>
+            <a:tailEnd type="triangle" w="med" len="med"/>
+          </a:ln>
+          <a:effectLst/>
+          <a:extLst>
+            <a:ext uri="{AF507438-7753-43e0-B8FC-AC1667EBCBE1}">
+              <a14:hiddenEffects xmlns="" xmlns:a14="http://schemas.microsoft.com/office/drawing/2010/main">
+                <a:effectLst>
+                  <a:outerShdw blurRad="63500" dist="35921" dir="2700000" algn="ctr" rotWithShape="0">
+                    <a:schemeClr val="bg2"/>
+                  </a:outerShdw>
+                </a:effectLst>
+              </a14:hiddenEffects>
+            </a:ext>
+          </a:extLst>
+        </p:spPr>
+        <p:txBody>
+          <a:bodyPr vert="horz" wrap="none" lIns="91440" tIns="45720" rIns="91440" bIns="45720" numCol="1" rtlCol="0" anchor="ctr" anchorCtr="0" compatLnSpc="1">
+            <a:prstTxWarp prst="textNoShape">
+              <a:avLst/>
+            </a:prstTxWarp>
+          </a:bodyPr>
+          <a:lstStyle/>
+          <a:p>
+            <a:r>
+              <a:rPr lang="en-US" sz="1800" dirty="0"/>
+              <a:t>Day4</a:t>
+            </a:r>
+            <a:endParaRPr kumimoji="0" lang="en-US" sz="1800" b="1" i="0" u="none" strike="noStrike" cap="none" normalizeH="0" baseline="0" dirty="0" smtClean="0">
+              <a:ln>
+                <a:noFill/>
+              </a:ln>
+              <a:solidFill>
+                <a:schemeClr val="tx1"/>
+              </a:solidFill>
+              <a:effectLst/>
+            </a:endParaRPr>
+          </a:p>
+          <a:p>
+            <a:r>
+              <a:rPr lang="en-US" sz="1800" dirty="0"/>
+              <a:t>Week1</a:t>
+            </a:r>
+            <a:endParaRPr kumimoji="0" lang="en-US" sz="1800" b="1" i="0" u="none" strike="noStrike" cap="none" normalizeH="0" baseline="0" dirty="0">
+              <a:ln>
+                <a:noFill/>
+              </a:ln>
+              <a:solidFill>
+                <a:schemeClr val="tx1"/>
+              </a:solidFill>
+              <a:effectLst/>
+            </a:endParaRPr>
+          </a:p>
+        </p:txBody>
+      </p:sp>
+      <p:sp>
+        <p:nvSpPr>
+          <p:cNvPr id="49" name="Rectangle 48"/>
+          <p:cNvSpPr/>
+          <p:nvPr/>
+        </p:nvSpPr>
+        <p:spPr bwMode="auto">
+          <a:xfrm>
+            <a:off x="4495800" y="1173911"/>
+            <a:ext cx="838200" cy="609600"/>
+          </a:xfrm>
+          <a:prstGeom prst="rect">
+            <a:avLst/>
+          </a:prstGeom>
+          <a:solidFill>
+            <a:schemeClr val="accent1"/>
+          </a:solidFill>
+          <a:ln w="9525" cap="flat" cmpd="sng" algn="ctr">
+            <a:solidFill>
+              <a:schemeClr val="tx1"/>
+            </a:solidFill>
+            <a:prstDash val="solid"/>
+            <a:round/>
+            <a:headEnd type="none" w="med" len="med"/>
+            <a:tailEnd type="triangle" w="med" len="med"/>
+          </a:ln>
+          <a:effectLst/>
+          <a:extLst>
+            <a:ext uri="{AF507438-7753-43e0-B8FC-AC1667EBCBE1}">
+              <a14:hiddenEffects xmlns="" xmlns:a14="http://schemas.microsoft.com/office/drawing/2010/main">
+                <a:effectLst>
+                  <a:outerShdw blurRad="63500" dist="35921" dir="2700000" algn="ctr" rotWithShape="0">
+                    <a:schemeClr val="bg2"/>
+                  </a:outerShdw>
+                </a:effectLst>
+              </a14:hiddenEffects>
+            </a:ext>
+          </a:extLst>
+        </p:spPr>
+        <p:txBody>
+          <a:bodyPr vert="horz" wrap="none" lIns="91440" tIns="45720" rIns="91440" bIns="45720" numCol="1" rtlCol="0" anchor="ctr" anchorCtr="0" compatLnSpc="1">
+            <a:prstTxWarp prst="textNoShape">
+              <a:avLst/>
+            </a:prstTxWarp>
+          </a:bodyPr>
+          <a:lstStyle/>
+          <a:p>
+            <a:r>
+              <a:rPr lang="en-US" sz="1800" dirty="0"/>
+              <a:t>Day5</a:t>
+            </a:r>
+            <a:endParaRPr kumimoji="0" lang="en-US" sz="1800" b="1" i="0" u="none" strike="noStrike" cap="none" normalizeH="0" baseline="0" dirty="0" smtClean="0">
+              <a:ln>
+                <a:noFill/>
+              </a:ln>
+              <a:solidFill>
+                <a:schemeClr val="tx1"/>
+              </a:solidFill>
+              <a:effectLst/>
+            </a:endParaRPr>
+          </a:p>
+          <a:p>
+            <a:r>
+              <a:rPr lang="en-US" sz="1800" dirty="0"/>
+              <a:t>Week1</a:t>
+            </a:r>
+            <a:endParaRPr kumimoji="0" lang="en-US" sz="1800" b="1" i="0" u="none" strike="noStrike" cap="none" normalizeH="0" baseline="0" dirty="0">
+              <a:ln>
+                <a:noFill/>
+              </a:ln>
+              <a:solidFill>
+                <a:schemeClr val="tx1"/>
+              </a:solidFill>
+              <a:effectLst/>
+            </a:endParaRPr>
+          </a:p>
+        </p:txBody>
+      </p:sp>
+      <p:sp>
+        <p:nvSpPr>
+          <p:cNvPr id="50" name="Rectangle 49"/>
+          <p:cNvSpPr/>
+          <p:nvPr/>
+        </p:nvSpPr>
+        <p:spPr bwMode="auto">
+          <a:xfrm>
+            <a:off x="5334000" y="1173911"/>
+            <a:ext cx="838200" cy="609600"/>
+          </a:xfrm>
+          <a:prstGeom prst="rect">
+            <a:avLst/>
+          </a:prstGeom>
+          <a:solidFill>
+            <a:schemeClr val="accent1"/>
+          </a:solidFill>
+          <a:ln w="9525" cap="flat" cmpd="sng" algn="ctr">
+            <a:solidFill>
+              <a:schemeClr val="tx1"/>
+            </a:solidFill>
+            <a:prstDash val="solid"/>
+            <a:round/>
+            <a:headEnd type="none" w="med" len="med"/>
+            <a:tailEnd type="triangle" w="med" len="med"/>
+          </a:ln>
+          <a:effectLst/>
+          <a:extLst>
+            <a:ext uri="{AF507438-7753-43e0-B8FC-AC1667EBCBE1}">
+              <a14:hiddenEffects xmlns="" xmlns:a14="http://schemas.microsoft.com/office/drawing/2010/main">
+                <a:effectLst>
+                  <a:outerShdw blurRad="63500" dist="35921" dir="2700000" algn="ctr" rotWithShape="0">
+                    <a:schemeClr val="bg2"/>
+                  </a:outerShdw>
+                </a:effectLst>
+              </a14:hiddenEffects>
+            </a:ext>
+          </a:extLst>
+        </p:spPr>
+        <p:txBody>
+          <a:bodyPr vert="horz" wrap="none" lIns="91440" tIns="45720" rIns="91440" bIns="45720" numCol="1" rtlCol="0" anchor="ctr" anchorCtr="0" compatLnSpc="1">
+            <a:prstTxWarp prst="textNoShape">
+              <a:avLst/>
+            </a:prstTxWarp>
+          </a:bodyPr>
+          <a:lstStyle/>
+          <a:p>
+            <a:r>
+              <a:rPr lang="en-US" sz="1800" dirty="0"/>
+              <a:t>Day6</a:t>
+            </a:r>
+            <a:endParaRPr kumimoji="0" lang="en-US" sz="1800" b="1" i="0" u="none" strike="noStrike" cap="none" normalizeH="0" baseline="0" dirty="0" smtClean="0">
+              <a:ln>
+                <a:noFill/>
+              </a:ln>
+              <a:solidFill>
+                <a:schemeClr val="tx1"/>
+              </a:solidFill>
+              <a:effectLst/>
+            </a:endParaRPr>
+          </a:p>
+          <a:p>
+            <a:r>
+              <a:rPr lang="en-US" sz="1800" dirty="0"/>
+              <a:t>Week1</a:t>
+            </a:r>
+            <a:endParaRPr kumimoji="0" lang="en-US" sz="1800" b="1" i="0" u="none" strike="noStrike" cap="none" normalizeH="0" baseline="0" dirty="0">
+              <a:ln>
+                <a:noFill/>
+              </a:ln>
+              <a:solidFill>
+                <a:schemeClr val="tx1"/>
+              </a:solidFill>
+              <a:effectLst/>
+            </a:endParaRPr>
+          </a:p>
+        </p:txBody>
+      </p:sp>
+      <p:sp>
+        <p:nvSpPr>
+          <p:cNvPr id="51" name="Rectangle 50"/>
+          <p:cNvSpPr/>
+          <p:nvPr/>
+        </p:nvSpPr>
+        <p:spPr bwMode="auto">
+          <a:xfrm>
+            <a:off x="7010400" y="1173911"/>
+            <a:ext cx="838200" cy="609600"/>
+          </a:xfrm>
+          <a:prstGeom prst="rect">
+            <a:avLst/>
+          </a:prstGeom>
+          <a:solidFill>
+            <a:schemeClr val="accent1"/>
+          </a:solidFill>
+          <a:ln w="9525" cap="flat" cmpd="sng" algn="ctr">
+            <a:solidFill>
+              <a:schemeClr val="tx1"/>
+            </a:solidFill>
+            <a:prstDash val="solid"/>
+            <a:round/>
+            <a:headEnd type="none" w="med" len="med"/>
+            <a:tailEnd type="triangle" w="med" len="med"/>
+          </a:ln>
+          <a:effectLst/>
+          <a:extLst>
+            <a:ext uri="{AF507438-7753-43e0-B8FC-AC1667EBCBE1}">
+              <a14:hiddenEffects xmlns="" xmlns:a14="http://schemas.microsoft.com/office/drawing/2010/main">
+                <a:effectLst>
+                  <a:outerShdw blurRad="63500" dist="35921" dir="2700000" algn="ctr" rotWithShape="0">
+                    <a:schemeClr val="bg2"/>
+                  </a:outerShdw>
+                </a:effectLst>
+              </a14:hiddenEffects>
+            </a:ext>
+          </a:extLst>
+        </p:spPr>
+        <p:txBody>
+          <a:bodyPr vert="horz" wrap="none" lIns="91440" tIns="45720" rIns="91440" bIns="45720" numCol="1" rtlCol="0" anchor="ctr" anchorCtr="0" compatLnSpc="1">
+            <a:prstTxWarp prst="textNoShape">
+              <a:avLst/>
+            </a:prstTxWarp>
+          </a:bodyPr>
+          <a:lstStyle/>
+          <a:p>
+            <a:r>
+              <a:rPr lang="en-US" sz="1800" dirty="0"/>
+              <a:t>Day1</a:t>
+            </a:r>
+            <a:endParaRPr kumimoji="0" lang="en-US" sz="1800" b="1" i="0" u="none" strike="noStrike" cap="none" normalizeH="0" baseline="0" dirty="0" smtClean="0">
+              <a:ln>
+                <a:noFill/>
+              </a:ln>
+              <a:solidFill>
+                <a:schemeClr val="tx1"/>
+              </a:solidFill>
+              <a:effectLst/>
+            </a:endParaRPr>
+          </a:p>
+          <a:p>
+            <a:r>
+              <a:rPr lang="en-US" sz="1800" dirty="0" smtClean="0"/>
+              <a:t>Week2</a:t>
+            </a:r>
+          </a:p>
+        </p:txBody>
+      </p:sp>
+      <p:sp>
+        <p:nvSpPr>
+          <p:cNvPr id="52" name="Rectangle 51"/>
+          <p:cNvSpPr/>
+          <p:nvPr/>
+        </p:nvSpPr>
+        <p:spPr bwMode="auto">
+          <a:xfrm>
+            <a:off x="6172200" y="1173911"/>
+            <a:ext cx="838200" cy="609600"/>
+          </a:xfrm>
+          <a:prstGeom prst="rect">
+            <a:avLst/>
+          </a:prstGeom>
+          <a:solidFill>
+            <a:schemeClr val="accent1"/>
+          </a:solidFill>
+          <a:ln w="9525" cap="flat" cmpd="sng" algn="ctr">
+            <a:solidFill>
+              <a:schemeClr val="tx1"/>
+            </a:solidFill>
+            <a:prstDash val="solid"/>
+            <a:round/>
+            <a:headEnd type="none" w="med" len="med"/>
+            <a:tailEnd type="triangle" w="med" len="med"/>
+          </a:ln>
+          <a:effectLst/>
+          <a:extLst>
+            <a:ext uri="{AF507438-7753-43e0-B8FC-AC1667EBCBE1}">
+              <a14:hiddenEffects xmlns="" xmlns:a14="http://schemas.microsoft.com/office/drawing/2010/main">
+                <a:effectLst>
+                  <a:outerShdw blurRad="63500" dist="35921" dir="2700000" algn="ctr" rotWithShape="0">
+                    <a:schemeClr val="bg2"/>
+                  </a:outerShdw>
+                </a:effectLst>
+              </a14:hiddenEffects>
+            </a:ext>
+          </a:extLst>
+        </p:spPr>
+        <p:txBody>
+          <a:bodyPr vert="horz" wrap="none" lIns="91440" tIns="45720" rIns="91440" bIns="45720" numCol="1" rtlCol="0" anchor="ctr" anchorCtr="0" compatLnSpc="1">
+            <a:prstTxWarp prst="textNoShape">
+              <a:avLst/>
+            </a:prstTxWarp>
+          </a:bodyPr>
+          <a:lstStyle/>
+          <a:p>
+            <a:r>
+              <a:rPr lang="en-US" sz="1800" dirty="0"/>
+              <a:t>Day7</a:t>
+            </a:r>
+            <a:endParaRPr kumimoji="0" lang="en-US" sz="1800" b="1" i="0" u="none" strike="noStrike" cap="none" normalizeH="0" baseline="0" dirty="0" smtClean="0">
+              <a:ln>
+                <a:noFill/>
+              </a:ln>
+              <a:solidFill>
+                <a:schemeClr val="tx1"/>
+              </a:solidFill>
+              <a:effectLst/>
+            </a:endParaRPr>
+          </a:p>
+          <a:p>
+            <a:r>
+              <a:rPr lang="en-US" sz="1800" dirty="0"/>
+              <a:t>Week1</a:t>
+            </a:r>
+            <a:endParaRPr kumimoji="0" lang="en-US" sz="1800" b="1" i="0" u="none" strike="noStrike" cap="none" normalizeH="0" baseline="0" dirty="0">
+              <a:ln>
+                <a:noFill/>
+              </a:ln>
+              <a:solidFill>
+                <a:schemeClr val="tx1"/>
+              </a:solidFill>
+              <a:effectLst/>
+            </a:endParaRPr>
+          </a:p>
+        </p:txBody>
+      </p:sp>
+      <p:cxnSp>
+        <p:nvCxnSpPr>
+          <p:cNvPr id="53" name="Straight Connector 52"/>
+          <p:cNvCxnSpPr/>
+          <p:nvPr/>
+        </p:nvCxnSpPr>
+        <p:spPr bwMode="auto">
+          <a:xfrm>
+            <a:off x="6172200" y="1173911"/>
+            <a:ext cx="838200" cy="609600"/>
+          </a:xfrm>
+          <a:prstGeom prst="line">
+            <a:avLst/>
+          </a:prstGeom>
+          <a:ln>
+            <a:solidFill>
+              <a:srgbClr val="FF0000"/>
+            </a:solidFill>
+            <a:headEnd type="none" w="med" len="med"/>
+            <a:tailEnd type="none" w="med" len="med"/>
+          </a:ln>
+          <a:extLst/>
+        </p:spPr>
+        <p:style>
+          <a:lnRef idx="3">
+            <a:schemeClr val="accent4"/>
+          </a:lnRef>
+          <a:fillRef idx="0">
+            <a:schemeClr val="accent4"/>
+          </a:fillRef>
+          <a:effectRef idx="2">
+            <a:schemeClr val="accent4"/>
+          </a:effectRef>
+          <a:fontRef idx="minor">
+            <a:schemeClr val="tx1"/>
+          </a:fontRef>
+        </p:style>
+      </p:cxnSp>
+      <p:cxnSp>
+        <p:nvCxnSpPr>
+          <p:cNvPr id="54" name="Straight Connector 53"/>
+          <p:cNvCxnSpPr/>
+          <p:nvPr/>
+        </p:nvCxnSpPr>
+        <p:spPr bwMode="auto">
+          <a:xfrm flipV="1">
+            <a:off x="6172200" y="1173911"/>
+            <a:ext cx="838200" cy="609600"/>
+          </a:xfrm>
+          <a:prstGeom prst="line">
+            <a:avLst/>
+          </a:prstGeom>
+          <a:ln>
+            <a:solidFill>
+              <a:srgbClr val="FF0000"/>
+            </a:solidFill>
+            <a:headEnd type="none" w="med" len="med"/>
+            <a:tailEnd type="none" w="med" len="med"/>
+          </a:ln>
+          <a:extLst/>
+        </p:spPr>
+        <p:style>
+          <a:lnRef idx="3">
+            <a:schemeClr val="accent4"/>
+          </a:lnRef>
+          <a:fillRef idx="0">
+            <a:schemeClr val="accent4"/>
+          </a:fillRef>
+          <a:effectRef idx="2">
+            <a:schemeClr val="accent4"/>
+          </a:effectRef>
+          <a:fontRef idx="minor">
+            <a:schemeClr val="tx1"/>
+          </a:fontRef>
+        </p:style>
+      </p:cxnSp>
+      <p:cxnSp>
+        <p:nvCxnSpPr>
+          <p:cNvPr id="55" name="Straight Connector 54"/>
+          <p:cNvCxnSpPr/>
+          <p:nvPr/>
+        </p:nvCxnSpPr>
+        <p:spPr bwMode="auto">
+          <a:xfrm>
+            <a:off x="1143000" y="945311"/>
+            <a:ext cx="1828800" cy="0"/>
+          </a:xfrm>
+          <a:prstGeom prst="line">
+            <a:avLst/>
+          </a:prstGeom>
+          <a:ln>
+            <a:solidFill>
+              <a:srgbClr val="008000"/>
+            </a:solidFill>
+            <a:headEnd type="none" w="med" len="med"/>
+            <a:tailEnd type="none" w="med" len="med"/>
+          </a:ln>
+          <a:extLst/>
+        </p:spPr>
+        <p:style>
+          <a:lnRef idx="3">
+            <a:schemeClr val="accent4"/>
+          </a:lnRef>
+          <a:fillRef idx="0">
+            <a:schemeClr val="accent4"/>
+          </a:fillRef>
+          <a:effectRef idx="2">
+            <a:schemeClr val="accent4"/>
+          </a:effectRef>
+          <a:fontRef idx="minor">
+            <a:schemeClr val="tx1"/>
+          </a:fontRef>
+        </p:style>
+      </p:cxnSp>
+      <p:cxnSp>
+        <p:nvCxnSpPr>
+          <p:cNvPr id="56" name="Straight Connector 55"/>
+          <p:cNvCxnSpPr/>
+          <p:nvPr/>
+        </p:nvCxnSpPr>
+        <p:spPr bwMode="auto">
+          <a:xfrm>
+            <a:off x="1143000" y="945311"/>
+            <a:ext cx="0" cy="1066800"/>
+          </a:xfrm>
+          <a:prstGeom prst="line">
+            <a:avLst/>
+          </a:prstGeom>
+          <a:ln>
+            <a:solidFill>
+              <a:srgbClr val="008000"/>
+            </a:solidFill>
+            <a:headEnd type="none" w="med" len="med"/>
+            <a:tailEnd type="none" w="med" len="med"/>
+          </a:ln>
+          <a:extLst/>
+        </p:spPr>
+        <p:style>
+          <a:lnRef idx="3">
+            <a:schemeClr val="accent4"/>
+          </a:lnRef>
+          <a:fillRef idx="0">
+            <a:schemeClr val="accent4"/>
+          </a:fillRef>
+          <a:effectRef idx="2">
+            <a:schemeClr val="accent4"/>
+          </a:effectRef>
+          <a:fontRef idx="minor">
+            <a:schemeClr val="tx1"/>
+          </a:fontRef>
+        </p:style>
+      </p:cxnSp>
+      <p:cxnSp>
+        <p:nvCxnSpPr>
+          <p:cNvPr id="57" name="Straight Connector 56"/>
+          <p:cNvCxnSpPr/>
+          <p:nvPr/>
+        </p:nvCxnSpPr>
+        <p:spPr bwMode="auto">
+          <a:xfrm>
+            <a:off x="1143000" y="2012111"/>
+            <a:ext cx="1828800" cy="0"/>
+          </a:xfrm>
+          <a:prstGeom prst="line">
+            <a:avLst/>
+          </a:prstGeom>
+          <a:ln>
+            <a:solidFill>
+              <a:srgbClr val="008000"/>
+            </a:solidFill>
+            <a:headEnd type="none" w="med" len="med"/>
+            <a:tailEnd type="none" w="med" len="med"/>
+          </a:ln>
+          <a:extLst/>
+        </p:spPr>
+        <p:style>
+          <a:lnRef idx="3">
+            <a:schemeClr val="accent4"/>
+          </a:lnRef>
+          <a:fillRef idx="0">
+            <a:schemeClr val="accent4"/>
+          </a:fillRef>
+          <a:effectRef idx="2">
+            <a:schemeClr val="accent4"/>
+          </a:effectRef>
+          <a:fontRef idx="minor">
+            <a:schemeClr val="tx1"/>
+          </a:fontRef>
+        </p:style>
+      </p:cxnSp>
+      <p:cxnSp>
+        <p:nvCxnSpPr>
+          <p:cNvPr id="58" name="Straight Connector 57"/>
+          <p:cNvCxnSpPr/>
+          <p:nvPr/>
+        </p:nvCxnSpPr>
+        <p:spPr bwMode="auto">
+          <a:xfrm>
+            <a:off x="2971800" y="945311"/>
+            <a:ext cx="0" cy="1066800"/>
+          </a:xfrm>
+          <a:prstGeom prst="line">
+            <a:avLst/>
+          </a:prstGeom>
+          <a:ln>
+            <a:solidFill>
+              <a:srgbClr val="008000"/>
+            </a:solidFill>
+            <a:headEnd type="none" w="med" len="med"/>
+            <a:tailEnd type="none" w="med" len="med"/>
+          </a:ln>
+          <a:extLst/>
+        </p:spPr>
+        <p:style>
+          <a:lnRef idx="3">
+            <a:schemeClr val="accent4"/>
+          </a:lnRef>
+          <a:fillRef idx="0">
+            <a:schemeClr val="accent4"/>
+          </a:fillRef>
+          <a:effectRef idx="2">
+            <a:schemeClr val="accent4"/>
+          </a:effectRef>
+          <a:fontRef idx="minor">
+            <a:schemeClr val="tx1"/>
+          </a:fontRef>
+        </p:style>
+      </p:cxnSp>
     </p:spTree>
     <p:extLst>
       <p:ext uri="{BB962C8B-B14F-4D97-AF65-F5344CB8AC3E}">
@@ -8103,7 +8352,7 @@
 </p:sld>
 </file>
 
-<file path=ppt/slides/slide19.xml><?xml version="1.0" encoding="utf-8"?>
+<file path=ppt/slides/slide17.xml><?xml version="1.0" encoding="utf-8"?>
 <p:sld xmlns:a="http://schemas.openxmlformats.org/drawingml/2006/main" xmlns:r="http://schemas.openxmlformats.org/officeDocument/2006/relationships" xmlns:p="http://schemas.openxmlformats.org/presentationml/2006/main">
   <p:cSld>
     <p:spTree>
@@ -8809,197 +9058,7 @@
 </p:sld>
 </file>
 
-<file path=ppt/slides/slide2.xml><?xml version="1.0" encoding="utf-8"?>
-<p:sld xmlns:a="http://schemas.openxmlformats.org/drawingml/2006/main" xmlns:r="http://schemas.openxmlformats.org/officeDocument/2006/relationships" xmlns:p="http://schemas.openxmlformats.org/presentationml/2006/main">
-  <p:cSld>
-    <p:spTree>
-      <p:nvGrpSpPr>
-        <p:cNvPr id="1" name=""/>
-        <p:cNvGrpSpPr/>
-        <p:nvPr/>
-      </p:nvGrpSpPr>
-      <p:grpSpPr>
-        <a:xfrm>
-          <a:off x="0" y="0"/>
-          <a:ext cx="0" cy="0"/>
-          <a:chOff x="0" y="0"/>
-          <a:chExt cx="0" cy="0"/>
-        </a:xfrm>
-      </p:grpSpPr>
-      <p:sp>
-        <p:nvSpPr>
-          <p:cNvPr id="2" name="Title 1"/>
-          <p:cNvSpPr>
-            <a:spLocks noGrp="1"/>
-          </p:cNvSpPr>
-          <p:nvPr>
-            <p:ph type="title"/>
-          </p:nvPr>
-        </p:nvSpPr>
-        <p:spPr/>
-        <p:txBody>
-          <a:bodyPr/>
-          <a:lstStyle/>
-          <a:p>
-            <a:r>
-              <a:rPr lang="en-US" dirty="0" smtClean="0"/>
-              <a:t>Outline</a:t>
-            </a:r>
-            <a:endParaRPr lang="en-US" dirty="0"/>
-          </a:p>
-        </p:txBody>
-      </p:sp>
-      <p:sp>
-        <p:nvSpPr>
-          <p:cNvPr id="3" name="Content Placeholder 2"/>
-          <p:cNvSpPr>
-            <a:spLocks noGrp="1"/>
-          </p:cNvSpPr>
-          <p:nvPr>
-            <p:ph idx="1"/>
-          </p:nvPr>
-        </p:nvSpPr>
-        <p:spPr>
-          <a:xfrm>
-            <a:off x="381000" y="1828800"/>
-            <a:ext cx="8229600" cy="3810000"/>
-          </a:xfrm>
-        </p:spPr>
-        <p:txBody>
-          <a:bodyPr/>
-          <a:lstStyle/>
-          <a:p>
-            <a:pPr>
-              <a:spcBef>
-                <a:spcPts val="600"/>
-              </a:spcBef>
-            </a:pPr>
-            <a:r>
-              <a:rPr lang="en-US" sz="1600" b="1" dirty="0" smtClean="0"/>
-              <a:t>Introduction</a:t>
-            </a:r>
-          </a:p>
-          <a:p>
-            <a:pPr lvl="1">
-              <a:spcBef>
-                <a:spcPts val="600"/>
-              </a:spcBef>
-            </a:pPr>
-            <a:r>
-              <a:rPr lang="en-US" sz="1600" dirty="0" smtClean="0"/>
-              <a:t>Background and Problem Statements</a:t>
-            </a:r>
-          </a:p>
-          <a:p>
-            <a:pPr>
-              <a:spcBef>
-                <a:spcPts val="600"/>
-              </a:spcBef>
-            </a:pPr>
-            <a:r>
-              <a:rPr lang="en-US" sz="1600" b="1" dirty="0" smtClean="0"/>
-              <a:t>Methods</a:t>
-            </a:r>
-          </a:p>
-          <a:p>
-            <a:pPr lvl="1">
-              <a:spcBef>
-                <a:spcPts val="600"/>
-              </a:spcBef>
-            </a:pPr>
-            <a:r>
-              <a:rPr lang="en-US" sz="1600" dirty="0" smtClean="0"/>
-              <a:t>Data Preprocessing and Features Extraction</a:t>
-            </a:r>
-          </a:p>
-          <a:p>
-            <a:pPr lvl="1">
-              <a:spcBef>
-                <a:spcPts val="600"/>
-              </a:spcBef>
-            </a:pPr>
-            <a:r>
-              <a:rPr lang="en-US" sz="1600" dirty="0" smtClean="0"/>
-              <a:t>Our approach details</a:t>
-            </a:r>
-          </a:p>
-          <a:p>
-            <a:pPr>
-              <a:spcBef>
-                <a:spcPts val="600"/>
-              </a:spcBef>
-            </a:pPr>
-            <a:r>
-              <a:rPr lang="en-US" sz="1600" b="1" dirty="0" smtClean="0"/>
-              <a:t>Goal</a:t>
-            </a:r>
-            <a:endParaRPr lang="en-US" sz="1600" b="1" dirty="0"/>
-          </a:p>
-          <a:p>
-            <a:pPr lvl="1">
-              <a:spcBef>
-                <a:spcPts val="600"/>
-              </a:spcBef>
-            </a:pPr>
-            <a:r>
-              <a:rPr lang="en-US" sz="1600" dirty="0"/>
-              <a:t>D</a:t>
-            </a:r>
-            <a:r>
-              <a:rPr lang="en-US" sz="1600" dirty="0" smtClean="0"/>
-              <a:t>iscovering </a:t>
-            </a:r>
-            <a:r>
-              <a:rPr lang="en-US" sz="1600" dirty="0"/>
-              <a:t>user behavior based on </a:t>
-            </a:r>
-            <a:r>
-              <a:rPr lang="en-US" sz="1600" dirty="0" smtClean="0"/>
-              <a:t>their smartphone life-log </a:t>
-            </a:r>
-            <a:endParaRPr lang="en-US" sz="1600" dirty="0"/>
-          </a:p>
-          <a:p>
-            <a:pPr lvl="1">
-              <a:spcBef>
-                <a:spcPts val="600"/>
-              </a:spcBef>
-            </a:pPr>
-            <a:r>
-              <a:rPr lang="en-US" sz="1600" dirty="0"/>
-              <a:t>Modeling human behavior for user identification</a:t>
-            </a:r>
-          </a:p>
-          <a:p>
-            <a:pPr marL="0" indent="0">
-              <a:buNone/>
-            </a:pPr>
-            <a:endParaRPr lang="en-US" dirty="0"/>
-          </a:p>
-        </p:txBody>
-      </p:sp>
-    </p:spTree>
-    <p:extLst>
-      <p:ext uri="{BB962C8B-B14F-4D97-AF65-F5344CB8AC3E}">
-        <p14:creationId xmlns:p14="http://schemas.microsoft.com/office/powerpoint/2010/main" val="423926434"/>
-      </p:ext>
-    </p:extLst>
-  </p:cSld>
-  <p:clrMapOvr>
-    <a:masterClrMapping/>
-  </p:clrMapOvr>
-  <p:transition/>
-  <p:timing>
-    <p:tnLst>
-      <p:par>
-        <p:cTn id="1" dur="indefinite" restart="never" nodeType="tmRoot"/>
-      </p:par>
-    </p:tnLst>
-  </p:timing>
-</p:sld>
-</file>
-
-<file path=ppt/slides/slide20.xml><?xml version="1.0" encoding="utf-8"?>
+<file path=ppt/slides/slide18.xml><?xml version="1.0" encoding="utf-8"?>
 <p:sld xmlns:a="http://schemas.openxmlformats.org/drawingml/2006/main" xmlns:r="http://schemas.openxmlformats.org/officeDocument/2006/relationships" xmlns:p="http://schemas.openxmlformats.org/presentationml/2006/main">
   <p:cSld>
     <p:spTree>
@@ -9095,7 +9154,7 @@
 </p:sld>
 </file>
 
-<file path=ppt/slides/slide21.xml><?xml version="1.0" encoding="utf-8"?>
+<file path=ppt/slides/slide19.xml><?xml version="1.0" encoding="utf-8"?>
 <p:sld xmlns:a="http://schemas.openxmlformats.org/drawingml/2006/main" xmlns:r="http://schemas.openxmlformats.org/officeDocument/2006/relationships" xmlns:p="http://schemas.openxmlformats.org/presentationml/2006/main">
   <p:cSld>
     <p:spTree>
@@ -9152,6 +9211,512 @@
     <a:masterClrMapping/>
   </p:clrMapOvr>
   <p:transition/>
+  <p:timing>
+    <p:tnLst>
+      <p:par>
+        <p:cTn id="1" dur="indefinite" restart="never" nodeType="tmRoot"/>
+      </p:par>
+    </p:tnLst>
+  </p:timing>
+</p:sld>
+</file>
+
+<file path=ppt/slides/slide2.xml><?xml version="1.0" encoding="utf-8"?>
+<p:sld xmlns:a="http://schemas.openxmlformats.org/drawingml/2006/main" xmlns:r="http://schemas.openxmlformats.org/officeDocument/2006/relationships" xmlns:p="http://schemas.openxmlformats.org/presentationml/2006/main">
+  <p:cSld>
+    <p:spTree>
+      <p:nvGrpSpPr>
+        <p:cNvPr id="1" name=""/>
+        <p:cNvGrpSpPr/>
+        <p:nvPr/>
+      </p:nvGrpSpPr>
+      <p:grpSpPr>
+        <a:xfrm>
+          <a:off x="0" y="0"/>
+          <a:ext cx="0" cy="0"/>
+          <a:chOff x="0" y="0"/>
+          <a:chExt cx="0" cy="0"/>
+        </a:xfrm>
+      </p:grpSpPr>
+      <p:sp>
+        <p:nvSpPr>
+          <p:cNvPr id="2" name="Title 1"/>
+          <p:cNvSpPr>
+            <a:spLocks noGrp="1"/>
+          </p:cNvSpPr>
+          <p:nvPr>
+            <p:ph type="title"/>
+          </p:nvPr>
+        </p:nvSpPr>
+        <p:spPr/>
+        <p:txBody>
+          <a:bodyPr/>
+          <a:lstStyle/>
+          <a:p>
+            <a:r>
+              <a:rPr lang="en-US" dirty="0" smtClean="0"/>
+              <a:t>Outlines</a:t>
+            </a:r>
+            <a:endParaRPr lang="en-US" dirty="0"/>
+          </a:p>
+        </p:txBody>
+      </p:sp>
+      <p:sp>
+        <p:nvSpPr>
+          <p:cNvPr id="3" name="Content Placeholder 2"/>
+          <p:cNvSpPr>
+            <a:spLocks noGrp="1"/>
+          </p:cNvSpPr>
+          <p:nvPr>
+            <p:ph idx="1"/>
+          </p:nvPr>
+        </p:nvSpPr>
+        <p:spPr>
+          <a:xfrm>
+            <a:off x="381000" y="1828800"/>
+            <a:ext cx="8229600" cy="3810000"/>
+          </a:xfrm>
+        </p:spPr>
+        <p:txBody>
+          <a:bodyPr/>
+          <a:lstStyle/>
+          <a:p>
+            <a:pPr>
+              <a:spcBef>
+                <a:spcPts val="600"/>
+              </a:spcBef>
+            </a:pPr>
+            <a:r>
+              <a:rPr lang="en-US" sz="1600" b="1" dirty="0" smtClean="0"/>
+              <a:t>Introduction</a:t>
+            </a:r>
+          </a:p>
+          <a:p>
+            <a:pPr lvl="1">
+              <a:spcBef>
+                <a:spcPts val="600"/>
+              </a:spcBef>
+            </a:pPr>
+            <a:r>
+              <a:rPr lang="en-US" sz="1600" dirty="0" smtClean="0"/>
+              <a:t>Background and Problem Statements</a:t>
+            </a:r>
+          </a:p>
+          <a:p>
+            <a:pPr>
+              <a:spcBef>
+                <a:spcPts val="600"/>
+              </a:spcBef>
+            </a:pPr>
+            <a:r>
+              <a:rPr lang="en-US" sz="1600" b="1" dirty="0" smtClean="0"/>
+              <a:t>Methods</a:t>
+            </a:r>
+          </a:p>
+          <a:p>
+            <a:pPr lvl="1">
+              <a:spcBef>
+                <a:spcPts val="600"/>
+              </a:spcBef>
+            </a:pPr>
+            <a:r>
+              <a:rPr lang="en-US" sz="1600" dirty="0" smtClean="0"/>
+              <a:t>Data Collection</a:t>
+            </a:r>
+          </a:p>
+          <a:p>
+            <a:pPr lvl="1">
+              <a:spcBef>
+                <a:spcPts val="600"/>
+              </a:spcBef>
+            </a:pPr>
+            <a:r>
+              <a:rPr lang="en-US" sz="1600" dirty="0"/>
+              <a:t>Data Preprocessing and Features </a:t>
+            </a:r>
+            <a:r>
+              <a:rPr lang="en-US" sz="1600" dirty="0" smtClean="0"/>
+              <a:t>Extraction</a:t>
+            </a:r>
+          </a:p>
+          <a:p>
+            <a:pPr lvl="1">
+              <a:spcBef>
+                <a:spcPts val="600"/>
+              </a:spcBef>
+            </a:pPr>
+            <a:r>
+              <a:rPr lang="en-US" sz="1600" dirty="0" smtClean="0"/>
+              <a:t>Our approach details</a:t>
+            </a:r>
+          </a:p>
+          <a:p>
+            <a:pPr>
+              <a:spcBef>
+                <a:spcPts val="600"/>
+              </a:spcBef>
+            </a:pPr>
+            <a:r>
+              <a:rPr lang="en-US" sz="1600" b="1" dirty="0" smtClean="0"/>
+              <a:t>Goal</a:t>
+            </a:r>
+            <a:endParaRPr lang="en-US" sz="1600" b="1" dirty="0"/>
+          </a:p>
+          <a:p>
+            <a:pPr lvl="1">
+              <a:spcBef>
+                <a:spcPts val="600"/>
+              </a:spcBef>
+            </a:pPr>
+            <a:r>
+              <a:rPr lang="en-US" sz="1600" dirty="0"/>
+              <a:t>D</a:t>
+            </a:r>
+            <a:r>
+              <a:rPr lang="en-US" sz="1600" dirty="0" smtClean="0"/>
+              <a:t>iscovering </a:t>
+            </a:r>
+            <a:r>
+              <a:rPr lang="en-US" sz="1600" dirty="0"/>
+              <a:t>user behavior based on </a:t>
+            </a:r>
+            <a:r>
+              <a:rPr lang="en-US" sz="1600" dirty="0" smtClean="0"/>
+              <a:t>their smartphone life-log </a:t>
+            </a:r>
+            <a:endParaRPr lang="en-US" sz="1600" dirty="0"/>
+          </a:p>
+          <a:p>
+            <a:pPr lvl="1">
+              <a:spcBef>
+                <a:spcPts val="600"/>
+              </a:spcBef>
+            </a:pPr>
+            <a:r>
+              <a:rPr lang="en-US" sz="1600" dirty="0"/>
+              <a:t>Modeling human </a:t>
+            </a:r>
+            <a:r>
+              <a:rPr lang="en-US" sz="1600" dirty="0" smtClean="0"/>
+              <a:t>behavior, evaluated for user </a:t>
+            </a:r>
+            <a:r>
+              <a:rPr lang="en-US" sz="1600" dirty="0"/>
+              <a:t>identification</a:t>
+            </a:r>
+          </a:p>
+          <a:p>
+            <a:pPr marL="0" indent="0">
+              <a:buNone/>
+            </a:pPr>
+            <a:endParaRPr lang="en-US" dirty="0"/>
+          </a:p>
+        </p:txBody>
+      </p:sp>
+    </p:spTree>
+    <p:extLst>
+      <p:ext uri="{BB962C8B-B14F-4D97-AF65-F5344CB8AC3E}">
+        <p14:creationId xmlns:p14="http://schemas.microsoft.com/office/powerpoint/2010/main" val="423926434"/>
+      </p:ext>
+    </p:extLst>
+  </p:cSld>
+  <p:clrMapOvr>
+    <a:masterClrMapping/>
+  </p:clrMapOvr>
+  <p:transition/>
+  <p:timing>
+    <p:tnLst>
+      <p:par>
+        <p:cTn id="1" dur="indefinite" restart="never" nodeType="tmRoot"/>
+      </p:par>
+    </p:tnLst>
+  </p:timing>
+</p:sld>
+</file>
+
+<file path=ppt/slides/slide20.xml><?xml version="1.0" encoding="utf-8"?>
+<p:sld xmlns:a="http://schemas.openxmlformats.org/drawingml/2006/main" xmlns:r="http://schemas.openxmlformats.org/officeDocument/2006/relationships" xmlns:p="http://schemas.openxmlformats.org/presentationml/2006/main">
+  <p:cSld>
+    <p:spTree>
+      <p:nvGrpSpPr>
+        <p:cNvPr id="1" name=""/>
+        <p:cNvGrpSpPr/>
+        <p:nvPr/>
+      </p:nvGrpSpPr>
+      <p:grpSpPr>
+        <a:xfrm>
+          <a:off x="0" y="0"/>
+          <a:ext cx="0" cy="0"/>
+          <a:chOff x="0" y="0"/>
+          <a:chExt cx="0" cy="0"/>
+        </a:xfrm>
+      </p:grpSpPr>
+      <p:sp>
+        <p:nvSpPr>
+          <p:cNvPr id="2" name="Title 1"/>
+          <p:cNvSpPr>
+            <a:spLocks noGrp="1"/>
+          </p:cNvSpPr>
+          <p:nvPr>
+            <p:ph type="title"/>
+          </p:nvPr>
+        </p:nvSpPr>
+        <p:spPr/>
+        <p:txBody>
+          <a:bodyPr/>
+          <a:lstStyle/>
+          <a:p>
+            <a:r>
+              <a:rPr lang="en-US" dirty="0" smtClean="0"/>
+              <a:t>Performance Evaluation</a:t>
+            </a:r>
+            <a:endParaRPr lang="en-US" dirty="0"/>
+          </a:p>
+        </p:txBody>
+      </p:sp>
+      <p:sp>
+        <p:nvSpPr>
+          <p:cNvPr id="3" name="Content Placeholder 2"/>
+          <p:cNvSpPr>
+            <a:spLocks noGrp="1"/>
+          </p:cNvSpPr>
+          <p:nvPr>
+            <p:ph idx="1"/>
+          </p:nvPr>
+        </p:nvSpPr>
+        <p:spPr/>
+        <p:txBody>
+          <a:bodyPr/>
+          <a:lstStyle/>
+          <a:p>
+            <a:r>
+              <a:rPr lang="en-US" dirty="0" smtClean="0"/>
+              <a:t>The total dataset collected around 1 month 20 days</a:t>
+            </a:r>
+          </a:p>
+          <a:p>
+            <a:r>
+              <a:rPr lang="en-US" dirty="0" smtClean="0"/>
+              <a:t>We Divide all dataset to two parts </a:t>
+            </a:r>
+          </a:p>
+          <a:p>
+            <a:pPr lvl="1"/>
+            <a:r>
+              <a:rPr lang="en-US" dirty="0" smtClean="0"/>
+              <a:t>First month for creating model (first dataset)</a:t>
+            </a:r>
+          </a:p>
+          <a:p>
+            <a:pPr lvl="1"/>
+            <a:r>
+              <a:rPr lang="en-US" dirty="0" smtClean="0"/>
+              <a:t>Remaining dataset for testing performance (second dataset)</a:t>
+            </a:r>
+          </a:p>
+          <a:p>
+            <a:r>
+              <a:rPr lang="en-US" dirty="0" smtClean="0"/>
+              <a:t>Modeling user behavior based on first dataset, </a:t>
+            </a:r>
+          </a:p>
+          <a:p>
+            <a:pPr lvl="1"/>
+            <a:r>
+              <a:rPr lang="en-US" dirty="0"/>
+              <a:t>B</a:t>
+            </a:r>
+            <a:r>
+              <a:rPr lang="en-US" dirty="0" smtClean="0"/>
+              <a:t>1: Behavior model/profile.</a:t>
+            </a:r>
+          </a:p>
+          <a:p>
+            <a:r>
+              <a:rPr lang="en-US" dirty="0" smtClean="0"/>
+              <a:t>Extract and Process the second dataset.</a:t>
+            </a:r>
+          </a:p>
+          <a:p>
+            <a:r>
+              <a:rPr lang="en-US" dirty="0" smtClean="0"/>
+              <a:t>Apply similarity detection to second dataset with same setting. </a:t>
+            </a:r>
+          </a:p>
+          <a:p>
+            <a:pPr lvl="1"/>
+            <a:r>
+              <a:rPr lang="en-US" dirty="0" smtClean="0"/>
+              <a:t>B2: Set of behavior groups from second dataset.</a:t>
+            </a:r>
+          </a:p>
+          <a:p>
+            <a:r>
+              <a:rPr lang="en-US" dirty="0" smtClean="0"/>
+              <a:t>Is all of B2 identified by (B1)?.</a:t>
+            </a:r>
+          </a:p>
+          <a:p>
+            <a:r>
+              <a:rPr lang="en-US" dirty="0" smtClean="0"/>
+              <a:t>How many set of group activities (B2) which identified by (B1), Calculate the percentage of data identified.</a:t>
+            </a:r>
+          </a:p>
+          <a:p>
+            <a:r>
+              <a:rPr lang="en-US" dirty="0" smtClean="0"/>
+              <a:t>Show result in Table.</a:t>
+            </a:r>
+            <a:endParaRPr lang="en-US" dirty="0"/>
+          </a:p>
+          <a:p>
+            <a:pPr marL="457200" lvl="1" indent="0">
+              <a:buNone/>
+            </a:pPr>
+            <a:endParaRPr lang="en-US" dirty="0"/>
+          </a:p>
+        </p:txBody>
+      </p:sp>
+    </p:spTree>
+    <p:extLst>
+      <p:ext uri="{BB962C8B-B14F-4D97-AF65-F5344CB8AC3E}">
+        <p14:creationId xmlns:p14="http://schemas.microsoft.com/office/powerpoint/2010/main" val="952036327"/>
+      </p:ext>
+    </p:extLst>
+  </p:cSld>
+  <p:clrMapOvr>
+    <a:masterClrMapping/>
+  </p:clrMapOvr>
+  <p:transition/>
+  <p:timing>
+    <p:tnLst>
+      <p:par>
+        <p:cTn id="1" dur="indefinite" restart="never" nodeType="tmRoot"/>
+      </p:par>
+    </p:tnLst>
+  </p:timing>
+</p:sld>
+</file>
+
+<file path=ppt/slides/slide21.xml><?xml version="1.0" encoding="utf-8"?>
+<p:sld xmlns:a="http://schemas.openxmlformats.org/drawingml/2006/main" xmlns:r="http://schemas.openxmlformats.org/officeDocument/2006/relationships" xmlns:p="http://schemas.openxmlformats.org/presentationml/2006/main">
+  <p:cSld>
+    <p:spTree>
+      <p:nvGrpSpPr>
+        <p:cNvPr id="1" name=""/>
+        <p:cNvGrpSpPr/>
+        <p:nvPr/>
+      </p:nvGrpSpPr>
+      <p:grpSpPr>
+        <a:xfrm>
+          <a:off x="0" y="0"/>
+          <a:ext cx="0" cy="0"/>
+          <a:chOff x="0" y="0"/>
+          <a:chExt cx="0" cy="0"/>
+        </a:xfrm>
+      </p:grpSpPr>
+      <p:sp>
+        <p:nvSpPr>
+          <p:cNvPr id="2" name="Title 1"/>
+          <p:cNvSpPr>
+            <a:spLocks noGrp="1"/>
+          </p:cNvSpPr>
+          <p:nvPr>
+            <p:ph type="title"/>
+          </p:nvPr>
+        </p:nvSpPr>
+        <p:spPr/>
+        <p:txBody>
+          <a:bodyPr/>
+          <a:lstStyle/>
+          <a:p>
+            <a:r>
+              <a:rPr lang="en-US" dirty="0" smtClean="0"/>
+              <a:t>Identification result (Only 6 students)</a:t>
+            </a:r>
+            <a:endParaRPr lang="en-US" dirty="0"/>
+          </a:p>
+        </p:txBody>
+      </p:sp>
+      <p:pic>
+        <p:nvPicPr>
+          <p:cNvPr id="5" name="Picture 4"/>
+          <p:cNvPicPr>
+            <a:picLocks noChangeAspect="1"/>
+          </p:cNvPicPr>
+          <p:nvPr/>
+        </p:nvPicPr>
+        <p:blipFill>
+          <a:blip r:embed="rId2">
+            <a:extLst>
+              <a:ext uri="{28A0092B-C50C-407E-A947-70E740481C1C}">
+                <a14:useLocalDpi xmlns:a14="http://schemas.microsoft.com/office/drawing/2010/main" val="0"/>
+              </a:ext>
+            </a:extLst>
+          </a:blip>
+          <a:stretch>
+            <a:fillRect/>
+          </a:stretch>
+        </p:blipFill>
+        <p:spPr>
+          <a:xfrm>
+            <a:off x="533400" y="1676400"/>
+            <a:ext cx="7162800" cy="3899961"/>
+          </a:xfrm>
+          <a:prstGeom prst="rect">
+            <a:avLst/>
+          </a:prstGeom>
+        </p:spPr>
+      </p:pic>
+      <p:sp>
+        <p:nvSpPr>
+          <p:cNvPr id="4" name="Content Placeholder 2"/>
+          <p:cNvSpPr>
+            <a:spLocks noGrp="1"/>
+          </p:cNvSpPr>
+          <p:nvPr>
+            <p:ph idx="1"/>
+          </p:nvPr>
+        </p:nvSpPr>
+        <p:spPr>
+          <a:xfrm>
+            <a:off x="457200" y="5715000"/>
+            <a:ext cx="8229600" cy="411163"/>
+          </a:xfrm>
+        </p:spPr>
+        <p:txBody>
+          <a:bodyPr/>
+          <a:lstStyle/>
+          <a:p>
+            <a:pPr marL="457200" lvl="1" indent="0">
+              <a:buNone/>
+            </a:pPr>
+            <a:r>
+              <a:rPr lang="en-US" dirty="0" smtClean="0"/>
+              <a:t>Full Table can be seen on Appendix, page : 42. </a:t>
+            </a:r>
+            <a:endParaRPr lang="en-US" dirty="0"/>
+          </a:p>
+        </p:txBody>
+      </p:sp>
+    </p:spTree>
+    <p:extLst>
+      <p:ext uri="{BB962C8B-B14F-4D97-AF65-F5344CB8AC3E}">
+        <p14:creationId xmlns:p14="http://schemas.microsoft.com/office/powerpoint/2010/main" val="1020809851"/>
+      </p:ext>
+    </p:extLst>
+  </p:cSld>
+  <p:clrMapOvr>
+    <a:masterClrMapping/>
+  </p:clrMapOvr>
+  <p:transition/>
+  <p:timing>
+    <p:tnLst>
+      <p:par>
+        <p:cTn id="1" dur="indefinite" restart="never" nodeType="tmRoot"/>
+      </p:par>
+    </p:tnLst>
+  </p:timing>
 </p:sld>
 </file>
 
@@ -9182,126 +9747,286 @@
             <p:ph type="title"/>
           </p:nvPr>
         </p:nvSpPr>
-        <p:spPr/>
+        <p:spPr>
+          <a:xfrm>
+            <a:off x="152400" y="457200"/>
+            <a:ext cx="8915400" cy="762000"/>
+          </a:xfrm>
+        </p:spPr>
         <p:txBody>
           <a:bodyPr/>
           <a:lstStyle/>
           <a:p>
             <a:r>
-              <a:rPr lang="en-US" dirty="0" smtClean="0"/>
-              <a:t>Performance Evaluation</a:t>
-            </a:r>
-            <a:endParaRPr lang="en-US" dirty="0"/>
+              <a:rPr lang="en-US" sz="2700" dirty="0" smtClean="0"/>
+              <a:t>Testing Performance by Removing </a:t>
+            </a:r>
+            <a:r>
+              <a:rPr lang="en-US" sz="2700" dirty="0"/>
+              <a:t>S</a:t>
+            </a:r>
+            <a:r>
+              <a:rPr lang="en-US" sz="2700" dirty="0" smtClean="0"/>
+              <a:t>ome Data Sensors</a:t>
+            </a:r>
+            <a:endParaRPr lang="en-US" sz="2700" dirty="0"/>
           </a:p>
         </p:txBody>
       </p:sp>
-      <p:sp>
-        <p:nvSpPr>
-          <p:cNvPr id="3" name="Content Placeholder 2"/>
-          <p:cNvSpPr>
-            <a:spLocks noGrp="1"/>
-          </p:cNvSpPr>
+      <p:pic>
+        <p:nvPicPr>
+          <p:cNvPr id="4" name="Content Placeholder 3"/>
+          <p:cNvPicPr>
+            <a:picLocks noGrp="1" noChangeAspect="1"/>
+          </p:cNvPicPr>
           <p:nvPr>
             <p:ph idx="1"/>
           </p:nvPr>
+        </p:nvPicPr>
+        <p:blipFill>
+          <a:blip r:embed="rId2">
+            <a:extLst>
+              <a:ext uri="{28A0092B-C50C-407E-A947-70E740481C1C}">
+                <a14:useLocalDpi xmlns:a14="http://schemas.microsoft.com/office/drawing/2010/main" val="0"/>
+              </a:ext>
+            </a:extLst>
+          </a:blip>
+          <a:stretch>
+            <a:fillRect/>
+          </a:stretch>
+        </p:blipFill>
+        <p:spPr>
+          <a:xfrm>
+            <a:off x="840319" y="1302604"/>
+            <a:ext cx="7846481" cy="4525963"/>
+          </a:xfrm>
+        </p:spPr>
+      </p:pic>
+      <p:sp>
+        <p:nvSpPr>
+          <p:cNvPr id="5" name="Content Placeholder 2"/>
+          <p:cNvSpPr txBox="1">
+            <a:spLocks/>
+          </p:cNvSpPr>
+          <p:nvPr/>
         </p:nvSpPr>
-        <p:spPr/>
+        <p:spPr bwMode="auto">
+          <a:xfrm>
+            <a:off x="648759" y="5906221"/>
+            <a:ext cx="8229600" cy="411163"/>
+          </a:xfrm>
+          <a:prstGeom prst="rect">
+            <a:avLst/>
+          </a:prstGeom>
+          <a:noFill/>
+          <a:ln>
+            <a:noFill/>
+          </a:ln>
+          <a:effectLst/>
+          <a:extLst>
+            <a:ext uri="{909E8E84-426E-40dd-AFC4-6F175D3DCCD1}">
+              <a14:hiddenFill xmlns="" xmlns:a14="http://schemas.microsoft.com/office/drawing/2010/main">
+                <a:solidFill>
+                  <a:schemeClr val="accent1"/>
+                </a:solidFill>
+              </a14:hiddenFill>
+            </a:ext>
+            <a:ext uri="{91240B29-F687-4f45-9708-019B960494DF}">
+              <a14:hiddenLine xmlns="" xmlns:a14="http://schemas.microsoft.com/office/drawing/2010/main" w="9525">
+                <a:solidFill>
+                  <a:schemeClr val="tx1"/>
+                </a:solidFill>
+                <a:miter lim="800000"/>
+                <a:headEnd/>
+                <a:tailEnd/>
+              </a14:hiddenLine>
+            </a:ext>
+            <a:ext uri="{AF507438-7753-43e0-B8FC-AC1667EBCBE1}">
+              <a14:hiddenEffects xmlns="" xmlns:a14="http://schemas.microsoft.com/office/drawing/2010/main">
+                <a:effectLst>
+                  <a:outerShdw blurRad="63500" dist="38099" dir="2700000" algn="ctr" rotWithShape="0">
+                    <a:schemeClr val="bg2">
+                      <a:alpha val="74998"/>
+                    </a:schemeClr>
+                  </a:outerShdw>
+                </a:effectLst>
+              </a14:hiddenEffects>
+            </a:ext>
+            <a:ext uri="{FAA26D3D-D897-4be2-8F04-BA451C77F1D7}">
+              <ma14:placeholderFlag xmlns="" xmlns:ma14="http://schemas.microsoft.com/office/mac/drawingml/2011/main" val="1"/>
+            </a:ext>
+          </a:extLst>
+        </p:spPr>
         <p:txBody>
-          <a:bodyPr/>
-          <a:lstStyle/>
-          <a:p>
-            <a:r>
-              <a:rPr lang="en-US" dirty="0" smtClean="0"/>
-              <a:t>Total of dataset around 1 month 20 days</a:t>
-            </a:r>
-          </a:p>
-          <a:p>
-            <a:r>
-              <a:rPr lang="en-US" dirty="0" smtClean="0"/>
-              <a:t>We Divide all of dataset to two parts </a:t>
-            </a:r>
-          </a:p>
-          <a:p>
-            <a:pPr lvl="1"/>
-            <a:r>
-              <a:rPr lang="en-US" dirty="0" smtClean="0"/>
-              <a:t>First month for creating model (first dataset)</a:t>
-            </a:r>
-          </a:p>
-          <a:p>
-            <a:pPr lvl="1"/>
-            <a:r>
-              <a:rPr lang="en-US" dirty="0" smtClean="0"/>
-              <a:t>Remaining dataset for testing performance (second dataset)</a:t>
-            </a:r>
-          </a:p>
-          <a:p>
-            <a:r>
-              <a:rPr lang="en-US" dirty="0" smtClean="0"/>
-              <a:t>Modeling user behavior based on first data, </a:t>
-            </a:r>
-          </a:p>
-          <a:p>
-            <a:pPr lvl="1"/>
-            <a:r>
-              <a:rPr lang="en-US" dirty="0"/>
-              <a:t>B</a:t>
-            </a:r>
-            <a:r>
-              <a:rPr lang="en-US" dirty="0" smtClean="0"/>
-              <a:t>1: Behavior model/profile.</a:t>
-            </a:r>
-          </a:p>
-          <a:p>
-            <a:r>
-              <a:rPr lang="en-US" dirty="0" smtClean="0"/>
-              <a:t>Extract and Process the second dataset.</a:t>
-            </a:r>
-          </a:p>
-          <a:p>
-            <a:r>
-              <a:rPr lang="en-US" dirty="0" smtClean="0"/>
-              <a:t>Apply similarity detection to second dataset with same setting. </a:t>
-            </a:r>
-          </a:p>
-          <a:p>
-            <a:pPr lvl="1"/>
-            <a:r>
-              <a:rPr lang="en-US" dirty="0" smtClean="0"/>
-              <a:t>B2: Set of behavior group result from second dataset.</a:t>
-            </a:r>
-          </a:p>
-          <a:p>
-            <a:r>
-              <a:rPr lang="en-US" dirty="0" smtClean="0"/>
-              <a:t>Is the all of B2 identified by Behavior model/profile (B1)?.</a:t>
-            </a:r>
-          </a:p>
-          <a:p>
-            <a:r>
-              <a:rPr lang="en-US" dirty="0" smtClean="0"/>
-              <a:t>How many groups of activities (B2) which identified by behavior model(B1), The percentage of data identified.</a:t>
-            </a:r>
-          </a:p>
-          <a:p>
-            <a:r>
-              <a:rPr lang="en-US" dirty="0" smtClean="0"/>
-              <a:t>Implement this approach for Identification</a:t>
-            </a:r>
-            <a:endParaRPr lang="en-US" dirty="0"/>
-          </a:p>
+          <a:bodyPr vert="horz" wrap="square" lIns="91440" tIns="45720" rIns="91440" bIns="45720" numCol="1" anchor="t" anchorCtr="0" compatLnSpc="1">
+            <a:prstTxWarp prst="textNoShape">
+              <a:avLst/>
+            </a:prstTxWarp>
+          </a:bodyPr>
+          <a:lstStyle>
+            <a:lvl1pPr marL="342900" indent="-342900" algn="l" rtl="0" fontAlgn="base">
+              <a:spcBef>
+                <a:spcPct val="20000"/>
+              </a:spcBef>
+              <a:spcAft>
+                <a:spcPct val="0"/>
+              </a:spcAft>
+              <a:buChar char="•"/>
+              <a:defRPr sz="2000">
+                <a:solidFill>
+                  <a:schemeClr val="tx1"/>
+                </a:solidFill>
+                <a:latin typeface="+mn-lt"/>
+                <a:ea typeface="+mn-ea"/>
+                <a:cs typeface="+mn-cs"/>
+              </a:defRPr>
+            </a:lvl1pPr>
+            <a:lvl2pPr marL="742950" indent="-285750" algn="l" rtl="0" fontAlgn="base">
+              <a:spcBef>
+                <a:spcPct val="20000"/>
+              </a:spcBef>
+              <a:spcAft>
+                <a:spcPct val="0"/>
+              </a:spcAft>
+              <a:buChar char="–"/>
+              <a:defRPr>
+                <a:solidFill>
+                  <a:schemeClr val="tx1"/>
+                </a:solidFill>
+                <a:latin typeface="+mn-lt"/>
+                <a:ea typeface="+mn-ea"/>
+              </a:defRPr>
+            </a:lvl2pPr>
+            <a:lvl3pPr marL="1143000" indent="-228600" algn="l" rtl="0" fontAlgn="base">
+              <a:spcBef>
+                <a:spcPct val="20000"/>
+              </a:spcBef>
+              <a:spcAft>
+                <a:spcPct val="0"/>
+              </a:spcAft>
+              <a:buChar char="•"/>
+              <a:defRPr sz="1600">
+                <a:solidFill>
+                  <a:schemeClr val="tx1"/>
+                </a:solidFill>
+                <a:latin typeface="+mn-lt"/>
+                <a:ea typeface="+mn-ea"/>
+              </a:defRPr>
+            </a:lvl3pPr>
+            <a:lvl4pPr marL="1600200" indent="-228600" algn="l" rtl="0" fontAlgn="base">
+              <a:spcBef>
+                <a:spcPct val="20000"/>
+              </a:spcBef>
+              <a:spcAft>
+                <a:spcPct val="0"/>
+              </a:spcAft>
+              <a:buChar char="–"/>
+              <a:defRPr sz="1400">
+                <a:solidFill>
+                  <a:schemeClr val="tx1"/>
+                </a:solidFill>
+                <a:latin typeface="+mn-lt"/>
+                <a:ea typeface="+mn-ea"/>
+              </a:defRPr>
+            </a:lvl4pPr>
+            <a:lvl5pPr marL="2057400" indent="-228600" algn="l" rtl="0" fontAlgn="base">
+              <a:spcBef>
+                <a:spcPct val="20000"/>
+              </a:spcBef>
+              <a:spcAft>
+                <a:spcPct val="0"/>
+              </a:spcAft>
+              <a:buChar char="»"/>
+              <a:defRPr sz="1400">
+                <a:solidFill>
+                  <a:schemeClr val="tx1"/>
+                </a:solidFill>
+                <a:latin typeface="+mn-lt"/>
+                <a:ea typeface="+mn-ea"/>
+              </a:defRPr>
+            </a:lvl5pPr>
+            <a:lvl6pPr marL="2514600" indent="-228600" algn="l" rtl="0" fontAlgn="base">
+              <a:spcBef>
+                <a:spcPct val="20000"/>
+              </a:spcBef>
+              <a:spcAft>
+                <a:spcPct val="0"/>
+              </a:spcAft>
+              <a:buChar char="»"/>
+              <a:defRPr sz="1400">
+                <a:solidFill>
+                  <a:schemeClr val="tx1"/>
+                </a:solidFill>
+                <a:latin typeface="+mn-lt"/>
+                <a:ea typeface="+mn-ea"/>
+              </a:defRPr>
+            </a:lvl6pPr>
+            <a:lvl7pPr marL="2971800" indent="-228600" algn="l" rtl="0" fontAlgn="base">
+              <a:spcBef>
+                <a:spcPct val="20000"/>
+              </a:spcBef>
+              <a:spcAft>
+                <a:spcPct val="0"/>
+              </a:spcAft>
+              <a:buChar char="»"/>
+              <a:defRPr sz="1400">
+                <a:solidFill>
+                  <a:schemeClr val="tx1"/>
+                </a:solidFill>
+                <a:latin typeface="+mn-lt"/>
+                <a:ea typeface="+mn-ea"/>
+              </a:defRPr>
+            </a:lvl7pPr>
+            <a:lvl8pPr marL="3429000" indent="-228600" algn="l" rtl="0" fontAlgn="base">
+              <a:spcBef>
+                <a:spcPct val="20000"/>
+              </a:spcBef>
+              <a:spcAft>
+                <a:spcPct val="0"/>
+              </a:spcAft>
+              <a:buChar char="»"/>
+              <a:defRPr sz="1400">
+                <a:solidFill>
+                  <a:schemeClr val="tx1"/>
+                </a:solidFill>
+                <a:latin typeface="+mn-lt"/>
+                <a:ea typeface="+mn-ea"/>
+              </a:defRPr>
+            </a:lvl8pPr>
+            <a:lvl9pPr marL="3886200" indent="-228600" algn="l" rtl="0" fontAlgn="base">
+              <a:spcBef>
+                <a:spcPct val="20000"/>
+              </a:spcBef>
+              <a:spcAft>
+                <a:spcPct val="0"/>
+              </a:spcAft>
+              <a:buChar char="»"/>
+              <a:defRPr sz="1400">
+                <a:solidFill>
+                  <a:schemeClr val="tx1"/>
+                </a:solidFill>
+                <a:latin typeface="+mn-lt"/>
+                <a:ea typeface="+mn-ea"/>
+              </a:defRPr>
+            </a:lvl9pPr>
+          </a:lstStyle>
           <a:p>
             <a:pPr marL="457200" lvl="1" indent="0">
+              <a:buFontTx/>
               <a:buNone/>
             </a:pPr>
-            <a:endParaRPr lang="en-US" dirty="0"/>
+            <a:r>
+              <a:rPr lang="en-US" sz="1800" b="0" kern="0" dirty="0" smtClean="0"/>
+              <a:t>Full Figure can be seen on Appendix, page : 48. </a:t>
+            </a:r>
+            <a:endParaRPr lang="en-US" sz="1800" b="0" kern="0" dirty="0"/>
           </a:p>
         </p:txBody>
       </p:sp>
     </p:spTree>
     <p:extLst>
       <p:ext uri="{BB962C8B-B14F-4D97-AF65-F5344CB8AC3E}">
-        <p14:creationId xmlns:p14="http://schemas.microsoft.com/office/powerpoint/2010/main" val="952036327"/>
+        <p14:creationId xmlns:p14="http://schemas.microsoft.com/office/powerpoint/2010/main" val="1943273115"/>
       </p:ext>
     </p:extLst>
   </p:cSld>
@@ -9353,46 +10078,125 @@
           <a:p>
             <a:r>
               <a:rPr lang="en-US" dirty="0" smtClean="0"/>
-              <a:t>Identification result (Only 6 students)</a:t>
+              <a:t>Conclusions</a:t>
             </a:r>
             <a:endParaRPr lang="en-US" dirty="0"/>
           </a:p>
         </p:txBody>
       </p:sp>
-      <p:pic>
-        <p:nvPicPr>
-          <p:cNvPr id="5" name="Picture 4"/>
-          <p:cNvPicPr>
-            <a:picLocks noChangeAspect="1"/>
-          </p:cNvPicPr>
-          <p:nvPr/>
-        </p:nvPicPr>
-        <p:blipFill>
-          <a:blip r:embed="rId2">
-            <a:extLst>
-              <a:ext uri="{28A0092B-C50C-407E-A947-70E740481C1C}">
-                <a14:useLocalDpi xmlns:a14="http://schemas.microsoft.com/office/drawing/2010/main" val="0"/>
-              </a:ext>
-            </a:extLst>
-          </a:blip>
-          <a:stretch>
-            <a:fillRect/>
-          </a:stretch>
-        </p:blipFill>
+      <p:sp>
+        <p:nvSpPr>
+          <p:cNvPr id="3" name="Content Placeholder 2"/>
+          <p:cNvSpPr>
+            <a:spLocks noGrp="1"/>
+          </p:cNvSpPr>
+          <p:nvPr>
+            <p:ph idx="1"/>
+          </p:nvPr>
+        </p:nvSpPr>
         <p:spPr>
           <a:xfrm>
-            <a:off x="533400" y="1676400"/>
-            <a:ext cx="7162800" cy="3899961"/>
+            <a:off x="381000" y="1752600"/>
+            <a:ext cx="8229600" cy="4038600"/>
           </a:xfrm>
-          <a:prstGeom prst="rect">
-            <a:avLst/>
-          </a:prstGeom>
         </p:spPr>
-      </p:pic>
+        <p:txBody>
+          <a:bodyPr/>
+          <a:lstStyle/>
+          <a:p>
+            <a:pPr lvl="1">
+              <a:buFont typeface="Wingdings" panose="05000000000000000000" pitchFamily="2" charset="2"/>
+              <a:buChar char="Ø"/>
+            </a:pPr>
+            <a:r>
+              <a:rPr lang="en-US" dirty="0" smtClean="0"/>
+              <a:t>In </a:t>
+            </a:r>
+            <a:r>
+              <a:rPr lang="en-US" dirty="0"/>
+              <a:t>this thesis, we </a:t>
+            </a:r>
+            <a:r>
+              <a:rPr lang="en-US" dirty="0" smtClean="0"/>
+              <a:t>have proposed a approach for daily behavioral pattern mining or discovering human behavior from multiple information (data sensors).</a:t>
+            </a:r>
+          </a:p>
+          <a:p>
+            <a:pPr lvl="1">
+              <a:buFont typeface="Wingdings" panose="05000000000000000000" pitchFamily="2" charset="2"/>
+              <a:buChar char="Ø"/>
+            </a:pPr>
+            <a:r>
+              <a:rPr lang="en-US" dirty="0"/>
+              <a:t>We use and combine </a:t>
+            </a:r>
+            <a:r>
+              <a:rPr lang="en-US" dirty="0" smtClean="0"/>
+              <a:t>many </a:t>
+            </a:r>
+            <a:r>
+              <a:rPr lang="en-US" dirty="0"/>
+              <a:t>sensors instead only focus on one sensors because we realize </a:t>
+            </a:r>
+            <a:r>
+              <a:rPr lang="en-US" dirty="0" smtClean="0"/>
+              <a:t>about realistic dataset.</a:t>
+            </a:r>
+          </a:p>
+          <a:p>
+            <a:pPr lvl="1">
+              <a:buFont typeface="Wingdings" panose="05000000000000000000" pitchFamily="2" charset="2"/>
+              <a:buChar char="Ø"/>
+            </a:pPr>
+            <a:r>
+              <a:rPr lang="en-US" dirty="0" smtClean="0"/>
+              <a:t>To evaluate our model, we use our model for human identification. </a:t>
+            </a:r>
+          </a:p>
+          <a:p>
+            <a:pPr lvl="1">
+              <a:buFont typeface="Wingdings" panose="05000000000000000000" pitchFamily="2" charset="2"/>
+              <a:buChar char="Ø"/>
+            </a:pPr>
+            <a:r>
+              <a:rPr lang="en-US" dirty="0"/>
+              <a:t>Based on </a:t>
+            </a:r>
+            <a:r>
+              <a:rPr lang="en-US" dirty="0" smtClean="0"/>
+              <a:t>identification result</a:t>
+            </a:r>
+            <a:r>
+              <a:rPr lang="en-US" dirty="0"/>
+              <a:t>, we can see that our </a:t>
+            </a:r>
+            <a:r>
+              <a:rPr lang="en-US" dirty="0" smtClean="0"/>
+              <a:t>model </a:t>
+            </a:r>
+            <a:r>
+              <a:rPr lang="en-US" dirty="0"/>
+              <a:t>is good enough for user identification. We have tried </a:t>
+            </a:r>
+            <a:r>
+              <a:rPr lang="en-US" dirty="0" smtClean="0"/>
+              <a:t>to </a:t>
+            </a:r>
+            <a:r>
+              <a:rPr lang="en-US" dirty="0"/>
+              <a:t>remove one or more </a:t>
+            </a:r>
+            <a:r>
+              <a:rPr lang="en-US" dirty="0" smtClean="0"/>
+              <a:t>data sensors and accuracy values is still good enough.</a:t>
+            </a:r>
+          </a:p>
+        </p:txBody>
+      </p:sp>
     </p:spTree>
     <p:extLst>
       <p:ext uri="{BB962C8B-B14F-4D97-AF65-F5344CB8AC3E}">
-        <p14:creationId xmlns:p14="http://schemas.microsoft.com/office/powerpoint/2010/main" val="1020809851"/>
+        <p14:creationId xmlns:p14="http://schemas.microsoft.com/office/powerpoint/2010/main" val="4264083371"/>
       </p:ext>
     </p:extLst>
   </p:cSld>
@@ -9427,46 +10231,13 @@
           <a:chExt cx="0" cy="0"/>
         </a:xfrm>
       </p:grpSpPr>
-      <p:sp>
-        <p:nvSpPr>
-          <p:cNvPr id="2" name="Title 1"/>
-          <p:cNvSpPr>
-            <a:spLocks noGrp="1"/>
-          </p:cNvSpPr>
-          <p:nvPr>
-            <p:ph type="title"/>
-          </p:nvPr>
-        </p:nvSpPr>
-        <p:spPr/>
-        <p:txBody>
-          <a:bodyPr/>
-          <a:lstStyle/>
-          <a:p>
-            <a:r>
-              <a:rPr lang="en-US" dirty="0" smtClean="0"/>
-              <a:t>Testing Performance by Removing </a:t>
-            </a:r>
-            <a:r>
-              <a:rPr lang="en-US" dirty="0"/>
-              <a:t>S</a:t>
-            </a:r>
-            <a:r>
-              <a:rPr lang="en-US" dirty="0" smtClean="0"/>
-              <a:t>ome Features</a:t>
-            </a:r>
-            <a:endParaRPr lang="en-US" dirty="0"/>
-          </a:p>
-        </p:txBody>
-      </p:sp>
       <p:pic>
         <p:nvPicPr>
-          <p:cNvPr id="4" name="Content Placeholder 3"/>
+          <p:cNvPr id="5" name="Picture 4"/>
           <p:cNvPicPr>
-            <a:picLocks noGrp="1" noChangeAspect="1"/>
+            <a:picLocks noChangeAspect="1"/>
           </p:cNvPicPr>
-          <p:nvPr>
-            <p:ph idx="1"/>
-          </p:nvPr>
+          <p:nvPr/>
         </p:nvPicPr>
         <p:blipFill>
           <a:blip r:embed="rId2">
@@ -9482,15 +10253,18 @@
         </p:blipFill>
         <p:spPr>
           <a:xfrm>
-            <a:off x="840319" y="1600200"/>
-            <a:ext cx="7846481" cy="4525963"/>
+            <a:off x="304800" y="1371600"/>
+            <a:ext cx="8001000" cy="3983620"/>
           </a:xfrm>
+          <a:prstGeom prst="rect">
+            <a:avLst/>
+          </a:prstGeom>
         </p:spPr>
       </p:pic>
     </p:spTree>
     <p:extLst>
       <p:ext uri="{BB962C8B-B14F-4D97-AF65-F5344CB8AC3E}">
-        <p14:creationId xmlns:p14="http://schemas.microsoft.com/office/powerpoint/2010/main" val="1943273115"/>
+        <p14:creationId xmlns:p14="http://schemas.microsoft.com/office/powerpoint/2010/main" val="2375248783"/>
       </p:ext>
     </p:extLst>
   </p:cSld>
@@ -9498,6 +10272,13 @@
     <a:masterClrMapping/>
   </p:clrMapOvr>
   <p:transition/>
+  <p:timing>
+    <p:tnLst>
+      <p:par>
+        <p:cTn id="1" dur="indefinite" restart="never" nodeType="tmRoot"/>
+      </p:par>
+    </p:tnLst>
+  </p:timing>
 </p:sld>
 </file>
 
@@ -9534,8 +10315,12 @@
           <a:lstStyle/>
           <a:p>
             <a:r>
-              <a:rPr lang="en-US" dirty="0" smtClean="0"/>
-              <a:t>Conclusion and Future Works</a:t>
+              <a:rPr lang="en-US" b="1" dirty="0"/>
+              <a:t>Future </a:t>
+            </a:r>
+            <a:r>
+              <a:rPr lang="en-US" b="1" dirty="0" smtClean="0"/>
+              <a:t>Works</a:t>
             </a:r>
             <a:endParaRPr lang="en-US" dirty="0"/>
           </a:p>
@@ -9553,88 +10338,115 @@
         </p:nvSpPr>
         <p:spPr>
           <a:xfrm>
-            <a:off x="457200" y="1600200"/>
-            <a:ext cx="8229600" cy="4648200"/>
+            <a:off x="4312" y="1524000"/>
+            <a:ext cx="9139687" cy="4525963"/>
           </a:xfrm>
         </p:spPr>
         <p:txBody>
           <a:bodyPr/>
           <a:lstStyle/>
           <a:p>
-            <a:r>
-              <a:rPr lang="en-US" b="1" dirty="0" smtClean="0"/>
-              <a:t>Conclusion</a:t>
-            </a:r>
-          </a:p>
-          <a:p>
-            <a:pPr lvl="1"/>
+            <a:pPr lvl="1">
+              <a:buFont typeface="Wingdings" panose="05000000000000000000" pitchFamily="2" charset="2"/>
+              <a:buChar char="Ø"/>
+            </a:pPr>
+            <a:r>
+              <a:rPr lang="en-US" dirty="0" smtClean="0"/>
+              <a:t>Change </a:t>
+            </a:r>
             <a:r>
               <a:rPr lang="en-US" dirty="0"/>
-              <a:t>In this thesis, we proposed approach that can used for user identification by building human behavior </a:t>
+              <a:t>the size </a:t>
             </a:r>
             <a:r>
               <a:rPr lang="en-US" dirty="0" smtClean="0"/>
-              <a:t>model based on smartphone life-log data.</a:t>
-            </a:r>
-          </a:p>
-          <a:p>
-            <a:pPr lvl="1"/>
+              <a:t>of window (find optimal window), current size is static (2 days).</a:t>
+            </a:r>
+          </a:p>
+          <a:p>
+            <a:pPr lvl="1">
+              <a:buFont typeface="Wingdings" panose="05000000000000000000" pitchFamily="2" charset="2"/>
+              <a:buChar char="Ø"/>
+            </a:pPr>
+            <a:r>
+              <a:rPr lang="en-US" dirty="0" smtClean="0"/>
+              <a:t>Use </a:t>
+            </a:r>
             <a:r>
               <a:rPr lang="en-US" dirty="0"/>
-              <a:t>We use and combine of many sensors instead only focus on one sensors because we realize that sometimes user does not has data from one or more sensors. </a:t>
-            </a:r>
-            <a:endParaRPr lang="en-US" dirty="0" smtClean="0"/>
-          </a:p>
-          <a:p>
-            <a:pPr lvl="1"/>
+              <a:t>different time </a:t>
+            </a:r>
+            <a:r>
+              <a:rPr lang="en-US" dirty="0" smtClean="0"/>
+              <a:t>precision (10, 15, 30 minutes), current is one hour. </a:t>
+            </a:r>
+          </a:p>
+          <a:p>
+            <a:pPr lvl="1">
+              <a:buFont typeface="Wingdings" panose="05000000000000000000" pitchFamily="2" charset="2"/>
+              <a:buChar char="Ø"/>
+            </a:pPr>
+            <a:r>
+              <a:rPr lang="en-US" dirty="0" smtClean="0"/>
+              <a:t>Use window </a:t>
+            </a:r>
             <a:r>
               <a:rPr lang="en-US" dirty="0"/>
-              <a:t>Based on our result, we can see that our approach is good enough for user identification. We have tried also to remove one or more features and then observe the accuracy </a:t>
+              <a:t>in vertical when compare between </a:t>
             </a:r>
             <a:r>
               <a:rPr lang="en-US" dirty="0" smtClean="0"/>
-              <a:t>values.</a:t>
-            </a:r>
-          </a:p>
-          <a:p>
-            <a:r>
-              <a:rPr lang="en-US" b="1" dirty="0" smtClean="0"/>
-              <a:t>Future Works</a:t>
-            </a:r>
-            <a:endParaRPr lang="en-US" b="1" dirty="0"/>
-          </a:p>
-          <a:p>
-            <a:pPr lvl="1"/>
+              <a:t>days (It will compare between same days in different week).</a:t>
+            </a:r>
+          </a:p>
+          <a:p>
+            <a:pPr lvl="1">
+              <a:buFont typeface="Wingdings" panose="05000000000000000000" pitchFamily="2" charset="2"/>
+              <a:buChar char="Ø"/>
+            </a:pPr>
             <a:r>
               <a:rPr lang="en-US" dirty="0" smtClean="0"/>
-              <a:t>Change the size of window</a:t>
-            </a:r>
-          </a:p>
-          <a:p>
-            <a:pPr lvl="1"/>
+              <a:t>Update Model (It will make system better and better but how about storage).</a:t>
+            </a:r>
+          </a:p>
+          <a:p>
+            <a:pPr lvl="1">
+              <a:buFont typeface="Wingdings" panose="05000000000000000000" pitchFamily="2" charset="2"/>
+              <a:buChar char="Ø"/>
+            </a:pPr>
             <a:r>
               <a:rPr lang="en-US" dirty="0" smtClean="0"/>
-              <a:t>Use different time precision</a:t>
-            </a:r>
-          </a:p>
-          <a:p>
-            <a:pPr lvl="1"/>
+              <a:t>Find best number of days for creating model.</a:t>
+            </a:r>
+          </a:p>
+          <a:p>
+            <a:pPr lvl="1">
+              <a:buFont typeface="Wingdings" panose="05000000000000000000" pitchFamily="2" charset="2"/>
+              <a:buChar char="Ø"/>
+            </a:pPr>
             <a:r>
               <a:rPr lang="en-US" dirty="0" smtClean="0"/>
-              <a:t>Use size window in vertical when compare between days</a:t>
-            </a:r>
+              <a:t>Big goal of this research is to develop smart personal assistant. </a:t>
+            </a:r>
+          </a:p>
+          <a:p>
+            <a:pPr marL="457200" lvl="1" indent="0">
+              <a:buNone/>
+            </a:pPr>
             <a:endParaRPr lang="en-US" dirty="0"/>
           </a:p>
           <a:p>
-            <a:pPr lvl="1"/>
-            <a:endParaRPr lang="en-US" dirty="0" smtClean="0"/>
+            <a:pPr marL="0" indent="0">
+              <a:buNone/>
+            </a:pPr>
+            <a:endParaRPr lang="en-US" dirty="0"/>
           </a:p>
         </p:txBody>
       </p:sp>
     </p:spTree>
     <p:extLst>
       <p:ext uri="{BB962C8B-B14F-4D97-AF65-F5344CB8AC3E}">
-        <p14:creationId xmlns:p14="http://schemas.microsoft.com/office/powerpoint/2010/main" val="4264083371"/>
+        <p14:creationId xmlns:p14="http://schemas.microsoft.com/office/powerpoint/2010/main" val="3963705007"/>
       </p:ext>
     </p:extLst>
   </p:cSld>
@@ -9642,6 +10454,13 @@
     <a:masterClrMapping/>
   </p:clrMapOvr>
   <p:transition/>
+  <p:timing>
+    <p:tnLst>
+      <p:par>
+        <p:cTn id="1" dur="indefinite" restart="never" nodeType="tmRoot"/>
+      </p:par>
+    </p:tnLst>
+  </p:timing>
 </p:sld>
 </file>
 
@@ -9710,96 +10529,38 @@
           <a:bodyPr/>
           <a:lstStyle/>
           <a:p>
-            <a:pPr lvl="0" algn="just"/>
-            <a:r>
-              <a:rPr lang="en-US" sz="1800" dirty="0"/>
+            <a:pPr marL="0" lvl="0" indent="0" algn="just">
+              <a:buNone/>
+            </a:pPr>
+            <a:r>
+              <a:rPr lang="en-US" sz="1800" i="1">
+                <a:solidFill>
+                  <a:srgbClr val="00B050"/>
+                </a:solidFill>
+              </a:rPr>
               <a:t>Common </a:t>
             </a:r>
             <a:r>
+              <a:rPr lang="en-US" sz="1800" i="1" smtClean="0">
+                <a:solidFill>
+                  <a:srgbClr val="00B050"/>
+                </a:solidFill>
+              </a:rPr>
+              <a:t>approaches </a:t>
+            </a:r>
+            <a:endParaRPr lang="en-US" sz="1800" i="1" dirty="0" smtClean="0">
+              <a:solidFill>
+                <a:srgbClr val="00B050"/>
+              </a:solidFill>
+            </a:endParaRPr>
+          </a:p>
+          <a:p>
+            <a:pPr algn="just"/>
+            <a:r>
               <a:rPr lang="en-US" sz="1800" dirty="0" smtClean="0"/>
-              <a:t>approach -&gt; one features for one purpose. </a:t>
+              <a:t>Most of previous works is focus on one sensor for one purpose. </a:t>
             </a:r>
             <a:endParaRPr lang="en-US" sz="1800" dirty="0"/>
-          </a:p>
-          <a:p>
-            <a:pPr lvl="0" algn="just"/>
-            <a:r>
-              <a:rPr lang="en-US" sz="1800" dirty="0" smtClean="0"/>
-              <a:t>User </a:t>
-            </a:r>
-            <a:r>
-              <a:rPr lang="en-US" sz="1800" dirty="0"/>
-              <a:t>has different </a:t>
-            </a:r>
-            <a:r>
-              <a:rPr lang="en-US" sz="1800" dirty="0" smtClean="0"/>
-              <a:t>types </a:t>
-            </a:r>
-            <a:r>
-              <a:rPr lang="en-US" sz="1800" dirty="0"/>
-              <a:t>and brand of </a:t>
-            </a:r>
-            <a:r>
-              <a:rPr lang="en-US" sz="1800" dirty="0" smtClean="0"/>
-              <a:t>smartphone. </a:t>
-            </a:r>
-          </a:p>
-          <a:p>
-            <a:pPr lvl="0" algn="just"/>
-            <a:r>
-              <a:rPr lang="en-US" sz="1800" dirty="0" smtClean="0"/>
-              <a:t>We </a:t>
-            </a:r>
-            <a:r>
-              <a:rPr lang="en-US" sz="1800" dirty="0"/>
-              <a:t>could not expect the human actions </a:t>
-            </a:r>
-            <a:r>
-              <a:rPr lang="en-US" sz="1800" dirty="0" smtClean="0"/>
-              <a:t>and activities</a:t>
-            </a:r>
-            <a:r>
-              <a:rPr lang="en-US" sz="1800" dirty="0" smtClean="0"/>
-              <a:t>.</a:t>
-            </a:r>
-          </a:p>
-          <a:p>
-            <a:pPr lvl="0" algn="just"/>
-            <a:r>
-              <a:rPr lang="en-US" sz="1800" dirty="0" smtClean="0"/>
-              <a:t>There </a:t>
-            </a:r>
-            <a:r>
-              <a:rPr lang="en-US" sz="1800" dirty="0"/>
-              <a:t>is no ideal data collection </a:t>
-            </a:r>
-            <a:r>
-              <a:rPr lang="en-US" sz="1800" smtClean="0"/>
-              <a:t>which running for </a:t>
-            </a:r>
-            <a:r>
-              <a:rPr lang="en-US" sz="1800" dirty="0" smtClean="0"/>
-              <a:t>24 </a:t>
-            </a:r>
-            <a:r>
-              <a:rPr lang="en-US" sz="1800" dirty="0"/>
-              <a:t>hour </a:t>
-            </a:r>
-            <a:r>
-              <a:rPr lang="en-US" sz="1800" dirty="0" smtClean="0"/>
-              <a:t>non-stop.</a:t>
-            </a:r>
-          </a:p>
-          <a:p>
-            <a:pPr lvl="0" algn="just"/>
-            <a:r>
-              <a:rPr lang="en-US" sz="1800" dirty="0" smtClean="0"/>
-              <a:t>There </a:t>
-            </a:r>
-            <a:r>
-              <a:rPr lang="en-US" sz="1800" dirty="0"/>
-              <a:t>is no ideal data collection that can record all of data without any data loss.</a:t>
-            </a:r>
           </a:p>
           <a:p>
             <a:pPr marL="0" lvl="0" indent="0" algn="just">
@@ -9812,20 +10573,116 @@
               <a:buNone/>
             </a:pPr>
             <a:r>
+              <a:rPr lang="en-US" sz="1800" i="1" dirty="0" smtClean="0">
+                <a:solidFill>
+                  <a:srgbClr val="00B050"/>
+                </a:solidFill>
+              </a:rPr>
+              <a:t>Realistic Dataset</a:t>
+            </a:r>
+            <a:endParaRPr lang="en-US" sz="1800" i="1" dirty="0">
+              <a:solidFill>
+                <a:srgbClr val="00B050"/>
+              </a:solidFill>
+            </a:endParaRPr>
+          </a:p>
+          <a:p>
+            <a:pPr lvl="0" algn="just"/>
+            <a:r>
+              <a:rPr lang="en-US" sz="1800" dirty="0" smtClean="0"/>
+              <a:t>User </a:t>
+            </a:r>
+            <a:r>
+              <a:rPr lang="en-US" sz="1800" dirty="0"/>
+              <a:t>has different </a:t>
+            </a:r>
+            <a:r>
+              <a:rPr lang="en-US" sz="1800" dirty="0" smtClean="0"/>
+              <a:t>types </a:t>
+            </a:r>
+            <a:r>
+              <a:rPr lang="en-US" sz="1800" dirty="0"/>
+              <a:t>and brand of </a:t>
+            </a:r>
+            <a:r>
+              <a:rPr lang="en-US" sz="1800" dirty="0" smtClean="0"/>
+              <a:t>smartphone. </a:t>
+            </a:r>
+          </a:p>
+          <a:p>
+            <a:pPr lvl="0" algn="just"/>
+            <a:r>
+              <a:rPr lang="en-US" sz="1800" dirty="0" smtClean="0"/>
+              <a:t>We </a:t>
+            </a:r>
+            <a:r>
+              <a:rPr lang="en-US" sz="1800" dirty="0"/>
+              <a:t>could not expect the human actions </a:t>
+            </a:r>
+            <a:r>
+              <a:rPr lang="en-US" sz="1800" dirty="0" smtClean="0"/>
+              <a:t>and activities.</a:t>
+            </a:r>
+          </a:p>
+          <a:p>
+            <a:pPr lvl="0" algn="just"/>
+            <a:r>
+              <a:rPr lang="en-US" sz="1800" dirty="0" smtClean="0"/>
+              <a:t>There </a:t>
+            </a:r>
+            <a:r>
+              <a:rPr lang="en-US" sz="1800" dirty="0"/>
+              <a:t>is no ideal data collection </a:t>
+            </a:r>
+            <a:r>
+              <a:rPr lang="en-US" sz="1800" dirty="0" smtClean="0"/>
+              <a:t>which running for 24 </a:t>
+            </a:r>
+            <a:r>
+              <a:rPr lang="en-US" sz="1800" dirty="0"/>
+              <a:t>hour </a:t>
+            </a:r>
+            <a:r>
+              <a:rPr lang="en-US" sz="1800" dirty="0" smtClean="0"/>
+              <a:t>non-stop.</a:t>
+            </a:r>
+          </a:p>
+          <a:p>
+            <a:pPr lvl="0" algn="just"/>
+            <a:r>
+              <a:rPr lang="en-US" sz="1800" dirty="0" smtClean="0"/>
+              <a:t>There </a:t>
+            </a:r>
+            <a:r>
+              <a:rPr lang="en-US" sz="1800" dirty="0"/>
+              <a:t>is no ideal data collection that can record all of data without any data loss</a:t>
+            </a:r>
+            <a:r>
+              <a:rPr lang="en-US" sz="1800" dirty="0" smtClean="0"/>
+              <a:t>.</a:t>
+            </a:r>
+          </a:p>
+          <a:p>
+            <a:pPr lvl="0" algn="just"/>
+            <a:endParaRPr lang="en-US" sz="1800" dirty="0"/>
+          </a:p>
+          <a:p>
+            <a:pPr marL="0" lvl="0" indent="0" algn="just">
+              <a:buNone/>
+            </a:pPr>
+            <a:endParaRPr lang="en-US" sz="1800" dirty="0" smtClean="0"/>
+          </a:p>
+          <a:p>
+            <a:pPr marL="0" lvl="0" indent="0" algn="just">
+              <a:buNone/>
+            </a:pPr>
+            <a:r>
               <a:rPr lang="en-US" sz="1800" dirty="0" smtClean="0">
                 <a:solidFill>
                   <a:srgbClr val="FF0000"/>
                 </a:solidFill>
               </a:rPr>
-              <a:t>We </a:t>
-            </a:r>
-            <a:r>
-              <a:rPr lang="en-US" sz="1800" dirty="0" smtClean="0">
-                <a:solidFill>
-                  <a:srgbClr val="FF0000"/>
-                </a:solidFill>
-              </a:rPr>
-              <a:t>decide </a:t>
+              <a:t>We decide </a:t>
             </a:r>
             <a:r>
               <a:rPr lang="en-US" sz="1800" dirty="0">
@@ -9849,15 +10706,7 @@
                   <a:srgbClr val="FF0000"/>
                 </a:solidFill>
               </a:rPr>
-              <a:t>Our </a:t>
-            </a:r>
-            <a:r>
-              <a:rPr lang="en-US" sz="1700" dirty="0" smtClean="0">
-                <a:solidFill>
-                  <a:srgbClr val="FF0000"/>
-                </a:solidFill>
-              </a:rPr>
-              <a:t>proposed method tried to deal with those situations.</a:t>
+              <a:t>Our proposed method tried to deal with those situations.</a:t>
             </a:r>
             <a:endParaRPr lang="en-US" sz="1700" dirty="0">
               <a:solidFill>
@@ -9884,10 +10733,423 @@
     <a:masterClrMapping/>
   </p:clrMapOvr>
   <p:transition/>
+  <p:timing>
+    <p:tnLst>
+      <p:par>
+        <p:cTn id="1" dur="indefinite" restart="never" nodeType="tmRoot"/>
+      </p:par>
+    </p:tnLst>
+  </p:timing>
 </p:sld>
 </file>
 
 <file path=ppt/slides/slide4.xml><?xml version="1.0" encoding="utf-8"?>
+<p:sld xmlns:a="http://schemas.openxmlformats.org/drawingml/2006/main" xmlns:r="http://schemas.openxmlformats.org/officeDocument/2006/relationships" xmlns:p="http://schemas.openxmlformats.org/presentationml/2006/main">
+  <p:cSld>
+    <p:spTree>
+      <p:nvGrpSpPr>
+        <p:cNvPr id="1" name=""/>
+        <p:cNvGrpSpPr/>
+        <p:nvPr/>
+      </p:nvGrpSpPr>
+      <p:grpSpPr>
+        <a:xfrm>
+          <a:off x="0" y="0"/>
+          <a:ext cx="0" cy="0"/>
+          <a:chOff x="0" y="0"/>
+          <a:chExt cx="0" cy="0"/>
+        </a:xfrm>
+      </p:grpSpPr>
+      <p:sp>
+        <p:nvSpPr>
+          <p:cNvPr id="2" name="Title 1"/>
+          <p:cNvSpPr>
+            <a:spLocks noGrp="1"/>
+          </p:cNvSpPr>
+          <p:nvPr>
+            <p:ph type="title"/>
+          </p:nvPr>
+        </p:nvSpPr>
+        <p:spPr/>
+        <p:txBody>
+          <a:bodyPr/>
+          <a:lstStyle/>
+          <a:p>
+            <a:r>
+              <a:rPr lang="en-US" dirty="0" smtClean="0"/>
+              <a:t>Data Collection</a:t>
+            </a:r>
+            <a:endParaRPr lang="en-US" dirty="0"/>
+          </a:p>
+        </p:txBody>
+      </p:sp>
+      <p:sp>
+        <p:nvSpPr>
+          <p:cNvPr id="4" name="Content Placeholder 2"/>
+          <p:cNvSpPr txBox="1">
+            <a:spLocks/>
+          </p:cNvSpPr>
+          <p:nvPr/>
+        </p:nvSpPr>
+        <p:spPr bwMode="auto">
+          <a:xfrm>
+            <a:off x="419793" y="1600200"/>
+            <a:ext cx="8039100" cy="2286000"/>
+          </a:xfrm>
+          <a:prstGeom prst="rect">
+            <a:avLst/>
+          </a:prstGeom>
+          <a:noFill/>
+          <a:ln>
+            <a:noFill/>
+          </a:ln>
+          <a:effectLst/>
+          <a:extLst>
+            <a:ext uri="{909E8E84-426E-40dd-AFC4-6F175D3DCCD1}">
+              <a14:hiddenFill xmlns="" xmlns:a14="http://schemas.microsoft.com/office/drawing/2010/main">
+                <a:solidFill>
+                  <a:schemeClr val="accent1"/>
+                </a:solidFill>
+              </a14:hiddenFill>
+            </a:ext>
+            <a:ext uri="{91240B29-F687-4f45-9708-019B960494DF}">
+              <a14:hiddenLine xmlns="" xmlns:a14="http://schemas.microsoft.com/office/drawing/2010/main" w="9525">
+                <a:solidFill>
+                  <a:schemeClr val="tx1"/>
+                </a:solidFill>
+                <a:miter lim="800000"/>
+                <a:headEnd/>
+                <a:tailEnd/>
+              </a14:hiddenLine>
+            </a:ext>
+            <a:ext uri="{AF507438-7753-43e0-B8FC-AC1667EBCBE1}">
+              <a14:hiddenEffects xmlns="" xmlns:a14="http://schemas.microsoft.com/office/drawing/2010/main">
+                <a:effectLst>
+                  <a:outerShdw blurRad="63500" dist="38099" dir="2700000" algn="ctr" rotWithShape="0">
+                    <a:schemeClr val="bg2">
+                      <a:alpha val="74998"/>
+                    </a:schemeClr>
+                  </a:outerShdw>
+                </a:effectLst>
+              </a14:hiddenEffects>
+            </a:ext>
+            <a:ext uri="{FAA26D3D-D897-4be2-8F04-BA451C77F1D7}">
+              <ma14:placeholderFlag xmlns="" xmlns:ma14="http://schemas.microsoft.com/office/mac/drawingml/2011/main" val="1"/>
+            </a:ext>
+          </a:extLst>
+        </p:spPr>
+        <p:txBody>
+          <a:bodyPr vert="horz" wrap="square" lIns="91440" tIns="45720" rIns="91440" bIns="45720" numCol="1" anchor="t" anchorCtr="0" compatLnSpc="1">
+            <a:prstTxWarp prst="textNoShape">
+              <a:avLst/>
+            </a:prstTxWarp>
+          </a:bodyPr>
+          <a:lstStyle>
+            <a:lvl1pPr marL="342900" indent="-342900" algn="l" rtl="0" fontAlgn="base">
+              <a:spcBef>
+                <a:spcPct val="20000"/>
+              </a:spcBef>
+              <a:spcAft>
+                <a:spcPct val="0"/>
+              </a:spcAft>
+              <a:buChar char="•"/>
+              <a:defRPr sz="2000">
+                <a:solidFill>
+                  <a:schemeClr val="tx1"/>
+                </a:solidFill>
+                <a:latin typeface="+mn-lt"/>
+                <a:ea typeface="+mn-ea"/>
+                <a:cs typeface="+mn-cs"/>
+              </a:defRPr>
+            </a:lvl1pPr>
+            <a:lvl2pPr marL="742950" indent="-285750" algn="l" rtl="0" fontAlgn="base">
+              <a:spcBef>
+                <a:spcPct val="20000"/>
+              </a:spcBef>
+              <a:spcAft>
+                <a:spcPct val="0"/>
+              </a:spcAft>
+              <a:buChar char="–"/>
+              <a:defRPr>
+                <a:solidFill>
+                  <a:schemeClr val="tx1"/>
+                </a:solidFill>
+                <a:latin typeface="+mn-lt"/>
+                <a:ea typeface="+mn-ea"/>
+              </a:defRPr>
+            </a:lvl2pPr>
+            <a:lvl3pPr marL="1143000" indent="-228600" algn="l" rtl="0" fontAlgn="base">
+              <a:spcBef>
+                <a:spcPct val="20000"/>
+              </a:spcBef>
+              <a:spcAft>
+                <a:spcPct val="0"/>
+              </a:spcAft>
+              <a:buChar char="•"/>
+              <a:defRPr sz="1600">
+                <a:solidFill>
+                  <a:schemeClr val="tx1"/>
+                </a:solidFill>
+                <a:latin typeface="+mn-lt"/>
+                <a:ea typeface="+mn-ea"/>
+              </a:defRPr>
+            </a:lvl3pPr>
+            <a:lvl4pPr marL="1600200" indent="-228600" algn="l" rtl="0" fontAlgn="base">
+              <a:spcBef>
+                <a:spcPct val="20000"/>
+              </a:spcBef>
+              <a:spcAft>
+                <a:spcPct val="0"/>
+              </a:spcAft>
+              <a:buChar char="–"/>
+              <a:defRPr sz="1400">
+                <a:solidFill>
+                  <a:schemeClr val="tx1"/>
+                </a:solidFill>
+                <a:latin typeface="+mn-lt"/>
+                <a:ea typeface="+mn-ea"/>
+              </a:defRPr>
+            </a:lvl4pPr>
+            <a:lvl5pPr marL="2057400" indent="-228600" algn="l" rtl="0" fontAlgn="base">
+              <a:spcBef>
+                <a:spcPct val="20000"/>
+              </a:spcBef>
+              <a:spcAft>
+                <a:spcPct val="0"/>
+              </a:spcAft>
+              <a:buChar char="»"/>
+              <a:defRPr sz="1400">
+                <a:solidFill>
+                  <a:schemeClr val="tx1"/>
+                </a:solidFill>
+                <a:latin typeface="+mn-lt"/>
+                <a:ea typeface="+mn-ea"/>
+              </a:defRPr>
+            </a:lvl5pPr>
+            <a:lvl6pPr marL="2514600" indent="-228600" algn="l" rtl="0" fontAlgn="base">
+              <a:spcBef>
+                <a:spcPct val="20000"/>
+              </a:spcBef>
+              <a:spcAft>
+                <a:spcPct val="0"/>
+              </a:spcAft>
+              <a:buChar char="»"/>
+              <a:defRPr sz="1400">
+                <a:solidFill>
+                  <a:schemeClr val="tx1"/>
+                </a:solidFill>
+                <a:latin typeface="+mn-lt"/>
+                <a:ea typeface="+mn-ea"/>
+              </a:defRPr>
+            </a:lvl6pPr>
+            <a:lvl7pPr marL="2971800" indent="-228600" algn="l" rtl="0" fontAlgn="base">
+              <a:spcBef>
+                <a:spcPct val="20000"/>
+              </a:spcBef>
+              <a:spcAft>
+                <a:spcPct val="0"/>
+              </a:spcAft>
+              <a:buChar char="»"/>
+              <a:defRPr sz="1400">
+                <a:solidFill>
+                  <a:schemeClr val="tx1"/>
+                </a:solidFill>
+                <a:latin typeface="+mn-lt"/>
+                <a:ea typeface="+mn-ea"/>
+              </a:defRPr>
+            </a:lvl7pPr>
+            <a:lvl8pPr marL="3429000" indent="-228600" algn="l" rtl="0" fontAlgn="base">
+              <a:spcBef>
+                <a:spcPct val="20000"/>
+              </a:spcBef>
+              <a:spcAft>
+                <a:spcPct val="0"/>
+              </a:spcAft>
+              <a:buChar char="»"/>
+              <a:defRPr sz="1400">
+                <a:solidFill>
+                  <a:schemeClr val="tx1"/>
+                </a:solidFill>
+                <a:latin typeface="+mn-lt"/>
+                <a:ea typeface="+mn-ea"/>
+              </a:defRPr>
+            </a:lvl8pPr>
+            <a:lvl9pPr marL="3886200" indent="-228600" algn="l" rtl="0" fontAlgn="base">
+              <a:spcBef>
+                <a:spcPct val="20000"/>
+              </a:spcBef>
+              <a:spcAft>
+                <a:spcPct val="0"/>
+              </a:spcAft>
+              <a:buChar char="»"/>
+              <a:defRPr sz="1400">
+                <a:solidFill>
+                  <a:schemeClr val="tx1"/>
+                </a:solidFill>
+                <a:latin typeface="+mn-lt"/>
+                <a:ea typeface="+mn-ea"/>
+              </a:defRPr>
+            </a:lvl9pPr>
+          </a:lstStyle>
+          <a:p>
+            <a:pPr>
+              <a:spcBef>
+                <a:spcPts val="600"/>
+              </a:spcBef>
+              <a:buFont typeface="+mj-lt"/>
+              <a:buAutoNum type="arabicPeriod"/>
+            </a:pPr>
+            <a:r>
+              <a:rPr lang="en-US" sz="1800" b="0" dirty="0" smtClean="0"/>
+              <a:t>To collect user personal data from their smartphone, we developed an Android application data collector based on </a:t>
+            </a:r>
+            <a:r>
+              <a:rPr lang="en-US" sz="1800" b="0" i="1" dirty="0" err="1" smtClean="0"/>
+              <a:t>Funf</a:t>
+            </a:r>
+            <a:r>
+              <a:rPr lang="en-US" sz="1800" b="0" dirty="0" smtClean="0"/>
+              <a:t> library.</a:t>
+            </a:r>
+          </a:p>
+          <a:p>
+            <a:pPr>
+              <a:spcBef>
+                <a:spcPts val="600"/>
+              </a:spcBef>
+              <a:buFont typeface="+mj-lt"/>
+              <a:buAutoNum type="arabicPeriod"/>
+            </a:pPr>
+            <a:r>
+              <a:rPr lang="en-US" sz="1800" b="0" dirty="0" smtClean="0"/>
+              <a:t>This application follows opportunistic sensing method.</a:t>
+            </a:r>
+          </a:p>
+          <a:p>
+            <a:pPr>
+              <a:spcBef>
+                <a:spcPts val="600"/>
+              </a:spcBef>
+              <a:buFont typeface="+mj-lt"/>
+              <a:buAutoNum type="arabicPeriod"/>
+            </a:pPr>
+            <a:r>
+              <a:rPr lang="en-US" sz="1800" b="0" dirty="0" smtClean="0"/>
+              <a:t>We asked 47 students to use our application around less than 2 months.</a:t>
+            </a:r>
+          </a:p>
+          <a:p>
+            <a:pPr>
+              <a:spcBef>
+                <a:spcPts val="600"/>
+              </a:spcBef>
+              <a:buFont typeface="+mj-lt"/>
+              <a:buAutoNum type="arabicPeriod"/>
+            </a:pPr>
+            <a:r>
+              <a:rPr lang="en-US" sz="1800" b="0" dirty="0" smtClean="0"/>
+              <a:t>The </a:t>
+            </a:r>
+            <a:r>
+              <a:rPr lang="en-US" sz="1800" b="0" dirty="0"/>
+              <a:t>size of all of </a:t>
+            </a:r>
+            <a:r>
+              <a:rPr lang="en-US" sz="1800" b="0" dirty="0" smtClean="0"/>
+              <a:t>the data is </a:t>
+            </a:r>
+            <a:r>
+              <a:rPr lang="en-US" sz="1800" b="0" dirty="0"/>
+              <a:t>around </a:t>
+            </a:r>
+            <a:r>
+              <a:rPr lang="en-US" sz="1800" dirty="0">
+                <a:solidFill>
+                  <a:srgbClr val="FF0000"/>
+                </a:solidFill>
+              </a:rPr>
+              <a:t>28.7 GB</a:t>
+            </a:r>
+            <a:r>
+              <a:rPr lang="en-US" sz="1800" b="0" dirty="0"/>
+              <a:t>. </a:t>
+            </a:r>
+            <a:endParaRPr lang="en-US" sz="1800" b="0" dirty="0" smtClean="0"/>
+          </a:p>
+          <a:p>
+            <a:pPr>
+              <a:spcBef>
+                <a:spcPts val="600"/>
+              </a:spcBef>
+              <a:buFont typeface="+mj-lt"/>
+              <a:buAutoNum type="arabicPeriod"/>
+            </a:pPr>
+            <a:r>
+              <a:rPr lang="en-US" sz="1800" b="0" kern="0" dirty="0" smtClean="0"/>
+              <a:t>In this research, We used only 37 students data.</a:t>
+            </a:r>
+          </a:p>
+          <a:p>
+            <a:pPr>
+              <a:spcBef>
+                <a:spcPts val="600"/>
+              </a:spcBef>
+              <a:buFont typeface="+mj-lt"/>
+              <a:buAutoNum type="arabicPeriod"/>
+            </a:pPr>
+            <a:r>
+              <a:rPr lang="en-US" sz="1800" b="0" kern="0" smtClean="0"/>
+              <a:t>The raw data </a:t>
+            </a:r>
+            <a:r>
+              <a:rPr lang="en-US" sz="1800" b="0" kern="0" dirty="0" smtClean="0"/>
+              <a:t>looks like can be seen in the next slide. </a:t>
+            </a:r>
+          </a:p>
+          <a:p>
+            <a:pPr>
+              <a:spcBef>
+                <a:spcPts val="600"/>
+              </a:spcBef>
+              <a:buFont typeface="+mj-lt"/>
+              <a:buAutoNum type="arabicPeriod"/>
+            </a:pPr>
+            <a:endParaRPr lang="en-US" sz="1800" b="0" kern="0" dirty="0"/>
+          </a:p>
+          <a:p>
+            <a:pPr>
+              <a:spcBef>
+                <a:spcPts val="600"/>
+              </a:spcBef>
+              <a:buFont typeface="+mj-lt"/>
+              <a:buAutoNum type="arabicPeriod"/>
+            </a:pPr>
+            <a:endParaRPr lang="en-US" sz="1800" b="0" kern="0" dirty="0" smtClean="0"/>
+          </a:p>
+        </p:txBody>
+      </p:sp>
+    </p:spTree>
+    <p:extLst>
+      <p:ext uri="{BB962C8B-B14F-4D97-AF65-F5344CB8AC3E}">
+        <p14:creationId xmlns:p14="http://schemas.microsoft.com/office/powerpoint/2010/main" val="92453915"/>
+      </p:ext>
+    </p:extLst>
+  </p:cSld>
+  <p:clrMapOvr>
+    <a:masterClrMapping/>
+  </p:clrMapOvr>
+  <p:transition/>
+  <p:timing>
+    <p:tnLst>
+      <p:par>
+        <p:cTn id="1" dur="indefinite" restart="never" nodeType="tmRoot"/>
+      </p:par>
+    </p:tnLst>
+  </p:timing>
+</p:sld>
+</file>
+
+<file path=ppt/slides/slide5.xml><?xml version="1.0" encoding="utf-8"?>
 <p:sld xmlns:a="http://schemas.openxmlformats.org/drawingml/2006/main" xmlns:r="http://schemas.openxmlformats.org/officeDocument/2006/relationships" xmlns:p="http://schemas.openxmlformats.org/presentationml/2006/main">
   <p:cSld>
     <p:spTree>
@@ -10038,135 +11300,6 @@
 </p:sld>
 </file>
 
-<file path=ppt/slides/slide5.xml><?xml version="1.0" encoding="utf-8"?>
-<p:sld xmlns:a="http://schemas.openxmlformats.org/drawingml/2006/main" xmlns:r="http://schemas.openxmlformats.org/officeDocument/2006/relationships" xmlns:p="http://schemas.openxmlformats.org/presentationml/2006/main">
-  <p:cSld>
-    <p:spTree>
-      <p:nvGrpSpPr>
-        <p:cNvPr id="1" name=""/>
-        <p:cNvGrpSpPr/>
-        <p:nvPr/>
-      </p:nvGrpSpPr>
-      <p:grpSpPr>
-        <a:xfrm>
-          <a:off x="0" y="0"/>
-          <a:ext cx="0" cy="0"/>
-          <a:chOff x="0" y="0"/>
-          <a:chExt cx="0" cy="0"/>
-        </a:xfrm>
-      </p:grpSpPr>
-      <p:sp>
-        <p:nvSpPr>
-          <p:cNvPr id="2" name="Title 1"/>
-          <p:cNvSpPr>
-            <a:spLocks noGrp="1"/>
-          </p:cNvSpPr>
-          <p:nvPr>
-            <p:ph type="title"/>
-          </p:nvPr>
-        </p:nvSpPr>
-        <p:spPr/>
-        <p:txBody>
-          <a:bodyPr/>
-          <a:lstStyle/>
-          <a:p>
-            <a:r>
-              <a:rPr lang="en-US" dirty="0" smtClean="0"/>
-              <a:t>Human Behavior</a:t>
-            </a:r>
-            <a:endParaRPr lang="en-US" dirty="0"/>
-          </a:p>
-        </p:txBody>
-      </p:sp>
-      <p:sp>
-        <p:nvSpPr>
-          <p:cNvPr id="3" name="Content Placeholder 2"/>
-          <p:cNvSpPr>
-            <a:spLocks noGrp="1"/>
-          </p:cNvSpPr>
-          <p:nvPr>
-            <p:ph idx="1"/>
-          </p:nvPr>
-        </p:nvSpPr>
-        <p:spPr>
-          <a:xfrm>
-            <a:off x="457200" y="2057400"/>
-            <a:ext cx="8229600" cy="3505200"/>
-          </a:xfrm>
-        </p:spPr>
-        <p:txBody>
-          <a:bodyPr/>
-          <a:lstStyle/>
-          <a:p>
-            <a:r>
-              <a:rPr lang="en-US" sz="2400" dirty="0"/>
-              <a:t>Alice is </a:t>
-            </a:r>
-            <a:r>
-              <a:rPr lang="en-US" sz="2400" dirty="0" smtClean="0"/>
-              <a:t>research’s </a:t>
-            </a:r>
-            <a:r>
-              <a:rPr lang="en-US" sz="2400" dirty="0"/>
-              <a:t>student in one of university in Korea. </a:t>
-            </a:r>
-            <a:endParaRPr lang="en-US" sz="2400" dirty="0" smtClean="0"/>
-          </a:p>
-          <a:p>
-            <a:r>
-              <a:rPr lang="en-US" sz="2400" dirty="0" smtClean="0"/>
-              <a:t>Almost every day</a:t>
-            </a:r>
-            <a:r>
-              <a:rPr lang="en-US" sz="2400" dirty="0"/>
-              <a:t>, he wakes up, takes a shower, breakfast, and goes to his campus at 8:40 AM. </a:t>
-            </a:r>
-            <a:endParaRPr lang="en-US" sz="2400" dirty="0" smtClean="0"/>
-          </a:p>
-          <a:p>
-            <a:r>
-              <a:rPr lang="en-US" sz="2400" dirty="0" smtClean="0"/>
-              <a:t>He </a:t>
-            </a:r>
-            <a:r>
-              <a:rPr lang="en-US" sz="2400" dirty="0"/>
-              <a:t>is living in dormitory, he walks from dormitory to his lab (campus) takes 10 minutes. </a:t>
-            </a:r>
-            <a:endParaRPr lang="en-US" sz="2400" dirty="0" smtClean="0"/>
-          </a:p>
-          <a:p>
-            <a:r>
-              <a:rPr lang="en-US" sz="2400" dirty="0" smtClean="0"/>
-              <a:t>Usually</a:t>
-            </a:r>
-            <a:r>
-              <a:rPr lang="en-US" sz="2400" dirty="0"/>
-              <a:t>, he arrives in his lab at 9 AM and then sits on his chair and starts working. </a:t>
-            </a:r>
-            <a:endParaRPr lang="en-US" sz="2400" dirty="0" smtClean="0"/>
-          </a:p>
-          <a:p>
-            <a:pPr marL="0" indent="0">
-              <a:buNone/>
-            </a:pPr>
-            <a:endParaRPr lang="en-US" sz="2400" dirty="0"/>
-          </a:p>
-        </p:txBody>
-      </p:sp>
-    </p:spTree>
-    <p:extLst>
-      <p:ext uri="{BB962C8B-B14F-4D97-AF65-F5344CB8AC3E}">
-        <p14:creationId xmlns:p14="http://schemas.microsoft.com/office/powerpoint/2010/main" val="454463081"/>
-      </p:ext>
-    </p:extLst>
-  </p:cSld>
-  <p:clrMapOvr>
-    <a:masterClrMapping/>
-  </p:clrMapOvr>
-  <p:transition/>
-</p:sld>
-</file>
-
 <file path=ppt/slides/slide6.xml><?xml version="1.0" encoding="utf-8"?>
 <p:sld xmlns:a="http://schemas.openxmlformats.org/drawingml/2006/main" xmlns:r="http://schemas.openxmlformats.org/officeDocument/2006/relationships" xmlns:p="http://schemas.openxmlformats.org/presentationml/2006/main">
   <p:cSld>
@@ -10217,7 +11350,12 @@
             <p:ph idx="1"/>
           </p:nvPr>
         </p:nvSpPr>
-        <p:spPr/>
+        <p:spPr>
+          <a:xfrm>
+            <a:off x="457200" y="1828800"/>
+            <a:ext cx="8229600" cy="3962400"/>
+          </a:xfrm>
+        </p:spPr>
         <p:txBody>
           <a:bodyPr/>
           <a:lstStyle/>
@@ -10299,15 +11437,24 @@
               <a:rPr lang="en-US" dirty="0" smtClean="0"/>
               <a:t> all lab’s members)</a:t>
             </a:r>
-          </a:p>
-          <a:p>
-            <a:r>
-              <a:rPr lang="en-US" dirty="0" smtClean="0"/>
-              <a:t>Possibilities : same activity in different time and location, different activity in same time and location, etc. </a:t>
-            </a:r>
-          </a:p>
-          <a:p>
             <a:endParaRPr lang="en-US" dirty="0"/>
+          </a:p>
+          <a:p>
+            <a:pPr lvl="1"/>
+            <a:endParaRPr lang="en-US" dirty="0" smtClean="0"/>
+          </a:p>
+          <a:p>
+            <a:pPr marL="457200" lvl="1" indent="0">
+              <a:buNone/>
+            </a:pPr>
+            <a:r>
+              <a:rPr lang="en-US" b="1" dirty="0" smtClean="0">
+                <a:solidFill>
+                  <a:srgbClr val="FF0000"/>
+                </a:solidFill>
+              </a:rPr>
+              <a:t>What, When, Where, Who/with Whom</a:t>
+            </a:r>
           </a:p>
         </p:txBody>
       </p:sp>
@@ -10371,14 +11518,7 @@
           <a:p>
             <a:r>
               <a:rPr lang="en-US" dirty="0" smtClean="0"/>
-              <a:t>Dataset</a:t>
-            </a:r>
-            <a:br>
-              <a:rPr lang="en-US" dirty="0" smtClean="0"/>
-            </a:br>
-            <a:r>
-              <a:rPr lang="en-US" dirty="0" smtClean="0"/>
-              <a:t>&amp; Features Description</a:t>
+              <a:t>Proposed Sensors Description</a:t>
             </a:r>
             <a:endParaRPr lang="en-US" dirty="0"/>
           </a:p>
@@ -10436,14 +11576,14 @@
           <a:effectLst/>
           <a:extLst>
             <a:ext uri="{909E8E84-426E-40dd-AFC4-6F175D3DCCD1}">
-              <a14:hiddenFill xmlns:a14="http://schemas.microsoft.com/office/drawing/2010/main" xmlns="">
+              <a14:hiddenFill xmlns="" xmlns:a14="http://schemas.microsoft.com/office/drawing/2010/main">
                 <a:solidFill>
                   <a:schemeClr val="accent1"/>
                 </a:solidFill>
               </a14:hiddenFill>
             </a:ext>
             <a:ext uri="{91240B29-F687-4f45-9708-019B960494DF}">
-              <a14:hiddenLine xmlns:a14="http://schemas.microsoft.com/office/drawing/2010/main" xmlns="" w="9525">
+              <a14:hiddenLine xmlns="" xmlns:a14="http://schemas.microsoft.com/office/drawing/2010/main" w="9525">
                 <a:solidFill>
                   <a:schemeClr val="tx1"/>
                 </a:solidFill>
@@ -10453,7 +11593,7 @@
               </a14:hiddenLine>
             </a:ext>
             <a:ext uri="{AF507438-7753-43e0-B8FC-AC1667EBCBE1}">
-              <a14:hiddenEffects xmlns:a14="http://schemas.microsoft.com/office/drawing/2010/main" xmlns="">
+              <a14:hiddenEffects xmlns="" xmlns:a14="http://schemas.microsoft.com/office/drawing/2010/main">
                 <a:effectLst>
                   <a:outerShdw blurRad="63500" dist="38099" dir="2700000" algn="ctr" rotWithShape="0">
                     <a:schemeClr val="bg2">
@@ -10464,7 +11604,7 @@
               </a14:hiddenEffects>
             </a:ext>
             <a:ext uri="{FAA26D3D-D897-4be2-8F04-BA451C77F1D7}">
-              <ma14:placeholderFlag xmlns:ma14="http://schemas.microsoft.com/office/mac/drawingml/2011/main" xmlns="" val="1"/>
+              <ma14:placeholderFlag xmlns="" xmlns:ma14="http://schemas.microsoft.com/office/mac/drawingml/2011/main" val="1"/>
             </a:ext>
           </a:extLst>
         </p:spPr>
@@ -10628,8 +11768,14 @@
             </a:pPr>
             <a:r>
               <a:rPr lang="en-US" sz="1200" b="0" kern="0" dirty="0" smtClean="0"/>
-              <a:t>Proposed Features </a:t>
-            </a:r>
+              <a:t>Proposed Sensors data </a:t>
+            </a:r>
+          </a:p>
+          <a:p>
+            <a:pPr marL="0" indent="0">
+              <a:buFontTx/>
+              <a:buNone/>
+            </a:pPr>
             <a:r>
               <a:rPr lang="en-US" sz="1200" b="0" i="1" kern="0" dirty="0" smtClean="0"/>
               <a:t>(every single data has timestamp)</a:t>
@@ -10665,14 +11811,14 @@
             <a:pPr lvl="1"/>
             <a:r>
               <a:rPr lang="en-US" sz="1200" b="0" kern="0" dirty="0" smtClean="0"/>
-              <a:t>Bluetooth [list of nearby Bluetooth]</a:t>
+              <a:t>Nearby Bluetooth [list of nearby Bluetooth]</a:t>
             </a:r>
           </a:p>
           <a:p>
             <a:pPr lvl="1"/>
             <a:r>
               <a:rPr lang="en-US" sz="1200" b="0" kern="0" dirty="0" smtClean="0"/>
-              <a:t>Wi-Fi [lists of nearby AP]</a:t>
+              <a:t>Nearby Wi-Fi [lists of nearby AP]</a:t>
             </a:r>
           </a:p>
           <a:p>
@@ -10693,13 +11839,6 @@
             <a:r>
               <a:rPr lang="en-US" sz="1200" b="0" kern="0" dirty="0" smtClean="0"/>
               <a:t>SMS [sent, received]</a:t>
-            </a:r>
-          </a:p>
-          <a:p>
-            <a:pPr lvl="1"/>
-            <a:r>
-              <a:rPr lang="en-US" sz="1200" b="0" kern="0" dirty="0" smtClean="0"/>
-              <a:t>Run apps [social network apps]</a:t>
             </a:r>
           </a:p>
           <a:p>
@@ -10742,66 +11881,6 @@
     <p:extLst>
       <p:ext uri="{BB962C8B-B14F-4D97-AF65-F5344CB8AC3E}">
         <p14:creationId xmlns:p14="http://schemas.microsoft.com/office/powerpoint/2010/main" val="4085938839"/>
-      </p:ext>
-    </p:extLst>
-  </p:cSld>
-  <p:clrMapOvr>
-    <a:masterClrMapping/>
-  </p:clrMapOvr>
-  <p:transition/>
-</p:sld>
-</file>
-
-<file path=ppt/slides/slide8.xml><?xml version="1.0" encoding="utf-8"?>
-<p:sld xmlns:a="http://schemas.openxmlformats.org/drawingml/2006/main" xmlns:r="http://schemas.openxmlformats.org/officeDocument/2006/relationships" xmlns:p="http://schemas.openxmlformats.org/presentationml/2006/main">
-  <p:cSld>
-    <p:spTree>
-      <p:nvGrpSpPr>
-        <p:cNvPr id="1" name=""/>
-        <p:cNvGrpSpPr/>
-        <p:nvPr/>
-      </p:nvGrpSpPr>
-      <p:grpSpPr>
-        <a:xfrm>
-          <a:off x="0" y="0"/>
-          <a:ext cx="0" cy="0"/>
-          <a:chOff x="0" y="0"/>
-          <a:chExt cx="0" cy="0"/>
-        </a:xfrm>
-      </p:grpSpPr>
-      <p:sp>
-        <p:nvSpPr>
-          <p:cNvPr id="2" name="Title 1"/>
-          <p:cNvSpPr>
-            <a:spLocks noGrp="1"/>
-          </p:cNvSpPr>
-          <p:nvPr>
-            <p:ph type="title"/>
-          </p:nvPr>
-        </p:nvSpPr>
-        <p:spPr>
-          <a:xfrm>
-            <a:off x="609600" y="3352800"/>
-            <a:ext cx="8229600" cy="762000"/>
-          </a:xfrm>
-        </p:spPr>
-        <p:txBody>
-          <a:bodyPr/>
-          <a:lstStyle/>
-          <a:p>
-            <a:pPr algn="ctr"/>
-            <a:r>
-              <a:rPr lang="en-US" dirty="0" smtClean="0"/>
-              <a:t>Technical Explanation</a:t>
-            </a:r>
-            <a:endParaRPr lang="en-US" dirty="0"/>
-          </a:p>
-        </p:txBody>
-      </p:sp>
-    </p:spTree>
-    <p:extLst>
-      <p:ext uri="{BB962C8B-B14F-4D97-AF65-F5344CB8AC3E}">
-        <p14:creationId xmlns:p14="http://schemas.microsoft.com/office/powerpoint/2010/main" val="385392177"/>
       </p:ext>
     </p:extLst>
   </p:cSld>
@@ -10819,7 +11898,7 @@
 </p:sld>
 </file>
 
-<file path=ppt/slides/slide9.xml><?xml version="1.0" encoding="utf-8"?>
+<file path=ppt/slides/slide8.xml><?xml version="1.0" encoding="utf-8"?>
 <p:sld xmlns:a="http://schemas.openxmlformats.org/drawingml/2006/main" xmlns:r="http://schemas.openxmlformats.org/officeDocument/2006/relationships" xmlns:p="http://schemas.openxmlformats.org/presentationml/2006/main">
   <p:cSld>
     <p:spTree>
@@ -10858,7 +11937,7 @@
         </p:blipFill>
         <p:spPr>
           <a:xfrm>
-            <a:off x="2133600" y="951068"/>
+            <a:off x="76200" y="951068"/>
             <a:ext cx="7010400" cy="2818431"/>
           </a:xfrm>
           <a:prstGeom prst="rect">
@@ -10888,7 +11967,7 @@
         </p:blipFill>
         <p:spPr>
           <a:xfrm>
-            <a:off x="2249285" y="3769499"/>
+            <a:off x="2286000" y="3802750"/>
             <a:ext cx="6779029" cy="2631301"/>
           </a:xfrm>
           <a:prstGeom prst="rect">
@@ -10918,279 +11997,9 @@
           <a:p>
             <a:r>
               <a:rPr lang="en-US" dirty="0" smtClean="0"/>
-              <a:t>Example data plot from two of students</a:t>
+              <a:t>Example data plot from two students</a:t>
             </a:r>
             <a:endParaRPr lang="en-US" dirty="0"/>
-          </a:p>
-        </p:txBody>
-      </p:sp>
-      <p:sp>
-        <p:nvSpPr>
-          <p:cNvPr id="7" name="Content Placeholder 2"/>
-          <p:cNvSpPr txBox="1">
-            <a:spLocks/>
-          </p:cNvSpPr>
-          <p:nvPr/>
-        </p:nvSpPr>
-        <p:spPr bwMode="auto">
-          <a:xfrm>
-            <a:off x="-38100" y="1295400"/>
-            <a:ext cx="2324100" cy="4419600"/>
-          </a:xfrm>
-          <a:prstGeom prst="rect">
-            <a:avLst/>
-          </a:prstGeom>
-          <a:noFill/>
-          <a:ln>
-            <a:noFill/>
-          </a:ln>
-          <a:effectLst/>
-          <a:extLst>
-            <a:ext uri="{909E8E84-426E-40dd-AFC4-6F175D3DCCD1}">
-              <a14:hiddenFill xmlns:a14="http://schemas.microsoft.com/office/drawing/2010/main" xmlns="">
-                <a:solidFill>
-                  <a:schemeClr val="accent1"/>
-                </a:solidFill>
-              </a14:hiddenFill>
-            </a:ext>
-            <a:ext uri="{91240B29-F687-4f45-9708-019B960494DF}">
-              <a14:hiddenLine xmlns:a14="http://schemas.microsoft.com/office/drawing/2010/main" xmlns="" w="9525">
-                <a:solidFill>
-                  <a:schemeClr val="tx1"/>
-                </a:solidFill>
-                <a:miter lim="800000"/>
-                <a:headEnd/>
-                <a:tailEnd/>
-              </a14:hiddenLine>
-            </a:ext>
-            <a:ext uri="{AF507438-7753-43e0-B8FC-AC1667EBCBE1}">
-              <a14:hiddenEffects xmlns:a14="http://schemas.microsoft.com/office/drawing/2010/main" xmlns="">
-                <a:effectLst>
-                  <a:outerShdw blurRad="63500" dist="38099" dir="2700000" algn="ctr" rotWithShape="0">
-                    <a:schemeClr val="bg2">
-                      <a:alpha val="74998"/>
-                    </a:schemeClr>
-                  </a:outerShdw>
-                </a:effectLst>
-              </a14:hiddenEffects>
-            </a:ext>
-            <a:ext uri="{FAA26D3D-D897-4be2-8F04-BA451C77F1D7}">
-              <ma14:placeholderFlag xmlns:ma14="http://schemas.microsoft.com/office/mac/drawingml/2011/main" xmlns="" val="1"/>
-            </a:ext>
-          </a:extLst>
-        </p:spPr>
-        <p:txBody>
-          <a:bodyPr vert="horz" wrap="square" lIns="91440" tIns="45720" rIns="91440" bIns="45720" numCol="1" anchor="t" anchorCtr="0" compatLnSpc="1">
-            <a:prstTxWarp prst="textNoShape">
-              <a:avLst/>
-            </a:prstTxWarp>
-          </a:bodyPr>
-          <a:lstStyle>
-            <a:lvl1pPr marL="342900" indent="-342900" algn="l" rtl="0" fontAlgn="base">
-              <a:spcBef>
-                <a:spcPct val="20000"/>
-              </a:spcBef>
-              <a:spcAft>
-                <a:spcPct val="0"/>
-              </a:spcAft>
-              <a:buChar char="•"/>
-              <a:defRPr sz="2000">
-                <a:solidFill>
-                  <a:schemeClr val="tx1"/>
-                </a:solidFill>
-                <a:latin typeface="+mn-lt"/>
-                <a:ea typeface="+mn-ea"/>
-                <a:cs typeface="+mn-cs"/>
-              </a:defRPr>
-            </a:lvl1pPr>
-            <a:lvl2pPr marL="742950" indent="-285750" algn="l" rtl="0" fontAlgn="base">
-              <a:spcBef>
-                <a:spcPct val="20000"/>
-              </a:spcBef>
-              <a:spcAft>
-                <a:spcPct val="0"/>
-              </a:spcAft>
-              <a:buChar char="–"/>
-              <a:defRPr>
-                <a:solidFill>
-                  <a:schemeClr val="tx1"/>
-                </a:solidFill>
-                <a:latin typeface="+mn-lt"/>
-                <a:ea typeface="+mn-ea"/>
-              </a:defRPr>
-            </a:lvl2pPr>
-            <a:lvl3pPr marL="1143000" indent="-228600" algn="l" rtl="0" fontAlgn="base">
-              <a:spcBef>
-                <a:spcPct val="20000"/>
-              </a:spcBef>
-              <a:spcAft>
-                <a:spcPct val="0"/>
-              </a:spcAft>
-              <a:buChar char="•"/>
-              <a:defRPr sz="1600">
-                <a:solidFill>
-                  <a:schemeClr val="tx1"/>
-                </a:solidFill>
-                <a:latin typeface="+mn-lt"/>
-                <a:ea typeface="+mn-ea"/>
-              </a:defRPr>
-            </a:lvl3pPr>
-            <a:lvl4pPr marL="1600200" indent="-228600" algn="l" rtl="0" fontAlgn="base">
-              <a:spcBef>
-                <a:spcPct val="20000"/>
-              </a:spcBef>
-              <a:spcAft>
-                <a:spcPct val="0"/>
-              </a:spcAft>
-              <a:buChar char="–"/>
-              <a:defRPr sz="1400">
-                <a:solidFill>
-                  <a:schemeClr val="tx1"/>
-                </a:solidFill>
-                <a:latin typeface="+mn-lt"/>
-                <a:ea typeface="+mn-ea"/>
-              </a:defRPr>
-            </a:lvl4pPr>
-            <a:lvl5pPr marL="2057400" indent="-228600" algn="l" rtl="0" fontAlgn="base">
-              <a:spcBef>
-                <a:spcPct val="20000"/>
-              </a:spcBef>
-              <a:spcAft>
-                <a:spcPct val="0"/>
-              </a:spcAft>
-              <a:buChar char="»"/>
-              <a:defRPr sz="1400">
-                <a:solidFill>
-                  <a:schemeClr val="tx1"/>
-                </a:solidFill>
-                <a:latin typeface="+mn-lt"/>
-                <a:ea typeface="+mn-ea"/>
-              </a:defRPr>
-            </a:lvl5pPr>
-            <a:lvl6pPr marL="2514600" indent="-228600" algn="l" rtl="0" fontAlgn="base">
-              <a:spcBef>
-                <a:spcPct val="20000"/>
-              </a:spcBef>
-              <a:spcAft>
-                <a:spcPct val="0"/>
-              </a:spcAft>
-              <a:buChar char="»"/>
-              <a:defRPr sz="1400">
-                <a:solidFill>
-                  <a:schemeClr val="tx1"/>
-                </a:solidFill>
-                <a:latin typeface="+mn-lt"/>
-                <a:ea typeface="+mn-ea"/>
-              </a:defRPr>
-            </a:lvl6pPr>
-            <a:lvl7pPr marL="2971800" indent="-228600" algn="l" rtl="0" fontAlgn="base">
-              <a:spcBef>
-                <a:spcPct val="20000"/>
-              </a:spcBef>
-              <a:spcAft>
-                <a:spcPct val="0"/>
-              </a:spcAft>
-              <a:buChar char="»"/>
-              <a:defRPr sz="1400">
-                <a:solidFill>
-                  <a:schemeClr val="tx1"/>
-                </a:solidFill>
-                <a:latin typeface="+mn-lt"/>
-                <a:ea typeface="+mn-ea"/>
-              </a:defRPr>
-            </a:lvl7pPr>
-            <a:lvl8pPr marL="3429000" indent="-228600" algn="l" rtl="0" fontAlgn="base">
-              <a:spcBef>
-                <a:spcPct val="20000"/>
-              </a:spcBef>
-              <a:spcAft>
-                <a:spcPct val="0"/>
-              </a:spcAft>
-              <a:buChar char="»"/>
-              <a:defRPr sz="1400">
-                <a:solidFill>
-                  <a:schemeClr val="tx1"/>
-                </a:solidFill>
-                <a:latin typeface="+mn-lt"/>
-                <a:ea typeface="+mn-ea"/>
-              </a:defRPr>
-            </a:lvl8pPr>
-            <a:lvl9pPr marL="3886200" indent="-228600" algn="l" rtl="0" fontAlgn="base">
-              <a:spcBef>
-                <a:spcPct val="20000"/>
-              </a:spcBef>
-              <a:spcAft>
-                <a:spcPct val="0"/>
-              </a:spcAft>
-              <a:buChar char="»"/>
-              <a:defRPr sz="1400">
-                <a:solidFill>
-                  <a:schemeClr val="tx1"/>
-                </a:solidFill>
-                <a:latin typeface="+mn-lt"/>
-                <a:ea typeface="+mn-ea"/>
-              </a:defRPr>
-            </a:lvl9pPr>
-          </a:lstStyle>
-          <a:p>
-            <a:pPr>
-              <a:spcBef>
-                <a:spcPts val="600"/>
-              </a:spcBef>
-              <a:buFont typeface="+mj-lt"/>
-              <a:buAutoNum type="arabicPeriod"/>
-            </a:pPr>
-            <a:r>
-              <a:rPr lang="en-US" sz="1400" b="0" dirty="0"/>
-              <a:t>We store the data from all of students in archive file. </a:t>
-            </a:r>
-            <a:endParaRPr lang="en-US" sz="1400" b="0" dirty="0" smtClean="0"/>
-          </a:p>
-          <a:p>
-            <a:pPr>
-              <a:spcBef>
-                <a:spcPts val="600"/>
-              </a:spcBef>
-              <a:buFont typeface="+mj-lt"/>
-              <a:buAutoNum type="arabicPeriod"/>
-            </a:pPr>
-            <a:r>
-              <a:rPr lang="en-US" sz="1400" b="0" dirty="0" smtClean="0"/>
-              <a:t>The </a:t>
-            </a:r>
-            <a:r>
-              <a:rPr lang="en-US" sz="1400" b="0" dirty="0"/>
-              <a:t>size of all of data after extracted is around </a:t>
-            </a:r>
-            <a:r>
-              <a:rPr lang="en-US" sz="1400" dirty="0">
-                <a:solidFill>
-                  <a:srgbClr val="FF0000"/>
-                </a:solidFill>
-              </a:rPr>
-              <a:t>28.7 GB</a:t>
-            </a:r>
-            <a:r>
-              <a:rPr lang="en-US" sz="1400" b="0" dirty="0"/>
-              <a:t>. Extracted data contain 47 directories in different name for each student’s data</a:t>
-            </a:r>
-            <a:r>
-              <a:rPr lang="en-US" sz="1400" b="0" dirty="0" smtClean="0"/>
-              <a:t>.</a:t>
-            </a:r>
-          </a:p>
-          <a:p>
-            <a:pPr>
-              <a:spcBef>
-                <a:spcPts val="600"/>
-              </a:spcBef>
-              <a:buFont typeface="+mj-lt"/>
-              <a:buAutoNum type="arabicPeriod"/>
-            </a:pPr>
-            <a:r>
-              <a:rPr lang="en-US" sz="1400" b="0" kern="0" dirty="0" smtClean="0"/>
-              <a:t>We used 37 students data.</a:t>
-            </a:r>
           </a:p>
         </p:txBody>
       </p:sp>
@@ -11205,6 +12014,80 @@
     <a:masterClrMapping/>
   </p:clrMapOvr>
   <p:transition/>
+  <p:timing>
+    <p:tnLst>
+      <p:par>
+        <p:cTn id="1" dur="indefinite" restart="never" nodeType="tmRoot"/>
+      </p:par>
+    </p:tnLst>
+  </p:timing>
+</p:sld>
+</file>
+
+<file path=ppt/slides/slide9.xml><?xml version="1.0" encoding="utf-8"?>
+<p:sld xmlns:a="http://schemas.openxmlformats.org/drawingml/2006/main" xmlns:r="http://schemas.openxmlformats.org/officeDocument/2006/relationships" xmlns:p="http://schemas.openxmlformats.org/presentationml/2006/main">
+  <p:cSld>
+    <p:spTree>
+      <p:nvGrpSpPr>
+        <p:cNvPr id="1" name=""/>
+        <p:cNvGrpSpPr/>
+        <p:nvPr/>
+      </p:nvGrpSpPr>
+      <p:grpSpPr>
+        <a:xfrm>
+          <a:off x="0" y="0"/>
+          <a:ext cx="0" cy="0"/>
+          <a:chOff x="0" y="0"/>
+          <a:chExt cx="0" cy="0"/>
+        </a:xfrm>
+      </p:grpSpPr>
+      <p:sp>
+        <p:nvSpPr>
+          <p:cNvPr id="2" name="Title 1"/>
+          <p:cNvSpPr>
+            <a:spLocks noGrp="1"/>
+          </p:cNvSpPr>
+          <p:nvPr>
+            <p:ph type="title"/>
+          </p:nvPr>
+        </p:nvSpPr>
+        <p:spPr>
+          <a:xfrm>
+            <a:off x="609600" y="3352800"/>
+            <a:ext cx="8229600" cy="762000"/>
+          </a:xfrm>
+        </p:spPr>
+        <p:txBody>
+          <a:bodyPr/>
+          <a:lstStyle/>
+          <a:p>
+            <a:pPr algn="ctr"/>
+            <a:r>
+              <a:rPr lang="en-US" dirty="0" smtClean="0"/>
+              <a:t>Technical Explanation</a:t>
+            </a:r>
+            <a:endParaRPr lang="en-US" dirty="0"/>
+          </a:p>
+        </p:txBody>
+      </p:sp>
+    </p:spTree>
+    <p:extLst>
+      <p:ext uri="{BB962C8B-B14F-4D97-AF65-F5344CB8AC3E}">
+        <p14:creationId xmlns:p14="http://schemas.microsoft.com/office/powerpoint/2010/main" val="385392177"/>
+      </p:ext>
+    </p:extLst>
+  </p:cSld>
+  <p:clrMapOvr>
+    <a:masterClrMapping/>
+  </p:clrMapOvr>
+  <p:transition/>
+  <p:timing>
+    <p:tnLst>
+      <p:par>
+        <p:cTn id="1" dur="indefinite" restart="never" nodeType="tmRoot"/>
+      </p:par>
+    </p:tnLst>
+  </p:timing>
 </p:sld>
 </file>
 
@@ -11454,7 +12337,7 @@
         <a:effectLst/>
         <a:extLst>
           <a:ext uri="{AF507438-7753-43e0-B8FC-AC1667EBCBE1}">
-            <a14:hiddenEffects xmlns:a14="http://schemas.microsoft.com/office/drawing/2010/main" xmlns="">
+            <a14:hiddenEffects xmlns="" xmlns:a14="http://schemas.microsoft.com/office/drawing/2010/main">
               <a:effectLst>
                 <a:outerShdw blurRad="63500" dist="35921" dir="2700000" algn="ctr" rotWithShape="0">
                   <a:schemeClr val="bg2"/>
@@ -11528,7 +12411,7 @@
         <a:effectLst/>
         <a:extLst>
           <a:ext uri="{AF507438-7753-43e0-B8FC-AC1667EBCBE1}">
-            <a14:hiddenEffects xmlns:a14="http://schemas.microsoft.com/office/drawing/2010/main" xmlns="">
+            <a14:hiddenEffects xmlns="" xmlns:a14="http://schemas.microsoft.com/office/drawing/2010/main">
               <a:effectLst>
                 <a:outerShdw blurRad="63500" dist="35921" dir="2700000" algn="ctr" rotWithShape="0">
                   <a:schemeClr val="bg2"/>

--- a/Thesis-presentation.pptx
+++ b/Thesis-presentation.pptx
@@ -230,14 +230,14 @@
           <a:effectLst/>
           <a:extLst>
             <a:ext uri="{909E8E84-426E-40dd-AFC4-6F175D3DCCD1}">
-              <a14:hiddenFill xmlns="" xmlns:a14="http://schemas.microsoft.com/office/drawing/2010/main">
+              <a14:hiddenFill xmlns:a14="http://schemas.microsoft.com/office/drawing/2010/main" xmlns="">
                 <a:solidFill>
                   <a:schemeClr val="accent1"/>
                 </a:solidFill>
               </a14:hiddenFill>
             </a:ext>
             <a:ext uri="{91240B29-F687-4f45-9708-019B960494DF}">
-              <a14:hiddenLine xmlns="" xmlns:a14="http://schemas.microsoft.com/office/drawing/2010/main" w="9525">
+              <a14:hiddenLine xmlns:a14="http://schemas.microsoft.com/office/drawing/2010/main" xmlns="" w="9525">
                 <a:solidFill>
                   <a:schemeClr val="tx1"/>
                 </a:solidFill>
@@ -247,7 +247,7 @@
               </a14:hiddenLine>
             </a:ext>
             <a:ext uri="{AF507438-7753-43e0-B8FC-AC1667EBCBE1}">
-              <a14:hiddenEffects xmlns="" xmlns:a14="http://schemas.microsoft.com/office/drawing/2010/main">
+              <a14:hiddenEffects xmlns:a14="http://schemas.microsoft.com/office/drawing/2010/main" xmlns="">
                 <a:effectLst>
                   <a:outerShdw blurRad="63500" dist="38099" dir="2700000" algn="ctr" rotWithShape="0">
                     <a:schemeClr val="bg2">
@@ -258,7 +258,7 @@
               </a14:hiddenEffects>
             </a:ext>
             <a:ext uri="{FAA26D3D-D897-4be2-8F04-BA451C77F1D7}">
-              <ma14:placeholderFlag xmlns="" xmlns:ma14="http://schemas.microsoft.com/office/mac/drawingml/2011/main" val="1"/>
+              <ma14:placeholderFlag xmlns:ma14="http://schemas.microsoft.com/office/mac/drawingml/2011/main" xmlns="" val="1"/>
             </a:ext>
           </a:extLst>
         </p:spPr>
@@ -303,14 +303,14 @@
           <a:effectLst/>
           <a:extLst>
             <a:ext uri="{909E8E84-426E-40dd-AFC4-6F175D3DCCD1}">
-              <a14:hiddenFill xmlns="" xmlns:a14="http://schemas.microsoft.com/office/drawing/2010/main">
+              <a14:hiddenFill xmlns:a14="http://schemas.microsoft.com/office/drawing/2010/main" xmlns="">
                 <a:solidFill>
                   <a:schemeClr val="accent1"/>
                 </a:solidFill>
               </a14:hiddenFill>
             </a:ext>
             <a:ext uri="{91240B29-F687-4f45-9708-019B960494DF}">
-              <a14:hiddenLine xmlns="" xmlns:a14="http://schemas.microsoft.com/office/drawing/2010/main" w="9525">
+              <a14:hiddenLine xmlns:a14="http://schemas.microsoft.com/office/drawing/2010/main" xmlns="" w="9525">
                 <a:solidFill>
                   <a:schemeClr val="tx1"/>
                 </a:solidFill>
@@ -320,7 +320,7 @@
               </a14:hiddenLine>
             </a:ext>
             <a:ext uri="{AF507438-7753-43e0-B8FC-AC1667EBCBE1}">
-              <a14:hiddenEffects xmlns="" xmlns:a14="http://schemas.microsoft.com/office/drawing/2010/main">
+              <a14:hiddenEffects xmlns:a14="http://schemas.microsoft.com/office/drawing/2010/main" xmlns="">
                 <a:effectLst>
                   <a:outerShdw blurRad="63500" dist="38099" dir="2700000" algn="ctr" rotWithShape="0">
                     <a:schemeClr val="bg2">
@@ -331,7 +331,7 @@
               </a14:hiddenEffects>
             </a:ext>
             <a:ext uri="{FAA26D3D-D897-4be2-8F04-BA451C77F1D7}">
-              <ma14:placeholderFlag xmlns="" xmlns:ma14="http://schemas.microsoft.com/office/mac/drawingml/2011/main" val="1"/>
+              <ma14:placeholderFlag xmlns:ma14="http://schemas.microsoft.com/office/mac/drawingml/2011/main" xmlns="" val="1"/>
             </a:ext>
           </a:extLst>
         </p:spPr>
@@ -381,7 +381,7 @@
           <a:effectLst/>
           <a:extLst>
             <a:ext uri="{AF507438-7753-43e0-B8FC-AC1667EBCBE1}">
-              <a14:hiddenEffects xmlns="" xmlns:a14="http://schemas.microsoft.com/office/drawing/2010/main">
+              <a14:hiddenEffects xmlns:a14="http://schemas.microsoft.com/office/drawing/2010/main" xmlns="">
                 <a:effectLst>
                   <a:outerShdw blurRad="63500" dist="38099" dir="2700000" algn="ctr" rotWithShape="0">
                     <a:srgbClr val="000000">
@@ -392,7 +392,7 @@
               </a14:hiddenEffects>
             </a:ext>
             <a:ext uri="{53640926-AAD7-44d8-BBD7-CCE9431645EC}">
-              <a14:shadowObscured xmlns="" xmlns:a14="http://schemas.microsoft.com/office/drawing/2010/main" val="1"/>
+              <a14:shadowObscured xmlns:a14="http://schemas.microsoft.com/office/drawing/2010/main" xmlns="" val="1"/>
             </a:ext>
           </a:extLst>
         </p:spPr>
@@ -422,14 +422,14 @@
           <a:effectLst/>
           <a:extLst>
             <a:ext uri="{909E8E84-426E-40dd-AFC4-6F175D3DCCD1}">
-              <a14:hiddenFill xmlns="" xmlns:a14="http://schemas.microsoft.com/office/drawing/2010/main">
+              <a14:hiddenFill xmlns:a14="http://schemas.microsoft.com/office/drawing/2010/main" xmlns="">
                 <a:solidFill>
                   <a:schemeClr val="accent1"/>
                 </a:solidFill>
               </a14:hiddenFill>
             </a:ext>
             <a:ext uri="{91240B29-F687-4f45-9708-019B960494DF}">
-              <a14:hiddenLine xmlns="" xmlns:a14="http://schemas.microsoft.com/office/drawing/2010/main" w="9525">
+              <a14:hiddenLine xmlns:a14="http://schemas.microsoft.com/office/drawing/2010/main" xmlns="" w="9525">
                 <a:solidFill>
                   <a:schemeClr val="tx1"/>
                 </a:solidFill>
@@ -439,7 +439,7 @@
               </a14:hiddenLine>
             </a:ext>
             <a:ext uri="{AF507438-7753-43e0-B8FC-AC1667EBCBE1}">
-              <a14:hiddenEffects xmlns="" xmlns:a14="http://schemas.microsoft.com/office/drawing/2010/main">
+              <a14:hiddenEffects xmlns:a14="http://schemas.microsoft.com/office/drawing/2010/main" xmlns="">
                 <a:effectLst>
                   <a:outerShdw blurRad="63500" dist="38099" dir="2700000" algn="ctr" rotWithShape="0">
                     <a:schemeClr val="bg2">
@@ -450,7 +450,7 @@
               </a14:hiddenEffects>
             </a:ext>
             <a:ext uri="{FAA26D3D-D897-4be2-8F04-BA451C77F1D7}">
-              <ma14:placeholderFlag xmlns="" xmlns:ma14="http://schemas.microsoft.com/office/mac/drawingml/2011/main" val="1"/>
+              <ma14:placeholderFlag xmlns:ma14="http://schemas.microsoft.com/office/mac/drawingml/2011/main" xmlns="" val="1"/>
             </a:ext>
           </a:extLst>
         </p:spPr>
@@ -523,14 +523,14 @@
           <a:effectLst/>
           <a:extLst>
             <a:ext uri="{909E8E84-426E-40dd-AFC4-6F175D3DCCD1}">
-              <a14:hiddenFill xmlns="" xmlns:a14="http://schemas.microsoft.com/office/drawing/2010/main">
+              <a14:hiddenFill xmlns:a14="http://schemas.microsoft.com/office/drawing/2010/main" xmlns="">
                 <a:solidFill>
                   <a:schemeClr val="accent1"/>
                 </a:solidFill>
               </a14:hiddenFill>
             </a:ext>
             <a:ext uri="{91240B29-F687-4f45-9708-019B960494DF}">
-              <a14:hiddenLine xmlns="" xmlns:a14="http://schemas.microsoft.com/office/drawing/2010/main" w="9525">
+              <a14:hiddenLine xmlns:a14="http://schemas.microsoft.com/office/drawing/2010/main" xmlns="" w="9525">
                 <a:solidFill>
                   <a:schemeClr val="tx1"/>
                 </a:solidFill>
@@ -540,7 +540,7 @@
               </a14:hiddenLine>
             </a:ext>
             <a:ext uri="{AF507438-7753-43e0-B8FC-AC1667EBCBE1}">
-              <a14:hiddenEffects xmlns="" xmlns:a14="http://schemas.microsoft.com/office/drawing/2010/main">
+              <a14:hiddenEffects xmlns:a14="http://schemas.microsoft.com/office/drawing/2010/main" xmlns="">
                 <a:effectLst>
                   <a:outerShdw blurRad="63500" dist="38099" dir="2700000" algn="ctr" rotWithShape="0">
                     <a:schemeClr val="bg2">
@@ -551,7 +551,7 @@
               </a14:hiddenEffects>
             </a:ext>
             <a:ext uri="{FAA26D3D-D897-4be2-8F04-BA451C77F1D7}">
-              <ma14:placeholderFlag xmlns="" xmlns:ma14="http://schemas.microsoft.com/office/mac/drawingml/2011/main" val="1"/>
+              <ma14:placeholderFlag xmlns:ma14="http://schemas.microsoft.com/office/mac/drawingml/2011/main" xmlns="" val="1"/>
             </a:ext>
           </a:extLst>
         </p:spPr>
@@ -596,14 +596,14 @@
           <a:effectLst/>
           <a:extLst>
             <a:ext uri="{909E8E84-426E-40dd-AFC4-6F175D3DCCD1}">
-              <a14:hiddenFill xmlns="" xmlns:a14="http://schemas.microsoft.com/office/drawing/2010/main">
+              <a14:hiddenFill xmlns:a14="http://schemas.microsoft.com/office/drawing/2010/main" xmlns="">
                 <a:solidFill>
                   <a:schemeClr val="accent1"/>
                 </a:solidFill>
               </a14:hiddenFill>
             </a:ext>
             <a:ext uri="{91240B29-F687-4f45-9708-019B960494DF}">
-              <a14:hiddenLine xmlns="" xmlns:a14="http://schemas.microsoft.com/office/drawing/2010/main" w="9525">
+              <a14:hiddenLine xmlns:a14="http://schemas.microsoft.com/office/drawing/2010/main" xmlns="" w="9525">
                 <a:solidFill>
                   <a:schemeClr val="tx1"/>
                 </a:solidFill>
@@ -613,7 +613,7 @@
               </a14:hiddenLine>
             </a:ext>
             <a:ext uri="{AF507438-7753-43e0-B8FC-AC1667EBCBE1}">
-              <a14:hiddenEffects xmlns="" xmlns:a14="http://schemas.microsoft.com/office/drawing/2010/main">
+              <a14:hiddenEffects xmlns:a14="http://schemas.microsoft.com/office/drawing/2010/main" xmlns="">
                 <a:effectLst>
                   <a:outerShdw blurRad="63500" dist="38099" dir="2700000" algn="ctr" rotWithShape="0">
                     <a:schemeClr val="bg2">
@@ -624,7 +624,7 @@
               </a14:hiddenEffects>
             </a:ext>
             <a:ext uri="{FAA26D3D-D897-4be2-8F04-BA451C77F1D7}">
-              <ma14:placeholderFlag xmlns="" xmlns:ma14="http://schemas.microsoft.com/office/mac/drawingml/2011/main" val="1"/>
+              <ma14:placeholderFlag xmlns:ma14="http://schemas.microsoft.com/office/mac/drawingml/2011/main" xmlns="" val="1"/>
             </a:ext>
           </a:extLst>
         </p:spPr>
@@ -839,7 +839,7 @@
           <a:ln/>
           <a:extLst>
             <a:ext uri="{FAA26D3D-D897-4be2-8F04-BA451C77F1D7}">
-              <ma14:placeholderFlag xmlns="" xmlns:ma14="http://schemas.microsoft.com/office/mac/drawingml/2011/main" val="1"/>
+              <ma14:placeholderFlag xmlns:ma14="http://schemas.microsoft.com/office/mac/drawingml/2011/main" xmlns="" val="1"/>
             </a:ext>
           </a:extLst>
         </p:spPr>
@@ -2583,14 +2583,14 @@
           <a:effectLst/>
           <a:extLst>
             <a:ext uri="{909E8E84-426E-40dd-AFC4-6F175D3DCCD1}">
-              <a14:hiddenFill xmlns="" xmlns:a14="http://schemas.microsoft.com/office/drawing/2010/main">
+              <a14:hiddenFill xmlns:a14="http://schemas.microsoft.com/office/drawing/2010/main" xmlns="">
                 <a:solidFill>
                   <a:schemeClr val="accent1"/>
                 </a:solidFill>
               </a14:hiddenFill>
             </a:ext>
             <a:ext uri="{91240B29-F687-4f45-9708-019B960494DF}">
-              <a14:hiddenLine xmlns="" xmlns:a14="http://schemas.microsoft.com/office/drawing/2010/main" w="9525">
+              <a14:hiddenLine xmlns:a14="http://schemas.microsoft.com/office/drawing/2010/main" xmlns="" w="9525">
                 <a:solidFill>
                   <a:schemeClr val="tx1"/>
                 </a:solidFill>
@@ -2600,7 +2600,7 @@
               </a14:hiddenLine>
             </a:ext>
             <a:ext uri="{AF507438-7753-43e0-B8FC-AC1667EBCBE1}">
-              <a14:hiddenEffects xmlns="" xmlns:a14="http://schemas.microsoft.com/office/drawing/2010/main">
+              <a14:hiddenEffects xmlns:a14="http://schemas.microsoft.com/office/drawing/2010/main" xmlns="">
                 <a:effectLst>
                   <a:outerShdw blurRad="63500" dist="38099" dir="2700000" algn="ctr" rotWithShape="0">
                     <a:schemeClr val="bg2">
@@ -2611,7 +2611,7 @@
               </a14:hiddenEffects>
             </a:ext>
             <a:ext uri="{FAA26D3D-D897-4be2-8F04-BA451C77F1D7}">
-              <ma14:placeholderFlag xmlns="" xmlns:ma14="http://schemas.microsoft.com/office/mac/drawingml/2011/main" val="1"/>
+              <ma14:placeholderFlag xmlns:ma14="http://schemas.microsoft.com/office/mac/drawingml/2011/main" xmlns="" val="1"/>
             </a:ext>
           </a:extLst>
         </p:spPr>
@@ -2656,14 +2656,14 @@
           <a:effectLst/>
           <a:extLst>
             <a:ext uri="{909E8E84-426E-40dd-AFC4-6F175D3DCCD1}">
-              <a14:hiddenFill xmlns="" xmlns:a14="http://schemas.microsoft.com/office/drawing/2010/main">
+              <a14:hiddenFill xmlns:a14="http://schemas.microsoft.com/office/drawing/2010/main" xmlns="">
                 <a:solidFill>
                   <a:schemeClr val="accent1"/>
                 </a:solidFill>
               </a14:hiddenFill>
             </a:ext>
             <a:ext uri="{91240B29-F687-4f45-9708-019B960494DF}">
-              <a14:hiddenLine xmlns="" xmlns:a14="http://schemas.microsoft.com/office/drawing/2010/main" w="9525">
+              <a14:hiddenLine xmlns:a14="http://schemas.microsoft.com/office/drawing/2010/main" xmlns="" w="9525">
                 <a:solidFill>
                   <a:schemeClr val="tx1"/>
                 </a:solidFill>
@@ -2673,7 +2673,7 @@
               </a14:hiddenLine>
             </a:ext>
             <a:ext uri="{AF507438-7753-43e0-B8FC-AC1667EBCBE1}">
-              <a14:hiddenEffects xmlns="" xmlns:a14="http://schemas.microsoft.com/office/drawing/2010/main">
+              <a14:hiddenEffects xmlns:a14="http://schemas.microsoft.com/office/drawing/2010/main" xmlns="">
                 <a:effectLst>
                   <a:outerShdw blurRad="63500" dist="38099" dir="2700000" algn="ctr" rotWithShape="0">
                     <a:schemeClr val="bg2">
@@ -2684,7 +2684,7 @@
               </a14:hiddenEffects>
             </a:ext>
             <a:ext uri="{FAA26D3D-D897-4be2-8F04-BA451C77F1D7}">
-              <ma14:placeholderFlag xmlns="" xmlns:ma14="http://schemas.microsoft.com/office/mac/drawingml/2011/main" val="1"/>
+              <ma14:placeholderFlag xmlns:ma14="http://schemas.microsoft.com/office/mac/drawingml/2011/main" xmlns="" val="1"/>
             </a:ext>
           </a:extLst>
         </p:spPr>
@@ -2764,7 +2764,7 @@
           <a:noFill/>
           <a:extLst>
             <a:ext uri="{909E8E84-426E-40dd-AFC4-6F175D3DCCD1}">
-              <a14:hiddenFill xmlns="" xmlns:a14="http://schemas.microsoft.com/office/drawing/2010/main">
+              <a14:hiddenFill xmlns:a14="http://schemas.microsoft.com/office/drawing/2010/main" xmlns="">
                 <a:solidFill>
                   <a:srgbClr val="FFFFFF"/>
                 </a:solidFill>
@@ -2796,14 +2796,14 @@
           <a:effectLst/>
           <a:extLst>
             <a:ext uri="{909E8E84-426E-40dd-AFC4-6F175D3DCCD1}">
-              <a14:hiddenFill xmlns="" xmlns:a14="http://schemas.microsoft.com/office/drawing/2010/main">
+              <a14:hiddenFill xmlns:a14="http://schemas.microsoft.com/office/drawing/2010/main" xmlns="">
                 <a:solidFill>
                   <a:schemeClr val="accent1"/>
                 </a:solidFill>
               </a14:hiddenFill>
             </a:ext>
             <a:ext uri="{91240B29-F687-4f45-9708-019B960494DF}">
-              <a14:hiddenLine xmlns="" xmlns:a14="http://schemas.microsoft.com/office/drawing/2010/main" w="9525">
+              <a14:hiddenLine xmlns:a14="http://schemas.microsoft.com/office/drawing/2010/main" xmlns="" w="9525">
                 <a:solidFill>
                   <a:schemeClr val="tx1"/>
                 </a:solidFill>
@@ -2813,7 +2813,7 @@
               </a14:hiddenLine>
             </a:ext>
             <a:ext uri="{AF507438-7753-43e0-B8FC-AC1667EBCBE1}">
-              <a14:hiddenEffects xmlns="" xmlns:a14="http://schemas.microsoft.com/office/drawing/2010/main">
+              <a14:hiddenEffects xmlns:a14="http://schemas.microsoft.com/office/drawing/2010/main" xmlns="">
                 <a:effectLst>
                   <a:outerShdw blurRad="63500" dist="38099" dir="2700000" algn="ctr" rotWithShape="0">
                     <a:schemeClr val="bg2">
@@ -2882,7 +2882,7 @@
           <a:noFill/>
           <a:extLst>
             <a:ext uri="{909E8E84-426E-40dd-AFC4-6F175D3DCCD1}">
-              <a14:hiddenFill xmlns="" xmlns:a14="http://schemas.microsoft.com/office/drawing/2010/main">
+              <a14:hiddenFill xmlns:a14="http://schemas.microsoft.com/office/drawing/2010/main" xmlns="">
                 <a:solidFill>
                   <a:srgbClr val="FFFFFF"/>
                 </a:solidFill>
@@ -2919,12 +2919,12 @@
           <a:effectLst/>
           <a:extLst>
             <a:ext uri="{909E8E84-426E-40dd-AFC4-6F175D3DCCD1}">
-              <a14:hiddenFill xmlns="" xmlns:a14="http://schemas.microsoft.com/office/drawing/2010/main">
+              <a14:hiddenFill xmlns:a14="http://schemas.microsoft.com/office/drawing/2010/main" xmlns="">
                 <a:noFill/>
               </a14:hiddenFill>
             </a:ext>
             <a:ext uri="{AF507438-7753-43e0-B8FC-AC1667EBCBE1}">
-              <a14:hiddenEffects xmlns="" xmlns:a14="http://schemas.microsoft.com/office/drawing/2010/main">
+              <a14:hiddenEffects xmlns:a14="http://schemas.microsoft.com/office/drawing/2010/main" xmlns="">
                 <a:effectLst>
                   <a:outerShdw blurRad="63500" dist="38099" dir="2700000" algn="ctr" rotWithShape="0">
                     <a:schemeClr val="bg2">
@@ -2967,14 +2967,14 @@
           <a:effectLst/>
           <a:extLst>
             <a:ext uri="{909E8E84-426E-40dd-AFC4-6F175D3DCCD1}">
-              <a14:hiddenFill xmlns="" xmlns:a14="http://schemas.microsoft.com/office/drawing/2010/main">
+              <a14:hiddenFill xmlns:a14="http://schemas.microsoft.com/office/drawing/2010/main" xmlns="">
                 <a:solidFill>
                   <a:schemeClr val="accent1"/>
                 </a:solidFill>
               </a14:hiddenFill>
             </a:ext>
             <a:ext uri="{91240B29-F687-4f45-9708-019B960494DF}">
-              <a14:hiddenLine xmlns="" xmlns:a14="http://schemas.microsoft.com/office/drawing/2010/main" w="9525">
+              <a14:hiddenLine xmlns:a14="http://schemas.microsoft.com/office/drawing/2010/main" xmlns="" w="9525">
                 <a:solidFill>
                   <a:schemeClr val="tx1"/>
                 </a:solidFill>
@@ -2984,7 +2984,7 @@
               </a14:hiddenLine>
             </a:ext>
             <a:ext uri="{AF507438-7753-43e0-B8FC-AC1667EBCBE1}">
-              <a14:hiddenEffects xmlns="" xmlns:a14="http://schemas.microsoft.com/office/drawing/2010/main">
+              <a14:hiddenEffects xmlns:a14="http://schemas.microsoft.com/office/drawing/2010/main" xmlns="">
                 <a:effectLst>
                   <a:outerShdw blurRad="63500" dist="38099" dir="2700000" algn="ctr" rotWithShape="0">
                     <a:schemeClr val="bg2">
@@ -3051,14 +3051,14 @@
           <a:effectLst/>
           <a:extLst>
             <a:ext uri="{909E8E84-426E-40dd-AFC4-6F175D3DCCD1}">
-              <a14:hiddenFill xmlns="" xmlns:a14="http://schemas.microsoft.com/office/drawing/2010/main">
+              <a14:hiddenFill xmlns:a14="http://schemas.microsoft.com/office/drawing/2010/main" xmlns="">
                 <a:solidFill>
                   <a:schemeClr val="accent1"/>
                 </a:solidFill>
               </a14:hiddenFill>
             </a:ext>
             <a:ext uri="{91240B29-F687-4f45-9708-019B960494DF}">
-              <a14:hiddenLine xmlns="" xmlns:a14="http://schemas.microsoft.com/office/drawing/2010/main" w="9525">
+              <a14:hiddenLine xmlns:a14="http://schemas.microsoft.com/office/drawing/2010/main" xmlns="" w="9525">
                 <a:solidFill>
                   <a:schemeClr val="tx1"/>
                 </a:solidFill>
@@ -3068,7 +3068,7 @@
               </a14:hiddenLine>
             </a:ext>
             <a:ext uri="{AF507438-7753-43e0-B8FC-AC1667EBCBE1}">
-              <a14:hiddenEffects xmlns="" xmlns:a14="http://schemas.microsoft.com/office/drawing/2010/main">
+              <a14:hiddenEffects xmlns:a14="http://schemas.microsoft.com/office/drawing/2010/main" xmlns="">
                 <a:effectLst>
                   <a:outerShdw blurRad="63500" dist="38099" dir="2700000" algn="ctr" rotWithShape="0">
                     <a:schemeClr val="bg2">
@@ -3610,7 +3610,7 @@
           <a:noFill/>
           <a:extLst>
             <a:ext uri="{909E8E84-426E-40dd-AFC4-6F175D3DCCD1}">
-              <a14:hiddenFill xmlns="" xmlns:a14="http://schemas.microsoft.com/office/drawing/2010/main">
+              <a14:hiddenFill xmlns:a14="http://schemas.microsoft.com/office/drawing/2010/main" xmlns="">
                 <a:solidFill>
                   <a:srgbClr val="FFFFFF"/>
                 </a:solidFill>
@@ -3723,14 +3723,14 @@
           <a:effectLst/>
           <a:extLst>
             <a:ext uri="{909E8E84-426E-40dd-AFC4-6F175D3DCCD1}">
-              <a14:hiddenFill xmlns="" xmlns:a14="http://schemas.microsoft.com/office/drawing/2010/main">
+              <a14:hiddenFill xmlns:a14="http://schemas.microsoft.com/office/drawing/2010/main" xmlns="">
                 <a:solidFill>
                   <a:schemeClr val="accent1"/>
                 </a:solidFill>
               </a14:hiddenFill>
             </a:ext>
             <a:ext uri="{91240B29-F687-4f45-9708-019B960494DF}">
-              <a14:hiddenLine xmlns="" xmlns:a14="http://schemas.microsoft.com/office/drawing/2010/main" w="9525">
+              <a14:hiddenLine xmlns:a14="http://schemas.microsoft.com/office/drawing/2010/main" xmlns="" w="9525">
                 <a:solidFill>
                   <a:schemeClr val="tx1"/>
                 </a:solidFill>
@@ -3740,7 +3740,7 @@
               </a14:hiddenLine>
             </a:ext>
             <a:ext uri="{AF507438-7753-43e0-B8FC-AC1667EBCBE1}">
-              <a14:hiddenEffects xmlns="" xmlns:a14="http://schemas.microsoft.com/office/drawing/2010/main">
+              <a14:hiddenEffects xmlns:a14="http://schemas.microsoft.com/office/drawing/2010/main" xmlns="">
                 <a:effectLst>
                   <a:outerShdw blurRad="63500" dist="38099" dir="2700000" algn="ctr" rotWithShape="0">
                     <a:schemeClr val="bg2">
@@ -3795,7 +3795,7 @@
           <a:effectLst/>
           <a:extLst>
             <a:ext uri="{AF507438-7753-43e0-B8FC-AC1667EBCBE1}">
-              <a14:hiddenEffects xmlns="" xmlns:a14="http://schemas.microsoft.com/office/drawing/2010/main">
+              <a14:hiddenEffects xmlns:a14="http://schemas.microsoft.com/office/drawing/2010/main" xmlns="">
                 <a:effectLst>
                   <a:outerShdw blurRad="63500" dist="38099" dir="2700000" algn="ctr" rotWithShape="0">
                     <a:schemeClr val="bg2">
@@ -3845,7 +3845,7 @@
           <a:effectLst/>
           <a:extLst>
             <a:ext uri="{AF507438-7753-43e0-B8FC-AC1667EBCBE1}">
-              <a14:hiddenEffects xmlns="" xmlns:a14="http://schemas.microsoft.com/office/drawing/2010/main">
+              <a14:hiddenEffects xmlns:a14="http://schemas.microsoft.com/office/drawing/2010/main" xmlns="">
                 <a:effectLst>
                   <a:outerShdw blurRad="63500" dist="38099" dir="2700000" algn="ctr" rotWithShape="0">
                     <a:schemeClr val="bg2">
@@ -3888,14 +3888,14 @@
           <a:effectLst/>
           <a:extLst>
             <a:ext uri="{909E8E84-426E-40dd-AFC4-6F175D3DCCD1}">
-              <a14:hiddenFill xmlns="" xmlns:a14="http://schemas.microsoft.com/office/drawing/2010/main">
+              <a14:hiddenFill xmlns:a14="http://schemas.microsoft.com/office/drawing/2010/main" xmlns="">
                 <a:solidFill>
                   <a:schemeClr val="accent1"/>
                 </a:solidFill>
               </a14:hiddenFill>
             </a:ext>
             <a:ext uri="{91240B29-F687-4f45-9708-019B960494DF}">
-              <a14:hiddenLine xmlns="" xmlns:a14="http://schemas.microsoft.com/office/drawing/2010/main" w="9525">
+              <a14:hiddenLine xmlns:a14="http://schemas.microsoft.com/office/drawing/2010/main" xmlns="" w="9525">
                 <a:solidFill>
                   <a:schemeClr val="tx1"/>
                 </a:solidFill>
@@ -3905,7 +3905,7 @@
               </a14:hiddenLine>
             </a:ext>
             <a:ext uri="{AF507438-7753-43e0-B8FC-AC1667EBCBE1}">
-              <a14:hiddenEffects xmlns="" xmlns:a14="http://schemas.microsoft.com/office/drawing/2010/main">
+              <a14:hiddenEffects xmlns:a14="http://schemas.microsoft.com/office/drawing/2010/main" xmlns="">
                 <a:effectLst>
                   <a:outerShdw blurRad="63500" dist="38099" dir="2700000" algn="ctr" rotWithShape="0">
                     <a:schemeClr val="bg2">
@@ -4200,14 +4200,14 @@
           <a:effectLst/>
           <a:extLst>
             <a:ext uri="{909E8E84-426E-40dd-AFC4-6F175D3DCCD1}">
-              <a14:hiddenFill xmlns="" xmlns:a14="http://schemas.microsoft.com/office/drawing/2010/main">
+              <a14:hiddenFill xmlns:a14="http://schemas.microsoft.com/office/drawing/2010/main" xmlns="">
                 <a:solidFill>
                   <a:schemeClr val="accent1"/>
                 </a:solidFill>
               </a14:hiddenFill>
             </a:ext>
             <a:ext uri="{91240B29-F687-4f45-9708-019B960494DF}">
-              <a14:hiddenLine xmlns="" xmlns:a14="http://schemas.microsoft.com/office/drawing/2010/main" w="9525">
+              <a14:hiddenLine xmlns:a14="http://schemas.microsoft.com/office/drawing/2010/main" xmlns="" w="9525">
                 <a:solidFill>
                   <a:schemeClr val="tx1"/>
                 </a:solidFill>
@@ -4217,7 +4217,7 @@
               </a14:hiddenLine>
             </a:ext>
             <a:ext uri="{AF507438-7753-43e0-B8FC-AC1667EBCBE1}">
-              <a14:hiddenEffects xmlns="" xmlns:a14="http://schemas.microsoft.com/office/drawing/2010/main">
+              <a14:hiddenEffects xmlns:a14="http://schemas.microsoft.com/office/drawing/2010/main" xmlns="">
                 <a:effectLst>
                   <a:outerShdw blurRad="63500" dist="38099" dir="2700000" algn="ctr" rotWithShape="0">
                     <a:schemeClr val="bg2">
@@ -4228,7 +4228,7 @@
               </a14:hiddenEffects>
             </a:ext>
             <a:ext uri="{FAA26D3D-D897-4be2-8F04-BA451C77F1D7}">
-              <ma14:placeholderFlag xmlns="" xmlns:ma14="http://schemas.microsoft.com/office/mac/drawingml/2011/main" val="1"/>
+              <ma14:placeholderFlag xmlns:ma14="http://schemas.microsoft.com/office/mac/drawingml/2011/main" xmlns="" val="1"/>
             </a:ext>
           </a:extLst>
         </p:spPr>
@@ -4480,14 +4480,14 @@
           <a:effectLst/>
           <a:extLst>
             <a:ext uri="{909E8E84-426E-40dd-AFC4-6F175D3DCCD1}">
-              <a14:hiddenFill xmlns="" xmlns:a14="http://schemas.microsoft.com/office/drawing/2010/main">
+              <a14:hiddenFill xmlns:a14="http://schemas.microsoft.com/office/drawing/2010/main" xmlns="">
                 <a:solidFill>
                   <a:schemeClr val="accent1"/>
                 </a:solidFill>
               </a14:hiddenFill>
             </a:ext>
             <a:ext uri="{91240B29-F687-4f45-9708-019B960494DF}">
-              <a14:hiddenLine xmlns="" xmlns:a14="http://schemas.microsoft.com/office/drawing/2010/main" w="9525">
+              <a14:hiddenLine xmlns:a14="http://schemas.microsoft.com/office/drawing/2010/main" xmlns="" w="9525">
                 <a:solidFill>
                   <a:schemeClr val="tx1"/>
                 </a:solidFill>
@@ -4497,7 +4497,7 @@
               </a14:hiddenLine>
             </a:ext>
             <a:ext uri="{AF507438-7753-43e0-B8FC-AC1667EBCBE1}">
-              <a14:hiddenEffects xmlns="" xmlns:a14="http://schemas.microsoft.com/office/drawing/2010/main">
+              <a14:hiddenEffects xmlns:a14="http://schemas.microsoft.com/office/drawing/2010/main" xmlns="">
                 <a:effectLst>
                   <a:outerShdw blurRad="63500" dist="38099" dir="2700000" algn="ctr" rotWithShape="0">
                     <a:schemeClr val="bg2">
@@ -4508,7 +4508,7 @@
               </a14:hiddenEffects>
             </a:ext>
             <a:ext uri="{FAA26D3D-D897-4be2-8F04-BA451C77F1D7}">
-              <ma14:placeholderFlag xmlns="" xmlns:ma14="http://schemas.microsoft.com/office/mac/drawingml/2011/main" val="1"/>
+              <ma14:placeholderFlag xmlns:ma14="http://schemas.microsoft.com/office/mac/drawingml/2011/main" xmlns="" val="1"/>
             </a:ext>
           </a:extLst>
         </p:spPr>
@@ -4806,14 +4806,14 @@
           <a:effectLst/>
           <a:extLst>
             <a:ext uri="{909E8E84-426E-40dd-AFC4-6F175D3DCCD1}">
-              <a14:hiddenFill xmlns="" xmlns:a14="http://schemas.microsoft.com/office/drawing/2010/main">
+              <a14:hiddenFill xmlns:a14="http://schemas.microsoft.com/office/drawing/2010/main" xmlns="">
                 <a:solidFill>
                   <a:schemeClr val="accent1"/>
                 </a:solidFill>
               </a14:hiddenFill>
             </a:ext>
             <a:ext uri="{91240B29-F687-4f45-9708-019B960494DF}">
-              <a14:hiddenLine xmlns="" xmlns:a14="http://schemas.microsoft.com/office/drawing/2010/main" w="9525">
+              <a14:hiddenLine xmlns:a14="http://schemas.microsoft.com/office/drawing/2010/main" xmlns="" w="9525">
                 <a:solidFill>
                   <a:schemeClr val="tx1"/>
                 </a:solidFill>
@@ -4823,7 +4823,7 @@
               </a14:hiddenLine>
             </a:ext>
             <a:ext uri="{AF507438-7753-43e0-B8FC-AC1667EBCBE1}">
-              <a14:hiddenEffects xmlns="" xmlns:a14="http://schemas.microsoft.com/office/drawing/2010/main">
+              <a14:hiddenEffects xmlns:a14="http://schemas.microsoft.com/office/drawing/2010/main" xmlns="">
                 <a:effectLst>
                   <a:outerShdw blurRad="63500" dist="38099" dir="2700000" algn="ctr" rotWithShape="0">
                     <a:schemeClr val="bg2">
@@ -4834,7 +4834,7 @@
               </a14:hiddenEffects>
             </a:ext>
             <a:ext uri="{FAA26D3D-D897-4be2-8F04-BA451C77F1D7}">
-              <ma14:placeholderFlag xmlns="" xmlns:ma14="http://schemas.microsoft.com/office/mac/drawingml/2011/main" val="1"/>
+              <ma14:placeholderFlag xmlns:ma14="http://schemas.microsoft.com/office/mac/drawingml/2011/main" xmlns="" val="1"/>
             </a:ext>
           </a:extLst>
         </p:spPr>
@@ -5278,14 +5278,14 @@
           <a:effectLst/>
           <a:extLst>
             <a:ext uri="{909E8E84-426E-40dd-AFC4-6F175D3DCCD1}">
-              <a14:hiddenFill xmlns="" xmlns:a14="http://schemas.microsoft.com/office/drawing/2010/main">
+              <a14:hiddenFill xmlns:a14="http://schemas.microsoft.com/office/drawing/2010/main" xmlns="">
                 <a:solidFill>
                   <a:schemeClr val="accent1"/>
                 </a:solidFill>
               </a14:hiddenFill>
             </a:ext>
             <a:ext uri="{91240B29-F687-4f45-9708-019B960494DF}">
-              <a14:hiddenLine xmlns="" xmlns:a14="http://schemas.microsoft.com/office/drawing/2010/main" w="9525">
+              <a14:hiddenLine xmlns:a14="http://schemas.microsoft.com/office/drawing/2010/main" xmlns="" w="9525">
                 <a:solidFill>
                   <a:schemeClr val="tx1"/>
                 </a:solidFill>
@@ -5295,7 +5295,7 @@
               </a14:hiddenLine>
             </a:ext>
             <a:ext uri="{AF507438-7753-43e0-B8FC-AC1667EBCBE1}">
-              <a14:hiddenEffects xmlns="" xmlns:a14="http://schemas.microsoft.com/office/drawing/2010/main">
+              <a14:hiddenEffects xmlns:a14="http://schemas.microsoft.com/office/drawing/2010/main" xmlns="">
                 <a:effectLst>
                   <a:outerShdw blurRad="63500" dist="38099" dir="2700000" algn="ctr" rotWithShape="0">
                     <a:schemeClr val="bg2">
@@ -5306,7 +5306,7 @@
               </a14:hiddenEffects>
             </a:ext>
             <a:ext uri="{FAA26D3D-D897-4be2-8F04-BA451C77F1D7}">
-              <ma14:placeholderFlag xmlns="" xmlns:ma14="http://schemas.microsoft.com/office/mac/drawingml/2011/main" val="1"/>
+              <ma14:placeholderFlag xmlns:ma14="http://schemas.microsoft.com/office/mac/drawingml/2011/main" xmlns="" val="1"/>
             </a:ext>
           </a:extLst>
         </p:spPr>
@@ -5712,19 +5712,21 @@
               <a:t>0.005</a:t>
             </a:r>
             <a:r>
+              <a:rPr lang="en-US" dirty="0" smtClean="0"/>
+              <a:t>”)</a:t>
+            </a:r>
+            <a:endParaRPr lang="en-US" dirty="0" smtClean="0"/>
+          </a:p>
+          <a:p>
+            <a:r>
               <a:rPr lang="en-US" dirty="0"/>
-              <a:t>”</a:t>
-            </a:r>
-            <a:r>
-              <a:rPr lang="en-US" dirty="0" smtClean="0"/>
-              <a:t>)</a:t>
-            </a:r>
-          </a:p>
-          <a:p>
-            <a:pPr marL="0" indent="0">
-              <a:buNone/>
-            </a:pPr>
-            <a:endParaRPr lang="en-US" dirty="0" smtClean="0"/>
+              <a:t> </a:t>
+            </a:r>
+            <a:r>
+              <a:rPr lang="en-US" dirty="0" err="1" smtClean="0"/>
+              <a:t>Etc</a:t>
+            </a:r>
+            <a:endParaRPr lang="en-US" dirty="0"/>
           </a:p>
         </p:txBody>
       </p:sp>
@@ -7199,14 +7201,14 @@
           <a:effectLst/>
           <a:extLst>
             <a:ext uri="{909E8E84-426E-40dd-AFC4-6F175D3DCCD1}">
-              <a14:hiddenFill xmlns="" xmlns:a14="http://schemas.microsoft.com/office/drawing/2010/main">
+              <a14:hiddenFill xmlns:a14="http://schemas.microsoft.com/office/drawing/2010/main" xmlns="">
                 <a:solidFill>
                   <a:schemeClr val="accent1"/>
                 </a:solidFill>
               </a14:hiddenFill>
             </a:ext>
             <a:ext uri="{91240B29-F687-4f45-9708-019B960494DF}">
-              <a14:hiddenLine xmlns="" xmlns:a14="http://schemas.microsoft.com/office/drawing/2010/main" w="9525">
+              <a14:hiddenLine xmlns:a14="http://schemas.microsoft.com/office/drawing/2010/main" xmlns="" w="9525">
                 <a:solidFill>
                   <a:schemeClr val="tx1"/>
                 </a:solidFill>
@@ -7216,7 +7218,7 @@
               </a14:hiddenLine>
             </a:ext>
             <a:ext uri="{AF507438-7753-43e0-B8FC-AC1667EBCBE1}">
-              <a14:hiddenEffects xmlns="" xmlns:a14="http://schemas.microsoft.com/office/drawing/2010/main">
+              <a14:hiddenEffects xmlns:a14="http://schemas.microsoft.com/office/drawing/2010/main" xmlns="">
                 <a:effectLst>
                   <a:outerShdw blurRad="63500" dist="38099" dir="2700000" algn="ctr" rotWithShape="0">
                     <a:schemeClr val="bg2">
@@ -7227,7 +7229,7 @@
               </a14:hiddenEffects>
             </a:ext>
             <a:ext uri="{FAA26D3D-D897-4be2-8F04-BA451C77F1D7}">
-              <ma14:placeholderFlag xmlns="" xmlns:ma14="http://schemas.microsoft.com/office/mac/drawingml/2011/main" val="1"/>
+              <ma14:placeholderFlag xmlns:ma14="http://schemas.microsoft.com/office/mac/drawingml/2011/main" xmlns="" val="1"/>
             </a:ext>
           </a:extLst>
         </p:spPr>
@@ -7495,7 +7497,7 @@
           <a:effectLst/>
           <a:extLst>
             <a:ext uri="{AF507438-7753-43e0-B8FC-AC1667EBCBE1}">
-              <a14:hiddenEffects xmlns="" xmlns:a14="http://schemas.microsoft.com/office/drawing/2010/main">
+              <a14:hiddenEffects xmlns:a14="http://schemas.microsoft.com/office/drawing/2010/main" xmlns="">
                 <a:effectLst>
                   <a:outerShdw blurRad="63500" dist="35921" dir="2700000" algn="ctr" rotWithShape="0">
                     <a:schemeClr val="bg2"/>
@@ -7595,7 +7597,7 @@
           <a:effectLst/>
           <a:extLst>
             <a:ext uri="{AF507438-7753-43e0-B8FC-AC1667EBCBE1}">
-              <a14:hiddenEffects xmlns="" xmlns:a14="http://schemas.microsoft.com/office/drawing/2010/main">
+              <a14:hiddenEffects xmlns:a14="http://schemas.microsoft.com/office/drawing/2010/main" xmlns="">
                 <a:effectLst>
                   <a:outerShdw blurRad="63500" dist="35921" dir="2700000" algn="ctr" rotWithShape="0">
                     <a:schemeClr val="bg2"/>
@@ -7673,7 +7675,7 @@
           <a:effectLst/>
           <a:extLst>
             <a:ext uri="{AF507438-7753-43e0-B8FC-AC1667EBCBE1}">
-              <a14:hiddenEffects xmlns="" xmlns:a14="http://schemas.microsoft.com/office/drawing/2010/main">
+              <a14:hiddenEffects xmlns:a14="http://schemas.microsoft.com/office/drawing/2010/main" xmlns="">
                 <a:effectLst>
                   <a:outerShdw blurRad="63500" dist="35921" dir="2700000" algn="ctr" rotWithShape="0">
                     <a:schemeClr val="bg2"/>
@@ -7751,7 +7753,7 @@
           <a:effectLst/>
           <a:extLst>
             <a:ext uri="{AF507438-7753-43e0-B8FC-AC1667EBCBE1}">
-              <a14:hiddenEffects xmlns="" xmlns:a14="http://schemas.microsoft.com/office/drawing/2010/main">
+              <a14:hiddenEffects xmlns:a14="http://schemas.microsoft.com/office/drawing/2010/main" xmlns="">
                 <a:effectLst>
                   <a:outerShdw blurRad="63500" dist="35921" dir="2700000" algn="ctr" rotWithShape="0">
                     <a:schemeClr val="bg2"/>
@@ -7829,7 +7831,7 @@
           <a:effectLst/>
           <a:extLst>
             <a:ext uri="{AF507438-7753-43e0-B8FC-AC1667EBCBE1}">
-              <a14:hiddenEffects xmlns="" xmlns:a14="http://schemas.microsoft.com/office/drawing/2010/main">
+              <a14:hiddenEffects xmlns:a14="http://schemas.microsoft.com/office/drawing/2010/main" xmlns="">
                 <a:effectLst>
                   <a:outerShdw blurRad="63500" dist="35921" dir="2700000" algn="ctr" rotWithShape="0">
                     <a:schemeClr val="bg2"/>
@@ -7907,7 +7909,7 @@
           <a:effectLst/>
           <a:extLst>
             <a:ext uri="{AF507438-7753-43e0-B8FC-AC1667EBCBE1}">
-              <a14:hiddenEffects xmlns="" xmlns:a14="http://schemas.microsoft.com/office/drawing/2010/main">
+              <a14:hiddenEffects xmlns:a14="http://schemas.microsoft.com/office/drawing/2010/main" xmlns="">
                 <a:effectLst>
                   <a:outerShdw blurRad="63500" dist="35921" dir="2700000" algn="ctr" rotWithShape="0">
                     <a:schemeClr val="bg2"/>
@@ -7985,7 +7987,7 @@
           <a:effectLst/>
           <a:extLst>
             <a:ext uri="{AF507438-7753-43e0-B8FC-AC1667EBCBE1}">
-              <a14:hiddenEffects xmlns="" xmlns:a14="http://schemas.microsoft.com/office/drawing/2010/main">
+              <a14:hiddenEffects xmlns:a14="http://schemas.microsoft.com/office/drawing/2010/main" xmlns="">
                 <a:effectLst>
                   <a:outerShdw blurRad="63500" dist="35921" dir="2700000" algn="ctr" rotWithShape="0">
                     <a:schemeClr val="bg2"/>
@@ -8054,7 +8056,7 @@
           <a:effectLst/>
           <a:extLst>
             <a:ext uri="{AF507438-7753-43e0-B8FC-AC1667EBCBE1}">
-              <a14:hiddenEffects xmlns="" xmlns:a14="http://schemas.microsoft.com/office/drawing/2010/main">
+              <a14:hiddenEffects xmlns:a14="http://schemas.microsoft.com/office/drawing/2010/main" xmlns="">
                 <a:effectLst>
                   <a:outerShdw blurRad="63500" dist="35921" dir="2700000" algn="ctr" rotWithShape="0">
                     <a:schemeClr val="bg2"/>
@@ -9825,14 +9827,14 @@
           <a:effectLst/>
           <a:extLst>
             <a:ext uri="{909E8E84-426E-40dd-AFC4-6F175D3DCCD1}">
-              <a14:hiddenFill xmlns="" xmlns:a14="http://schemas.microsoft.com/office/drawing/2010/main">
+              <a14:hiddenFill xmlns:a14="http://schemas.microsoft.com/office/drawing/2010/main" xmlns="">
                 <a:solidFill>
                   <a:schemeClr val="accent1"/>
                 </a:solidFill>
               </a14:hiddenFill>
             </a:ext>
             <a:ext uri="{91240B29-F687-4f45-9708-019B960494DF}">
-              <a14:hiddenLine xmlns="" xmlns:a14="http://schemas.microsoft.com/office/drawing/2010/main" w="9525">
+              <a14:hiddenLine xmlns:a14="http://schemas.microsoft.com/office/drawing/2010/main" xmlns="" w="9525">
                 <a:solidFill>
                   <a:schemeClr val="tx1"/>
                 </a:solidFill>
@@ -9842,7 +9844,7 @@
               </a14:hiddenLine>
             </a:ext>
             <a:ext uri="{AF507438-7753-43e0-B8FC-AC1667EBCBE1}">
-              <a14:hiddenEffects xmlns="" xmlns:a14="http://schemas.microsoft.com/office/drawing/2010/main">
+              <a14:hiddenEffects xmlns:a14="http://schemas.microsoft.com/office/drawing/2010/main" xmlns="">
                 <a:effectLst>
                   <a:outerShdw blurRad="63500" dist="38099" dir="2700000" algn="ctr" rotWithShape="0">
                     <a:schemeClr val="bg2">
@@ -9853,7 +9855,7 @@
               </a14:hiddenEffects>
             </a:ext>
             <a:ext uri="{FAA26D3D-D897-4be2-8F04-BA451C77F1D7}">
-              <ma14:placeholderFlag xmlns="" xmlns:ma14="http://schemas.microsoft.com/office/mac/drawingml/2011/main" val="1"/>
+              <ma14:placeholderFlag xmlns:ma14="http://schemas.microsoft.com/office/mac/drawingml/2011/main" xmlns="" val="1"/>
             </a:ext>
           </a:extLst>
         </p:spPr>
@@ -10806,14 +10808,14 @@
           <a:effectLst/>
           <a:extLst>
             <a:ext uri="{909E8E84-426E-40dd-AFC4-6F175D3DCCD1}">
-              <a14:hiddenFill xmlns="" xmlns:a14="http://schemas.microsoft.com/office/drawing/2010/main">
+              <a14:hiddenFill xmlns:a14="http://schemas.microsoft.com/office/drawing/2010/main" xmlns="">
                 <a:solidFill>
                   <a:schemeClr val="accent1"/>
                 </a:solidFill>
               </a14:hiddenFill>
             </a:ext>
             <a:ext uri="{91240B29-F687-4f45-9708-019B960494DF}">
-              <a14:hiddenLine xmlns="" xmlns:a14="http://schemas.microsoft.com/office/drawing/2010/main" w="9525">
+              <a14:hiddenLine xmlns:a14="http://schemas.microsoft.com/office/drawing/2010/main" xmlns="" w="9525">
                 <a:solidFill>
                   <a:schemeClr val="tx1"/>
                 </a:solidFill>
@@ -10823,7 +10825,7 @@
               </a14:hiddenLine>
             </a:ext>
             <a:ext uri="{AF507438-7753-43e0-B8FC-AC1667EBCBE1}">
-              <a14:hiddenEffects xmlns="" xmlns:a14="http://schemas.microsoft.com/office/drawing/2010/main">
+              <a14:hiddenEffects xmlns:a14="http://schemas.microsoft.com/office/drawing/2010/main" xmlns="">
                 <a:effectLst>
                   <a:outerShdw blurRad="63500" dist="38099" dir="2700000" algn="ctr" rotWithShape="0">
                     <a:schemeClr val="bg2">
@@ -10834,7 +10836,7 @@
               </a14:hiddenEffects>
             </a:ext>
             <a:ext uri="{FAA26D3D-D897-4be2-8F04-BA451C77F1D7}">
-              <ma14:placeholderFlag xmlns="" xmlns:ma14="http://schemas.microsoft.com/office/mac/drawingml/2011/main" val="1"/>
+              <ma14:placeholderFlag xmlns:ma14="http://schemas.microsoft.com/office/mac/drawingml/2011/main" xmlns="" val="1"/>
             </a:ext>
           </a:extLst>
         </p:spPr>
@@ -11576,14 +11578,14 @@
           <a:effectLst/>
           <a:extLst>
             <a:ext uri="{909E8E84-426E-40dd-AFC4-6F175D3DCCD1}">
-              <a14:hiddenFill xmlns="" xmlns:a14="http://schemas.microsoft.com/office/drawing/2010/main">
+              <a14:hiddenFill xmlns:a14="http://schemas.microsoft.com/office/drawing/2010/main" xmlns="">
                 <a:solidFill>
                   <a:schemeClr val="accent1"/>
                 </a:solidFill>
               </a14:hiddenFill>
             </a:ext>
             <a:ext uri="{91240B29-F687-4f45-9708-019B960494DF}">
-              <a14:hiddenLine xmlns="" xmlns:a14="http://schemas.microsoft.com/office/drawing/2010/main" w="9525">
+              <a14:hiddenLine xmlns:a14="http://schemas.microsoft.com/office/drawing/2010/main" xmlns="" w="9525">
                 <a:solidFill>
                   <a:schemeClr val="tx1"/>
                 </a:solidFill>
@@ -11593,7 +11595,7 @@
               </a14:hiddenLine>
             </a:ext>
             <a:ext uri="{AF507438-7753-43e0-B8FC-AC1667EBCBE1}">
-              <a14:hiddenEffects xmlns="" xmlns:a14="http://schemas.microsoft.com/office/drawing/2010/main">
+              <a14:hiddenEffects xmlns:a14="http://schemas.microsoft.com/office/drawing/2010/main" xmlns="">
                 <a:effectLst>
                   <a:outerShdw blurRad="63500" dist="38099" dir="2700000" algn="ctr" rotWithShape="0">
                     <a:schemeClr val="bg2">
@@ -11604,7 +11606,7 @@
               </a14:hiddenEffects>
             </a:ext>
             <a:ext uri="{FAA26D3D-D897-4be2-8F04-BA451C77F1D7}">
-              <ma14:placeholderFlag xmlns="" xmlns:ma14="http://schemas.microsoft.com/office/mac/drawingml/2011/main" val="1"/>
+              <ma14:placeholderFlag xmlns:ma14="http://schemas.microsoft.com/office/mac/drawingml/2011/main" xmlns="" val="1"/>
             </a:ext>
           </a:extLst>
         </p:spPr>
@@ -12337,7 +12339,7 @@
         <a:effectLst/>
         <a:extLst>
           <a:ext uri="{AF507438-7753-43e0-B8FC-AC1667EBCBE1}">
-            <a14:hiddenEffects xmlns="" xmlns:a14="http://schemas.microsoft.com/office/drawing/2010/main">
+            <a14:hiddenEffects xmlns:a14="http://schemas.microsoft.com/office/drawing/2010/main" xmlns="">
               <a:effectLst>
                 <a:outerShdw blurRad="63500" dist="35921" dir="2700000" algn="ctr" rotWithShape="0">
                   <a:schemeClr val="bg2"/>
@@ -12411,7 +12413,7 @@
         <a:effectLst/>
         <a:extLst>
           <a:ext uri="{AF507438-7753-43e0-B8FC-AC1667EBCBE1}">
-            <a14:hiddenEffects xmlns="" xmlns:a14="http://schemas.microsoft.com/office/drawing/2010/main">
+            <a14:hiddenEffects xmlns:a14="http://schemas.microsoft.com/office/drawing/2010/main" xmlns="">
               <a:effectLst>
                 <a:outerShdw blurRad="63500" dist="35921" dir="2700000" algn="ctr" rotWithShape="0">
                   <a:schemeClr val="bg2"/>
